--- a/images/theory_analysis/Kafka/Kafka.pptx
+++ b/images/theory_analysis/Kafka/Kafka.pptx
@@ -5,10 +5,12 @@
     <p:sldMasterId id="2147483648" r:id="rId1"/>
   </p:sldMasterIdLst>
   <p:notesMasterIdLst>
-    <p:notesMasterId r:id="rId3"/>
+    <p:notesMasterId r:id="rId5"/>
   </p:notesMasterIdLst>
   <p:sldIdLst>
     <p:sldId id="359" r:id="rId2"/>
+    <p:sldId id="360" r:id="rId3"/>
+    <p:sldId id="361" r:id="rId4"/>
   </p:sldIdLst>
   <p:sldSz cx="9144000" cy="5143500" type="screen16x9"/>
   <p:notesSz cx="6858000" cy="9144000"/>
@@ -213,7 +215,7 @@
           <a:p>
             <a:fld id="{6CD5550B-26C4-49A9-A5BA-636EF7BE6CE9}" type="datetimeFigureOut">
               <a:rPr lang="ko-KR" altLang="en-US" smtClean="0"/>
-              <a:t>2019-02-18</a:t>
+              <a:t>2019-02-19</a:t>
             </a:fld>
             <a:endParaRPr lang="ko-KR" altLang="en-US"/>
           </a:p>
@@ -564,6 +566,174 @@
 </p:notes>
 </file>
 
+<file path=ppt/notesSlides/notesSlide2.xml><?xml version="1.0" encoding="utf-8"?>
+<p:notes xmlns:a="http://schemas.openxmlformats.org/drawingml/2006/main" xmlns:r="http://schemas.openxmlformats.org/officeDocument/2006/relationships" xmlns:p="http://schemas.openxmlformats.org/presentationml/2006/main">
+  <p:cSld>
+    <p:spTree>
+      <p:nvGrpSpPr>
+        <p:cNvPr id="1" name=""/>
+        <p:cNvGrpSpPr/>
+        <p:nvPr/>
+      </p:nvGrpSpPr>
+      <p:grpSpPr>
+        <a:xfrm>
+          <a:off x="0" y="0"/>
+          <a:ext cx="0" cy="0"/>
+          <a:chOff x="0" y="0"/>
+          <a:chExt cx="0" cy="0"/>
+        </a:xfrm>
+      </p:grpSpPr>
+      <p:sp>
+        <p:nvSpPr>
+          <p:cNvPr id="2" name="슬라이드 이미지 개체 틀 1"/>
+          <p:cNvSpPr>
+            <a:spLocks noGrp="1" noRot="1" noChangeAspect="1"/>
+          </p:cNvSpPr>
+          <p:nvPr>
+            <p:ph type="sldImg"/>
+          </p:nvPr>
+        </p:nvSpPr>
+        <p:spPr/>
+      </p:sp>
+      <p:sp>
+        <p:nvSpPr>
+          <p:cNvPr id="3" name="슬라이드 노트 개체 틀 2"/>
+          <p:cNvSpPr>
+            <a:spLocks noGrp="1"/>
+          </p:cNvSpPr>
+          <p:nvPr>
+            <p:ph type="body" idx="1"/>
+          </p:nvPr>
+        </p:nvSpPr>
+        <p:spPr/>
+        <p:txBody>
+          <a:bodyPr/>
+          <a:lstStyle/>
+          <a:p>
+            <a:endParaRPr lang="ko-KR" altLang="en-US" dirty="0"/>
+          </a:p>
+        </p:txBody>
+      </p:sp>
+      <p:sp>
+        <p:nvSpPr>
+          <p:cNvPr id="4" name="슬라이드 번호 개체 틀 3"/>
+          <p:cNvSpPr>
+            <a:spLocks noGrp="1"/>
+          </p:cNvSpPr>
+          <p:nvPr>
+            <p:ph type="sldNum" sz="quarter" idx="10"/>
+          </p:nvPr>
+        </p:nvSpPr>
+        <p:spPr/>
+        <p:txBody>
+          <a:bodyPr/>
+          <a:lstStyle/>
+          <a:p>
+            <a:fld id="{BA5DFA43-8D57-47FB-BC46-057616015C3B}" type="slidenum">
+              <a:rPr lang="ko-KR" altLang="en-US" smtClean="0"/>
+              <a:t>2</a:t>
+            </a:fld>
+            <a:endParaRPr lang="ko-KR" altLang="en-US"/>
+          </a:p>
+        </p:txBody>
+      </p:sp>
+    </p:spTree>
+    <p:extLst>
+      <p:ext uri="{BB962C8B-B14F-4D97-AF65-F5344CB8AC3E}">
+        <p14:creationId xmlns:p14="http://schemas.microsoft.com/office/powerpoint/2010/main" val="1775749246"/>
+      </p:ext>
+    </p:extLst>
+  </p:cSld>
+  <p:clrMapOvr>
+    <a:masterClrMapping/>
+  </p:clrMapOvr>
+</p:notes>
+</file>
+
+<file path=ppt/notesSlides/notesSlide3.xml><?xml version="1.0" encoding="utf-8"?>
+<p:notes xmlns:a="http://schemas.openxmlformats.org/drawingml/2006/main" xmlns:r="http://schemas.openxmlformats.org/officeDocument/2006/relationships" xmlns:p="http://schemas.openxmlformats.org/presentationml/2006/main">
+  <p:cSld>
+    <p:spTree>
+      <p:nvGrpSpPr>
+        <p:cNvPr id="1" name=""/>
+        <p:cNvGrpSpPr/>
+        <p:nvPr/>
+      </p:nvGrpSpPr>
+      <p:grpSpPr>
+        <a:xfrm>
+          <a:off x="0" y="0"/>
+          <a:ext cx="0" cy="0"/>
+          <a:chOff x="0" y="0"/>
+          <a:chExt cx="0" cy="0"/>
+        </a:xfrm>
+      </p:grpSpPr>
+      <p:sp>
+        <p:nvSpPr>
+          <p:cNvPr id="2" name="슬라이드 이미지 개체 틀 1"/>
+          <p:cNvSpPr>
+            <a:spLocks noGrp="1" noRot="1" noChangeAspect="1"/>
+          </p:cNvSpPr>
+          <p:nvPr>
+            <p:ph type="sldImg"/>
+          </p:nvPr>
+        </p:nvSpPr>
+        <p:spPr/>
+      </p:sp>
+      <p:sp>
+        <p:nvSpPr>
+          <p:cNvPr id="3" name="슬라이드 노트 개체 틀 2"/>
+          <p:cNvSpPr>
+            <a:spLocks noGrp="1"/>
+          </p:cNvSpPr>
+          <p:nvPr>
+            <p:ph type="body" idx="1"/>
+          </p:nvPr>
+        </p:nvSpPr>
+        <p:spPr/>
+        <p:txBody>
+          <a:bodyPr/>
+          <a:lstStyle/>
+          <a:p>
+            <a:endParaRPr lang="ko-KR" altLang="en-US" dirty="0"/>
+          </a:p>
+        </p:txBody>
+      </p:sp>
+      <p:sp>
+        <p:nvSpPr>
+          <p:cNvPr id="4" name="슬라이드 번호 개체 틀 3"/>
+          <p:cNvSpPr>
+            <a:spLocks noGrp="1"/>
+          </p:cNvSpPr>
+          <p:nvPr>
+            <p:ph type="sldNum" sz="quarter" idx="10"/>
+          </p:nvPr>
+        </p:nvSpPr>
+        <p:spPr/>
+        <p:txBody>
+          <a:bodyPr/>
+          <a:lstStyle/>
+          <a:p>
+            <a:fld id="{BA5DFA43-8D57-47FB-BC46-057616015C3B}" type="slidenum">
+              <a:rPr lang="ko-KR" altLang="en-US" smtClean="0"/>
+              <a:t>3</a:t>
+            </a:fld>
+            <a:endParaRPr lang="ko-KR" altLang="en-US"/>
+          </a:p>
+        </p:txBody>
+      </p:sp>
+    </p:spTree>
+    <p:extLst>
+      <p:ext uri="{BB962C8B-B14F-4D97-AF65-F5344CB8AC3E}">
+        <p14:creationId xmlns:p14="http://schemas.microsoft.com/office/powerpoint/2010/main" val="517862948"/>
+      </p:ext>
+    </p:extLst>
+  </p:cSld>
+  <p:clrMapOvr>
+    <a:masterClrMapping/>
+  </p:clrMapOvr>
+</p:notes>
+</file>
+
 <file path=ppt/slideLayouts/slideLayout1.xml><?xml version="1.0" encoding="utf-8"?>
 <p:sldLayout xmlns:a="http://schemas.openxmlformats.org/drawingml/2006/main" xmlns:r="http://schemas.openxmlformats.org/officeDocument/2006/relationships" xmlns:p="http://schemas.openxmlformats.org/presentationml/2006/main" type="title" preserve="1">
   <p:cSld name="제목 슬라이드">
@@ -743,7 +913,7 @@
           <a:p>
             <a:fld id="{FB30EDBD-1C2D-4C1E-B459-B60219FAB484}" type="datetimeFigureOut">
               <a:rPr lang="ko-KR" altLang="en-US" smtClean="0"/>
-              <a:t>2019-02-18</a:t>
+              <a:t>2019-02-19</a:t>
             </a:fld>
             <a:endParaRPr lang="ko-KR" altLang="en-US"/>
           </a:p>
@@ -906,7 +1076,7 @@
           <a:p>
             <a:fld id="{FB30EDBD-1C2D-4C1E-B459-B60219FAB484}" type="datetimeFigureOut">
               <a:rPr lang="ko-KR" altLang="en-US" smtClean="0"/>
-              <a:t>2019-02-18</a:t>
+              <a:t>2019-02-19</a:t>
             </a:fld>
             <a:endParaRPr lang="ko-KR" altLang="en-US"/>
           </a:p>
@@ -1079,7 +1249,7 @@
           <a:p>
             <a:fld id="{FB30EDBD-1C2D-4C1E-B459-B60219FAB484}" type="datetimeFigureOut">
               <a:rPr lang="ko-KR" altLang="en-US" smtClean="0"/>
-              <a:t>2019-02-18</a:t>
+              <a:t>2019-02-19</a:t>
             </a:fld>
             <a:endParaRPr lang="ko-KR" altLang="en-US"/>
           </a:p>
@@ -1242,7 +1412,7 @@
           <a:p>
             <a:fld id="{FB30EDBD-1C2D-4C1E-B459-B60219FAB484}" type="datetimeFigureOut">
               <a:rPr lang="ko-KR" altLang="en-US" smtClean="0"/>
-              <a:t>2019-02-18</a:t>
+              <a:t>2019-02-19</a:t>
             </a:fld>
             <a:endParaRPr lang="ko-KR" altLang="en-US"/>
           </a:p>
@@ -1482,7 +1652,7 @@
           <a:p>
             <a:fld id="{FB30EDBD-1C2D-4C1E-B459-B60219FAB484}" type="datetimeFigureOut">
               <a:rPr lang="ko-KR" altLang="en-US" smtClean="0"/>
-              <a:t>2019-02-18</a:t>
+              <a:t>2019-02-19</a:t>
             </a:fld>
             <a:endParaRPr lang="ko-KR" altLang="en-US"/>
           </a:p>
@@ -1762,7 +1932,7 @@
           <a:p>
             <a:fld id="{FB30EDBD-1C2D-4C1E-B459-B60219FAB484}" type="datetimeFigureOut">
               <a:rPr lang="ko-KR" altLang="en-US" smtClean="0"/>
-              <a:t>2019-02-18</a:t>
+              <a:t>2019-02-19</a:t>
             </a:fld>
             <a:endParaRPr lang="ko-KR" altLang="en-US"/>
           </a:p>
@@ -2176,7 +2346,7 @@
           <a:p>
             <a:fld id="{FB30EDBD-1C2D-4C1E-B459-B60219FAB484}" type="datetimeFigureOut">
               <a:rPr lang="ko-KR" altLang="en-US" smtClean="0"/>
-              <a:t>2019-02-18</a:t>
+              <a:t>2019-02-19</a:t>
             </a:fld>
             <a:endParaRPr lang="ko-KR" altLang="en-US"/>
           </a:p>
@@ -2288,7 +2458,7 @@
           <a:p>
             <a:fld id="{FB30EDBD-1C2D-4C1E-B459-B60219FAB484}" type="datetimeFigureOut">
               <a:rPr lang="ko-KR" altLang="en-US" smtClean="0"/>
-              <a:t>2019-02-18</a:t>
+              <a:t>2019-02-19</a:t>
             </a:fld>
             <a:endParaRPr lang="ko-KR" altLang="en-US"/>
           </a:p>
@@ -2378,7 +2548,7 @@
           <a:p>
             <a:fld id="{FB30EDBD-1C2D-4C1E-B459-B60219FAB484}" type="datetimeFigureOut">
               <a:rPr lang="ko-KR" altLang="en-US" smtClean="0"/>
-              <a:t>2019-02-18</a:t>
+              <a:t>2019-02-19</a:t>
             </a:fld>
             <a:endParaRPr lang="ko-KR" altLang="en-US"/>
           </a:p>
@@ -2648,7 +2818,7 @@
           <a:p>
             <a:fld id="{FB30EDBD-1C2D-4C1E-B459-B60219FAB484}" type="datetimeFigureOut">
               <a:rPr lang="ko-KR" altLang="en-US" smtClean="0"/>
-              <a:t>2019-02-18</a:t>
+              <a:t>2019-02-19</a:t>
             </a:fld>
             <a:endParaRPr lang="ko-KR" altLang="en-US"/>
           </a:p>
@@ -2895,7 +3065,7 @@
           <a:p>
             <a:fld id="{FB30EDBD-1C2D-4C1E-B459-B60219FAB484}" type="datetimeFigureOut">
               <a:rPr lang="ko-KR" altLang="en-US" smtClean="0"/>
-              <a:t>2019-02-18</a:t>
+              <a:t>2019-02-19</a:t>
             </a:fld>
             <a:endParaRPr lang="ko-KR" altLang="en-US"/>
           </a:p>
@@ -3101,7 +3271,7 @@
           <a:p>
             <a:fld id="{FB30EDBD-1C2D-4C1E-B459-B60219FAB484}" type="datetimeFigureOut">
               <a:rPr lang="ko-KR" altLang="en-US" smtClean="0"/>
-              <a:t>2019-02-18</a:t>
+              <a:t>2019-02-19</a:t>
             </a:fld>
             <a:endParaRPr lang="ko-KR" altLang="en-US"/>
           </a:p>
@@ -3513,6 +3683,927 @@
         </p:nvSpPr>
         <p:spPr>
           <a:xfrm>
+            <a:off x="2598476" y="1203598"/>
+            <a:ext cx="1728192" cy="432048"/>
+          </a:xfrm>
+          <a:prstGeom prst="roundRect">
+            <a:avLst/>
+          </a:prstGeom>
+        </p:spPr>
+        <p:style>
+          <a:lnRef idx="2">
+            <a:schemeClr val="dk1"/>
+          </a:lnRef>
+          <a:fillRef idx="1">
+            <a:schemeClr val="lt1"/>
+          </a:fillRef>
+          <a:effectRef idx="0">
+            <a:schemeClr val="dk1"/>
+          </a:effectRef>
+          <a:fontRef idx="minor">
+            <a:schemeClr val="dk1"/>
+          </a:fontRef>
+        </p:style>
+        <p:txBody>
+          <a:bodyPr rtlCol="0" anchor="ctr"/>
+          <a:lstStyle/>
+          <a:p>
+            <a:pPr algn="ctr"/>
+            <a:r>
+              <a:rPr lang="en-US" altLang="ko-KR" sz="1400"/>
+              <a:t>Producer</a:t>
+            </a:r>
+            <a:endParaRPr lang="ko-KR" altLang="en-US" sz="1400" dirty="0"/>
+          </a:p>
+        </p:txBody>
+      </p:sp>
+      <p:sp>
+        <p:nvSpPr>
+          <p:cNvPr id="6" name="사각형: 둥근 모서리 5">
+            <a:extLst>
+              <a:ext uri="{FF2B5EF4-FFF2-40B4-BE49-F238E27FC236}">
+                <a16:creationId xmlns:a16="http://schemas.microsoft.com/office/drawing/2014/main" id="{3A8D51E8-B583-4C30-AEAD-66076B895A5D}"/>
+              </a:ext>
+            </a:extLst>
+          </p:cNvPr>
+          <p:cNvSpPr/>
+          <p:nvPr/>
+        </p:nvSpPr>
+        <p:spPr>
+          <a:xfrm>
+            <a:off x="1387929" y="1923678"/>
+            <a:ext cx="6208407" cy="1080120"/>
+          </a:xfrm>
+          <a:prstGeom prst="roundRect">
+            <a:avLst>
+              <a:gd name="adj" fmla="val 6360"/>
+            </a:avLst>
+          </a:prstGeom>
+        </p:spPr>
+        <p:style>
+          <a:lnRef idx="2">
+            <a:schemeClr val="dk1"/>
+          </a:lnRef>
+          <a:fillRef idx="1">
+            <a:schemeClr val="lt1"/>
+          </a:fillRef>
+          <a:effectRef idx="0">
+            <a:schemeClr val="dk1"/>
+          </a:effectRef>
+          <a:fontRef idx="minor">
+            <a:schemeClr val="dk1"/>
+          </a:fontRef>
+        </p:style>
+        <p:txBody>
+          <a:bodyPr rtlCol="0" anchor="t"/>
+          <a:lstStyle/>
+          <a:p>
+            <a:r>
+              <a:rPr lang="en-US" altLang="ko-KR" sz="1400" dirty="0"/>
+              <a:t>Kafka Cluster</a:t>
+            </a:r>
+            <a:endParaRPr lang="ko-KR" altLang="en-US" sz="1400" dirty="0"/>
+          </a:p>
+        </p:txBody>
+      </p:sp>
+      <p:sp>
+        <p:nvSpPr>
+          <p:cNvPr id="7" name="사각형: 둥근 모서리 6">
+            <a:extLst>
+              <a:ext uri="{FF2B5EF4-FFF2-40B4-BE49-F238E27FC236}">
+                <a16:creationId xmlns:a16="http://schemas.microsoft.com/office/drawing/2014/main" id="{43605E7C-158D-49F1-8506-CEF09E8CC589}"/>
+              </a:ext>
+            </a:extLst>
+          </p:cNvPr>
+          <p:cNvSpPr/>
+          <p:nvPr/>
+        </p:nvSpPr>
+        <p:spPr>
+          <a:xfrm>
+            <a:off x="1547664" y="2355726"/>
+            <a:ext cx="1728192" cy="504056"/>
+          </a:xfrm>
+          <a:prstGeom prst="roundRect">
+            <a:avLst>
+              <a:gd name="adj" fmla="val 7489"/>
+            </a:avLst>
+          </a:prstGeom>
+        </p:spPr>
+        <p:style>
+          <a:lnRef idx="2">
+            <a:schemeClr val="dk1"/>
+          </a:lnRef>
+          <a:fillRef idx="1">
+            <a:schemeClr val="lt1"/>
+          </a:fillRef>
+          <a:effectRef idx="0">
+            <a:schemeClr val="dk1"/>
+          </a:effectRef>
+          <a:fontRef idx="minor">
+            <a:schemeClr val="dk1"/>
+          </a:fontRef>
+        </p:style>
+        <p:txBody>
+          <a:bodyPr rtlCol="0" anchor="ctr"/>
+          <a:lstStyle/>
+          <a:p>
+            <a:pPr algn="ctr"/>
+            <a:r>
+              <a:rPr lang="en-US" altLang="ko-KR" sz="1400" dirty="0"/>
+              <a:t>Topic A</a:t>
+            </a:r>
+            <a:endParaRPr lang="ko-KR" altLang="en-US" sz="1400" dirty="0"/>
+          </a:p>
+        </p:txBody>
+      </p:sp>
+      <p:sp>
+        <p:nvSpPr>
+          <p:cNvPr id="17" name="사각형: 둥근 모서리 16">
+            <a:extLst>
+              <a:ext uri="{FF2B5EF4-FFF2-40B4-BE49-F238E27FC236}">
+                <a16:creationId xmlns:a16="http://schemas.microsoft.com/office/drawing/2014/main" id="{81D51EEF-881E-4D40-8D97-72F8E211014A}"/>
+              </a:ext>
+            </a:extLst>
+          </p:cNvPr>
+          <p:cNvSpPr/>
+          <p:nvPr/>
+        </p:nvSpPr>
+        <p:spPr>
+          <a:xfrm>
+            <a:off x="3599892" y="2355726"/>
+            <a:ext cx="1728192" cy="504056"/>
+          </a:xfrm>
+          <a:prstGeom prst="roundRect">
+            <a:avLst>
+              <a:gd name="adj" fmla="val 7489"/>
+            </a:avLst>
+          </a:prstGeom>
+        </p:spPr>
+        <p:style>
+          <a:lnRef idx="2">
+            <a:schemeClr val="dk1"/>
+          </a:lnRef>
+          <a:fillRef idx="1">
+            <a:schemeClr val="lt1"/>
+          </a:fillRef>
+          <a:effectRef idx="0">
+            <a:schemeClr val="dk1"/>
+          </a:effectRef>
+          <a:fontRef idx="minor">
+            <a:schemeClr val="dk1"/>
+          </a:fontRef>
+        </p:style>
+        <p:txBody>
+          <a:bodyPr rtlCol="0" anchor="ctr"/>
+          <a:lstStyle/>
+          <a:p>
+            <a:pPr algn="ctr"/>
+            <a:r>
+              <a:rPr lang="en-US" altLang="ko-KR" sz="1400" dirty="0"/>
+              <a:t>Topic B</a:t>
+            </a:r>
+            <a:endParaRPr lang="ko-KR" altLang="en-US" sz="1400" dirty="0"/>
+          </a:p>
+        </p:txBody>
+      </p:sp>
+      <p:sp>
+        <p:nvSpPr>
+          <p:cNvPr id="22" name="사각형: 둥근 모서리 21">
+            <a:extLst>
+              <a:ext uri="{FF2B5EF4-FFF2-40B4-BE49-F238E27FC236}">
+                <a16:creationId xmlns:a16="http://schemas.microsoft.com/office/drawing/2014/main" id="{6BB1E2A6-F8AC-4742-9A35-2BCFEFE7A7A2}"/>
+              </a:ext>
+            </a:extLst>
+          </p:cNvPr>
+          <p:cNvSpPr/>
+          <p:nvPr/>
+        </p:nvSpPr>
+        <p:spPr>
+          <a:xfrm>
+            <a:off x="5674076" y="2355726"/>
+            <a:ext cx="1728192" cy="504056"/>
+          </a:xfrm>
+          <a:prstGeom prst="roundRect">
+            <a:avLst>
+              <a:gd name="adj" fmla="val 7489"/>
+            </a:avLst>
+          </a:prstGeom>
+        </p:spPr>
+        <p:style>
+          <a:lnRef idx="2">
+            <a:schemeClr val="dk1"/>
+          </a:lnRef>
+          <a:fillRef idx="1">
+            <a:schemeClr val="lt1"/>
+          </a:fillRef>
+          <a:effectRef idx="0">
+            <a:schemeClr val="dk1"/>
+          </a:effectRef>
+          <a:fontRef idx="minor">
+            <a:schemeClr val="dk1"/>
+          </a:fontRef>
+        </p:style>
+        <p:txBody>
+          <a:bodyPr rtlCol="0" anchor="ctr"/>
+          <a:lstStyle/>
+          <a:p>
+            <a:pPr algn="ctr"/>
+            <a:r>
+              <a:rPr lang="en-US" altLang="ko-KR" sz="1400" dirty="0"/>
+              <a:t>Topic C</a:t>
+            </a:r>
+            <a:endParaRPr lang="ko-KR" altLang="en-US" sz="1400" dirty="0"/>
+          </a:p>
+        </p:txBody>
+      </p:sp>
+      <p:sp>
+        <p:nvSpPr>
+          <p:cNvPr id="26" name="사각형: 둥근 모서리 25">
+            <a:extLst>
+              <a:ext uri="{FF2B5EF4-FFF2-40B4-BE49-F238E27FC236}">
+                <a16:creationId xmlns:a16="http://schemas.microsoft.com/office/drawing/2014/main" id="{E95C71DC-3DAE-4BE3-B333-BA03C3FF760A}"/>
+              </a:ext>
+            </a:extLst>
+          </p:cNvPr>
+          <p:cNvSpPr/>
+          <p:nvPr/>
+        </p:nvSpPr>
+        <p:spPr>
+          <a:xfrm>
+            <a:off x="4650704" y="1203598"/>
+            <a:ext cx="1728192" cy="432048"/>
+          </a:xfrm>
+          <a:prstGeom prst="roundRect">
+            <a:avLst/>
+          </a:prstGeom>
+        </p:spPr>
+        <p:style>
+          <a:lnRef idx="2">
+            <a:schemeClr val="dk1"/>
+          </a:lnRef>
+          <a:fillRef idx="1">
+            <a:schemeClr val="lt1"/>
+          </a:fillRef>
+          <a:effectRef idx="0">
+            <a:schemeClr val="dk1"/>
+          </a:effectRef>
+          <a:fontRef idx="minor">
+            <a:schemeClr val="dk1"/>
+          </a:fontRef>
+        </p:style>
+        <p:txBody>
+          <a:bodyPr rtlCol="0" anchor="ctr"/>
+          <a:lstStyle/>
+          <a:p>
+            <a:pPr algn="ctr"/>
+            <a:r>
+              <a:rPr lang="en-US" altLang="ko-KR" sz="1400"/>
+              <a:t>Producer</a:t>
+            </a:r>
+            <a:endParaRPr lang="ko-KR" altLang="en-US" sz="1400" dirty="0"/>
+          </a:p>
+        </p:txBody>
+      </p:sp>
+      <p:sp>
+        <p:nvSpPr>
+          <p:cNvPr id="28" name="사각형: 둥근 모서리 27">
+            <a:extLst>
+              <a:ext uri="{FF2B5EF4-FFF2-40B4-BE49-F238E27FC236}">
+                <a16:creationId xmlns:a16="http://schemas.microsoft.com/office/drawing/2014/main" id="{1FDAD9F0-B585-4776-8EFF-1B3B1CDDDF15}"/>
+              </a:ext>
+            </a:extLst>
+          </p:cNvPr>
+          <p:cNvSpPr/>
+          <p:nvPr/>
+        </p:nvSpPr>
+        <p:spPr>
+          <a:xfrm>
+            <a:off x="514995" y="3363838"/>
+            <a:ext cx="1743912" cy="413742"/>
+          </a:xfrm>
+          <a:prstGeom prst="roundRect">
+            <a:avLst/>
+          </a:prstGeom>
+        </p:spPr>
+        <p:style>
+          <a:lnRef idx="2">
+            <a:schemeClr val="dk1"/>
+          </a:lnRef>
+          <a:fillRef idx="1">
+            <a:schemeClr val="lt1"/>
+          </a:fillRef>
+          <a:effectRef idx="0">
+            <a:schemeClr val="dk1"/>
+          </a:effectRef>
+          <a:fontRef idx="minor">
+            <a:schemeClr val="dk1"/>
+          </a:fontRef>
+        </p:style>
+        <p:txBody>
+          <a:bodyPr rtlCol="0" anchor="ctr"/>
+          <a:lstStyle/>
+          <a:p>
+            <a:pPr algn="ctr"/>
+            <a:r>
+              <a:rPr lang="en-US" altLang="ko-KR" sz="1400"/>
+              <a:t>Consumer</a:t>
+            </a:r>
+            <a:endParaRPr lang="ko-KR" altLang="en-US" sz="1400" dirty="0"/>
+          </a:p>
+        </p:txBody>
+      </p:sp>
+      <p:sp>
+        <p:nvSpPr>
+          <p:cNvPr id="38" name="사각형: 둥근 모서리 37">
+            <a:extLst>
+              <a:ext uri="{FF2B5EF4-FFF2-40B4-BE49-F238E27FC236}">
+                <a16:creationId xmlns:a16="http://schemas.microsoft.com/office/drawing/2014/main" id="{0D04AF20-0AE7-4278-A777-83004129ACF2}"/>
+              </a:ext>
+            </a:extLst>
+          </p:cNvPr>
+          <p:cNvSpPr/>
+          <p:nvPr/>
+        </p:nvSpPr>
+        <p:spPr>
+          <a:xfrm>
+            <a:off x="2582170" y="3363838"/>
+            <a:ext cx="1743912" cy="413742"/>
+          </a:xfrm>
+          <a:prstGeom prst="roundRect">
+            <a:avLst/>
+          </a:prstGeom>
+        </p:spPr>
+        <p:style>
+          <a:lnRef idx="2">
+            <a:schemeClr val="dk1"/>
+          </a:lnRef>
+          <a:fillRef idx="1">
+            <a:schemeClr val="lt1"/>
+          </a:fillRef>
+          <a:effectRef idx="0">
+            <a:schemeClr val="dk1"/>
+          </a:effectRef>
+          <a:fontRef idx="minor">
+            <a:schemeClr val="dk1"/>
+          </a:fontRef>
+        </p:style>
+        <p:txBody>
+          <a:bodyPr rtlCol="0" anchor="ctr"/>
+          <a:lstStyle/>
+          <a:p>
+            <a:pPr algn="ctr"/>
+            <a:r>
+              <a:rPr lang="en-US" altLang="ko-KR" sz="1400"/>
+              <a:t>Consumer</a:t>
+            </a:r>
+            <a:endParaRPr lang="ko-KR" altLang="en-US" sz="1400" dirty="0"/>
+          </a:p>
+        </p:txBody>
+      </p:sp>
+      <p:sp>
+        <p:nvSpPr>
+          <p:cNvPr id="40" name="사각형: 둥근 모서리 39">
+            <a:extLst>
+              <a:ext uri="{FF2B5EF4-FFF2-40B4-BE49-F238E27FC236}">
+                <a16:creationId xmlns:a16="http://schemas.microsoft.com/office/drawing/2014/main" id="{8B9B68B6-E172-4ADF-93FA-97134AB47BF3}"/>
+              </a:ext>
+            </a:extLst>
+          </p:cNvPr>
+          <p:cNvSpPr/>
+          <p:nvPr/>
+        </p:nvSpPr>
+        <p:spPr>
+          <a:xfrm>
+            <a:off x="4649345" y="3363838"/>
+            <a:ext cx="1743912" cy="413742"/>
+          </a:xfrm>
+          <a:prstGeom prst="roundRect">
+            <a:avLst/>
+          </a:prstGeom>
+        </p:spPr>
+        <p:style>
+          <a:lnRef idx="2">
+            <a:schemeClr val="dk1"/>
+          </a:lnRef>
+          <a:fillRef idx="1">
+            <a:schemeClr val="lt1"/>
+          </a:fillRef>
+          <a:effectRef idx="0">
+            <a:schemeClr val="dk1"/>
+          </a:effectRef>
+          <a:fontRef idx="minor">
+            <a:schemeClr val="dk1"/>
+          </a:fontRef>
+        </p:style>
+        <p:txBody>
+          <a:bodyPr rtlCol="0" anchor="ctr"/>
+          <a:lstStyle/>
+          <a:p>
+            <a:pPr algn="ctr"/>
+            <a:r>
+              <a:rPr lang="en-US" altLang="ko-KR" sz="1400"/>
+              <a:t>Consumer</a:t>
+            </a:r>
+            <a:endParaRPr lang="ko-KR" altLang="en-US" sz="1400" dirty="0"/>
+          </a:p>
+        </p:txBody>
+      </p:sp>
+      <p:sp>
+        <p:nvSpPr>
+          <p:cNvPr id="41" name="사각형: 둥근 모서리 40">
+            <a:extLst>
+              <a:ext uri="{FF2B5EF4-FFF2-40B4-BE49-F238E27FC236}">
+                <a16:creationId xmlns:a16="http://schemas.microsoft.com/office/drawing/2014/main" id="{C622663F-E44E-4474-90DF-2A71A36BD857}"/>
+              </a:ext>
+            </a:extLst>
+          </p:cNvPr>
+          <p:cNvSpPr/>
+          <p:nvPr/>
+        </p:nvSpPr>
+        <p:spPr>
+          <a:xfrm>
+            <a:off x="6716520" y="3363838"/>
+            <a:ext cx="1743912" cy="413742"/>
+          </a:xfrm>
+          <a:prstGeom prst="roundRect">
+            <a:avLst/>
+          </a:prstGeom>
+        </p:spPr>
+        <p:style>
+          <a:lnRef idx="2">
+            <a:schemeClr val="dk1"/>
+          </a:lnRef>
+          <a:fillRef idx="1">
+            <a:schemeClr val="lt1"/>
+          </a:fillRef>
+          <a:effectRef idx="0">
+            <a:schemeClr val="dk1"/>
+          </a:effectRef>
+          <a:fontRef idx="minor">
+            <a:schemeClr val="dk1"/>
+          </a:fontRef>
+        </p:style>
+        <p:txBody>
+          <a:bodyPr rtlCol="0" anchor="ctr"/>
+          <a:lstStyle/>
+          <a:p>
+            <a:pPr algn="ctr"/>
+            <a:r>
+              <a:rPr lang="en-US" altLang="ko-KR" sz="1400"/>
+              <a:t>Consumer</a:t>
+            </a:r>
+            <a:endParaRPr lang="ko-KR" altLang="en-US" sz="1400" dirty="0"/>
+          </a:p>
+        </p:txBody>
+      </p:sp>
+      <p:cxnSp>
+        <p:nvCxnSpPr>
+          <p:cNvPr id="66" name="직선 화살표 연결선 65">
+            <a:extLst>
+              <a:ext uri="{FF2B5EF4-FFF2-40B4-BE49-F238E27FC236}">
+                <a16:creationId xmlns:a16="http://schemas.microsoft.com/office/drawing/2014/main" id="{71CDA390-348B-470C-975B-56C3D1DDFB97}"/>
+              </a:ext>
+            </a:extLst>
+          </p:cNvPr>
+          <p:cNvCxnSpPr>
+            <a:cxnSpLocks/>
+            <a:stCxn id="3" idx="2"/>
+            <a:endCxn id="7" idx="0"/>
+          </p:cNvCxnSpPr>
+          <p:nvPr/>
+        </p:nvCxnSpPr>
+        <p:spPr>
+          <a:xfrm flipH="1">
+            <a:off x="2411760" y="1635646"/>
+            <a:ext cx="1050812" cy="720080"/>
+          </a:xfrm>
+          <a:prstGeom prst="straightConnector1">
+            <a:avLst/>
+          </a:prstGeom>
+          <a:ln w="19050">
+            <a:solidFill>
+              <a:schemeClr val="tx1"/>
+            </a:solidFill>
+            <a:headEnd type="none" w="med" len="med"/>
+            <a:tailEnd type="arrow" w="med" len="med"/>
+          </a:ln>
+        </p:spPr>
+        <p:style>
+          <a:lnRef idx="1">
+            <a:schemeClr val="accent1"/>
+          </a:lnRef>
+          <a:fillRef idx="0">
+            <a:schemeClr val="accent1"/>
+          </a:fillRef>
+          <a:effectRef idx="0">
+            <a:schemeClr val="accent1"/>
+          </a:effectRef>
+          <a:fontRef idx="minor">
+            <a:schemeClr val="tx1"/>
+          </a:fontRef>
+        </p:style>
+      </p:cxnSp>
+      <p:cxnSp>
+        <p:nvCxnSpPr>
+          <p:cNvPr id="70" name="직선 화살표 연결선 69">
+            <a:extLst>
+              <a:ext uri="{FF2B5EF4-FFF2-40B4-BE49-F238E27FC236}">
+                <a16:creationId xmlns:a16="http://schemas.microsoft.com/office/drawing/2014/main" id="{52EBB378-955E-4C44-8205-57BBEB5A153A}"/>
+              </a:ext>
+            </a:extLst>
+          </p:cNvPr>
+          <p:cNvCxnSpPr>
+            <a:cxnSpLocks/>
+            <a:stCxn id="7" idx="2"/>
+            <a:endCxn id="28" idx="0"/>
+          </p:cNvCxnSpPr>
+          <p:nvPr/>
+        </p:nvCxnSpPr>
+        <p:spPr>
+          <a:xfrm flipH="1">
+            <a:off x="1386951" y="2859782"/>
+            <a:ext cx="1024809" cy="504056"/>
+          </a:xfrm>
+          <a:prstGeom prst="straightConnector1">
+            <a:avLst/>
+          </a:prstGeom>
+          <a:ln w="19050">
+            <a:solidFill>
+              <a:schemeClr val="tx1"/>
+            </a:solidFill>
+            <a:headEnd type="none" w="med" len="med"/>
+            <a:tailEnd type="arrow" w="med" len="med"/>
+          </a:ln>
+        </p:spPr>
+        <p:style>
+          <a:lnRef idx="1">
+            <a:schemeClr val="accent1"/>
+          </a:lnRef>
+          <a:fillRef idx="0">
+            <a:schemeClr val="accent1"/>
+          </a:fillRef>
+          <a:effectRef idx="0">
+            <a:schemeClr val="accent1"/>
+          </a:effectRef>
+          <a:fontRef idx="minor">
+            <a:schemeClr val="tx1"/>
+          </a:fontRef>
+        </p:style>
+      </p:cxnSp>
+      <p:cxnSp>
+        <p:nvCxnSpPr>
+          <p:cNvPr id="73" name="직선 화살표 연결선 72">
+            <a:extLst>
+              <a:ext uri="{FF2B5EF4-FFF2-40B4-BE49-F238E27FC236}">
+                <a16:creationId xmlns:a16="http://schemas.microsoft.com/office/drawing/2014/main" id="{5FE48A09-88FB-4373-B500-CAFF6ACC8694}"/>
+              </a:ext>
+            </a:extLst>
+          </p:cNvPr>
+          <p:cNvCxnSpPr>
+            <a:cxnSpLocks/>
+            <a:stCxn id="3" idx="2"/>
+            <a:endCxn id="17" idx="0"/>
+          </p:cNvCxnSpPr>
+          <p:nvPr/>
+        </p:nvCxnSpPr>
+        <p:spPr>
+          <a:xfrm>
+            <a:off x="3462572" y="1635646"/>
+            <a:ext cx="1001416" cy="720080"/>
+          </a:xfrm>
+          <a:prstGeom prst="straightConnector1">
+            <a:avLst/>
+          </a:prstGeom>
+          <a:ln w="19050">
+            <a:solidFill>
+              <a:schemeClr val="tx1"/>
+            </a:solidFill>
+            <a:headEnd type="none" w="med" len="med"/>
+            <a:tailEnd type="arrow" w="med" len="med"/>
+          </a:ln>
+        </p:spPr>
+        <p:style>
+          <a:lnRef idx="1">
+            <a:schemeClr val="accent1"/>
+          </a:lnRef>
+          <a:fillRef idx="0">
+            <a:schemeClr val="accent1"/>
+          </a:fillRef>
+          <a:effectRef idx="0">
+            <a:schemeClr val="accent1"/>
+          </a:effectRef>
+          <a:fontRef idx="minor">
+            <a:schemeClr val="tx1"/>
+          </a:fontRef>
+        </p:style>
+      </p:cxnSp>
+      <p:cxnSp>
+        <p:nvCxnSpPr>
+          <p:cNvPr id="75" name="직선 화살표 연결선 74">
+            <a:extLst>
+              <a:ext uri="{FF2B5EF4-FFF2-40B4-BE49-F238E27FC236}">
+                <a16:creationId xmlns:a16="http://schemas.microsoft.com/office/drawing/2014/main" id="{CA8A4175-3FF9-47C2-805E-DA92A572AE58}"/>
+              </a:ext>
+            </a:extLst>
+          </p:cNvPr>
+          <p:cNvCxnSpPr>
+            <a:cxnSpLocks/>
+            <a:stCxn id="17" idx="2"/>
+            <a:endCxn id="38" idx="0"/>
+          </p:cNvCxnSpPr>
+          <p:nvPr/>
+        </p:nvCxnSpPr>
+        <p:spPr>
+          <a:xfrm flipH="1">
+            <a:off x="3454126" y="2859782"/>
+            <a:ext cx="1009862" cy="504056"/>
+          </a:xfrm>
+          <a:prstGeom prst="straightConnector1">
+            <a:avLst/>
+          </a:prstGeom>
+          <a:ln w="19050">
+            <a:solidFill>
+              <a:schemeClr val="tx1"/>
+            </a:solidFill>
+            <a:headEnd type="none" w="med" len="med"/>
+            <a:tailEnd type="arrow" w="med" len="med"/>
+          </a:ln>
+        </p:spPr>
+        <p:style>
+          <a:lnRef idx="1">
+            <a:schemeClr val="accent1"/>
+          </a:lnRef>
+          <a:fillRef idx="0">
+            <a:schemeClr val="accent1"/>
+          </a:fillRef>
+          <a:effectRef idx="0">
+            <a:schemeClr val="accent1"/>
+          </a:effectRef>
+          <a:fontRef idx="minor">
+            <a:schemeClr val="tx1"/>
+          </a:fontRef>
+        </p:style>
+      </p:cxnSp>
+      <p:cxnSp>
+        <p:nvCxnSpPr>
+          <p:cNvPr id="78" name="직선 화살표 연결선 77">
+            <a:extLst>
+              <a:ext uri="{FF2B5EF4-FFF2-40B4-BE49-F238E27FC236}">
+                <a16:creationId xmlns:a16="http://schemas.microsoft.com/office/drawing/2014/main" id="{DC0BB3A0-E32A-48CF-8A5C-D34BF90A238C}"/>
+              </a:ext>
+            </a:extLst>
+          </p:cNvPr>
+          <p:cNvCxnSpPr>
+            <a:cxnSpLocks/>
+            <a:stCxn id="26" idx="2"/>
+            <a:endCxn id="22" idx="0"/>
+          </p:cNvCxnSpPr>
+          <p:nvPr/>
+        </p:nvCxnSpPr>
+        <p:spPr>
+          <a:xfrm>
+            <a:off x="5514800" y="1635646"/>
+            <a:ext cx="1023372" cy="720080"/>
+          </a:xfrm>
+          <a:prstGeom prst="straightConnector1">
+            <a:avLst/>
+          </a:prstGeom>
+          <a:ln w="19050">
+            <a:solidFill>
+              <a:schemeClr val="tx1"/>
+            </a:solidFill>
+            <a:headEnd type="none" w="med" len="med"/>
+            <a:tailEnd type="arrow" w="med" len="med"/>
+          </a:ln>
+        </p:spPr>
+        <p:style>
+          <a:lnRef idx="1">
+            <a:schemeClr val="accent1"/>
+          </a:lnRef>
+          <a:fillRef idx="0">
+            <a:schemeClr val="accent1"/>
+          </a:fillRef>
+          <a:effectRef idx="0">
+            <a:schemeClr val="accent1"/>
+          </a:effectRef>
+          <a:fontRef idx="minor">
+            <a:schemeClr val="tx1"/>
+          </a:fontRef>
+        </p:style>
+      </p:cxnSp>
+      <p:cxnSp>
+        <p:nvCxnSpPr>
+          <p:cNvPr id="81" name="직선 화살표 연결선 80">
+            <a:extLst>
+              <a:ext uri="{FF2B5EF4-FFF2-40B4-BE49-F238E27FC236}">
+                <a16:creationId xmlns:a16="http://schemas.microsoft.com/office/drawing/2014/main" id="{027ECACB-7702-4883-A512-C96F32C54BEA}"/>
+              </a:ext>
+            </a:extLst>
+          </p:cNvPr>
+          <p:cNvCxnSpPr>
+            <a:cxnSpLocks/>
+            <a:stCxn id="22" idx="2"/>
+            <a:endCxn id="41" idx="0"/>
+          </p:cNvCxnSpPr>
+          <p:nvPr/>
+        </p:nvCxnSpPr>
+        <p:spPr>
+          <a:xfrm>
+            <a:off x="6538172" y="2859782"/>
+            <a:ext cx="1050304" cy="504056"/>
+          </a:xfrm>
+          <a:prstGeom prst="straightConnector1">
+            <a:avLst/>
+          </a:prstGeom>
+          <a:ln w="19050">
+            <a:solidFill>
+              <a:schemeClr val="tx1"/>
+            </a:solidFill>
+            <a:headEnd type="none" w="med" len="med"/>
+            <a:tailEnd type="arrow" w="med" len="med"/>
+          </a:ln>
+        </p:spPr>
+        <p:style>
+          <a:lnRef idx="1">
+            <a:schemeClr val="accent1"/>
+          </a:lnRef>
+          <a:fillRef idx="0">
+            <a:schemeClr val="accent1"/>
+          </a:fillRef>
+          <a:effectRef idx="0">
+            <a:schemeClr val="accent1"/>
+          </a:effectRef>
+          <a:fontRef idx="minor">
+            <a:schemeClr val="tx1"/>
+          </a:fontRef>
+        </p:style>
+      </p:cxnSp>
+      <p:cxnSp>
+        <p:nvCxnSpPr>
+          <p:cNvPr id="84" name="직선 화살표 연결선 83">
+            <a:extLst>
+              <a:ext uri="{FF2B5EF4-FFF2-40B4-BE49-F238E27FC236}">
+                <a16:creationId xmlns:a16="http://schemas.microsoft.com/office/drawing/2014/main" id="{22F43C46-22E4-44CF-B72E-E8014A20E532}"/>
+              </a:ext>
+            </a:extLst>
+          </p:cNvPr>
+          <p:cNvCxnSpPr>
+            <a:cxnSpLocks/>
+            <a:stCxn id="22" idx="2"/>
+            <a:endCxn id="40" idx="0"/>
+          </p:cNvCxnSpPr>
+          <p:nvPr/>
+        </p:nvCxnSpPr>
+        <p:spPr>
+          <a:xfrm flipH="1">
+            <a:off x="5521301" y="2859782"/>
+            <a:ext cx="1016871" cy="504056"/>
+          </a:xfrm>
+          <a:prstGeom prst="straightConnector1">
+            <a:avLst/>
+          </a:prstGeom>
+          <a:ln w="19050">
+            <a:solidFill>
+              <a:schemeClr val="tx1"/>
+            </a:solidFill>
+            <a:headEnd type="none" w="med" len="med"/>
+            <a:tailEnd type="arrow" w="med" len="med"/>
+          </a:ln>
+        </p:spPr>
+        <p:style>
+          <a:lnRef idx="1">
+            <a:schemeClr val="accent1"/>
+          </a:lnRef>
+          <a:fillRef idx="0">
+            <a:schemeClr val="accent1"/>
+          </a:fillRef>
+          <a:effectRef idx="0">
+            <a:schemeClr val="accent1"/>
+          </a:effectRef>
+          <a:fontRef idx="minor">
+            <a:schemeClr val="tx1"/>
+          </a:fontRef>
+        </p:style>
+      </p:cxnSp>
+      <p:cxnSp>
+        <p:nvCxnSpPr>
+          <p:cNvPr id="88" name="직선 화살표 연결선 87">
+            <a:extLst>
+              <a:ext uri="{FF2B5EF4-FFF2-40B4-BE49-F238E27FC236}">
+                <a16:creationId xmlns:a16="http://schemas.microsoft.com/office/drawing/2014/main" id="{4D82B42B-F78A-4B56-9BAF-55D72F9F251E}"/>
+              </a:ext>
+            </a:extLst>
+          </p:cNvPr>
+          <p:cNvCxnSpPr>
+            <a:cxnSpLocks/>
+            <a:stCxn id="17" idx="2"/>
+            <a:endCxn id="40" idx="0"/>
+          </p:cNvCxnSpPr>
+          <p:nvPr/>
+        </p:nvCxnSpPr>
+        <p:spPr>
+          <a:xfrm>
+            <a:off x="4463988" y="2859782"/>
+            <a:ext cx="1057313" cy="504056"/>
+          </a:xfrm>
+          <a:prstGeom prst="straightConnector1">
+            <a:avLst/>
+          </a:prstGeom>
+          <a:ln w="19050">
+            <a:solidFill>
+              <a:schemeClr val="tx1"/>
+            </a:solidFill>
+            <a:headEnd type="none" w="med" len="med"/>
+            <a:tailEnd type="arrow" w="med" len="med"/>
+          </a:ln>
+        </p:spPr>
+        <p:style>
+          <a:lnRef idx="1">
+            <a:schemeClr val="accent1"/>
+          </a:lnRef>
+          <a:fillRef idx="0">
+            <a:schemeClr val="accent1"/>
+          </a:fillRef>
+          <a:effectRef idx="0">
+            <a:schemeClr val="accent1"/>
+          </a:effectRef>
+          <a:fontRef idx="minor">
+            <a:schemeClr val="tx1"/>
+          </a:fontRef>
+        </p:style>
+      </p:cxnSp>
+    </p:spTree>
+    <p:extLst>
+      <p:ext uri="{BB962C8B-B14F-4D97-AF65-F5344CB8AC3E}">
+        <p14:creationId xmlns:p14="http://schemas.microsoft.com/office/powerpoint/2010/main" val="3205058952"/>
+      </p:ext>
+    </p:extLst>
+  </p:cSld>
+  <p:clrMapOvr>
+    <a:masterClrMapping/>
+  </p:clrMapOvr>
+</p:sld>
+</file>
+
+<file path=ppt/slides/slide2.xml><?xml version="1.0" encoding="utf-8"?>
+<p:sld xmlns:a="http://schemas.openxmlformats.org/drawingml/2006/main" xmlns:r="http://schemas.openxmlformats.org/officeDocument/2006/relationships" xmlns:p="http://schemas.openxmlformats.org/presentationml/2006/main">
+  <p:cSld>
+    <p:spTree>
+      <p:nvGrpSpPr>
+        <p:cNvPr id="1" name=""/>
+        <p:cNvGrpSpPr/>
+        <p:nvPr/>
+      </p:nvGrpSpPr>
+      <p:grpSpPr>
+        <a:xfrm>
+          <a:off x="0" y="0"/>
+          <a:ext cx="0" cy="0"/>
+          <a:chOff x="0" y="0"/>
+          <a:chExt cx="0" cy="0"/>
+        </a:xfrm>
+      </p:grpSpPr>
+      <p:sp>
+        <p:nvSpPr>
+          <p:cNvPr id="2" name="제목 1"/>
+          <p:cNvSpPr>
+            <a:spLocks noGrp="1"/>
+          </p:cNvSpPr>
+          <p:nvPr>
+            <p:ph type="title"/>
+          </p:nvPr>
+        </p:nvSpPr>
+        <p:spPr>
+          <a:xfrm>
+            <a:off x="377332" y="-236562"/>
+            <a:ext cx="8229600" cy="857250"/>
+          </a:xfrm>
+        </p:spPr>
+        <p:txBody>
+          <a:bodyPr/>
+          <a:lstStyle/>
+          <a:p>
+            <a:r>
+              <a:rPr lang="en-US" altLang="ko-KR"/>
+              <a:t>Partition, Consumer Group</a:t>
+            </a:r>
+            <a:endParaRPr lang="ko-KR" altLang="en-US" dirty="0"/>
+          </a:p>
+        </p:txBody>
+      </p:sp>
+      <p:sp>
+        <p:nvSpPr>
+          <p:cNvPr id="3" name="사각형: 둥근 모서리 2">
+            <a:extLst>
+              <a:ext uri="{FF2B5EF4-FFF2-40B4-BE49-F238E27FC236}">
+                <a16:creationId xmlns:a16="http://schemas.microsoft.com/office/drawing/2014/main" id="{F76732FE-6C9D-4444-AFDA-801EE5F981CB}"/>
+              </a:ext>
+            </a:extLst>
+          </p:cNvPr>
+          <p:cNvSpPr/>
+          <p:nvPr/>
+        </p:nvSpPr>
+        <p:spPr>
+          <a:xfrm>
             <a:off x="2598476" y="627534"/>
             <a:ext cx="1728192" cy="432048"/>
           </a:xfrm>
@@ -3661,56 +4752,6 @@
               <a:r>
                 <a:rPr lang="en-US" altLang="ko-KR" sz="1400" dirty="0"/>
                 <a:t>Topic A</a:t>
-              </a:r>
-              <a:endParaRPr lang="ko-KR" altLang="en-US" sz="1400" dirty="0"/>
-            </a:p>
-          </p:txBody>
-        </p:sp>
-        <p:sp>
-          <p:nvSpPr>
-            <p:cNvPr id="11" name="사각형: 둥근 모서리 10">
-              <a:extLst>
-                <a:ext uri="{FF2B5EF4-FFF2-40B4-BE49-F238E27FC236}">
-                  <a16:creationId xmlns:a16="http://schemas.microsoft.com/office/drawing/2014/main" id="{A1712412-3C08-4381-B605-131D5D56F1EA}"/>
-                </a:ext>
-              </a:extLst>
-            </p:cNvPr>
-            <p:cNvSpPr/>
-            <p:nvPr/>
-          </p:nvSpPr>
-          <p:spPr>
-            <a:xfrm>
-              <a:off x="1403648" y="3527226"/>
-              <a:ext cx="1440160" cy="370182"/>
-            </a:xfrm>
-            <a:prstGeom prst="roundRect">
-              <a:avLst>
-                <a:gd name="adj" fmla="val 14105"/>
-              </a:avLst>
-            </a:prstGeom>
-          </p:spPr>
-          <p:style>
-            <a:lnRef idx="2">
-              <a:schemeClr val="dk1"/>
-            </a:lnRef>
-            <a:fillRef idx="1">
-              <a:schemeClr val="lt1"/>
-            </a:fillRef>
-            <a:effectRef idx="0">
-              <a:schemeClr val="dk1"/>
-            </a:effectRef>
-            <a:fontRef idx="minor">
-              <a:schemeClr val="dk1"/>
-            </a:fontRef>
-          </p:style>
-          <p:txBody>
-            <a:bodyPr rtlCol="0" anchor="ctr"/>
-            <a:lstStyle/>
-            <a:p>
-              <a:pPr algn="ctr"/>
-              <a:r>
-                <a:rPr lang="en-US" altLang="ko-KR" sz="1400" dirty="0"/>
-                <a:t>Partition 2</a:t>
               </a:r>
               <a:endParaRPr lang="ko-KR" altLang="en-US" sz="1400" dirty="0"/>
             </a:p>
@@ -3889,56 +4930,6 @@
         </p:sp>
         <p:sp>
           <p:nvSpPr>
-            <p:cNvPr id="18" name="사각형: 둥근 모서리 17">
-              <a:extLst>
-                <a:ext uri="{FF2B5EF4-FFF2-40B4-BE49-F238E27FC236}">
-                  <a16:creationId xmlns:a16="http://schemas.microsoft.com/office/drawing/2014/main" id="{1D5B6584-B24E-4436-AAB5-65EDB5602579}"/>
-                </a:ext>
-              </a:extLst>
-            </p:cNvPr>
-            <p:cNvSpPr/>
-            <p:nvPr/>
-          </p:nvSpPr>
-          <p:spPr>
-            <a:xfrm>
-              <a:off x="1403648" y="3527226"/>
-              <a:ext cx="1440160" cy="370182"/>
-            </a:xfrm>
-            <a:prstGeom prst="roundRect">
-              <a:avLst>
-                <a:gd name="adj" fmla="val 14105"/>
-              </a:avLst>
-            </a:prstGeom>
-          </p:spPr>
-          <p:style>
-            <a:lnRef idx="2">
-              <a:schemeClr val="dk1"/>
-            </a:lnRef>
-            <a:fillRef idx="1">
-              <a:schemeClr val="lt1"/>
-            </a:fillRef>
-            <a:effectRef idx="0">
-              <a:schemeClr val="dk1"/>
-            </a:effectRef>
-            <a:fontRef idx="minor">
-              <a:schemeClr val="dk1"/>
-            </a:fontRef>
-          </p:style>
-          <p:txBody>
-            <a:bodyPr rtlCol="0" anchor="ctr"/>
-            <a:lstStyle/>
-            <a:p>
-              <a:pPr algn="ctr"/>
-              <a:r>
-                <a:rPr lang="en-US" altLang="ko-KR" sz="1400" dirty="0"/>
-                <a:t>Partition 2</a:t>
-              </a:r>
-              <a:endParaRPr lang="ko-KR" altLang="en-US" sz="1400" dirty="0"/>
-            </a:p>
-          </p:txBody>
-        </p:sp>
-        <p:sp>
-          <p:nvSpPr>
             <p:cNvPr id="19" name="사각형: 둥근 모서리 18">
               <a:extLst>
                 <a:ext uri="{FF2B5EF4-FFF2-40B4-BE49-F238E27FC236}">
@@ -3982,56 +4973,6 @@
               <a:r>
                 <a:rPr lang="en-US" altLang="ko-KR" sz="1400" dirty="0"/>
                 <a:t>Partition 0</a:t>
-              </a:r>
-              <a:endParaRPr lang="ko-KR" altLang="en-US" sz="1400" dirty="0"/>
-            </a:p>
-          </p:txBody>
-        </p:sp>
-        <p:sp>
-          <p:nvSpPr>
-            <p:cNvPr id="20" name="사각형: 둥근 모서리 19">
-              <a:extLst>
-                <a:ext uri="{FF2B5EF4-FFF2-40B4-BE49-F238E27FC236}">
-                  <a16:creationId xmlns:a16="http://schemas.microsoft.com/office/drawing/2014/main" id="{19D6DF51-5B3A-491F-B72A-51C383890A10}"/>
-                </a:ext>
-              </a:extLst>
-            </p:cNvPr>
-            <p:cNvSpPr/>
-            <p:nvPr/>
-          </p:nvSpPr>
-          <p:spPr>
-            <a:xfrm>
-              <a:off x="1403648" y="3008413"/>
-              <a:ext cx="1440160" cy="370182"/>
-            </a:xfrm>
-            <a:prstGeom prst="roundRect">
-              <a:avLst>
-                <a:gd name="adj" fmla="val 14105"/>
-              </a:avLst>
-            </a:prstGeom>
-          </p:spPr>
-          <p:style>
-            <a:lnRef idx="2">
-              <a:schemeClr val="dk1"/>
-            </a:lnRef>
-            <a:fillRef idx="1">
-              <a:schemeClr val="lt1"/>
-            </a:fillRef>
-            <a:effectRef idx="0">
-              <a:schemeClr val="dk1"/>
-            </a:effectRef>
-            <a:fontRef idx="minor">
-              <a:schemeClr val="dk1"/>
-            </a:fontRef>
-          </p:style>
-          <p:txBody>
-            <a:bodyPr rtlCol="0" anchor="ctr"/>
-            <a:lstStyle/>
-            <a:p>
-              <a:pPr algn="ctr"/>
-              <a:r>
-                <a:rPr lang="en-US" altLang="ko-KR" sz="1400" dirty="0"/>
-                <a:t>Partition 1</a:t>
               </a:r>
               <a:endParaRPr lang="ko-KR" altLang="en-US" sz="1400" dirty="0"/>
             </a:p>
@@ -4702,14 +5643,14 @@
           <p:cNvCxnSpPr>
             <a:cxnSpLocks/>
             <a:stCxn id="3" idx="2"/>
-            <a:endCxn id="18" idx="0"/>
+            <a:endCxn id="19" idx="0"/>
           </p:cNvCxnSpPr>
           <p:nvPr/>
         </p:nvCxnSpPr>
         <p:spPr>
           <a:xfrm>
             <a:off x="3462572" y="1059582"/>
-            <a:ext cx="1001416" cy="2179612"/>
+            <a:ext cx="1001416" cy="1141986"/>
           </a:xfrm>
           <a:prstGeom prst="straightConnector1">
             <a:avLst/>
@@ -4786,194 +5727,6 @@
       </p:cxnSp>
       <p:cxnSp>
         <p:nvCxnSpPr>
-          <p:cNvPr id="59" name="직선 화살표 연결선 58">
-            <a:extLst>
-              <a:ext uri="{FF2B5EF4-FFF2-40B4-BE49-F238E27FC236}">
-                <a16:creationId xmlns:a16="http://schemas.microsoft.com/office/drawing/2014/main" id="{5A722888-38A9-4DB8-84C1-430AD15E2CB8}"/>
-              </a:ext>
-            </a:extLst>
-          </p:cNvPr>
-          <p:cNvCxnSpPr>
-            <a:cxnSpLocks/>
-            <a:stCxn id="13" idx="2"/>
-            <a:endCxn id="28" idx="0"/>
-          </p:cNvCxnSpPr>
-          <p:nvPr/>
-        </p:nvCxnSpPr>
-        <p:spPr>
-          <a:xfrm flipH="1">
-            <a:off x="1277634" y="2571750"/>
-            <a:ext cx="1134126" cy="1756414"/>
-          </a:xfrm>
-          <a:prstGeom prst="straightConnector1">
-            <a:avLst/>
-          </a:prstGeom>
-          <a:ln w="19050">
-            <a:solidFill>
-              <a:schemeClr val="tx1"/>
-            </a:solidFill>
-            <a:headEnd type="none" w="med" len="med"/>
-            <a:tailEnd type="arrow" w="med" len="med"/>
-          </a:ln>
-        </p:spPr>
-        <p:style>
-          <a:lnRef idx="1">
-            <a:schemeClr val="accent1"/>
-          </a:lnRef>
-          <a:fillRef idx="0">
-            <a:schemeClr val="accent1"/>
-          </a:fillRef>
-          <a:effectRef idx="0">
-            <a:schemeClr val="accent1"/>
-          </a:effectRef>
-          <a:fontRef idx="minor">
-            <a:schemeClr val="tx1"/>
-          </a:fontRef>
-        </p:style>
-      </p:cxnSp>
-      <p:cxnSp>
-        <p:nvCxnSpPr>
-          <p:cNvPr id="65" name="직선 화살표 연결선 64">
-            <a:extLst>
-              <a:ext uri="{FF2B5EF4-FFF2-40B4-BE49-F238E27FC236}">
-                <a16:creationId xmlns:a16="http://schemas.microsoft.com/office/drawing/2014/main" id="{8A7EC310-E1EA-4DD0-99EE-B95E0DC30D2B}"/>
-              </a:ext>
-            </a:extLst>
-          </p:cNvPr>
-          <p:cNvCxnSpPr>
-            <a:cxnSpLocks/>
-            <a:stCxn id="18" idx="2"/>
-            <a:endCxn id="28" idx="0"/>
-          </p:cNvCxnSpPr>
-          <p:nvPr/>
-        </p:nvCxnSpPr>
-        <p:spPr>
-          <a:xfrm flipH="1">
-            <a:off x="1277634" y="3609376"/>
-            <a:ext cx="3186354" cy="718788"/>
-          </a:xfrm>
-          <a:prstGeom prst="straightConnector1">
-            <a:avLst/>
-          </a:prstGeom>
-          <a:ln w="19050">
-            <a:solidFill>
-              <a:schemeClr val="tx1"/>
-            </a:solidFill>
-            <a:headEnd type="none" w="med" len="med"/>
-            <a:tailEnd type="arrow" w="med" len="med"/>
-          </a:ln>
-        </p:spPr>
-        <p:style>
-          <a:lnRef idx="1">
-            <a:schemeClr val="accent1"/>
-          </a:lnRef>
-          <a:fillRef idx="0">
-            <a:schemeClr val="accent1"/>
-          </a:fillRef>
-          <a:effectRef idx="0">
-            <a:schemeClr val="accent1"/>
-          </a:effectRef>
-          <a:fontRef idx="minor">
-            <a:schemeClr val="tx1"/>
-          </a:fontRef>
-        </p:style>
-      </p:cxnSp>
-      <p:cxnSp>
-        <p:nvCxnSpPr>
-          <p:cNvPr id="69" name="직선 화살표 연결선 68">
-            <a:extLst>
-              <a:ext uri="{FF2B5EF4-FFF2-40B4-BE49-F238E27FC236}">
-                <a16:creationId xmlns:a16="http://schemas.microsoft.com/office/drawing/2014/main" id="{2410CAAF-1B37-4EC8-A5DA-D9F29BF56DBB}"/>
-              </a:ext>
-            </a:extLst>
-          </p:cNvPr>
-          <p:cNvCxnSpPr>
-            <a:cxnSpLocks/>
-            <a:stCxn id="13" idx="2"/>
-            <a:endCxn id="38" idx="0"/>
-          </p:cNvCxnSpPr>
-          <p:nvPr/>
-        </p:nvCxnSpPr>
-        <p:spPr>
-          <a:xfrm>
-            <a:off x="2411760" y="2571750"/>
-            <a:ext cx="1116124" cy="1756414"/>
-          </a:xfrm>
-          <a:prstGeom prst="straightConnector1">
-            <a:avLst/>
-          </a:prstGeom>
-          <a:ln w="19050">
-            <a:solidFill>
-              <a:schemeClr val="tx1"/>
-            </a:solidFill>
-            <a:headEnd type="none" w="med" len="med"/>
-            <a:tailEnd type="arrow" w="med" len="med"/>
-          </a:ln>
-        </p:spPr>
-        <p:style>
-          <a:lnRef idx="1">
-            <a:schemeClr val="accent1"/>
-          </a:lnRef>
-          <a:fillRef idx="0">
-            <a:schemeClr val="accent1"/>
-          </a:fillRef>
-          <a:effectRef idx="0">
-            <a:schemeClr val="accent1"/>
-          </a:effectRef>
-          <a:fontRef idx="minor">
-            <a:schemeClr val="tx1"/>
-          </a:fontRef>
-        </p:style>
-      </p:cxnSp>
-      <p:cxnSp>
-        <p:nvCxnSpPr>
-          <p:cNvPr id="72" name="직선 화살표 연결선 71">
-            <a:extLst>
-              <a:ext uri="{FF2B5EF4-FFF2-40B4-BE49-F238E27FC236}">
-                <a16:creationId xmlns:a16="http://schemas.microsoft.com/office/drawing/2014/main" id="{563EF51C-AD3A-47FE-A0A8-F0A1C6F2176C}"/>
-              </a:ext>
-            </a:extLst>
-          </p:cNvPr>
-          <p:cNvCxnSpPr>
-            <a:cxnSpLocks/>
-            <a:stCxn id="18" idx="2"/>
-            <a:endCxn id="38" idx="0"/>
-          </p:cNvCxnSpPr>
-          <p:nvPr/>
-        </p:nvCxnSpPr>
-        <p:spPr>
-          <a:xfrm flipH="1">
-            <a:off x="3527884" y="3609376"/>
-            <a:ext cx="936104" cy="718788"/>
-          </a:xfrm>
-          <a:prstGeom prst="straightConnector1">
-            <a:avLst/>
-          </a:prstGeom>
-          <a:ln w="19050">
-            <a:solidFill>
-              <a:schemeClr val="tx1"/>
-            </a:solidFill>
-            <a:headEnd type="none" w="med" len="med"/>
-            <a:tailEnd type="arrow" w="med" len="med"/>
-          </a:ln>
-        </p:spPr>
-        <p:style>
-          <a:lnRef idx="1">
-            <a:schemeClr val="accent1"/>
-          </a:lnRef>
-          <a:fillRef idx="0">
-            <a:schemeClr val="accent1"/>
-          </a:fillRef>
-          <a:effectRef idx="0">
-            <a:schemeClr val="accent1"/>
-          </a:effectRef>
-          <a:fontRef idx="minor">
-            <a:schemeClr val="tx1"/>
-          </a:fontRef>
-        </p:style>
-      </p:cxnSp>
-      <p:cxnSp>
-        <p:nvCxnSpPr>
           <p:cNvPr id="97" name="직선 화살표 연결선 96">
             <a:extLst>
               <a:ext uri="{FF2B5EF4-FFF2-40B4-BE49-F238E27FC236}">
@@ -5078,14 +5831,296 @@
           <p:cNvCxnSpPr>
             <a:cxnSpLocks/>
             <a:stCxn id="25" idx="2"/>
+            <a:endCxn id="41" idx="0"/>
+          </p:cNvCxnSpPr>
+          <p:nvPr/>
+        </p:nvCxnSpPr>
+        <p:spPr>
+          <a:xfrm>
+            <a:off x="6538172" y="3090563"/>
+            <a:ext cx="1138032" cy="1237601"/>
+          </a:xfrm>
+          <a:prstGeom prst="straightConnector1">
+            <a:avLst/>
+          </a:prstGeom>
+          <a:ln w="19050">
+            <a:solidFill>
+              <a:schemeClr val="tx1"/>
+            </a:solidFill>
+            <a:headEnd type="none" w="med" len="med"/>
+            <a:tailEnd type="arrow" w="med" len="med"/>
+          </a:ln>
+        </p:spPr>
+        <p:style>
+          <a:lnRef idx="1">
+            <a:schemeClr val="accent1"/>
+          </a:lnRef>
+          <a:fillRef idx="0">
+            <a:schemeClr val="accent1"/>
+          </a:fillRef>
+          <a:effectRef idx="0">
+            <a:schemeClr val="accent1"/>
+          </a:effectRef>
+          <a:fontRef idx="minor">
+            <a:schemeClr val="tx1"/>
+          </a:fontRef>
+        </p:style>
+      </p:cxnSp>
+      <p:cxnSp>
+        <p:nvCxnSpPr>
+          <p:cNvPr id="42" name="직선 화살표 연결선 41">
+            <a:extLst>
+              <a:ext uri="{FF2B5EF4-FFF2-40B4-BE49-F238E27FC236}">
+                <a16:creationId xmlns:a16="http://schemas.microsoft.com/office/drawing/2014/main" id="{D3FFE380-A151-4112-BCC2-A501527A5894}"/>
+              </a:ext>
+            </a:extLst>
+          </p:cNvPr>
+          <p:cNvCxnSpPr>
+            <a:cxnSpLocks/>
+            <a:stCxn id="14" idx="2"/>
+            <a:endCxn id="28" idx="0"/>
+          </p:cNvCxnSpPr>
+          <p:nvPr/>
+        </p:nvCxnSpPr>
+        <p:spPr>
+          <a:xfrm flipH="1">
+            <a:off x="1277634" y="3090563"/>
+            <a:ext cx="1134126" cy="1237601"/>
+          </a:xfrm>
+          <a:prstGeom prst="straightConnector1">
+            <a:avLst/>
+          </a:prstGeom>
+          <a:ln w="19050">
+            <a:solidFill>
+              <a:schemeClr val="tx1"/>
+            </a:solidFill>
+            <a:headEnd type="none" w="med" len="med"/>
+            <a:tailEnd type="arrow" w="med" len="med"/>
+          </a:ln>
+        </p:spPr>
+        <p:style>
+          <a:lnRef idx="1">
+            <a:schemeClr val="accent1"/>
+          </a:lnRef>
+          <a:fillRef idx="0">
+            <a:schemeClr val="accent1"/>
+          </a:fillRef>
+          <a:effectRef idx="0">
+            <a:schemeClr val="accent1"/>
+          </a:effectRef>
+          <a:fontRef idx="minor">
+            <a:schemeClr val="tx1"/>
+          </a:fontRef>
+        </p:style>
+      </p:cxnSp>
+      <p:cxnSp>
+        <p:nvCxnSpPr>
+          <p:cNvPr id="47" name="직선 화살표 연결선 46">
+            <a:extLst>
+              <a:ext uri="{FF2B5EF4-FFF2-40B4-BE49-F238E27FC236}">
+                <a16:creationId xmlns:a16="http://schemas.microsoft.com/office/drawing/2014/main" id="{1E1466B0-AD3A-4D87-8168-3ED31B40A844}"/>
+              </a:ext>
+            </a:extLst>
+          </p:cNvPr>
+          <p:cNvCxnSpPr>
+            <a:cxnSpLocks/>
+            <a:stCxn id="13" idx="2"/>
+            <a:endCxn id="28" idx="0"/>
+          </p:cNvCxnSpPr>
+          <p:nvPr/>
+        </p:nvCxnSpPr>
+        <p:spPr>
+          <a:xfrm flipH="1">
+            <a:off x="1277634" y="2571750"/>
+            <a:ext cx="1134126" cy="1756414"/>
+          </a:xfrm>
+          <a:prstGeom prst="straightConnector1">
+            <a:avLst/>
+          </a:prstGeom>
+          <a:ln w="19050">
+            <a:solidFill>
+              <a:schemeClr val="tx1"/>
+            </a:solidFill>
+            <a:headEnd type="none" w="med" len="med"/>
+            <a:tailEnd type="arrow" w="med" len="med"/>
+          </a:ln>
+        </p:spPr>
+        <p:style>
+          <a:lnRef idx="1">
+            <a:schemeClr val="accent1"/>
+          </a:lnRef>
+          <a:fillRef idx="0">
+            <a:schemeClr val="accent1"/>
+          </a:fillRef>
+          <a:effectRef idx="0">
+            <a:schemeClr val="accent1"/>
+          </a:effectRef>
+          <a:fontRef idx="minor">
+            <a:schemeClr val="tx1"/>
+          </a:fontRef>
+        </p:style>
+      </p:cxnSp>
+      <p:cxnSp>
+        <p:nvCxnSpPr>
+          <p:cNvPr id="48" name="직선 화살표 연결선 47">
+            <a:extLst>
+              <a:ext uri="{FF2B5EF4-FFF2-40B4-BE49-F238E27FC236}">
+                <a16:creationId xmlns:a16="http://schemas.microsoft.com/office/drawing/2014/main" id="{7FE3EABF-FDD9-4BF7-BF55-3A40EBCC6292}"/>
+              </a:ext>
+            </a:extLst>
+          </p:cNvPr>
+          <p:cNvCxnSpPr>
+            <a:cxnSpLocks/>
+            <a:stCxn id="19" idx="2"/>
+            <a:endCxn id="38" idx="0"/>
+          </p:cNvCxnSpPr>
+          <p:nvPr/>
+        </p:nvCxnSpPr>
+        <p:spPr>
+          <a:xfrm flipH="1">
+            <a:off x="3527884" y="2571750"/>
+            <a:ext cx="936104" cy="1756414"/>
+          </a:xfrm>
+          <a:prstGeom prst="straightConnector1">
+            <a:avLst/>
+          </a:prstGeom>
+          <a:ln w="19050">
+            <a:solidFill>
+              <a:schemeClr val="tx1"/>
+            </a:solidFill>
+            <a:headEnd type="none" w="med" len="med"/>
+            <a:tailEnd type="arrow" w="med" len="med"/>
+          </a:ln>
+        </p:spPr>
+        <p:style>
+          <a:lnRef idx="1">
+            <a:schemeClr val="accent1"/>
+          </a:lnRef>
+          <a:fillRef idx="0">
+            <a:schemeClr val="accent1"/>
+          </a:fillRef>
+          <a:effectRef idx="0">
+            <a:schemeClr val="accent1"/>
+          </a:effectRef>
+          <a:fontRef idx="minor">
+            <a:schemeClr val="tx1"/>
+          </a:fontRef>
+        </p:style>
+      </p:cxnSp>
+      <p:cxnSp>
+        <p:nvCxnSpPr>
+          <p:cNvPr id="54" name="직선 화살표 연결선 53">
+            <a:extLst>
+              <a:ext uri="{FF2B5EF4-FFF2-40B4-BE49-F238E27FC236}">
+                <a16:creationId xmlns:a16="http://schemas.microsoft.com/office/drawing/2014/main" id="{1C14E7C3-E3F0-4114-8328-52EC5812BB4F}"/>
+              </a:ext>
+            </a:extLst>
+          </p:cNvPr>
+          <p:cNvCxnSpPr>
+            <a:cxnSpLocks/>
+            <a:stCxn id="3" idx="2"/>
+            <a:endCxn id="14" idx="0"/>
+          </p:cNvCxnSpPr>
+          <p:nvPr/>
+        </p:nvCxnSpPr>
+        <p:spPr>
+          <a:xfrm flipH="1">
+            <a:off x="2411760" y="1059582"/>
+            <a:ext cx="1050812" cy="1660799"/>
+          </a:xfrm>
+          <a:prstGeom prst="straightConnector1">
+            <a:avLst/>
+          </a:prstGeom>
+          <a:ln w="19050">
+            <a:solidFill>
+              <a:schemeClr val="tx1"/>
+            </a:solidFill>
+            <a:headEnd type="none" w="med" len="med"/>
+            <a:tailEnd type="arrow" w="med" len="med"/>
+          </a:ln>
+        </p:spPr>
+        <p:style>
+          <a:lnRef idx="1">
+            <a:schemeClr val="accent1"/>
+          </a:lnRef>
+          <a:fillRef idx="0">
+            <a:schemeClr val="accent1"/>
+          </a:fillRef>
+          <a:effectRef idx="0">
+            <a:schemeClr val="accent1"/>
+          </a:effectRef>
+          <a:fontRef idx="minor">
+            <a:schemeClr val="tx1"/>
+          </a:fontRef>
+        </p:style>
+      </p:cxnSp>
+      <p:cxnSp>
+        <p:nvCxnSpPr>
+          <p:cNvPr id="60" name="직선 화살표 연결선 59">
+            <a:extLst>
+              <a:ext uri="{FF2B5EF4-FFF2-40B4-BE49-F238E27FC236}">
+                <a16:creationId xmlns:a16="http://schemas.microsoft.com/office/drawing/2014/main" id="{8E5603FF-361F-4F8C-86B9-B59035D725D6}"/>
+              </a:ext>
+            </a:extLst>
+          </p:cNvPr>
+          <p:cNvCxnSpPr>
+            <a:cxnSpLocks/>
+            <a:stCxn id="24" idx="2"/>
             <a:endCxn id="40" idx="0"/>
           </p:cNvCxnSpPr>
           <p:nvPr/>
         </p:nvCxnSpPr>
         <p:spPr>
           <a:xfrm flipH="1">
-            <a:off x="5778134" y="3090563"/>
-            <a:ext cx="760038" cy="1237601"/>
+            <a:off x="5778134" y="2571750"/>
+            <a:ext cx="760038" cy="1756414"/>
+          </a:xfrm>
+          <a:prstGeom prst="straightConnector1">
+            <a:avLst/>
+          </a:prstGeom>
+          <a:ln w="19050">
+            <a:solidFill>
+              <a:schemeClr val="tx1"/>
+            </a:solidFill>
+            <a:headEnd type="none" w="med" len="med"/>
+            <a:tailEnd type="arrow" w="med" len="med"/>
+          </a:ln>
+        </p:spPr>
+        <p:style>
+          <a:lnRef idx="1">
+            <a:schemeClr val="accent1"/>
+          </a:lnRef>
+          <a:fillRef idx="0">
+            <a:schemeClr val="accent1"/>
+          </a:fillRef>
+          <a:effectRef idx="0">
+            <a:schemeClr val="accent1"/>
+          </a:effectRef>
+          <a:fontRef idx="minor">
+            <a:schemeClr val="tx1"/>
+          </a:fontRef>
+        </p:style>
+      </p:cxnSp>
+      <p:cxnSp>
+        <p:nvCxnSpPr>
+          <p:cNvPr id="62" name="직선 화살표 연결선 61">
+            <a:extLst>
+              <a:ext uri="{FF2B5EF4-FFF2-40B4-BE49-F238E27FC236}">
+                <a16:creationId xmlns:a16="http://schemas.microsoft.com/office/drawing/2014/main" id="{1F0DA32C-7E98-4A65-82C7-439DE6A8B0B7}"/>
+              </a:ext>
+            </a:extLst>
+          </p:cNvPr>
+          <p:cNvCxnSpPr>
+            <a:cxnSpLocks/>
+            <a:stCxn id="26" idx="2"/>
+            <a:endCxn id="24" idx="0"/>
+          </p:cNvCxnSpPr>
+          <p:nvPr/>
+        </p:nvCxnSpPr>
+        <p:spPr>
+          <a:xfrm>
+            <a:off x="5514800" y="1059582"/>
+            <a:ext cx="1023372" cy="1141986"/>
           </a:xfrm>
           <a:prstGeom prst="straightConnector1">
             <a:avLst/>
@@ -5116,7 +6151,1730 @@
     </p:spTree>
     <p:extLst>
       <p:ext uri="{BB962C8B-B14F-4D97-AF65-F5344CB8AC3E}">
-        <p14:creationId xmlns:p14="http://schemas.microsoft.com/office/powerpoint/2010/main" val="3205058952"/>
+        <p14:creationId xmlns:p14="http://schemas.microsoft.com/office/powerpoint/2010/main" val="106070295"/>
+      </p:ext>
+    </p:extLst>
+  </p:cSld>
+  <p:clrMapOvr>
+    <a:masterClrMapping/>
+  </p:clrMapOvr>
+</p:sld>
+</file>
+
+<file path=ppt/slides/slide3.xml><?xml version="1.0" encoding="utf-8"?>
+<p:sld xmlns:a="http://schemas.openxmlformats.org/drawingml/2006/main" xmlns:r="http://schemas.openxmlformats.org/officeDocument/2006/relationships" xmlns:p="http://schemas.openxmlformats.org/presentationml/2006/main">
+  <p:cSld>
+    <p:spTree>
+      <p:nvGrpSpPr>
+        <p:cNvPr id="1" name=""/>
+        <p:cNvGrpSpPr/>
+        <p:nvPr/>
+      </p:nvGrpSpPr>
+      <p:grpSpPr>
+        <a:xfrm>
+          <a:off x="0" y="0"/>
+          <a:ext cx="0" cy="0"/>
+          <a:chOff x="0" y="0"/>
+          <a:chExt cx="0" cy="0"/>
+        </a:xfrm>
+      </p:grpSpPr>
+      <p:sp>
+        <p:nvSpPr>
+          <p:cNvPr id="2" name="제목 1"/>
+          <p:cNvSpPr>
+            <a:spLocks noGrp="1"/>
+          </p:cNvSpPr>
+          <p:nvPr>
+            <p:ph type="title"/>
+          </p:nvPr>
+        </p:nvSpPr>
+        <p:spPr>
+          <a:xfrm>
+            <a:off x="377332" y="-236562"/>
+            <a:ext cx="8229600" cy="857250"/>
+          </a:xfrm>
+        </p:spPr>
+        <p:txBody>
+          <a:bodyPr/>
+          <a:lstStyle/>
+          <a:p>
+            <a:r>
+              <a:rPr lang="en-US" altLang="ko-KR"/>
+              <a:t>Cluster</a:t>
+            </a:r>
+            <a:endParaRPr lang="ko-KR" altLang="en-US" dirty="0"/>
+          </a:p>
+        </p:txBody>
+      </p:sp>
+      <p:sp>
+        <p:nvSpPr>
+          <p:cNvPr id="6" name="사각형: 둥근 모서리 5">
+            <a:extLst>
+              <a:ext uri="{FF2B5EF4-FFF2-40B4-BE49-F238E27FC236}">
+                <a16:creationId xmlns:a16="http://schemas.microsoft.com/office/drawing/2014/main" id="{3A8D51E8-B583-4C30-AEAD-66076B895A5D}"/>
+              </a:ext>
+            </a:extLst>
+          </p:cNvPr>
+          <p:cNvSpPr/>
+          <p:nvPr/>
+        </p:nvSpPr>
+        <p:spPr>
+          <a:xfrm>
+            <a:off x="1387930" y="627534"/>
+            <a:ext cx="6208406" cy="4032448"/>
+          </a:xfrm>
+          <a:prstGeom prst="roundRect">
+            <a:avLst>
+              <a:gd name="adj" fmla="val 4353"/>
+            </a:avLst>
+          </a:prstGeom>
+          <a:ln>
+            <a:prstDash val="dash"/>
+          </a:ln>
+        </p:spPr>
+        <p:style>
+          <a:lnRef idx="2">
+            <a:schemeClr val="dk1"/>
+          </a:lnRef>
+          <a:fillRef idx="1">
+            <a:schemeClr val="lt1"/>
+          </a:fillRef>
+          <a:effectRef idx="0">
+            <a:schemeClr val="dk1"/>
+          </a:effectRef>
+          <a:fontRef idx="minor">
+            <a:schemeClr val="dk1"/>
+          </a:fontRef>
+        </p:style>
+        <p:txBody>
+          <a:bodyPr rtlCol="0" anchor="t"/>
+          <a:lstStyle/>
+          <a:p>
+            <a:r>
+              <a:rPr lang="en-US" altLang="ko-KR" sz="1400" dirty="0"/>
+              <a:t>Kafka Cluster</a:t>
+            </a:r>
+            <a:endParaRPr lang="ko-KR" altLang="en-US" sz="1400" dirty="0"/>
+          </a:p>
+        </p:txBody>
+      </p:sp>
+      <p:sp>
+        <p:nvSpPr>
+          <p:cNvPr id="7" name="사각형: 둥근 모서리 6">
+            <a:extLst>
+              <a:ext uri="{FF2B5EF4-FFF2-40B4-BE49-F238E27FC236}">
+                <a16:creationId xmlns:a16="http://schemas.microsoft.com/office/drawing/2014/main" id="{43605E7C-158D-49F1-8506-CEF09E8CC589}"/>
+              </a:ext>
+            </a:extLst>
+          </p:cNvPr>
+          <p:cNvSpPr/>
+          <p:nvPr/>
+        </p:nvSpPr>
+        <p:spPr>
+          <a:xfrm>
+            <a:off x="1547664" y="1059582"/>
+            <a:ext cx="1728192" cy="3456384"/>
+          </a:xfrm>
+          <a:prstGeom prst="roundRect">
+            <a:avLst>
+              <a:gd name="adj" fmla="val 7489"/>
+            </a:avLst>
+          </a:prstGeom>
+        </p:spPr>
+        <p:style>
+          <a:lnRef idx="2">
+            <a:schemeClr val="dk1"/>
+          </a:lnRef>
+          <a:fillRef idx="1">
+            <a:schemeClr val="lt1"/>
+          </a:fillRef>
+          <a:effectRef idx="0">
+            <a:schemeClr val="dk1"/>
+          </a:effectRef>
+          <a:fontRef idx="minor">
+            <a:schemeClr val="dk1"/>
+          </a:fontRef>
+        </p:style>
+        <p:txBody>
+          <a:bodyPr rtlCol="0" anchor="b"/>
+          <a:lstStyle/>
+          <a:p>
+            <a:pPr algn="ctr"/>
+            <a:r>
+              <a:rPr lang="en-US" altLang="ko-KR" sz="1400"/>
+              <a:t>Server </a:t>
+            </a:r>
+            <a:r>
+              <a:rPr lang="en-US" altLang="ko-KR" sz="1400" dirty="0"/>
+              <a:t>A</a:t>
+            </a:r>
+            <a:endParaRPr lang="ko-KR" altLang="en-US" sz="1400" dirty="0"/>
+          </a:p>
+        </p:txBody>
+      </p:sp>
+      <p:sp>
+        <p:nvSpPr>
+          <p:cNvPr id="13" name="사각형: 둥근 모서리 12">
+            <a:extLst>
+              <a:ext uri="{FF2B5EF4-FFF2-40B4-BE49-F238E27FC236}">
+                <a16:creationId xmlns:a16="http://schemas.microsoft.com/office/drawing/2014/main" id="{22E7F032-13ED-4575-8F3C-092CC530ABC3}"/>
+              </a:ext>
+            </a:extLst>
+          </p:cNvPr>
+          <p:cNvSpPr/>
+          <p:nvPr/>
+        </p:nvSpPr>
+        <p:spPr>
+          <a:xfrm>
+            <a:off x="1691680" y="1193456"/>
+            <a:ext cx="1440160" cy="312162"/>
+          </a:xfrm>
+          <a:prstGeom prst="roundRect">
+            <a:avLst>
+              <a:gd name="adj" fmla="val 14105"/>
+            </a:avLst>
+          </a:prstGeom>
+          <a:solidFill>
+            <a:schemeClr val="accent2">
+              <a:lumMod val="20000"/>
+              <a:lumOff val="80000"/>
+            </a:schemeClr>
+          </a:solidFill>
+        </p:spPr>
+        <p:style>
+          <a:lnRef idx="2">
+            <a:schemeClr val="dk1"/>
+          </a:lnRef>
+          <a:fillRef idx="1">
+            <a:schemeClr val="lt1"/>
+          </a:fillRef>
+          <a:effectRef idx="0">
+            <a:schemeClr val="dk1"/>
+          </a:effectRef>
+          <a:fontRef idx="minor">
+            <a:schemeClr val="dk1"/>
+          </a:fontRef>
+        </p:style>
+        <p:txBody>
+          <a:bodyPr rtlCol="0" anchor="ctr"/>
+          <a:lstStyle/>
+          <a:p>
+            <a:pPr algn="ctr"/>
+            <a:r>
+              <a:rPr lang="en-US" altLang="ko-KR" sz="1100"/>
+              <a:t>Topic A /</a:t>
+            </a:r>
+          </a:p>
+          <a:p>
+            <a:pPr algn="ctr"/>
+            <a:r>
+              <a:rPr lang="en-US" altLang="ko-KR" sz="1100"/>
+              <a:t>Partition </a:t>
+            </a:r>
+            <a:r>
+              <a:rPr lang="en-US" altLang="ko-KR" sz="1100" dirty="0"/>
+              <a:t>0</a:t>
+            </a:r>
+            <a:endParaRPr lang="ko-KR" altLang="en-US" sz="1100" dirty="0"/>
+          </a:p>
+        </p:txBody>
+      </p:sp>
+      <p:sp>
+        <p:nvSpPr>
+          <p:cNvPr id="43" name="사각형: 둥근 모서리 42">
+            <a:extLst>
+              <a:ext uri="{FF2B5EF4-FFF2-40B4-BE49-F238E27FC236}">
+                <a16:creationId xmlns:a16="http://schemas.microsoft.com/office/drawing/2014/main" id="{1070DDBB-C45F-422E-861A-975578A329CC}"/>
+              </a:ext>
+            </a:extLst>
+          </p:cNvPr>
+          <p:cNvSpPr/>
+          <p:nvPr/>
+        </p:nvSpPr>
+        <p:spPr>
+          <a:xfrm>
+            <a:off x="1691680" y="1618510"/>
+            <a:ext cx="1440160" cy="312162"/>
+          </a:xfrm>
+          <a:prstGeom prst="roundRect">
+            <a:avLst>
+              <a:gd name="adj" fmla="val 14105"/>
+            </a:avLst>
+          </a:prstGeom>
+          <a:solidFill>
+            <a:schemeClr val="accent1">
+              <a:lumMod val="20000"/>
+              <a:lumOff val="80000"/>
+            </a:schemeClr>
+          </a:solidFill>
+        </p:spPr>
+        <p:style>
+          <a:lnRef idx="2">
+            <a:schemeClr val="dk1"/>
+          </a:lnRef>
+          <a:fillRef idx="1">
+            <a:schemeClr val="lt1"/>
+          </a:fillRef>
+          <a:effectRef idx="0">
+            <a:schemeClr val="dk1"/>
+          </a:effectRef>
+          <a:fontRef idx="minor">
+            <a:schemeClr val="dk1"/>
+          </a:fontRef>
+        </p:style>
+        <p:txBody>
+          <a:bodyPr rtlCol="0" anchor="ctr"/>
+          <a:lstStyle/>
+          <a:p>
+            <a:pPr algn="ctr"/>
+            <a:r>
+              <a:rPr lang="en-US" altLang="ko-KR" sz="1100"/>
+              <a:t>Topic A /</a:t>
+            </a:r>
+          </a:p>
+          <a:p>
+            <a:pPr algn="ctr"/>
+            <a:r>
+              <a:rPr lang="en-US" altLang="ko-KR" sz="1100"/>
+              <a:t>Partition </a:t>
+            </a:r>
+            <a:r>
+              <a:rPr lang="en-US" altLang="ko-KR" sz="1100" dirty="0"/>
+              <a:t>1</a:t>
+            </a:r>
+            <a:endParaRPr lang="ko-KR" altLang="en-US" sz="1100" dirty="0"/>
+          </a:p>
+        </p:txBody>
+      </p:sp>
+      <p:sp>
+        <p:nvSpPr>
+          <p:cNvPr id="44" name="사각형: 둥근 모서리 43">
+            <a:extLst>
+              <a:ext uri="{FF2B5EF4-FFF2-40B4-BE49-F238E27FC236}">
+                <a16:creationId xmlns:a16="http://schemas.microsoft.com/office/drawing/2014/main" id="{46680711-9222-475F-8F0D-50BD15568FE4}"/>
+              </a:ext>
+            </a:extLst>
+          </p:cNvPr>
+          <p:cNvSpPr/>
+          <p:nvPr/>
+        </p:nvSpPr>
+        <p:spPr>
+          <a:xfrm>
+            <a:off x="1691680" y="2043564"/>
+            <a:ext cx="1440160" cy="312162"/>
+          </a:xfrm>
+          <a:prstGeom prst="roundRect">
+            <a:avLst>
+              <a:gd name="adj" fmla="val 14105"/>
+            </a:avLst>
+          </a:prstGeom>
+          <a:solidFill>
+            <a:schemeClr val="accent1">
+              <a:lumMod val="20000"/>
+              <a:lumOff val="80000"/>
+            </a:schemeClr>
+          </a:solidFill>
+        </p:spPr>
+        <p:style>
+          <a:lnRef idx="2">
+            <a:schemeClr val="dk1"/>
+          </a:lnRef>
+          <a:fillRef idx="1">
+            <a:schemeClr val="lt1"/>
+          </a:fillRef>
+          <a:effectRef idx="0">
+            <a:schemeClr val="dk1"/>
+          </a:effectRef>
+          <a:fontRef idx="minor">
+            <a:schemeClr val="dk1"/>
+          </a:fontRef>
+        </p:style>
+        <p:txBody>
+          <a:bodyPr rtlCol="0" anchor="ctr"/>
+          <a:lstStyle/>
+          <a:p>
+            <a:pPr algn="ctr"/>
+            <a:r>
+              <a:rPr lang="en-US" altLang="ko-KR" sz="1100"/>
+              <a:t>Topic B /</a:t>
+            </a:r>
+          </a:p>
+          <a:p>
+            <a:pPr algn="ctr"/>
+            <a:r>
+              <a:rPr lang="en-US" altLang="ko-KR" sz="1100"/>
+              <a:t>Partition </a:t>
+            </a:r>
+            <a:r>
+              <a:rPr lang="en-US" altLang="ko-KR" sz="1100" dirty="0"/>
+              <a:t>0</a:t>
+            </a:r>
+            <a:endParaRPr lang="ko-KR" altLang="en-US" sz="1100" dirty="0"/>
+          </a:p>
+        </p:txBody>
+      </p:sp>
+      <p:sp>
+        <p:nvSpPr>
+          <p:cNvPr id="55" name="사각형: 둥근 모서리 54">
+            <a:extLst>
+              <a:ext uri="{FF2B5EF4-FFF2-40B4-BE49-F238E27FC236}">
+                <a16:creationId xmlns:a16="http://schemas.microsoft.com/office/drawing/2014/main" id="{9B510882-3AD7-4A8A-ACA7-B7996494A18E}"/>
+              </a:ext>
+            </a:extLst>
+          </p:cNvPr>
+          <p:cNvSpPr/>
+          <p:nvPr/>
+        </p:nvSpPr>
+        <p:spPr>
+          <a:xfrm>
+            <a:off x="1691680" y="2466169"/>
+            <a:ext cx="1440160" cy="312162"/>
+          </a:xfrm>
+          <a:prstGeom prst="roundRect">
+            <a:avLst>
+              <a:gd name="adj" fmla="val 14105"/>
+            </a:avLst>
+          </a:prstGeom>
+          <a:solidFill>
+            <a:schemeClr val="accent2">
+              <a:lumMod val="20000"/>
+              <a:lumOff val="80000"/>
+            </a:schemeClr>
+          </a:solidFill>
+        </p:spPr>
+        <p:style>
+          <a:lnRef idx="2">
+            <a:schemeClr val="dk1"/>
+          </a:lnRef>
+          <a:fillRef idx="1">
+            <a:schemeClr val="lt1"/>
+          </a:fillRef>
+          <a:effectRef idx="0">
+            <a:schemeClr val="dk1"/>
+          </a:effectRef>
+          <a:fontRef idx="minor">
+            <a:schemeClr val="dk1"/>
+          </a:fontRef>
+        </p:style>
+        <p:txBody>
+          <a:bodyPr rtlCol="0" anchor="ctr"/>
+          <a:lstStyle/>
+          <a:p>
+            <a:pPr algn="ctr"/>
+            <a:r>
+              <a:rPr lang="en-US" altLang="ko-KR" sz="1100"/>
+              <a:t>Topic C /</a:t>
+            </a:r>
+          </a:p>
+          <a:p>
+            <a:pPr algn="ctr"/>
+            <a:r>
+              <a:rPr lang="en-US" altLang="ko-KR" sz="1100"/>
+              <a:t>Partition </a:t>
+            </a:r>
+            <a:r>
+              <a:rPr lang="en-US" altLang="ko-KR" sz="1100" dirty="0"/>
+              <a:t>0</a:t>
+            </a:r>
+            <a:endParaRPr lang="ko-KR" altLang="en-US" sz="1100" dirty="0"/>
+          </a:p>
+        </p:txBody>
+      </p:sp>
+      <p:sp>
+        <p:nvSpPr>
+          <p:cNvPr id="56" name="사각형: 둥근 모서리 55">
+            <a:extLst>
+              <a:ext uri="{FF2B5EF4-FFF2-40B4-BE49-F238E27FC236}">
+                <a16:creationId xmlns:a16="http://schemas.microsoft.com/office/drawing/2014/main" id="{F8EDAA14-A89A-489B-B003-40355A4D2500}"/>
+              </a:ext>
+            </a:extLst>
+          </p:cNvPr>
+          <p:cNvSpPr/>
+          <p:nvPr/>
+        </p:nvSpPr>
+        <p:spPr>
+          <a:xfrm>
+            <a:off x="1691680" y="2891223"/>
+            <a:ext cx="1440160" cy="312162"/>
+          </a:xfrm>
+          <a:prstGeom prst="roundRect">
+            <a:avLst>
+              <a:gd name="adj" fmla="val 14105"/>
+            </a:avLst>
+          </a:prstGeom>
+          <a:solidFill>
+            <a:schemeClr val="accent1">
+              <a:lumMod val="20000"/>
+              <a:lumOff val="80000"/>
+            </a:schemeClr>
+          </a:solidFill>
+        </p:spPr>
+        <p:style>
+          <a:lnRef idx="2">
+            <a:schemeClr val="dk1"/>
+          </a:lnRef>
+          <a:fillRef idx="1">
+            <a:schemeClr val="lt1"/>
+          </a:fillRef>
+          <a:effectRef idx="0">
+            <a:schemeClr val="dk1"/>
+          </a:effectRef>
+          <a:fontRef idx="minor">
+            <a:schemeClr val="dk1"/>
+          </a:fontRef>
+        </p:style>
+        <p:txBody>
+          <a:bodyPr rtlCol="0" anchor="ctr"/>
+          <a:lstStyle/>
+          <a:p>
+            <a:pPr algn="ctr"/>
+            <a:r>
+              <a:rPr lang="en-US" altLang="ko-KR" sz="1100"/>
+              <a:t>Topic C /</a:t>
+            </a:r>
+          </a:p>
+          <a:p>
+            <a:pPr algn="ctr"/>
+            <a:r>
+              <a:rPr lang="en-US" altLang="ko-KR" sz="1100"/>
+              <a:t>Partition </a:t>
+            </a:r>
+            <a:r>
+              <a:rPr lang="en-US" altLang="ko-KR" sz="1100" dirty="0"/>
+              <a:t>1</a:t>
+            </a:r>
+            <a:endParaRPr lang="ko-KR" altLang="en-US" sz="1100" dirty="0"/>
+          </a:p>
+        </p:txBody>
+      </p:sp>
+      <p:sp>
+        <p:nvSpPr>
+          <p:cNvPr id="57" name="사각형: 둥근 모서리 56">
+            <a:extLst>
+              <a:ext uri="{FF2B5EF4-FFF2-40B4-BE49-F238E27FC236}">
+                <a16:creationId xmlns:a16="http://schemas.microsoft.com/office/drawing/2014/main" id="{D0081DD2-33FA-46B1-8ABB-C5E63737BABF}"/>
+              </a:ext>
+            </a:extLst>
+          </p:cNvPr>
+          <p:cNvSpPr/>
+          <p:nvPr/>
+        </p:nvSpPr>
+        <p:spPr>
+          <a:xfrm>
+            <a:off x="1691680" y="3316277"/>
+            <a:ext cx="1440160" cy="312162"/>
+          </a:xfrm>
+          <a:prstGeom prst="roundRect">
+            <a:avLst>
+              <a:gd name="adj" fmla="val 14105"/>
+            </a:avLst>
+          </a:prstGeom>
+          <a:solidFill>
+            <a:schemeClr val="accent1">
+              <a:lumMod val="20000"/>
+              <a:lumOff val="80000"/>
+            </a:schemeClr>
+          </a:solidFill>
+        </p:spPr>
+        <p:style>
+          <a:lnRef idx="2">
+            <a:schemeClr val="dk1"/>
+          </a:lnRef>
+          <a:fillRef idx="1">
+            <a:schemeClr val="lt1"/>
+          </a:fillRef>
+          <a:effectRef idx="0">
+            <a:schemeClr val="dk1"/>
+          </a:effectRef>
+          <a:fontRef idx="minor">
+            <a:schemeClr val="dk1"/>
+          </a:fontRef>
+        </p:style>
+        <p:txBody>
+          <a:bodyPr rtlCol="0" anchor="ctr"/>
+          <a:lstStyle/>
+          <a:p>
+            <a:pPr algn="ctr"/>
+            <a:r>
+              <a:rPr lang="en-US" altLang="ko-KR" sz="1100"/>
+              <a:t>Topic C /</a:t>
+            </a:r>
+          </a:p>
+          <a:p>
+            <a:pPr algn="ctr"/>
+            <a:r>
+              <a:rPr lang="en-US" altLang="ko-KR" sz="1100"/>
+              <a:t>Partition </a:t>
+            </a:r>
+            <a:r>
+              <a:rPr lang="en-US" altLang="ko-KR" sz="1100" dirty="0"/>
+              <a:t>2</a:t>
+            </a:r>
+            <a:endParaRPr lang="ko-KR" altLang="en-US" sz="1100" dirty="0"/>
+          </a:p>
+        </p:txBody>
+      </p:sp>
+      <p:sp>
+        <p:nvSpPr>
+          <p:cNvPr id="58" name="사각형: 둥근 모서리 57">
+            <a:extLst>
+              <a:ext uri="{FF2B5EF4-FFF2-40B4-BE49-F238E27FC236}">
+                <a16:creationId xmlns:a16="http://schemas.microsoft.com/office/drawing/2014/main" id="{364F566C-AAA1-4C72-9FB2-52671A2E3589}"/>
+              </a:ext>
+            </a:extLst>
+          </p:cNvPr>
+          <p:cNvSpPr/>
+          <p:nvPr/>
+        </p:nvSpPr>
+        <p:spPr>
+          <a:xfrm>
+            <a:off x="3635896" y="1059582"/>
+            <a:ext cx="1728192" cy="3456384"/>
+          </a:xfrm>
+          <a:prstGeom prst="roundRect">
+            <a:avLst>
+              <a:gd name="adj" fmla="val 7489"/>
+            </a:avLst>
+          </a:prstGeom>
+        </p:spPr>
+        <p:style>
+          <a:lnRef idx="2">
+            <a:schemeClr val="dk1"/>
+          </a:lnRef>
+          <a:fillRef idx="1">
+            <a:schemeClr val="lt1"/>
+          </a:fillRef>
+          <a:effectRef idx="0">
+            <a:schemeClr val="dk1"/>
+          </a:effectRef>
+          <a:fontRef idx="minor">
+            <a:schemeClr val="dk1"/>
+          </a:fontRef>
+        </p:style>
+        <p:txBody>
+          <a:bodyPr rtlCol="0" anchor="b"/>
+          <a:lstStyle/>
+          <a:p>
+            <a:pPr algn="ctr"/>
+            <a:r>
+              <a:rPr lang="en-US" altLang="ko-KR" sz="1400"/>
+              <a:t>Server </a:t>
+            </a:r>
+            <a:r>
+              <a:rPr lang="en-US" altLang="ko-KR" sz="1400" dirty="0"/>
+              <a:t>B</a:t>
+            </a:r>
+            <a:endParaRPr lang="ko-KR" altLang="en-US" sz="1400" dirty="0"/>
+          </a:p>
+        </p:txBody>
+      </p:sp>
+      <p:sp>
+        <p:nvSpPr>
+          <p:cNvPr id="59" name="사각형: 둥근 모서리 58">
+            <a:extLst>
+              <a:ext uri="{FF2B5EF4-FFF2-40B4-BE49-F238E27FC236}">
+                <a16:creationId xmlns:a16="http://schemas.microsoft.com/office/drawing/2014/main" id="{864C36CA-B2B1-4C62-84BC-8CE2E6415074}"/>
+              </a:ext>
+            </a:extLst>
+          </p:cNvPr>
+          <p:cNvSpPr/>
+          <p:nvPr/>
+        </p:nvSpPr>
+        <p:spPr>
+          <a:xfrm>
+            <a:off x="3779912" y="1193456"/>
+            <a:ext cx="1440160" cy="312162"/>
+          </a:xfrm>
+          <a:prstGeom prst="roundRect">
+            <a:avLst>
+              <a:gd name="adj" fmla="val 14105"/>
+            </a:avLst>
+          </a:prstGeom>
+          <a:solidFill>
+            <a:schemeClr val="accent1">
+              <a:lumMod val="20000"/>
+              <a:lumOff val="80000"/>
+            </a:schemeClr>
+          </a:solidFill>
+        </p:spPr>
+        <p:style>
+          <a:lnRef idx="2">
+            <a:schemeClr val="dk1"/>
+          </a:lnRef>
+          <a:fillRef idx="1">
+            <a:schemeClr val="lt1"/>
+          </a:fillRef>
+          <a:effectRef idx="0">
+            <a:schemeClr val="dk1"/>
+          </a:effectRef>
+          <a:fontRef idx="minor">
+            <a:schemeClr val="dk1"/>
+          </a:fontRef>
+        </p:style>
+        <p:txBody>
+          <a:bodyPr rtlCol="0" anchor="ctr"/>
+          <a:lstStyle/>
+          <a:p>
+            <a:pPr algn="ctr"/>
+            <a:r>
+              <a:rPr lang="en-US" altLang="ko-KR" sz="1100"/>
+              <a:t>Topic A /</a:t>
+            </a:r>
+          </a:p>
+          <a:p>
+            <a:pPr algn="ctr"/>
+            <a:r>
+              <a:rPr lang="en-US" altLang="ko-KR" sz="1100"/>
+              <a:t>Partition </a:t>
+            </a:r>
+            <a:r>
+              <a:rPr lang="en-US" altLang="ko-KR" sz="1100" dirty="0"/>
+              <a:t>0</a:t>
+            </a:r>
+            <a:endParaRPr lang="ko-KR" altLang="en-US" sz="1100" dirty="0"/>
+          </a:p>
+        </p:txBody>
+      </p:sp>
+      <p:sp>
+        <p:nvSpPr>
+          <p:cNvPr id="61" name="사각형: 둥근 모서리 60">
+            <a:extLst>
+              <a:ext uri="{FF2B5EF4-FFF2-40B4-BE49-F238E27FC236}">
+                <a16:creationId xmlns:a16="http://schemas.microsoft.com/office/drawing/2014/main" id="{8847AFD1-B7E6-4B29-BB80-578C46B9A5AC}"/>
+              </a:ext>
+            </a:extLst>
+          </p:cNvPr>
+          <p:cNvSpPr/>
+          <p:nvPr/>
+        </p:nvSpPr>
+        <p:spPr>
+          <a:xfrm>
+            <a:off x="3779912" y="1618510"/>
+            <a:ext cx="1440160" cy="312162"/>
+          </a:xfrm>
+          <a:prstGeom prst="roundRect">
+            <a:avLst>
+              <a:gd name="adj" fmla="val 14105"/>
+            </a:avLst>
+          </a:prstGeom>
+          <a:solidFill>
+            <a:schemeClr val="accent2">
+              <a:lumMod val="20000"/>
+              <a:lumOff val="80000"/>
+            </a:schemeClr>
+          </a:solidFill>
+        </p:spPr>
+        <p:style>
+          <a:lnRef idx="2">
+            <a:schemeClr val="dk1"/>
+          </a:lnRef>
+          <a:fillRef idx="1">
+            <a:schemeClr val="lt1"/>
+          </a:fillRef>
+          <a:effectRef idx="0">
+            <a:schemeClr val="dk1"/>
+          </a:effectRef>
+          <a:fontRef idx="minor">
+            <a:schemeClr val="dk1"/>
+          </a:fontRef>
+        </p:style>
+        <p:txBody>
+          <a:bodyPr rtlCol="0" anchor="ctr"/>
+          <a:lstStyle/>
+          <a:p>
+            <a:pPr algn="ctr"/>
+            <a:r>
+              <a:rPr lang="en-US" altLang="ko-KR" sz="1100"/>
+              <a:t>Topic A /</a:t>
+            </a:r>
+          </a:p>
+          <a:p>
+            <a:pPr algn="ctr"/>
+            <a:r>
+              <a:rPr lang="en-US" altLang="ko-KR" sz="1100"/>
+              <a:t>Partition </a:t>
+            </a:r>
+            <a:r>
+              <a:rPr lang="en-US" altLang="ko-KR" sz="1100" dirty="0"/>
+              <a:t>1</a:t>
+            </a:r>
+            <a:endParaRPr lang="ko-KR" altLang="en-US" sz="1100" dirty="0"/>
+          </a:p>
+        </p:txBody>
+      </p:sp>
+      <p:sp>
+        <p:nvSpPr>
+          <p:cNvPr id="63" name="사각형: 둥근 모서리 62">
+            <a:extLst>
+              <a:ext uri="{FF2B5EF4-FFF2-40B4-BE49-F238E27FC236}">
+                <a16:creationId xmlns:a16="http://schemas.microsoft.com/office/drawing/2014/main" id="{1D930AF3-C251-4D74-827F-DC86C862B00C}"/>
+              </a:ext>
+            </a:extLst>
+          </p:cNvPr>
+          <p:cNvSpPr/>
+          <p:nvPr/>
+        </p:nvSpPr>
+        <p:spPr>
+          <a:xfrm>
+            <a:off x="3779912" y="2043564"/>
+            <a:ext cx="1440160" cy="312162"/>
+          </a:xfrm>
+          <a:prstGeom prst="roundRect">
+            <a:avLst>
+              <a:gd name="adj" fmla="val 14105"/>
+            </a:avLst>
+          </a:prstGeom>
+          <a:solidFill>
+            <a:schemeClr val="accent1">
+              <a:lumMod val="20000"/>
+              <a:lumOff val="80000"/>
+            </a:schemeClr>
+          </a:solidFill>
+        </p:spPr>
+        <p:style>
+          <a:lnRef idx="2">
+            <a:schemeClr val="dk1"/>
+          </a:lnRef>
+          <a:fillRef idx="1">
+            <a:schemeClr val="lt1"/>
+          </a:fillRef>
+          <a:effectRef idx="0">
+            <a:schemeClr val="dk1"/>
+          </a:effectRef>
+          <a:fontRef idx="minor">
+            <a:schemeClr val="dk1"/>
+          </a:fontRef>
+        </p:style>
+        <p:txBody>
+          <a:bodyPr rtlCol="0" anchor="ctr"/>
+          <a:lstStyle/>
+          <a:p>
+            <a:pPr algn="ctr"/>
+            <a:r>
+              <a:rPr lang="en-US" altLang="ko-KR" sz="1100"/>
+              <a:t>Topic B /</a:t>
+            </a:r>
+          </a:p>
+          <a:p>
+            <a:pPr algn="ctr"/>
+            <a:r>
+              <a:rPr lang="en-US" altLang="ko-KR" sz="1100"/>
+              <a:t>Partition </a:t>
+            </a:r>
+            <a:r>
+              <a:rPr lang="en-US" altLang="ko-KR" sz="1100" dirty="0"/>
+              <a:t>0</a:t>
+            </a:r>
+            <a:endParaRPr lang="ko-KR" altLang="en-US" sz="1100" dirty="0"/>
+          </a:p>
+        </p:txBody>
+      </p:sp>
+      <p:sp>
+        <p:nvSpPr>
+          <p:cNvPr id="64" name="사각형: 둥근 모서리 63">
+            <a:extLst>
+              <a:ext uri="{FF2B5EF4-FFF2-40B4-BE49-F238E27FC236}">
+                <a16:creationId xmlns:a16="http://schemas.microsoft.com/office/drawing/2014/main" id="{C093F3AF-A4D5-42A7-93F0-6BCBA9A55EF7}"/>
+              </a:ext>
+            </a:extLst>
+          </p:cNvPr>
+          <p:cNvSpPr/>
+          <p:nvPr/>
+        </p:nvSpPr>
+        <p:spPr>
+          <a:xfrm>
+            <a:off x="3779912" y="2466169"/>
+            <a:ext cx="1440160" cy="312162"/>
+          </a:xfrm>
+          <a:prstGeom prst="roundRect">
+            <a:avLst>
+              <a:gd name="adj" fmla="val 14105"/>
+            </a:avLst>
+          </a:prstGeom>
+          <a:solidFill>
+            <a:schemeClr val="accent1">
+              <a:lumMod val="20000"/>
+              <a:lumOff val="80000"/>
+            </a:schemeClr>
+          </a:solidFill>
+        </p:spPr>
+        <p:style>
+          <a:lnRef idx="2">
+            <a:schemeClr val="dk1"/>
+          </a:lnRef>
+          <a:fillRef idx="1">
+            <a:schemeClr val="lt1"/>
+          </a:fillRef>
+          <a:effectRef idx="0">
+            <a:schemeClr val="dk1"/>
+          </a:effectRef>
+          <a:fontRef idx="minor">
+            <a:schemeClr val="dk1"/>
+          </a:fontRef>
+        </p:style>
+        <p:txBody>
+          <a:bodyPr rtlCol="0" anchor="ctr"/>
+          <a:lstStyle/>
+          <a:p>
+            <a:pPr algn="ctr"/>
+            <a:r>
+              <a:rPr lang="en-US" altLang="ko-KR" sz="1100"/>
+              <a:t>Topic C /</a:t>
+            </a:r>
+          </a:p>
+          <a:p>
+            <a:pPr algn="ctr"/>
+            <a:r>
+              <a:rPr lang="en-US" altLang="ko-KR" sz="1100"/>
+              <a:t>Partition </a:t>
+            </a:r>
+            <a:r>
+              <a:rPr lang="en-US" altLang="ko-KR" sz="1100" dirty="0"/>
+              <a:t>0</a:t>
+            </a:r>
+            <a:endParaRPr lang="ko-KR" altLang="en-US" sz="1100" dirty="0"/>
+          </a:p>
+        </p:txBody>
+      </p:sp>
+      <p:sp>
+        <p:nvSpPr>
+          <p:cNvPr id="65" name="사각형: 둥근 모서리 64">
+            <a:extLst>
+              <a:ext uri="{FF2B5EF4-FFF2-40B4-BE49-F238E27FC236}">
+                <a16:creationId xmlns:a16="http://schemas.microsoft.com/office/drawing/2014/main" id="{CE7BAF05-2759-4F3B-9CFD-1F237A1F8B70}"/>
+              </a:ext>
+            </a:extLst>
+          </p:cNvPr>
+          <p:cNvSpPr/>
+          <p:nvPr/>
+        </p:nvSpPr>
+        <p:spPr>
+          <a:xfrm>
+            <a:off x="3779912" y="2891223"/>
+            <a:ext cx="1440160" cy="312162"/>
+          </a:xfrm>
+          <a:prstGeom prst="roundRect">
+            <a:avLst>
+              <a:gd name="adj" fmla="val 14105"/>
+            </a:avLst>
+          </a:prstGeom>
+          <a:solidFill>
+            <a:schemeClr val="accent2">
+              <a:lumMod val="20000"/>
+              <a:lumOff val="80000"/>
+            </a:schemeClr>
+          </a:solidFill>
+        </p:spPr>
+        <p:style>
+          <a:lnRef idx="2">
+            <a:schemeClr val="dk1"/>
+          </a:lnRef>
+          <a:fillRef idx="1">
+            <a:schemeClr val="lt1"/>
+          </a:fillRef>
+          <a:effectRef idx="0">
+            <a:schemeClr val="dk1"/>
+          </a:effectRef>
+          <a:fontRef idx="minor">
+            <a:schemeClr val="dk1"/>
+          </a:fontRef>
+        </p:style>
+        <p:txBody>
+          <a:bodyPr rtlCol="0" anchor="ctr"/>
+          <a:lstStyle/>
+          <a:p>
+            <a:pPr algn="ctr"/>
+            <a:r>
+              <a:rPr lang="en-US" altLang="ko-KR" sz="1100"/>
+              <a:t>Topic C /</a:t>
+            </a:r>
+          </a:p>
+          <a:p>
+            <a:pPr algn="ctr"/>
+            <a:r>
+              <a:rPr lang="en-US" altLang="ko-KR" sz="1100"/>
+              <a:t>Partition </a:t>
+            </a:r>
+            <a:r>
+              <a:rPr lang="en-US" altLang="ko-KR" sz="1100" dirty="0"/>
+              <a:t>1</a:t>
+            </a:r>
+            <a:endParaRPr lang="ko-KR" altLang="en-US" sz="1100" dirty="0"/>
+          </a:p>
+        </p:txBody>
+      </p:sp>
+      <p:sp>
+        <p:nvSpPr>
+          <p:cNvPr id="66" name="사각형: 둥근 모서리 65">
+            <a:extLst>
+              <a:ext uri="{FF2B5EF4-FFF2-40B4-BE49-F238E27FC236}">
+                <a16:creationId xmlns:a16="http://schemas.microsoft.com/office/drawing/2014/main" id="{1CA0F0DF-F771-45A7-AE6F-EA0C6999E419}"/>
+              </a:ext>
+            </a:extLst>
+          </p:cNvPr>
+          <p:cNvSpPr/>
+          <p:nvPr/>
+        </p:nvSpPr>
+        <p:spPr>
+          <a:xfrm>
+            <a:off x="3779912" y="3316277"/>
+            <a:ext cx="1440160" cy="312162"/>
+          </a:xfrm>
+          <a:prstGeom prst="roundRect">
+            <a:avLst>
+              <a:gd name="adj" fmla="val 14105"/>
+            </a:avLst>
+          </a:prstGeom>
+          <a:solidFill>
+            <a:schemeClr val="accent1">
+              <a:lumMod val="20000"/>
+              <a:lumOff val="80000"/>
+            </a:schemeClr>
+          </a:solidFill>
+        </p:spPr>
+        <p:style>
+          <a:lnRef idx="2">
+            <a:schemeClr val="dk1"/>
+          </a:lnRef>
+          <a:fillRef idx="1">
+            <a:schemeClr val="lt1"/>
+          </a:fillRef>
+          <a:effectRef idx="0">
+            <a:schemeClr val="dk1"/>
+          </a:effectRef>
+          <a:fontRef idx="minor">
+            <a:schemeClr val="dk1"/>
+          </a:fontRef>
+        </p:style>
+        <p:txBody>
+          <a:bodyPr rtlCol="0" anchor="ctr"/>
+          <a:lstStyle/>
+          <a:p>
+            <a:pPr algn="ctr"/>
+            <a:r>
+              <a:rPr lang="en-US" altLang="ko-KR" sz="1100"/>
+              <a:t>Topic C /</a:t>
+            </a:r>
+          </a:p>
+          <a:p>
+            <a:pPr algn="ctr"/>
+            <a:r>
+              <a:rPr lang="en-US" altLang="ko-KR" sz="1100"/>
+              <a:t>Partition </a:t>
+            </a:r>
+            <a:r>
+              <a:rPr lang="en-US" altLang="ko-KR" sz="1100" dirty="0"/>
+              <a:t>2</a:t>
+            </a:r>
+            <a:endParaRPr lang="ko-KR" altLang="en-US" sz="1100" dirty="0"/>
+          </a:p>
+        </p:txBody>
+      </p:sp>
+      <p:sp>
+        <p:nvSpPr>
+          <p:cNvPr id="67" name="사각형: 둥근 모서리 66">
+            <a:extLst>
+              <a:ext uri="{FF2B5EF4-FFF2-40B4-BE49-F238E27FC236}">
+                <a16:creationId xmlns:a16="http://schemas.microsoft.com/office/drawing/2014/main" id="{10A8E561-0D52-48A1-A8B6-9F42DD083DD7}"/>
+              </a:ext>
+            </a:extLst>
+          </p:cNvPr>
+          <p:cNvSpPr/>
+          <p:nvPr/>
+        </p:nvSpPr>
+        <p:spPr>
+          <a:xfrm>
+            <a:off x="5724128" y="1059582"/>
+            <a:ext cx="1728192" cy="3456384"/>
+          </a:xfrm>
+          <a:prstGeom prst="roundRect">
+            <a:avLst>
+              <a:gd name="adj" fmla="val 7489"/>
+            </a:avLst>
+          </a:prstGeom>
+        </p:spPr>
+        <p:style>
+          <a:lnRef idx="2">
+            <a:schemeClr val="dk1"/>
+          </a:lnRef>
+          <a:fillRef idx="1">
+            <a:schemeClr val="lt1"/>
+          </a:fillRef>
+          <a:effectRef idx="0">
+            <a:schemeClr val="dk1"/>
+          </a:effectRef>
+          <a:fontRef idx="minor">
+            <a:schemeClr val="dk1"/>
+          </a:fontRef>
+        </p:style>
+        <p:txBody>
+          <a:bodyPr rtlCol="0" anchor="b"/>
+          <a:lstStyle/>
+          <a:p>
+            <a:pPr algn="ctr"/>
+            <a:r>
+              <a:rPr lang="en-US" altLang="ko-KR" sz="1400"/>
+              <a:t>Server </a:t>
+            </a:r>
+            <a:r>
+              <a:rPr lang="en-US" altLang="ko-KR" sz="1400" dirty="0"/>
+              <a:t>C</a:t>
+            </a:r>
+            <a:endParaRPr lang="ko-KR" altLang="en-US" sz="1400" dirty="0"/>
+          </a:p>
+        </p:txBody>
+      </p:sp>
+      <p:sp>
+        <p:nvSpPr>
+          <p:cNvPr id="68" name="사각형: 둥근 모서리 67">
+            <a:extLst>
+              <a:ext uri="{FF2B5EF4-FFF2-40B4-BE49-F238E27FC236}">
+                <a16:creationId xmlns:a16="http://schemas.microsoft.com/office/drawing/2014/main" id="{8E094E8F-532F-442F-B6E4-AEF302B45199}"/>
+              </a:ext>
+            </a:extLst>
+          </p:cNvPr>
+          <p:cNvSpPr/>
+          <p:nvPr/>
+        </p:nvSpPr>
+        <p:spPr>
+          <a:xfrm>
+            <a:off x="5868144" y="1193456"/>
+            <a:ext cx="1440160" cy="312162"/>
+          </a:xfrm>
+          <a:prstGeom prst="roundRect">
+            <a:avLst>
+              <a:gd name="adj" fmla="val 14105"/>
+            </a:avLst>
+          </a:prstGeom>
+          <a:solidFill>
+            <a:schemeClr val="accent1">
+              <a:lumMod val="20000"/>
+              <a:lumOff val="80000"/>
+            </a:schemeClr>
+          </a:solidFill>
+        </p:spPr>
+        <p:style>
+          <a:lnRef idx="2">
+            <a:schemeClr val="dk1"/>
+          </a:lnRef>
+          <a:fillRef idx="1">
+            <a:schemeClr val="lt1"/>
+          </a:fillRef>
+          <a:effectRef idx="0">
+            <a:schemeClr val="dk1"/>
+          </a:effectRef>
+          <a:fontRef idx="minor">
+            <a:schemeClr val="dk1"/>
+          </a:fontRef>
+        </p:style>
+        <p:txBody>
+          <a:bodyPr rtlCol="0" anchor="ctr"/>
+          <a:lstStyle/>
+          <a:p>
+            <a:pPr algn="ctr"/>
+            <a:r>
+              <a:rPr lang="en-US" altLang="ko-KR" sz="1100"/>
+              <a:t>Topic A /</a:t>
+            </a:r>
+          </a:p>
+          <a:p>
+            <a:pPr algn="ctr"/>
+            <a:r>
+              <a:rPr lang="en-US" altLang="ko-KR" sz="1100"/>
+              <a:t>Partition </a:t>
+            </a:r>
+            <a:r>
+              <a:rPr lang="en-US" altLang="ko-KR" sz="1100" dirty="0"/>
+              <a:t>0</a:t>
+            </a:r>
+            <a:endParaRPr lang="ko-KR" altLang="en-US" sz="1100" dirty="0"/>
+          </a:p>
+        </p:txBody>
+      </p:sp>
+      <p:sp>
+        <p:nvSpPr>
+          <p:cNvPr id="69" name="사각형: 둥근 모서리 68">
+            <a:extLst>
+              <a:ext uri="{FF2B5EF4-FFF2-40B4-BE49-F238E27FC236}">
+                <a16:creationId xmlns:a16="http://schemas.microsoft.com/office/drawing/2014/main" id="{5CBD8317-73E4-404D-BF25-BA454EE35500}"/>
+              </a:ext>
+            </a:extLst>
+          </p:cNvPr>
+          <p:cNvSpPr/>
+          <p:nvPr/>
+        </p:nvSpPr>
+        <p:spPr>
+          <a:xfrm>
+            <a:off x="5868144" y="1618510"/>
+            <a:ext cx="1440160" cy="312162"/>
+          </a:xfrm>
+          <a:prstGeom prst="roundRect">
+            <a:avLst>
+              <a:gd name="adj" fmla="val 14105"/>
+            </a:avLst>
+          </a:prstGeom>
+          <a:solidFill>
+            <a:schemeClr val="accent1">
+              <a:lumMod val="20000"/>
+              <a:lumOff val="80000"/>
+            </a:schemeClr>
+          </a:solidFill>
+        </p:spPr>
+        <p:style>
+          <a:lnRef idx="2">
+            <a:schemeClr val="dk1"/>
+          </a:lnRef>
+          <a:fillRef idx="1">
+            <a:schemeClr val="lt1"/>
+          </a:fillRef>
+          <a:effectRef idx="0">
+            <a:schemeClr val="dk1"/>
+          </a:effectRef>
+          <a:fontRef idx="minor">
+            <a:schemeClr val="dk1"/>
+          </a:fontRef>
+        </p:style>
+        <p:txBody>
+          <a:bodyPr rtlCol="0" anchor="ctr"/>
+          <a:lstStyle/>
+          <a:p>
+            <a:pPr algn="ctr"/>
+            <a:r>
+              <a:rPr lang="en-US" altLang="ko-KR" sz="1100"/>
+              <a:t>Topic A /</a:t>
+            </a:r>
+          </a:p>
+          <a:p>
+            <a:pPr algn="ctr"/>
+            <a:r>
+              <a:rPr lang="en-US" altLang="ko-KR" sz="1100"/>
+              <a:t>Partition </a:t>
+            </a:r>
+            <a:r>
+              <a:rPr lang="en-US" altLang="ko-KR" sz="1100" dirty="0"/>
+              <a:t>1</a:t>
+            </a:r>
+            <a:endParaRPr lang="ko-KR" altLang="en-US" sz="1100" dirty="0"/>
+          </a:p>
+        </p:txBody>
+      </p:sp>
+      <p:sp>
+        <p:nvSpPr>
+          <p:cNvPr id="70" name="사각형: 둥근 모서리 69">
+            <a:extLst>
+              <a:ext uri="{FF2B5EF4-FFF2-40B4-BE49-F238E27FC236}">
+                <a16:creationId xmlns:a16="http://schemas.microsoft.com/office/drawing/2014/main" id="{84D930EB-BC46-471C-A7B6-A6B0BC36B737}"/>
+              </a:ext>
+            </a:extLst>
+          </p:cNvPr>
+          <p:cNvSpPr/>
+          <p:nvPr/>
+        </p:nvSpPr>
+        <p:spPr>
+          <a:xfrm>
+            <a:off x="5868144" y="2043564"/>
+            <a:ext cx="1440160" cy="312162"/>
+          </a:xfrm>
+          <a:prstGeom prst="roundRect">
+            <a:avLst>
+              <a:gd name="adj" fmla="val 14105"/>
+            </a:avLst>
+          </a:prstGeom>
+          <a:solidFill>
+            <a:schemeClr val="accent2">
+              <a:lumMod val="20000"/>
+              <a:lumOff val="80000"/>
+            </a:schemeClr>
+          </a:solidFill>
+        </p:spPr>
+        <p:style>
+          <a:lnRef idx="2">
+            <a:schemeClr val="dk1"/>
+          </a:lnRef>
+          <a:fillRef idx="1">
+            <a:schemeClr val="lt1"/>
+          </a:fillRef>
+          <a:effectRef idx="0">
+            <a:schemeClr val="dk1"/>
+          </a:effectRef>
+          <a:fontRef idx="minor">
+            <a:schemeClr val="dk1"/>
+          </a:fontRef>
+        </p:style>
+        <p:txBody>
+          <a:bodyPr rtlCol="0" anchor="ctr"/>
+          <a:lstStyle/>
+          <a:p>
+            <a:pPr algn="ctr"/>
+            <a:r>
+              <a:rPr lang="en-US" altLang="ko-KR" sz="1100"/>
+              <a:t>Topic B /</a:t>
+            </a:r>
+          </a:p>
+          <a:p>
+            <a:pPr algn="ctr"/>
+            <a:r>
+              <a:rPr lang="en-US" altLang="ko-KR" sz="1100"/>
+              <a:t>Partition </a:t>
+            </a:r>
+            <a:r>
+              <a:rPr lang="en-US" altLang="ko-KR" sz="1100" dirty="0"/>
+              <a:t>0</a:t>
+            </a:r>
+            <a:endParaRPr lang="ko-KR" altLang="en-US" sz="1100" dirty="0"/>
+          </a:p>
+        </p:txBody>
+      </p:sp>
+      <p:sp>
+        <p:nvSpPr>
+          <p:cNvPr id="71" name="사각형: 둥근 모서리 70">
+            <a:extLst>
+              <a:ext uri="{FF2B5EF4-FFF2-40B4-BE49-F238E27FC236}">
+                <a16:creationId xmlns:a16="http://schemas.microsoft.com/office/drawing/2014/main" id="{8CB55B9F-1769-4742-9626-EA91B55F9CD0}"/>
+              </a:ext>
+            </a:extLst>
+          </p:cNvPr>
+          <p:cNvSpPr/>
+          <p:nvPr/>
+        </p:nvSpPr>
+        <p:spPr>
+          <a:xfrm>
+            <a:off x="5868144" y="2466169"/>
+            <a:ext cx="1440160" cy="312162"/>
+          </a:xfrm>
+          <a:prstGeom prst="roundRect">
+            <a:avLst>
+              <a:gd name="adj" fmla="val 14105"/>
+            </a:avLst>
+          </a:prstGeom>
+          <a:solidFill>
+            <a:schemeClr val="accent1">
+              <a:lumMod val="20000"/>
+              <a:lumOff val="80000"/>
+            </a:schemeClr>
+          </a:solidFill>
+        </p:spPr>
+        <p:style>
+          <a:lnRef idx="2">
+            <a:schemeClr val="dk1"/>
+          </a:lnRef>
+          <a:fillRef idx="1">
+            <a:schemeClr val="lt1"/>
+          </a:fillRef>
+          <a:effectRef idx="0">
+            <a:schemeClr val="dk1"/>
+          </a:effectRef>
+          <a:fontRef idx="minor">
+            <a:schemeClr val="dk1"/>
+          </a:fontRef>
+        </p:style>
+        <p:txBody>
+          <a:bodyPr rtlCol="0" anchor="ctr"/>
+          <a:lstStyle/>
+          <a:p>
+            <a:pPr algn="ctr"/>
+            <a:r>
+              <a:rPr lang="en-US" altLang="ko-KR" sz="1100"/>
+              <a:t>Topic C /</a:t>
+            </a:r>
+          </a:p>
+          <a:p>
+            <a:pPr algn="ctr"/>
+            <a:r>
+              <a:rPr lang="en-US" altLang="ko-KR" sz="1100"/>
+              <a:t>Partition </a:t>
+            </a:r>
+            <a:r>
+              <a:rPr lang="en-US" altLang="ko-KR" sz="1100" dirty="0"/>
+              <a:t>0</a:t>
+            </a:r>
+            <a:endParaRPr lang="ko-KR" altLang="en-US" sz="1100" dirty="0"/>
+          </a:p>
+        </p:txBody>
+      </p:sp>
+      <p:sp>
+        <p:nvSpPr>
+          <p:cNvPr id="72" name="사각형: 둥근 모서리 71">
+            <a:extLst>
+              <a:ext uri="{FF2B5EF4-FFF2-40B4-BE49-F238E27FC236}">
+                <a16:creationId xmlns:a16="http://schemas.microsoft.com/office/drawing/2014/main" id="{E617FFBB-A175-4D87-8F62-AFE2F1679458}"/>
+              </a:ext>
+            </a:extLst>
+          </p:cNvPr>
+          <p:cNvSpPr/>
+          <p:nvPr/>
+        </p:nvSpPr>
+        <p:spPr>
+          <a:xfrm>
+            <a:off x="5868144" y="2891223"/>
+            <a:ext cx="1440160" cy="312162"/>
+          </a:xfrm>
+          <a:prstGeom prst="roundRect">
+            <a:avLst>
+              <a:gd name="adj" fmla="val 14105"/>
+            </a:avLst>
+          </a:prstGeom>
+          <a:solidFill>
+            <a:schemeClr val="accent1">
+              <a:lumMod val="20000"/>
+              <a:lumOff val="80000"/>
+            </a:schemeClr>
+          </a:solidFill>
+        </p:spPr>
+        <p:style>
+          <a:lnRef idx="2">
+            <a:schemeClr val="dk1"/>
+          </a:lnRef>
+          <a:fillRef idx="1">
+            <a:schemeClr val="lt1"/>
+          </a:fillRef>
+          <a:effectRef idx="0">
+            <a:schemeClr val="dk1"/>
+          </a:effectRef>
+          <a:fontRef idx="minor">
+            <a:schemeClr val="dk1"/>
+          </a:fontRef>
+        </p:style>
+        <p:txBody>
+          <a:bodyPr rtlCol="0" anchor="ctr"/>
+          <a:lstStyle/>
+          <a:p>
+            <a:pPr algn="ctr"/>
+            <a:r>
+              <a:rPr lang="en-US" altLang="ko-KR" sz="1100"/>
+              <a:t>Topic C /</a:t>
+            </a:r>
+          </a:p>
+          <a:p>
+            <a:pPr algn="ctr"/>
+            <a:r>
+              <a:rPr lang="en-US" altLang="ko-KR" sz="1100"/>
+              <a:t>Partition </a:t>
+            </a:r>
+            <a:r>
+              <a:rPr lang="en-US" altLang="ko-KR" sz="1100" dirty="0"/>
+              <a:t>1</a:t>
+            </a:r>
+            <a:endParaRPr lang="ko-KR" altLang="en-US" sz="1100" dirty="0"/>
+          </a:p>
+        </p:txBody>
+      </p:sp>
+      <p:sp>
+        <p:nvSpPr>
+          <p:cNvPr id="73" name="사각형: 둥근 모서리 72">
+            <a:extLst>
+              <a:ext uri="{FF2B5EF4-FFF2-40B4-BE49-F238E27FC236}">
+                <a16:creationId xmlns:a16="http://schemas.microsoft.com/office/drawing/2014/main" id="{050D8438-7982-4C6D-A88B-7801CD2300FE}"/>
+              </a:ext>
+            </a:extLst>
+          </p:cNvPr>
+          <p:cNvSpPr/>
+          <p:nvPr/>
+        </p:nvSpPr>
+        <p:spPr>
+          <a:xfrm>
+            <a:off x="5868144" y="3316277"/>
+            <a:ext cx="1440160" cy="312162"/>
+          </a:xfrm>
+          <a:prstGeom prst="roundRect">
+            <a:avLst>
+              <a:gd name="adj" fmla="val 14105"/>
+            </a:avLst>
+          </a:prstGeom>
+          <a:solidFill>
+            <a:schemeClr val="accent2">
+              <a:lumMod val="20000"/>
+              <a:lumOff val="80000"/>
+            </a:schemeClr>
+          </a:solidFill>
+        </p:spPr>
+        <p:style>
+          <a:lnRef idx="2">
+            <a:schemeClr val="dk1"/>
+          </a:lnRef>
+          <a:fillRef idx="1">
+            <a:schemeClr val="lt1"/>
+          </a:fillRef>
+          <a:effectRef idx="0">
+            <a:schemeClr val="dk1"/>
+          </a:effectRef>
+          <a:fontRef idx="minor">
+            <a:schemeClr val="dk1"/>
+          </a:fontRef>
+        </p:style>
+        <p:txBody>
+          <a:bodyPr rtlCol="0" anchor="ctr"/>
+          <a:lstStyle/>
+          <a:p>
+            <a:pPr algn="ctr"/>
+            <a:r>
+              <a:rPr lang="en-US" altLang="ko-KR" sz="1100"/>
+              <a:t>Topic C /</a:t>
+            </a:r>
+          </a:p>
+          <a:p>
+            <a:pPr algn="ctr"/>
+            <a:r>
+              <a:rPr lang="en-US" altLang="ko-KR" sz="1100"/>
+              <a:t>Partition </a:t>
+            </a:r>
+            <a:r>
+              <a:rPr lang="en-US" altLang="ko-KR" sz="1100" dirty="0"/>
+              <a:t>2</a:t>
+            </a:r>
+            <a:endParaRPr lang="ko-KR" altLang="en-US" sz="1100" dirty="0"/>
+          </a:p>
+        </p:txBody>
+      </p:sp>
+      <p:sp>
+        <p:nvSpPr>
+          <p:cNvPr id="74" name="사각형: 둥근 모서리 73">
+            <a:extLst>
+              <a:ext uri="{FF2B5EF4-FFF2-40B4-BE49-F238E27FC236}">
+                <a16:creationId xmlns:a16="http://schemas.microsoft.com/office/drawing/2014/main" id="{310FF450-E455-4CDD-9246-557B0E07B241}"/>
+              </a:ext>
+            </a:extLst>
+          </p:cNvPr>
+          <p:cNvSpPr/>
+          <p:nvPr/>
+        </p:nvSpPr>
+        <p:spPr>
+          <a:xfrm>
+            <a:off x="1691680" y="3806028"/>
+            <a:ext cx="1440160" cy="349898"/>
+          </a:xfrm>
+          <a:prstGeom prst="roundRect">
+            <a:avLst>
+              <a:gd name="adj" fmla="val 14105"/>
+            </a:avLst>
+          </a:prstGeom>
+          <a:noFill/>
+        </p:spPr>
+        <p:style>
+          <a:lnRef idx="2">
+            <a:schemeClr val="dk1"/>
+          </a:lnRef>
+          <a:fillRef idx="1">
+            <a:schemeClr val="lt1"/>
+          </a:fillRef>
+          <a:effectRef idx="0">
+            <a:schemeClr val="dk1"/>
+          </a:effectRef>
+          <a:fontRef idx="minor">
+            <a:schemeClr val="dk1"/>
+          </a:fontRef>
+        </p:style>
+        <p:txBody>
+          <a:bodyPr rtlCol="0" anchor="ctr"/>
+          <a:lstStyle/>
+          <a:p>
+            <a:pPr algn="ctr"/>
+            <a:r>
+              <a:rPr lang="en-US" altLang="ko-KR" sz="1200"/>
+              <a:t>Zookeeper</a:t>
+            </a:r>
+            <a:endParaRPr lang="ko-KR" altLang="en-US" sz="1200" dirty="0"/>
+          </a:p>
+        </p:txBody>
+      </p:sp>
+      <p:sp>
+        <p:nvSpPr>
+          <p:cNvPr id="77" name="사각형: 둥근 모서리 76">
+            <a:extLst>
+              <a:ext uri="{FF2B5EF4-FFF2-40B4-BE49-F238E27FC236}">
+                <a16:creationId xmlns:a16="http://schemas.microsoft.com/office/drawing/2014/main" id="{4EEACE4F-7D34-4A24-9326-72E175C885BF}"/>
+              </a:ext>
+            </a:extLst>
+          </p:cNvPr>
+          <p:cNvSpPr/>
+          <p:nvPr/>
+        </p:nvSpPr>
+        <p:spPr>
+          <a:xfrm>
+            <a:off x="3779912" y="3806028"/>
+            <a:ext cx="1440160" cy="349898"/>
+          </a:xfrm>
+          <a:prstGeom prst="roundRect">
+            <a:avLst>
+              <a:gd name="adj" fmla="val 14105"/>
+            </a:avLst>
+          </a:prstGeom>
+          <a:noFill/>
+        </p:spPr>
+        <p:style>
+          <a:lnRef idx="2">
+            <a:schemeClr val="dk1"/>
+          </a:lnRef>
+          <a:fillRef idx="1">
+            <a:schemeClr val="lt1"/>
+          </a:fillRef>
+          <a:effectRef idx="0">
+            <a:schemeClr val="dk1"/>
+          </a:effectRef>
+          <a:fontRef idx="minor">
+            <a:schemeClr val="dk1"/>
+          </a:fontRef>
+        </p:style>
+        <p:txBody>
+          <a:bodyPr rtlCol="0" anchor="ctr"/>
+          <a:lstStyle/>
+          <a:p>
+            <a:pPr algn="ctr"/>
+            <a:r>
+              <a:rPr lang="en-US" altLang="ko-KR" sz="1200"/>
+              <a:t>Zookeeper</a:t>
+            </a:r>
+            <a:endParaRPr lang="ko-KR" altLang="en-US" sz="1200" dirty="0"/>
+          </a:p>
+        </p:txBody>
+      </p:sp>
+      <p:sp>
+        <p:nvSpPr>
+          <p:cNvPr id="78" name="사각형: 둥근 모서리 77">
+            <a:extLst>
+              <a:ext uri="{FF2B5EF4-FFF2-40B4-BE49-F238E27FC236}">
+                <a16:creationId xmlns:a16="http://schemas.microsoft.com/office/drawing/2014/main" id="{CF02F3C3-ADBA-499A-8EA9-E5AED16751BC}"/>
+              </a:ext>
+            </a:extLst>
+          </p:cNvPr>
+          <p:cNvSpPr/>
+          <p:nvPr/>
+        </p:nvSpPr>
+        <p:spPr>
+          <a:xfrm>
+            <a:off x="5868144" y="3806028"/>
+            <a:ext cx="1440160" cy="349898"/>
+          </a:xfrm>
+          <a:prstGeom prst="roundRect">
+            <a:avLst>
+              <a:gd name="adj" fmla="val 14105"/>
+            </a:avLst>
+          </a:prstGeom>
+          <a:noFill/>
+        </p:spPr>
+        <p:style>
+          <a:lnRef idx="2">
+            <a:schemeClr val="dk1"/>
+          </a:lnRef>
+          <a:fillRef idx="1">
+            <a:schemeClr val="lt1"/>
+          </a:fillRef>
+          <a:effectRef idx="0">
+            <a:schemeClr val="dk1"/>
+          </a:effectRef>
+          <a:fontRef idx="minor">
+            <a:schemeClr val="dk1"/>
+          </a:fontRef>
+        </p:style>
+        <p:txBody>
+          <a:bodyPr rtlCol="0" anchor="ctr"/>
+          <a:lstStyle/>
+          <a:p>
+            <a:pPr algn="ctr"/>
+            <a:r>
+              <a:rPr lang="en-US" altLang="ko-KR" sz="1200"/>
+              <a:t>Zookeeper</a:t>
+            </a:r>
+            <a:endParaRPr lang="ko-KR" altLang="en-US" sz="1200" dirty="0"/>
+          </a:p>
+        </p:txBody>
+      </p:sp>
+      <p:cxnSp>
+        <p:nvCxnSpPr>
+          <p:cNvPr id="79" name="직선 화살표 연결선 78">
+            <a:extLst>
+              <a:ext uri="{FF2B5EF4-FFF2-40B4-BE49-F238E27FC236}">
+                <a16:creationId xmlns:a16="http://schemas.microsoft.com/office/drawing/2014/main" id="{2A1AECB2-35D2-425D-A059-8CED21029DBB}"/>
+              </a:ext>
+            </a:extLst>
+          </p:cNvPr>
+          <p:cNvCxnSpPr>
+            <a:cxnSpLocks/>
+            <a:stCxn id="78" idx="1"/>
+          </p:cNvCxnSpPr>
+          <p:nvPr/>
+        </p:nvCxnSpPr>
+        <p:spPr>
+          <a:xfrm flipH="1">
+            <a:off x="5220072" y="3980977"/>
+            <a:ext cx="648072" cy="0"/>
+          </a:xfrm>
+          <a:prstGeom prst="straightConnector1">
+            <a:avLst/>
+          </a:prstGeom>
+          <a:ln w="19050">
+            <a:solidFill>
+              <a:schemeClr val="tx1"/>
+            </a:solidFill>
+            <a:headEnd type="arrow" w="med" len="med"/>
+            <a:tailEnd type="arrow" w="med" len="med"/>
+          </a:ln>
+        </p:spPr>
+        <p:style>
+          <a:lnRef idx="1">
+            <a:schemeClr val="accent1"/>
+          </a:lnRef>
+          <a:fillRef idx="0">
+            <a:schemeClr val="accent1"/>
+          </a:fillRef>
+          <a:effectRef idx="0">
+            <a:schemeClr val="accent1"/>
+          </a:effectRef>
+          <a:fontRef idx="minor">
+            <a:schemeClr val="tx1"/>
+          </a:fontRef>
+        </p:style>
+      </p:cxnSp>
+      <p:cxnSp>
+        <p:nvCxnSpPr>
+          <p:cNvPr id="80" name="직선 화살표 연결선 79">
+            <a:extLst>
+              <a:ext uri="{FF2B5EF4-FFF2-40B4-BE49-F238E27FC236}">
+                <a16:creationId xmlns:a16="http://schemas.microsoft.com/office/drawing/2014/main" id="{FC1DEF5A-EC2A-4C6F-BF23-DC436B4AF942}"/>
+              </a:ext>
+            </a:extLst>
+          </p:cNvPr>
+          <p:cNvCxnSpPr>
+            <a:cxnSpLocks/>
+            <a:endCxn id="74" idx="3"/>
+          </p:cNvCxnSpPr>
+          <p:nvPr/>
+        </p:nvCxnSpPr>
+        <p:spPr>
+          <a:xfrm flipH="1">
+            <a:off x="3131840" y="3980977"/>
+            <a:ext cx="648072" cy="0"/>
+          </a:xfrm>
+          <a:prstGeom prst="straightConnector1">
+            <a:avLst/>
+          </a:prstGeom>
+          <a:ln w="19050">
+            <a:solidFill>
+              <a:schemeClr val="tx1"/>
+            </a:solidFill>
+            <a:headEnd type="arrow" w="med" len="med"/>
+            <a:tailEnd type="arrow" w="med" len="med"/>
+          </a:ln>
+        </p:spPr>
+        <p:style>
+          <a:lnRef idx="1">
+            <a:schemeClr val="accent1"/>
+          </a:lnRef>
+          <a:fillRef idx="0">
+            <a:schemeClr val="accent1"/>
+          </a:fillRef>
+          <a:effectRef idx="0">
+            <a:schemeClr val="accent1"/>
+          </a:effectRef>
+          <a:fontRef idx="minor">
+            <a:schemeClr val="tx1"/>
+          </a:fontRef>
+        </p:style>
+      </p:cxnSp>
+    </p:spTree>
+    <p:extLst>
+      <p:ext uri="{BB962C8B-B14F-4D97-AF65-F5344CB8AC3E}">
+        <p14:creationId xmlns:p14="http://schemas.microsoft.com/office/powerpoint/2010/main" val="1078590515"/>
       </p:ext>
     </p:extLst>
   </p:cSld>

--- a/images/theory_analysis/Kafka/Kafka.pptx
+++ b/images/theory_analysis/Kafka/Kafka.pptx
@@ -10,7 +10,7 @@
   <p:sldIdLst>
     <p:sldId id="359" r:id="rId2"/>
     <p:sldId id="360" r:id="rId3"/>
-    <p:sldId id="361" r:id="rId4"/>
+    <p:sldId id="362" r:id="rId4"/>
   </p:sldIdLst>
   <p:sldSz cx="9144000" cy="5143500" type="screen16x9"/>
   <p:notesSz cx="6858000" cy="9144000"/>
@@ -215,7 +215,7 @@
           <a:p>
             <a:fld id="{6CD5550B-26C4-49A9-A5BA-636EF7BE6CE9}" type="datetimeFigureOut">
               <a:rPr lang="ko-KR" altLang="en-US" smtClean="0"/>
-              <a:t>2019-02-19</a:t>
+              <a:t>2019-02-20</a:t>
             </a:fld>
             <a:endParaRPr lang="ko-KR" altLang="en-US"/>
           </a:p>
@@ -724,7 +724,7 @@
     </p:spTree>
     <p:extLst>
       <p:ext uri="{BB962C8B-B14F-4D97-AF65-F5344CB8AC3E}">
-        <p14:creationId xmlns:p14="http://schemas.microsoft.com/office/powerpoint/2010/main" val="517862948"/>
+        <p14:creationId xmlns:p14="http://schemas.microsoft.com/office/powerpoint/2010/main" val="3264387052"/>
       </p:ext>
     </p:extLst>
   </p:cSld>
@@ -913,7 +913,7 @@
           <a:p>
             <a:fld id="{FB30EDBD-1C2D-4C1E-B459-B60219FAB484}" type="datetimeFigureOut">
               <a:rPr lang="ko-KR" altLang="en-US" smtClean="0"/>
-              <a:t>2019-02-19</a:t>
+              <a:t>2019-02-20</a:t>
             </a:fld>
             <a:endParaRPr lang="ko-KR" altLang="en-US"/>
           </a:p>
@@ -1076,7 +1076,7 @@
           <a:p>
             <a:fld id="{FB30EDBD-1C2D-4C1E-B459-B60219FAB484}" type="datetimeFigureOut">
               <a:rPr lang="ko-KR" altLang="en-US" smtClean="0"/>
-              <a:t>2019-02-19</a:t>
+              <a:t>2019-02-20</a:t>
             </a:fld>
             <a:endParaRPr lang="ko-KR" altLang="en-US"/>
           </a:p>
@@ -1249,7 +1249,7 @@
           <a:p>
             <a:fld id="{FB30EDBD-1C2D-4C1E-B459-B60219FAB484}" type="datetimeFigureOut">
               <a:rPr lang="ko-KR" altLang="en-US" smtClean="0"/>
-              <a:t>2019-02-19</a:t>
+              <a:t>2019-02-20</a:t>
             </a:fld>
             <a:endParaRPr lang="ko-KR" altLang="en-US"/>
           </a:p>
@@ -1412,7 +1412,7 @@
           <a:p>
             <a:fld id="{FB30EDBD-1C2D-4C1E-B459-B60219FAB484}" type="datetimeFigureOut">
               <a:rPr lang="ko-KR" altLang="en-US" smtClean="0"/>
-              <a:t>2019-02-19</a:t>
+              <a:t>2019-02-20</a:t>
             </a:fld>
             <a:endParaRPr lang="ko-KR" altLang="en-US"/>
           </a:p>
@@ -1652,7 +1652,7 @@
           <a:p>
             <a:fld id="{FB30EDBD-1C2D-4C1E-B459-B60219FAB484}" type="datetimeFigureOut">
               <a:rPr lang="ko-KR" altLang="en-US" smtClean="0"/>
-              <a:t>2019-02-19</a:t>
+              <a:t>2019-02-20</a:t>
             </a:fld>
             <a:endParaRPr lang="ko-KR" altLang="en-US"/>
           </a:p>
@@ -1932,7 +1932,7 @@
           <a:p>
             <a:fld id="{FB30EDBD-1C2D-4C1E-B459-B60219FAB484}" type="datetimeFigureOut">
               <a:rPr lang="ko-KR" altLang="en-US" smtClean="0"/>
-              <a:t>2019-02-19</a:t>
+              <a:t>2019-02-20</a:t>
             </a:fld>
             <a:endParaRPr lang="ko-KR" altLang="en-US"/>
           </a:p>
@@ -2346,7 +2346,7 @@
           <a:p>
             <a:fld id="{FB30EDBD-1C2D-4C1E-B459-B60219FAB484}" type="datetimeFigureOut">
               <a:rPr lang="ko-KR" altLang="en-US" smtClean="0"/>
-              <a:t>2019-02-19</a:t>
+              <a:t>2019-02-20</a:t>
             </a:fld>
             <a:endParaRPr lang="ko-KR" altLang="en-US"/>
           </a:p>
@@ -2458,7 +2458,7 @@
           <a:p>
             <a:fld id="{FB30EDBD-1C2D-4C1E-B459-B60219FAB484}" type="datetimeFigureOut">
               <a:rPr lang="ko-KR" altLang="en-US" smtClean="0"/>
-              <a:t>2019-02-19</a:t>
+              <a:t>2019-02-20</a:t>
             </a:fld>
             <a:endParaRPr lang="ko-KR" altLang="en-US"/>
           </a:p>
@@ -2548,7 +2548,7 @@
           <a:p>
             <a:fld id="{FB30EDBD-1C2D-4C1E-B459-B60219FAB484}" type="datetimeFigureOut">
               <a:rPr lang="ko-KR" altLang="en-US" smtClean="0"/>
-              <a:t>2019-02-19</a:t>
+              <a:t>2019-02-20</a:t>
             </a:fld>
             <a:endParaRPr lang="ko-KR" altLang="en-US"/>
           </a:p>
@@ -2818,7 +2818,7 @@
           <a:p>
             <a:fld id="{FB30EDBD-1C2D-4C1E-B459-B60219FAB484}" type="datetimeFigureOut">
               <a:rPr lang="ko-KR" altLang="en-US" smtClean="0"/>
-              <a:t>2019-02-19</a:t>
+              <a:t>2019-02-20</a:t>
             </a:fld>
             <a:endParaRPr lang="ko-KR" altLang="en-US"/>
           </a:p>
@@ -3065,7 +3065,7 @@
           <a:p>
             <a:fld id="{FB30EDBD-1C2D-4C1E-B459-B60219FAB484}" type="datetimeFigureOut">
               <a:rPr lang="ko-KR" altLang="en-US" smtClean="0"/>
-              <a:t>2019-02-19</a:t>
+              <a:t>2019-02-20</a:t>
             </a:fld>
             <a:endParaRPr lang="ko-KR" altLang="en-US"/>
           </a:p>
@@ -3271,7 +3271,7 @@
           <a:p>
             <a:fld id="{FB30EDBD-1C2D-4C1E-B459-B60219FAB484}" type="datetimeFigureOut">
               <a:rPr lang="ko-KR" altLang="en-US" smtClean="0"/>
-              <a:t>2019-02-19</a:t>
+              <a:t>2019-02-20</a:t>
             </a:fld>
             <a:endParaRPr lang="ko-KR" altLang="en-US"/>
           </a:p>
@@ -3683,7 +3683,7 @@
         </p:nvSpPr>
         <p:spPr>
           <a:xfrm>
-            <a:off x="2598476" y="1203598"/>
+            <a:off x="2598476" y="1257300"/>
             <a:ext cx="1728192" cy="432048"/>
           </a:xfrm>
           <a:prstGeom prst="roundRect">
@@ -3731,8 +3731,8 @@
         </p:nvSpPr>
         <p:spPr>
           <a:xfrm>
-            <a:off x="1387929" y="1923678"/>
-            <a:ext cx="6208407" cy="1080120"/>
+            <a:off x="1387929" y="2049388"/>
+            <a:ext cx="6208407" cy="954410"/>
           </a:xfrm>
           <a:prstGeom prst="roundRect">
             <a:avLst>
@@ -3780,8 +3780,8 @@
         </p:nvSpPr>
         <p:spPr>
           <a:xfrm>
-            <a:off x="1547664" y="2355726"/>
-            <a:ext cx="1728192" cy="504056"/>
+            <a:off x="1547664" y="2446040"/>
+            <a:ext cx="1728192" cy="413742"/>
           </a:xfrm>
           <a:prstGeom prst="roundRect">
             <a:avLst>
@@ -3830,8 +3830,8 @@
         </p:nvSpPr>
         <p:spPr>
           <a:xfrm>
-            <a:off x="3599892" y="2355726"/>
-            <a:ext cx="1728192" cy="504056"/>
+            <a:off x="3599892" y="2446040"/>
+            <a:ext cx="1728192" cy="413742"/>
           </a:xfrm>
           <a:prstGeom prst="roundRect">
             <a:avLst>
@@ -3880,8 +3880,8 @@
         </p:nvSpPr>
         <p:spPr>
           <a:xfrm>
-            <a:off x="5674076" y="2355726"/>
-            <a:ext cx="1728192" cy="504056"/>
+            <a:off x="5674076" y="2446040"/>
+            <a:ext cx="1728192" cy="413742"/>
           </a:xfrm>
           <a:prstGeom prst="roundRect">
             <a:avLst>
@@ -3930,7 +3930,7 @@
         </p:nvSpPr>
         <p:spPr>
           <a:xfrm>
-            <a:off x="4650704" y="1203598"/>
+            <a:off x="4650704" y="1257300"/>
             <a:ext cx="1728192" cy="432048"/>
           </a:xfrm>
           <a:prstGeom prst="roundRect">
@@ -4174,8 +4174,8 @@
         </p:nvCxnSpPr>
         <p:spPr>
           <a:xfrm flipH="1">
-            <a:off x="2411760" y="1635646"/>
-            <a:ext cx="1050812" cy="720080"/>
+            <a:off x="2411760" y="1689348"/>
+            <a:ext cx="1050812" cy="756692"/>
           </a:xfrm>
           <a:prstGeom prst="straightConnector1">
             <a:avLst/>
@@ -4268,8 +4268,8 @@
         </p:nvCxnSpPr>
         <p:spPr>
           <a:xfrm>
-            <a:off x="3462572" y="1635646"/>
-            <a:ext cx="1001416" cy="720080"/>
+            <a:off x="3462572" y="1689348"/>
+            <a:ext cx="1001416" cy="756692"/>
           </a:xfrm>
           <a:prstGeom prst="straightConnector1">
             <a:avLst/>
@@ -4362,8 +4362,8 @@
         </p:nvCxnSpPr>
         <p:spPr>
           <a:xfrm>
-            <a:off x="5514800" y="1635646"/>
-            <a:ext cx="1023372" cy="720080"/>
+            <a:off x="5514800" y="1689348"/>
+            <a:ext cx="1023372" cy="756692"/>
           </a:xfrm>
           <a:prstGeom prst="straightConnector1">
             <a:avLst/>
@@ -4590,109 +4590,12 @@
           </a:p>
         </p:txBody>
       </p:sp>
-      <p:sp>
-        <p:nvSpPr>
-          <p:cNvPr id="3" name="사각형: 둥근 모서리 2">
+      <p:grpSp>
+        <p:nvGrpSpPr>
+          <p:cNvPr id="4" name="그룹 3">
             <a:extLst>
               <a:ext uri="{FF2B5EF4-FFF2-40B4-BE49-F238E27FC236}">
-                <a16:creationId xmlns:a16="http://schemas.microsoft.com/office/drawing/2014/main" id="{F76732FE-6C9D-4444-AFDA-801EE5F981CB}"/>
-              </a:ext>
-            </a:extLst>
-          </p:cNvPr>
-          <p:cNvSpPr/>
-          <p:nvPr/>
-        </p:nvSpPr>
-        <p:spPr>
-          <a:xfrm>
-            <a:off x="2598476" y="627534"/>
-            <a:ext cx="1728192" cy="432048"/>
-          </a:xfrm>
-          <a:prstGeom prst="roundRect">
-            <a:avLst/>
-          </a:prstGeom>
-        </p:spPr>
-        <p:style>
-          <a:lnRef idx="2">
-            <a:schemeClr val="dk1"/>
-          </a:lnRef>
-          <a:fillRef idx="1">
-            <a:schemeClr val="lt1"/>
-          </a:fillRef>
-          <a:effectRef idx="0">
-            <a:schemeClr val="dk1"/>
-          </a:effectRef>
-          <a:fontRef idx="minor">
-            <a:schemeClr val="dk1"/>
-          </a:fontRef>
-        </p:style>
-        <p:txBody>
-          <a:bodyPr rtlCol="0" anchor="ctr"/>
-          <a:lstStyle/>
-          <a:p>
-            <a:pPr algn="ctr"/>
-            <a:r>
-              <a:rPr lang="en-US" altLang="ko-KR" sz="1400" dirty="0"/>
-              <a:t>Producer A</a:t>
-            </a:r>
-            <a:endParaRPr lang="ko-KR" altLang="en-US" sz="1400" dirty="0"/>
-          </a:p>
-        </p:txBody>
-      </p:sp>
-      <p:sp>
-        <p:nvSpPr>
-          <p:cNvPr id="6" name="사각형: 둥근 모서리 5">
-            <a:extLst>
-              <a:ext uri="{FF2B5EF4-FFF2-40B4-BE49-F238E27FC236}">
-                <a16:creationId xmlns:a16="http://schemas.microsoft.com/office/drawing/2014/main" id="{3A8D51E8-B583-4C30-AEAD-66076B895A5D}"/>
-              </a:ext>
-            </a:extLst>
-          </p:cNvPr>
-          <p:cNvSpPr/>
-          <p:nvPr/>
-        </p:nvSpPr>
-        <p:spPr>
-          <a:xfrm>
-            <a:off x="1387929" y="1347614"/>
-            <a:ext cx="6208407" cy="2592288"/>
-          </a:xfrm>
-          <a:prstGeom prst="roundRect">
-            <a:avLst>
-              <a:gd name="adj" fmla="val 6360"/>
-            </a:avLst>
-          </a:prstGeom>
-        </p:spPr>
-        <p:style>
-          <a:lnRef idx="2">
-            <a:schemeClr val="dk1"/>
-          </a:lnRef>
-          <a:fillRef idx="1">
-            <a:schemeClr val="lt1"/>
-          </a:fillRef>
-          <a:effectRef idx="0">
-            <a:schemeClr val="dk1"/>
-          </a:effectRef>
-          <a:fontRef idx="minor">
-            <a:schemeClr val="dk1"/>
-          </a:fontRef>
-        </p:style>
-        <p:txBody>
-          <a:bodyPr rtlCol="0" anchor="t"/>
-          <a:lstStyle/>
-          <a:p>
-            <a:r>
-              <a:rPr lang="en-US" altLang="ko-KR" sz="1400" dirty="0"/>
-              <a:t>Kafka Cluster</a:t>
-            </a:r>
-            <a:endParaRPr lang="ko-KR" altLang="en-US" sz="1400" dirty="0"/>
-          </a:p>
-        </p:txBody>
-      </p:sp>
-      <p:grpSp>
-        <p:nvGrpSpPr>
-          <p:cNvPr id="15" name="그룹 14">
-            <a:extLst>
-              <a:ext uri="{FF2B5EF4-FFF2-40B4-BE49-F238E27FC236}">
-                <a16:creationId xmlns:a16="http://schemas.microsoft.com/office/drawing/2014/main" id="{CD26FB22-B322-4962-A422-66B7AFBE198B}"/>
+                <a16:creationId xmlns:a16="http://schemas.microsoft.com/office/drawing/2014/main" id="{C21C82E7-A84E-4FC1-A10E-6A1D6EADD17D}"/>
               </a:ext>
             </a:extLst>
           </p:cNvPr>
@@ -4701,18 +4604,18 @@
         </p:nvGrpSpPr>
         <p:grpSpPr>
           <a:xfrm>
-            <a:off x="1547664" y="1779662"/>
-            <a:ext cx="1728192" cy="2016224"/>
-            <a:chOff x="1259632" y="2067694"/>
-            <a:chExt cx="1728192" cy="2016224"/>
+            <a:off x="251520" y="771550"/>
+            <a:ext cx="8424936" cy="3960440"/>
+            <a:chOff x="251520" y="627534"/>
+            <a:chExt cx="8424936" cy="4464496"/>
           </a:xfrm>
         </p:grpSpPr>
         <p:sp>
           <p:nvSpPr>
-            <p:cNvPr id="7" name="사각형: 둥근 모서리 6">
+            <p:cNvPr id="3" name="사각형: 둥근 모서리 2">
               <a:extLst>
                 <a:ext uri="{FF2B5EF4-FFF2-40B4-BE49-F238E27FC236}">
-                  <a16:creationId xmlns:a16="http://schemas.microsoft.com/office/drawing/2014/main" id="{43605E7C-158D-49F1-8506-CEF09E8CC589}"/>
+                  <a16:creationId xmlns:a16="http://schemas.microsoft.com/office/drawing/2014/main" id="{F76732FE-6C9D-4444-AFDA-801EE5F981CB}"/>
                 </a:ext>
               </a:extLst>
             </p:cNvPr>
@@ -4721,63 +4624,11 @@
           </p:nvSpPr>
           <p:spPr>
             <a:xfrm>
-              <a:off x="1259632" y="2067694"/>
-              <a:ext cx="1728192" cy="2016224"/>
+              <a:off x="2598476" y="627534"/>
+              <a:ext cx="1728192" cy="432048"/>
             </a:xfrm>
             <a:prstGeom prst="roundRect">
-              <a:avLst>
-                <a:gd name="adj" fmla="val 7489"/>
-              </a:avLst>
-            </a:prstGeom>
-          </p:spPr>
-          <p:style>
-            <a:lnRef idx="2">
-              <a:schemeClr val="dk1"/>
-            </a:lnRef>
-            <a:fillRef idx="1">
-              <a:schemeClr val="lt1"/>
-            </a:fillRef>
-            <a:effectRef idx="0">
-              <a:schemeClr val="dk1"/>
-            </a:effectRef>
-            <a:fontRef idx="minor">
-              <a:schemeClr val="dk1"/>
-            </a:fontRef>
-          </p:style>
-          <p:txBody>
-            <a:bodyPr rtlCol="0" anchor="t"/>
-            <a:lstStyle/>
-            <a:p>
-              <a:pPr algn="ctr"/>
-              <a:r>
-                <a:rPr lang="en-US" altLang="ko-KR" sz="1400" dirty="0"/>
-                <a:t>Topic A</a:t>
-              </a:r>
-              <a:endParaRPr lang="ko-KR" altLang="en-US" sz="1400" dirty="0"/>
-            </a:p>
-          </p:txBody>
-        </p:sp>
-        <p:sp>
-          <p:nvSpPr>
-            <p:cNvPr id="13" name="사각형: 둥근 모서리 12">
-              <a:extLst>
-                <a:ext uri="{FF2B5EF4-FFF2-40B4-BE49-F238E27FC236}">
-                  <a16:creationId xmlns:a16="http://schemas.microsoft.com/office/drawing/2014/main" id="{22E7F032-13ED-4575-8F3C-092CC530ABC3}"/>
-                </a:ext>
-              </a:extLst>
-            </p:cNvPr>
-            <p:cNvSpPr/>
-            <p:nvPr/>
-          </p:nvSpPr>
-          <p:spPr>
-            <a:xfrm>
-              <a:off x="1403648" y="2489600"/>
-              <a:ext cx="1440160" cy="370182"/>
-            </a:xfrm>
-            <a:prstGeom prst="roundRect">
-              <a:avLst>
-                <a:gd name="adj" fmla="val 14105"/>
-              </a:avLst>
+              <a:avLst/>
             </a:prstGeom>
           </p:spPr>
           <p:style>
@@ -4801,7 +4652,7 @@
               <a:pPr algn="ctr"/>
               <a:r>
                 <a:rPr lang="en-US" altLang="ko-KR" sz="1400" dirty="0"/>
-                <a:t>Partition 0</a:t>
+                <a:t>Producer A</a:t>
               </a:r>
               <a:endParaRPr lang="ko-KR" altLang="en-US" sz="1400" dirty="0"/>
             </a:p>
@@ -4809,10 +4660,10 @@
         </p:sp>
         <p:sp>
           <p:nvSpPr>
-            <p:cNvPr id="14" name="사각형: 둥근 모서리 13">
+            <p:cNvPr id="6" name="사각형: 둥근 모서리 5">
               <a:extLst>
                 <a:ext uri="{FF2B5EF4-FFF2-40B4-BE49-F238E27FC236}">
-                  <a16:creationId xmlns:a16="http://schemas.microsoft.com/office/drawing/2014/main" id="{DF001E3F-CC52-44A6-A024-1F8E5EEE3BE4}"/>
+                  <a16:creationId xmlns:a16="http://schemas.microsoft.com/office/drawing/2014/main" id="{3A8D51E8-B583-4C30-AEAD-66076B895A5D}"/>
                 </a:ext>
               </a:extLst>
             </p:cNvPr>
@@ -4821,13 +4672,573 @@
           </p:nvSpPr>
           <p:spPr>
             <a:xfrm>
-              <a:off x="1403648" y="3008413"/>
-              <a:ext cx="1440160" cy="370182"/>
+              <a:off x="1387929" y="1347614"/>
+              <a:ext cx="6208407" cy="2592288"/>
             </a:xfrm>
             <a:prstGeom prst="roundRect">
               <a:avLst>
-                <a:gd name="adj" fmla="val 14105"/>
+                <a:gd name="adj" fmla="val 6360"/>
               </a:avLst>
+            </a:prstGeom>
+          </p:spPr>
+          <p:style>
+            <a:lnRef idx="2">
+              <a:schemeClr val="dk1"/>
+            </a:lnRef>
+            <a:fillRef idx="1">
+              <a:schemeClr val="lt1"/>
+            </a:fillRef>
+            <a:effectRef idx="0">
+              <a:schemeClr val="dk1"/>
+            </a:effectRef>
+            <a:fontRef idx="minor">
+              <a:schemeClr val="dk1"/>
+            </a:fontRef>
+          </p:style>
+          <p:txBody>
+            <a:bodyPr rtlCol="0" anchor="t"/>
+            <a:lstStyle/>
+            <a:p>
+              <a:r>
+                <a:rPr lang="en-US" altLang="ko-KR" sz="1400" dirty="0"/>
+                <a:t>Kafka Cluster</a:t>
+              </a:r>
+              <a:endParaRPr lang="ko-KR" altLang="en-US" sz="1400" dirty="0"/>
+            </a:p>
+          </p:txBody>
+        </p:sp>
+        <p:grpSp>
+          <p:nvGrpSpPr>
+            <p:cNvPr id="15" name="그룹 14">
+              <a:extLst>
+                <a:ext uri="{FF2B5EF4-FFF2-40B4-BE49-F238E27FC236}">
+                  <a16:creationId xmlns:a16="http://schemas.microsoft.com/office/drawing/2014/main" id="{CD26FB22-B322-4962-A422-66B7AFBE198B}"/>
+                </a:ext>
+              </a:extLst>
+            </p:cNvPr>
+            <p:cNvGrpSpPr/>
+            <p:nvPr/>
+          </p:nvGrpSpPr>
+          <p:grpSpPr>
+            <a:xfrm>
+              <a:off x="1547664" y="1779662"/>
+              <a:ext cx="1728192" cy="2016224"/>
+              <a:chOff x="1259632" y="2067694"/>
+              <a:chExt cx="1728192" cy="2016224"/>
+            </a:xfrm>
+          </p:grpSpPr>
+          <p:sp>
+            <p:nvSpPr>
+              <p:cNvPr id="7" name="사각형: 둥근 모서리 6">
+                <a:extLst>
+                  <a:ext uri="{FF2B5EF4-FFF2-40B4-BE49-F238E27FC236}">
+                    <a16:creationId xmlns:a16="http://schemas.microsoft.com/office/drawing/2014/main" id="{43605E7C-158D-49F1-8506-CEF09E8CC589}"/>
+                  </a:ext>
+                </a:extLst>
+              </p:cNvPr>
+              <p:cNvSpPr/>
+              <p:nvPr/>
+            </p:nvSpPr>
+            <p:spPr>
+              <a:xfrm>
+                <a:off x="1259632" y="2067694"/>
+                <a:ext cx="1728192" cy="2016224"/>
+              </a:xfrm>
+              <a:prstGeom prst="roundRect">
+                <a:avLst>
+                  <a:gd name="adj" fmla="val 7489"/>
+                </a:avLst>
+              </a:prstGeom>
+            </p:spPr>
+            <p:style>
+              <a:lnRef idx="2">
+                <a:schemeClr val="dk1"/>
+              </a:lnRef>
+              <a:fillRef idx="1">
+                <a:schemeClr val="lt1"/>
+              </a:fillRef>
+              <a:effectRef idx="0">
+                <a:schemeClr val="dk1"/>
+              </a:effectRef>
+              <a:fontRef idx="minor">
+                <a:schemeClr val="dk1"/>
+              </a:fontRef>
+            </p:style>
+            <p:txBody>
+              <a:bodyPr rtlCol="0" anchor="t"/>
+              <a:lstStyle/>
+              <a:p>
+                <a:pPr algn="ctr"/>
+                <a:r>
+                  <a:rPr lang="en-US" altLang="ko-KR" sz="1400" dirty="0"/>
+                  <a:t>Topic A</a:t>
+                </a:r>
+                <a:endParaRPr lang="ko-KR" altLang="en-US" sz="1400" dirty="0"/>
+              </a:p>
+            </p:txBody>
+          </p:sp>
+          <p:sp>
+            <p:nvSpPr>
+              <p:cNvPr id="13" name="사각형: 둥근 모서리 12">
+                <a:extLst>
+                  <a:ext uri="{FF2B5EF4-FFF2-40B4-BE49-F238E27FC236}">
+                    <a16:creationId xmlns:a16="http://schemas.microsoft.com/office/drawing/2014/main" id="{22E7F032-13ED-4575-8F3C-092CC530ABC3}"/>
+                  </a:ext>
+                </a:extLst>
+              </p:cNvPr>
+              <p:cNvSpPr/>
+              <p:nvPr/>
+            </p:nvSpPr>
+            <p:spPr>
+              <a:xfrm>
+                <a:off x="1403648" y="2489600"/>
+                <a:ext cx="1440160" cy="370182"/>
+              </a:xfrm>
+              <a:prstGeom prst="roundRect">
+                <a:avLst>
+                  <a:gd name="adj" fmla="val 14105"/>
+                </a:avLst>
+              </a:prstGeom>
+            </p:spPr>
+            <p:style>
+              <a:lnRef idx="2">
+                <a:schemeClr val="dk1"/>
+              </a:lnRef>
+              <a:fillRef idx="1">
+                <a:schemeClr val="lt1"/>
+              </a:fillRef>
+              <a:effectRef idx="0">
+                <a:schemeClr val="dk1"/>
+              </a:effectRef>
+              <a:fontRef idx="minor">
+                <a:schemeClr val="dk1"/>
+              </a:fontRef>
+            </p:style>
+            <p:txBody>
+              <a:bodyPr rtlCol="0" anchor="ctr"/>
+              <a:lstStyle/>
+              <a:p>
+                <a:pPr algn="ctr"/>
+                <a:r>
+                  <a:rPr lang="en-US" altLang="ko-KR" sz="1400" dirty="0"/>
+                  <a:t>Partition 0</a:t>
+                </a:r>
+                <a:endParaRPr lang="ko-KR" altLang="en-US" sz="1400" dirty="0"/>
+              </a:p>
+            </p:txBody>
+          </p:sp>
+          <p:sp>
+            <p:nvSpPr>
+              <p:cNvPr id="14" name="사각형: 둥근 모서리 13">
+                <a:extLst>
+                  <a:ext uri="{FF2B5EF4-FFF2-40B4-BE49-F238E27FC236}">
+                    <a16:creationId xmlns:a16="http://schemas.microsoft.com/office/drawing/2014/main" id="{DF001E3F-CC52-44A6-A024-1F8E5EEE3BE4}"/>
+                  </a:ext>
+                </a:extLst>
+              </p:cNvPr>
+              <p:cNvSpPr/>
+              <p:nvPr/>
+            </p:nvSpPr>
+            <p:spPr>
+              <a:xfrm>
+                <a:off x="1403648" y="3008413"/>
+                <a:ext cx="1440160" cy="370182"/>
+              </a:xfrm>
+              <a:prstGeom prst="roundRect">
+                <a:avLst>
+                  <a:gd name="adj" fmla="val 14105"/>
+                </a:avLst>
+              </a:prstGeom>
+            </p:spPr>
+            <p:style>
+              <a:lnRef idx="2">
+                <a:schemeClr val="dk1"/>
+              </a:lnRef>
+              <a:fillRef idx="1">
+                <a:schemeClr val="lt1"/>
+              </a:fillRef>
+              <a:effectRef idx="0">
+                <a:schemeClr val="dk1"/>
+              </a:effectRef>
+              <a:fontRef idx="minor">
+                <a:schemeClr val="dk1"/>
+              </a:fontRef>
+            </p:style>
+            <p:txBody>
+              <a:bodyPr rtlCol="0" anchor="ctr"/>
+              <a:lstStyle/>
+              <a:p>
+                <a:pPr algn="ctr"/>
+                <a:r>
+                  <a:rPr lang="en-US" altLang="ko-KR" sz="1400" dirty="0"/>
+                  <a:t>Partition 1</a:t>
+                </a:r>
+                <a:endParaRPr lang="ko-KR" altLang="en-US" sz="1400" dirty="0"/>
+              </a:p>
+            </p:txBody>
+          </p:sp>
+        </p:grpSp>
+        <p:grpSp>
+          <p:nvGrpSpPr>
+            <p:cNvPr id="16" name="그룹 15">
+              <a:extLst>
+                <a:ext uri="{FF2B5EF4-FFF2-40B4-BE49-F238E27FC236}">
+                  <a16:creationId xmlns:a16="http://schemas.microsoft.com/office/drawing/2014/main" id="{A9BAD3D4-86BB-41B1-8177-75D80118A1C8}"/>
+                </a:ext>
+              </a:extLst>
+            </p:cNvPr>
+            <p:cNvGrpSpPr/>
+            <p:nvPr/>
+          </p:nvGrpSpPr>
+          <p:grpSpPr>
+            <a:xfrm>
+              <a:off x="3599892" y="1779662"/>
+              <a:ext cx="1728192" cy="2016224"/>
+              <a:chOff x="1259632" y="2067694"/>
+              <a:chExt cx="1728192" cy="2016224"/>
+            </a:xfrm>
+          </p:grpSpPr>
+          <p:sp>
+            <p:nvSpPr>
+              <p:cNvPr id="17" name="사각형: 둥근 모서리 16">
+                <a:extLst>
+                  <a:ext uri="{FF2B5EF4-FFF2-40B4-BE49-F238E27FC236}">
+                    <a16:creationId xmlns:a16="http://schemas.microsoft.com/office/drawing/2014/main" id="{81D51EEF-881E-4D40-8D97-72F8E211014A}"/>
+                  </a:ext>
+                </a:extLst>
+              </p:cNvPr>
+              <p:cNvSpPr/>
+              <p:nvPr/>
+            </p:nvSpPr>
+            <p:spPr>
+              <a:xfrm>
+                <a:off x="1259632" y="2067694"/>
+                <a:ext cx="1728192" cy="2016224"/>
+              </a:xfrm>
+              <a:prstGeom prst="roundRect">
+                <a:avLst>
+                  <a:gd name="adj" fmla="val 7489"/>
+                </a:avLst>
+              </a:prstGeom>
+            </p:spPr>
+            <p:style>
+              <a:lnRef idx="2">
+                <a:schemeClr val="dk1"/>
+              </a:lnRef>
+              <a:fillRef idx="1">
+                <a:schemeClr val="lt1"/>
+              </a:fillRef>
+              <a:effectRef idx="0">
+                <a:schemeClr val="dk1"/>
+              </a:effectRef>
+              <a:fontRef idx="minor">
+                <a:schemeClr val="dk1"/>
+              </a:fontRef>
+            </p:style>
+            <p:txBody>
+              <a:bodyPr rtlCol="0" anchor="t"/>
+              <a:lstStyle/>
+              <a:p>
+                <a:pPr algn="ctr"/>
+                <a:r>
+                  <a:rPr lang="en-US" altLang="ko-KR" sz="1400" dirty="0"/>
+                  <a:t>Topic B</a:t>
+                </a:r>
+                <a:endParaRPr lang="ko-KR" altLang="en-US" sz="1400" dirty="0"/>
+              </a:p>
+            </p:txBody>
+          </p:sp>
+          <p:sp>
+            <p:nvSpPr>
+              <p:cNvPr id="19" name="사각형: 둥근 모서리 18">
+                <a:extLst>
+                  <a:ext uri="{FF2B5EF4-FFF2-40B4-BE49-F238E27FC236}">
+                    <a16:creationId xmlns:a16="http://schemas.microsoft.com/office/drawing/2014/main" id="{89E45E1E-4A30-418C-8291-338E06F96508}"/>
+                  </a:ext>
+                </a:extLst>
+              </p:cNvPr>
+              <p:cNvSpPr/>
+              <p:nvPr/>
+            </p:nvSpPr>
+            <p:spPr>
+              <a:xfrm>
+                <a:off x="1403648" y="2489600"/>
+                <a:ext cx="1440160" cy="370182"/>
+              </a:xfrm>
+              <a:prstGeom prst="roundRect">
+                <a:avLst>
+                  <a:gd name="adj" fmla="val 14105"/>
+                </a:avLst>
+              </a:prstGeom>
+            </p:spPr>
+            <p:style>
+              <a:lnRef idx="2">
+                <a:schemeClr val="dk1"/>
+              </a:lnRef>
+              <a:fillRef idx="1">
+                <a:schemeClr val="lt1"/>
+              </a:fillRef>
+              <a:effectRef idx="0">
+                <a:schemeClr val="dk1"/>
+              </a:effectRef>
+              <a:fontRef idx="minor">
+                <a:schemeClr val="dk1"/>
+              </a:fontRef>
+            </p:style>
+            <p:txBody>
+              <a:bodyPr rtlCol="0" anchor="ctr"/>
+              <a:lstStyle/>
+              <a:p>
+                <a:pPr algn="ctr"/>
+                <a:r>
+                  <a:rPr lang="en-US" altLang="ko-KR" sz="1400" dirty="0"/>
+                  <a:t>Partition 0</a:t>
+                </a:r>
+                <a:endParaRPr lang="ko-KR" altLang="en-US" sz="1400" dirty="0"/>
+              </a:p>
+            </p:txBody>
+          </p:sp>
+        </p:grpSp>
+        <p:grpSp>
+          <p:nvGrpSpPr>
+            <p:cNvPr id="21" name="그룹 20">
+              <a:extLst>
+                <a:ext uri="{FF2B5EF4-FFF2-40B4-BE49-F238E27FC236}">
+                  <a16:creationId xmlns:a16="http://schemas.microsoft.com/office/drawing/2014/main" id="{27B97339-A278-426B-BE6D-3272A4FF2291}"/>
+                </a:ext>
+              </a:extLst>
+            </p:cNvPr>
+            <p:cNvGrpSpPr/>
+            <p:nvPr/>
+          </p:nvGrpSpPr>
+          <p:grpSpPr>
+            <a:xfrm>
+              <a:off x="5674076" y="1779662"/>
+              <a:ext cx="1728192" cy="2016224"/>
+              <a:chOff x="1259632" y="2067694"/>
+              <a:chExt cx="1728192" cy="2016224"/>
+            </a:xfrm>
+          </p:grpSpPr>
+          <p:sp>
+            <p:nvSpPr>
+              <p:cNvPr id="22" name="사각형: 둥근 모서리 21">
+                <a:extLst>
+                  <a:ext uri="{FF2B5EF4-FFF2-40B4-BE49-F238E27FC236}">
+                    <a16:creationId xmlns:a16="http://schemas.microsoft.com/office/drawing/2014/main" id="{6BB1E2A6-F8AC-4742-9A35-2BCFEFE7A7A2}"/>
+                  </a:ext>
+                </a:extLst>
+              </p:cNvPr>
+              <p:cNvSpPr/>
+              <p:nvPr/>
+            </p:nvSpPr>
+            <p:spPr>
+              <a:xfrm>
+                <a:off x="1259632" y="2067694"/>
+                <a:ext cx="1728192" cy="2016224"/>
+              </a:xfrm>
+              <a:prstGeom prst="roundRect">
+                <a:avLst>
+                  <a:gd name="adj" fmla="val 7489"/>
+                </a:avLst>
+              </a:prstGeom>
+            </p:spPr>
+            <p:style>
+              <a:lnRef idx="2">
+                <a:schemeClr val="dk1"/>
+              </a:lnRef>
+              <a:fillRef idx="1">
+                <a:schemeClr val="lt1"/>
+              </a:fillRef>
+              <a:effectRef idx="0">
+                <a:schemeClr val="dk1"/>
+              </a:effectRef>
+              <a:fontRef idx="minor">
+                <a:schemeClr val="dk1"/>
+              </a:fontRef>
+            </p:style>
+            <p:txBody>
+              <a:bodyPr rtlCol="0" anchor="t"/>
+              <a:lstStyle/>
+              <a:p>
+                <a:pPr algn="ctr"/>
+                <a:r>
+                  <a:rPr lang="en-US" altLang="ko-KR" sz="1400" dirty="0"/>
+                  <a:t>Topic C</a:t>
+                </a:r>
+                <a:endParaRPr lang="ko-KR" altLang="en-US" sz="1400" dirty="0"/>
+              </a:p>
+            </p:txBody>
+          </p:sp>
+          <p:sp>
+            <p:nvSpPr>
+              <p:cNvPr id="23" name="사각형: 둥근 모서리 22">
+                <a:extLst>
+                  <a:ext uri="{FF2B5EF4-FFF2-40B4-BE49-F238E27FC236}">
+                    <a16:creationId xmlns:a16="http://schemas.microsoft.com/office/drawing/2014/main" id="{2FDAC04C-F226-479C-9859-26AEF1618706}"/>
+                  </a:ext>
+                </a:extLst>
+              </p:cNvPr>
+              <p:cNvSpPr/>
+              <p:nvPr/>
+            </p:nvSpPr>
+            <p:spPr>
+              <a:xfrm>
+                <a:off x="1403648" y="3527226"/>
+                <a:ext cx="1440160" cy="370182"/>
+              </a:xfrm>
+              <a:prstGeom prst="roundRect">
+                <a:avLst>
+                  <a:gd name="adj" fmla="val 14105"/>
+                </a:avLst>
+              </a:prstGeom>
+            </p:spPr>
+            <p:style>
+              <a:lnRef idx="2">
+                <a:schemeClr val="dk1"/>
+              </a:lnRef>
+              <a:fillRef idx="1">
+                <a:schemeClr val="lt1"/>
+              </a:fillRef>
+              <a:effectRef idx="0">
+                <a:schemeClr val="dk1"/>
+              </a:effectRef>
+              <a:fontRef idx="minor">
+                <a:schemeClr val="dk1"/>
+              </a:fontRef>
+            </p:style>
+            <p:txBody>
+              <a:bodyPr rtlCol="0" anchor="ctr"/>
+              <a:lstStyle/>
+              <a:p>
+                <a:pPr algn="ctr"/>
+                <a:r>
+                  <a:rPr lang="en-US" altLang="ko-KR" sz="1400" dirty="0"/>
+                  <a:t>Partition 2</a:t>
+                </a:r>
+                <a:endParaRPr lang="ko-KR" altLang="en-US" sz="1400" dirty="0"/>
+              </a:p>
+            </p:txBody>
+          </p:sp>
+          <p:sp>
+            <p:nvSpPr>
+              <p:cNvPr id="24" name="사각형: 둥근 모서리 23">
+                <a:extLst>
+                  <a:ext uri="{FF2B5EF4-FFF2-40B4-BE49-F238E27FC236}">
+                    <a16:creationId xmlns:a16="http://schemas.microsoft.com/office/drawing/2014/main" id="{72065A45-3266-4048-8877-6D7DD86DDD4C}"/>
+                  </a:ext>
+                </a:extLst>
+              </p:cNvPr>
+              <p:cNvSpPr/>
+              <p:nvPr/>
+            </p:nvSpPr>
+            <p:spPr>
+              <a:xfrm>
+                <a:off x="1403648" y="2489600"/>
+                <a:ext cx="1440160" cy="370182"/>
+              </a:xfrm>
+              <a:prstGeom prst="roundRect">
+                <a:avLst>
+                  <a:gd name="adj" fmla="val 14105"/>
+                </a:avLst>
+              </a:prstGeom>
+            </p:spPr>
+            <p:style>
+              <a:lnRef idx="2">
+                <a:schemeClr val="dk1"/>
+              </a:lnRef>
+              <a:fillRef idx="1">
+                <a:schemeClr val="lt1"/>
+              </a:fillRef>
+              <a:effectRef idx="0">
+                <a:schemeClr val="dk1"/>
+              </a:effectRef>
+              <a:fontRef idx="minor">
+                <a:schemeClr val="dk1"/>
+              </a:fontRef>
+            </p:style>
+            <p:txBody>
+              <a:bodyPr rtlCol="0" anchor="ctr"/>
+              <a:lstStyle/>
+              <a:p>
+                <a:pPr algn="ctr"/>
+                <a:r>
+                  <a:rPr lang="en-US" altLang="ko-KR" sz="1400" dirty="0"/>
+                  <a:t>Partition 0</a:t>
+                </a:r>
+                <a:endParaRPr lang="ko-KR" altLang="en-US" sz="1400" dirty="0"/>
+              </a:p>
+            </p:txBody>
+          </p:sp>
+          <p:sp>
+            <p:nvSpPr>
+              <p:cNvPr id="25" name="사각형: 둥근 모서리 24">
+                <a:extLst>
+                  <a:ext uri="{FF2B5EF4-FFF2-40B4-BE49-F238E27FC236}">
+                    <a16:creationId xmlns:a16="http://schemas.microsoft.com/office/drawing/2014/main" id="{A16C0C38-1A4E-4076-BFA7-5677521083BC}"/>
+                  </a:ext>
+                </a:extLst>
+              </p:cNvPr>
+              <p:cNvSpPr/>
+              <p:nvPr/>
+            </p:nvSpPr>
+            <p:spPr>
+              <a:xfrm>
+                <a:off x="1403648" y="3008413"/>
+                <a:ext cx="1440160" cy="370182"/>
+              </a:xfrm>
+              <a:prstGeom prst="roundRect">
+                <a:avLst>
+                  <a:gd name="adj" fmla="val 14105"/>
+                </a:avLst>
+              </a:prstGeom>
+            </p:spPr>
+            <p:style>
+              <a:lnRef idx="2">
+                <a:schemeClr val="dk1"/>
+              </a:lnRef>
+              <a:fillRef idx="1">
+                <a:schemeClr val="lt1"/>
+              </a:fillRef>
+              <a:effectRef idx="0">
+                <a:schemeClr val="dk1"/>
+              </a:effectRef>
+              <a:fontRef idx="minor">
+                <a:schemeClr val="dk1"/>
+              </a:fontRef>
+            </p:style>
+            <p:txBody>
+              <a:bodyPr rtlCol="0" anchor="ctr"/>
+              <a:lstStyle/>
+              <a:p>
+                <a:pPr algn="ctr"/>
+                <a:r>
+                  <a:rPr lang="en-US" altLang="ko-KR" sz="1400" dirty="0"/>
+                  <a:t>Partition 1</a:t>
+                </a:r>
+                <a:endParaRPr lang="ko-KR" altLang="en-US" sz="1400" dirty="0"/>
+              </a:p>
+            </p:txBody>
+          </p:sp>
+        </p:grpSp>
+        <p:sp>
+          <p:nvSpPr>
+            <p:cNvPr id="26" name="사각형: 둥근 모서리 25">
+              <a:extLst>
+                <a:ext uri="{FF2B5EF4-FFF2-40B4-BE49-F238E27FC236}">
+                  <a16:creationId xmlns:a16="http://schemas.microsoft.com/office/drawing/2014/main" id="{E95C71DC-3DAE-4BE3-B333-BA03C3FF760A}"/>
+                </a:ext>
+              </a:extLst>
+            </p:cNvPr>
+            <p:cNvSpPr/>
+            <p:nvPr/>
+          </p:nvSpPr>
+          <p:spPr>
+            <a:xfrm>
+              <a:off x="4650704" y="627534"/>
+              <a:ext cx="1728192" cy="432048"/>
+            </a:xfrm>
+            <a:prstGeom prst="roundRect">
+              <a:avLst/>
             </a:prstGeom>
           </p:spPr>
           <p:style>
@@ -4851,39 +5262,18 @@
               <a:pPr algn="ctr"/>
               <a:r>
                 <a:rPr lang="en-US" altLang="ko-KR" sz="1400" dirty="0"/>
-                <a:t>Partition 1</a:t>
+                <a:t>Producer B</a:t>
               </a:r>
               <a:endParaRPr lang="ko-KR" altLang="en-US" sz="1400" dirty="0"/>
             </a:p>
           </p:txBody>
         </p:sp>
-      </p:grpSp>
-      <p:grpSp>
-        <p:nvGrpSpPr>
-          <p:cNvPr id="16" name="그룹 15">
-            <a:extLst>
-              <a:ext uri="{FF2B5EF4-FFF2-40B4-BE49-F238E27FC236}">
-                <a16:creationId xmlns:a16="http://schemas.microsoft.com/office/drawing/2014/main" id="{A9BAD3D4-86BB-41B1-8177-75D80118A1C8}"/>
-              </a:ext>
-            </a:extLst>
-          </p:cNvPr>
-          <p:cNvGrpSpPr/>
-          <p:nvPr/>
-        </p:nvGrpSpPr>
-        <p:grpSpPr>
-          <a:xfrm>
-            <a:off x="3599892" y="1779662"/>
-            <a:ext cx="1728192" cy="2016224"/>
-            <a:chOff x="1259632" y="2067694"/>
-            <a:chExt cx="1728192" cy="2016224"/>
-          </a:xfrm>
-        </p:grpSpPr>
         <p:sp>
           <p:nvSpPr>
-            <p:cNvPr id="17" name="사각형: 둥근 모서리 16">
+            <p:cNvPr id="32" name="사각형: 둥근 모서리 31">
               <a:extLst>
                 <a:ext uri="{FF2B5EF4-FFF2-40B4-BE49-F238E27FC236}">
-                  <a16:creationId xmlns:a16="http://schemas.microsoft.com/office/drawing/2014/main" id="{81D51EEF-881E-4D40-8D97-72F8E211014A}"/>
+                  <a16:creationId xmlns:a16="http://schemas.microsoft.com/office/drawing/2014/main" id="{CB4DDE75-056E-4249-BD12-0F81EF6C02B5}"/>
                 </a:ext>
               </a:extLst>
             </p:cNvPr>
@@ -4892,13 +5282,11 @@
           </p:nvSpPr>
           <p:spPr>
             <a:xfrm>
-              <a:off x="1259632" y="2067694"/>
-              <a:ext cx="1728192" cy="2016224"/>
+              <a:off x="251520" y="4205953"/>
+              <a:ext cx="2052228" cy="886077"/>
             </a:xfrm>
             <a:prstGeom prst="roundRect">
-              <a:avLst>
-                <a:gd name="adj" fmla="val 7489"/>
-              </a:avLst>
+              <a:avLst/>
             </a:prstGeom>
           </p:spPr>
           <p:style>
@@ -4916,13 +5304,13 @@
             </a:fontRef>
           </p:style>
           <p:txBody>
-            <a:bodyPr rtlCol="0" anchor="t"/>
+            <a:bodyPr rtlCol="0" anchor="b"/>
             <a:lstStyle/>
             <a:p>
               <a:pPr algn="ctr"/>
               <a:r>
                 <a:rPr lang="en-US" altLang="ko-KR" sz="1400" dirty="0"/>
-                <a:t>Topic B</a:t>
+                <a:t>Consumer Group A</a:t>
               </a:r>
               <a:endParaRPr lang="ko-KR" altLang="en-US" sz="1400" dirty="0"/>
             </a:p>
@@ -4930,10 +5318,10 @@
         </p:sp>
         <p:sp>
           <p:nvSpPr>
-            <p:cNvPr id="19" name="사각형: 둥근 모서리 18">
+            <p:cNvPr id="28" name="사각형: 둥근 모서리 27">
               <a:extLst>
                 <a:ext uri="{FF2B5EF4-FFF2-40B4-BE49-F238E27FC236}">
-                  <a16:creationId xmlns:a16="http://schemas.microsoft.com/office/drawing/2014/main" id="{89E45E1E-4A30-418C-8291-338E06F96508}"/>
+                  <a16:creationId xmlns:a16="http://schemas.microsoft.com/office/drawing/2014/main" id="{1FDAD9F0-B585-4776-8EFF-1B3B1CDDDF15}"/>
                 </a:ext>
               </a:extLst>
             </p:cNvPr>
@@ -4942,13 +5330,11 @@
           </p:nvSpPr>
           <p:spPr>
             <a:xfrm>
-              <a:off x="1403648" y="2489600"/>
-              <a:ext cx="1440160" cy="370182"/>
+              <a:off x="405678" y="4328164"/>
+              <a:ext cx="1743912" cy="413742"/>
             </a:xfrm>
             <a:prstGeom prst="roundRect">
-              <a:avLst>
-                <a:gd name="adj" fmla="val 14105"/>
-              </a:avLst>
+              <a:avLst/>
             </a:prstGeom>
           </p:spPr>
           <p:style>
@@ -4972,39 +5358,18 @@
               <a:pPr algn="ctr"/>
               <a:r>
                 <a:rPr lang="en-US" altLang="ko-KR" sz="1400" dirty="0"/>
-                <a:t>Partition 0</a:t>
+                <a:t>Consumer A</a:t>
               </a:r>
               <a:endParaRPr lang="ko-KR" altLang="en-US" sz="1400" dirty="0"/>
             </a:p>
           </p:txBody>
         </p:sp>
-      </p:grpSp>
-      <p:grpSp>
-        <p:nvGrpSpPr>
-          <p:cNvPr id="21" name="그룹 20">
-            <a:extLst>
-              <a:ext uri="{FF2B5EF4-FFF2-40B4-BE49-F238E27FC236}">
-                <a16:creationId xmlns:a16="http://schemas.microsoft.com/office/drawing/2014/main" id="{27B97339-A278-426B-BE6D-3272A4FF2291}"/>
-              </a:ext>
-            </a:extLst>
-          </p:cNvPr>
-          <p:cNvGrpSpPr/>
-          <p:nvPr/>
-        </p:nvGrpSpPr>
-        <p:grpSpPr>
-          <a:xfrm>
-            <a:off x="5674076" y="1779662"/>
-            <a:ext cx="1728192" cy="2016224"/>
-            <a:chOff x="1259632" y="2067694"/>
-            <a:chExt cx="1728192" cy="2016224"/>
-          </a:xfrm>
-        </p:grpSpPr>
         <p:sp>
           <p:nvSpPr>
-            <p:cNvPr id="22" name="사각형: 둥근 모서리 21">
+            <p:cNvPr id="37" name="사각형: 둥근 모서리 36">
               <a:extLst>
                 <a:ext uri="{FF2B5EF4-FFF2-40B4-BE49-F238E27FC236}">
-                  <a16:creationId xmlns:a16="http://schemas.microsoft.com/office/drawing/2014/main" id="{6BB1E2A6-F8AC-4742-9A35-2BCFEFE7A7A2}"/>
+                  <a16:creationId xmlns:a16="http://schemas.microsoft.com/office/drawing/2014/main" id="{4EFA6A44-B3D5-43F1-BE2A-9B5BE681D580}"/>
                 </a:ext>
               </a:extLst>
             </p:cNvPr>
@@ -5013,13 +5378,11 @@
           </p:nvSpPr>
           <p:spPr>
             <a:xfrm>
-              <a:off x="1259632" y="2067694"/>
-              <a:ext cx="1728192" cy="2016224"/>
+              <a:off x="2501770" y="4205953"/>
+              <a:ext cx="2052228" cy="886077"/>
             </a:xfrm>
             <a:prstGeom prst="roundRect">
-              <a:avLst>
-                <a:gd name="adj" fmla="val 7489"/>
-              </a:avLst>
+              <a:avLst/>
             </a:prstGeom>
           </p:spPr>
           <p:style>
@@ -5037,13 +5400,13 @@
             </a:fontRef>
           </p:style>
           <p:txBody>
-            <a:bodyPr rtlCol="0" anchor="t"/>
+            <a:bodyPr rtlCol="0" anchor="b"/>
             <a:lstStyle/>
             <a:p>
               <a:pPr algn="ctr"/>
               <a:r>
                 <a:rPr lang="en-US" altLang="ko-KR" sz="1400" dirty="0"/>
-                <a:t>Topic C</a:t>
+                <a:t>Consumer Group B</a:t>
               </a:r>
               <a:endParaRPr lang="ko-KR" altLang="en-US" sz="1400" dirty="0"/>
             </a:p>
@@ -5051,10 +5414,10 @@
         </p:sp>
         <p:sp>
           <p:nvSpPr>
-            <p:cNvPr id="23" name="사각형: 둥근 모서리 22">
+            <p:cNvPr id="38" name="사각형: 둥근 모서리 37">
               <a:extLst>
                 <a:ext uri="{FF2B5EF4-FFF2-40B4-BE49-F238E27FC236}">
-                  <a16:creationId xmlns:a16="http://schemas.microsoft.com/office/drawing/2014/main" id="{2FDAC04C-F226-479C-9859-26AEF1618706}"/>
+                  <a16:creationId xmlns:a16="http://schemas.microsoft.com/office/drawing/2014/main" id="{0D04AF20-0AE7-4278-A777-83004129ACF2}"/>
                 </a:ext>
               </a:extLst>
             </p:cNvPr>
@@ -5063,13 +5426,11 @@
           </p:nvSpPr>
           <p:spPr>
             <a:xfrm>
-              <a:off x="1403648" y="3527226"/>
-              <a:ext cx="1440160" cy="370182"/>
+              <a:off x="2655928" y="4328164"/>
+              <a:ext cx="1743912" cy="413742"/>
             </a:xfrm>
             <a:prstGeom prst="roundRect">
-              <a:avLst>
-                <a:gd name="adj" fmla="val 14105"/>
-              </a:avLst>
+              <a:avLst/>
             </a:prstGeom>
           </p:spPr>
           <p:style>
@@ -5093,7 +5454,7 @@
               <a:pPr algn="ctr"/>
               <a:r>
                 <a:rPr lang="en-US" altLang="ko-KR" sz="1400" dirty="0"/>
-                <a:t>Partition 2</a:t>
+                <a:t>Consumer B</a:t>
               </a:r>
               <a:endParaRPr lang="ko-KR" altLang="en-US" sz="1400" dirty="0"/>
             </a:p>
@@ -5101,10 +5462,10 @@
         </p:sp>
         <p:sp>
           <p:nvSpPr>
-            <p:cNvPr id="24" name="사각형: 둥근 모서리 23">
+            <p:cNvPr id="39" name="사각형: 둥근 모서리 38">
               <a:extLst>
                 <a:ext uri="{FF2B5EF4-FFF2-40B4-BE49-F238E27FC236}">
-                  <a16:creationId xmlns:a16="http://schemas.microsoft.com/office/drawing/2014/main" id="{72065A45-3266-4048-8877-6D7DD86DDD4C}"/>
+                  <a16:creationId xmlns:a16="http://schemas.microsoft.com/office/drawing/2014/main" id="{5230FF1A-8A8B-461A-A6A7-E411A0A0385F}"/>
                 </a:ext>
               </a:extLst>
             </p:cNvPr>
@@ -5113,13 +5474,59 @@
           </p:nvSpPr>
           <p:spPr>
             <a:xfrm>
-              <a:off x="1403648" y="2489600"/>
-              <a:ext cx="1440160" cy="370182"/>
+              <a:off x="4752020" y="4205953"/>
+              <a:ext cx="3924436" cy="886077"/>
             </a:xfrm>
             <a:prstGeom prst="roundRect">
-              <a:avLst>
-                <a:gd name="adj" fmla="val 14105"/>
-              </a:avLst>
+              <a:avLst/>
+            </a:prstGeom>
+          </p:spPr>
+          <p:style>
+            <a:lnRef idx="2">
+              <a:schemeClr val="dk1"/>
+            </a:lnRef>
+            <a:fillRef idx="1">
+              <a:schemeClr val="lt1"/>
+            </a:fillRef>
+            <a:effectRef idx="0">
+              <a:schemeClr val="dk1"/>
+            </a:effectRef>
+            <a:fontRef idx="minor">
+              <a:schemeClr val="dk1"/>
+            </a:fontRef>
+          </p:style>
+          <p:txBody>
+            <a:bodyPr rtlCol="0" anchor="b"/>
+            <a:lstStyle/>
+            <a:p>
+              <a:pPr algn="ctr"/>
+              <a:r>
+                <a:rPr lang="en-US" altLang="ko-KR" sz="1400" dirty="0"/>
+                <a:t>Consumer Group C</a:t>
+              </a:r>
+              <a:endParaRPr lang="ko-KR" altLang="en-US" sz="1400" dirty="0"/>
+            </a:p>
+          </p:txBody>
+        </p:sp>
+        <p:sp>
+          <p:nvSpPr>
+            <p:cNvPr id="40" name="사각형: 둥근 모서리 39">
+              <a:extLst>
+                <a:ext uri="{FF2B5EF4-FFF2-40B4-BE49-F238E27FC236}">
+                  <a16:creationId xmlns:a16="http://schemas.microsoft.com/office/drawing/2014/main" id="{8B9B68B6-E172-4ADF-93FA-97134AB47BF3}"/>
+                </a:ext>
+              </a:extLst>
+            </p:cNvPr>
+            <p:cNvSpPr/>
+            <p:nvPr/>
+          </p:nvSpPr>
+          <p:spPr>
+            <a:xfrm>
+              <a:off x="4906178" y="4328164"/>
+              <a:ext cx="1743912" cy="413742"/>
+            </a:xfrm>
+            <a:prstGeom prst="roundRect">
+              <a:avLst/>
             </a:prstGeom>
           </p:spPr>
           <p:style>
@@ -5143,7 +5550,7 @@
               <a:pPr algn="ctr"/>
               <a:r>
                 <a:rPr lang="en-US" altLang="ko-KR" sz="1400" dirty="0"/>
-                <a:t>Partition 0</a:t>
+                <a:t>Consumer C</a:t>
               </a:r>
               <a:endParaRPr lang="ko-KR" altLang="en-US" sz="1400" dirty="0"/>
             </a:p>
@@ -5151,10 +5558,10 @@
         </p:sp>
         <p:sp>
           <p:nvSpPr>
-            <p:cNvPr id="25" name="사각형: 둥근 모서리 24">
+            <p:cNvPr id="41" name="사각형: 둥근 모서리 40">
               <a:extLst>
                 <a:ext uri="{FF2B5EF4-FFF2-40B4-BE49-F238E27FC236}">
-                  <a16:creationId xmlns:a16="http://schemas.microsoft.com/office/drawing/2014/main" id="{A16C0C38-1A4E-4076-BFA7-5677521083BC}"/>
+                  <a16:creationId xmlns:a16="http://schemas.microsoft.com/office/drawing/2014/main" id="{C622663F-E44E-4474-90DF-2A71A36BD857}"/>
                 </a:ext>
               </a:extLst>
             </p:cNvPr>
@@ -5163,13 +5570,11 @@
           </p:nvSpPr>
           <p:spPr>
             <a:xfrm>
-              <a:off x="1403648" y="3008413"/>
-              <a:ext cx="1440160" cy="370182"/>
+              <a:off x="6804248" y="4328164"/>
+              <a:ext cx="1743912" cy="413742"/>
             </a:xfrm>
             <a:prstGeom prst="roundRect">
-              <a:avLst>
-                <a:gd name="adj" fmla="val 14105"/>
-              </a:avLst>
+              <a:avLst/>
             </a:prstGeom>
           </p:spPr>
           <p:style>
@@ -5193,961 +5598,624 @@
               <a:pPr algn="ctr"/>
               <a:r>
                 <a:rPr lang="en-US" altLang="ko-KR" sz="1400" dirty="0"/>
-                <a:t>Partition 1</a:t>
+                <a:t>Consumer D</a:t>
               </a:r>
               <a:endParaRPr lang="ko-KR" altLang="en-US" sz="1400" dirty="0"/>
             </a:p>
           </p:txBody>
         </p:sp>
+        <p:cxnSp>
+          <p:nvCxnSpPr>
+            <p:cNvPr id="45" name="직선 화살표 연결선 44">
+              <a:extLst>
+                <a:ext uri="{FF2B5EF4-FFF2-40B4-BE49-F238E27FC236}">
+                  <a16:creationId xmlns:a16="http://schemas.microsoft.com/office/drawing/2014/main" id="{D37954FE-ED75-4B04-B330-707801592D9F}"/>
+                </a:ext>
+              </a:extLst>
+            </p:cNvPr>
+            <p:cNvCxnSpPr>
+              <a:cxnSpLocks/>
+              <a:stCxn id="3" idx="2"/>
+              <a:endCxn id="13" idx="0"/>
+            </p:cNvCxnSpPr>
+            <p:nvPr/>
+          </p:nvCxnSpPr>
+          <p:spPr>
+            <a:xfrm flipH="1">
+              <a:off x="2411760" y="1059582"/>
+              <a:ext cx="1050812" cy="1141986"/>
+            </a:xfrm>
+            <a:prstGeom prst="straightConnector1">
+              <a:avLst/>
+            </a:prstGeom>
+            <a:ln w="19050">
+              <a:solidFill>
+                <a:schemeClr val="tx1"/>
+              </a:solidFill>
+              <a:headEnd type="none" w="med" len="med"/>
+              <a:tailEnd type="arrow" w="med" len="med"/>
+            </a:ln>
+          </p:spPr>
+          <p:style>
+            <a:lnRef idx="1">
+              <a:schemeClr val="accent1"/>
+            </a:lnRef>
+            <a:fillRef idx="0">
+              <a:schemeClr val="accent1"/>
+            </a:fillRef>
+            <a:effectRef idx="0">
+              <a:schemeClr val="accent1"/>
+            </a:effectRef>
+            <a:fontRef idx="minor">
+              <a:schemeClr val="tx1"/>
+            </a:fontRef>
+          </p:style>
+        </p:cxnSp>
+        <p:cxnSp>
+          <p:nvCxnSpPr>
+            <p:cNvPr id="46" name="직선 화살표 연결선 45">
+              <a:extLst>
+                <a:ext uri="{FF2B5EF4-FFF2-40B4-BE49-F238E27FC236}">
+                  <a16:creationId xmlns:a16="http://schemas.microsoft.com/office/drawing/2014/main" id="{132C35FF-43F2-4928-AF4D-11225986EF96}"/>
+                </a:ext>
+              </a:extLst>
+            </p:cNvPr>
+            <p:cNvCxnSpPr>
+              <a:cxnSpLocks/>
+              <a:stCxn id="3" idx="2"/>
+              <a:endCxn id="19" idx="0"/>
+            </p:cNvCxnSpPr>
+            <p:nvPr/>
+          </p:nvCxnSpPr>
+          <p:spPr>
+            <a:xfrm>
+              <a:off x="3462572" y="1059582"/>
+              <a:ext cx="1001416" cy="1141986"/>
+            </a:xfrm>
+            <a:prstGeom prst="straightConnector1">
+              <a:avLst/>
+            </a:prstGeom>
+            <a:ln w="19050">
+              <a:solidFill>
+                <a:schemeClr val="tx1"/>
+              </a:solidFill>
+              <a:headEnd type="none" w="med" len="med"/>
+              <a:tailEnd type="arrow" w="med" len="med"/>
+            </a:ln>
+          </p:spPr>
+          <p:style>
+            <a:lnRef idx="1">
+              <a:schemeClr val="accent1"/>
+            </a:lnRef>
+            <a:fillRef idx="0">
+              <a:schemeClr val="accent1"/>
+            </a:fillRef>
+            <a:effectRef idx="0">
+              <a:schemeClr val="accent1"/>
+            </a:effectRef>
+            <a:fontRef idx="minor">
+              <a:schemeClr val="tx1"/>
+            </a:fontRef>
+          </p:style>
+        </p:cxnSp>
+        <p:cxnSp>
+          <p:nvCxnSpPr>
+            <p:cNvPr id="53" name="직선 화살표 연결선 52">
+              <a:extLst>
+                <a:ext uri="{FF2B5EF4-FFF2-40B4-BE49-F238E27FC236}">
+                  <a16:creationId xmlns:a16="http://schemas.microsoft.com/office/drawing/2014/main" id="{DCAB02C9-3F14-4BCC-8B1D-445A946DFD7B}"/>
+                </a:ext>
+              </a:extLst>
+            </p:cNvPr>
+            <p:cNvCxnSpPr>
+              <a:cxnSpLocks/>
+              <a:stCxn id="26" idx="2"/>
+              <a:endCxn id="25" idx="0"/>
+            </p:cNvCxnSpPr>
+            <p:nvPr/>
+          </p:nvCxnSpPr>
+          <p:spPr>
+            <a:xfrm>
+              <a:off x="5514800" y="1059582"/>
+              <a:ext cx="1023372" cy="1660799"/>
+            </a:xfrm>
+            <a:prstGeom prst="straightConnector1">
+              <a:avLst/>
+            </a:prstGeom>
+            <a:ln w="19050">
+              <a:solidFill>
+                <a:schemeClr val="tx1"/>
+              </a:solidFill>
+              <a:headEnd type="none" w="med" len="med"/>
+              <a:tailEnd type="arrow" w="med" len="med"/>
+            </a:ln>
+          </p:spPr>
+          <p:style>
+            <a:lnRef idx="1">
+              <a:schemeClr val="accent1"/>
+            </a:lnRef>
+            <a:fillRef idx="0">
+              <a:schemeClr val="accent1"/>
+            </a:fillRef>
+            <a:effectRef idx="0">
+              <a:schemeClr val="accent1"/>
+            </a:effectRef>
+            <a:fontRef idx="minor">
+              <a:schemeClr val="tx1"/>
+            </a:fontRef>
+          </p:style>
+        </p:cxnSp>
+        <p:cxnSp>
+          <p:nvCxnSpPr>
+            <p:cNvPr id="97" name="직선 화살표 연결선 96">
+              <a:extLst>
+                <a:ext uri="{FF2B5EF4-FFF2-40B4-BE49-F238E27FC236}">
+                  <a16:creationId xmlns:a16="http://schemas.microsoft.com/office/drawing/2014/main" id="{CE43D067-EFC5-4361-9604-E0A658584C58}"/>
+                </a:ext>
+              </a:extLst>
+            </p:cNvPr>
+            <p:cNvCxnSpPr>
+              <a:cxnSpLocks/>
+              <a:stCxn id="26" idx="2"/>
+              <a:endCxn id="23" idx="0"/>
+            </p:cNvCxnSpPr>
+            <p:nvPr/>
+          </p:nvCxnSpPr>
+          <p:spPr>
+            <a:xfrm>
+              <a:off x="5514800" y="1059582"/>
+              <a:ext cx="1023372" cy="2179612"/>
+            </a:xfrm>
+            <a:prstGeom prst="straightConnector1">
+              <a:avLst/>
+            </a:prstGeom>
+            <a:ln w="19050">
+              <a:solidFill>
+                <a:schemeClr val="tx1"/>
+              </a:solidFill>
+              <a:headEnd type="none" w="med" len="med"/>
+              <a:tailEnd type="arrow" w="med" len="med"/>
+            </a:ln>
+          </p:spPr>
+          <p:style>
+            <a:lnRef idx="1">
+              <a:schemeClr val="accent1"/>
+            </a:lnRef>
+            <a:fillRef idx="0">
+              <a:schemeClr val="accent1"/>
+            </a:fillRef>
+            <a:effectRef idx="0">
+              <a:schemeClr val="accent1"/>
+            </a:effectRef>
+            <a:fontRef idx="minor">
+              <a:schemeClr val="tx1"/>
+            </a:fontRef>
+          </p:style>
+        </p:cxnSp>
+        <p:cxnSp>
+          <p:nvCxnSpPr>
+            <p:cNvPr id="100" name="직선 화살표 연결선 99">
+              <a:extLst>
+                <a:ext uri="{FF2B5EF4-FFF2-40B4-BE49-F238E27FC236}">
+                  <a16:creationId xmlns:a16="http://schemas.microsoft.com/office/drawing/2014/main" id="{B02BE40B-5F79-4FDF-B65E-130CE8274CB2}"/>
+                </a:ext>
+              </a:extLst>
+            </p:cNvPr>
+            <p:cNvCxnSpPr>
+              <a:cxnSpLocks/>
+              <a:stCxn id="23" idx="2"/>
+              <a:endCxn id="41" idx="0"/>
+            </p:cNvCxnSpPr>
+            <p:nvPr/>
+          </p:nvCxnSpPr>
+          <p:spPr>
+            <a:xfrm>
+              <a:off x="6538172" y="3609376"/>
+              <a:ext cx="1138032" cy="718788"/>
+            </a:xfrm>
+            <a:prstGeom prst="straightConnector1">
+              <a:avLst/>
+            </a:prstGeom>
+            <a:ln w="19050">
+              <a:solidFill>
+                <a:schemeClr val="tx1"/>
+              </a:solidFill>
+              <a:headEnd type="none" w="med" len="med"/>
+              <a:tailEnd type="arrow" w="med" len="med"/>
+            </a:ln>
+          </p:spPr>
+          <p:style>
+            <a:lnRef idx="1">
+              <a:schemeClr val="accent1"/>
+            </a:lnRef>
+            <a:fillRef idx="0">
+              <a:schemeClr val="accent1"/>
+            </a:fillRef>
+            <a:effectRef idx="0">
+              <a:schemeClr val="accent1"/>
+            </a:effectRef>
+            <a:fontRef idx="minor">
+              <a:schemeClr val="tx1"/>
+            </a:fontRef>
+          </p:style>
+        </p:cxnSp>
+        <p:cxnSp>
+          <p:nvCxnSpPr>
+            <p:cNvPr id="103" name="직선 화살표 연결선 102">
+              <a:extLst>
+                <a:ext uri="{FF2B5EF4-FFF2-40B4-BE49-F238E27FC236}">
+                  <a16:creationId xmlns:a16="http://schemas.microsoft.com/office/drawing/2014/main" id="{1E58488C-3C29-47B9-A59C-03896480B5DB}"/>
+                </a:ext>
+              </a:extLst>
+            </p:cNvPr>
+            <p:cNvCxnSpPr>
+              <a:cxnSpLocks/>
+              <a:stCxn id="25" idx="2"/>
+              <a:endCxn id="41" idx="0"/>
+            </p:cNvCxnSpPr>
+            <p:nvPr/>
+          </p:nvCxnSpPr>
+          <p:spPr>
+            <a:xfrm>
+              <a:off x="6538172" y="3090563"/>
+              <a:ext cx="1138032" cy="1237601"/>
+            </a:xfrm>
+            <a:prstGeom prst="straightConnector1">
+              <a:avLst/>
+            </a:prstGeom>
+            <a:ln w="19050">
+              <a:solidFill>
+                <a:schemeClr val="tx1"/>
+              </a:solidFill>
+              <a:headEnd type="none" w="med" len="med"/>
+              <a:tailEnd type="arrow" w="med" len="med"/>
+            </a:ln>
+          </p:spPr>
+          <p:style>
+            <a:lnRef idx="1">
+              <a:schemeClr val="accent1"/>
+            </a:lnRef>
+            <a:fillRef idx="0">
+              <a:schemeClr val="accent1"/>
+            </a:fillRef>
+            <a:effectRef idx="0">
+              <a:schemeClr val="accent1"/>
+            </a:effectRef>
+            <a:fontRef idx="minor">
+              <a:schemeClr val="tx1"/>
+            </a:fontRef>
+          </p:style>
+        </p:cxnSp>
+        <p:cxnSp>
+          <p:nvCxnSpPr>
+            <p:cNvPr id="42" name="직선 화살표 연결선 41">
+              <a:extLst>
+                <a:ext uri="{FF2B5EF4-FFF2-40B4-BE49-F238E27FC236}">
+                  <a16:creationId xmlns:a16="http://schemas.microsoft.com/office/drawing/2014/main" id="{D3FFE380-A151-4112-BCC2-A501527A5894}"/>
+                </a:ext>
+              </a:extLst>
+            </p:cNvPr>
+            <p:cNvCxnSpPr>
+              <a:cxnSpLocks/>
+              <a:stCxn id="14" idx="2"/>
+              <a:endCxn id="28" idx="0"/>
+            </p:cNvCxnSpPr>
+            <p:nvPr/>
+          </p:nvCxnSpPr>
+          <p:spPr>
+            <a:xfrm flipH="1">
+              <a:off x="1277634" y="3090563"/>
+              <a:ext cx="1134126" cy="1237601"/>
+            </a:xfrm>
+            <a:prstGeom prst="straightConnector1">
+              <a:avLst/>
+            </a:prstGeom>
+            <a:ln w="19050">
+              <a:solidFill>
+                <a:schemeClr val="tx1"/>
+              </a:solidFill>
+              <a:headEnd type="none" w="med" len="med"/>
+              <a:tailEnd type="arrow" w="med" len="med"/>
+            </a:ln>
+          </p:spPr>
+          <p:style>
+            <a:lnRef idx="1">
+              <a:schemeClr val="accent1"/>
+            </a:lnRef>
+            <a:fillRef idx="0">
+              <a:schemeClr val="accent1"/>
+            </a:fillRef>
+            <a:effectRef idx="0">
+              <a:schemeClr val="accent1"/>
+            </a:effectRef>
+            <a:fontRef idx="minor">
+              <a:schemeClr val="tx1"/>
+            </a:fontRef>
+          </p:style>
+        </p:cxnSp>
+        <p:cxnSp>
+          <p:nvCxnSpPr>
+            <p:cNvPr id="47" name="직선 화살표 연결선 46">
+              <a:extLst>
+                <a:ext uri="{FF2B5EF4-FFF2-40B4-BE49-F238E27FC236}">
+                  <a16:creationId xmlns:a16="http://schemas.microsoft.com/office/drawing/2014/main" id="{1E1466B0-AD3A-4D87-8168-3ED31B40A844}"/>
+                </a:ext>
+              </a:extLst>
+            </p:cNvPr>
+            <p:cNvCxnSpPr>
+              <a:cxnSpLocks/>
+              <a:stCxn id="13" idx="2"/>
+              <a:endCxn id="28" idx="0"/>
+            </p:cNvCxnSpPr>
+            <p:nvPr/>
+          </p:nvCxnSpPr>
+          <p:spPr>
+            <a:xfrm flipH="1">
+              <a:off x="1277634" y="2571750"/>
+              <a:ext cx="1134126" cy="1756414"/>
+            </a:xfrm>
+            <a:prstGeom prst="straightConnector1">
+              <a:avLst/>
+            </a:prstGeom>
+            <a:ln w="19050">
+              <a:solidFill>
+                <a:schemeClr val="tx1"/>
+              </a:solidFill>
+              <a:headEnd type="none" w="med" len="med"/>
+              <a:tailEnd type="arrow" w="med" len="med"/>
+            </a:ln>
+          </p:spPr>
+          <p:style>
+            <a:lnRef idx="1">
+              <a:schemeClr val="accent1"/>
+            </a:lnRef>
+            <a:fillRef idx="0">
+              <a:schemeClr val="accent1"/>
+            </a:fillRef>
+            <a:effectRef idx="0">
+              <a:schemeClr val="accent1"/>
+            </a:effectRef>
+            <a:fontRef idx="minor">
+              <a:schemeClr val="tx1"/>
+            </a:fontRef>
+          </p:style>
+        </p:cxnSp>
+        <p:cxnSp>
+          <p:nvCxnSpPr>
+            <p:cNvPr id="48" name="직선 화살표 연결선 47">
+              <a:extLst>
+                <a:ext uri="{FF2B5EF4-FFF2-40B4-BE49-F238E27FC236}">
+                  <a16:creationId xmlns:a16="http://schemas.microsoft.com/office/drawing/2014/main" id="{7FE3EABF-FDD9-4BF7-BF55-3A40EBCC6292}"/>
+                </a:ext>
+              </a:extLst>
+            </p:cNvPr>
+            <p:cNvCxnSpPr>
+              <a:cxnSpLocks/>
+              <a:stCxn id="19" idx="2"/>
+              <a:endCxn id="38" idx="0"/>
+            </p:cNvCxnSpPr>
+            <p:nvPr/>
+          </p:nvCxnSpPr>
+          <p:spPr>
+            <a:xfrm flipH="1">
+              <a:off x="3527884" y="2571750"/>
+              <a:ext cx="936104" cy="1756414"/>
+            </a:xfrm>
+            <a:prstGeom prst="straightConnector1">
+              <a:avLst/>
+            </a:prstGeom>
+            <a:ln w="19050">
+              <a:solidFill>
+                <a:schemeClr val="tx1"/>
+              </a:solidFill>
+              <a:headEnd type="none" w="med" len="med"/>
+              <a:tailEnd type="arrow" w="med" len="med"/>
+            </a:ln>
+          </p:spPr>
+          <p:style>
+            <a:lnRef idx="1">
+              <a:schemeClr val="accent1"/>
+            </a:lnRef>
+            <a:fillRef idx="0">
+              <a:schemeClr val="accent1"/>
+            </a:fillRef>
+            <a:effectRef idx="0">
+              <a:schemeClr val="accent1"/>
+            </a:effectRef>
+            <a:fontRef idx="minor">
+              <a:schemeClr val="tx1"/>
+            </a:fontRef>
+          </p:style>
+        </p:cxnSp>
+        <p:cxnSp>
+          <p:nvCxnSpPr>
+            <p:cNvPr id="54" name="직선 화살표 연결선 53">
+              <a:extLst>
+                <a:ext uri="{FF2B5EF4-FFF2-40B4-BE49-F238E27FC236}">
+                  <a16:creationId xmlns:a16="http://schemas.microsoft.com/office/drawing/2014/main" id="{1C14E7C3-E3F0-4114-8328-52EC5812BB4F}"/>
+                </a:ext>
+              </a:extLst>
+            </p:cNvPr>
+            <p:cNvCxnSpPr>
+              <a:cxnSpLocks/>
+              <a:stCxn id="3" idx="2"/>
+              <a:endCxn id="14" idx="0"/>
+            </p:cNvCxnSpPr>
+            <p:nvPr/>
+          </p:nvCxnSpPr>
+          <p:spPr>
+            <a:xfrm flipH="1">
+              <a:off x="2411760" y="1059582"/>
+              <a:ext cx="1050812" cy="1660799"/>
+            </a:xfrm>
+            <a:prstGeom prst="straightConnector1">
+              <a:avLst/>
+            </a:prstGeom>
+            <a:ln w="19050">
+              <a:solidFill>
+                <a:schemeClr val="tx1"/>
+              </a:solidFill>
+              <a:headEnd type="none" w="med" len="med"/>
+              <a:tailEnd type="arrow" w="med" len="med"/>
+            </a:ln>
+          </p:spPr>
+          <p:style>
+            <a:lnRef idx="1">
+              <a:schemeClr val="accent1"/>
+            </a:lnRef>
+            <a:fillRef idx="0">
+              <a:schemeClr val="accent1"/>
+            </a:fillRef>
+            <a:effectRef idx="0">
+              <a:schemeClr val="accent1"/>
+            </a:effectRef>
+            <a:fontRef idx="minor">
+              <a:schemeClr val="tx1"/>
+            </a:fontRef>
+          </p:style>
+        </p:cxnSp>
+        <p:cxnSp>
+          <p:nvCxnSpPr>
+            <p:cNvPr id="60" name="직선 화살표 연결선 59">
+              <a:extLst>
+                <a:ext uri="{FF2B5EF4-FFF2-40B4-BE49-F238E27FC236}">
+                  <a16:creationId xmlns:a16="http://schemas.microsoft.com/office/drawing/2014/main" id="{8E5603FF-361F-4F8C-86B9-B59035D725D6}"/>
+                </a:ext>
+              </a:extLst>
+            </p:cNvPr>
+            <p:cNvCxnSpPr>
+              <a:cxnSpLocks/>
+              <a:stCxn id="24" idx="2"/>
+              <a:endCxn id="40" idx="0"/>
+            </p:cNvCxnSpPr>
+            <p:nvPr/>
+          </p:nvCxnSpPr>
+          <p:spPr>
+            <a:xfrm flipH="1">
+              <a:off x="5778134" y="2571750"/>
+              <a:ext cx="760038" cy="1756414"/>
+            </a:xfrm>
+            <a:prstGeom prst="straightConnector1">
+              <a:avLst/>
+            </a:prstGeom>
+            <a:ln w="19050">
+              <a:solidFill>
+                <a:schemeClr val="tx1"/>
+              </a:solidFill>
+              <a:headEnd type="none" w="med" len="med"/>
+              <a:tailEnd type="arrow" w="med" len="med"/>
+            </a:ln>
+          </p:spPr>
+          <p:style>
+            <a:lnRef idx="1">
+              <a:schemeClr val="accent1"/>
+            </a:lnRef>
+            <a:fillRef idx="0">
+              <a:schemeClr val="accent1"/>
+            </a:fillRef>
+            <a:effectRef idx="0">
+              <a:schemeClr val="accent1"/>
+            </a:effectRef>
+            <a:fontRef idx="minor">
+              <a:schemeClr val="tx1"/>
+            </a:fontRef>
+          </p:style>
+        </p:cxnSp>
+        <p:cxnSp>
+          <p:nvCxnSpPr>
+            <p:cNvPr id="62" name="직선 화살표 연결선 61">
+              <a:extLst>
+                <a:ext uri="{FF2B5EF4-FFF2-40B4-BE49-F238E27FC236}">
+                  <a16:creationId xmlns:a16="http://schemas.microsoft.com/office/drawing/2014/main" id="{1F0DA32C-7E98-4A65-82C7-439DE6A8B0B7}"/>
+                </a:ext>
+              </a:extLst>
+            </p:cNvPr>
+            <p:cNvCxnSpPr>
+              <a:cxnSpLocks/>
+              <a:stCxn id="26" idx="2"/>
+              <a:endCxn id="24" idx="0"/>
+            </p:cNvCxnSpPr>
+            <p:nvPr/>
+          </p:nvCxnSpPr>
+          <p:spPr>
+            <a:xfrm>
+              <a:off x="5514800" y="1059582"/>
+              <a:ext cx="1023372" cy="1141986"/>
+            </a:xfrm>
+            <a:prstGeom prst="straightConnector1">
+              <a:avLst/>
+            </a:prstGeom>
+            <a:ln w="19050">
+              <a:solidFill>
+                <a:schemeClr val="tx1"/>
+              </a:solidFill>
+              <a:headEnd type="none" w="med" len="med"/>
+              <a:tailEnd type="arrow" w="med" len="med"/>
+            </a:ln>
+          </p:spPr>
+          <p:style>
+            <a:lnRef idx="1">
+              <a:schemeClr val="accent1"/>
+            </a:lnRef>
+            <a:fillRef idx="0">
+              <a:schemeClr val="accent1"/>
+            </a:fillRef>
+            <a:effectRef idx="0">
+              <a:schemeClr val="accent1"/>
+            </a:effectRef>
+            <a:fontRef idx="minor">
+              <a:schemeClr val="tx1"/>
+            </a:fontRef>
+          </p:style>
+        </p:cxnSp>
+        <p:cxnSp>
+          <p:nvCxnSpPr>
+            <p:cNvPr id="43" name="직선 화살표 연결선 42">
+              <a:extLst>
+                <a:ext uri="{FF2B5EF4-FFF2-40B4-BE49-F238E27FC236}">
+                  <a16:creationId xmlns:a16="http://schemas.microsoft.com/office/drawing/2014/main" id="{2B646D07-6343-4FE7-A291-3D9A676E7510}"/>
+                </a:ext>
+              </a:extLst>
+            </p:cNvPr>
+            <p:cNvCxnSpPr>
+              <a:cxnSpLocks/>
+              <a:stCxn id="19" idx="2"/>
+              <a:endCxn id="40" idx="0"/>
+            </p:cNvCxnSpPr>
+            <p:nvPr/>
+          </p:nvCxnSpPr>
+          <p:spPr>
+            <a:xfrm>
+              <a:off x="4463988" y="2571749"/>
+              <a:ext cx="1314146" cy="1756415"/>
+            </a:xfrm>
+            <a:prstGeom prst="straightConnector1">
+              <a:avLst/>
+            </a:prstGeom>
+            <a:ln w="19050">
+              <a:solidFill>
+                <a:schemeClr val="tx1"/>
+              </a:solidFill>
+              <a:headEnd type="none" w="med" len="med"/>
+              <a:tailEnd type="arrow" w="med" len="med"/>
+            </a:ln>
+          </p:spPr>
+          <p:style>
+            <a:lnRef idx="1">
+              <a:schemeClr val="accent1"/>
+            </a:lnRef>
+            <a:fillRef idx="0">
+              <a:schemeClr val="accent1"/>
+            </a:fillRef>
+            <a:effectRef idx="0">
+              <a:schemeClr val="accent1"/>
+            </a:effectRef>
+            <a:fontRef idx="minor">
+              <a:schemeClr val="tx1"/>
+            </a:fontRef>
+          </p:style>
+        </p:cxnSp>
       </p:grpSp>
-      <p:sp>
-        <p:nvSpPr>
-          <p:cNvPr id="26" name="사각형: 둥근 모서리 25">
-            <a:extLst>
-              <a:ext uri="{FF2B5EF4-FFF2-40B4-BE49-F238E27FC236}">
-                <a16:creationId xmlns:a16="http://schemas.microsoft.com/office/drawing/2014/main" id="{E95C71DC-3DAE-4BE3-B333-BA03C3FF760A}"/>
-              </a:ext>
-            </a:extLst>
-          </p:cNvPr>
-          <p:cNvSpPr/>
-          <p:nvPr/>
-        </p:nvSpPr>
-        <p:spPr>
-          <a:xfrm>
-            <a:off x="4650704" y="627534"/>
-            <a:ext cx="1728192" cy="432048"/>
-          </a:xfrm>
-          <a:prstGeom prst="roundRect">
-            <a:avLst/>
-          </a:prstGeom>
-        </p:spPr>
-        <p:style>
-          <a:lnRef idx="2">
-            <a:schemeClr val="dk1"/>
-          </a:lnRef>
-          <a:fillRef idx="1">
-            <a:schemeClr val="lt1"/>
-          </a:fillRef>
-          <a:effectRef idx="0">
-            <a:schemeClr val="dk1"/>
-          </a:effectRef>
-          <a:fontRef idx="minor">
-            <a:schemeClr val="dk1"/>
-          </a:fontRef>
-        </p:style>
-        <p:txBody>
-          <a:bodyPr rtlCol="0" anchor="ctr"/>
-          <a:lstStyle/>
-          <a:p>
-            <a:pPr algn="ctr"/>
-            <a:r>
-              <a:rPr lang="en-US" altLang="ko-KR" sz="1400" dirty="0"/>
-              <a:t>Producer B</a:t>
-            </a:r>
-            <a:endParaRPr lang="ko-KR" altLang="en-US" sz="1400" dirty="0"/>
-          </a:p>
-        </p:txBody>
-      </p:sp>
-      <p:sp>
-        <p:nvSpPr>
-          <p:cNvPr id="32" name="사각형: 둥근 모서리 31">
-            <a:extLst>
-              <a:ext uri="{FF2B5EF4-FFF2-40B4-BE49-F238E27FC236}">
-                <a16:creationId xmlns:a16="http://schemas.microsoft.com/office/drawing/2014/main" id="{CB4DDE75-056E-4249-BD12-0F81EF6C02B5}"/>
-              </a:ext>
-            </a:extLst>
-          </p:cNvPr>
-          <p:cNvSpPr/>
-          <p:nvPr/>
-        </p:nvSpPr>
-        <p:spPr>
-          <a:xfrm>
-            <a:off x="251520" y="4205953"/>
-            <a:ext cx="2052228" cy="886077"/>
-          </a:xfrm>
-          <a:prstGeom prst="roundRect">
-            <a:avLst/>
-          </a:prstGeom>
-        </p:spPr>
-        <p:style>
-          <a:lnRef idx="2">
-            <a:schemeClr val="dk1"/>
-          </a:lnRef>
-          <a:fillRef idx="1">
-            <a:schemeClr val="lt1"/>
-          </a:fillRef>
-          <a:effectRef idx="0">
-            <a:schemeClr val="dk1"/>
-          </a:effectRef>
-          <a:fontRef idx="minor">
-            <a:schemeClr val="dk1"/>
-          </a:fontRef>
-        </p:style>
-        <p:txBody>
-          <a:bodyPr rtlCol="0" anchor="b"/>
-          <a:lstStyle/>
-          <a:p>
-            <a:pPr algn="ctr"/>
-            <a:r>
-              <a:rPr lang="en-US" altLang="ko-KR" sz="1400" dirty="0"/>
-              <a:t>Consumer Group A</a:t>
-            </a:r>
-            <a:endParaRPr lang="ko-KR" altLang="en-US" sz="1400" dirty="0"/>
-          </a:p>
-        </p:txBody>
-      </p:sp>
-      <p:sp>
-        <p:nvSpPr>
-          <p:cNvPr id="28" name="사각형: 둥근 모서리 27">
-            <a:extLst>
-              <a:ext uri="{FF2B5EF4-FFF2-40B4-BE49-F238E27FC236}">
-                <a16:creationId xmlns:a16="http://schemas.microsoft.com/office/drawing/2014/main" id="{1FDAD9F0-B585-4776-8EFF-1B3B1CDDDF15}"/>
-              </a:ext>
-            </a:extLst>
-          </p:cNvPr>
-          <p:cNvSpPr/>
-          <p:nvPr/>
-        </p:nvSpPr>
-        <p:spPr>
-          <a:xfrm>
-            <a:off x="405678" y="4328164"/>
-            <a:ext cx="1743912" cy="413742"/>
-          </a:xfrm>
-          <a:prstGeom prst="roundRect">
-            <a:avLst/>
-          </a:prstGeom>
-        </p:spPr>
-        <p:style>
-          <a:lnRef idx="2">
-            <a:schemeClr val="dk1"/>
-          </a:lnRef>
-          <a:fillRef idx="1">
-            <a:schemeClr val="lt1"/>
-          </a:fillRef>
-          <a:effectRef idx="0">
-            <a:schemeClr val="dk1"/>
-          </a:effectRef>
-          <a:fontRef idx="minor">
-            <a:schemeClr val="dk1"/>
-          </a:fontRef>
-        </p:style>
-        <p:txBody>
-          <a:bodyPr rtlCol="0" anchor="ctr"/>
-          <a:lstStyle/>
-          <a:p>
-            <a:pPr algn="ctr"/>
-            <a:r>
-              <a:rPr lang="en-US" altLang="ko-KR" sz="1400" dirty="0"/>
-              <a:t>Consumer A</a:t>
-            </a:r>
-            <a:endParaRPr lang="ko-KR" altLang="en-US" sz="1400" dirty="0"/>
-          </a:p>
-        </p:txBody>
-      </p:sp>
-      <p:sp>
-        <p:nvSpPr>
-          <p:cNvPr id="37" name="사각형: 둥근 모서리 36">
-            <a:extLst>
-              <a:ext uri="{FF2B5EF4-FFF2-40B4-BE49-F238E27FC236}">
-                <a16:creationId xmlns:a16="http://schemas.microsoft.com/office/drawing/2014/main" id="{4EFA6A44-B3D5-43F1-BE2A-9B5BE681D580}"/>
-              </a:ext>
-            </a:extLst>
-          </p:cNvPr>
-          <p:cNvSpPr/>
-          <p:nvPr/>
-        </p:nvSpPr>
-        <p:spPr>
-          <a:xfrm>
-            <a:off x="2501770" y="4205953"/>
-            <a:ext cx="2052228" cy="886077"/>
-          </a:xfrm>
-          <a:prstGeom prst="roundRect">
-            <a:avLst/>
-          </a:prstGeom>
-        </p:spPr>
-        <p:style>
-          <a:lnRef idx="2">
-            <a:schemeClr val="dk1"/>
-          </a:lnRef>
-          <a:fillRef idx="1">
-            <a:schemeClr val="lt1"/>
-          </a:fillRef>
-          <a:effectRef idx="0">
-            <a:schemeClr val="dk1"/>
-          </a:effectRef>
-          <a:fontRef idx="minor">
-            <a:schemeClr val="dk1"/>
-          </a:fontRef>
-        </p:style>
-        <p:txBody>
-          <a:bodyPr rtlCol="0" anchor="b"/>
-          <a:lstStyle/>
-          <a:p>
-            <a:pPr algn="ctr"/>
-            <a:r>
-              <a:rPr lang="en-US" altLang="ko-KR" sz="1400" dirty="0"/>
-              <a:t>Consumer Group B</a:t>
-            </a:r>
-            <a:endParaRPr lang="ko-KR" altLang="en-US" sz="1400" dirty="0"/>
-          </a:p>
-        </p:txBody>
-      </p:sp>
-      <p:sp>
-        <p:nvSpPr>
-          <p:cNvPr id="38" name="사각형: 둥근 모서리 37">
-            <a:extLst>
-              <a:ext uri="{FF2B5EF4-FFF2-40B4-BE49-F238E27FC236}">
-                <a16:creationId xmlns:a16="http://schemas.microsoft.com/office/drawing/2014/main" id="{0D04AF20-0AE7-4278-A777-83004129ACF2}"/>
-              </a:ext>
-            </a:extLst>
-          </p:cNvPr>
-          <p:cNvSpPr/>
-          <p:nvPr/>
-        </p:nvSpPr>
-        <p:spPr>
-          <a:xfrm>
-            <a:off x="2655928" y="4328164"/>
-            <a:ext cx="1743912" cy="413742"/>
-          </a:xfrm>
-          <a:prstGeom prst="roundRect">
-            <a:avLst/>
-          </a:prstGeom>
-        </p:spPr>
-        <p:style>
-          <a:lnRef idx="2">
-            <a:schemeClr val="dk1"/>
-          </a:lnRef>
-          <a:fillRef idx="1">
-            <a:schemeClr val="lt1"/>
-          </a:fillRef>
-          <a:effectRef idx="0">
-            <a:schemeClr val="dk1"/>
-          </a:effectRef>
-          <a:fontRef idx="minor">
-            <a:schemeClr val="dk1"/>
-          </a:fontRef>
-        </p:style>
-        <p:txBody>
-          <a:bodyPr rtlCol="0" anchor="ctr"/>
-          <a:lstStyle/>
-          <a:p>
-            <a:pPr algn="ctr"/>
-            <a:r>
-              <a:rPr lang="en-US" altLang="ko-KR" sz="1400" dirty="0"/>
-              <a:t>Consumer B</a:t>
-            </a:r>
-            <a:endParaRPr lang="ko-KR" altLang="en-US" sz="1400" dirty="0"/>
-          </a:p>
-        </p:txBody>
-      </p:sp>
-      <p:sp>
-        <p:nvSpPr>
-          <p:cNvPr id="39" name="사각형: 둥근 모서리 38">
-            <a:extLst>
-              <a:ext uri="{FF2B5EF4-FFF2-40B4-BE49-F238E27FC236}">
-                <a16:creationId xmlns:a16="http://schemas.microsoft.com/office/drawing/2014/main" id="{5230FF1A-8A8B-461A-A6A7-E411A0A0385F}"/>
-              </a:ext>
-            </a:extLst>
-          </p:cNvPr>
-          <p:cNvSpPr/>
-          <p:nvPr/>
-        </p:nvSpPr>
-        <p:spPr>
-          <a:xfrm>
-            <a:off x="4752020" y="4205953"/>
-            <a:ext cx="3924436" cy="886077"/>
-          </a:xfrm>
-          <a:prstGeom prst="roundRect">
-            <a:avLst/>
-          </a:prstGeom>
-        </p:spPr>
-        <p:style>
-          <a:lnRef idx="2">
-            <a:schemeClr val="dk1"/>
-          </a:lnRef>
-          <a:fillRef idx="1">
-            <a:schemeClr val="lt1"/>
-          </a:fillRef>
-          <a:effectRef idx="0">
-            <a:schemeClr val="dk1"/>
-          </a:effectRef>
-          <a:fontRef idx="minor">
-            <a:schemeClr val="dk1"/>
-          </a:fontRef>
-        </p:style>
-        <p:txBody>
-          <a:bodyPr rtlCol="0" anchor="b"/>
-          <a:lstStyle/>
-          <a:p>
-            <a:pPr algn="ctr"/>
-            <a:r>
-              <a:rPr lang="en-US" altLang="ko-KR" sz="1400" dirty="0"/>
-              <a:t>Consumer Group C</a:t>
-            </a:r>
-            <a:endParaRPr lang="ko-KR" altLang="en-US" sz="1400" dirty="0"/>
-          </a:p>
-        </p:txBody>
-      </p:sp>
-      <p:sp>
-        <p:nvSpPr>
-          <p:cNvPr id="40" name="사각형: 둥근 모서리 39">
-            <a:extLst>
-              <a:ext uri="{FF2B5EF4-FFF2-40B4-BE49-F238E27FC236}">
-                <a16:creationId xmlns:a16="http://schemas.microsoft.com/office/drawing/2014/main" id="{8B9B68B6-E172-4ADF-93FA-97134AB47BF3}"/>
-              </a:ext>
-            </a:extLst>
-          </p:cNvPr>
-          <p:cNvSpPr/>
-          <p:nvPr/>
-        </p:nvSpPr>
-        <p:spPr>
-          <a:xfrm>
-            <a:off x="4906178" y="4328164"/>
-            <a:ext cx="1743912" cy="413742"/>
-          </a:xfrm>
-          <a:prstGeom prst="roundRect">
-            <a:avLst/>
-          </a:prstGeom>
-        </p:spPr>
-        <p:style>
-          <a:lnRef idx="2">
-            <a:schemeClr val="dk1"/>
-          </a:lnRef>
-          <a:fillRef idx="1">
-            <a:schemeClr val="lt1"/>
-          </a:fillRef>
-          <a:effectRef idx="0">
-            <a:schemeClr val="dk1"/>
-          </a:effectRef>
-          <a:fontRef idx="minor">
-            <a:schemeClr val="dk1"/>
-          </a:fontRef>
-        </p:style>
-        <p:txBody>
-          <a:bodyPr rtlCol="0" anchor="ctr"/>
-          <a:lstStyle/>
-          <a:p>
-            <a:pPr algn="ctr"/>
-            <a:r>
-              <a:rPr lang="en-US" altLang="ko-KR" sz="1400" dirty="0"/>
-              <a:t>Consumer C</a:t>
-            </a:r>
-            <a:endParaRPr lang="ko-KR" altLang="en-US" sz="1400" dirty="0"/>
-          </a:p>
-        </p:txBody>
-      </p:sp>
-      <p:sp>
-        <p:nvSpPr>
-          <p:cNvPr id="41" name="사각형: 둥근 모서리 40">
-            <a:extLst>
-              <a:ext uri="{FF2B5EF4-FFF2-40B4-BE49-F238E27FC236}">
-                <a16:creationId xmlns:a16="http://schemas.microsoft.com/office/drawing/2014/main" id="{C622663F-E44E-4474-90DF-2A71A36BD857}"/>
-              </a:ext>
-            </a:extLst>
-          </p:cNvPr>
-          <p:cNvSpPr/>
-          <p:nvPr/>
-        </p:nvSpPr>
-        <p:spPr>
-          <a:xfrm>
-            <a:off x="6804248" y="4328164"/>
-            <a:ext cx="1743912" cy="413742"/>
-          </a:xfrm>
-          <a:prstGeom prst="roundRect">
-            <a:avLst/>
-          </a:prstGeom>
-        </p:spPr>
-        <p:style>
-          <a:lnRef idx="2">
-            <a:schemeClr val="dk1"/>
-          </a:lnRef>
-          <a:fillRef idx="1">
-            <a:schemeClr val="lt1"/>
-          </a:fillRef>
-          <a:effectRef idx="0">
-            <a:schemeClr val="dk1"/>
-          </a:effectRef>
-          <a:fontRef idx="minor">
-            <a:schemeClr val="dk1"/>
-          </a:fontRef>
-        </p:style>
-        <p:txBody>
-          <a:bodyPr rtlCol="0" anchor="ctr"/>
-          <a:lstStyle/>
-          <a:p>
-            <a:pPr algn="ctr"/>
-            <a:r>
-              <a:rPr lang="en-US" altLang="ko-KR" sz="1400" dirty="0"/>
-              <a:t>Consumer D</a:t>
-            </a:r>
-            <a:endParaRPr lang="ko-KR" altLang="en-US" sz="1400" dirty="0"/>
-          </a:p>
-        </p:txBody>
-      </p:sp>
-      <p:cxnSp>
-        <p:nvCxnSpPr>
-          <p:cNvPr id="45" name="직선 화살표 연결선 44">
-            <a:extLst>
-              <a:ext uri="{FF2B5EF4-FFF2-40B4-BE49-F238E27FC236}">
-                <a16:creationId xmlns:a16="http://schemas.microsoft.com/office/drawing/2014/main" id="{D37954FE-ED75-4B04-B330-707801592D9F}"/>
-              </a:ext>
-            </a:extLst>
-          </p:cNvPr>
-          <p:cNvCxnSpPr>
-            <a:cxnSpLocks/>
-            <a:stCxn id="3" idx="2"/>
-            <a:endCxn id="13" idx="0"/>
-          </p:cNvCxnSpPr>
-          <p:nvPr/>
-        </p:nvCxnSpPr>
-        <p:spPr>
-          <a:xfrm flipH="1">
-            <a:off x="2411760" y="1059582"/>
-            <a:ext cx="1050812" cy="1141986"/>
-          </a:xfrm>
-          <a:prstGeom prst="straightConnector1">
-            <a:avLst/>
-          </a:prstGeom>
-          <a:ln w="19050">
-            <a:solidFill>
-              <a:schemeClr val="tx1"/>
-            </a:solidFill>
-            <a:headEnd type="none" w="med" len="med"/>
-            <a:tailEnd type="arrow" w="med" len="med"/>
-          </a:ln>
-        </p:spPr>
-        <p:style>
-          <a:lnRef idx="1">
-            <a:schemeClr val="accent1"/>
-          </a:lnRef>
-          <a:fillRef idx="0">
-            <a:schemeClr val="accent1"/>
-          </a:fillRef>
-          <a:effectRef idx="0">
-            <a:schemeClr val="accent1"/>
-          </a:effectRef>
-          <a:fontRef idx="minor">
-            <a:schemeClr val="tx1"/>
-          </a:fontRef>
-        </p:style>
-      </p:cxnSp>
-      <p:cxnSp>
-        <p:nvCxnSpPr>
-          <p:cNvPr id="46" name="직선 화살표 연결선 45">
-            <a:extLst>
-              <a:ext uri="{FF2B5EF4-FFF2-40B4-BE49-F238E27FC236}">
-                <a16:creationId xmlns:a16="http://schemas.microsoft.com/office/drawing/2014/main" id="{132C35FF-43F2-4928-AF4D-11225986EF96}"/>
-              </a:ext>
-            </a:extLst>
-          </p:cNvPr>
-          <p:cNvCxnSpPr>
-            <a:cxnSpLocks/>
-            <a:stCxn id="3" idx="2"/>
-            <a:endCxn id="19" idx="0"/>
-          </p:cNvCxnSpPr>
-          <p:nvPr/>
-        </p:nvCxnSpPr>
-        <p:spPr>
-          <a:xfrm>
-            <a:off x="3462572" y="1059582"/>
-            <a:ext cx="1001416" cy="1141986"/>
-          </a:xfrm>
-          <a:prstGeom prst="straightConnector1">
-            <a:avLst/>
-          </a:prstGeom>
-          <a:ln w="19050">
-            <a:solidFill>
-              <a:schemeClr val="tx1"/>
-            </a:solidFill>
-            <a:headEnd type="none" w="med" len="med"/>
-            <a:tailEnd type="arrow" w="med" len="med"/>
-          </a:ln>
-        </p:spPr>
-        <p:style>
-          <a:lnRef idx="1">
-            <a:schemeClr val="accent1"/>
-          </a:lnRef>
-          <a:fillRef idx="0">
-            <a:schemeClr val="accent1"/>
-          </a:fillRef>
-          <a:effectRef idx="0">
-            <a:schemeClr val="accent1"/>
-          </a:effectRef>
-          <a:fontRef idx="minor">
-            <a:schemeClr val="tx1"/>
-          </a:fontRef>
-        </p:style>
-      </p:cxnSp>
-      <p:cxnSp>
-        <p:nvCxnSpPr>
-          <p:cNvPr id="53" name="직선 화살표 연결선 52">
-            <a:extLst>
-              <a:ext uri="{FF2B5EF4-FFF2-40B4-BE49-F238E27FC236}">
-                <a16:creationId xmlns:a16="http://schemas.microsoft.com/office/drawing/2014/main" id="{DCAB02C9-3F14-4BCC-8B1D-445A946DFD7B}"/>
-              </a:ext>
-            </a:extLst>
-          </p:cNvPr>
-          <p:cNvCxnSpPr>
-            <a:cxnSpLocks/>
-            <a:stCxn id="26" idx="2"/>
-            <a:endCxn id="25" idx="0"/>
-          </p:cNvCxnSpPr>
-          <p:nvPr/>
-        </p:nvCxnSpPr>
-        <p:spPr>
-          <a:xfrm>
-            <a:off x="5514800" y="1059582"/>
-            <a:ext cx="1023372" cy="1660799"/>
-          </a:xfrm>
-          <a:prstGeom prst="straightConnector1">
-            <a:avLst/>
-          </a:prstGeom>
-          <a:ln w="19050">
-            <a:solidFill>
-              <a:schemeClr val="tx1"/>
-            </a:solidFill>
-            <a:headEnd type="none" w="med" len="med"/>
-            <a:tailEnd type="arrow" w="med" len="med"/>
-          </a:ln>
-        </p:spPr>
-        <p:style>
-          <a:lnRef idx="1">
-            <a:schemeClr val="accent1"/>
-          </a:lnRef>
-          <a:fillRef idx="0">
-            <a:schemeClr val="accent1"/>
-          </a:fillRef>
-          <a:effectRef idx="0">
-            <a:schemeClr val="accent1"/>
-          </a:effectRef>
-          <a:fontRef idx="minor">
-            <a:schemeClr val="tx1"/>
-          </a:fontRef>
-        </p:style>
-      </p:cxnSp>
-      <p:cxnSp>
-        <p:nvCxnSpPr>
-          <p:cNvPr id="97" name="직선 화살표 연결선 96">
-            <a:extLst>
-              <a:ext uri="{FF2B5EF4-FFF2-40B4-BE49-F238E27FC236}">
-                <a16:creationId xmlns:a16="http://schemas.microsoft.com/office/drawing/2014/main" id="{CE43D067-EFC5-4361-9604-E0A658584C58}"/>
-              </a:ext>
-            </a:extLst>
-          </p:cNvPr>
-          <p:cNvCxnSpPr>
-            <a:cxnSpLocks/>
-            <a:stCxn id="26" idx="2"/>
-            <a:endCxn id="23" idx="0"/>
-          </p:cNvCxnSpPr>
-          <p:nvPr/>
-        </p:nvCxnSpPr>
-        <p:spPr>
-          <a:xfrm>
-            <a:off x="5514800" y="1059582"/>
-            <a:ext cx="1023372" cy="2179612"/>
-          </a:xfrm>
-          <a:prstGeom prst="straightConnector1">
-            <a:avLst/>
-          </a:prstGeom>
-          <a:ln w="19050">
-            <a:solidFill>
-              <a:schemeClr val="tx1"/>
-            </a:solidFill>
-            <a:headEnd type="none" w="med" len="med"/>
-            <a:tailEnd type="arrow" w="med" len="med"/>
-          </a:ln>
-        </p:spPr>
-        <p:style>
-          <a:lnRef idx="1">
-            <a:schemeClr val="accent1"/>
-          </a:lnRef>
-          <a:fillRef idx="0">
-            <a:schemeClr val="accent1"/>
-          </a:fillRef>
-          <a:effectRef idx="0">
-            <a:schemeClr val="accent1"/>
-          </a:effectRef>
-          <a:fontRef idx="minor">
-            <a:schemeClr val="tx1"/>
-          </a:fontRef>
-        </p:style>
-      </p:cxnSp>
-      <p:cxnSp>
-        <p:nvCxnSpPr>
-          <p:cNvPr id="100" name="직선 화살표 연결선 99">
-            <a:extLst>
-              <a:ext uri="{FF2B5EF4-FFF2-40B4-BE49-F238E27FC236}">
-                <a16:creationId xmlns:a16="http://schemas.microsoft.com/office/drawing/2014/main" id="{B02BE40B-5F79-4FDF-B65E-130CE8274CB2}"/>
-              </a:ext>
-            </a:extLst>
-          </p:cNvPr>
-          <p:cNvCxnSpPr>
-            <a:cxnSpLocks/>
-            <a:stCxn id="23" idx="2"/>
-            <a:endCxn id="41" idx="0"/>
-          </p:cNvCxnSpPr>
-          <p:nvPr/>
-        </p:nvCxnSpPr>
-        <p:spPr>
-          <a:xfrm>
-            <a:off x="6538172" y="3609376"/>
-            <a:ext cx="1138032" cy="718788"/>
-          </a:xfrm>
-          <a:prstGeom prst="straightConnector1">
-            <a:avLst/>
-          </a:prstGeom>
-          <a:ln w="19050">
-            <a:solidFill>
-              <a:schemeClr val="tx1"/>
-            </a:solidFill>
-            <a:headEnd type="none" w="med" len="med"/>
-            <a:tailEnd type="arrow" w="med" len="med"/>
-          </a:ln>
-        </p:spPr>
-        <p:style>
-          <a:lnRef idx="1">
-            <a:schemeClr val="accent1"/>
-          </a:lnRef>
-          <a:fillRef idx="0">
-            <a:schemeClr val="accent1"/>
-          </a:fillRef>
-          <a:effectRef idx="0">
-            <a:schemeClr val="accent1"/>
-          </a:effectRef>
-          <a:fontRef idx="minor">
-            <a:schemeClr val="tx1"/>
-          </a:fontRef>
-        </p:style>
-      </p:cxnSp>
-      <p:cxnSp>
-        <p:nvCxnSpPr>
-          <p:cNvPr id="103" name="직선 화살표 연결선 102">
-            <a:extLst>
-              <a:ext uri="{FF2B5EF4-FFF2-40B4-BE49-F238E27FC236}">
-                <a16:creationId xmlns:a16="http://schemas.microsoft.com/office/drawing/2014/main" id="{1E58488C-3C29-47B9-A59C-03896480B5DB}"/>
-              </a:ext>
-            </a:extLst>
-          </p:cNvPr>
-          <p:cNvCxnSpPr>
-            <a:cxnSpLocks/>
-            <a:stCxn id="25" idx="2"/>
-            <a:endCxn id="41" idx="0"/>
-          </p:cNvCxnSpPr>
-          <p:nvPr/>
-        </p:nvCxnSpPr>
-        <p:spPr>
-          <a:xfrm>
-            <a:off x="6538172" y="3090563"/>
-            <a:ext cx="1138032" cy="1237601"/>
-          </a:xfrm>
-          <a:prstGeom prst="straightConnector1">
-            <a:avLst/>
-          </a:prstGeom>
-          <a:ln w="19050">
-            <a:solidFill>
-              <a:schemeClr val="tx1"/>
-            </a:solidFill>
-            <a:headEnd type="none" w="med" len="med"/>
-            <a:tailEnd type="arrow" w="med" len="med"/>
-          </a:ln>
-        </p:spPr>
-        <p:style>
-          <a:lnRef idx="1">
-            <a:schemeClr val="accent1"/>
-          </a:lnRef>
-          <a:fillRef idx="0">
-            <a:schemeClr val="accent1"/>
-          </a:fillRef>
-          <a:effectRef idx="0">
-            <a:schemeClr val="accent1"/>
-          </a:effectRef>
-          <a:fontRef idx="minor">
-            <a:schemeClr val="tx1"/>
-          </a:fontRef>
-        </p:style>
-      </p:cxnSp>
-      <p:cxnSp>
-        <p:nvCxnSpPr>
-          <p:cNvPr id="42" name="직선 화살표 연결선 41">
-            <a:extLst>
-              <a:ext uri="{FF2B5EF4-FFF2-40B4-BE49-F238E27FC236}">
-                <a16:creationId xmlns:a16="http://schemas.microsoft.com/office/drawing/2014/main" id="{D3FFE380-A151-4112-BCC2-A501527A5894}"/>
-              </a:ext>
-            </a:extLst>
-          </p:cNvPr>
-          <p:cNvCxnSpPr>
-            <a:cxnSpLocks/>
-            <a:stCxn id="14" idx="2"/>
-            <a:endCxn id="28" idx="0"/>
-          </p:cNvCxnSpPr>
-          <p:nvPr/>
-        </p:nvCxnSpPr>
-        <p:spPr>
-          <a:xfrm flipH="1">
-            <a:off x="1277634" y="3090563"/>
-            <a:ext cx="1134126" cy="1237601"/>
-          </a:xfrm>
-          <a:prstGeom prst="straightConnector1">
-            <a:avLst/>
-          </a:prstGeom>
-          <a:ln w="19050">
-            <a:solidFill>
-              <a:schemeClr val="tx1"/>
-            </a:solidFill>
-            <a:headEnd type="none" w="med" len="med"/>
-            <a:tailEnd type="arrow" w="med" len="med"/>
-          </a:ln>
-        </p:spPr>
-        <p:style>
-          <a:lnRef idx="1">
-            <a:schemeClr val="accent1"/>
-          </a:lnRef>
-          <a:fillRef idx="0">
-            <a:schemeClr val="accent1"/>
-          </a:fillRef>
-          <a:effectRef idx="0">
-            <a:schemeClr val="accent1"/>
-          </a:effectRef>
-          <a:fontRef idx="minor">
-            <a:schemeClr val="tx1"/>
-          </a:fontRef>
-        </p:style>
-      </p:cxnSp>
-      <p:cxnSp>
-        <p:nvCxnSpPr>
-          <p:cNvPr id="47" name="직선 화살표 연결선 46">
-            <a:extLst>
-              <a:ext uri="{FF2B5EF4-FFF2-40B4-BE49-F238E27FC236}">
-                <a16:creationId xmlns:a16="http://schemas.microsoft.com/office/drawing/2014/main" id="{1E1466B0-AD3A-4D87-8168-3ED31B40A844}"/>
-              </a:ext>
-            </a:extLst>
-          </p:cNvPr>
-          <p:cNvCxnSpPr>
-            <a:cxnSpLocks/>
-            <a:stCxn id="13" idx="2"/>
-            <a:endCxn id="28" idx="0"/>
-          </p:cNvCxnSpPr>
-          <p:nvPr/>
-        </p:nvCxnSpPr>
-        <p:spPr>
-          <a:xfrm flipH="1">
-            <a:off x="1277634" y="2571750"/>
-            <a:ext cx="1134126" cy="1756414"/>
-          </a:xfrm>
-          <a:prstGeom prst="straightConnector1">
-            <a:avLst/>
-          </a:prstGeom>
-          <a:ln w="19050">
-            <a:solidFill>
-              <a:schemeClr val="tx1"/>
-            </a:solidFill>
-            <a:headEnd type="none" w="med" len="med"/>
-            <a:tailEnd type="arrow" w="med" len="med"/>
-          </a:ln>
-        </p:spPr>
-        <p:style>
-          <a:lnRef idx="1">
-            <a:schemeClr val="accent1"/>
-          </a:lnRef>
-          <a:fillRef idx="0">
-            <a:schemeClr val="accent1"/>
-          </a:fillRef>
-          <a:effectRef idx="0">
-            <a:schemeClr val="accent1"/>
-          </a:effectRef>
-          <a:fontRef idx="minor">
-            <a:schemeClr val="tx1"/>
-          </a:fontRef>
-        </p:style>
-      </p:cxnSp>
-      <p:cxnSp>
-        <p:nvCxnSpPr>
-          <p:cNvPr id="48" name="직선 화살표 연결선 47">
-            <a:extLst>
-              <a:ext uri="{FF2B5EF4-FFF2-40B4-BE49-F238E27FC236}">
-                <a16:creationId xmlns:a16="http://schemas.microsoft.com/office/drawing/2014/main" id="{7FE3EABF-FDD9-4BF7-BF55-3A40EBCC6292}"/>
-              </a:ext>
-            </a:extLst>
-          </p:cNvPr>
-          <p:cNvCxnSpPr>
-            <a:cxnSpLocks/>
-            <a:stCxn id="19" idx="2"/>
-            <a:endCxn id="38" idx="0"/>
-          </p:cNvCxnSpPr>
-          <p:nvPr/>
-        </p:nvCxnSpPr>
-        <p:spPr>
-          <a:xfrm flipH="1">
-            <a:off x="3527884" y="2571750"/>
-            <a:ext cx="936104" cy="1756414"/>
-          </a:xfrm>
-          <a:prstGeom prst="straightConnector1">
-            <a:avLst/>
-          </a:prstGeom>
-          <a:ln w="19050">
-            <a:solidFill>
-              <a:schemeClr val="tx1"/>
-            </a:solidFill>
-            <a:headEnd type="none" w="med" len="med"/>
-            <a:tailEnd type="arrow" w="med" len="med"/>
-          </a:ln>
-        </p:spPr>
-        <p:style>
-          <a:lnRef idx="1">
-            <a:schemeClr val="accent1"/>
-          </a:lnRef>
-          <a:fillRef idx="0">
-            <a:schemeClr val="accent1"/>
-          </a:fillRef>
-          <a:effectRef idx="0">
-            <a:schemeClr val="accent1"/>
-          </a:effectRef>
-          <a:fontRef idx="minor">
-            <a:schemeClr val="tx1"/>
-          </a:fontRef>
-        </p:style>
-      </p:cxnSp>
-      <p:cxnSp>
-        <p:nvCxnSpPr>
-          <p:cNvPr id="54" name="직선 화살표 연결선 53">
-            <a:extLst>
-              <a:ext uri="{FF2B5EF4-FFF2-40B4-BE49-F238E27FC236}">
-                <a16:creationId xmlns:a16="http://schemas.microsoft.com/office/drawing/2014/main" id="{1C14E7C3-E3F0-4114-8328-52EC5812BB4F}"/>
-              </a:ext>
-            </a:extLst>
-          </p:cNvPr>
-          <p:cNvCxnSpPr>
-            <a:cxnSpLocks/>
-            <a:stCxn id="3" idx="2"/>
-            <a:endCxn id="14" idx="0"/>
-          </p:cNvCxnSpPr>
-          <p:nvPr/>
-        </p:nvCxnSpPr>
-        <p:spPr>
-          <a:xfrm flipH="1">
-            <a:off x="2411760" y="1059582"/>
-            <a:ext cx="1050812" cy="1660799"/>
-          </a:xfrm>
-          <a:prstGeom prst="straightConnector1">
-            <a:avLst/>
-          </a:prstGeom>
-          <a:ln w="19050">
-            <a:solidFill>
-              <a:schemeClr val="tx1"/>
-            </a:solidFill>
-            <a:headEnd type="none" w="med" len="med"/>
-            <a:tailEnd type="arrow" w="med" len="med"/>
-          </a:ln>
-        </p:spPr>
-        <p:style>
-          <a:lnRef idx="1">
-            <a:schemeClr val="accent1"/>
-          </a:lnRef>
-          <a:fillRef idx="0">
-            <a:schemeClr val="accent1"/>
-          </a:fillRef>
-          <a:effectRef idx="0">
-            <a:schemeClr val="accent1"/>
-          </a:effectRef>
-          <a:fontRef idx="minor">
-            <a:schemeClr val="tx1"/>
-          </a:fontRef>
-        </p:style>
-      </p:cxnSp>
-      <p:cxnSp>
-        <p:nvCxnSpPr>
-          <p:cNvPr id="60" name="직선 화살표 연결선 59">
-            <a:extLst>
-              <a:ext uri="{FF2B5EF4-FFF2-40B4-BE49-F238E27FC236}">
-                <a16:creationId xmlns:a16="http://schemas.microsoft.com/office/drawing/2014/main" id="{8E5603FF-361F-4F8C-86B9-B59035D725D6}"/>
-              </a:ext>
-            </a:extLst>
-          </p:cNvPr>
-          <p:cNvCxnSpPr>
-            <a:cxnSpLocks/>
-            <a:stCxn id="24" idx="2"/>
-            <a:endCxn id="40" idx="0"/>
-          </p:cNvCxnSpPr>
-          <p:nvPr/>
-        </p:nvCxnSpPr>
-        <p:spPr>
-          <a:xfrm flipH="1">
-            <a:off x="5778134" y="2571750"/>
-            <a:ext cx="760038" cy="1756414"/>
-          </a:xfrm>
-          <a:prstGeom prst="straightConnector1">
-            <a:avLst/>
-          </a:prstGeom>
-          <a:ln w="19050">
-            <a:solidFill>
-              <a:schemeClr val="tx1"/>
-            </a:solidFill>
-            <a:headEnd type="none" w="med" len="med"/>
-            <a:tailEnd type="arrow" w="med" len="med"/>
-          </a:ln>
-        </p:spPr>
-        <p:style>
-          <a:lnRef idx="1">
-            <a:schemeClr val="accent1"/>
-          </a:lnRef>
-          <a:fillRef idx="0">
-            <a:schemeClr val="accent1"/>
-          </a:fillRef>
-          <a:effectRef idx="0">
-            <a:schemeClr val="accent1"/>
-          </a:effectRef>
-          <a:fontRef idx="minor">
-            <a:schemeClr val="tx1"/>
-          </a:fontRef>
-        </p:style>
-      </p:cxnSp>
-      <p:cxnSp>
-        <p:nvCxnSpPr>
-          <p:cNvPr id="62" name="직선 화살표 연결선 61">
-            <a:extLst>
-              <a:ext uri="{FF2B5EF4-FFF2-40B4-BE49-F238E27FC236}">
-                <a16:creationId xmlns:a16="http://schemas.microsoft.com/office/drawing/2014/main" id="{1F0DA32C-7E98-4A65-82C7-439DE6A8B0B7}"/>
-              </a:ext>
-            </a:extLst>
-          </p:cNvPr>
-          <p:cNvCxnSpPr>
-            <a:cxnSpLocks/>
-            <a:stCxn id="26" idx="2"/>
-            <a:endCxn id="24" idx="0"/>
-          </p:cNvCxnSpPr>
-          <p:nvPr/>
-        </p:nvCxnSpPr>
-        <p:spPr>
-          <a:xfrm>
-            <a:off x="5514800" y="1059582"/>
-            <a:ext cx="1023372" cy="1141986"/>
-          </a:xfrm>
-          <a:prstGeom prst="straightConnector1">
-            <a:avLst/>
-          </a:prstGeom>
-          <a:ln w="19050">
-            <a:solidFill>
-              <a:schemeClr val="tx1"/>
-            </a:solidFill>
-            <a:headEnd type="none" w="med" len="med"/>
-            <a:tailEnd type="arrow" w="med" len="med"/>
-          </a:ln>
-        </p:spPr>
-        <p:style>
-          <a:lnRef idx="1">
-            <a:schemeClr val="accent1"/>
-          </a:lnRef>
-          <a:fillRef idx="0">
-            <a:schemeClr val="accent1"/>
-          </a:fillRef>
-          <a:effectRef idx="0">
-            <a:schemeClr val="accent1"/>
-          </a:effectRef>
-          <a:fontRef idx="minor">
-            <a:schemeClr val="tx1"/>
-          </a:fontRef>
-        </p:style>
-      </p:cxnSp>
     </p:spTree>
     <p:extLst>
       <p:ext uri="{BB962C8B-B14F-4D97-AF65-F5344CB8AC3E}">
@@ -6180,86 +6248,6 @@
       </p:grpSpPr>
       <p:sp>
         <p:nvSpPr>
-          <p:cNvPr id="2" name="제목 1"/>
-          <p:cNvSpPr>
-            <a:spLocks noGrp="1"/>
-          </p:cNvSpPr>
-          <p:nvPr>
-            <p:ph type="title"/>
-          </p:nvPr>
-        </p:nvSpPr>
-        <p:spPr>
-          <a:xfrm>
-            <a:off x="377332" y="-236562"/>
-            <a:ext cx="8229600" cy="857250"/>
-          </a:xfrm>
-        </p:spPr>
-        <p:txBody>
-          <a:bodyPr/>
-          <a:lstStyle/>
-          <a:p>
-            <a:r>
-              <a:rPr lang="en-US" altLang="ko-KR"/>
-              <a:t>Cluster</a:t>
-            </a:r>
-            <a:endParaRPr lang="ko-KR" altLang="en-US" dirty="0"/>
-          </a:p>
-        </p:txBody>
-      </p:sp>
-      <p:sp>
-        <p:nvSpPr>
-          <p:cNvPr id="6" name="사각형: 둥근 모서리 5">
-            <a:extLst>
-              <a:ext uri="{FF2B5EF4-FFF2-40B4-BE49-F238E27FC236}">
-                <a16:creationId xmlns:a16="http://schemas.microsoft.com/office/drawing/2014/main" id="{3A8D51E8-B583-4C30-AEAD-66076B895A5D}"/>
-              </a:ext>
-            </a:extLst>
-          </p:cNvPr>
-          <p:cNvSpPr/>
-          <p:nvPr/>
-        </p:nvSpPr>
-        <p:spPr>
-          <a:xfrm>
-            <a:off x="1387930" y="627534"/>
-            <a:ext cx="6208406" cy="4032448"/>
-          </a:xfrm>
-          <a:prstGeom prst="roundRect">
-            <a:avLst>
-              <a:gd name="adj" fmla="val 4353"/>
-            </a:avLst>
-          </a:prstGeom>
-          <a:ln>
-            <a:prstDash val="dash"/>
-          </a:ln>
-        </p:spPr>
-        <p:style>
-          <a:lnRef idx="2">
-            <a:schemeClr val="dk1"/>
-          </a:lnRef>
-          <a:fillRef idx="1">
-            <a:schemeClr val="lt1"/>
-          </a:fillRef>
-          <a:effectRef idx="0">
-            <a:schemeClr val="dk1"/>
-          </a:effectRef>
-          <a:fontRef idx="minor">
-            <a:schemeClr val="dk1"/>
-          </a:fontRef>
-        </p:style>
-        <p:txBody>
-          <a:bodyPr rtlCol="0" anchor="t"/>
-          <a:lstStyle/>
-          <a:p>
-            <a:r>
-              <a:rPr lang="en-US" altLang="ko-KR" sz="1400" dirty="0"/>
-              <a:t>Kafka Cluster</a:t>
-            </a:r>
-            <a:endParaRPr lang="ko-KR" altLang="en-US" sz="1400" dirty="0"/>
-          </a:p>
-        </p:txBody>
-      </p:sp>
-      <p:sp>
-        <p:nvSpPr>
           <p:cNvPr id="7" name="사각형: 둥근 모서리 6">
             <a:extLst>
               <a:ext uri="{FF2B5EF4-FFF2-40B4-BE49-F238E27FC236}">
@@ -6272,8 +6260,8 @@
         </p:nvSpPr>
         <p:spPr>
           <a:xfrm>
-            <a:off x="1547664" y="1059582"/>
-            <a:ext cx="1728192" cy="3456384"/>
+            <a:off x="1475656" y="483518"/>
+            <a:ext cx="1872208" cy="4104449"/>
           </a:xfrm>
           <a:prstGeom prst="roundRect">
             <a:avLst>
@@ -6314,10 +6302,10 @@
       </p:sp>
       <p:sp>
         <p:nvSpPr>
-          <p:cNvPr id="13" name="사각형: 둥근 모서리 12">
+          <p:cNvPr id="58" name="사각형: 둥근 모서리 57">
             <a:extLst>
               <a:ext uri="{FF2B5EF4-FFF2-40B4-BE49-F238E27FC236}">
-                <a16:creationId xmlns:a16="http://schemas.microsoft.com/office/drawing/2014/main" id="{22E7F032-13ED-4575-8F3C-092CC530ABC3}"/>
+                <a16:creationId xmlns:a16="http://schemas.microsoft.com/office/drawing/2014/main" id="{364F566C-AAA1-4C72-9FB2-52671A2E3589}"/>
               </a:ext>
             </a:extLst>
           </p:cNvPr>
@@ -6326,8 +6314,200 @@
         </p:nvSpPr>
         <p:spPr>
           <a:xfrm>
-            <a:off x="1691680" y="1193456"/>
-            <a:ext cx="1440160" cy="312162"/>
+            <a:off x="3563888" y="483518"/>
+            <a:ext cx="1872208" cy="4104449"/>
+          </a:xfrm>
+          <a:prstGeom prst="roundRect">
+            <a:avLst>
+              <a:gd name="adj" fmla="val 7489"/>
+            </a:avLst>
+          </a:prstGeom>
+        </p:spPr>
+        <p:style>
+          <a:lnRef idx="2">
+            <a:schemeClr val="dk1"/>
+          </a:lnRef>
+          <a:fillRef idx="1">
+            <a:schemeClr val="lt1"/>
+          </a:fillRef>
+          <a:effectRef idx="0">
+            <a:schemeClr val="dk1"/>
+          </a:effectRef>
+          <a:fontRef idx="minor">
+            <a:schemeClr val="dk1"/>
+          </a:fontRef>
+        </p:style>
+        <p:txBody>
+          <a:bodyPr rtlCol="0" anchor="b"/>
+          <a:lstStyle/>
+          <a:p>
+            <a:pPr algn="ctr"/>
+            <a:r>
+              <a:rPr lang="en-US" altLang="ko-KR" sz="1400"/>
+              <a:t>Server B</a:t>
+            </a:r>
+            <a:endParaRPr lang="ko-KR" altLang="en-US" sz="1400" dirty="0"/>
+          </a:p>
+        </p:txBody>
+      </p:sp>
+      <p:sp>
+        <p:nvSpPr>
+          <p:cNvPr id="67" name="사각형: 둥근 모서리 66">
+            <a:extLst>
+              <a:ext uri="{FF2B5EF4-FFF2-40B4-BE49-F238E27FC236}">
+                <a16:creationId xmlns:a16="http://schemas.microsoft.com/office/drawing/2014/main" id="{10A8E561-0D52-48A1-A8B6-9F42DD083DD7}"/>
+              </a:ext>
+            </a:extLst>
+          </p:cNvPr>
+          <p:cNvSpPr/>
+          <p:nvPr/>
+        </p:nvSpPr>
+        <p:spPr>
+          <a:xfrm>
+            <a:off x="5652120" y="483518"/>
+            <a:ext cx="1872208" cy="4104449"/>
+          </a:xfrm>
+          <a:prstGeom prst="roundRect">
+            <a:avLst>
+              <a:gd name="adj" fmla="val 7489"/>
+            </a:avLst>
+          </a:prstGeom>
+        </p:spPr>
+        <p:style>
+          <a:lnRef idx="2">
+            <a:schemeClr val="dk1"/>
+          </a:lnRef>
+          <a:fillRef idx="1">
+            <a:schemeClr val="lt1"/>
+          </a:fillRef>
+          <a:effectRef idx="0">
+            <a:schemeClr val="dk1"/>
+          </a:effectRef>
+          <a:fontRef idx="minor">
+            <a:schemeClr val="dk1"/>
+          </a:fontRef>
+        </p:style>
+        <p:txBody>
+          <a:bodyPr rtlCol="0" anchor="b"/>
+          <a:lstStyle/>
+          <a:p>
+            <a:pPr algn="ctr"/>
+            <a:r>
+              <a:rPr lang="en-US" altLang="ko-KR" sz="1400"/>
+              <a:t>Server </a:t>
+            </a:r>
+            <a:r>
+              <a:rPr lang="en-US" altLang="ko-KR" sz="1400" dirty="0"/>
+              <a:t>C</a:t>
+            </a:r>
+            <a:endParaRPr lang="ko-KR" altLang="en-US" sz="1400" dirty="0"/>
+          </a:p>
+        </p:txBody>
+      </p:sp>
+      <p:sp>
+        <p:nvSpPr>
+          <p:cNvPr id="2" name="제목 1"/>
+          <p:cNvSpPr>
+            <a:spLocks noGrp="1"/>
+          </p:cNvSpPr>
+          <p:nvPr>
+            <p:ph type="title"/>
+          </p:nvPr>
+        </p:nvSpPr>
+        <p:spPr>
+          <a:xfrm>
+            <a:off x="377332" y="-236562"/>
+            <a:ext cx="8229600" cy="857250"/>
+          </a:xfrm>
+        </p:spPr>
+        <p:txBody>
+          <a:bodyPr/>
+          <a:lstStyle/>
+          <a:p>
+            <a:r>
+              <a:rPr lang="en-US" altLang="ko-KR"/>
+              <a:t>Cluster</a:t>
+            </a:r>
+            <a:endParaRPr lang="ko-KR" altLang="en-US" dirty="0"/>
+          </a:p>
+        </p:txBody>
+      </p:sp>
+      <p:sp>
+        <p:nvSpPr>
+          <p:cNvPr id="44" name="사각형: 둥근 모서리 43">
+            <a:extLst>
+              <a:ext uri="{FF2B5EF4-FFF2-40B4-BE49-F238E27FC236}">
+                <a16:creationId xmlns:a16="http://schemas.microsoft.com/office/drawing/2014/main" id="{46680711-9222-475F-8F0D-50BD15568FE4}"/>
+              </a:ext>
+            </a:extLst>
+          </p:cNvPr>
+          <p:cNvSpPr/>
+          <p:nvPr/>
+        </p:nvSpPr>
+        <p:spPr>
+          <a:xfrm>
+            <a:off x="1691680" y="1793034"/>
+            <a:ext cx="1440160" cy="268948"/>
+          </a:xfrm>
+          <a:prstGeom prst="roundRect">
+            <a:avLst>
+              <a:gd name="adj" fmla="val 14105"/>
+            </a:avLst>
+          </a:prstGeom>
+          <a:solidFill>
+            <a:schemeClr val="accent1">
+              <a:lumMod val="20000"/>
+              <a:lumOff val="80000"/>
+            </a:schemeClr>
+          </a:solidFill>
+        </p:spPr>
+        <p:style>
+          <a:lnRef idx="2">
+            <a:schemeClr val="dk1"/>
+          </a:lnRef>
+          <a:fillRef idx="1">
+            <a:schemeClr val="lt1"/>
+          </a:fillRef>
+          <a:effectRef idx="0">
+            <a:schemeClr val="dk1"/>
+          </a:effectRef>
+          <a:fontRef idx="minor">
+            <a:schemeClr val="dk1"/>
+          </a:fontRef>
+        </p:style>
+        <p:txBody>
+          <a:bodyPr rtlCol="0" anchor="ctr"/>
+          <a:lstStyle/>
+          <a:p>
+            <a:pPr algn="ctr"/>
+            <a:r>
+              <a:rPr lang="en-US" altLang="ko-KR" sz="1100"/>
+              <a:t>Partition </a:t>
+            </a:r>
+            <a:r>
+              <a:rPr lang="en-US" altLang="ko-KR" sz="1100" dirty="0"/>
+              <a:t>0</a:t>
+            </a:r>
+            <a:endParaRPr lang="ko-KR" altLang="en-US" sz="1100" dirty="0"/>
+          </a:p>
+        </p:txBody>
+      </p:sp>
+      <p:sp>
+        <p:nvSpPr>
+          <p:cNvPr id="55" name="사각형: 둥근 모서리 54">
+            <a:extLst>
+              <a:ext uri="{FF2B5EF4-FFF2-40B4-BE49-F238E27FC236}">
+                <a16:creationId xmlns:a16="http://schemas.microsoft.com/office/drawing/2014/main" id="{9B510882-3AD7-4A8A-ACA7-B7996494A18E}"/>
+              </a:ext>
+            </a:extLst>
+          </p:cNvPr>
+          <p:cNvSpPr/>
+          <p:nvPr/>
+        </p:nvSpPr>
+        <p:spPr>
+          <a:xfrm>
+            <a:off x="1691680" y="2549562"/>
+            <a:ext cx="1440160" cy="268948"/>
           </a:xfrm>
           <a:prstGeom prst="roundRect">
             <a:avLst>
@@ -6362,13 +6542,6 @@
             <a:pPr algn="ctr"/>
             <a:r>
               <a:rPr lang="en-US" altLang="ko-KR" sz="1100"/>
-              <a:t>Topic A /</a:t>
-            </a:r>
-          </a:p>
-          <a:p>
-            <a:pPr algn="ctr"/>
-            <a:r>
-              <a:rPr lang="en-US" altLang="ko-KR" sz="1100"/>
               <a:t>Partition </a:t>
             </a:r>
             <a:r>
@@ -6381,10 +6554,10 @@
       </p:sp>
       <p:sp>
         <p:nvSpPr>
-          <p:cNvPr id="43" name="사각형: 둥근 모서리 42">
+          <p:cNvPr id="56" name="사각형: 둥근 모서리 55">
             <a:extLst>
               <a:ext uri="{FF2B5EF4-FFF2-40B4-BE49-F238E27FC236}">
-                <a16:creationId xmlns:a16="http://schemas.microsoft.com/office/drawing/2014/main" id="{1070DDBB-C45F-422E-861A-975578A329CC}"/>
+                <a16:creationId xmlns:a16="http://schemas.microsoft.com/office/drawing/2014/main" id="{F8EDAA14-A89A-489B-B003-40355A4D2500}"/>
               </a:ext>
             </a:extLst>
           </p:cNvPr>
@@ -6393,8 +6566,8 @@
         </p:nvSpPr>
         <p:spPr>
           <a:xfrm>
-            <a:off x="1691680" y="1618510"/>
-            <a:ext cx="1440160" cy="312162"/>
+            <a:off x="1691680" y="2915774"/>
+            <a:ext cx="1440160" cy="268948"/>
           </a:xfrm>
           <a:prstGeom prst="roundRect">
             <a:avLst>
@@ -6429,13 +6602,6 @@
             <a:pPr algn="ctr"/>
             <a:r>
               <a:rPr lang="en-US" altLang="ko-KR" sz="1100"/>
-              <a:t>Topic A /</a:t>
-            </a:r>
-          </a:p>
-          <a:p>
-            <a:pPr algn="ctr"/>
-            <a:r>
-              <a:rPr lang="en-US" altLang="ko-KR" sz="1100"/>
               <a:t>Partition </a:t>
             </a:r>
             <a:r>
@@ -6448,10 +6614,10 @@
       </p:sp>
       <p:sp>
         <p:nvSpPr>
-          <p:cNvPr id="44" name="사각형: 둥근 모서리 43">
+          <p:cNvPr id="57" name="사각형: 둥근 모서리 56">
             <a:extLst>
               <a:ext uri="{FF2B5EF4-FFF2-40B4-BE49-F238E27FC236}">
-                <a16:creationId xmlns:a16="http://schemas.microsoft.com/office/drawing/2014/main" id="{46680711-9222-475F-8F0D-50BD15568FE4}"/>
+                <a16:creationId xmlns:a16="http://schemas.microsoft.com/office/drawing/2014/main" id="{D0081DD2-33FA-46B1-8ABB-C5E63737BABF}"/>
               </a:ext>
             </a:extLst>
           </p:cNvPr>
@@ -6460,8 +6626,8 @@
         </p:nvSpPr>
         <p:spPr>
           <a:xfrm>
-            <a:off x="1691680" y="2043564"/>
-            <a:ext cx="1440160" cy="312162"/>
+            <a:off x="1691680" y="3281986"/>
+            <a:ext cx="1440160" cy="268948"/>
           </a:xfrm>
           <a:prstGeom prst="roundRect">
             <a:avLst>
@@ -6496,18 +6662,11 @@
             <a:pPr algn="ctr"/>
             <a:r>
               <a:rPr lang="en-US" altLang="ko-KR" sz="1100"/>
-              <a:t>Topic B /</a:t>
-            </a:r>
-          </a:p>
-          <a:p>
-            <a:pPr algn="ctr"/>
-            <a:r>
-              <a:rPr lang="en-US" altLang="ko-KR" sz="1100"/>
               <a:t>Partition </a:t>
             </a:r>
             <a:r>
               <a:rPr lang="en-US" altLang="ko-KR" sz="1100" dirty="0"/>
-              <a:t>0</a:t>
+              <a:t>2</a:t>
             </a:r>
             <a:endParaRPr lang="ko-KR" altLang="en-US" sz="1100" dirty="0"/>
           </a:p>
@@ -6515,10 +6674,10 @@
       </p:sp>
       <p:sp>
         <p:nvSpPr>
-          <p:cNvPr id="55" name="사각형: 둥근 모서리 54">
+          <p:cNvPr id="63" name="사각형: 둥근 모서리 62">
             <a:extLst>
               <a:ext uri="{FF2B5EF4-FFF2-40B4-BE49-F238E27FC236}">
-                <a16:creationId xmlns:a16="http://schemas.microsoft.com/office/drawing/2014/main" id="{9B510882-3AD7-4A8A-ACA7-B7996494A18E}"/>
+                <a16:creationId xmlns:a16="http://schemas.microsoft.com/office/drawing/2014/main" id="{1D930AF3-C251-4D74-827F-DC86C862B00C}"/>
               </a:ext>
             </a:extLst>
           </p:cNvPr>
@@ -6527,8 +6686,124 @@
         </p:nvSpPr>
         <p:spPr>
           <a:xfrm>
-            <a:off x="1691680" y="2466169"/>
-            <a:ext cx="1440160" cy="312162"/>
+            <a:off x="3779912" y="1793034"/>
+            <a:ext cx="1440160" cy="268948"/>
+          </a:xfrm>
+          <a:prstGeom prst="roundRect">
+            <a:avLst>
+              <a:gd name="adj" fmla="val 14105"/>
+            </a:avLst>
+          </a:prstGeom>
+          <a:solidFill>
+            <a:schemeClr val="accent1">
+              <a:lumMod val="20000"/>
+              <a:lumOff val="80000"/>
+            </a:schemeClr>
+          </a:solidFill>
+        </p:spPr>
+        <p:style>
+          <a:lnRef idx="2">
+            <a:schemeClr val="dk1"/>
+          </a:lnRef>
+          <a:fillRef idx="1">
+            <a:schemeClr val="lt1"/>
+          </a:fillRef>
+          <a:effectRef idx="0">
+            <a:schemeClr val="dk1"/>
+          </a:effectRef>
+          <a:fontRef idx="minor">
+            <a:schemeClr val="dk1"/>
+          </a:fontRef>
+        </p:style>
+        <p:txBody>
+          <a:bodyPr rtlCol="0" anchor="ctr"/>
+          <a:lstStyle/>
+          <a:p>
+            <a:pPr algn="ctr"/>
+            <a:r>
+              <a:rPr lang="en-US" altLang="ko-KR" sz="1100"/>
+              <a:t>Partition </a:t>
+            </a:r>
+            <a:r>
+              <a:rPr lang="en-US" altLang="ko-KR" sz="1100" dirty="0"/>
+              <a:t>0</a:t>
+            </a:r>
+            <a:endParaRPr lang="ko-KR" altLang="en-US" sz="1100" dirty="0"/>
+          </a:p>
+        </p:txBody>
+      </p:sp>
+      <p:sp>
+        <p:nvSpPr>
+          <p:cNvPr id="64" name="사각형: 둥근 모서리 63">
+            <a:extLst>
+              <a:ext uri="{FF2B5EF4-FFF2-40B4-BE49-F238E27FC236}">
+                <a16:creationId xmlns:a16="http://schemas.microsoft.com/office/drawing/2014/main" id="{C093F3AF-A4D5-42A7-93F0-6BCBA9A55EF7}"/>
+              </a:ext>
+            </a:extLst>
+          </p:cNvPr>
+          <p:cNvSpPr/>
+          <p:nvPr/>
+        </p:nvSpPr>
+        <p:spPr>
+          <a:xfrm>
+            <a:off x="3779912" y="2549562"/>
+            <a:ext cx="1440160" cy="268948"/>
+          </a:xfrm>
+          <a:prstGeom prst="roundRect">
+            <a:avLst>
+              <a:gd name="adj" fmla="val 14105"/>
+            </a:avLst>
+          </a:prstGeom>
+          <a:solidFill>
+            <a:schemeClr val="accent1">
+              <a:lumMod val="20000"/>
+              <a:lumOff val="80000"/>
+            </a:schemeClr>
+          </a:solidFill>
+        </p:spPr>
+        <p:style>
+          <a:lnRef idx="2">
+            <a:schemeClr val="dk1"/>
+          </a:lnRef>
+          <a:fillRef idx="1">
+            <a:schemeClr val="lt1"/>
+          </a:fillRef>
+          <a:effectRef idx="0">
+            <a:schemeClr val="dk1"/>
+          </a:effectRef>
+          <a:fontRef idx="minor">
+            <a:schemeClr val="dk1"/>
+          </a:fontRef>
+        </p:style>
+        <p:txBody>
+          <a:bodyPr rtlCol="0" anchor="ctr"/>
+          <a:lstStyle/>
+          <a:p>
+            <a:pPr algn="ctr"/>
+            <a:r>
+              <a:rPr lang="en-US" altLang="ko-KR" sz="1100"/>
+              <a:t>Partition 0</a:t>
+            </a:r>
+            <a:endParaRPr lang="ko-KR" altLang="en-US" sz="1100" dirty="0"/>
+          </a:p>
+        </p:txBody>
+      </p:sp>
+      <p:sp>
+        <p:nvSpPr>
+          <p:cNvPr id="65" name="사각형: 둥근 모서리 64">
+            <a:extLst>
+              <a:ext uri="{FF2B5EF4-FFF2-40B4-BE49-F238E27FC236}">
+                <a16:creationId xmlns:a16="http://schemas.microsoft.com/office/drawing/2014/main" id="{CE7BAF05-2759-4F3B-9CFD-1F237A1F8B70}"/>
+              </a:ext>
+            </a:extLst>
+          </p:cNvPr>
+          <p:cNvSpPr/>
+          <p:nvPr/>
+        </p:nvSpPr>
+        <p:spPr>
+          <a:xfrm>
+            <a:off x="3779912" y="2915774"/>
+            <a:ext cx="1440160" cy="268948"/>
           </a:xfrm>
           <a:prstGeom prst="roundRect">
             <a:avLst>
@@ -6563,18 +6838,7 @@
             <a:pPr algn="ctr"/>
             <a:r>
               <a:rPr lang="en-US" altLang="ko-KR" sz="1100"/>
-              <a:t>Topic C /</a:t>
-            </a:r>
-          </a:p>
-          <a:p>
-            <a:pPr algn="ctr"/>
-            <a:r>
-              <a:rPr lang="en-US" altLang="ko-KR" sz="1100"/>
-              <a:t>Partition </a:t>
-            </a:r>
-            <a:r>
-              <a:rPr lang="en-US" altLang="ko-KR" sz="1100" dirty="0"/>
-              <a:t>0</a:t>
+              <a:t>Partition 1</a:t>
             </a:r>
             <a:endParaRPr lang="ko-KR" altLang="en-US" sz="1100" dirty="0"/>
           </a:p>
@@ -6582,10 +6846,10 @@
       </p:sp>
       <p:sp>
         <p:nvSpPr>
-          <p:cNvPr id="56" name="사각형: 둥근 모서리 55">
+          <p:cNvPr id="66" name="사각형: 둥근 모서리 65">
             <a:extLst>
               <a:ext uri="{FF2B5EF4-FFF2-40B4-BE49-F238E27FC236}">
-                <a16:creationId xmlns:a16="http://schemas.microsoft.com/office/drawing/2014/main" id="{F8EDAA14-A89A-489B-B003-40355A4D2500}"/>
+                <a16:creationId xmlns:a16="http://schemas.microsoft.com/office/drawing/2014/main" id="{1CA0F0DF-F771-45A7-AE6F-EA0C6999E419}"/>
               </a:ext>
             </a:extLst>
           </p:cNvPr>
@@ -6594,8 +6858,8 @@
         </p:nvSpPr>
         <p:spPr>
           <a:xfrm>
-            <a:off x="1691680" y="2891223"/>
-            <a:ext cx="1440160" cy="312162"/>
+            <a:off x="3779912" y="3281986"/>
+            <a:ext cx="1440160" cy="268948"/>
           </a:xfrm>
           <a:prstGeom prst="roundRect">
             <a:avLst>
@@ -6630,18 +6894,11 @@
             <a:pPr algn="ctr"/>
             <a:r>
               <a:rPr lang="en-US" altLang="ko-KR" sz="1100"/>
-              <a:t>Topic C /</a:t>
-            </a:r>
-          </a:p>
-          <a:p>
-            <a:pPr algn="ctr"/>
-            <a:r>
-              <a:rPr lang="en-US" altLang="ko-KR" sz="1100"/>
               <a:t>Partition </a:t>
             </a:r>
             <a:r>
               <a:rPr lang="en-US" altLang="ko-KR" sz="1100" dirty="0"/>
-              <a:t>1</a:t>
+              <a:t>2</a:t>
             </a:r>
             <a:endParaRPr lang="ko-KR" altLang="en-US" sz="1100" dirty="0"/>
           </a:p>
@@ -6649,10 +6906,10 @@
       </p:sp>
       <p:sp>
         <p:nvSpPr>
-          <p:cNvPr id="57" name="사각형: 둥근 모서리 56">
+          <p:cNvPr id="70" name="사각형: 둥근 모서리 69">
             <a:extLst>
               <a:ext uri="{FF2B5EF4-FFF2-40B4-BE49-F238E27FC236}">
-                <a16:creationId xmlns:a16="http://schemas.microsoft.com/office/drawing/2014/main" id="{D0081DD2-33FA-46B1-8ABB-C5E63737BABF}"/>
+                <a16:creationId xmlns:a16="http://schemas.microsoft.com/office/drawing/2014/main" id="{84D930EB-BC46-471C-A7B6-A6B0BC36B737}"/>
               </a:ext>
             </a:extLst>
           </p:cNvPr>
@@ -6661,8 +6918,68 @@
         </p:nvSpPr>
         <p:spPr>
           <a:xfrm>
-            <a:off x="1691680" y="3316277"/>
-            <a:ext cx="1440160" cy="312162"/>
+            <a:off x="5868144" y="1793034"/>
+            <a:ext cx="1440160" cy="268948"/>
+          </a:xfrm>
+          <a:prstGeom prst="roundRect">
+            <a:avLst>
+              <a:gd name="adj" fmla="val 14105"/>
+            </a:avLst>
+          </a:prstGeom>
+          <a:solidFill>
+            <a:schemeClr val="accent2">
+              <a:lumMod val="20000"/>
+              <a:lumOff val="80000"/>
+            </a:schemeClr>
+          </a:solidFill>
+        </p:spPr>
+        <p:style>
+          <a:lnRef idx="2">
+            <a:schemeClr val="dk1"/>
+          </a:lnRef>
+          <a:fillRef idx="1">
+            <a:schemeClr val="lt1"/>
+          </a:fillRef>
+          <a:effectRef idx="0">
+            <a:schemeClr val="dk1"/>
+          </a:effectRef>
+          <a:fontRef idx="minor">
+            <a:schemeClr val="dk1"/>
+          </a:fontRef>
+        </p:style>
+        <p:txBody>
+          <a:bodyPr rtlCol="0" anchor="ctr"/>
+          <a:lstStyle/>
+          <a:p>
+            <a:pPr algn="ctr"/>
+            <a:r>
+              <a:rPr lang="en-US" altLang="ko-KR" sz="1100"/>
+              <a:t>Partition </a:t>
+            </a:r>
+            <a:r>
+              <a:rPr lang="en-US" altLang="ko-KR" sz="1100" dirty="0"/>
+              <a:t>0</a:t>
+            </a:r>
+            <a:endParaRPr lang="ko-KR" altLang="en-US" sz="1100" dirty="0"/>
+          </a:p>
+        </p:txBody>
+      </p:sp>
+      <p:sp>
+        <p:nvSpPr>
+          <p:cNvPr id="71" name="사각형: 둥근 모서리 70">
+            <a:extLst>
+              <a:ext uri="{FF2B5EF4-FFF2-40B4-BE49-F238E27FC236}">
+                <a16:creationId xmlns:a16="http://schemas.microsoft.com/office/drawing/2014/main" id="{8CB55B9F-1769-4742-9626-EA91B55F9CD0}"/>
+              </a:ext>
+            </a:extLst>
+          </p:cNvPr>
+          <p:cNvSpPr/>
+          <p:nvPr/>
+        </p:nvSpPr>
+        <p:spPr>
+          <a:xfrm>
+            <a:off x="5868144" y="2549562"/>
+            <a:ext cx="1440160" cy="268948"/>
           </a:xfrm>
           <a:prstGeom prst="roundRect">
             <a:avLst>
@@ -6697,18 +7014,7 @@
             <a:pPr algn="ctr"/>
             <a:r>
               <a:rPr lang="en-US" altLang="ko-KR" sz="1100"/>
-              <a:t>Topic C /</a:t>
-            </a:r>
-          </a:p>
-          <a:p>
-            <a:pPr algn="ctr"/>
-            <a:r>
-              <a:rPr lang="en-US" altLang="ko-KR" sz="1100"/>
-              <a:t>Partition </a:t>
-            </a:r>
-            <a:r>
-              <a:rPr lang="en-US" altLang="ko-KR" sz="1100" dirty="0"/>
-              <a:t>2</a:t>
+              <a:t>Partition 0</a:t>
             </a:r>
             <a:endParaRPr lang="ko-KR" altLang="en-US" sz="1100" dirty="0"/>
           </a:p>
@@ -6716,10 +7022,10 @@
       </p:sp>
       <p:sp>
         <p:nvSpPr>
-          <p:cNvPr id="58" name="사각형: 둥근 모서리 57">
+          <p:cNvPr id="72" name="사각형: 둥근 모서리 71">
             <a:extLst>
               <a:ext uri="{FF2B5EF4-FFF2-40B4-BE49-F238E27FC236}">
-                <a16:creationId xmlns:a16="http://schemas.microsoft.com/office/drawing/2014/main" id="{364F566C-AAA1-4C72-9FB2-52671A2E3589}"/>
+                <a16:creationId xmlns:a16="http://schemas.microsoft.com/office/drawing/2014/main" id="{E617FFBB-A175-4D87-8F62-AFE2F1679458}"/>
               </a:ext>
             </a:extLst>
           </p:cNvPr>
@@ -6728,62 +7034,8 @@
         </p:nvSpPr>
         <p:spPr>
           <a:xfrm>
-            <a:off x="3635896" y="1059582"/>
-            <a:ext cx="1728192" cy="3456384"/>
-          </a:xfrm>
-          <a:prstGeom prst="roundRect">
-            <a:avLst>
-              <a:gd name="adj" fmla="val 7489"/>
-            </a:avLst>
-          </a:prstGeom>
-        </p:spPr>
-        <p:style>
-          <a:lnRef idx="2">
-            <a:schemeClr val="dk1"/>
-          </a:lnRef>
-          <a:fillRef idx="1">
-            <a:schemeClr val="lt1"/>
-          </a:fillRef>
-          <a:effectRef idx="0">
-            <a:schemeClr val="dk1"/>
-          </a:effectRef>
-          <a:fontRef idx="minor">
-            <a:schemeClr val="dk1"/>
-          </a:fontRef>
-        </p:style>
-        <p:txBody>
-          <a:bodyPr rtlCol="0" anchor="b"/>
-          <a:lstStyle/>
-          <a:p>
-            <a:pPr algn="ctr"/>
-            <a:r>
-              <a:rPr lang="en-US" altLang="ko-KR" sz="1400"/>
-              <a:t>Server </a:t>
-            </a:r>
-            <a:r>
-              <a:rPr lang="en-US" altLang="ko-KR" sz="1400" dirty="0"/>
-              <a:t>B</a:t>
-            </a:r>
-            <a:endParaRPr lang="ko-KR" altLang="en-US" sz="1400" dirty="0"/>
-          </a:p>
-        </p:txBody>
-      </p:sp>
-      <p:sp>
-        <p:nvSpPr>
-          <p:cNvPr id="59" name="사각형: 둥근 모서리 58">
-            <a:extLst>
-              <a:ext uri="{FF2B5EF4-FFF2-40B4-BE49-F238E27FC236}">
-                <a16:creationId xmlns:a16="http://schemas.microsoft.com/office/drawing/2014/main" id="{864C36CA-B2B1-4C62-84BC-8CE2E6415074}"/>
-              </a:ext>
-            </a:extLst>
-          </p:cNvPr>
-          <p:cNvSpPr/>
-          <p:nvPr/>
-        </p:nvSpPr>
-        <p:spPr>
-          <a:xfrm>
-            <a:off x="3779912" y="1193456"/>
-            <a:ext cx="1440160" cy="312162"/>
+            <a:off x="5868144" y="2915774"/>
+            <a:ext cx="1440160" cy="268948"/>
           </a:xfrm>
           <a:prstGeom prst="roundRect">
             <a:avLst>
@@ -6818,18 +7070,11 @@
             <a:pPr algn="ctr"/>
             <a:r>
               <a:rPr lang="en-US" altLang="ko-KR" sz="1100"/>
-              <a:t>Topic A /</a:t>
-            </a:r>
-          </a:p>
-          <a:p>
-            <a:pPr algn="ctr"/>
-            <a:r>
-              <a:rPr lang="en-US" altLang="ko-KR" sz="1100"/>
               <a:t>Partition </a:t>
             </a:r>
             <a:r>
               <a:rPr lang="en-US" altLang="ko-KR" sz="1100" dirty="0"/>
-              <a:t>0</a:t>
+              <a:t>1</a:t>
             </a:r>
             <a:endParaRPr lang="ko-KR" altLang="en-US" sz="1100" dirty="0"/>
           </a:p>
@@ -6837,10 +7082,10 @@
       </p:sp>
       <p:sp>
         <p:nvSpPr>
-          <p:cNvPr id="61" name="사각형: 둥근 모서리 60">
+          <p:cNvPr id="73" name="사각형: 둥근 모서리 72">
             <a:extLst>
               <a:ext uri="{FF2B5EF4-FFF2-40B4-BE49-F238E27FC236}">
-                <a16:creationId xmlns:a16="http://schemas.microsoft.com/office/drawing/2014/main" id="{8847AFD1-B7E6-4B29-BB80-578C46B9A5AC}"/>
+                <a16:creationId xmlns:a16="http://schemas.microsoft.com/office/drawing/2014/main" id="{050D8438-7982-4C6D-A88B-7801CD2300FE}"/>
               </a:ext>
             </a:extLst>
           </p:cNvPr>
@@ -6849,8 +7094,8 @@
         </p:nvSpPr>
         <p:spPr>
           <a:xfrm>
-            <a:off x="3779912" y="1618510"/>
-            <a:ext cx="1440160" cy="312162"/>
+            <a:off x="5868144" y="3281986"/>
+            <a:ext cx="1440160" cy="268948"/>
           </a:xfrm>
           <a:prstGeom prst="roundRect">
             <a:avLst>
@@ -6885,737 +7130,6 @@
             <a:pPr algn="ctr"/>
             <a:r>
               <a:rPr lang="en-US" altLang="ko-KR" sz="1100"/>
-              <a:t>Topic A /</a:t>
-            </a:r>
-          </a:p>
-          <a:p>
-            <a:pPr algn="ctr"/>
-            <a:r>
-              <a:rPr lang="en-US" altLang="ko-KR" sz="1100"/>
-              <a:t>Partition </a:t>
-            </a:r>
-            <a:r>
-              <a:rPr lang="en-US" altLang="ko-KR" sz="1100" dirty="0"/>
-              <a:t>1</a:t>
-            </a:r>
-            <a:endParaRPr lang="ko-KR" altLang="en-US" sz="1100" dirty="0"/>
-          </a:p>
-        </p:txBody>
-      </p:sp>
-      <p:sp>
-        <p:nvSpPr>
-          <p:cNvPr id="63" name="사각형: 둥근 모서리 62">
-            <a:extLst>
-              <a:ext uri="{FF2B5EF4-FFF2-40B4-BE49-F238E27FC236}">
-                <a16:creationId xmlns:a16="http://schemas.microsoft.com/office/drawing/2014/main" id="{1D930AF3-C251-4D74-827F-DC86C862B00C}"/>
-              </a:ext>
-            </a:extLst>
-          </p:cNvPr>
-          <p:cNvSpPr/>
-          <p:nvPr/>
-        </p:nvSpPr>
-        <p:spPr>
-          <a:xfrm>
-            <a:off x="3779912" y="2043564"/>
-            <a:ext cx="1440160" cy="312162"/>
-          </a:xfrm>
-          <a:prstGeom prst="roundRect">
-            <a:avLst>
-              <a:gd name="adj" fmla="val 14105"/>
-            </a:avLst>
-          </a:prstGeom>
-          <a:solidFill>
-            <a:schemeClr val="accent1">
-              <a:lumMod val="20000"/>
-              <a:lumOff val="80000"/>
-            </a:schemeClr>
-          </a:solidFill>
-        </p:spPr>
-        <p:style>
-          <a:lnRef idx="2">
-            <a:schemeClr val="dk1"/>
-          </a:lnRef>
-          <a:fillRef idx="1">
-            <a:schemeClr val="lt1"/>
-          </a:fillRef>
-          <a:effectRef idx="0">
-            <a:schemeClr val="dk1"/>
-          </a:effectRef>
-          <a:fontRef idx="minor">
-            <a:schemeClr val="dk1"/>
-          </a:fontRef>
-        </p:style>
-        <p:txBody>
-          <a:bodyPr rtlCol="0" anchor="ctr"/>
-          <a:lstStyle/>
-          <a:p>
-            <a:pPr algn="ctr"/>
-            <a:r>
-              <a:rPr lang="en-US" altLang="ko-KR" sz="1100"/>
-              <a:t>Topic B /</a:t>
-            </a:r>
-          </a:p>
-          <a:p>
-            <a:pPr algn="ctr"/>
-            <a:r>
-              <a:rPr lang="en-US" altLang="ko-KR" sz="1100"/>
-              <a:t>Partition </a:t>
-            </a:r>
-            <a:r>
-              <a:rPr lang="en-US" altLang="ko-KR" sz="1100" dirty="0"/>
-              <a:t>0</a:t>
-            </a:r>
-            <a:endParaRPr lang="ko-KR" altLang="en-US" sz="1100" dirty="0"/>
-          </a:p>
-        </p:txBody>
-      </p:sp>
-      <p:sp>
-        <p:nvSpPr>
-          <p:cNvPr id="64" name="사각형: 둥근 모서리 63">
-            <a:extLst>
-              <a:ext uri="{FF2B5EF4-FFF2-40B4-BE49-F238E27FC236}">
-                <a16:creationId xmlns:a16="http://schemas.microsoft.com/office/drawing/2014/main" id="{C093F3AF-A4D5-42A7-93F0-6BCBA9A55EF7}"/>
-              </a:ext>
-            </a:extLst>
-          </p:cNvPr>
-          <p:cNvSpPr/>
-          <p:nvPr/>
-        </p:nvSpPr>
-        <p:spPr>
-          <a:xfrm>
-            <a:off x="3779912" y="2466169"/>
-            <a:ext cx="1440160" cy="312162"/>
-          </a:xfrm>
-          <a:prstGeom prst="roundRect">
-            <a:avLst>
-              <a:gd name="adj" fmla="val 14105"/>
-            </a:avLst>
-          </a:prstGeom>
-          <a:solidFill>
-            <a:schemeClr val="accent1">
-              <a:lumMod val="20000"/>
-              <a:lumOff val="80000"/>
-            </a:schemeClr>
-          </a:solidFill>
-        </p:spPr>
-        <p:style>
-          <a:lnRef idx="2">
-            <a:schemeClr val="dk1"/>
-          </a:lnRef>
-          <a:fillRef idx="1">
-            <a:schemeClr val="lt1"/>
-          </a:fillRef>
-          <a:effectRef idx="0">
-            <a:schemeClr val="dk1"/>
-          </a:effectRef>
-          <a:fontRef idx="minor">
-            <a:schemeClr val="dk1"/>
-          </a:fontRef>
-        </p:style>
-        <p:txBody>
-          <a:bodyPr rtlCol="0" anchor="ctr"/>
-          <a:lstStyle/>
-          <a:p>
-            <a:pPr algn="ctr"/>
-            <a:r>
-              <a:rPr lang="en-US" altLang="ko-KR" sz="1100"/>
-              <a:t>Topic C /</a:t>
-            </a:r>
-          </a:p>
-          <a:p>
-            <a:pPr algn="ctr"/>
-            <a:r>
-              <a:rPr lang="en-US" altLang="ko-KR" sz="1100"/>
-              <a:t>Partition </a:t>
-            </a:r>
-            <a:r>
-              <a:rPr lang="en-US" altLang="ko-KR" sz="1100" dirty="0"/>
-              <a:t>0</a:t>
-            </a:r>
-            <a:endParaRPr lang="ko-KR" altLang="en-US" sz="1100" dirty="0"/>
-          </a:p>
-        </p:txBody>
-      </p:sp>
-      <p:sp>
-        <p:nvSpPr>
-          <p:cNvPr id="65" name="사각형: 둥근 모서리 64">
-            <a:extLst>
-              <a:ext uri="{FF2B5EF4-FFF2-40B4-BE49-F238E27FC236}">
-                <a16:creationId xmlns:a16="http://schemas.microsoft.com/office/drawing/2014/main" id="{CE7BAF05-2759-4F3B-9CFD-1F237A1F8B70}"/>
-              </a:ext>
-            </a:extLst>
-          </p:cNvPr>
-          <p:cNvSpPr/>
-          <p:nvPr/>
-        </p:nvSpPr>
-        <p:spPr>
-          <a:xfrm>
-            <a:off x="3779912" y="2891223"/>
-            <a:ext cx="1440160" cy="312162"/>
-          </a:xfrm>
-          <a:prstGeom prst="roundRect">
-            <a:avLst>
-              <a:gd name="adj" fmla="val 14105"/>
-            </a:avLst>
-          </a:prstGeom>
-          <a:solidFill>
-            <a:schemeClr val="accent2">
-              <a:lumMod val="20000"/>
-              <a:lumOff val="80000"/>
-            </a:schemeClr>
-          </a:solidFill>
-        </p:spPr>
-        <p:style>
-          <a:lnRef idx="2">
-            <a:schemeClr val="dk1"/>
-          </a:lnRef>
-          <a:fillRef idx="1">
-            <a:schemeClr val="lt1"/>
-          </a:fillRef>
-          <a:effectRef idx="0">
-            <a:schemeClr val="dk1"/>
-          </a:effectRef>
-          <a:fontRef idx="minor">
-            <a:schemeClr val="dk1"/>
-          </a:fontRef>
-        </p:style>
-        <p:txBody>
-          <a:bodyPr rtlCol="0" anchor="ctr"/>
-          <a:lstStyle/>
-          <a:p>
-            <a:pPr algn="ctr"/>
-            <a:r>
-              <a:rPr lang="en-US" altLang="ko-KR" sz="1100"/>
-              <a:t>Topic C /</a:t>
-            </a:r>
-          </a:p>
-          <a:p>
-            <a:pPr algn="ctr"/>
-            <a:r>
-              <a:rPr lang="en-US" altLang="ko-KR" sz="1100"/>
-              <a:t>Partition </a:t>
-            </a:r>
-            <a:r>
-              <a:rPr lang="en-US" altLang="ko-KR" sz="1100" dirty="0"/>
-              <a:t>1</a:t>
-            </a:r>
-            <a:endParaRPr lang="ko-KR" altLang="en-US" sz="1100" dirty="0"/>
-          </a:p>
-        </p:txBody>
-      </p:sp>
-      <p:sp>
-        <p:nvSpPr>
-          <p:cNvPr id="66" name="사각형: 둥근 모서리 65">
-            <a:extLst>
-              <a:ext uri="{FF2B5EF4-FFF2-40B4-BE49-F238E27FC236}">
-                <a16:creationId xmlns:a16="http://schemas.microsoft.com/office/drawing/2014/main" id="{1CA0F0DF-F771-45A7-AE6F-EA0C6999E419}"/>
-              </a:ext>
-            </a:extLst>
-          </p:cNvPr>
-          <p:cNvSpPr/>
-          <p:nvPr/>
-        </p:nvSpPr>
-        <p:spPr>
-          <a:xfrm>
-            <a:off x="3779912" y="3316277"/>
-            <a:ext cx="1440160" cy="312162"/>
-          </a:xfrm>
-          <a:prstGeom prst="roundRect">
-            <a:avLst>
-              <a:gd name="adj" fmla="val 14105"/>
-            </a:avLst>
-          </a:prstGeom>
-          <a:solidFill>
-            <a:schemeClr val="accent1">
-              <a:lumMod val="20000"/>
-              <a:lumOff val="80000"/>
-            </a:schemeClr>
-          </a:solidFill>
-        </p:spPr>
-        <p:style>
-          <a:lnRef idx="2">
-            <a:schemeClr val="dk1"/>
-          </a:lnRef>
-          <a:fillRef idx="1">
-            <a:schemeClr val="lt1"/>
-          </a:fillRef>
-          <a:effectRef idx="0">
-            <a:schemeClr val="dk1"/>
-          </a:effectRef>
-          <a:fontRef idx="minor">
-            <a:schemeClr val="dk1"/>
-          </a:fontRef>
-        </p:style>
-        <p:txBody>
-          <a:bodyPr rtlCol="0" anchor="ctr"/>
-          <a:lstStyle/>
-          <a:p>
-            <a:pPr algn="ctr"/>
-            <a:r>
-              <a:rPr lang="en-US" altLang="ko-KR" sz="1100"/>
-              <a:t>Topic C /</a:t>
-            </a:r>
-          </a:p>
-          <a:p>
-            <a:pPr algn="ctr"/>
-            <a:r>
-              <a:rPr lang="en-US" altLang="ko-KR" sz="1100"/>
-              <a:t>Partition </a:t>
-            </a:r>
-            <a:r>
-              <a:rPr lang="en-US" altLang="ko-KR" sz="1100" dirty="0"/>
-              <a:t>2</a:t>
-            </a:r>
-            <a:endParaRPr lang="ko-KR" altLang="en-US" sz="1100" dirty="0"/>
-          </a:p>
-        </p:txBody>
-      </p:sp>
-      <p:sp>
-        <p:nvSpPr>
-          <p:cNvPr id="67" name="사각형: 둥근 모서리 66">
-            <a:extLst>
-              <a:ext uri="{FF2B5EF4-FFF2-40B4-BE49-F238E27FC236}">
-                <a16:creationId xmlns:a16="http://schemas.microsoft.com/office/drawing/2014/main" id="{10A8E561-0D52-48A1-A8B6-9F42DD083DD7}"/>
-              </a:ext>
-            </a:extLst>
-          </p:cNvPr>
-          <p:cNvSpPr/>
-          <p:nvPr/>
-        </p:nvSpPr>
-        <p:spPr>
-          <a:xfrm>
-            <a:off x="5724128" y="1059582"/>
-            <a:ext cx="1728192" cy="3456384"/>
-          </a:xfrm>
-          <a:prstGeom prst="roundRect">
-            <a:avLst>
-              <a:gd name="adj" fmla="val 7489"/>
-            </a:avLst>
-          </a:prstGeom>
-        </p:spPr>
-        <p:style>
-          <a:lnRef idx="2">
-            <a:schemeClr val="dk1"/>
-          </a:lnRef>
-          <a:fillRef idx="1">
-            <a:schemeClr val="lt1"/>
-          </a:fillRef>
-          <a:effectRef idx="0">
-            <a:schemeClr val="dk1"/>
-          </a:effectRef>
-          <a:fontRef idx="minor">
-            <a:schemeClr val="dk1"/>
-          </a:fontRef>
-        </p:style>
-        <p:txBody>
-          <a:bodyPr rtlCol="0" anchor="b"/>
-          <a:lstStyle/>
-          <a:p>
-            <a:pPr algn="ctr"/>
-            <a:r>
-              <a:rPr lang="en-US" altLang="ko-KR" sz="1400"/>
-              <a:t>Server </a:t>
-            </a:r>
-            <a:r>
-              <a:rPr lang="en-US" altLang="ko-KR" sz="1400" dirty="0"/>
-              <a:t>C</a:t>
-            </a:r>
-            <a:endParaRPr lang="ko-KR" altLang="en-US" sz="1400" dirty="0"/>
-          </a:p>
-        </p:txBody>
-      </p:sp>
-      <p:sp>
-        <p:nvSpPr>
-          <p:cNvPr id="68" name="사각형: 둥근 모서리 67">
-            <a:extLst>
-              <a:ext uri="{FF2B5EF4-FFF2-40B4-BE49-F238E27FC236}">
-                <a16:creationId xmlns:a16="http://schemas.microsoft.com/office/drawing/2014/main" id="{8E094E8F-532F-442F-B6E4-AEF302B45199}"/>
-              </a:ext>
-            </a:extLst>
-          </p:cNvPr>
-          <p:cNvSpPr/>
-          <p:nvPr/>
-        </p:nvSpPr>
-        <p:spPr>
-          <a:xfrm>
-            <a:off x="5868144" y="1193456"/>
-            <a:ext cx="1440160" cy="312162"/>
-          </a:xfrm>
-          <a:prstGeom prst="roundRect">
-            <a:avLst>
-              <a:gd name="adj" fmla="val 14105"/>
-            </a:avLst>
-          </a:prstGeom>
-          <a:solidFill>
-            <a:schemeClr val="accent1">
-              <a:lumMod val="20000"/>
-              <a:lumOff val="80000"/>
-            </a:schemeClr>
-          </a:solidFill>
-        </p:spPr>
-        <p:style>
-          <a:lnRef idx="2">
-            <a:schemeClr val="dk1"/>
-          </a:lnRef>
-          <a:fillRef idx="1">
-            <a:schemeClr val="lt1"/>
-          </a:fillRef>
-          <a:effectRef idx="0">
-            <a:schemeClr val="dk1"/>
-          </a:effectRef>
-          <a:fontRef idx="minor">
-            <a:schemeClr val="dk1"/>
-          </a:fontRef>
-        </p:style>
-        <p:txBody>
-          <a:bodyPr rtlCol="0" anchor="ctr"/>
-          <a:lstStyle/>
-          <a:p>
-            <a:pPr algn="ctr"/>
-            <a:r>
-              <a:rPr lang="en-US" altLang="ko-KR" sz="1100"/>
-              <a:t>Topic A /</a:t>
-            </a:r>
-          </a:p>
-          <a:p>
-            <a:pPr algn="ctr"/>
-            <a:r>
-              <a:rPr lang="en-US" altLang="ko-KR" sz="1100"/>
-              <a:t>Partition </a:t>
-            </a:r>
-            <a:r>
-              <a:rPr lang="en-US" altLang="ko-KR" sz="1100" dirty="0"/>
-              <a:t>0</a:t>
-            </a:r>
-            <a:endParaRPr lang="ko-KR" altLang="en-US" sz="1100" dirty="0"/>
-          </a:p>
-        </p:txBody>
-      </p:sp>
-      <p:sp>
-        <p:nvSpPr>
-          <p:cNvPr id="69" name="사각형: 둥근 모서리 68">
-            <a:extLst>
-              <a:ext uri="{FF2B5EF4-FFF2-40B4-BE49-F238E27FC236}">
-                <a16:creationId xmlns:a16="http://schemas.microsoft.com/office/drawing/2014/main" id="{5CBD8317-73E4-404D-BF25-BA454EE35500}"/>
-              </a:ext>
-            </a:extLst>
-          </p:cNvPr>
-          <p:cNvSpPr/>
-          <p:nvPr/>
-        </p:nvSpPr>
-        <p:spPr>
-          <a:xfrm>
-            <a:off x="5868144" y="1618510"/>
-            <a:ext cx="1440160" cy="312162"/>
-          </a:xfrm>
-          <a:prstGeom prst="roundRect">
-            <a:avLst>
-              <a:gd name="adj" fmla="val 14105"/>
-            </a:avLst>
-          </a:prstGeom>
-          <a:solidFill>
-            <a:schemeClr val="accent1">
-              <a:lumMod val="20000"/>
-              <a:lumOff val="80000"/>
-            </a:schemeClr>
-          </a:solidFill>
-        </p:spPr>
-        <p:style>
-          <a:lnRef idx="2">
-            <a:schemeClr val="dk1"/>
-          </a:lnRef>
-          <a:fillRef idx="1">
-            <a:schemeClr val="lt1"/>
-          </a:fillRef>
-          <a:effectRef idx="0">
-            <a:schemeClr val="dk1"/>
-          </a:effectRef>
-          <a:fontRef idx="minor">
-            <a:schemeClr val="dk1"/>
-          </a:fontRef>
-        </p:style>
-        <p:txBody>
-          <a:bodyPr rtlCol="0" anchor="ctr"/>
-          <a:lstStyle/>
-          <a:p>
-            <a:pPr algn="ctr"/>
-            <a:r>
-              <a:rPr lang="en-US" altLang="ko-KR" sz="1100"/>
-              <a:t>Topic A /</a:t>
-            </a:r>
-          </a:p>
-          <a:p>
-            <a:pPr algn="ctr"/>
-            <a:r>
-              <a:rPr lang="en-US" altLang="ko-KR" sz="1100"/>
-              <a:t>Partition </a:t>
-            </a:r>
-            <a:r>
-              <a:rPr lang="en-US" altLang="ko-KR" sz="1100" dirty="0"/>
-              <a:t>1</a:t>
-            </a:r>
-            <a:endParaRPr lang="ko-KR" altLang="en-US" sz="1100" dirty="0"/>
-          </a:p>
-        </p:txBody>
-      </p:sp>
-      <p:sp>
-        <p:nvSpPr>
-          <p:cNvPr id="70" name="사각형: 둥근 모서리 69">
-            <a:extLst>
-              <a:ext uri="{FF2B5EF4-FFF2-40B4-BE49-F238E27FC236}">
-                <a16:creationId xmlns:a16="http://schemas.microsoft.com/office/drawing/2014/main" id="{84D930EB-BC46-471C-A7B6-A6B0BC36B737}"/>
-              </a:ext>
-            </a:extLst>
-          </p:cNvPr>
-          <p:cNvSpPr/>
-          <p:nvPr/>
-        </p:nvSpPr>
-        <p:spPr>
-          <a:xfrm>
-            <a:off x="5868144" y="2043564"/>
-            <a:ext cx="1440160" cy="312162"/>
-          </a:xfrm>
-          <a:prstGeom prst="roundRect">
-            <a:avLst>
-              <a:gd name="adj" fmla="val 14105"/>
-            </a:avLst>
-          </a:prstGeom>
-          <a:solidFill>
-            <a:schemeClr val="accent2">
-              <a:lumMod val="20000"/>
-              <a:lumOff val="80000"/>
-            </a:schemeClr>
-          </a:solidFill>
-        </p:spPr>
-        <p:style>
-          <a:lnRef idx="2">
-            <a:schemeClr val="dk1"/>
-          </a:lnRef>
-          <a:fillRef idx="1">
-            <a:schemeClr val="lt1"/>
-          </a:fillRef>
-          <a:effectRef idx="0">
-            <a:schemeClr val="dk1"/>
-          </a:effectRef>
-          <a:fontRef idx="minor">
-            <a:schemeClr val="dk1"/>
-          </a:fontRef>
-        </p:style>
-        <p:txBody>
-          <a:bodyPr rtlCol="0" anchor="ctr"/>
-          <a:lstStyle/>
-          <a:p>
-            <a:pPr algn="ctr"/>
-            <a:r>
-              <a:rPr lang="en-US" altLang="ko-KR" sz="1100"/>
-              <a:t>Topic B /</a:t>
-            </a:r>
-          </a:p>
-          <a:p>
-            <a:pPr algn="ctr"/>
-            <a:r>
-              <a:rPr lang="en-US" altLang="ko-KR" sz="1100"/>
-              <a:t>Partition </a:t>
-            </a:r>
-            <a:r>
-              <a:rPr lang="en-US" altLang="ko-KR" sz="1100" dirty="0"/>
-              <a:t>0</a:t>
-            </a:r>
-            <a:endParaRPr lang="ko-KR" altLang="en-US" sz="1100" dirty="0"/>
-          </a:p>
-        </p:txBody>
-      </p:sp>
-      <p:sp>
-        <p:nvSpPr>
-          <p:cNvPr id="71" name="사각형: 둥근 모서리 70">
-            <a:extLst>
-              <a:ext uri="{FF2B5EF4-FFF2-40B4-BE49-F238E27FC236}">
-                <a16:creationId xmlns:a16="http://schemas.microsoft.com/office/drawing/2014/main" id="{8CB55B9F-1769-4742-9626-EA91B55F9CD0}"/>
-              </a:ext>
-            </a:extLst>
-          </p:cNvPr>
-          <p:cNvSpPr/>
-          <p:nvPr/>
-        </p:nvSpPr>
-        <p:spPr>
-          <a:xfrm>
-            <a:off x="5868144" y="2466169"/>
-            <a:ext cx="1440160" cy="312162"/>
-          </a:xfrm>
-          <a:prstGeom prst="roundRect">
-            <a:avLst>
-              <a:gd name="adj" fmla="val 14105"/>
-            </a:avLst>
-          </a:prstGeom>
-          <a:solidFill>
-            <a:schemeClr val="accent1">
-              <a:lumMod val="20000"/>
-              <a:lumOff val="80000"/>
-            </a:schemeClr>
-          </a:solidFill>
-        </p:spPr>
-        <p:style>
-          <a:lnRef idx="2">
-            <a:schemeClr val="dk1"/>
-          </a:lnRef>
-          <a:fillRef idx="1">
-            <a:schemeClr val="lt1"/>
-          </a:fillRef>
-          <a:effectRef idx="0">
-            <a:schemeClr val="dk1"/>
-          </a:effectRef>
-          <a:fontRef idx="minor">
-            <a:schemeClr val="dk1"/>
-          </a:fontRef>
-        </p:style>
-        <p:txBody>
-          <a:bodyPr rtlCol="0" anchor="ctr"/>
-          <a:lstStyle/>
-          <a:p>
-            <a:pPr algn="ctr"/>
-            <a:r>
-              <a:rPr lang="en-US" altLang="ko-KR" sz="1100"/>
-              <a:t>Topic C /</a:t>
-            </a:r>
-          </a:p>
-          <a:p>
-            <a:pPr algn="ctr"/>
-            <a:r>
-              <a:rPr lang="en-US" altLang="ko-KR" sz="1100"/>
-              <a:t>Partition </a:t>
-            </a:r>
-            <a:r>
-              <a:rPr lang="en-US" altLang="ko-KR" sz="1100" dirty="0"/>
-              <a:t>0</a:t>
-            </a:r>
-            <a:endParaRPr lang="ko-KR" altLang="en-US" sz="1100" dirty="0"/>
-          </a:p>
-        </p:txBody>
-      </p:sp>
-      <p:sp>
-        <p:nvSpPr>
-          <p:cNvPr id="72" name="사각형: 둥근 모서리 71">
-            <a:extLst>
-              <a:ext uri="{FF2B5EF4-FFF2-40B4-BE49-F238E27FC236}">
-                <a16:creationId xmlns:a16="http://schemas.microsoft.com/office/drawing/2014/main" id="{E617FFBB-A175-4D87-8F62-AFE2F1679458}"/>
-              </a:ext>
-            </a:extLst>
-          </p:cNvPr>
-          <p:cNvSpPr/>
-          <p:nvPr/>
-        </p:nvSpPr>
-        <p:spPr>
-          <a:xfrm>
-            <a:off x="5868144" y="2891223"/>
-            <a:ext cx="1440160" cy="312162"/>
-          </a:xfrm>
-          <a:prstGeom prst="roundRect">
-            <a:avLst>
-              <a:gd name="adj" fmla="val 14105"/>
-            </a:avLst>
-          </a:prstGeom>
-          <a:solidFill>
-            <a:schemeClr val="accent1">
-              <a:lumMod val="20000"/>
-              <a:lumOff val="80000"/>
-            </a:schemeClr>
-          </a:solidFill>
-        </p:spPr>
-        <p:style>
-          <a:lnRef idx="2">
-            <a:schemeClr val="dk1"/>
-          </a:lnRef>
-          <a:fillRef idx="1">
-            <a:schemeClr val="lt1"/>
-          </a:fillRef>
-          <a:effectRef idx="0">
-            <a:schemeClr val="dk1"/>
-          </a:effectRef>
-          <a:fontRef idx="minor">
-            <a:schemeClr val="dk1"/>
-          </a:fontRef>
-        </p:style>
-        <p:txBody>
-          <a:bodyPr rtlCol="0" anchor="ctr"/>
-          <a:lstStyle/>
-          <a:p>
-            <a:pPr algn="ctr"/>
-            <a:r>
-              <a:rPr lang="en-US" altLang="ko-KR" sz="1100"/>
-              <a:t>Topic C /</a:t>
-            </a:r>
-          </a:p>
-          <a:p>
-            <a:pPr algn="ctr"/>
-            <a:r>
-              <a:rPr lang="en-US" altLang="ko-KR" sz="1100"/>
-              <a:t>Partition </a:t>
-            </a:r>
-            <a:r>
-              <a:rPr lang="en-US" altLang="ko-KR" sz="1100" dirty="0"/>
-              <a:t>1</a:t>
-            </a:r>
-            <a:endParaRPr lang="ko-KR" altLang="en-US" sz="1100" dirty="0"/>
-          </a:p>
-        </p:txBody>
-      </p:sp>
-      <p:sp>
-        <p:nvSpPr>
-          <p:cNvPr id="73" name="사각형: 둥근 모서리 72">
-            <a:extLst>
-              <a:ext uri="{FF2B5EF4-FFF2-40B4-BE49-F238E27FC236}">
-                <a16:creationId xmlns:a16="http://schemas.microsoft.com/office/drawing/2014/main" id="{050D8438-7982-4C6D-A88B-7801CD2300FE}"/>
-              </a:ext>
-            </a:extLst>
-          </p:cNvPr>
-          <p:cNvSpPr/>
-          <p:nvPr/>
-        </p:nvSpPr>
-        <p:spPr>
-          <a:xfrm>
-            <a:off x="5868144" y="3316277"/>
-            <a:ext cx="1440160" cy="312162"/>
-          </a:xfrm>
-          <a:prstGeom prst="roundRect">
-            <a:avLst>
-              <a:gd name="adj" fmla="val 14105"/>
-            </a:avLst>
-          </a:prstGeom>
-          <a:solidFill>
-            <a:schemeClr val="accent2">
-              <a:lumMod val="20000"/>
-              <a:lumOff val="80000"/>
-            </a:schemeClr>
-          </a:solidFill>
-        </p:spPr>
-        <p:style>
-          <a:lnRef idx="2">
-            <a:schemeClr val="dk1"/>
-          </a:lnRef>
-          <a:fillRef idx="1">
-            <a:schemeClr val="lt1"/>
-          </a:fillRef>
-          <a:effectRef idx="0">
-            <a:schemeClr val="dk1"/>
-          </a:effectRef>
-          <a:fontRef idx="minor">
-            <a:schemeClr val="dk1"/>
-          </a:fontRef>
-        </p:style>
-        <p:txBody>
-          <a:bodyPr rtlCol="0" anchor="ctr"/>
-          <a:lstStyle/>
-          <a:p>
-            <a:pPr algn="ctr"/>
-            <a:r>
-              <a:rPr lang="en-US" altLang="ko-KR" sz="1100"/>
-              <a:t>Topic C /</a:t>
-            </a:r>
-          </a:p>
-          <a:p>
-            <a:pPr algn="ctr"/>
-            <a:r>
-              <a:rPr lang="en-US" altLang="ko-KR" sz="1100"/>
               <a:t>Partition </a:t>
             </a:r>
             <a:r>
@@ -7640,8 +7154,8 @@
         </p:nvSpPr>
         <p:spPr>
           <a:xfrm>
-            <a:off x="1691680" y="3806028"/>
-            <a:ext cx="1440160" cy="349898"/>
+            <a:off x="1691680" y="3954033"/>
+            <a:ext cx="1440160" cy="301460"/>
           </a:xfrm>
           <a:prstGeom prst="roundRect">
             <a:avLst>
@@ -7691,8 +7205,8 @@
         </p:nvSpPr>
         <p:spPr>
           <a:xfrm>
-            <a:off x="3779912" y="3806028"/>
-            <a:ext cx="1440160" cy="349898"/>
+            <a:off x="3779912" y="3954033"/>
+            <a:ext cx="1440160" cy="301460"/>
           </a:xfrm>
           <a:prstGeom prst="roundRect">
             <a:avLst>
@@ -7742,8 +7256,8 @@
         </p:nvSpPr>
         <p:spPr>
           <a:xfrm>
-            <a:off x="5868144" y="3806028"/>
-            <a:ext cx="1440160" cy="349898"/>
+            <a:off x="5868144" y="3954033"/>
+            <a:ext cx="1440160" cy="301460"/>
           </a:xfrm>
           <a:prstGeom prst="roundRect">
             <a:avLst>
@@ -7796,7 +7310,7 @@
         </p:nvCxnSpPr>
         <p:spPr>
           <a:xfrm flipH="1">
-            <a:off x="5220072" y="3980977"/>
+            <a:off x="5220072" y="4104763"/>
             <a:ext cx="648072" cy="0"/>
           </a:xfrm>
           <a:prstGeom prst="straightConnector1">
@@ -7842,7 +7356,7 @@
         </p:nvCxnSpPr>
         <p:spPr>
           <a:xfrm flipH="1">
-            <a:off x="3131840" y="3980977"/>
+            <a:off x="3131840" y="4104763"/>
             <a:ext cx="648072" cy="0"/>
           </a:xfrm>
           <a:prstGeom prst="straightConnector1">
@@ -7871,10 +7385,710 @@
           </a:fontRef>
         </p:style>
       </p:cxnSp>
+      <p:sp>
+        <p:nvSpPr>
+          <p:cNvPr id="3" name="사각형: 둥근 모서리 2">
+            <a:extLst>
+              <a:ext uri="{FF2B5EF4-FFF2-40B4-BE49-F238E27FC236}">
+                <a16:creationId xmlns:a16="http://schemas.microsoft.com/office/drawing/2014/main" id="{A0251F74-49B2-4DD0-98FA-A17BBF39C197}"/>
+              </a:ext>
+            </a:extLst>
+          </p:cNvPr>
+          <p:cNvSpPr/>
+          <p:nvPr/>
+        </p:nvSpPr>
+        <p:spPr>
+          <a:xfrm>
+            <a:off x="1568670" y="564766"/>
+            <a:ext cx="5862644" cy="1075263"/>
+          </a:xfrm>
+          <a:prstGeom prst="roundRect">
+            <a:avLst>
+              <a:gd name="adj" fmla="val 9108"/>
+            </a:avLst>
+          </a:prstGeom>
+          <a:noFill/>
+          <a:ln>
+            <a:prstDash val="dash"/>
+          </a:ln>
+        </p:spPr>
+        <p:style>
+          <a:lnRef idx="2">
+            <a:schemeClr val="dk1"/>
+          </a:lnRef>
+          <a:fillRef idx="1">
+            <a:schemeClr val="lt1"/>
+          </a:fillRef>
+          <a:effectRef idx="0">
+            <a:schemeClr val="dk1"/>
+          </a:effectRef>
+          <a:fontRef idx="minor">
+            <a:schemeClr val="dk1"/>
+          </a:fontRef>
+        </p:style>
+        <p:txBody>
+          <a:bodyPr rtlCol="0" anchor="b"/>
+          <a:lstStyle/>
+          <a:p>
+            <a:pPr algn="ctr"/>
+            <a:r>
+              <a:rPr lang="en-US" altLang="ko-KR" sz="1400"/>
+              <a:t>Topic A</a:t>
+            </a:r>
+            <a:endParaRPr lang="ko-KR" altLang="en-US" sz="1400"/>
+          </a:p>
+        </p:txBody>
+      </p:sp>
+      <p:sp>
+        <p:nvSpPr>
+          <p:cNvPr id="13" name="사각형: 둥근 모서리 12">
+            <a:extLst>
+              <a:ext uri="{FF2B5EF4-FFF2-40B4-BE49-F238E27FC236}">
+                <a16:creationId xmlns:a16="http://schemas.microsoft.com/office/drawing/2014/main" id="{22E7F032-13ED-4575-8F3C-092CC530ABC3}"/>
+              </a:ext>
+            </a:extLst>
+          </p:cNvPr>
+          <p:cNvSpPr/>
+          <p:nvPr/>
+        </p:nvSpPr>
+        <p:spPr>
+          <a:xfrm>
+            <a:off x="1691680" y="682345"/>
+            <a:ext cx="1440160" cy="268948"/>
+          </a:xfrm>
+          <a:prstGeom prst="roundRect">
+            <a:avLst>
+              <a:gd name="adj" fmla="val 14105"/>
+            </a:avLst>
+          </a:prstGeom>
+          <a:solidFill>
+            <a:schemeClr val="accent2">
+              <a:lumMod val="20000"/>
+              <a:lumOff val="80000"/>
+            </a:schemeClr>
+          </a:solidFill>
+        </p:spPr>
+        <p:style>
+          <a:lnRef idx="2">
+            <a:schemeClr val="dk1"/>
+          </a:lnRef>
+          <a:fillRef idx="1">
+            <a:schemeClr val="lt1"/>
+          </a:fillRef>
+          <a:effectRef idx="0">
+            <a:schemeClr val="dk1"/>
+          </a:effectRef>
+          <a:fontRef idx="minor">
+            <a:schemeClr val="dk1"/>
+          </a:fontRef>
+        </p:style>
+        <p:txBody>
+          <a:bodyPr rtlCol="0" anchor="ctr"/>
+          <a:lstStyle/>
+          <a:p>
+            <a:pPr algn="ctr"/>
+            <a:r>
+              <a:rPr lang="en-US" altLang="ko-KR" sz="1100"/>
+              <a:t>Partition </a:t>
+            </a:r>
+            <a:r>
+              <a:rPr lang="en-US" altLang="ko-KR" sz="1100" dirty="0"/>
+              <a:t>0</a:t>
+            </a:r>
+            <a:endParaRPr lang="ko-KR" altLang="en-US" sz="1100" dirty="0"/>
+          </a:p>
+        </p:txBody>
+      </p:sp>
+      <p:sp>
+        <p:nvSpPr>
+          <p:cNvPr id="43" name="사각형: 둥근 모서리 42">
+            <a:extLst>
+              <a:ext uri="{FF2B5EF4-FFF2-40B4-BE49-F238E27FC236}">
+                <a16:creationId xmlns:a16="http://schemas.microsoft.com/office/drawing/2014/main" id="{1070DDBB-C45F-422E-861A-975578A329CC}"/>
+              </a:ext>
+            </a:extLst>
+          </p:cNvPr>
+          <p:cNvSpPr/>
+          <p:nvPr/>
+        </p:nvSpPr>
+        <p:spPr>
+          <a:xfrm>
+            <a:off x="1691680" y="1048558"/>
+            <a:ext cx="1440160" cy="268948"/>
+          </a:xfrm>
+          <a:prstGeom prst="roundRect">
+            <a:avLst>
+              <a:gd name="adj" fmla="val 14105"/>
+            </a:avLst>
+          </a:prstGeom>
+          <a:solidFill>
+            <a:schemeClr val="accent1">
+              <a:lumMod val="20000"/>
+              <a:lumOff val="80000"/>
+            </a:schemeClr>
+          </a:solidFill>
+        </p:spPr>
+        <p:style>
+          <a:lnRef idx="2">
+            <a:schemeClr val="dk1"/>
+          </a:lnRef>
+          <a:fillRef idx="1">
+            <a:schemeClr val="lt1"/>
+          </a:fillRef>
+          <a:effectRef idx="0">
+            <a:schemeClr val="dk1"/>
+          </a:effectRef>
+          <a:fontRef idx="minor">
+            <a:schemeClr val="dk1"/>
+          </a:fontRef>
+        </p:style>
+        <p:txBody>
+          <a:bodyPr rtlCol="0" anchor="ctr"/>
+          <a:lstStyle/>
+          <a:p>
+            <a:pPr algn="ctr"/>
+            <a:r>
+              <a:rPr lang="en-US" altLang="ko-KR" sz="1100"/>
+              <a:t>Partition </a:t>
+            </a:r>
+            <a:r>
+              <a:rPr lang="en-US" altLang="ko-KR" sz="1100" dirty="0"/>
+              <a:t>1</a:t>
+            </a:r>
+            <a:endParaRPr lang="ko-KR" altLang="en-US" sz="1100" dirty="0"/>
+          </a:p>
+        </p:txBody>
+      </p:sp>
+      <p:sp>
+        <p:nvSpPr>
+          <p:cNvPr id="59" name="사각형: 둥근 모서리 58">
+            <a:extLst>
+              <a:ext uri="{FF2B5EF4-FFF2-40B4-BE49-F238E27FC236}">
+                <a16:creationId xmlns:a16="http://schemas.microsoft.com/office/drawing/2014/main" id="{864C36CA-B2B1-4C62-84BC-8CE2E6415074}"/>
+              </a:ext>
+            </a:extLst>
+          </p:cNvPr>
+          <p:cNvSpPr/>
+          <p:nvPr/>
+        </p:nvSpPr>
+        <p:spPr>
+          <a:xfrm>
+            <a:off x="3779912" y="682345"/>
+            <a:ext cx="1440160" cy="268948"/>
+          </a:xfrm>
+          <a:prstGeom prst="roundRect">
+            <a:avLst>
+              <a:gd name="adj" fmla="val 14105"/>
+            </a:avLst>
+          </a:prstGeom>
+          <a:solidFill>
+            <a:schemeClr val="accent1">
+              <a:lumMod val="20000"/>
+              <a:lumOff val="80000"/>
+            </a:schemeClr>
+          </a:solidFill>
+        </p:spPr>
+        <p:style>
+          <a:lnRef idx="2">
+            <a:schemeClr val="dk1"/>
+          </a:lnRef>
+          <a:fillRef idx="1">
+            <a:schemeClr val="lt1"/>
+          </a:fillRef>
+          <a:effectRef idx="0">
+            <a:schemeClr val="dk1"/>
+          </a:effectRef>
+          <a:fontRef idx="minor">
+            <a:schemeClr val="dk1"/>
+          </a:fontRef>
+        </p:style>
+        <p:txBody>
+          <a:bodyPr rtlCol="0" anchor="ctr"/>
+          <a:lstStyle/>
+          <a:p>
+            <a:pPr algn="ctr"/>
+            <a:r>
+              <a:rPr lang="en-US" altLang="ko-KR" sz="1100"/>
+              <a:t>Partition </a:t>
+            </a:r>
+            <a:r>
+              <a:rPr lang="en-US" altLang="ko-KR" sz="1100" dirty="0"/>
+              <a:t>0</a:t>
+            </a:r>
+            <a:endParaRPr lang="ko-KR" altLang="en-US" sz="1100" dirty="0"/>
+          </a:p>
+        </p:txBody>
+      </p:sp>
+      <p:sp>
+        <p:nvSpPr>
+          <p:cNvPr id="61" name="사각형: 둥근 모서리 60">
+            <a:extLst>
+              <a:ext uri="{FF2B5EF4-FFF2-40B4-BE49-F238E27FC236}">
+                <a16:creationId xmlns:a16="http://schemas.microsoft.com/office/drawing/2014/main" id="{8847AFD1-B7E6-4B29-BB80-578C46B9A5AC}"/>
+              </a:ext>
+            </a:extLst>
+          </p:cNvPr>
+          <p:cNvSpPr/>
+          <p:nvPr/>
+        </p:nvSpPr>
+        <p:spPr>
+          <a:xfrm>
+            <a:off x="3779912" y="1048558"/>
+            <a:ext cx="1440160" cy="268948"/>
+          </a:xfrm>
+          <a:prstGeom prst="roundRect">
+            <a:avLst>
+              <a:gd name="adj" fmla="val 14105"/>
+            </a:avLst>
+          </a:prstGeom>
+          <a:solidFill>
+            <a:schemeClr val="accent2">
+              <a:lumMod val="20000"/>
+              <a:lumOff val="80000"/>
+            </a:schemeClr>
+          </a:solidFill>
+        </p:spPr>
+        <p:style>
+          <a:lnRef idx="2">
+            <a:schemeClr val="dk1"/>
+          </a:lnRef>
+          <a:fillRef idx="1">
+            <a:schemeClr val="lt1"/>
+          </a:fillRef>
+          <a:effectRef idx="0">
+            <a:schemeClr val="dk1"/>
+          </a:effectRef>
+          <a:fontRef idx="minor">
+            <a:schemeClr val="dk1"/>
+          </a:fontRef>
+        </p:style>
+        <p:txBody>
+          <a:bodyPr rtlCol="0" anchor="ctr"/>
+          <a:lstStyle/>
+          <a:p>
+            <a:pPr algn="ctr"/>
+            <a:r>
+              <a:rPr lang="en-US" altLang="ko-KR" sz="1100"/>
+              <a:t>Partition </a:t>
+            </a:r>
+            <a:r>
+              <a:rPr lang="en-US" altLang="ko-KR" sz="1100" dirty="0"/>
+              <a:t>1</a:t>
+            </a:r>
+            <a:endParaRPr lang="ko-KR" altLang="en-US" sz="1100" dirty="0"/>
+          </a:p>
+        </p:txBody>
+      </p:sp>
+      <p:sp>
+        <p:nvSpPr>
+          <p:cNvPr id="68" name="사각형: 둥근 모서리 67">
+            <a:extLst>
+              <a:ext uri="{FF2B5EF4-FFF2-40B4-BE49-F238E27FC236}">
+                <a16:creationId xmlns:a16="http://schemas.microsoft.com/office/drawing/2014/main" id="{8E094E8F-532F-442F-B6E4-AEF302B45199}"/>
+              </a:ext>
+            </a:extLst>
+          </p:cNvPr>
+          <p:cNvSpPr/>
+          <p:nvPr/>
+        </p:nvSpPr>
+        <p:spPr>
+          <a:xfrm>
+            <a:off x="5868144" y="682345"/>
+            <a:ext cx="1440160" cy="268948"/>
+          </a:xfrm>
+          <a:prstGeom prst="roundRect">
+            <a:avLst>
+              <a:gd name="adj" fmla="val 14105"/>
+            </a:avLst>
+          </a:prstGeom>
+          <a:solidFill>
+            <a:schemeClr val="accent1">
+              <a:lumMod val="20000"/>
+              <a:lumOff val="80000"/>
+            </a:schemeClr>
+          </a:solidFill>
+        </p:spPr>
+        <p:style>
+          <a:lnRef idx="2">
+            <a:schemeClr val="dk1"/>
+          </a:lnRef>
+          <a:fillRef idx="1">
+            <a:schemeClr val="lt1"/>
+          </a:fillRef>
+          <a:effectRef idx="0">
+            <a:schemeClr val="dk1"/>
+          </a:effectRef>
+          <a:fontRef idx="minor">
+            <a:schemeClr val="dk1"/>
+          </a:fontRef>
+        </p:style>
+        <p:txBody>
+          <a:bodyPr rtlCol="0" anchor="ctr"/>
+          <a:lstStyle/>
+          <a:p>
+            <a:pPr algn="ctr"/>
+            <a:r>
+              <a:rPr lang="en-US" altLang="ko-KR" sz="1100"/>
+              <a:t>Partition </a:t>
+            </a:r>
+            <a:r>
+              <a:rPr lang="en-US" altLang="ko-KR" sz="1100" dirty="0"/>
+              <a:t>0</a:t>
+            </a:r>
+            <a:endParaRPr lang="ko-KR" altLang="en-US" sz="1100" dirty="0"/>
+          </a:p>
+        </p:txBody>
+      </p:sp>
+      <p:sp>
+        <p:nvSpPr>
+          <p:cNvPr id="69" name="사각형: 둥근 모서리 68">
+            <a:extLst>
+              <a:ext uri="{FF2B5EF4-FFF2-40B4-BE49-F238E27FC236}">
+                <a16:creationId xmlns:a16="http://schemas.microsoft.com/office/drawing/2014/main" id="{5CBD8317-73E4-404D-BF25-BA454EE35500}"/>
+              </a:ext>
+            </a:extLst>
+          </p:cNvPr>
+          <p:cNvSpPr/>
+          <p:nvPr/>
+        </p:nvSpPr>
+        <p:spPr>
+          <a:xfrm>
+            <a:off x="5868144" y="1048558"/>
+            <a:ext cx="1440160" cy="268948"/>
+          </a:xfrm>
+          <a:prstGeom prst="roundRect">
+            <a:avLst>
+              <a:gd name="adj" fmla="val 14105"/>
+            </a:avLst>
+          </a:prstGeom>
+          <a:solidFill>
+            <a:schemeClr val="accent1">
+              <a:lumMod val="20000"/>
+              <a:lumOff val="80000"/>
+            </a:schemeClr>
+          </a:solidFill>
+        </p:spPr>
+        <p:style>
+          <a:lnRef idx="2">
+            <a:schemeClr val="dk1"/>
+          </a:lnRef>
+          <a:fillRef idx="1">
+            <a:schemeClr val="lt1"/>
+          </a:fillRef>
+          <a:effectRef idx="0">
+            <a:schemeClr val="dk1"/>
+          </a:effectRef>
+          <a:fontRef idx="minor">
+            <a:schemeClr val="dk1"/>
+          </a:fontRef>
+        </p:style>
+        <p:txBody>
+          <a:bodyPr rtlCol="0" anchor="ctr"/>
+          <a:lstStyle/>
+          <a:p>
+            <a:pPr algn="ctr"/>
+            <a:r>
+              <a:rPr lang="en-US" altLang="ko-KR" sz="1100"/>
+              <a:t>Partition </a:t>
+            </a:r>
+            <a:r>
+              <a:rPr lang="en-US" altLang="ko-KR" sz="1100" dirty="0"/>
+              <a:t>1</a:t>
+            </a:r>
+            <a:endParaRPr lang="ko-KR" altLang="en-US" sz="1100" dirty="0"/>
+          </a:p>
+        </p:txBody>
+      </p:sp>
+      <p:sp>
+        <p:nvSpPr>
+          <p:cNvPr id="31" name="사각형: 둥근 모서리 30">
+            <a:extLst>
+              <a:ext uri="{FF2B5EF4-FFF2-40B4-BE49-F238E27FC236}">
+                <a16:creationId xmlns:a16="http://schemas.microsoft.com/office/drawing/2014/main" id="{0D9F8112-227F-4F6E-A135-A2A694B0FCDB}"/>
+              </a:ext>
+            </a:extLst>
+          </p:cNvPr>
+          <p:cNvSpPr/>
+          <p:nvPr/>
+        </p:nvSpPr>
+        <p:spPr>
+          <a:xfrm>
+            <a:off x="1568670" y="1720585"/>
+            <a:ext cx="5862644" cy="633079"/>
+          </a:xfrm>
+          <a:prstGeom prst="roundRect">
+            <a:avLst>
+              <a:gd name="adj" fmla="val 9108"/>
+            </a:avLst>
+          </a:prstGeom>
+          <a:noFill/>
+          <a:ln>
+            <a:prstDash val="dash"/>
+          </a:ln>
+        </p:spPr>
+        <p:style>
+          <a:lnRef idx="2">
+            <a:schemeClr val="dk1"/>
+          </a:lnRef>
+          <a:fillRef idx="1">
+            <a:schemeClr val="lt1"/>
+          </a:fillRef>
+          <a:effectRef idx="0">
+            <a:schemeClr val="dk1"/>
+          </a:effectRef>
+          <a:fontRef idx="minor">
+            <a:schemeClr val="dk1"/>
+          </a:fontRef>
+        </p:style>
+        <p:txBody>
+          <a:bodyPr rtlCol="0" anchor="b"/>
+          <a:lstStyle/>
+          <a:p>
+            <a:pPr algn="ctr"/>
+            <a:r>
+              <a:rPr lang="en-US" altLang="ko-KR" sz="1400"/>
+              <a:t>Topic B</a:t>
+            </a:r>
+            <a:endParaRPr lang="ko-KR" altLang="en-US" sz="1400"/>
+          </a:p>
+        </p:txBody>
+      </p:sp>
+      <p:sp>
+        <p:nvSpPr>
+          <p:cNvPr id="32" name="사각형: 둥근 모서리 31">
+            <a:extLst>
+              <a:ext uri="{FF2B5EF4-FFF2-40B4-BE49-F238E27FC236}">
+                <a16:creationId xmlns:a16="http://schemas.microsoft.com/office/drawing/2014/main" id="{4E1C50CF-EB0B-4961-9D79-9F68FF1B10AD}"/>
+              </a:ext>
+            </a:extLst>
+          </p:cNvPr>
+          <p:cNvSpPr/>
+          <p:nvPr/>
+        </p:nvSpPr>
+        <p:spPr>
+          <a:xfrm>
+            <a:off x="1568670" y="2434221"/>
+            <a:ext cx="5862644" cy="1426913"/>
+          </a:xfrm>
+          <a:prstGeom prst="roundRect">
+            <a:avLst>
+              <a:gd name="adj" fmla="val 5548"/>
+            </a:avLst>
+          </a:prstGeom>
+          <a:noFill/>
+          <a:ln>
+            <a:prstDash val="dash"/>
+          </a:ln>
+        </p:spPr>
+        <p:style>
+          <a:lnRef idx="2">
+            <a:schemeClr val="dk1"/>
+          </a:lnRef>
+          <a:fillRef idx="1">
+            <a:schemeClr val="lt1"/>
+          </a:fillRef>
+          <a:effectRef idx="0">
+            <a:schemeClr val="dk1"/>
+          </a:effectRef>
+          <a:fontRef idx="minor">
+            <a:schemeClr val="dk1"/>
+          </a:fontRef>
+        </p:style>
+        <p:txBody>
+          <a:bodyPr rtlCol="0" anchor="b"/>
+          <a:lstStyle/>
+          <a:p>
+            <a:pPr algn="ctr"/>
+            <a:r>
+              <a:rPr lang="en-US" altLang="ko-KR" sz="1400"/>
+              <a:t>Topic C</a:t>
+            </a:r>
+            <a:endParaRPr lang="ko-KR" altLang="en-US" sz="1400"/>
+          </a:p>
+        </p:txBody>
+      </p:sp>
+      <p:sp>
+        <p:nvSpPr>
+          <p:cNvPr id="34" name="사각형: 둥근 모서리 33">
+            <a:extLst>
+              <a:ext uri="{FF2B5EF4-FFF2-40B4-BE49-F238E27FC236}">
+                <a16:creationId xmlns:a16="http://schemas.microsoft.com/office/drawing/2014/main" id="{886B18E4-F82A-431B-95F8-1DC0095C6A39}"/>
+              </a:ext>
+            </a:extLst>
+          </p:cNvPr>
+          <p:cNvSpPr/>
+          <p:nvPr/>
+        </p:nvSpPr>
+        <p:spPr>
+          <a:xfrm>
+            <a:off x="2627784" y="4703308"/>
+            <a:ext cx="648072" cy="246063"/>
+          </a:xfrm>
+          <a:prstGeom prst="roundRect">
+            <a:avLst>
+              <a:gd name="adj" fmla="val 14105"/>
+            </a:avLst>
+          </a:prstGeom>
+          <a:solidFill>
+            <a:schemeClr val="accent2">
+              <a:lumMod val="20000"/>
+              <a:lumOff val="80000"/>
+            </a:schemeClr>
+          </a:solidFill>
+        </p:spPr>
+        <p:style>
+          <a:lnRef idx="2">
+            <a:schemeClr val="dk1"/>
+          </a:lnRef>
+          <a:fillRef idx="1">
+            <a:schemeClr val="lt1"/>
+          </a:fillRef>
+          <a:effectRef idx="0">
+            <a:schemeClr val="dk1"/>
+          </a:effectRef>
+          <a:fontRef idx="minor">
+            <a:schemeClr val="dk1"/>
+          </a:fontRef>
+        </p:style>
+        <p:txBody>
+          <a:bodyPr rtlCol="0" anchor="ctr"/>
+          <a:lstStyle/>
+          <a:p>
+            <a:pPr algn="ctr"/>
+            <a:endParaRPr lang="ko-KR" altLang="en-US" sz="1100" dirty="0"/>
+          </a:p>
+        </p:txBody>
+      </p:sp>
+      <p:sp>
+        <p:nvSpPr>
+          <p:cNvPr id="35" name="사각형: 둥근 모서리 34">
+            <a:extLst>
+              <a:ext uri="{FF2B5EF4-FFF2-40B4-BE49-F238E27FC236}">
+                <a16:creationId xmlns:a16="http://schemas.microsoft.com/office/drawing/2014/main" id="{5552FB7B-B9C6-4993-867C-BD77AB3DB5A5}"/>
+              </a:ext>
+            </a:extLst>
+          </p:cNvPr>
+          <p:cNvSpPr/>
+          <p:nvPr/>
+        </p:nvSpPr>
+        <p:spPr>
+          <a:xfrm>
+            <a:off x="4735962" y="4703307"/>
+            <a:ext cx="648072" cy="246063"/>
+          </a:xfrm>
+          <a:prstGeom prst="roundRect">
+            <a:avLst>
+              <a:gd name="adj" fmla="val 14105"/>
+            </a:avLst>
+          </a:prstGeom>
+          <a:solidFill>
+            <a:schemeClr val="accent1">
+              <a:lumMod val="20000"/>
+              <a:lumOff val="80000"/>
+            </a:schemeClr>
+          </a:solidFill>
+        </p:spPr>
+        <p:style>
+          <a:lnRef idx="2">
+            <a:schemeClr val="dk1"/>
+          </a:lnRef>
+          <a:fillRef idx="1">
+            <a:schemeClr val="lt1"/>
+          </a:fillRef>
+          <a:effectRef idx="0">
+            <a:schemeClr val="dk1"/>
+          </a:effectRef>
+          <a:fontRef idx="minor">
+            <a:schemeClr val="dk1"/>
+          </a:fontRef>
+        </p:style>
+        <p:txBody>
+          <a:bodyPr rtlCol="0" anchor="ctr"/>
+          <a:lstStyle/>
+          <a:p>
+            <a:pPr algn="ctr"/>
+            <a:endParaRPr lang="ko-KR" altLang="en-US" sz="1100" dirty="0"/>
+          </a:p>
+        </p:txBody>
+      </p:sp>
+      <p:sp>
+        <p:nvSpPr>
+          <p:cNvPr id="5" name="TextBox 4">
+            <a:extLst>
+              <a:ext uri="{FF2B5EF4-FFF2-40B4-BE49-F238E27FC236}">
+                <a16:creationId xmlns:a16="http://schemas.microsoft.com/office/drawing/2014/main" id="{AA3D8720-8599-4976-A904-4AB34821EC41}"/>
+              </a:ext>
+            </a:extLst>
+          </p:cNvPr>
+          <p:cNvSpPr txBox="1"/>
+          <p:nvPr/>
+        </p:nvSpPr>
+        <p:spPr>
+          <a:xfrm>
+            <a:off x="3275856" y="4675680"/>
+            <a:ext cx="740026" cy="307777"/>
+          </a:xfrm>
+          <a:prstGeom prst="rect">
+            <a:avLst/>
+          </a:prstGeom>
+          <a:noFill/>
+        </p:spPr>
+        <p:txBody>
+          <a:bodyPr wrap="square" rtlCol="0" anchor="ctr">
+            <a:spAutoFit/>
+          </a:bodyPr>
+          <a:lstStyle/>
+          <a:p>
+            <a:pPr algn="ctr"/>
+            <a:r>
+              <a:rPr lang="en-US" altLang="ko-KR" sz="1400"/>
+              <a:t>Leader</a:t>
+            </a:r>
+            <a:endParaRPr lang="ko-KR" altLang="en-US" sz="1400"/>
+          </a:p>
+        </p:txBody>
+      </p:sp>
+      <p:sp>
+        <p:nvSpPr>
+          <p:cNvPr id="37" name="TextBox 36">
+            <a:extLst>
+              <a:ext uri="{FF2B5EF4-FFF2-40B4-BE49-F238E27FC236}">
+                <a16:creationId xmlns:a16="http://schemas.microsoft.com/office/drawing/2014/main" id="{138F7836-E78C-4A74-A5F9-9B87C18B1EB8}"/>
+              </a:ext>
+            </a:extLst>
+          </p:cNvPr>
+          <p:cNvSpPr txBox="1"/>
+          <p:nvPr/>
+        </p:nvSpPr>
+        <p:spPr>
+          <a:xfrm>
+            <a:off x="5384034" y="4675680"/>
+            <a:ext cx="792088" cy="307777"/>
+          </a:xfrm>
+          <a:prstGeom prst="rect">
+            <a:avLst/>
+          </a:prstGeom>
+          <a:noFill/>
+        </p:spPr>
+        <p:txBody>
+          <a:bodyPr wrap="square" rtlCol="0" anchor="ctr">
+            <a:spAutoFit/>
+          </a:bodyPr>
+          <a:lstStyle/>
+          <a:p>
+            <a:pPr algn="ctr"/>
+            <a:r>
+              <a:rPr lang="en-US" altLang="ko-KR" sz="1400"/>
+              <a:t>Replica</a:t>
+            </a:r>
+            <a:endParaRPr lang="ko-KR" altLang="en-US" sz="1400"/>
+          </a:p>
+        </p:txBody>
+      </p:sp>
     </p:spTree>
     <p:extLst>
       <p:ext uri="{BB962C8B-B14F-4D97-AF65-F5344CB8AC3E}">
-        <p14:creationId xmlns:p14="http://schemas.microsoft.com/office/powerpoint/2010/main" val="1078590515"/>
+        <p14:creationId xmlns:p14="http://schemas.microsoft.com/office/powerpoint/2010/main" val="1292196781"/>
       </p:ext>
     </p:extLst>
   </p:cSld>

--- a/images/theory_analysis/Kafka/Kafka.pptx
+++ b/images/theory_analysis/Kafka/Kafka.pptx
@@ -3759,7 +3759,7 @@
           <a:lstStyle/>
           <a:p>
             <a:r>
-              <a:rPr lang="en-US" altLang="ko-KR" sz="1400" dirty="0"/>
+              <a:rPr lang="en-US" altLang="ko-KR" sz="1400"/>
               <a:t>Kafka Cluster</a:t>
             </a:r>
             <a:endParaRPr lang="ko-KR" altLang="en-US" sz="1400" dirty="0"/>
@@ -6290,7 +6290,7 @@
             <a:pPr algn="ctr"/>
             <a:r>
               <a:rPr lang="en-US" altLang="ko-KR" sz="1400"/>
-              <a:t>Server </a:t>
+              <a:t>Broker </a:t>
             </a:r>
             <a:r>
               <a:rPr lang="en-US" altLang="ko-KR" sz="1400" dirty="0"/>
@@ -6344,7 +6344,7 @@
             <a:pPr algn="ctr"/>
             <a:r>
               <a:rPr lang="en-US" altLang="ko-KR" sz="1400"/>
-              <a:t>Server B</a:t>
+              <a:t>Broker B</a:t>
             </a:r>
             <a:endParaRPr lang="ko-KR" altLang="en-US" sz="1400" dirty="0"/>
           </a:p>
@@ -6394,7 +6394,7 @@
             <a:pPr algn="ctr"/>
             <a:r>
               <a:rPr lang="en-US" altLang="ko-KR" sz="1400"/>
-              <a:t>Server </a:t>
+              <a:t>Broker </a:t>
             </a:r>
             <a:r>
               <a:rPr lang="en-US" altLang="ko-KR" sz="1400" dirty="0"/>

--- a/images/theory_analysis/Kafka/Kafka.pptx
+++ b/images/theory_analysis/Kafka/Kafka.pptx
@@ -5,12 +5,13 @@
     <p:sldMasterId id="2147483648" r:id="rId1"/>
   </p:sldMasterIdLst>
   <p:notesMasterIdLst>
-    <p:notesMasterId r:id="rId5"/>
+    <p:notesMasterId r:id="rId6"/>
   </p:notesMasterIdLst>
   <p:sldIdLst>
-    <p:sldId id="359" r:id="rId2"/>
-    <p:sldId id="360" r:id="rId3"/>
-    <p:sldId id="362" r:id="rId4"/>
+    <p:sldId id="360" r:id="rId2"/>
+    <p:sldId id="362" r:id="rId3"/>
+    <p:sldId id="363" r:id="rId4"/>
+    <p:sldId id="359" r:id="rId5"/>
   </p:sldIdLst>
   <p:sldSz cx="9144000" cy="5143500" type="screen16x9"/>
   <p:notesSz cx="6858000" cy="9144000"/>
@@ -133,6 +134,32 @@
 </p:presentation>
 </file>
 
+<file path=ppt/commentAuthors.xml><?xml version="1.0" encoding="utf-8"?>
+<p:cmAuthorLst xmlns:a="http://schemas.openxmlformats.org/drawingml/2006/main" xmlns:r="http://schemas.openxmlformats.org/officeDocument/2006/relationships" xmlns:p="http://schemas.openxmlformats.org/presentationml/2006/main">
+  <p:cmAuthor id="1" name="신정섭" initials="신" lastIdx="1" clrIdx="0">
+    <p:extLst>
+      <p:ext uri="{19B8F6BF-5375-455C-9EA6-DF929625EA0E}">
+        <p15:presenceInfo xmlns:p15="http://schemas.microsoft.com/office/powerpoint/2012/main" userId="신정섭" providerId="None"/>
+      </p:ext>
+    </p:extLst>
+  </p:cmAuthor>
+</p:cmAuthorLst>
+</file>
+
+<file path=ppt/comments/comment1.xml><?xml version="1.0" encoding="utf-8"?>
+<p:cmLst xmlns:a="http://schemas.openxmlformats.org/drawingml/2006/main" xmlns:r="http://schemas.openxmlformats.org/officeDocument/2006/relationships" xmlns:p="http://schemas.openxmlformats.org/presentationml/2006/main">
+  <p:cm authorId="1" dt="2019-02-22T00:46:10.957" idx="1">
+    <p:pos x="10" y="10"/>
+    <p:text/>
+    <p:extLst>
+      <p:ext uri="{C676402C-5697-4E1C-873F-D02D1690AC5C}">
+        <p15:threadingInfo xmlns:p15="http://schemas.microsoft.com/office/powerpoint/2012/main" timeZoneBias="-540"/>
+      </p:ext>
+    </p:extLst>
+  </p:cm>
+</p:cmLst>
+</file>
+
 <file path=ppt/notesMasters/notesMaster1.xml><?xml version="1.0" encoding="utf-8"?>
 <p:notesMaster xmlns:a="http://schemas.openxmlformats.org/drawingml/2006/main" xmlns:r="http://schemas.openxmlformats.org/officeDocument/2006/relationships" xmlns:p="http://schemas.openxmlformats.org/presentationml/2006/main">
   <p:cSld>
@@ -215,7 +242,7 @@
           <a:p>
             <a:fld id="{6CD5550B-26C4-49A9-A5BA-636EF7BE6CE9}" type="datetimeFigureOut">
               <a:rPr lang="ko-KR" altLang="en-US" smtClean="0"/>
-              <a:t>2019-02-20</a:t>
+              <a:t>2019-02-22</a:t>
             </a:fld>
             <a:endParaRPr lang="ko-KR" altLang="en-US"/>
           </a:p>
@@ -556,7 +583,7 @@
     </p:spTree>
     <p:extLst>
       <p:ext uri="{BB962C8B-B14F-4D97-AF65-F5344CB8AC3E}">
-        <p14:creationId xmlns:p14="http://schemas.microsoft.com/office/powerpoint/2010/main" val="3550090339"/>
+        <p14:creationId xmlns:p14="http://schemas.microsoft.com/office/powerpoint/2010/main" val="1775749246"/>
       </p:ext>
     </p:extLst>
   </p:cSld>
@@ -640,7 +667,7 @@
     </p:spTree>
     <p:extLst>
       <p:ext uri="{BB962C8B-B14F-4D97-AF65-F5344CB8AC3E}">
-        <p14:creationId xmlns:p14="http://schemas.microsoft.com/office/powerpoint/2010/main" val="1775749246"/>
+        <p14:creationId xmlns:p14="http://schemas.microsoft.com/office/powerpoint/2010/main" val="3264387052"/>
       </p:ext>
     </p:extLst>
   </p:cSld>
@@ -715,7 +742,7 @@
           <a:p>
             <a:fld id="{BA5DFA43-8D57-47FB-BC46-057616015C3B}" type="slidenum">
               <a:rPr lang="ko-KR" altLang="en-US" smtClean="0"/>
-              <a:t>3</a:t>
+              <a:t>4</a:t>
             </a:fld>
             <a:endParaRPr lang="ko-KR" altLang="en-US"/>
           </a:p>
@@ -724,7 +751,7 @@
     </p:spTree>
     <p:extLst>
       <p:ext uri="{BB962C8B-B14F-4D97-AF65-F5344CB8AC3E}">
-        <p14:creationId xmlns:p14="http://schemas.microsoft.com/office/powerpoint/2010/main" val="3264387052"/>
+        <p14:creationId xmlns:p14="http://schemas.microsoft.com/office/powerpoint/2010/main" val="3550090339"/>
       </p:ext>
     </p:extLst>
   </p:cSld>
@@ -913,7 +940,7 @@
           <a:p>
             <a:fld id="{FB30EDBD-1C2D-4C1E-B459-B60219FAB484}" type="datetimeFigureOut">
               <a:rPr lang="ko-KR" altLang="en-US" smtClean="0"/>
-              <a:t>2019-02-20</a:t>
+              <a:t>2019-02-22</a:t>
             </a:fld>
             <a:endParaRPr lang="ko-KR" altLang="en-US"/>
           </a:p>
@@ -1076,7 +1103,7 @@
           <a:p>
             <a:fld id="{FB30EDBD-1C2D-4C1E-B459-B60219FAB484}" type="datetimeFigureOut">
               <a:rPr lang="ko-KR" altLang="en-US" smtClean="0"/>
-              <a:t>2019-02-20</a:t>
+              <a:t>2019-02-22</a:t>
             </a:fld>
             <a:endParaRPr lang="ko-KR" altLang="en-US"/>
           </a:p>
@@ -1249,7 +1276,7 @@
           <a:p>
             <a:fld id="{FB30EDBD-1C2D-4C1E-B459-B60219FAB484}" type="datetimeFigureOut">
               <a:rPr lang="ko-KR" altLang="en-US" smtClean="0"/>
-              <a:t>2019-02-20</a:t>
+              <a:t>2019-02-22</a:t>
             </a:fld>
             <a:endParaRPr lang="ko-KR" altLang="en-US"/>
           </a:p>
@@ -1412,7 +1439,7 @@
           <a:p>
             <a:fld id="{FB30EDBD-1C2D-4C1E-B459-B60219FAB484}" type="datetimeFigureOut">
               <a:rPr lang="ko-KR" altLang="en-US" smtClean="0"/>
-              <a:t>2019-02-20</a:t>
+              <a:t>2019-02-22</a:t>
             </a:fld>
             <a:endParaRPr lang="ko-KR" altLang="en-US"/>
           </a:p>
@@ -1652,7 +1679,7 @@
           <a:p>
             <a:fld id="{FB30EDBD-1C2D-4C1E-B459-B60219FAB484}" type="datetimeFigureOut">
               <a:rPr lang="ko-KR" altLang="en-US" smtClean="0"/>
-              <a:t>2019-02-20</a:t>
+              <a:t>2019-02-22</a:t>
             </a:fld>
             <a:endParaRPr lang="ko-KR" altLang="en-US"/>
           </a:p>
@@ -1932,7 +1959,7 @@
           <a:p>
             <a:fld id="{FB30EDBD-1C2D-4C1E-B459-B60219FAB484}" type="datetimeFigureOut">
               <a:rPr lang="ko-KR" altLang="en-US" smtClean="0"/>
-              <a:t>2019-02-20</a:t>
+              <a:t>2019-02-22</a:t>
             </a:fld>
             <a:endParaRPr lang="ko-KR" altLang="en-US"/>
           </a:p>
@@ -2346,7 +2373,7 @@
           <a:p>
             <a:fld id="{FB30EDBD-1C2D-4C1E-B459-B60219FAB484}" type="datetimeFigureOut">
               <a:rPr lang="ko-KR" altLang="en-US" smtClean="0"/>
-              <a:t>2019-02-20</a:t>
+              <a:t>2019-02-22</a:t>
             </a:fld>
             <a:endParaRPr lang="ko-KR" altLang="en-US"/>
           </a:p>
@@ -2458,7 +2485,7 @@
           <a:p>
             <a:fld id="{FB30EDBD-1C2D-4C1E-B459-B60219FAB484}" type="datetimeFigureOut">
               <a:rPr lang="ko-KR" altLang="en-US" smtClean="0"/>
-              <a:t>2019-02-20</a:t>
+              <a:t>2019-02-22</a:t>
             </a:fld>
             <a:endParaRPr lang="ko-KR" altLang="en-US"/>
           </a:p>
@@ -2548,7 +2575,7 @@
           <a:p>
             <a:fld id="{FB30EDBD-1C2D-4C1E-B459-B60219FAB484}" type="datetimeFigureOut">
               <a:rPr lang="ko-KR" altLang="en-US" smtClean="0"/>
-              <a:t>2019-02-20</a:t>
+              <a:t>2019-02-22</a:t>
             </a:fld>
             <a:endParaRPr lang="ko-KR" altLang="en-US"/>
           </a:p>
@@ -2818,7 +2845,7 @@
           <a:p>
             <a:fld id="{FB30EDBD-1C2D-4C1E-B459-B60219FAB484}" type="datetimeFigureOut">
               <a:rPr lang="ko-KR" altLang="en-US" smtClean="0"/>
-              <a:t>2019-02-20</a:t>
+              <a:t>2019-02-22</a:t>
             </a:fld>
             <a:endParaRPr lang="ko-KR" altLang="en-US"/>
           </a:p>
@@ -3065,7 +3092,7 @@
           <a:p>
             <a:fld id="{FB30EDBD-1C2D-4C1E-B459-B60219FAB484}" type="datetimeFigureOut">
               <a:rPr lang="ko-KR" altLang="en-US" smtClean="0"/>
-              <a:t>2019-02-20</a:t>
+              <a:t>2019-02-22</a:t>
             </a:fld>
             <a:endParaRPr lang="ko-KR" altLang="en-US"/>
           </a:p>
@@ -3271,7 +3298,7 @@
           <a:p>
             <a:fld id="{FB30EDBD-1C2D-4C1E-B459-B60219FAB484}" type="datetimeFigureOut">
               <a:rPr lang="ko-KR" altLang="en-US" smtClean="0"/>
-              <a:t>2019-02-20</a:t>
+              <a:t>2019-02-22</a:t>
             </a:fld>
             <a:endParaRPr lang="ko-KR" altLang="en-US"/>
           </a:p>
@@ -3683,6 +3710,3665 @@
         </p:nvSpPr>
         <p:spPr>
           <a:xfrm>
+            <a:off x="2598476" y="843558"/>
+            <a:ext cx="1728192" cy="352359"/>
+          </a:xfrm>
+          <a:prstGeom prst="roundRect">
+            <a:avLst/>
+          </a:prstGeom>
+        </p:spPr>
+        <p:style>
+          <a:lnRef idx="2">
+            <a:schemeClr val="dk1"/>
+          </a:lnRef>
+          <a:fillRef idx="1">
+            <a:schemeClr val="lt1"/>
+          </a:fillRef>
+          <a:effectRef idx="0">
+            <a:schemeClr val="dk1"/>
+          </a:effectRef>
+          <a:fontRef idx="minor">
+            <a:schemeClr val="dk1"/>
+          </a:fontRef>
+        </p:style>
+        <p:txBody>
+          <a:bodyPr rtlCol="0" anchor="ctr"/>
+          <a:lstStyle/>
+          <a:p>
+            <a:pPr algn="ctr"/>
+            <a:r>
+              <a:rPr lang="en-US" altLang="ko-KR" sz="1400" dirty="0"/>
+              <a:t>Producer A</a:t>
+            </a:r>
+            <a:endParaRPr lang="ko-KR" altLang="en-US" sz="1400" dirty="0"/>
+          </a:p>
+        </p:txBody>
+      </p:sp>
+      <p:grpSp>
+        <p:nvGrpSpPr>
+          <p:cNvPr id="15" name="그룹 14">
+            <a:extLst>
+              <a:ext uri="{FF2B5EF4-FFF2-40B4-BE49-F238E27FC236}">
+                <a16:creationId xmlns:a16="http://schemas.microsoft.com/office/drawing/2014/main" id="{CD26FB22-B322-4962-A422-66B7AFBE198B}"/>
+              </a:ext>
+            </a:extLst>
+          </p:cNvPr>
+          <p:cNvGrpSpPr/>
+          <p:nvPr/>
+        </p:nvGrpSpPr>
+        <p:grpSpPr>
+          <a:xfrm>
+            <a:off x="1425785" y="1474533"/>
+            <a:ext cx="1971950" cy="1644345"/>
+            <a:chOff x="1259632" y="2067694"/>
+            <a:chExt cx="1728192" cy="2016224"/>
+          </a:xfrm>
+        </p:grpSpPr>
+        <p:sp>
+          <p:nvSpPr>
+            <p:cNvPr id="7" name="사각형: 둥근 모서리 6">
+              <a:extLst>
+                <a:ext uri="{FF2B5EF4-FFF2-40B4-BE49-F238E27FC236}">
+                  <a16:creationId xmlns:a16="http://schemas.microsoft.com/office/drawing/2014/main" id="{43605E7C-158D-49F1-8506-CEF09E8CC589}"/>
+                </a:ext>
+              </a:extLst>
+            </p:cNvPr>
+            <p:cNvSpPr/>
+            <p:nvPr/>
+          </p:nvSpPr>
+          <p:spPr>
+            <a:xfrm>
+              <a:off x="1259632" y="2067694"/>
+              <a:ext cx="1728192" cy="2016224"/>
+            </a:xfrm>
+            <a:prstGeom prst="roundRect">
+              <a:avLst>
+                <a:gd name="adj" fmla="val 4182"/>
+              </a:avLst>
+            </a:prstGeom>
+          </p:spPr>
+          <p:style>
+            <a:lnRef idx="2">
+              <a:schemeClr val="dk1"/>
+            </a:lnRef>
+            <a:fillRef idx="1">
+              <a:schemeClr val="lt1"/>
+            </a:fillRef>
+            <a:effectRef idx="0">
+              <a:schemeClr val="dk1"/>
+            </a:effectRef>
+            <a:fontRef idx="minor">
+              <a:schemeClr val="dk1"/>
+            </a:fontRef>
+          </p:style>
+          <p:txBody>
+            <a:bodyPr rtlCol="0" anchor="t"/>
+            <a:lstStyle/>
+            <a:p>
+              <a:pPr algn="ctr"/>
+              <a:r>
+                <a:rPr lang="en-US" altLang="ko-KR" sz="1400" dirty="0"/>
+                <a:t>Topic A</a:t>
+              </a:r>
+              <a:endParaRPr lang="ko-KR" altLang="en-US" sz="1400" dirty="0"/>
+            </a:p>
+          </p:txBody>
+        </p:sp>
+        <p:sp>
+          <p:nvSpPr>
+            <p:cNvPr id="13" name="사각형: 둥근 모서리 12">
+              <a:extLst>
+                <a:ext uri="{FF2B5EF4-FFF2-40B4-BE49-F238E27FC236}">
+                  <a16:creationId xmlns:a16="http://schemas.microsoft.com/office/drawing/2014/main" id="{22E7F032-13ED-4575-8F3C-092CC530ABC3}"/>
+                </a:ext>
+              </a:extLst>
+            </p:cNvPr>
+            <p:cNvSpPr/>
+            <p:nvPr/>
+          </p:nvSpPr>
+          <p:spPr>
+            <a:xfrm>
+              <a:off x="1403648" y="2489600"/>
+              <a:ext cx="1440160" cy="370182"/>
+            </a:xfrm>
+            <a:prstGeom prst="roundRect">
+              <a:avLst>
+                <a:gd name="adj" fmla="val 14105"/>
+              </a:avLst>
+            </a:prstGeom>
+          </p:spPr>
+          <p:style>
+            <a:lnRef idx="2">
+              <a:schemeClr val="dk1"/>
+            </a:lnRef>
+            <a:fillRef idx="1">
+              <a:schemeClr val="lt1"/>
+            </a:fillRef>
+            <a:effectRef idx="0">
+              <a:schemeClr val="dk1"/>
+            </a:effectRef>
+            <a:fontRef idx="minor">
+              <a:schemeClr val="dk1"/>
+            </a:fontRef>
+          </p:style>
+          <p:txBody>
+            <a:bodyPr rtlCol="0" anchor="ctr"/>
+            <a:lstStyle/>
+            <a:p>
+              <a:pPr algn="ctr"/>
+              <a:r>
+                <a:rPr lang="en-US" altLang="ko-KR" sz="1400" dirty="0"/>
+                <a:t>Partition 0</a:t>
+              </a:r>
+              <a:endParaRPr lang="ko-KR" altLang="en-US" sz="1400" dirty="0"/>
+            </a:p>
+          </p:txBody>
+        </p:sp>
+        <p:sp>
+          <p:nvSpPr>
+            <p:cNvPr id="14" name="사각형: 둥근 모서리 13">
+              <a:extLst>
+                <a:ext uri="{FF2B5EF4-FFF2-40B4-BE49-F238E27FC236}">
+                  <a16:creationId xmlns:a16="http://schemas.microsoft.com/office/drawing/2014/main" id="{DF001E3F-CC52-44A6-A024-1F8E5EEE3BE4}"/>
+                </a:ext>
+              </a:extLst>
+            </p:cNvPr>
+            <p:cNvSpPr/>
+            <p:nvPr/>
+          </p:nvSpPr>
+          <p:spPr>
+            <a:xfrm>
+              <a:off x="1403648" y="3008413"/>
+              <a:ext cx="1440160" cy="370182"/>
+            </a:xfrm>
+            <a:prstGeom prst="roundRect">
+              <a:avLst>
+                <a:gd name="adj" fmla="val 14105"/>
+              </a:avLst>
+            </a:prstGeom>
+          </p:spPr>
+          <p:style>
+            <a:lnRef idx="2">
+              <a:schemeClr val="dk1"/>
+            </a:lnRef>
+            <a:fillRef idx="1">
+              <a:schemeClr val="lt1"/>
+            </a:fillRef>
+            <a:effectRef idx="0">
+              <a:schemeClr val="dk1"/>
+            </a:effectRef>
+            <a:fontRef idx="minor">
+              <a:schemeClr val="dk1"/>
+            </a:fontRef>
+          </p:style>
+          <p:txBody>
+            <a:bodyPr rtlCol="0" anchor="ctr"/>
+            <a:lstStyle/>
+            <a:p>
+              <a:pPr algn="ctr"/>
+              <a:r>
+                <a:rPr lang="en-US" altLang="ko-KR" sz="1400" dirty="0"/>
+                <a:t>Partition 1</a:t>
+              </a:r>
+              <a:endParaRPr lang="ko-KR" altLang="en-US" sz="1400" dirty="0"/>
+            </a:p>
+          </p:txBody>
+        </p:sp>
+      </p:grpSp>
+      <p:grpSp>
+        <p:nvGrpSpPr>
+          <p:cNvPr id="16" name="그룹 15">
+            <a:extLst>
+              <a:ext uri="{FF2B5EF4-FFF2-40B4-BE49-F238E27FC236}">
+                <a16:creationId xmlns:a16="http://schemas.microsoft.com/office/drawing/2014/main" id="{A9BAD3D4-86BB-41B1-8177-75D80118A1C8}"/>
+              </a:ext>
+            </a:extLst>
+          </p:cNvPr>
+          <p:cNvGrpSpPr/>
+          <p:nvPr/>
+        </p:nvGrpSpPr>
+        <p:grpSpPr>
+          <a:xfrm>
+            <a:off x="3478013" y="1474533"/>
+            <a:ext cx="1971950" cy="1644345"/>
+            <a:chOff x="1259632" y="2067694"/>
+            <a:chExt cx="1728192" cy="2016224"/>
+          </a:xfrm>
+        </p:grpSpPr>
+        <p:sp>
+          <p:nvSpPr>
+            <p:cNvPr id="17" name="사각형: 둥근 모서리 16">
+              <a:extLst>
+                <a:ext uri="{FF2B5EF4-FFF2-40B4-BE49-F238E27FC236}">
+                  <a16:creationId xmlns:a16="http://schemas.microsoft.com/office/drawing/2014/main" id="{81D51EEF-881E-4D40-8D97-72F8E211014A}"/>
+                </a:ext>
+              </a:extLst>
+            </p:cNvPr>
+            <p:cNvSpPr/>
+            <p:nvPr/>
+          </p:nvSpPr>
+          <p:spPr>
+            <a:xfrm>
+              <a:off x="1259632" y="2067694"/>
+              <a:ext cx="1728192" cy="2016224"/>
+            </a:xfrm>
+            <a:prstGeom prst="roundRect">
+              <a:avLst>
+                <a:gd name="adj" fmla="val 4549"/>
+              </a:avLst>
+            </a:prstGeom>
+          </p:spPr>
+          <p:style>
+            <a:lnRef idx="2">
+              <a:schemeClr val="dk1"/>
+            </a:lnRef>
+            <a:fillRef idx="1">
+              <a:schemeClr val="lt1"/>
+            </a:fillRef>
+            <a:effectRef idx="0">
+              <a:schemeClr val="dk1"/>
+            </a:effectRef>
+            <a:fontRef idx="minor">
+              <a:schemeClr val="dk1"/>
+            </a:fontRef>
+          </p:style>
+          <p:txBody>
+            <a:bodyPr rtlCol="0" anchor="t"/>
+            <a:lstStyle/>
+            <a:p>
+              <a:pPr algn="ctr"/>
+              <a:r>
+                <a:rPr lang="en-US" altLang="ko-KR" sz="1400" dirty="0"/>
+                <a:t>Topic B</a:t>
+              </a:r>
+              <a:endParaRPr lang="ko-KR" altLang="en-US" sz="1400" dirty="0"/>
+            </a:p>
+          </p:txBody>
+        </p:sp>
+        <p:sp>
+          <p:nvSpPr>
+            <p:cNvPr id="19" name="사각형: 둥근 모서리 18">
+              <a:extLst>
+                <a:ext uri="{FF2B5EF4-FFF2-40B4-BE49-F238E27FC236}">
+                  <a16:creationId xmlns:a16="http://schemas.microsoft.com/office/drawing/2014/main" id="{89E45E1E-4A30-418C-8291-338E06F96508}"/>
+                </a:ext>
+              </a:extLst>
+            </p:cNvPr>
+            <p:cNvSpPr/>
+            <p:nvPr/>
+          </p:nvSpPr>
+          <p:spPr>
+            <a:xfrm>
+              <a:off x="1403648" y="2489600"/>
+              <a:ext cx="1440160" cy="370182"/>
+            </a:xfrm>
+            <a:prstGeom prst="roundRect">
+              <a:avLst>
+                <a:gd name="adj" fmla="val 14105"/>
+              </a:avLst>
+            </a:prstGeom>
+          </p:spPr>
+          <p:style>
+            <a:lnRef idx="2">
+              <a:schemeClr val="dk1"/>
+            </a:lnRef>
+            <a:fillRef idx="1">
+              <a:schemeClr val="lt1"/>
+            </a:fillRef>
+            <a:effectRef idx="0">
+              <a:schemeClr val="dk1"/>
+            </a:effectRef>
+            <a:fontRef idx="minor">
+              <a:schemeClr val="dk1"/>
+            </a:fontRef>
+          </p:style>
+          <p:txBody>
+            <a:bodyPr rtlCol="0" anchor="ctr"/>
+            <a:lstStyle/>
+            <a:p>
+              <a:pPr algn="ctr"/>
+              <a:r>
+                <a:rPr lang="en-US" altLang="ko-KR" sz="1400" dirty="0"/>
+                <a:t>Partition 0</a:t>
+              </a:r>
+              <a:endParaRPr lang="ko-KR" altLang="en-US" sz="1400" dirty="0"/>
+            </a:p>
+          </p:txBody>
+        </p:sp>
+      </p:grpSp>
+      <p:grpSp>
+        <p:nvGrpSpPr>
+          <p:cNvPr id="21" name="그룹 20">
+            <a:extLst>
+              <a:ext uri="{FF2B5EF4-FFF2-40B4-BE49-F238E27FC236}">
+                <a16:creationId xmlns:a16="http://schemas.microsoft.com/office/drawing/2014/main" id="{27B97339-A278-426B-BE6D-3272A4FF2291}"/>
+              </a:ext>
+            </a:extLst>
+          </p:cNvPr>
+          <p:cNvGrpSpPr/>
+          <p:nvPr/>
+        </p:nvGrpSpPr>
+        <p:grpSpPr>
+          <a:xfrm>
+            <a:off x="5552197" y="1474533"/>
+            <a:ext cx="1971950" cy="1644345"/>
+            <a:chOff x="1259632" y="2067694"/>
+            <a:chExt cx="1728192" cy="2016224"/>
+          </a:xfrm>
+        </p:grpSpPr>
+        <p:sp>
+          <p:nvSpPr>
+            <p:cNvPr id="22" name="사각형: 둥근 모서리 21">
+              <a:extLst>
+                <a:ext uri="{FF2B5EF4-FFF2-40B4-BE49-F238E27FC236}">
+                  <a16:creationId xmlns:a16="http://schemas.microsoft.com/office/drawing/2014/main" id="{6BB1E2A6-F8AC-4742-9A35-2BCFEFE7A7A2}"/>
+                </a:ext>
+              </a:extLst>
+            </p:cNvPr>
+            <p:cNvSpPr/>
+            <p:nvPr/>
+          </p:nvSpPr>
+          <p:spPr>
+            <a:xfrm>
+              <a:off x="1259632" y="2067694"/>
+              <a:ext cx="1728192" cy="2016224"/>
+            </a:xfrm>
+            <a:prstGeom prst="roundRect">
+              <a:avLst>
+                <a:gd name="adj" fmla="val 4549"/>
+              </a:avLst>
+            </a:prstGeom>
+          </p:spPr>
+          <p:style>
+            <a:lnRef idx="2">
+              <a:schemeClr val="dk1"/>
+            </a:lnRef>
+            <a:fillRef idx="1">
+              <a:schemeClr val="lt1"/>
+            </a:fillRef>
+            <a:effectRef idx="0">
+              <a:schemeClr val="dk1"/>
+            </a:effectRef>
+            <a:fontRef idx="minor">
+              <a:schemeClr val="dk1"/>
+            </a:fontRef>
+          </p:style>
+          <p:txBody>
+            <a:bodyPr rtlCol="0" anchor="t"/>
+            <a:lstStyle/>
+            <a:p>
+              <a:pPr algn="ctr"/>
+              <a:r>
+                <a:rPr lang="en-US" altLang="ko-KR" sz="1400" dirty="0"/>
+                <a:t>Topic C</a:t>
+              </a:r>
+              <a:endParaRPr lang="ko-KR" altLang="en-US" sz="1400" dirty="0"/>
+            </a:p>
+          </p:txBody>
+        </p:sp>
+        <p:sp>
+          <p:nvSpPr>
+            <p:cNvPr id="23" name="사각형: 둥근 모서리 22">
+              <a:extLst>
+                <a:ext uri="{FF2B5EF4-FFF2-40B4-BE49-F238E27FC236}">
+                  <a16:creationId xmlns:a16="http://schemas.microsoft.com/office/drawing/2014/main" id="{2FDAC04C-F226-479C-9859-26AEF1618706}"/>
+                </a:ext>
+              </a:extLst>
+            </p:cNvPr>
+            <p:cNvSpPr/>
+            <p:nvPr/>
+          </p:nvSpPr>
+          <p:spPr>
+            <a:xfrm>
+              <a:off x="1403648" y="3527226"/>
+              <a:ext cx="1440160" cy="370182"/>
+            </a:xfrm>
+            <a:prstGeom prst="roundRect">
+              <a:avLst>
+                <a:gd name="adj" fmla="val 14105"/>
+              </a:avLst>
+            </a:prstGeom>
+          </p:spPr>
+          <p:style>
+            <a:lnRef idx="2">
+              <a:schemeClr val="dk1"/>
+            </a:lnRef>
+            <a:fillRef idx="1">
+              <a:schemeClr val="lt1"/>
+            </a:fillRef>
+            <a:effectRef idx="0">
+              <a:schemeClr val="dk1"/>
+            </a:effectRef>
+            <a:fontRef idx="minor">
+              <a:schemeClr val="dk1"/>
+            </a:fontRef>
+          </p:style>
+          <p:txBody>
+            <a:bodyPr rtlCol="0" anchor="ctr"/>
+            <a:lstStyle/>
+            <a:p>
+              <a:pPr algn="ctr"/>
+              <a:r>
+                <a:rPr lang="en-US" altLang="ko-KR" sz="1400" dirty="0"/>
+                <a:t>Partition 2</a:t>
+              </a:r>
+              <a:endParaRPr lang="ko-KR" altLang="en-US" sz="1400" dirty="0"/>
+            </a:p>
+          </p:txBody>
+        </p:sp>
+        <p:sp>
+          <p:nvSpPr>
+            <p:cNvPr id="24" name="사각형: 둥근 모서리 23">
+              <a:extLst>
+                <a:ext uri="{FF2B5EF4-FFF2-40B4-BE49-F238E27FC236}">
+                  <a16:creationId xmlns:a16="http://schemas.microsoft.com/office/drawing/2014/main" id="{72065A45-3266-4048-8877-6D7DD86DDD4C}"/>
+                </a:ext>
+              </a:extLst>
+            </p:cNvPr>
+            <p:cNvSpPr/>
+            <p:nvPr/>
+          </p:nvSpPr>
+          <p:spPr>
+            <a:xfrm>
+              <a:off x="1403648" y="2489600"/>
+              <a:ext cx="1440160" cy="370182"/>
+            </a:xfrm>
+            <a:prstGeom prst="roundRect">
+              <a:avLst>
+                <a:gd name="adj" fmla="val 14105"/>
+              </a:avLst>
+            </a:prstGeom>
+          </p:spPr>
+          <p:style>
+            <a:lnRef idx="2">
+              <a:schemeClr val="dk1"/>
+            </a:lnRef>
+            <a:fillRef idx="1">
+              <a:schemeClr val="lt1"/>
+            </a:fillRef>
+            <a:effectRef idx="0">
+              <a:schemeClr val="dk1"/>
+            </a:effectRef>
+            <a:fontRef idx="minor">
+              <a:schemeClr val="dk1"/>
+            </a:fontRef>
+          </p:style>
+          <p:txBody>
+            <a:bodyPr rtlCol="0" anchor="ctr"/>
+            <a:lstStyle/>
+            <a:p>
+              <a:pPr algn="ctr"/>
+              <a:r>
+                <a:rPr lang="en-US" altLang="ko-KR" sz="1400" dirty="0"/>
+                <a:t>Partition 0</a:t>
+              </a:r>
+              <a:endParaRPr lang="ko-KR" altLang="en-US" sz="1400" dirty="0"/>
+            </a:p>
+          </p:txBody>
+        </p:sp>
+        <p:sp>
+          <p:nvSpPr>
+            <p:cNvPr id="25" name="사각형: 둥근 모서리 24">
+              <a:extLst>
+                <a:ext uri="{FF2B5EF4-FFF2-40B4-BE49-F238E27FC236}">
+                  <a16:creationId xmlns:a16="http://schemas.microsoft.com/office/drawing/2014/main" id="{A16C0C38-1A4E-4076-BFA7-5677521083BC}"/>
+                </a:ext>
+              </a:extLst>
+            </p:cNvPr>
+            <p:cNvSpPr/>
+            <p:nvPr/>
+          </p:nvSpPr>
+          <p:spPr>
+            <a:xfrm>
+              <a:off x="1403648" y="3008413"/>
+              <a:ext cx="1440160" cy="370182"/>
+            </a:xfrm>
+            <a:prstGeom prst="roundRect">
+              <a:avLst>
+                <a:gd name="adj" fmla="val 14105"/>
+              </a:avLst>
+            </a:prstGeom>
+          </p:spPr>
+          <p:style>
+            <a:lnRef idx="2">
+              <a:schemeClr val="dk1"/>
+            </a:lnRef>
+            <a:fillRef idx="1">
+              <a:schemeClr val="lt1"/>
+            </a:fillRef>
+            <a:effectRef idx="0">
+              <a:schemeClr val="dk1"/>
+            </a:effectRef>
+            <a:fontRef idx="minor">
+              <a:schemeClr val="dk1"/>
+            </a:fontRef>
+          </p:style>
+          <p:txBody>
+            <a:bodyPr rtlCol="0" anchor="ctr"/>
+            <a:lstStyle/>
+            <a:p>
+              <a:pPr algn="ctr"/>
+              <a:r>
+                <a:rPr lang="en-US" altLang="ko-KR" sz="1400" dirty="0"/>
+                <a:t>Partition 1</a:t>
+              </a:r>
+              <a:endParaRPr lang="ko-KR" altLang="en-US" sz="1400" dirty="0"/>
+            </a:p>
+          </p:txBody>
+        </p:sp>
+      </p:grpSp>
+      <p:sp>
+        <p:nvSpPr>
+          <p:cNvPr id="26" name="사각형: 둥근 모서리 25">
+            <a:extLst>
+              <a:ext uri="{FF2B5EF4-FFF2-40B4-BE49-F238E27FC236}">
+                <a16:creationId xmlns:a16="http://schemas.microsoft.com/office/drawing/2014/main" id="{E95C71DC-3DAE-4BE3-B333-BA03C3FF760A}"/>
+              </a:ext>
+            </a:extLst>
+          </p:cNvPr>
+          <p:cNvSpPr/>
+          <p:nvPr/>
+        </p:nvSpPr>
+        <p:spPr>
+          <a:xfrm>
+            <a:off x="4650704" y="843558"/>
+            <a:ext cx="1728192" cy="352359"/>
+          </a:xfrm>
+          <a:prstGeom prst="roundRect">
+            <a:avLst/>
+          </a:prstGeom>
+        </p:spPr>
+        <p:style>
+          <a:lnRef idx="2">
+            <a:schemeClr val="dk1"/>
+          </a:lnRef>
+          <a:fillRef idx="1">
+            <a:schemeClr val="lt1"/>
+          </a:fillRef>
+          <a:effectRef idx="0">
+            <a:schemeClr val="dk1"/>
+          </a:effectRef>
+          <a:fontRef idx="minor">
+            <a:schemeClr val="dk1"/>
+          </a:fontRef>
+        </p:style>
+        <p:txBody>
+          <a:bodyPr rtlCol="0" anchor="ctr"/>
+          <a:lstStyle/>
+          <a:p>
+            <a:pPr algn="ctr"/>
+            <a:r>
+              <a:rPr lang="en-US" altLang="ko-KR" sz="1400" dirty="0"/>
+              <a:t>Producer B</a:t>
+            </a:r>
+            <a:endParaRPr lang="ko-KR" altLang="en-US" sz="1400" dirty="0"/>
+          </a:p>
+        </p:txBody>
+      </p:sp>
+      <p:sp>
+        <p:nvSpPr>
+          <p:cNvPr id="32" name="사각형: 둥근 모서리 31">
+            <a:extLst>
+              <a:ext uri="{FF2B5EF4-FFF2-40B4-BE49-F238E27FC236}">
+                <a16:creationId xmlns:a16="http://schemas.microsoft.com/office/drawing/2014/main" id="{CB4DDE75-056E-4249-BD12-0F81EF6C02B5}"/>
+              </a:ext>
+            </a:extLst>
+          </p:cNvPr>
+          <p:cNvSpPr/>
+          <p:nvPr/>
+        </p:nvSpPr>
+        <p:spPr>
+          <a:xfrm>
+            <a:off x="251520" y="4081352"/>
+            <a:ext cx="2052228" cy="722646"/>
+          </a:xfrm>
+          <a:prstGeom prst="roundRect">
+            <a:avLst/>
+          </a:prstGeom>
+        </p:spPr>
+        <p:style>
+          <a:lnRef idx="2">
+            <a:schemeClr val="dk1"/>
+          </a:lnRef>
+          <a:fillRef idx="1">
+            <a:schemeClr val="lt1"/>
+          </a:fillRef>
+          <a:effectRef idx="0">
+            <a:schemeClr val="dk1"/>
+          </a:effectRef>
+          <a:fontRef idx="minor">
+            <a:schemeClr val="dk1"/>
+          </a:fontRef>
+        </p:style>
+        <p:txBody>
+          <a:bodyPr rtlCol="0" anchor="b"/>
+          <a:lstStyle/>
+          <a:p>
+            <a:pPr algn="ctr"/>
+            <a:r>
+              <a:rPr lang="en-US" altLang="ko-KR" sz="1400" dirty="0"/>
+              <a:t>Consumer Group A</a:t>
+            </a:r>
+            <a:endParaRPr lang="ko-KR" altLang="en-US" sz="1400" dirty="0"/>
+          </a:p>
+        </p:txBody>
+      </p:sp>
+      <p:sp>
+        <p:nvSpPr>
+          <p:cNvPr id="28" name="사각형: 둥근 모서리 27">
+            <a:extLst>
+              <a:ext uri="{FF2B5EF4-FFF2-40B4-BE49-F238E27FC236}">
+                <a16:creationId xmlns:a16="http://schemas.microsoft.com/office/drawing/2014/main" id="{1FDAD9F0-B585-4776-8EFF-1B3B1CDDDF15}"/>
+              </a:ext>
+            </a:extLst>
+          </p:cNvPr>
+          <p:cNvSpPr/>
+          <p:nvPr/>
+        </p:nvSpPr>
+        <p:spPr>
+          <a:xfrm>
+            <a:off x="405678" y="4181022"/>
+            <a:ext cx="1743912" cy="337430"/>
+          </a:xfrm>
+          <a:prstGeom prst="roundRect">
+            <a:avLst/>
+          </a:prstGeom>
+        </p:spPr>
+        <p:style>
+          <a:lnRef idx="2">
+            <a:schemeClr val="dk1"/>
+          </a:lnRef>
+          <a:fillRef idx="1">
+            <a:schemeClr val="lt1"/>
+          </a:fillRef>
+          <a:effectRef idx="0">
+            <a:schemeClr val="dk1"/>
+          </a:effectRef>
+          <a:fontRef idx="minor">
+            <a:schemeClr val="dk1"/>
+          </a:fontRef>
+        </p:style>
+        <p:txBody>
+          <a:bodyPr rtlCol="0" anchor="ctr"/>
+          <a:lstStyle/>
+          <a:p>
+            <a:pPr algn="ctr"/>
+            <a:r>
+              <a:rPr lang="en-US" altLang="ko-KR" sz="1400" dirty="0"/>
+              <a:t>Consumer A</a:t>
+            </a:r>
+            <a:endParaRPr lang="ko-KR" altLang="en-US" sz="1400" dirty="0"/>
+          </a:p>
+        </p:txBody>
+      </p:sp>
+      <p:sp>
+        <p:nvSpPr>
+          <p:cNvPr id="37" name="사각형: 둥근 모서리 36">
+            <a:extLst>
+              <a:ext uri="{FF2B5EF4-FFF2-40B4-BE49-F238E27FC236}">
+                <a16:creationId xmlns:a16="http://schemas.microsoft.com/office/drawing/2014/main" id="{4EFA6A44-B3D5-43F1-BE2A-9B5BE681D580}"/>
+              </a:ext>
+            </a:extLst>
+          </p:cNvPr>
+          <p:cNvSpPr/>
+          <p:nvPr/>
+        </p:nvSpPr>
+        <p:spPr>
+          <a:xfrm>
+            <a:off x="2501770" y="4081352"/>
+            <a:ext cx="2052228" cy="722646"/>
+          </a:xfrm>
+          <a:prstGeom prst="roundRect">
+            <a:avLst/>
+          </a:prstGeom>
+        </p:spPr>
+        <p:style>
+          <a:lnRef idx="2">
+            <a:schemeClr val="dk1"/>
+          </a:lnRef>
+          <a:fillRef idx="1">
+            <a:schemeClr val="lt1"/>
+          </a:fillRef>
+          <a:effectRef idx="0">
+            <a:schemeClr val="dk1"/>
+          </a:effectRef>
+          <a:fontRef idx="minor">
+            <a:schemeClr val="dk1"/>
+          </a:fontRef>
+        </p:style>
+        <p:txBody>
+          <a:bodyPr rtlCol="0" anchor="b"/>
+          <a:lstStyle/>
+          <a:p>
+            <a:pPr algn="ctr"/>
+            <a:r>
+              <a:rPr lang="en-US" altLang="ko-KR" sz="1400" dirty="0"/>
+              <a:t>Consumer Group B</a:t>
+            </a:r>
+            <a:endParaRPr lang="ko-KR" altLang="en-US" sz="1400" dirty="0"/>
+          </a:p>
+        </p:txBody>
+      </p:sp>
+      <p:sp>
+        <p:nvSpPr>
+          <p:cNvPr id="38" name="사각형: 둥근 모서리 37">
+            <a:extLst>
+              <a:ext uri="{FF2B5EF4-FFF2-40B4-BE49-F238E27FC236}">
+                <a16:creationId xmlns:a16="http://schemas.microsoft.com/office/drawing/2014/main" id="{0D04AF20-0AE7-4278-A777-83004129ACF2}"/>
+              </a:ext>
+            </a:extLst>
+          </p:cNvPr>
+          <p:cNvSpPr/>
+          <p:nvPr/>
+        </p:nvSpPr>
+        <p:spPr>
+          <a:xfrm>
+            <a:off x="2655928" y="4181022"/>
+            <a:ext cx="1743912" cy="337430"/>
+          </a:xfrm>
+          <a:prstGeom prst="roundRect">
+            <a:avLst/>
+          </a:prstGeom>
+        </p:spPr>
+        <p:style>
+          <a:lnRef idx="2">
+            <a:schemeClr val="dk1"/>
+          </a:lnRef>
+          <a:fillRef idx="1">
+            <a:schemeClr val="lt1"/>
+          </a:fillRef>
+          <a:effectRef idx="0">
+            <a:schemeClr val="dk1"/>
+          </a:effectRef>
+          <a:fontRef idx="minor">
+            <a:schemeClr val="dk1"/>
+          </a:fontRef>
+        </p:style>
+        <p:txBody>
+          <a:bodyPr rtlCol="0" anchor="ctr"/>
+          <a:lstStyle/>
+          <a:p>
+            <a:pPr algn="ctr"/>
+            <a:r>
+              <a:rPr lang="en-US" altLang="ko-KR" sz="1400" dirty="0"/>
+              <a:t>Consumer B</a:t>
+            </a:r>
+            <a:endParaRPr lang="ko-KR" altLang="en-US" sz="1400" dirty="0"/>
+          </a:p>
+        </p:txBody>
+      </p:sp>
+      <p:sp>
+        <p:nvSpPr>
+          <p:cNvPr id="39" name="사각형: 둥근 모서리 38">
+            <a:extLst>
+              <a:ext uri="{FF2B5EF4-FFF2-40B4-BE49-F238E27FC236}">
+                <a16:creationId xmlns:a16="http://schemas.microsoft.com/office/drawing/2014/main" id="{5230FF1A-8A8B-461A-A6A7-E411A0A0385F}"/>
+              </a:ext>
+            </a:extLst>
+          </p:cNvPr>
+          <p:cNvSpPr/>
+          <p:nvPr/>
+        </p:nvSpPr>
+        <p:spPr>
+          <a:xfrm>
+            <a:off x="4752020" y="4081352"/>
+            <a:ext cx="3924436" cy="722646"/>
+          </a:xfrm>
+          <a:prstGeom prst="roundRect">
+            <a:avLst/>
+          </a:prstGeom>
+        </p:spPr>
+        <p:style>
+          <a:lnRef idx="2">
+            <a:schemeClr val="dk1"/>
+          </a:lnRef>
+          <a:fillRef idx="1">
+            <a:schemeClr val="lt1"/>
+          </a:fillRef>
+          <a:effectRef idx="0">
+            <a:schemeClr val="dk1"/>
+          </a:effectRef>
+          <a:fontRef idx="minor">
+            <a:schemeClr val="dk1"/>
+          </a:fontRef>
+        </p:style>
+        <p:txBody>
+          <a:bodyPr rtlCol="0" anchor="b"/>
+          <a:lstStyle/>
+          <a:p>
+            <a:pPr algn="ctr"/>
+            <a:r>
+              <a:rPr lang="en-US" altLang="ko-KR" sz="1400" dirty="0"/>
+              <a:t>Consumer Group C</a:t>
+            </a:r>
+            <a:endParaRPr lang="ko-KR" altLang="en-US" sz="1400" dirty="0"/>
+          </a:p>
+        </p:txBody>
+      </p:sp>
+      <p:sp>
+        <p:nvSpPr>
+          <p:cNvPr id="40" name="사각형: 둥근 모서리 39">
+            <a:extLst>
+              <a:ext uri="{FF2B5EF4-FFF2-40B4-BE49-F238E27FC236}">
+                <a16:creationId xmlns:a16="http://schemas.microsoft.com/office/drawing/2014/main" id="{8B9B68B6-E172-4ADF-93FA-97134AB47BF3}"/>
+              </a:ext>
+            </a:extLst>
+          </p:cNvPr>
+          <p:cNvSpPr/>
+          <p:nvPr/>
+        </p:nvSpPr>
+        <p:spPr>
+          <a:xfrm>
+            <a:off x="4906178" y="4179090"/>
+            <a:ext cx="1743912" cy="339362"/>
+          </a:xfrm>
+          <a:prstGeom prst="roundRect">
+            <a:avLst/>
+          </a:prstGeom>
+        </p:spPr>
+        <p:style>
+          <a:lnRef idx="2">
+            <a:schemeClr val="dk1"/>
+          </a:lnRef>
+          <a:fillRef idx="1">
+            <a:schemeClr val="lt1"/>
+          </a:fillRef>
+          <a:effectRef idx="0">
+            <a:schemeClr val="dk1"/>
+          </a:effectRef>
+          <a:fontRef idx="minor">
+            <a:schemeClr val="dk1"/>
+          </a:fontRef>
+        </p:style>
+        <p:txBody>
+          <a:bodyPr rtlCol="0" anchor="ctr"/>
+          <a:lstStyle/>
+          <a:p>
+            <a:pPr algn="ctr"/>
+            <a:r>
+              <a:rPr lang="en-US" altLang="ko-KR" sz="1400" dirty="0"/>
+              <a:t>Consumer C</a:t>
+            </a:r>
+            <a:endParaRPr lang="ko-KR" altLang="en-US" sz="1400" dirty="0"/>
+          </a:p>
+        </p:txBody>
+      </p:sp>
+      <p:sp>
+        <p:nvSpPr>
+          <p:cNvPr id="41" name="사각형: 둥근 모서리 40">
+            <a:extLst>
+              <a:ext uri="{FF2B5EF4-FFF2-40B4-BE49-F238E27FC236}">
+                <a16:creationId xmlns:a16="http://schemas.microsoft.com/office/drawing/2014/main" id="{C622663F-E44E-4474-90DF-2A71A36BD857}"/>
+              </a:ext>
+            </a:extLst>
+          </p:cNvPr>
+          <p:cNvSpPr/>
+          <p:nvPr/>
+        </p:nvSpPr>
+        <p:spPr>
+          <a:xfrm>
+            <a:off x="6804248" y="4173761"/>
+            <a:ext cx="1743912" cy="344691"/>
+          </a:xfrm>
+          <a:prstGeom prst="roundRect">
+            <a:avLst/>
+          </a:prstGeom>
+        </p:spPr>
+        <p:style>
+          <a:lnRef idx="2">
+            <a:schemeClr val="dk1"/>
+          </a:lnRef>
+          <a:fillRef idx="1">
+            <a:schemeClr val="lt1"/>
+          </a:fillRef>
+          <a:effectRef idx="0">
+            <a:schemeClr val="dk1"/>
+          </a:effectRef>
+          <a:fontRef idx="minor">
+            <a:schemeClr val="dk1"/>
+          </a:fontRef>
+        </p:style>
+        <p:txBody>
+          <a:bodyPr rtlCol="0" anchor="ctr"/>
+          <a:lstStyle/>
+          <a:p>
+            <a:pPr algn="ctr"/>
+            <a:r>
+              <a:rPr lang="en-US" altLang="ko-KR" sz="1400" dirty="0"/>
+              <a:t>Consumer D</a:t>
+            </a:r>
+            <a:endParaRPr lang="ko-KR" altLang="en-US" sz="1400" dirty="0"/>
+          </a:p>
+        </p:txBody>
+      </p:sp>
+      <p:cxnSp>
+        <p:nvCxnSpPr>
+          <p:cNvPr id="45" name="직선 화살표 연결선 44">
+            <a:extLst>
+              <a:ext uri="{FF2B5EF4-FFF2-40B4-BE49-F238E27FC236}">
+                <a16:creationId xmlns:a16="http://schemas.microsoft.com/office/drawing/2014/main" id="{D37954FE-ED75-4B04-B330-707801592D9F}"/>
+              </a:ext>
+            </a:extLst>
+          </p:cNvPr>
+          <p:cNvCxnSpPr>
+            <a:cxnSpLocks/>
+            <a:stCxn id="3" idx="2"/>
+            <a:endCxn id="13" idx="0"/>
+          </p:cNvCxnSpPr>
+          <p:nvPr/>
+        </p:nvCxnSpPr>
+        <p:spPr>
+          <a:xfrm flipH="1">
+            <a:off x="2411760" y="1195917"/>
+            <a:ext cx="1050812" cy="622704"/>
+          </a:xfrm>
+          <a:prstGeom prst="straightConnector1">
+            <a:avLst/>
+          </a:prstGeom>
+          <a:ln w="19050">
+            <a:solidFill>
+              <a:schemeClr val="tx1"/>
+            </a:solidFill>
+            <a:headEnd type="none" w="med" len="med"/>
+            <a:tailEnd type="arrow" w="med" len="med"/>
+          </a:ln>
+        </p:spPr>
+        <p:style>
+          <a:lnRef idx="1">
+            <a:schemeClr val="accent1"/>
+          </a:lnRef>
+          <a:fillRef idx="0">
+            <a:schemeClr val="accent1"/>
+          </a:fillRef>
+          <a:effectRef idx="0">
+            <a:schemeClr val="accent1"/>
+          </a:effectRef>
+          <a:fontRef idx="minor">
+            <a:schemeClr val="tx1"/>
+          </a:fontRef>
+        </p:style>
+      </p:cxnSp>
+      <p:cxnSp>
+        <p:nvCxnSpPr>
+          <p:cNvPr id="46" name="직선 화살표 연결선 45">
+            <a:extLst>
+              <a:ext uri="{FF2B5EF4-FFF2-40B4-BE49-F238E27FC236}">
+                <a16:creationId xmlns:a16="http://schemas.microsoft.com/office/drawing/2014/main" id="{132C35FF-43F2-4928-AF4D-11225986EF96}"/>
+              </a:ext>
+            </a:extLst>
+          </p:cNvPr>
+          <p:cNvCxnSpPr>
+            <a:cxnSpLocks/>
+            <a:stCxn id="3" idx="2"/>
+            <a:endCxn id="19" idx="0"/>
+          </p:cNvCxnSpPr>
+          <p:nvPr/>
+        </p:nvCxnSpPr>
+        <p:spPr>
+          <a:xfrm>
+            <a:off x="3462572" y="1195917"/>
+            <a:ext cx="1001416" cy="622704"/>
+          </a:xfrm>
+          <a:prstGeom prst="straightConnector1">
+            <a:avLst/>
+          </a:prstGeom>
+          <a:ln w="19050">
+            <a:solidFill>
+              <a:schemeClr val="tx1"/>
+            </a:solidFill>
+            <a:headEnd type="none" w="med" len="med"/>
+            <a:tailEnd type="arrow" w="med" len="med"/>
+          </a:ln>
+        </p:spPr>
+        <p:style>
+          <a:lnRef idx="1">
+            <a:schemeClr val="accent1"/>
+          </a:lnRef>
+          <a:fillRef idx="0">
+            <a:schemeClr val="accent1"/>
+          </a:fillRef>
+          <a:effectRef idx="0">
+            <a:schemeClr val="accent1"/>
+          </a:effectRef>
+          <a:fontRef idx="minor">
+            <a:schemeClr val="tx1"/>
+          </a:fontRef>
+        </p:style>
+      </p:cxnSp>
+      <p:cxnSp>
+        <p:nvCxnSpPr>
+          <p:cNvPr id="53" name="직선 화살표 연결선 52">
+            <a:extLst>
+              <a:ext uri="{FF2B5EF4-FFF2-40B4-BE49-F238E27FC236}">
+                <a16:creationId xmlns:a16="http://schemas.microsoft.com/office/drawing/2014/main" id="{DCAB02C9-3F14-4BCC-8B1D-445A946DFD7B}"/>
+              </a:ext>
+            </a:extLst>
+          </p:cNvPr>
+          <p:cNvCxnSpPr>
+            <a:cxnSpLocks/>
+            <a:stCxn id="26" idx="2"/>
+            <a:endCxn id="25" idx="0"/>
+          </p:cNvCxnSpPr>
+          <p:nvPr/>
+        </p:nvCxnSpPr>
+        <p:spPr>
+          <a:xfrm>
+            <a:off x="5514800" y="1195917"/>
+            <a:ext cx="1023372" cy="1045826"/>
+          </a:xfrm>
+          <a:prstGeom prst="straightConnector1">
+            <a:avLst/>
+          </a:prstGeom>
+          <a:ln w="19050">
+            <a:solidFill>
+              <a:schemeClr val="tx1"/>
+            </a:solidFill>
+            <a:headEnd type="none" w="med" len="med"/>
+            <a:tailEnd type="arrow" w="med" len="med"/>
+          </a:ln>
+        </p:spPr>
+        <p:style>
+          <a:lnRef idx="1">
+            <a:schemeClr val="accent1"/>
+          </a:lnRef>
+          <a:fillRef idx="0">
+            <a:schemeClr val="accent1"/>
+          </a:fillRef>
+          <a:effectRef idx="0">
+            <a:schemeClr val="accent1"/>
+          </a:effectRef>
+          <a:fontRef idx="minor">
+            <a:schemeClr val="tx1"/>
+          </a:fontRef>
+        </p:style>
+      </p:cxnSp>
+      <p:cxnSp>
+        <p:nvCxnSpPr>
+          <p:cNvPr id="97" name="직선 화살표 연결선 96">
+            <a:extLst>
+              <a:ext uri="{FF2B5EF4-FFF2-40B4-BE49-F238E27FC236}">
+                <a16:creationId xmlns:a16="http://schemas.microsoft.com/office/drawing/2014/main" id="{CE43D067-EFC5-4361-9604-E0A658584C58}"/>
+              </a:ext>
+            </a:extLst>
+          </p:cNvPr>
+          <p:cNvCxnSpPr>
+            <a:cxnSpLocks/>
+            <a:stCxn id="26" idx="2"/>
+            <a:endCxn id="23" idx="0"/>
+          </p:cNvCxnSpPr>
+          <p:nvPr/>
+        </p:nvCxnSpPr>
+        <p:spPr>
+          <a:xfrm>
+            <a:off x="5514800" y="1195917"/>
+            <a:ext cx="1023372" cy="1468947"/>
+          </a:xfrm>
+          <a:prstGeom prst="straightConnector1">
+            <a:avLst/>
+          </a:prstGeom>
+          <a:ln w="19050">
+            <a:solidFill>
+              <a:schemeClr val="tx1"/>
+            </a:solidFill>
+            <a:headEnd type="none" w="med" len="med"/>
+            <a:tailEnd type="arrow" w="med" len="med"/>
+          </a:ln>
+        </p:spPr>
+        <p:style>
+          <a:lnRef idx="1">
+            <a:schemeClr val="accent1"/>
+          </a:lnRef>
+          <a:fillRef idx="0">
+            <a:schemeClr val="accent1"/>
+          </a:fillRef>
+          <a:effectRef idx="0">
+            <a:schemeClr val="accent1"/>
+          </a:effectRef>
+          <a:fontRef idx="minor">
+            <a:schemeClr val="tx1"/>
+          </a:fontRef>
+        </p:style>
+      </p:cxnSp>
+      <p:cxnSp>
+        <p:nvCxnSpPr>
+          <p:cNvPr id="100" name="직선 화살표 연결선 99">
+            <a:extLst>
+              <a:ext uri="{FF2B5EF4-FFF2-40B4-BE49-F238E27FC236}">
+                <a16:creationId xmlns:a16="http://schemas.microsoft.com/office/drawing/2014/main" id="{B02BE40B-5F79-4FDF-B65E-130CE8274CB2}"/>
+              </a:ext>
+            </a:extLst>
+          </p:cNvPr>
+          <p:cNvCxnSpPr>
+            <a:cxnSpLocks/>
+            <a:stCxn id="23" idx="2"/>
+            <a:endCxn id="41" idx="0"/>
+          </p:cNvCxnSpPr>
+          <p:nvPr/>
+        </p:nvCxnSpPr>
+        <p:spPr>
+          <a:xfrm>
+            <a:off x="6538172" y="2966768"/>
+            <a:ext cx="1138032" cy="1206993"/>
+          </a:xfrm>
+          <a:prstGeom prst="straightConnector1">
+            <a:avLst/>
+          </a:prstGeom>
+          <a:ln w="19050">
+            <a:solidFill>
+              <a:schemeClr val="tx1"/>
+            </a:solidFill>
+            <a:headEnd type="none" w="med" len="med"/>
+            <a:tailEnd type="arrow" w="med" len="med"/>
+          </a:ln>
+        </p:spPr>
+        <p:style>
+          <a:lnRef idx="1">
+            <a:schemeClr val="accent1"/>
+          </a:lnRef>
+          <a:fillRef idx="0">
+            <a:schemeClr val="accent1"/>
+          </a:fillRef>
+          <a:effectRef idx="0">
+            <a:schemeClr val="accent1"/>
+          </a:effectRef>
+          <a:fontRef idx="minor">
+            <a:schemeClr val="tx1"/>
+          </a:fontRef>
+        </p:style>
+      </p:cxnSp>
+      <p:cxnSp>
+        <p:nvCxnSpPr>
+          <p:cNvPr id="103" name="직선 화살표 연결선 102">
+            <a:extLst>
+              <a:ext uri="{FF2B5EF4-FFF2-40B4-BE49-F238E27FC236}">
+                <a16:creationId xmlns:a16="http://schemas.microsoft.com/office/drawing/2014/main" id="{1E58488C-3C29-47B9-A59C-03896480B5DB}"/>
+              </a:ext>
+            </a:extLst>
+          </p:cNvPr>
+          <p:cNvCxnSpPr>
+            <a:cxnSpLocks/>
+            <a:stCxn id="25" idx="2"/>
+            <a:endCxn id="41" idx="0"/>
+          </p:cNvCxnSpPr>
+          <p:nvPr/>
+        </p:nvCxnSpPr>
+        <p:spPr>
+          <a:xfrm>
+            <a:off x="6538172" y="2543647"/>
+            <a:ext cx="1138032" cy="1630114"/>
+          </a:xfrm>
+          <a:prstGeom prst="straightConnector1">
+            <a:avLst/>
+          </a:prstGeom>
+          <a:ln w="19050">
+            <a:solidFill>
+              <a:schemeClr val="tx1"/>
+            </a:solidFill>
+            <a:headEnd type="none" w="med" len="med"/>
+            <a:tailEnd type="arrow" w="med" len="med"/>
+          </a:ln>
+        </p:spPr>
+        <p:style>
+          <a:lnRef idx="1">
+            <a:schemeClr val="accent1"/>
+          </a:lnRef>
+          <a:fillRef idx="0">
+            <a:schemeClr val="accent1"/>
+          </a:fillRef>
+          <a:effectRef idx="0">
+            <a:schemeClr val="accent1"/>
+          </a:effectRef>
+          <a:fontRef idx="minor">
+            <a:schemeClr val="tx1"/>
+          </a:fontRef>
+        </p:style>
+      </p:cxnSp>
+      <p:cxnSp>
+        <p:nvCxnSpPr>
+          <p:cNvPr id="48" name="직선 화살표 연결선 47">
+            <a:extLst>
+              <a:ext uri="{FF2B5EF4-FFF2-40B4-BE49-F238E27FC236}">
+                <a16:creationId xmlns:a16="http://schemas.microsoft.com/office/drawing/2014/main" id="{7FE3EABF-FDD9-4BF7-BF55-3A40EBCC6292}"/>
+              </a:ext>
+            </a:extLst>
+          </p:cNvPr>
+          <p:cNvCxnSpPr>
+            <a:cxnSpLocks/>
+            <a:stCxn id="19" idx="2"/>
+            <a:endCxn id="38" idx="0"/>
+          </p:cNvCxnSpPr>
+          <p:nvPr/>
+        </p:nvCxnSpPr>
+        <p:spPr>
+          <a:xfrm flipH="1">
+            <a:off x="3527884" y="2120525"/>
+            <a:ext cx="936104" cy="2060497"/>
+          </a:xfrm>
+          <a:prstGeom prst="straightConnector1">
+            <a:avLst/>
+          </a:prstGeom>
+          <a:ln w="19050">
+            <a:solidFill>
+              <a:schemeClr val="tx1"/>
+            </a:solidFill>
+            <a:headEnd type="none" w="med" len="med"/>
+            <a:tailEnd type="arrow" w="med" len="med"/>
+          </a:ln>
+        </p:spPr>
+        <p:style>
+          <a:lnRef idx="1">
+            <a:schemeClr val="accent1"/>
+          </a:lnRef>
+          <a:fillRef idx="0">
+            <a:schemeClr val="accent1"/>
+          </a:fillRef>
+          <a:effectRef idx="0">
+            <a:schemeClr val="accent1"/>
+          </a:effectRef>
+          <a:fontRef idx="minor">
+            <a:schemeClr val="tx1"/>
+          </a:fontRef>
+        </p:style>
+      </p:cxnSp>
+      <p:cxnSp>
+        <p:nvCxnSpPr>
+          <p:cNvPr id="54" name="직선 화살표 연결선 53">
+            <a:extLst>
+              <a:ext uri="{FF2B5EF4-FFF2-40B4-BE49-F238E27FC236}">
+                <a16:creationId xmlns:a16="http://schemas.microsoft.com/office/drawing/2014/main" id="{1C14E7C3-E3F0-4114-8328-52EC5812BB4F}"/>
+              </a:ext>
+            </a:extLst>
+          </p:cNvPr>
+          <p:cNvCxnSpPr>
+            <a:cxnSpLocks/>
+            <a:stCxn id="3" idx="2"/>
+            <a:endCxn id="14" idx="0"/>
+          </p:cNvCxnSpPr>
+          <p:nvPr/>
+        </p:nvCxnSpPr>
+        <p:spPr>
+          <a:xfrm flipH="1">
+            <a:off x="2411760" y="1195917"/>
+            <a:ext cx="1050812" cy="1045826"/>
+          </a:xfrm>
+          <a:prstGeom prst="straightConnector1">
+            <a:avLst/>
+          </a:prstGeom>
+          <a:ln w="19050">
+            <a:solidFill>
+              <a:schemeClr val="tx1"/>
+            </a:solidFill>
+            <a:headEnd type="none" w="med" len="med"/>
+            <a:tailEnd type="arrow" w="med" len="med"/>
+          </a:ln>
+        </p:spPr>
+        <p:style>
+          <a:lnRef idx="1">
+            <a:schemeClr val="accent1"/>
+          </a:lnRef>
+          <a:fillRef idx="0">
+            <a:schemeClr val="accent1"/>
+          </a:fillRef>
+          <a:effectRef idx="0">
+            <a:schemeClr val="accent1"/>
+          </a:effectRef>
+          <a:fontRef idx="minor">
+            <a:schemeClr val="tx1"/>
+          </a:fontRef>
+        </p:style>
+      </p:cxnSp>
+      <p:cxnSp>
+        <p:nvCxnSpPr>
+          <p:cNvPr id="60" name="직선 화살표 연결선 59">
+            <a:extLst>
+              <a:ext uri="{FF2B5EF4-FFF2-40B4-BE49-F238E27FC236}">
+                <a16:creationId xmlns:a16="http://schemas.microsoft.com/office/drawing/2014/main" id="{8E5603FF-361F-4F8C-86B9-B59035D725D6}"/>
+              </a:ext>
+            </a:extLst>
+          </p:cNvPr>
+          <p:cNvCxnSpPr>
+            <a:cxnSpLocks/>
+            <a:stCxn id="24" idx="2"/>
+            <a:endCxn id="40" idx="0"/>
+          </p:cNvCxnSpPr>
+          <p:nvPr/>
+        </p:nvCxnSpPr>
+        <p:spPr>
+          <a:xfrm flipH="1">
+            <a:off x="5778134" y="2120525"/>
+            <a:ext cx="760038" cy="2058565"/>
+          </a:xfrm>
+          <a:prstGeom prst="straightConnector1">
+            <a:avLst/>
+          </a:prstGeom>
+          <a:ln w="19050">
+            <a:solidFill>
+              <a:schemeClr val="tx1"/>
+            </a:solidFill>
+            <a:headEnd type="none" w="med" len="med"/>
+            <a:tailEnd type="arrow" w="med" len="med"/>
+          </a:ln>
+        </p:spPr>
+        <p:style>
+          <a:lnRef idx="1">
+            <a:schemeClr val="accent1"/>
+          </a:lnRef>
+          <a:fillRef idx="0">
+            <a:schemeClr val="accent1"/>
+          </a:fillRef>
+          <a:effectRef idx="0">
+            <a:schemeClr val="accent1"/>
+          </a:effectRef>
+          <a:fontRef idx="minor">
+            <a:schemeClr val="tx1"/>
+          </a:fontRef>
+        </p:style>
+      </p:cxnSp>
+      <p:cxnSp>
+        <p:nvCxnSpPr>
+          <p:cNvPr id="62" name="직선 화살표 연결선 61">
+            <a:extLst>
+              <a:ext uri="{FF2B5EF4-FFF2-40B4-BE49-F238E27FC236}">
+                <a16:creationId xmlns:a16="http://schemas.microsoft.com/office/drawing/2014/main" id="{1F0DA32C-7E98-4A65-82C7-439DE6A8B0B7}"/>
+              </a:ext>
+            </a:extLst>
+          </p:cNvPr>
+          <p:cNvCxnSpPr>
+            <a:cxnSpLocks/>
+            <a:stCxn id="26" idx="2"/>
+            <a:endCxn id="24" idx="0"/>
+          </p:cNvCxnSpPr>
+          <p:nvPr/>
+        </p:nvCxnSpPr>
+        <p:spPr>
+          <a:xfrm>
+            <a:off x="5514800" y="1195917"/>
+            <a:ext cx="1023372" cy="622704"/>
+          </a:xfrm>
+          <a:prstGeom prst="straightConnector1">
+            <a:avLst/>
+          </a:prstGeom>
+          <a:ln w="19050">
+            <a:solidFill>
+              <a:schemeClr val="tx1"/>
+            </a:solidFill>
+            <a:headEnd type="none" w="med" len="med"/>
+            <a:tailEnd type="arrow" w="med" len="med"/>
+          </a:ln>
+        </p:spPr>
+        <p:style>
+          <a:lnRef idx="1">
+            <a:schemeClr val="accent1"/>
+          </a:lnRef>
+          <a:fillRef idx="0">
+            <a:schemeClr val="accent1"/>
+          </a:fillRef>
+          <a:effectRef idx="0">
+            <a:schemeClr val="accent1"/>
+          </a:effectRef>
+          <a:fontRef idx="minor">
+            <a:schemeClr val="tx1"/>
+          </a:fontRef>
+        </p:style>
+      </p:cxnSp>
+      <p:cxnSp>
+        <p:nvCxnSpPr>
+          <p:cNvPr id="43" name="직선 화살표 연결선 42">
+            <a:extLst>
+              <a:ext uri="{FF2B5EF4-FFF2-40B4-BE49-F238E27FC236}">
+                <a16:creationId xmlns:a16="http://schemas.microsoft.com/office/drawing/2014/main" id="{2B646D07-6343-4FE7-A291-3D9A676E7510}"/>
+              </a:ext>
+            </a:extLst>
+          </p:cNvPr>
+          <p:cNvCxnSpPr>
+            <a:cxnSpLocks/>
+            <a:stCxn id="19" idx="2"/>
+            <a:endCxn id="40" idx="0"/>
+          </p:cNvCxnSpPr>
+          <p:nvPr/>
+        </p:nvCxnSpPr>
+        <p:spPr>
+          <a:xfrm>
+            <a:off x="4463988" y="2120525"/>
+            <a:ext cx="1314146" cy="2058565"/>
+          </a:xfrm>
+          <a:prstGeom prst="straightConnector1">
+            <a:avLst/>
+          </a:prstGeom>
+          <a:ln w="19050">
+            <a:solidFill>
+              <a:schemeClr val="tx1"/>
+            </a:solidFill>
+            <a:headEnd type="none" w="med" len="med"/>
+            <a:tailEnd type="arrow" w="med" len="med"/>
+          </a:ln>
+        </p:spPr>
+        <p:style>
+          <a:lnRef idx="1">
+            <a:schemeClr val="accent1"/>
+          </a:lnRef>
+          <a:fillRef idx="0">
+            <a:schemeClr val="accent1"/>
+          </a:fillRef>
+          <a:effectRef idx="0">
+            <a:schemeClr val="accent1"/>
+          </a:effectRef>
+          <a:fontRef idx="minor">
+            <a:schemeClr val="tx1"/>
+          </a:fontRef>
+        </p:style>
+      </p:cxnSp>
+      <p:sp>
+        <p:nvSpPr>
+          <p:cNvPr id="44" name="사각형: 둥근 모서리 43">
+            <a:extLst>
+              <a:ext uri="{FF2B5EF4-FFF2-40B4-BE49-F238E27FC236}">
+                <a16:creationId xmlns:a16="http://schemas.microsoft.com/office/drawing/2014/main" id="{AA045BEE-4705-444E-847F-77BD2A25E367}"/>
+              </a:ext>
+            </a:extLst>
+          </p:cNvPr>
+          <p:cNvSpPr/>
+          <p:nvPr/>
+        </p:nvSpPr>
+        <p:spPr>
+          <a:xfrm>
+            <a:off x="1425786" y="3114185"/>
+            <a:ext cx="6098362" cy="344494"/>
+          </a:xfrm>
+          <a:prstGeom prst="roundRect">
+            <a:avLst>
+              <a:gd name="adj" fmla="val 26190"/>
+            </a:avLst>
+          </a:prstGeom>
+          <a:noFill/>
+        </p:spPr>
+        <p:style>
+          <a:lnRef idx="2">
+            <a:schemeClr val="dk1"/>
+          </a:lnRef>
+          <a:fillRef idx="1">
+            <a:schemeClr val="lt1"/>
+          </a:fillRef>
+          <a:effectRef idx="0">
+            <a:schemeClr val="dk1"/>
+          </a:effectRef>
+          <a:fontRef idx="minor">
+            <a:schemeClr val="dk1"/>
+          </a:fontRef>
+        </p:style>
+        <p:txBody>
+          <a:bodyPr rtlCol="0" anchor="ctr"/>
+          <a:lstStyle/>
+          <a:p>
+            <a:pPr algn="ctr"/>
+            <a:r>
+              <a:rPr lang="en-US" altLang="ko-KR" sz="1400" dirty="0"/>
+              <a:t>Kafka Broker</a:t>
+            </a:r>
+            <a:endParaRPr lang="ko-KR" altLang="en-US" sz="1400" dirty="0"/>
+          </a:p>
+        </p:txBody>
+      </p:sp>
+      <p:cxnSp>
+        <p:nvCxnSpPr>
+          <p:cNvPr id="42" name="직선 화살표 연결선 41">
+            <a:extLst>
+              <a:ext uri="{FF2B5EF4-FFF2-40B4-BE49-F238E27FC236}">
+                <a16:creationId xmlns:a16="http://schemas.microsoft.com/office/drawing/2014/main" id="{D3FFE380-A151-4112-BCC2-A501527A5894}"/>
+              </a:ext>
+            </a:extLst>
+          </p:cNvPr>
+          <p:cNvCxnSpPr>
+            <a:cxnSpLocks/>
+            <a:stCxn id="14" idx="2"/>
+            <a:endCxn id="28" idx="0"/>
+          </p:cNvCxnSpPr>
+          <p:nvPr/>
+        </p:nvCxnSpPr>
+        <p:spPr>
+          <a:xfrm flipH="1">
+            <a:off x="1277634" y="2543647"/>
+            <a:ext cx="1134126" cy="1637375"/>
+          </a:xfrm>
+          <a:prstGeom prst="straightConnector1">
+            <a:avLst/>
+          </a:prstGeom>
+          <a:ln w="19050">
+            <a:solidFill>
+              <a:schemeClr val="tx1"/>
+            </a:solidFill>
+            <a:headEnd type="none" w="med" len="med"/>
+            <a:tailEnd type="arrow" w="med" len="med"/>
+          </a:ln>
+        </p:spPr>
+        <p:style>
+          <a:lnRef idx="1">
+            <a:schemeClr val="accent1"/>
+          </a:lnRef>
+          <a:fillRef idx="0">
+            <a:schemeClr val="accent1"/>
+          </a:fillRef>
+          <a:effectRef idx="0">
+            <a:schemeClr val="accent1"/>
+          </a:effectRef>
+          <a:fontRef idx="minor">
+            <a:schemeClr val="tx1"/>
+          </a:fontRef>
+        </p:style>
+      </p:cxnSp>
+      <p:cxnSp>
+        <p:nvCxnSpPr>
+          <p:cNvPr id="47" name="직선 화살표 연결선 46">
+            <a:extLst>
+              <a:ext uri="{FF2B5EF4-FFF2-40B4-BE49-F238E27FC236}">
+                <a16:creationId xmlns:a16="http://schemas.microsoft.com/office/drawing/2014/main" id="{1E1466B0-AD3A-4D87-8168-3ED31B40A844}"/>
+              </a:ext>
+            </a:extLst>
+          </p:cNvPr>
+          <p:cNvCxnSpPr>
+            <a:cxnSpLocks/>
+            <a:stCxn id="13" idx="2"/>
+            <a:endCxn id="28" idx="0"/>
+          </p:cNvCxnSpPr>
+          <p:nvPr/>
+        </p:nvCxnSpPr>
+        <p:spPr>
+          <a:xfrm flipH="1">
+            <a:off x="1277634" y="2120525"/>
+            <a:ext cx="1134126" cy="2060497"/>
+          </a:xfrm>
+          <a:prstGeom prst="straightConnector1">
+            <a:avLst/>
+          </a:prstGeom>
+          <a:ln w="19050">
+            <a:solidFill>
+              <a:schemeClr val="tx1"/>
+            </a:solidFill>
+            <a:headEnd type="none" w="med" len="med"/>
+            <a:tailEnd type="arrow" w="med" len="med"/>
+          </a:ln>
+        </p:spPr>
+        <p:style>
+          <a:lnRef idx="1">
+            <a:schemeClr val="accent1"/>
+          </a:lnRef>
+          <a:fillRef idx="0">
+            <a:schemeClr val="accent1"/>
+          </a:fillRef>
+          <a:effectRef idx="0">
+            <a:schemeClr val="accent1"/>
+          </a:effectRef>
+          <a:fontRef idx="minor">
+            <a:schemeClr val="tx1"/>
+          </a:fontRef>
+        </p:style>
+      </p:cxnSp>
+      <p:sp>
+        <p:nvSpPr>
+          <p:cNvPr id="64" name="사각형: 둥근 모서리 63">
+            <a:extLst>
+              <a:ext uri="{FF2B5EF4-FFF2-40B4-BE49-F238E27FC236}">
+                <a16:creationId xmlns:a16="http://schemas.microsoft.com/office/drawing/2014/main" id="{05AC66B3-DB03-47E5-933F-998C691C8B08}"/>
+              </a:ext>
+            </a:extLst>
+          </p:cNvPr>
+          <p:cNvSpPr/>
+          <p:nvPr/>
+        </p:nvSpPr>
+        <p:spPr>
+          <a:xfrm>
+            <a:off x="1425786" y="3458876"/>
+            <a:ext cx="6098362" cy="352359"/>
+          </a:xfrm>
+          <a:prstGeom prst="roundRect">
+            <a:avLst>
+              <a:gd name="adj" fmla="val 26190"/>
+            </a:avLst>
+          </a:prstGeom>
+          <a:noFill/>
+        </p:spPr>
+        <p:style>
+          <a:lnRef idx="2">
+            <a:schemeClr val="dk1"/>
+          </a:lnRef>
+          <a:fillRef idx="1">
+            <a:schemeClr val="lt1"/>
+          </a:fillRef>
+          <a:effectRef idx="0">
+            <a:schemeClr val="dk1"/>
+          </a:effectRef>
+          <a:fontRef idx="minor">
+            <a:schemeClr val="dk1"/>
+          </a:fontRef>
+        </p:style>
+        <p:txBody>
+          <a:bodyPr rtlCol="0" anchor="ctr"/>
+          <a:lstStyle/>
+          <a:p>
+            <a:pPr algn="ctr"/>
+            <a:r>
+              <a:rPr lang="en-US" altLang="ko-KR" sz="1400" dirty="0"/>
+              <a:t>Zookeeper</a:t>
+            </a:r>
+            <a:endParaRPr lang="ko-KR" altLang="en-US" sz="1400" dirty="0"/>
+          </a:p>
+        </p:txBody>
+      </p:sp>
+    </p:spTree>
+    <p:extLst>
+      <p:ext uri="{BB962C8B-B14F-4D97-AF65-F5344CB8AC3E}">
+        <p14:creationId xmlns:p14="http://schemas.microsoft.com/office/powerpoint/2010/main" val="106070295"/>
+      </p:ext>
+    </p:extLst>
+  </p:cSld>
+  <p:clrMapOvr>
+    <a:masterClrMapping/>
+  </p:clrMapOvr>
+</p:sld>
+</file>
+
+<file path=ppt/slides/slide2.xml><?xml version="1.0" encoding="utf-8"?>
+<p:sld xmlns:a="http://schemas.openxmlformats.org/drawingml/2006/main" xmlns:r="http://schemas.openxmlformats.org/officeDocument/2006/relationships" xmlns:p="http://schemas.openxmlformats.org/presentationml/2006/main">
+  <p:cSld>
+    <p:spTree>
+      <p:nvGrpSpPr>
+        <p:cNvPr id="1" name=""/>
+        <p:cNvGrpSpPr/>
+        <p:nvPr/>
+      </p:nvGrpSpPr>
+      <p:grpSpPr>
+        <a:xfrm>
+          <a:off x="0" y="0"/>
+          <a:ext cx="0" cy="0"/>
+          <a:chOff x="0" y="0"/>
+          <a:chExt cx="0" cy="0"/>
+        </a:xfrm>
+      </p:grpSpPr>
+      <p:sp>
+        <p:nvSpPr>
+          <p:cNvPr id="7" name="사각형: 둥근 모서리 6">
+            <a:extLst>
+              <a:ext uri="{FF2B5EF4-FFF2-40B4-BE49-F238E27FC236}">
+                <a16:creationId xmlns:a16="http://schemas.microsoft.com/office/drawing/2014/main" id="{43605E7C-158D-49F1-8506-CEF09E8CC589}"/>
+              </a:ext>
+            </a:extLst>
+          </p:cNvPr>
+          <p:cNvSpPr/>
+          <p:nvPr/>
+        </p:nvSpPr>
+        <p:spPr>
+          <a:xfrm>
+            <a:off x="1460210" y="497337"/>
+            <a:ext cx="1872208" cy="3761469"/>
+          </a:xfrm>
+          <a:prstGeom prst="roundRect">
+            <a:avLst>
+              <a:gd name="adj" fmla="val 4353"/>
+            </a:avLst>
+          </a:prstGeom>
+        </p:spPr>
+        <p:style>
+          <a:lnRef idx="2">
+            <a:schemeClr val="dk1"/>
+          </a:lnRef>
+          <a:fillRef idx="1">
+            <a:schemeClr val="lt1"/>
+          </a:fillRef>
+          <a:effectRef idx="0">
+            <a:schemeClr val="dk1"/>
+          </a:effectRef>
+          <a:fontRef idx="minor">
+            <a:schemeClr val="dk1"/>
+          </a:fontRef>
+        </p:style>
+        <p:txBody>
+          <a:bodyPr rtlCol="0" anchor="b"/>
+          <a:lstStyle/>
+          <a:p>
+            <a:pPr algn="ctr"/>
+            <a:r>
+              <a:rPr lang="en-US" altLang="ko-KR" sz="1400" dirty="0"/>
+              <a:t>Kafka Broker A</a:t>
+            </a:r>
+            <a:endParaRPr lang="ko-KR" altLang="en-US" sz="1400" dirty="0"/>
+          </a:p>
+        </p:txBody>
+      </p:sp>
+      <p:sp>
+        <p:nvSpPr>
+          <p:cNvPr id="58" name="사각형: 둥근 모서리 57">
+            <a:extLst>
+              <a:ext uri="{FF2B5EF4-FFF2-40B4-BE49-F238E27FC236}">
+                <a16:creationId xmlns:a16="http://schemas.microsoft.com/office/drawing/2014/main" id="{364F566C-AAA1-4C72-9FB2-52671A2E3589}"/>
+              </a:ext>
+            </a:extLst>
+          </p:cNvPr>
+          <p:cNvSpPr/>
+          <p:nvPr/>
+        </p:nvSpPr>
+        <p:spPr>
+          <a:xfrm>
+            <a:off x="3563888" y="483518"/>
+            <a:ext cx="1872208" cy="3775288"/>
+          </a:xfrm>
+          <a:prstGeom prst="roundRect">
+            <a:avLst>
+              <a:gd name="adj" fmla="val 5697"/>
+            </a:avLst>
+          </a:prstGeom>
+        </p:spPr>
+        <p:style>
+          <a:lnRef idx="2">
+            <a:schemeClr val="dk1"/>
+          </a:lnRef>
+          <a:fillRef idx="1">
+            <a:schemeClr val="lt1"/>
+          </a:fillRef>
+          <a:effectRef idx="0">
+            <a:schemeClr val="dk1"/>
+          </a:effectRef>
+          <a:fontRef idx="minor">
+            <a:schemeClr val="dk1"/>
+          </a:fontRef>
+        </p:style>
+        <p:txBody>
+          <a:bodyPr rtlCol="0" anchor="b"/>
+          <a:lstStyle/>
+          <a:p>
+            <a:pPr algn="ctr"/>
+            <a:r>
+              <a:rPr lang="en-US" altLang="ko-KR" sz="1400" dirty="0"/>
+              <a:t>Kafka Broker B</a:t>
+            </a:r>
+            <a:endParaRPr lang="ko-KR" altLang="en-US" sz="1400" dirty="0"/>
+          </a:p>
+        </p:txBody>
+      </p:sp>
+      <p:sp>
+        <p:nvSpPr>
+          <p:cNvPr id="67" name="사각형: 둥근 모서리 66">
+            <a:extLst>
+              <a:ext uri="{FF2B5EF4-FFF2-40B4-BE49-F238E27FC236}">
+                <a16:creationId xmlns:a16="http://schemas.microsoft.com/office/drawing/2014/main" id="{10A8E561-0D52-48A1-A8B6-9F42DD083DD7}"/>
+              </a:ext>
+            </a:extLst>
+          </p:cNvPr>
+          <p:cNvSpPr/>
+          <p:nvPr/>
+        </p:nvSpPr>
+        <p:spPr>
+          <a:xfrm>
+            <a:off x="5652120" y="483518"/>
+            <a:ext cx="1872208" cy="3775288"/>
+          </a:xfrm>
+          <a:prstGeom prst="roundRect">
+            <a:avLst>
+              <a:gd name="adj" fmla="val 5249"/>
+            </a:avLst>
+          </a:prstGeom>
+        </p:spPr>
+        <p:style>
+          <a:lnRef idx="2">
+            <a:schemeClr val="dk1"/>
+          </a:lnRef>
+          <a:fillRef idx="1">
+            <a:schemeClr val="lt1"/>
+          </a:fillRef>
+          <a:effectRef idx="0">
+            <a:schemeClr val="dk1"/>
+          </a:effectRef>
+          <a:fontRef idx="minor">
+            <a:schemeClr val="dk1"/>
+          </a:fontRef>
+        </p:style>
+        <p:txBody>
+          <a:bodyPr rtlCol="0" anchor="b"/>
+          <a:lstStyle/>
+          <a:p>
+            <a:pPr algn="ctr"/>
+            <a:r>
+              <a:rPr lang="en-US" altLang="ko-KR" sz="1400" dirty="0"/>
+              <a:t>Kafka Broker C</a:t>
+            </a:r>
+            <a:endParaRPr lang="ko-KR" altLang="en-US" sz="1400" dirty="0"/>
+          </a:p>
+        </p:txBody>
+      </p:sp>
+      <p:sp>
+        <p:nvSpPr>
+          <p:cNvPr id="2" name="제목 1"/>
+          <p:cNvSpPr>
+            <a:spLocks noGrp="1"/>
+          </p:cNvSpPr>
+          <p:nvPr>
+            <p:ph type="title"/>
+          </p:nvPr>
+        </p:nvSpPr>
+        <p:spPr>
+          <a:xfrm>
+            <a:off x="377332" y="-236562"/>
+            <a:ext cx="8229600" cy="857250"/>
+          </a:xfrm>
+        </p:spPr>
+        <p:txBody>
+          <a:bodyPr/>
+          <a:lstStyle/>
+          <a:p>
+            <a:r>
+              <a:rPr lang="en-US" altLang="ko-KR"/>
+              <a:t>Cluster</a:t>
+            </a:r>
+            <a:endParaRPr lang="ko-KR" altLang="en-US" dirty="0"/>
+          </a:p>
+        </p:txBody>
+      </p:sp>
+      <p:sp>
+        <p:nvSpPr>
+          <p:cNvPr id="44" name="사각형: 둥근 모서리 43">
+            <a:extLst>
+              <a:ext uri="{FF2B5EF4-FFF2-40B4-BE49-F238E27FC236}">
+                <a16:creationId xmlns:a16="http://schemas.microsoft.com/office/drawing/2014/main" id="{46680711-9222-475F-8F0D-50BD15568FE4}"/>
+              </a:ext>
+            </a:extLst>
+          </p:cNvPr>
+          <p:cNvSpPr/>
+          <p:nvPr/>
+        </p:nvSpPr>
+        <p:spPr>
+          <a:xfrm>
+            <a:off x="1691680" y="1793034"/>
+            <a:ext cx="1440160" cy="268948"/>
+          </a:xfrm>
+          <a:prstGeom prst="roundRect">
+            <a:avLst>
+              <a:gd name="adj" fmla="val 14105"/>
+            </a:avLst>
+          </a:prstGeom>
+          <a:solidFill>
+            <a:schemeClr val="accent1">
+              <a:lumMod val="20000"/>
+              <a:lumOff val="80000"/>
+            </a:schemeClr>
+          </a:solidFill>
+        </p:spPr>
+        <p:style>
+          <a:lnRef idx="2">
+            <a:schemeClr val="dk1"/>
+          </a:lnRef>
+          <a:fillRef idx="1">
+            <a:schemeClr val="lt1"/>
+          </a:fillRef>
+          <a:effectRef idx="0">
+            <a:schemeClr val="dk1"/>
+          </a:effectRef>
+          <a:fontRef idx="minor">
+            <a:schemeClr val="dk1"/>
+          </a:fontRef>
+        </p:style>
+        <p:txBody>
+          <a:bodyPr rtlCol="0" anchor="ctr"/>
+          <a:lstStyle/>
+          <a:p>
+            <a:pPr algn="ctr"/>
+            <a:r>
+              <a:rPr lang="en-US" altLang="ko-KR" sz="1100"/>
+              <a:t>Partition </a:t>
+            </a:r>
+            <a:r>
+              <a:rPr lang="en-US" altLang="ko-KR" sz="1100" dirty="0"/>
+              <a:t>0</a:t>
+            </a:r>
+            <a:endParaRPr lang="ko-KR" altLang="en-US" sz="1100" dirty="0"/>
+          </a:p>
+        </p:txBody>
+      </p:sp>
+      <p:sp>
+        <p:nvSpPr>
+          <p:cNvPr id="55" name="사각형: 둥근 모서리 54">
+            <a:extLst>
+              <a:ext uri="{FF2B5EF4-FFF2-40B4-BE49-F238E27FC236}">
+                <a16:creationId xmlns:a16="http://schemas.microsoft.com/office/drawing/2014/main" id="{9B510882-3AD7-4A8A-ACA7-B7996494A18E}"/>
+              </a:ext>
+            </a:extLst>
+          </p:cNvPr>
+          <p:cNvSpPr/>
+          <p:nvPr/>
+        </p:nvSpPr>
+        <p:spPr>
+          <a:xfrm>
+            <a:off x="1691680" y="2549562"/>
+            <a:ext cx="1440160" cy="268948"/>
+          </a:xfrm>
+          <a:prstGeom prst="roundRect">
+            <a:avLst>
+              <a:gd name="adj" fmla="val 14105"/>
+            </a:avLst>
+          </a:prstGeom>
+          <a:solidFill>
+            <a:schemeClr val="accent2">
+              <a:lumMod val="20000"/>
+              <a:lumOff val="80000"/>
+            </a:schemeClr>
+          </a:solidFill>
+        </p:spPr>
+        <p:style>
+          <a:lnRef idx="2">
+            <a:schemeClr val="dk1"/>
+          </a:lnRef>
+          <a:fillRef idx="1">
+            <a:schemeClr val="lt1"/>
+          </a:fillRef>
+          <a:effectRef idx="0">
+            <a:schemeClr val="dk1"/>
+          </a:effectRef>
+          <a:fontRef idx="minor">
+            <a:schemeClr val="dk1"/>
+          </a:fontRef>
+        </p:style>
+        <p:txBody>
+          <a:bodyPr rtlCol="0" anchor="ctr"/>
+          <a:lstStyle/>
+          <a:p>
+            <a:pPr algn="ctr"/>
+            <a:r>
+              <a:rPr lang="en-US" altLang="ko-KR" sz="1100"/>
+              <a:t>Partition </a:t>
+            </a:r>
+            <a:r>
+              <a:rPr lang="en-US" altLang="ko-KR" sz="1100" dirty="0"/>
+              <a:t>0</a:t>
+            </a:r>
+            <a:endParaRPr lang="ko-KR" altLang="en-US" sz="1100" dirty="0"/>
+          </a:p>
+        </p:txBody>
+      </p:sp>
+      <p:sp>
+        <p:nvSpPr>
+          <p:cNvPr id="56" name="사각형: 둥근 모서리 55">
+            <a:extLst>
+              <a:ext uri="{FF2B5EF4-FFF2-40B4-BE49-F238E27FC236}">
+                <a16:creationId xmlns:a16="http://schemas.microsoft.com/office/drawing/2014/main" id="{F8EDAA14-A89A-489B-B003-40355A4D2500}"/>
+              </a:ext>
+            </a:extLst>
+          </p:cNvPr>
+          <p:cNvSpPr/>
+          <p:nvPr/>
+        </p:nvSpPr>
+        <p:spPr>
+          <a:xfrm>
+            <a:off x="1691680" y="2915774"/>
+            <a:ext cx="1440160" cy="268948"/>
+          </a:xfrm>
+          <a:prstGeom prst="roundRect">
+            <a:avLst>
+              <a:gd name="adj" fmla="val 14105"/>
+            </a:avLst>
+          </a:prstGeom>
+          <a:solidFill>
+            <a:schemeClr val="accent1">
+              <a:lumMod val="20000"/>
+              <a:lumOff val="80000"/>
+            </a:schemeClr>
+          </a:solidFill>
+        </p:spPr>
+        <p:style>
+          <a:lnRef idx="2">
+            <a:schemeClr val="dk1"/>
+          </a:lnRef>
+          <a:fillRef idx="1">
+            <a:schemeClr val="lt1"/>
+          </a:fillRef>
+          <a:effectRef idx="0">
+            <a:schemeClr val="dk1"/>
+          </a:effectRef>
+          <a:fontRef idx="minor">
+            <a:schemeClr val="dk1"/>
+          </a:fontRef>
+        </p:style>
+        <p:txBody>
+          <a:bodyPr rtlCol="0" anchor="ctr"/>
+          <a:lstStyle/>
+          <a:p>
+            <a:pPr algn="ctr"/>
+            <a:r>
+              <a:rPr lang="en-US" altLang="ko-KR" sz="1100"/>
+              <a:t>Partition </a:t>
+            </a:r>
+            <a:r>
+              <a:rPr lang="en-US" altLang="ko-KR" sz="1100" dirty="0"/>
+              <a:t>1</a:t>
+            </a:r>
+            <a:endParaRPr lang="ko-KR" altLang="en-US" sz="1100" dirty="0"/>
+          </a:p>
+        </p:txBody>
+      </p:sp>
+      <p:sp>
+        <p:nvSpPr>
+          <p:cNvPr id="57" name="사각형: 둥근 모서리 56">
+            <a:extLst>
+              <a:ext uri="{FF2B5EF4-FFF2-40B4-BE49-F238E27FC236}">
+                <a16:creationId xmlns:a16="http://schemas.microsoft.com/office/drawing/2014/main" id="{D0081DD2-33FA-46B1-8ABB-C5E63737BABF}"/>
+              </a:ext>
+            </a:extLst>
+          </p:cNvPr>
+          <p:cNvSpPr/>
+          <p:nvPr/>
+        </p:nvSpPr>
+        <p:spPr>
+          <a:xfrm>
+            <a:off x="1691680" y="3281986"/>
+            <a:ext cx="1440160" cy="268948"/>
+          </a:xfrm>
+          <a:prstGeom prst="roundRect">
+            <a:avLst>
+              <a:gd name="adj" fmla="val 14105"/>
+            </a:avLst>
+          </a:prstGeom>
+          <a:solidFill>
+            <a:schemeClr val="accent1">
+              <a:lumMod val="20000"/>
+              <a:lumOff val="80000"/>
+            </a:schemeClr>
+          </a:solidFill>
+        </p:spPr>
+        <p:style>
+          <a:lnRef idx="2">
+            <a:schemeClr val="dk1"/>
+          </a:lnRef>
+          <a:fillRef idx="1">
+            <a:schemeClr val="lt1"/>
+          </a:fillRef>
+          <a:effectRef idx="0">
+            <a:schemeClr val="dk1"/>
+          </a:effectRef>
+          <a:fontRef idx="minor">
+            <a:schemeClr val="dk1"/>
+          </a:fontRef>
+        </p:style>
+        <p:txBody>
+          <a:bodyPr rtlCol="0" anchor="ctr"/>
+          <a:lstStyle/>
+          <a:p>
+            <a:pPr algn="ctr"/>
+            <a:r>
+              <a:rPr lang="en-US" altLang="ko-KR" sz="1100"/>
+              <a:t>Partition </a:t>
+            </a:r>
+            <a:r>
+              <a:rPr lang="en-US" altLang="ko-KR" sz="1100" dirty="0"/>
+              <a:t>2</a:t>
+            </a:r>
+            <a:endParaRPr lang="ko-KR" altLang="en-US" sz="1100" dirty="0"/>
+          </a:p>
+        </p:txBody>
+      </p:sp>
+      <p:sp>
+        <p:nvSpPr>
+          <p:cNvPr id="63" name="사각형: 둥근 모서리 62">
+            <a:extLst>
+              <a:ext uri="{FF2B5EF4-FFF2-40B4-BE49-F238E27FC236}">
+                <a16:creationId xmlns:a16="http://schemas.microsoft.com/office/drawing/2014/main" id="{1D930AF3-C251-4D74-827F-DC86C862B00C}"/>
+              </a:ext>
+            </a:extLst>
+          </p:cNvPr>
+          <p:cNvSpPr/>
+          <p:nvPr/>
+        </p:nvSpPr>
+        <p:spPr>
+          <a:xfrm>
+            <a:off x="3779912" y="1793034"/>
+            <a:ext cx="1440160" cy="268948"/>
+          </a:xfrm>
+          <a:prstGeom prst="roundRect">
+            <a:avLst>
+              <a:gd name="adj" fmla="val 14105"/>
+            </a:avLst>
+          </a:prstGeom>
+          <a:solidFill>
+            <a:schemeClr val="accent1">
+              <a:lumMod val="20000"/>
+              <a:lumOff val="80000"/>
+            </a:schemeClr>
+          </a:solidFill>
+        </p:spPr>
+        <p:style>
+          <a:lnRef idx="2">
+            <a:schemeClr val="dk1"/>
+          </a:lnRef>
+          <a:fillRef idx="1">
+            <a:schemeClr val="lt1"/>
+          </a:fillRef>
+          <a:effectRef idx="0">
+            <a:schemeClr val="dk1"/>
+          </a:effectRef>
+          <a:fontRef idx="minor">
+            <a:schemeClr val="dk1"/>
+          </a:fontRef>
+        </p:style>
+        <p:txBody>
+          <a:bodyPr rtlCol="0" anchor="ctr"/>
+          <a:lstStyle/>
+          <a:p>
+            <a:pPr algn="ctr"/>
+            <a:r>
+              <a:rPr lang="en-US" altLang="ko-KR" sz="1100"/>
+              <a:t>Partition </a:t>
+            </a:r>
+            <a:r>
+              <a:rPr lang="en-US" altLang="ko-KR" sz="1100" dirty="0"/>
+              <a:t>0</a:t>
+            </a:r>
+            <a:endParaRPr lang="ko-KR" altLang="en-US" sz="1100" dirty="0"/>
+          </a:p>
+        </p:txBody>
+      </p:sp>
+      <p:sp>
+        <p:nvSpPr>
+          <p:cNvPr id="64" name="사각형: 둥근 모서리 63">
+            <a:extLst>
+              <a:ext uri="{FF2B5EF4-FFF2-40B4-BE49-F238E27FC236}">
+                <a16:creationId xmlns:a16="http://schemas.microsoft.com/office/drawing/2014/main" id="{C093F3AF-A4D5-42A7-93F0-6BCBA9A55EF7}"/>
+              </a:ext>
+            </a:extLst>
+          </p:cNvPr>
+          <p:cNvSpPr/>
+          <p:nvPr/>
+        </p:nvSpPr>
+        <p:spPr>
+          <a:xfrm>
+            <a:off x="3779912" y="2549562"/>
+            <a:ext cx="1440160" cy="268948"/>
+          </a:xfrm>
+          <a:prstGeom prst="roundRect">
+            <a:avLst>
+              <a:gd name="adj" fmla="val 14105"/>
+            </a:avLst>
+          </a:prstGeom>
+          <a:solidFill>
+            <a:schemeClr val="accent1">
+              <a:lumMod val="20000"/>
+              <a:lumOff val="80000"/>
+            </a:schemeClr>
+          </a:solidFill>
+        </p:spPr>
+        <p:style>
+          <a:lnRef idx="2">
+            <a:schemeClr val="dk1"/>
+          </a:lnRef>
+          <a:fillRef idx="1">
+            <a:schemeClr val="lt1"/>
+          </a:fillRef>
+          <a:effectRef idx="0">
+            <a:schemeClr val="dk1"/>
+          </a:effectRef>
+          <a:fontRef idx="minor">
+            <a:schemeClr val="dk1"/>
+          </a:fontRef>
+        </p:style>
+        <p:txBody>
+          <a:bodyPr rtlCol="0" anchor="ctr"/>
+          <a:lstStyle/>
+          <a:p>
+            <a:pPr algn="ctr"/>
+            <a:r>
+              <a:rPr lang="en-US" altLang="ko-KR" sz="1100"/>
+              <a:t>Partition 0</a:t>
+            </a:r>
+            <a:endParaRPr lang="ko-KR" altLang="en-US" sz="1100" dirty="0"/>
+          </a:p>
+        </p:txBody>
+      </p:sp>
+      <p:sp>
+        <p:nvSpPr>
+          <p:cNvPr id="65" name="사각형: 둥근 모서리 64">
+            <a:extLst>
+              <a:ext uri="{FF2B5EF4-FFF2-40B4-BE49-F238E27FC236}">
+                <a16:creationId xmlns:a16="http://schemas.microsoft.com/office/drawing/2014/main" id="{CE7BAF05-2759-4F3B-9CFD-1F237A1F8B70}"/>
+              </a:ext>
+            </a:extLst>
+          </p:cNvPr>
+          <p:cNvSpPr/>
+          <p:nvPr/>
+        </p:nvSpPr>
+        <p:spPr>
+          <a:xfrm>
+            <a:off x="3779912" y="2915774"/>
+            <a:ext cx="1440160" cy="268948"/>
+          </a:xfrm>
+          <a:prstGeom prst="roundRect">
+            <a:avLst>
+              <a:gd name="adj" fmla="val 14105"/>
+            </a:avLst>
+          </a:prstGeom>
+          <a:solidFill>
+            <a:schemeClr val="accent2">
+              <a:lumMod val="20000"/>
+              <a:lumOff val="80000"/>
+            </a:schemeClr>
+          </a:solidFill>
+        </p:spPr>
+        <p:style>
+          <a:lnRef idx="2">
+            <a:schemeClr val="dk1"/>
+          </a:lnRef>
+          <a:fillRef idx="1">
+            <a:schemeClr val="lt1"/>
+          </a:fillRef>
+          <a:effectRef idx="0">
+            <a:schemeClr val="dk1"/>
+          </a:effectRef>
+          <a:fontRef idx="minor">
+            <a:schemeClr val="dk1"/>
+          </a:fontRef>
+        </p:style>
+        <p:txBody>
+          <a:bodyPr rtlCol="0" anchor="ctr"/>
+          <a:lstStyle/>
+          <a:p>
+            <a:pPr algn="ctr"/>
+            <a:r>
+              <a:rPr lang="en-US" altLang="ko-KR" sz="1100"/>
+              <a:t>Partition 1</a:t>
+            </a:r>
+            <a:endParaRPr lang="ko-KR" altLang="en-US" sz="1100" dirty="0"/>
+          </a:p>
+        </p:txBody>
+      </p:sp>
+      <p:sp>
+        <p:nvSpPr>
+          <p:cNvPr id="66" name="사각형: 둥근 모서리 65">
+            <a:extLst>
+              <a:ext uri="{FF2B5EF4-FFF2-40B4-BE49-F238E27FC236}">
+                <a16:creationId xmlns:a16="http://schemas.microsoft.com/office/drawing/2014/main" id="{1CA0F0DF-F771-45A7-AE6F-EA0C6999E419}"/>
+              </a:ext>
+            </a:extLst>
+          </p:cNvPr>
+          <p:cNvSpPr/>
+          <p:nvPr/>
+        </p:nvSpPr>
+        <p:spPr>
+          <a:xfrm>
+            <a:off x="3779912" y="3281986"/>
+            <a:ext cx="1440160" cy="268948"/>
+          </a:xfrm>
+          <a:prstGeom prst="roundRect">
+            <a:avLst>
+              <a:gd name="adj" fmla="val 14105"/>
+            </a:avLst>
+          </a:prstGeom>
+          <a:solidFill>
+            <a:schemeClr val="accent1">
+              <a:lumMod val="20000"/>
+              <a:lumOff val="80000"/>
+            </a:schemeClr>
+          </a:solidFill>
+        </p:spPr>
+        <p:style>
+          <a:lnRef idx="2">
+            <a:schemeClr val="dk1"/>
+          </a:lnRef>
+          <a:fillRef idx="1">
+            <a:schemeClr val="lt1"/>
+          </a:fillRef>
+          <a:effectRef idx="0">
+            <a:schemeClr val="dk1"/>
+          </a:effectRef>
+          <a:fontRef idx="minor">
+            <a:schemeClr val="dk1"/>
+          </a:fontRef>
+        </p:style>
+        <p:txBody>
+          <a:bodyPr rtlCol="0" anchor="ctr"/>
+          <a:lstStyle/>
+          <a:p>
+            <a:pPr algn="ctr"/>
+            <a:r>
+              <a:rPr lang="en-US" altLang="ko-KR" sz="1100"/>
+              <a:t>Partition </a:t>
+            </a:r>
+            <a:r>
+              <a:rPr lang="en-US" altLang="ko-KR" sz="1100" dirty="0"/>
+              <a:t>2</a:t>
+            </a:r>
+            <a:endParaRPr lang="ko-KR" altLang="en-US" sz="1100" dirty="0"/>
+          </a:p>
+        </p:txBody>
+      </p:sp>
+      <p:sp>
+        <p:nvSpPr>
+          <p:cNvPr id="70" name="사각형: 둥근 모서리 69">
+            <a:extLst>
+              <a:ext uri="{FF2B5EF4-FFF2-40B4-BE49-F238E27FC236}">
+                <a16:creationId xmlns:a16="http://schemas.microsoft.com/office/drawing/2014/main" id="{84D930EB-BC46-471C-A7B6-A6B0BC36B737}"/>
+              </a:ext>
+            </a:extLst>
+          </p:cNvPr>
+          <p:cNvSpPr/>
+          <p:nvPr/>
+        </p:nvSpPr>
+        <p:spPr>
+          <a:xfrm>
+            <a:off x="5868144" y="1793034"/>
+            <a:ext cx="1440160" cy="268948"/>
+          </a:xfrm>
+          <a:prstGeom prst="roundRect">
+            <a:avLst>
+              <a:gd name="adj" fmla="val 14105"/>
+            </a:avLst>
+          </a:prstGeom>
+          <a:solidFill>
+            <a:schemeClr val="accent2">
+              <a:lumMod val="20000"/>
+              <a:lumOff val="80000"/>
+            </a:schemeClr>
+          </a:solidFill>
+        </p:spPr>
+        <p:style>
+          <a:lnRef idx="2">
+            <a:schemeClr val="dk1"/>
+          </a:lnRef>
+          <a:fillRef idx="1">
+            <a:schemeClr val="lt1"/>
+          </a:fillRef>
+          <a:effectRef idx="0">
+            <a:schemeClr val="dk1"/>
+          </a:effectRef>
+          <a:fontRef idx="minor">
+            <a:schemeClr val="dk1"/>
+          </a:fontRef>
+        </p:style>
+        <p:txBody>
+          <a:bodyPr rtlCol="0" anchor="ctr"/>
+          <a:lstStyle/>
+          <a:p>
+            <a:pPr algn="ctr"/>
+            <a:r>
+              <a:rPr lang="en-US" altLang="ko-KR" sz="1100"/>
+              <a:t>Partition </a:t>
+            </a:r>
+            <a:r>
+              <a:rPr lang="en-US" altLang="ko-KR" sz="1100" dirty="0"/>
+              <a:t>0</a:t>
+            </a:r>
+            <a:endParaRPr lang="ko-KR" altLang="en-US" sz="1100" dirty="0"/>
+          </a:p>
+        </p:txBody>
+      </p:sp>
+      <p:sp>
+        <p:nvSpPr>
+          <p:cNvPr id="71" name="사각형: 둥근 모서리 70">
+            <a:extLst>
+              <a:ext uri="{FF2B5EF4-FFF2-40B4-BE49-F238E27FC236}">
+                <a16:creationId xmlns:a16="http://schemas.microsoft.com/office/drawing/2014/main" id="{8CB55B9F-1769-4742-9626-EA91B55F9CD0}"/>
+              </a:ext>
+            </a:extLst>
+          </p:cNvPr>
+          <p:cNvSpPr/>
+          <p:nvPr/>
+        </p:nvSpPr>
+        <p:spPr>
+          <a:xfrm>
+            <a:off x="5868144" y="2549562"/>
+            <a:ext cx="1440160" cy="268948"/>
+          </a:xfrm>
+          <a:prstGeom prst="roundRect">
+            <a:avLst>
+              <a:gd name="adj" fmla="val 14105"/>
+            </a:avLst>
+          </a:prstGeom>
+          <a:solidFill>
+            <a:schemeClr val="accent1">
+              <a:lumMod val="20000"/>
+              <a:lumOff val="80000"/>
+            </a:schemeClr>
+          </a:solidFill>
+        </p:spPr>
+        <p:style>
+          <a:lnRef idx="2">
+            <a:schemeClr val="dk1"/>
+          </a:lnRef>
+          <a:fillRef idx="1">
+            <a:schemeClr val="lt1"/>
+          </a:fillRef>
+          <a:effectRef idx="0">
+            <a:schemeClr val="dk1"/>
+          </a:effectRef>
+          <a:fontRef idx="minor">
+            <a:schemeClr val="dk1"/>
+          </a:fontRef>
+        </p:style>
+        <p:txBody>
+          <a:bodyPr rtlCol="0" anchor="ctr"/>
+          <a:lstStyle/>
+          <a:p>
+            <a:pPr algn="ctr"/>
+            <a:r>
+              <a:rPr lang="en-US" altLang="ko-KR" sz="1100"/>
+              <a:t>Partition 0</a:t>
+            </a:r>
+            <a:endParaRPr lang="ko-KR" altLang="en-US" sz="1100" dirty="0"/>
+          </a:p>
+        </p:txBody>
+      </p:sp>
+      <p:sp>
+        <p:nvSpPr>
+          <p:cNvPr id="72" name="사각형: 둥근 모서리 71">
+            <a:extLst>
+              <a:ext uri="{FF2B5EF4-FFF2-40B4-BE49-F238E27FC236}">
+                <a16:creationId xmlns:a16="http://schemas.microsoft.com/office/drawing/2014/main" id="{E617FFBB-A175-4D87-8F62-AFE2F1679458}"/>
+              </a:ext>
+            </a:extLst>
+          </p:cNvPr>
+          <p:cNvSpPr/>
+          <p:nvPr/>
+        </p:nvSpPr>
+        <p:spPr>
+          <a:xfrm>
+            <a:off x="5868144" y="2915774"/>
+            <a:ext cx="1440160" cy="268948"/>
+          </a:xfrm>
+          <a:prstGeom prst="roundRect">
+            <a:avLst>
+              <a:gd name="adj" fmla="val 14105"/>
+            </a:avLst>
+          </a:prstGeom>
+          <a:solidFill>
+            <a:schemeClr val="accent1">
+              <a:lumMod val="20000"/>
+              <a:lumOff val="80000"/>
+            </a:schemeClr>
+          </a:solidFill>
+        </p:spPr>
+        <p:style>
+          <a:lnRef idx="2">
+            <a:schemeClr val="dk1"/>
+          </a:lnRef>
+          <a:fillRef idx="1">
+            <a:schemeClr val="lt1"/>
+          </a:fillRef>
+          <a:effectRef idx="0">
+            <a:schemeClr val="dk1"/>
+          </a:effectRef>
+          <a:fontRef idx="minor">
+            <a:schemeClr val="dk1"/>
+          </a:fontRef>
+        </p:style>
+        <p:txBody>
+          <a:bodyPr rtlCol="0" anchor="ctr"/>
+          <a:lstStyle/>
+          <a:p>
+            <a:pPr algn="ctr"/>
+            <a:r>
+              <a:rPr lang="en-US" altLang="ko-KR" sz="1100"/>
+              <a:t>Partition </a:t>
+            </a:r>
+            <a:r>
+              <a:rPr lang="en-US" altLang="ko-KR" sz="1100" dirty="0"/>
+              <a:t>1</a:t>
+            </a:r>
+            <a:endParaRPr lang="ko-KR" altLang="en-US" sz="1100" dirty="0"/>
+          </a:p>
+        </p:txBody>
+      </p:sp>
+      <p:sp>
+        <p:nvSpPr>
+          <p:cNvPr id="73" name="사각형: 둥근 모서리 72">
+            <a:extLst>
+              <a:ext uri="{FF2B5EF4-FFF2-40B4-BE49-F238E27FC236}">
+                <a16:creationId xmlns:a16="http://schemas.microsoft.com/office/drawing/2014/main" id="{050D8438-7982-4C6D-A88B-7801CD2300FE}"/>
+              </a:ext>
+            </a:extLst>
+          </p:cNvPr>
+          <p:cNvSpPr/>
+          <p:nvPr/>
+        </p:nvSpPr>
+        <p:spPr>
+          <a:xfrm>
+            <a:off x="5868144" y="3281986"/>
+            <a:ext cx="1440160" cy="268948"/>
+          </a:xfrm>
+          <a:prstGeom prst="roundRect">
+            <a:avLst>
+              <a:gd name="adj" fmla="val 14105"/>
+            </a:avLst>
+          </a:prstGeom>
+          <a:solidFill>
+            <a:schemeClr val="accent2">
+              <a:lumMod val="20000"/>
+              <a:lumOff val="80000"/>
+            </a:schemeClr>
+          </a:solidFill>
+        </p:spPr>
+        <p:style>
+          <a:lnRef idx="2">
+            <a:schemeClr val="dk1"/>
+          </a:lnRef>
+          <a:fillRef idx="1">
+            <a:schemeClr val="lt1"/>
+          </a:fillRef>
+          <a:effectRef idx="0">
+            <a:schemeClr val="dk1"/>
+          </a:effectRef>
+          <a:fontRef idx="minor">
+            <a:schemeClr val="dk1"/>
+          </a:fontRef>
+        </p:style>
+        <p:txBody>
+          <a:bodyPr rtlCol="0" anchor="ctr"/>
+          <a:lstStyle/>
+          <a:p>
+            <a:pPr algn="ctr"/>
+            <a:r>
+              <a:rPr lang="en-US" altLang="ko-KR" sz="1100"/>
+              <a:t>Partition </a:t>
+            </a:r>
+            <a:r>
+              <a:rPr lang="en-US" altLang="ko-KR" sz="1100" dirty="0"/>
+              <a:t>2</a:t>
+            </a:r>
+            <a:endParaRPr lang="ko-KR" altLang="en-US" sz="1100" dirty="0"/>
+          </a:p>
+        </p:txBody>
+      </p:sp>
+      <p:sp>
+        <p:nvSpPr>
+          <p:cNvPr id="74" name="사각형: 둥근 모서리 73">
+            <a:extLst>
+              <a:ext uri="{FF2B5EF4-FFF2-40B4-BE49-F238E27FC236}">
+                <a16:creationId xmlns:a16="http://schemas.microsoft.com/office/drawing/2014/main" id="{310FF450-E455-4CDD-9246-557B0E07B241}"/>
+              </a:ext>
+            </a:extLst>
+          </p:cNvPr>
+          <p:cNvSpPr/>
+          <p:nvPr/>
+        </p:nvSpPr>
+        <p:spPr>
+          <a:xfrm>
+            <a:off x="1460210" y="4258806"/>
+            <a:ext cx="1872208" cy="307777"/>
+          </a:xfrm>
+          <a:prstGeom prst="roundRect">
+            <a:avLst>
+              <a:gd name="adj" fmla="val 25008"/>
+            </a:avLst>
+          </a:prstGeom>
+          <a:noFill/>
+        </p:spPr>
+        <p:style>
+          <a:lnRef idx="2">
+            <a:schemeClr val="dk1"/>
+          </a:lnRef>
+          <a:fillRef idx="1">
+            <a:schemeClr val="lt1"/>
+          </a:fillRef>
+          <a:effectRef idx="0">
+            <a:schemeClr val="dk1"/>
+          </a:effectRef>
+          <a:fontRef idx="minor">
+            <a:schemeClr val="dk1"/>
+          </a:fontRef>
+        </p:style>
+        <p:txBody>
+          <a:bodyPr rtlCol="0" anchor="ctr"/>
+          <a:lstStyle/>
+          <a:p>
+            <a:pPr algn="ctr"/>
+            <a:r>
+              <a:rPr lang="en-US" altLang="ko-KR" sz="1400"/>
+              <a:t>Zookeeper</a:t>
+            </a:r>
+            <a:endParaRPr lang="ko-KR" altLang="en-US" sz="1400" dirty="0"/>
+          </a:p>
+        </p:txBody>
+      </p:sp>
+      <p:cxnSp>
+        <p:nvCxnSpPr>
+          <p:cNvPr id="79" name="직선 화살표 연결선 78">
+            <a:extLst>
+              <a:ext uri="{FF2B5EF4-FFF2-40B4-BE49-F238E27FC236}">
+                <a16:creationId xmlns:a16="http://schemas.microsoft.com/office/drawing/2014/main" id="{2A1AECB2-35D2-425D-A059-8CED21029DBB}"/>
+              </a:ext>
+            </a:extLst>
+          </p:cNvPr>
+          <p:cNvCxnSpPr>
+            <a:cxnSpLocks/>
+            <a:stCxn id="45" idx="1"/>
+            <a:endCxn id="42" idx="3"/>
+          </p:cNvCxnSpPr>
+          <p:nvPr/>
+        </p:nvCxnSpPr>
+        <p:spPr>
+          <a:xfrm flipH="1">
+            <a:off x="5436096" y="4412695"/>
+            <a:ext cx="216025" cy="0"/>
+          </a:xfrm>
+          <a:prstGeom prst="straightConnector1">
+            <a:avLst/>
+          </a:prstGeom>
+          <a:ln w="19050">
+            <a:solidFill>
+              <a:schemeClr val="tx1"/>
+            </a:solidFill>
+            <a:headEnd type="arrow" w="med" len="med"/>
+            <a:tailEnd type="arrow" w="med" len="med"/>
+          </a:ln>
+        </p:spPr>
+        <p:style>
+          <a:lnRef idx="1">
+            <a:schemeClr val="accent1"/>
+          </a:lnRef>
+          <a:fillRef idx="0">
+            <a:schemeClr val="accent1"/>
+          </a:fillRef>
+          <a:effectRef idx="0">
+            <a:schemeClr val="accent1"/>
+          </a:effectRef>
+          <a:fontRef idx="minor">
+            <a:schemeClr val="tx1"/>
+          </a:fontRef>
+        </p:style>
+      </p:cxnSp>
+      <p:sp>
+        <p:nvSpPr>
+          <p:cNvPr id="3" name="사각형: 둥근 모서리 2">
+            <a:extLst>
+              <a:ext uri="{FF2B5EF4-FFF2-40B4-BE49-F238E27FC236}">
+                <a16:creationId xmlns:a16="http://schemas.microsoft.com/office/drawing/2014/main" id="{A0251F74-49B2-4DD0-98FA-A17BBF39C197}"/>
+              </a:ext>
+            </a:extLst>
+          </p:cNvPr>
+          <p:cNvSpPr/>
+          <p:nvPr/>
+        </p:nvSpPr>
+        <p:spPr>
+          <a:xfrm>
+            <a:off x="1568670" y="564766"/>
+            <a:ext cx="5862644" cy="1075263"/>
+          </a:xfrm>
+          <a:prstGeom prst="roundRect">
+            <a:avLst>
+              <a:gd name="adj" fmla="val 9108"/>
+            </a:avLst>
+          </a:prstGeom>
+          <a:noFill/>
+          <a:ln>
+            <a:prstDash val="dash"/>
+          </a:ln>
+        </p:spPr>
+        <p:style>
+          <a:lnRef idx="2">
+            <a:schemeClr val="dk1"/>
+          </a:lnRef>
+          <a:fillRef idx="1">
+            <a:schemeClr val="lt1"/>
+          </a:fillRef>
+          <a:effectRef idx="0">
+            <a:schemeClr val="dk1"/>
+          </a:effectRef>
+          <a:fontRef idx="minor">
+            <a:schemeClr val="dk1"/>
+          </a:fontRef>
+        </p:style>
+        <p:txBody>
+          <a:bodyPr rtlCol="0" anchor="b"/>
+          <a:lstStyle/>
+          <a:p>
+            <a:pPr algn="ctr"/>
+            <a:r>
+              <a:rPr lang="en-US" altLang="ko-KR" sz="1400"/>
+              <a:t>Topic A</a:t>
+            </a:r>
+            <a:endParaRPr lang="ko-KR" altLang="en-US" sz="1400"/>
+          </a:p>
+        </p:txBody>
+      </p:sp>
+      <p:sp>
+        <p:nvSpPr>
+          <p:cNvPr id="13" name="사각형: 둥근 모서리 12">
+            <a:extLst>
+              <a:ext uri="{FF2B5EF4-FFF2-40B4-BE49-F238E27FC236}">
+                <a16:creationId xmlns:a16="http://schemas.microsoft.com/office/drawing/2014/main" id="{22E7F032-13ED-4575-8F3C-092CC530ABC3}"/>
+              </a:ext>
+            </a:extLst>
+          </p:cNvPr>
+          <p:cNvSpPr/>
+          <p:nvPr/>
+        </p:nvSpPr>
+        <p:spPr>
+          <a:xfrm>
+            <a:off x="1691680" y="682345"/>
+            <a:ext cx="1440160" cy="268948"/>
+          </a:xfrm>
+          <a:prstGeom prst="roundRect">
+            <a:avLst>
+              <a:gd name="adj" fmla="val 14105"/>
+            </a:avLst>
+          </a:prstGeom>
+          <a:solidFill>
+            <a:schemeClr val="accent2">
+              <a:lumMod val="20000"/>
+              <a:lumOff val="80000"/>
+            </a:schemeClr>
+          </a:solidFill>
+        </p:spPr>
+        <p:style>
+          <a:lnRef idx="2">
+            <a:schemeClr val="dk1"/>
+          </a:lnRef>
+          <a:fillRef idx="1">
+            <a:schemeClr val="lt1"/>
+          </a:fillRef>
+          <a:effectRef idx="0">
+            <a:schemeClr val="dk1"/>
+          </a:effectRef>
+          <a:fontRef idx="minor">
+            <a:schemeClr val="dk1"/>
+          </a:fontRef>
+        </p:style>
+        <p:txBody>
+          <a:bodyPr rtlCol="0" anchor="ctr"/>
+          <a:lstStyle/>
+          <a:p>
+            <a:pPr algn="ctr"/>
+            <a:r>
+              <a:rPr lang="en-US" altLang="ko-KR" sz="1100"/>
+              <a:t>Partition </a:t>
+            </a:r>
+            <a:r>
+              <a:rPr lang="en-US" altLang="ko-KR" sz="1100" dirty="0"/>
+              <a:t>0</a:t>
+            </a:r>
+            <a:endParaRPr lang="ko-KR" altLang="en-US" sz="1100" dirty="0"/>
+          </a:p>
+        </p:txBody>
+      </p:sp>
+      <p:sp>
+        <p:nvSpPr>
+          <p:cNvPr id="43" name="사각형: 둥근 모서리 42">
+            <a:extLst>
+              <a:ext uri="{FF2B5EF4-FFF2-40B4-BE49-F238E27FC236}">
+                <a16:creationId xmlns:a16="http://schemas.microsoft.com/office/drawing/2014/main" id="{1070DDBB-C45F-422E-861A-975578A329CC}"/>
+              </a:ext>
+            </a:extLst>
+          </p:cNvPr>
+          <p:cNvSpPr/>
+          <p:nvPr/>
+        </p:nvSpPr>
+        <p:spPr>
+          <a:xfrm>
+            <a:off x="1691680" y="1048558"/>
+            <a:ext cx="1440160" cy="268948"/>
+          </a:xfrm>
+          <a:prstGeom prst="roundRect">
+            <a:avLst>
+              <a:gd name="adj" fmla="val 14105"/>
+            </a:avLst>
+          </a:prstGeom>
+          <a:solidFill>
+            <a:schemeClr val="accent1">
+              <a:lumMod val="20000"/>
+              <a:lumOff val="80000"/>
+            </a:schemeClr>
+          </a:solidFill>
+        </p:spPr>
+        <p:style>
+          <a:lnRef idx="2">
+            <a:schemeClr val="dk1"/>
+          </a:lnRef>
+          <a:fillRef idx="1">
+            <a:schemeClr val="lt1"/>
+          </a:fillRef>
+          <a:effectRef idx="0">
+            <a:schemeClr val="dk1"/>
+          </a:effectRef>
+          <a:fontRef idx="minor">
+            <a:schemeClr val="dk1"/>
+          </a:fontRef>
+        </p:style>
+        <p:txBody>
+          <a:bodyPr rtlCol="0" anchor="ctr"/>
+          <a:lstStyle/>
+          <a:p>
+            <a:pPr algn="ctr"/>
+            <a:r>
+              <a:rPr lang="en-US" altLang="ko-KR" sz="1100"/>
+              <a:t>Partition </a:t>
+            </a:r>
+            <a:r>
+              <a:rPr lang="en-US" altLang="ko-KR" sz="1100" dirty="0"/>
+              <a:t>1</a:t>
+            </a:r>
+            <a:endParaRPr lang="ko-KR" altLang="en-US" sz="1100" dirty="0"/>
+          </a:p>
+        </p:txBody>
+      </p:sp>
+      <p:sp>
+        <p:nvSpPr>
+          <p:cNvPr id="59" name="사각형: 둥근 모서리 58">
+            <a:extLst>
+              <a:ext uri="{FF2B5EF4-FFF2-40B4-BE49-F238E27FC236}">
+                <a16:creationId xmlns:a16="http://schemas.microsoft.com/office/drawing/2014/main" id="{864C36CA-B2B1-4C62-84BC-8CE2E6415074}"/>
+              </a:ext>
+            </a:extLst>
+          </p:cNvPr>
+          <p:cNvSpPr/>
+          <p:nvPr/>
+        </p:nvSpPr>
+        <p:spPr>
+          <a:xfrm>
+            <a:off x="3779912" y="682345"/>
+            <a:ext cx="1440160" cy="268948"/>
+          </a:xfrm>
+          <a:prstGeom prst="roundRect">
+            <a:avLst>
+              <a:gd name="adj" fmla="val 14105"/>
+            </a:avLst>
+          </a:prstGeom>
+          <a:solidFill>
+            <a:schemeClr val="accent1">
+              <a:lumMod val="20000"/>
+              <a:lumOff val="80000"/>
+            </a:schemeClr>
+          </a:solidFill>
+        </p:spPr>
+        <p:style>
+          <a:lnRef idx="2">
+            <a:schemeClr val="dk1"/>
+          </a:lnRef>
+          <a:fillRef idx="1">
+            <a:schemeClr val="lt1"/>
+          </a:fillRef>
+          <a:effectRef idx="0">
+            <a:schemeClr val="dk1"/>
+          </a:effectRef>
+          <a:fontRef idx="minor">
+            <a:schemeClr val="dk1"/>
+          </a:fontRef>
+        </p:style>
+        <p:txBody>
+          <a:bodyPr rtlCol="0" anchor="ctr"/>
+          <a:lstStyle/>
+          <a:p>
+            <a:pPr algn="ctr"/>
+            <a:r>
+              <a:rPr lang="en-US" altLang="ko-KR" sz="1100"/>
+              <a:t>Partition </a:t>
+            </a:r>
+            <a:r>
+              <a:rPr lang="en-US" altLang="ko-KR" sz="1100" dirty="0"/>
+              <a:t>0</a:t>
+            </a:r>
+            <a:endParaRPr lang="ko-KR" altLang="en-US" sz="1100" dirty="0"/>
+          </a:p>
+        </p:txBody>
+      </p:sp>
+      <p:sp>
+        <p:nvSpPr>
+          <p:cNvPr id="61" name="사각형: 둥근 모서리 60">
+            <a:extLst>
+              <a:ext uri="{FF2B5EF4-FFF2-40B4-BE49-F238E27FC236}">
+                <a16:creationId xmlns:a16="http://schemas.microsoft.com/office/drawing/2014/main" id="{8847AFD1-B7E6-4B29-BB80-578C46B9A5AC}"/>
+              </a:ext>
+            </a:extLst>
+          </p:cNvPr>
+          <p:cNvSpPr/>
+          <p:nvPr/>
+        </p:nvSpPr>
+        <p:spPr>
+          <a:xfrm>
+            <a:off x="3779912" y="1048558"/>
+            <a:ext cx="1440160" cy="268948"/>
+          </a:xfrm>
+          <a:prstGeom prst="roundRect">
+            <a:avLst>
+              <a:gd name="adj" fmla="val 14105"/>
+            </a:avLst>
+          </a:prstGeom>
+          <a:solidFill>
+            <a:schemeClr val="accent2">
+              <a:lumMod val="20000"/>
+              <a:lumOff val="80000"/>
+            </a:schemeClr>
+          </a:solidFill>
+        </p:spPr>
+        <p:style>
+          <a:lnRef idx="2">
+            <a:schemeClr val="dk1"/>
+          </a:lnRef>
+          <a:fillRef idx="1">
+            <a:schemeClr val="lt1"/>
+          </a:fillRef>
+          <a:effectRef idx="0">
+            <a:schemeClr val="dk1"/>
+          </a:effectRef>
+          <a:fontRef idx="minor">
+            <a:schemeClr val="dk1"/>
+          </a:fontRef>
+        </p:style>
+        <p:txBody>
+          <a:bodyPr rtlCol="0" anchor="ctr"/>
+          <a:lstStyle/>
+          <a:p>
+            <a:pPr algn="ctr"/>
+            <a:r>
+              <a:rPr lang="en-US" altLang="ko-KR" sz="1100"/>
+              <a:t>Partition </a:t>
+            </a:r>
+            <a:r>
+              <a:rPr lang="en-US" altLang="ko-KR" sz="1100" dirty="0"/>
+              <a:t>1</a:t>
+            </a:r>
+            <a:endParaRPr lang="ko-KR" altLang="en-US" sz="1100" dirty="0"/>
+          </a:p>
+        </p:txBody>
+      </p:sp>
+      <p:sp>
+        <p:nvSpPr>
+          <p:cNvPr id="68" name="사각형: 둥근 모서리 67">
+            <a:extLst>
+              <a:ext uri="{FF2B5EF4-FFF2-40B4-BE49-F238E27FC236}">
+                <a16:creationId xmlns:a16="http://schemas.microsoft.com/office/drawing/2014/main" id="{8E094E8F-532F-442F-B6E4-AEF302B45199}"/>
+              </a:ext>
+            </a:extLst>
+          </p:cNvPr>
+          <p:cNvSpPr/>
+          <p:nvPr/>
+        </p:nvSpPr>
+        <p:spPr>
+          <a:xfrm>
+            <a:off x="5868144" y="682345"/>
+            <a:ext cx="1440160" cy="268948"/>
+          </a:xfrm>
+          <a:prstGeom prst="roundRect">
+            <a:avLst>
+              <a:gd name="adj" fmla="val 14105"/>
+            </a:avLst>
+          </a:prstGeom>
+          <a:solidFill>
+            <a:schemeClr val="accent1">
+              <a:lumMod val="20000"/>
+              <a:lumOff val="80000"/>
+            </a:schemeClr>
+          </a:solidFill>
+        </p:spPr>
+        <p:style>
+          <a:lnRef idx="2">
+            <a:schemeClr val="dk1"/>
+          </a:lnRef>
+          <a:fillRef idx="1">
+            <a:schemeClr val="lt1"/>
+          </a:fillRef>
+          <a:effectRef idx="0">
+            <a:schemeClr val="dk1"/>
+          </a:effectRef>
+          <a:fontRef idx="minor">
+            <a:schemeClr val="dk1"/>
+          </a:fontRef>
+        </p:style>
+        <p:txBody>
+          <a:bodyPr rtlCol="0" anchor="ctr"/>
+          <a:lstStyle/>
+          <a:p>
+            <a:pPr algn="ctr"/>
+            <a:r>
+              <a:rPr lang="en-US" altLang="ko-KR" sz="1100"/>
+              <a:t>Partition </a:t>
+            </a:r>
+            <a:r>
+              <a:rPr lang="en-US" altLang="ko-KR" sz="1100" dirty="0"/>
+              <a:t>0</a:t>
+            </a:r>
+            <a:endParaRPr lang="ko-KR" altLang="en-US" sz="1100" dirty="0"/>
+          </a:p>
+        </p:txBody>
+      </p:sp>
+      <p:sp>
+        <p:nvSpPr>
+          <p:cNvPr id="69" name="사각형: 둥근 모서리 68">
+            <a:extLst>
+              <a:ext uri="{FF2B5EF4-FFF2-40B4-BE49-F238E27FC236}">
+                <a16:creationId xmlns:a16="http://schemas.microsoft.com/office/drawing/2014/main" id="{5CBD8317-73E4-404D-BF25-BA454EE35500}"/>
+              </a:ext>
+            </a:extLst>
+          </p:cNvPr>
+          <p:cNvSpPr/>
+          <p:nvPr/>
+        </p:nvSpPr>
+        <p:spPr>
+          <a:xfrm>
+            <a:off x="5868144" y="1048558"/>
+            <a:ext cx="1440160" cy="268948"/>
+          </a:xfrm>
+          <a:prstGeom prst="roundRect">
+            <a:avLst>
+              <a:gd name="adj" fmla="val 14105"/>
+            </a:avLst>
+          </a:prstGeom>
+          <a:solidFill>
+            <a:schemeClr val="accent1">
+              <a:lumMod val="20000"/>
+              <a:lumOff val="80000"/>
+            </a:schemeClr>
+          </a:solidFill>
+        </p:spPr>
+        <p:style>
+          <a:lnRef idx="2">
+            <a:schemeClr val="dk1"/>
+          </a:lnRef>
+          <a:fillRef idx="1">
+            <a:schemeClr val="lt1"/>
+          </a:fillRef>
+          <a:effectRef idx="0">
+            <a:schemeClr val="dk1"/>
+          </a:effectRef>
+          <a:fontRef idx="minor">
+            <a:schemeClr val="dk1"/>
+          </a:fontRef>
+        </p:style>
+        <p:txBody>
+          <a:bodyPr rtlCol="0" anchor="ctr"/>
+          <a:lstStyle/>
+          <a:p>
+            <a:pPr algn="ctr"/>
+            <a:r>
+              <a:rPr lang="en-US" altLang="ko-KR" sz="1100"/>
+              <a:t>Partition </a:t>
+            </a:r>
+            <a:r>
+              <a:rPr lang="en-US" altLang="ko-KR" sz="1100" dirty="0"/>
+              <a:t>1</a:t>
+            </a:r>
+            <a:endParaRPr lang="ko-KR" altLang="en-US" sz="1100" dirty="0"/>
+          </a:p>
+        </p:txBody>
+      </p:sp>
+      <p:sp>
+        <p:nvSpPr>
+          <p:cNvPr id="31" name="사각형: 둥근 모서리 30">
+            <a:extLst>
+              <a:ext uri="{FF2B5EF4-FFF2-40B4-BE49-F238E27FC236}">
+                <a16:creationId xmlns:a16="http://schemas.microsoft.com/office/drawing/2014/main" id="{0D9F8112-227F-4F6E-A135-A2A694B0FCDB}"/>
+              </a:ext>
+            </a:extLst>
+          </p:cNvPr>
+          <p:cNvSpPr/>
+          <p:nvPr/>
+        </p:nvSpPr>
+        <p:spPr>
+          <a:xfrm>
+            <a:off x="1568670" y="1720585"/>
+            <a:ext cx="5862644" cy="633079"/>
+          </a:xfrm>
+          <a:prstGeom prst="roundRect">
+            <a:avLst>
+              <a:gd name="adj" fmla="val 9108"/>
+            </a:avLst>
+          </a:prstGeom>
+          <a:noFill/>
+          <a:ln>
+            <a:prstDash val="dash"/>
+          </a:ln>
+        </p:spPr>
+        <p:style>
+          <a:lnRef idx="2">
+            <a:schemeClr val="dk1"/>
+          </a:lnRef>
+          <a:fillRef idx="1">
+            <a:schemeClr val="lt1"/>
+          </a:fillRef>
+          <a:effectRef idx="0">
+            <a:schemeClr val="dk1"/>
+          </a:effectRef>
+          <a:fontRef idx="minor">
+            <a:schemeClr val="dk1"/>
+          </a:fontRef>
+        </p:style>
+        <p:txBody>
+          <a:bodyPr rtlCol="0" anchor="b"/>
+          <a:lstStyle/>
+          <a:p>
+            <a:pPr algn="ctr"/>
+            <a:r>
+              <a:rPr lang="en-US" altLang="ko-KR" sz="1400"/>
+              <a:t>Topic B</a:t>
+            </a:r>
+            <a:endParaRPr lang="ko-KR" altLang="en-US" sz="1400"/>
+          </a:p>
+        </p:txBody>
+      </p:sp>
+      <p:sp>
+        <p:nvSpPr>
+          <p:cNvPr id="32" name="사각형: 둥근 모서리 31">
+            <a:extLst>
+              <a:ext uri="{FF2B5EF4-FFF2-40B4-BE49-F238E27FC236}">
+                <a16:creationId xmlns:a16="http://schemas.microsoft.com/office/drawing/2014/main" id="{4E1C50CF-EB0B-4961-9D79-9F68FF1B10AD}"/>
+              </a:ext>
+            </a:extLst>
+          </p:cNvPr>
+          <p:cNvSpPr/>
+          <p:nvPr/>
+        </p:nvSpPr>
+        <p:spPr>
+          <a:xfrm>
+            <a:off x="1568670" y="2434221"/>
+            <a:ext cx="5862644" cy="1426913"/>
+          </a:xfrm>
+          <a:prstGeom prst="roundRect">
+            <a:avLst>
+              <a:gd name="adj" fmla="val 5548"/>
+            </a:avLst>
+          </a:prstGeom>
+          <a:noFill/>
+          <a:ln>
+            <a:prstDash val="dash"/>
+          </a:ln>
+        </p:spPr>
+        <p:style>
+          <a:lnRef idx="2">
+            <a:schemeClr val="dk1"/>
+          </a:lnRef>
+          <a:fillRef idx="1">
+            <a:schemeClr val="lt1"/>
+          </a:fillRef>
+          <a:effectRef idx="0">
+            <a:schemeClr val="dk1"/>
+          </a:effectRef>
+          <a:fontRef idx="minor">
+            <a:schemeClr val="dk1"/>
+          </a:fontRef>
+        </p:style>
+        <p:txBody>
+          <a:bodyPr rtlCol="0" anchor="b"/>
+          <a:lstStyle/>
+          <a:p>
+            <a:pPr algn="ctr"/>
+            <a:r>
+              <a:rPr lang="en-US" altLang="ko-KR" sz="1400"/>
+              <a:t>Topic C</a:t>
+            </a:r>
+            <a:endParaRPr lang="ko-KR" altLang="en-US" sz="1400"/>
+          </a:p>
+        </p:txBody>
+      </p:sp>
+      <p:sp>
+        <p:nvSpPr>
+          <p:cNvPr id="34" name="사각형: 둥근 모서리 33">
+            <a:extLst>
+              <a:ext uri="{FF2B5EF4-FFF2-40B4-BE49-F238E27FC236}">
+                <a16:creationId xmlns:a16="http://schemas.microsoft.com/office/drawing/2014/main" id="{886B18E4-F82A-431B-95F8-1DC0095C6A39}"/>
+              </a:ext>
+            </a:extLst>
+          </p:cNvPr>
+          <p:cNvSpPr/>
+          <p:nvPr/>
+        </p:nvSpPr>
+        <p:spPr>
+          <a:xfrm>
+            <a:off x="2627784" y="4703308"/>
+            <a:ext cx="648072" cy="246063"/>
+          </a:xfrm>
+          <a:prstGeom prst="roundRect">
+            <a:avLst>
+              <a:gd name="adj" fmla="val 14105"/>
+            </a:avLst>
+          </a:prstGeom>
+          <a:solidFill>
+            <a:schemeClr val="accent2">
+              <a:lumMod val="20000"/>
+              <a:lumOff val="80000"/>
+            </a:schemeClr>
+          </a:solidFill>
+        </p:spPr>
+        <p:style>
+          <a:lnRef idx="2">
+            <a:schemeClr val="dk1"/>
+          </a:lnRef>
+          <a:fillRef idx="1">
+            <a:schemeClr val="lt1"/>
+          </a:fillRef>
+          <a:effectRef idx="0">
+            <a:schemeClr val="dk1"/>
+          </a:effectRef>
+          <a:fontRef idx="minor">
+            <a:schemeClr val="dk1"/>
+          </a:fontRef>
+        </p:style>
+        <p:txBody>
+          <a:bodyPr rtlCol="0" anchor="ctr"/>
+          <a:lstStyle/>
+          <a:p>
+            <a:pPr algn="ctr"/>
+            <a:endParaRPr lang="ko-KR" altLang="en-US" sz="1100" dirty="0"/>
+          </a:p>
+        </p:txBody>
+      </p:sp>
+      <p:sp>
+        <p:nvSpPr>
+          <p:cNvPr id="35" name="사각형: 둥근 모서리 34">
+            <a:extLst>
+              <a:ext uri="{FF2B5EF4-FFF2-40B4-BE49-F238E27FC236}">
+                <a16:creationId xmlns:a16="http://schemas.microsoft.com/office/drawing/2014/main" id="{5552FB7B-B9C6-4993-867C-BD77AB3DB5A5}"/>
+              </a:ext>
+            </a:extLst>
+          </p:cNvPr>
+          <p:cNvSpPr/>
+          <p:nvPr/>
+        </p:nvSpPr>
+        <p:spPr>
+          <a:xfrm>
+            <a:off x="4735962" y="4703307"/>
+            <a:ext cx="648072" cy="246063"/>
+          </a:xfrm>
+          <a:prstGeom prst="roundRect">
+            <a:avLst>
+              <a:gd name="adj" fmla="val 14105"/>
+            </a:avLst>
+          </a:prstGeom>
+          <a:solidFill>
+            <a:schemeClr val="accent1">
+              <a:lumMod val="20000"/>
+              <a:lumOff val="80000"/>
+            </a:schemeClr>
+          </a:solidFill>
+        </p:spPr>
+        <p:style>
+          <a:lnRef idx="2">
+            <a:schemeClr val="dk1"/>
+          </a:lnRef>
+          <a:fillRef idx="1">
+            <a:schemeClr val="lt1"/>
+          </a:fillRef>
+          <a:effectRef idx="0">
+            <a:schemeClr val="dk1"/>
+          </a:effectRef>
+          <a:fontRef idx="minor">
+            <a:schemeClr val="dk1"/>
+          </a:fontRef>
+        </p:style>
+        <p:txBody>
+          <a:bodyPr rtlCol="0" anchor="ctr"/>
+          <a:lstStyle/>
+          <a:p>
+            <a:pPr algn="ctr"/>
+            <a:endParaRPr lang="ko-KR" altLang="en-US" sz="1100" dirty="0"/>
+          </a:p>
+        </p:txBody>
+      </p:sp>
+      <p:sp>
+        <p:nvSpPr>
+          <p:cNvPr id="5" name="TextBox 4">
+            <a:extLst>
+              <a:ext uri="{FF2B5EF4-FFF2-40B4-BE49-F238E27FC236}">
+                <a16:creationId xmlns:a16="http://schemas.microsoft.com/office/drawing/2014/main" id="{AA3D8720-8599-4976-A904-4AB34821EC41}"/>
+              </a:ext>
+            </a:extLst>
+          </p:cNvPr>
+          <p:cNvSpPr txBox="1"/>
+          <p:nvPr/>
+        </p:nvSpPr>
+        <p:spPr>
+          <a:xfrm>
+            <a:off x="3275856" y="4675680"/>
+            <a:ext cx="740026" cy="307777"/>
+          </a:xfrm>
+          <a:prstGeom prst="rect">
+            <a:avLst/>
+          </a:prstGeom>
+          <a:noFill/>
+        </p:spPr>
+        <p:txBody>
+          <a:bodyPr wrap="square" rtlCol="0" anchor="ctr">
+            <a:spAutoFit/>
+          </a:bodyPr>
+          <a:lstStyle/>
+          <a:p>
+            <a:pPr algn="ctr"/>
+            <a:r>
+              <a:rPr lang="en-US" altLang="ko-KR" sz="1400"/>
+              <a:t>Leader</a:t>
+            </a:r>
+            <a:endParaRPr lang="ko-KR" altLang="en-US" sz="1400"/>
+          </a:p>
+        </p:txBody>
+      </p:sp>
+      <p:sp>
+        <p:nvSpPr>
+          <p:cNvPr id="37" name="TextBox 36">
+            <a:extLst>
+              <a:ext uri="{FF2B5EF4-FFF2-40B4-BE49-F238E27FC236}">
+                <a16:creationId xmlns:a16="http://schemas.microsoft.com/office/drawing/2014/main" id="{138F7836-E78C-4A74-A5F9-9B87C18B1EB8}"/>
+              </a:ext>
+            </a:extLst>
+          </p:cNvPr>
+          <p:cNvSpPr txBox="1"/>
+          <p:nvPr/>
+        </p:nvSpPr>
+        <p:spPr>
+          <a:xfrm>
+            <a:off x="5384034" y="4675680"/>
+            <a:ext cx="792088" cy="307777"/>
+          </a:xfrm>
+          <a:prstGeom prst="rect">
+            <a:avLst/>
+          </a:prstGeom>
+          <a:noFill/>
+        </p:spPr>
+        <p:txBody>
+          <a:bodyPr wrap="square" rtlCol="0" anchor="ctr">
+            <a:spAutoFit/>
+          </a:bodyPr>
+          <a:lstStyle/>
+          <a:p>
+            <a:pPr algn="ctr"/>
+            <a:r>
+              <a:rPr lang="en-US" altLang="ko-KR" sz="1400"/>
+              <a:t>Replica</a:t>
+            </a:r>
+            <a:endParaRPr lang="ko-KR" altLang="en-US" sz="1400"/>
+          </a:p>
+        </p:txBody>
+      </p:sp>
+      <p:sp>
+        <p:nvSpPr>
+          <p:cNvPr id="42" name="사각형: 둥근 모서리 41">
+            <a:extLst>
+              <a:ext uri="{FF2B5EF4-FFF2-40B4-BE49-F238E27FC236}">
+                <a16:creationId xmlns:a16="http://schemas.microsoft.com/office/drawing/2014/main" id="{7926FE97-357E-4F9C-B81C-6AB1806CE577}"/>
+              </a:ext>
+            </a:extLst>
+          </p:cNvPr>
+          <p:cNvSpPr/>
+          <p:nvPr/>
+        </p:nvSpPr>
+        <p:spPr>
+          <a:xfrm>
+            <a:off x="3563888" y="4258806"/>
+            <a:ext cx="1872208" cy="307777"/>
+          </a:xfrm>
+          <a:prstGeom prst="roundRect">
+            <a:avLst>
+              <a:gd name="adj" fmla="val 25008"/>
+            </a:avLst>
+          </a:prstGeom>
+          <a:noFill/>
+        </p:spPr>
+        <p:style>
+          <a:lnRef idx="2">
+            <a:schemeClr val="dk1"/>
+          </a:lnRef>
+          <a:fillRef idx="1">
+            <a:schemeClr val="lt1"/>
+          </a:fillRef>
+          <a:effectRef idx="0">
+            <a:schemeClr val="dk1"/>
+          </a:effectRef>
+          <a:fontRef idx="minor">
+            <a:schemeClr val="dk1"/>
+          </a:fontRef>
+        </p:style>
+        <p:txBody>
+          <a:bodyPr rtlCol="0" anchor="ctr"/>
+          <a:lstStyle/>
+          <a:p>
+            <a:pPr algn="ctr"/>
+            <a:r>
+              <a:rPr lang="en-US" altLang="ko-KR" sz="1400"/>
+              <a:t>Zookeeper</a:t>
+            </a:r>
+            <a:endParaRPr lang="ko-KR" altLang="en-US" sz="1400" dirty="0"/>
+          </a:p>
+        </p:txBody>
+      </p:sp>
+      <p:sp>
+        <p:nvSpPr>
+          <p:cNvPr id="45" name="사각형: 둥근 모서리 44">
+            <a:extLst>
+              <a:ext uri="{FF2B5EF4-FFF2-40B4-BE49-F238E27FC236}">
+                <a16:creationId xmlns:a16="http://schemas.microsoft.com/office/drawing/2014/main" id="{6D7EA8E5-1AFE-4D3E-9793-FD7909C76405}"/>
+              </a:ext>
+            </a:extLst>
+          </p:cNvPr>
+          <p:cNvSpPr/>
+          <p:nvPr/>
+        </p:nvSpPr>
+        <p:spPr>
+          <a:xfrm>
+            <a:off x="5652121" y="4258806"/>
+            <a:ext cx="1872208" cy="307777"/>
+          </a:xfrm>
+          <a:prstGeom prst="roundRect">
+            <a:avLst>
+              <a:gd name="adj" fmla="val 25008"/>
+            </a:avLst>
+          </a:prstGeom>
+          <a:noFill/>
+        </p:spPr>
+        <p:style>
+          <a:lnRef idx="2">
+            <a:schemeClr val="dk1"/>
+          </a:lnRef>
+          <a:fillRef idx="1">
+            <a:schemeClr val="lt1"/>
+          </a:fillRef>
+          <a:effectRef idx="0">
+            <a:schemeClr val="dk1"/>
+          </a:effectRef>
+          <a:fontRef idx="minor">
+            <a:schemeClr val="dk1"/>
+          </a:fontRef>
+        </p:style>
+        <p:txBody>
+          <a:bodyPr rtlCol="0" anchor="ctr"/>
+          <a:lstStyle/>
+          <a:p>
+            <a:pPr algn="ctr"/>
+            <a:r>
+              <a:rPr lang="en-US" altLang="ko-KR" sz="1400"/>
+              <a:t>Zookeeper</a:t>
+            </a:r>
+            <a:endParaRPr lang="ko-KR" altLang="en-US" sz="1400" dirty="0"/>
+          </a:p>
+        </p:txBody>
+      </p:sp>
+      <p:cxnSp>
+        <p:nvCxnSpPr>
+          <p:cNvPr id="48" name="직선 화살표 연결선 47">
+            <a:extLst>
+              <a:ext uri="{FF2B5EF4-FFF2-40B4-BE49-F238E27FC236}">
+                <a16:creationId xmlns:a16="http://schemas.microsoft.com/office/drawing/2014/main" id="{CB6D47E7-F697-405F-96B3-B9D5BB94E2EE}"/>
+              </a:ext>
+            </a:extLst>
+          </p:cNvPr>
+          <p:cNvCxnSpPr>
+            <a:cxnSpLocks/>
+            <a:stCxn id="42" idx="1"/>
+            <a:endCxn id="74" idx="3"/>
+          </p:cNvCxnSpPr>
+          <p:nvPr/>
+        </p:nvCxnSpPr>
+        <p:spPr>
+          <a:xfrm flipH="1">
+            <a:off x="3332418" y="4412695"/>
+            <a:ext cx="231470" cy="0"/>
+          </a:xfrm>
+          <a:prstGeom prst="straightConnector1">
+            <a:avLst/>
+          </a:prstGeom>
+          <a:ln w="19050">
+            <a:solidFill>
+              <a:schemeClr val="tx1"/>
+            </a:solidFill>
+            <a:headEnd type="arrow" w="med" len="med"/>
+            <a:tailEnd type="arrow" w="med" len="med"/>
+          </a:ln>
+        </p:spPr>
+        <p:style>
+          <a:lnRef idx="1">
+            <a:schemeClr val="accent1"/>
+          </a:lnRef>
+          <a:fillRef idx="0">
+            <a:schemeClr val="accent1"/>
+          </a:fillRef>
+          <a:effectRef idx="0">
+            <a:schemeClr val="accent1"/>
+          </a:effectRef>
+          <a:fontRef idx="minor">
+            <a:schemeClr val="tx1"/>
+          </a:fontRef>
+        </p:style>
+      </p:cxnSp>
+    </p:spTree>
+    <p:extLst>
+      <p:ext uri="{BB962C8B-B14F-4D97-AF65-F5344CB8AC3E}">
+        <p14:creationId xmlns:p14="http://schemas.microsoft.com/office/powerpoint/2010/main" val="1292196781"/>
+      </p:ext>
+    </p:extLst>
+  </p:cSld>
+  <p:clrMapOvr>
+    <a:masterClrMapping/>
+  </p:clrMapOvr>
+</p:sld>
+</file>
+
+<file path=ppt/slides/slide3.xml><?xml version="1.0" encoding="utf-8"?>
+<p:sld xmlns:a="http://schemas.openxmlformats.org/drawingml/2006/main" xmlns:r="http://schemas.openxmlformats.org/officeDocument/2006/relationships" xmlns:p="http://schemas.openxmlformats.org/presentationml/2006/main">
+  <p:cSld>
+    <p:spTree>
+      <p:nvGrpSpPr>
+        <p:cNvPr id="1" name=""/>
+        <p:cNvGrpSpPr/>
+        <p:nvPr/>
+      </p:nvGrpSpPr>
+      <p:grpSpPr>
+        <a:xfrm>
+          <a:off x="0" y="0"/>
+          <a:ext cx="0" cy="0"/>
+          <a:chOff x="0" y="0"/>
+          <a:chExt cx="0" cy="0"/>
+        </a:xfrm>
+      </p:grpSpPr>
+      <p:sp>
+        <p:nvSpPr>
+          <p:cNvPr id="2" name="제목 1">
+            <a:extLst>
+              <a:ext uri="{FF2B5EF4-FFF2-40B4-BE49-F238E27FC236}">
+                <a16:creationId xmlns:a16="http://schemas.microsoft.com/office/drawing/2014/main" id="{3CC7EF83-1195-4BBC-AEC1-D4FFFE3E240F}"/>
+              </a:ext>
+            </a:extLst>
+          </p:cNvPr>
+          <p:cNvSpPr>
+            <a:spLocks noGrp="1"/>
+          </p:cNvSpPr>
+          <p:nvPr>
+            <p:ph type="title"/>
+          </p:nvPr>
+        </p:nvSpPr>
+        <p:spPr/>
+        <p:txBody>
+          <a:bodyPr/>
+          <a:lstStyle/>
+          <a:p>
+            <a:endParaRPr lang="ko-KR" altLang="en-US"/>
+          </a:p>
+        </p:txBody>
+      </p:sp>
+      <p:sp>
+        <p:nvSpPr>
+          <p:cNvPr id="3" name="내용 개체 틀 2">
+            <a:extLst>
+              <a:ext uri="{FF2B5EF4-FFF2-40B4-BE49-F238E27FC236}">
+                <a16:creationId xmlns:a16="http://schemas.microsoft.com/office/drawing/2014/main" id="{A0129622-7C08-41CA-9C38-F36E626920DF}"/>
+              </a:ext>
+            </a:extLst>
+          </p:cNvPr>
+          <p:cNvSpPr>
+            <a:spLocks noGrp="1"/>
+          </p:cNvSpPr>
+          <p:nvPr>
+            <p:ph idx="1"/>
+          </p:nvPr>
+        </p:nvSpPr>
+        <p:spPr/>
+        <p:txBody>
+          <a:bodyPr/>
+          <a:lstStyle/>
+          <a:p>
+            <a:endParaRPr lang="ko-KR" altLang="en-US"/>
+          </a:p>
+        </p:txBody>
+      </p:sp>
+    </p:spTree>
+    <p:extLst>
+      <p:ext uri="{BB962C8B-B14F-4D97-AF65-F5344CB8AC3E}">
+        <p14:creationId xmlns:p14="http://schemas.microsoft.com/office/powerpoint/2010/main" val="791805061"/>
+      </p:ext>
+    </p:extLst>
+  </p:cSld>
+  <p:clrMapOvr>
+    <a:masterClrMapping/>
+  </p:clrMapOvr>
+</p:sld>
+</file>
+
+<file path=ppt/slides/slide4.xml><?xml version="1.0" encoding="utf-8"?>
+<p:sld xmlns:a="http://schemas.openxmlformats.org/drawingml/2006/main" xmlns:r="http://schemas.openxmlformats.org/officeDocument/2006/relationships" xmlns:p="http://schemas.openxmlformats.org/presentationml/2006/main">
+  <p:cSld>
+    <p:spTree>
+      <p:nvGrpSpPr>
+        <p:cNvPr id="1" name=""/>
+        <p:cNvGrpSpPr/>
+        <p:nvPr/>
+      </p:nvGrpSpPr>
+      <p:grpSpPr>
+        <a:xfrm>
+          <a:off x="0" y="0"/>
+          <a:ext cx="0" cy="0"/>
+          <a:chOff x="0" y="0"/>
+          <a:chExt cx="0" cy="0"/>
+        </a:xfrm>
+      </p:grpSpPr>
+      <p:sp>
+        <p:nvSpPr>
+          <p:cNvPr id="2" name="제목 1"/>
+          <p:cNvSpPr>
+            <a:spLocks noGrp="1"/>
+          </p:cNvSpPr>
+          <p:nvPr>
+            <p:ph type="title"/>
+          </p:nvPr>
+        </p:nvSpPr>
+        <p:spPr>
+          <a:xfrm>
+            <a:off x="377332" y="-236562"/>
+            <a:ext cx="8229600" cy="857250"/>
+          </a:xfrm>
+        </p:spPr>
+        <p:txBody>
+          <a:bodyPr/>
+          <a:lstStyle/>
+          <a:p>
+            <a:r>
+              <a:rPr lang="en-US" altLang="ko-KR" dirty="0"/>
+              <a:t>Kafka Architecture</a:t>
+            </a:r>
+            <a:endParaRPr lang="ko-KR" altLang="en-US" dirty="0"/>
+          </a:p>
+        </p:txBody>
+      </p:sp>
+      <p:sp>
+        <p:nvSpPr>
+          <p:cNvPr id="3" name="사각형: 둥근 모서리 2">
+            <a:extLst>
+              <a:ext uri="{FF2B5EF4-FFF2-40B4-BE49-F238E27FC236}">
+                <a16:creationId xmlns:a16="http://schemas.microsoft.com/office/drawing/2014/main" id="{F76732FE-6C9D-4444-AFDA-801EE5F981CB}"/>
+              </a:ext>
+            </a:extLst>
+          </p:cNvPr>
+          <p:cNvSpPr/>
+          <p:nvPr/>
+        </p:nvSpPr>
+        <p:spPr>
+          <a:xfrm>
             <a:off x="2598476" y="1257300"/>
             <a:ext cx="1728192" cy="432048"/>
           </a:xfrm>
@@ -4536,3559 +8222,6 @@
     <p:extLst>
       <p:ext uri="{BB962C8B-B14F-4D97-AF65-F5344CB8AC3E}">
         <p14:creationId xmlns:p14="http://schemas.microsoft.com/office/powerpoint/2010/main" val="3205058952"/>
-      </p:ext>
-    </p:extLst>
-  </p:cSld>
-  <p:clrMapOvr>
-    <a:masterClrMapping/>
-  </p:clrMapOvr>
-</p:sld>
-</file>
-
-<file path=ppt/slides/slide2.xml><?xml version="1.0" encoding="utf-8"?>
-<p:sld xmlns:a="http://schemas.openxmlformats.org/drawingml/2006/main" xmlns:r="http://schemas.openxmlformats.org/officeDocument/2006/relationships" xmlns:p="http://schemas.openxmlformats.org/presentationml/2006/main">
-  <p:cSld>
-    <p:spTree>
-      <p:nvGrpSpPr>
-        <p:cNvPr id="1" name=""/>
-        <p:cNvGrpSpPr/>
-        <p:nvPr/>
-      </p:nvGrpSpPr>
-      <p:grpSpPr>
-        <a:xfrm>
-          <a:off x="0" y="0"/>
-          <a:ext cx="0" cy="0"/>
-          <a:chOff x="0" y="0"/>
-          <a:chExt cx="0" cy="0"/>
-        </a:xfrm>
-      </p:grpSpPr>
-      <p:sp>
-        <p:nvSpPr>
-          <p:cNvPr id="2" name="제목 1"/>
-          <p:cNvSpPr>
-            <a:spLocks noGrp="1"/>
-          </p:cNvSpPr>
-          <p:nvPr>
-            <p:ph type="title"/>
-          </p:nvPr>
-        </p:nvSpPr>
-        <p:spPr>
-          <a:xfrm>
-            <a:off x="377332" y="-236562"/>
-            <a:ext cx="8229600" cy="857250"/>
-          </a:xfrm>
-        </p:spPr>
-        <p:txBody>
-          <a:bodyPr/>
-          <a:lstStyle/>
-          <a:p>
-            <a:r>
-              <a:rPr lang="en-US" altLang="ko-KR"/>
-              <a:t>Partition, Consumer Group</a:t>
-            </a:r>
-            <a:endParaRPr lang="ko-KR" altLang="en-US" dirty="0"/>
-          </a:p>
-        </p:txBody>
-      </p:sp>
-      <p:grpSp>
-        <p:nvGrpSpPr>
-          <p:cNvPr id="4" name="그룹 3">
-            <a:extLst>
-              <a:ext uri="{FF2B5EF4-FFF2-40B4-BE49-F238E27FC236}">
-                <a16:creationId xmlns:a16="http://schemas.microsoft.com/office/drawing/2014/main" id="{C21C82E7-A84E-4FC1-A10E-6A1D6EADD17D}"/>
-              </a:ext>
-            </a:extLst>
-          </p:cNvPr>
-          <p:cNvGrpSpPr/>
-          <p:nvPr/>
-        </p:nvGrpSpPr>
-        <p:grpSpPr>
-          <a:xfrm>
-            <a:off x="251520" y="771550"/>
-            <a:ext cx="8424936" cy="3960440"/>
-            <a:chOff x="251520" y="627534"/>
-            <a:chExt cx="8424936" cy="4464496"/>
-          </a:xfrm>
-        </p:grpSpPr>
-        <p:sp>
-          <p:nvSpPr>
-            <p:cNvPr id="3" name="사각형: 둥근 모서리 2">
-              <a:extLst>
-                <a:ext uri="{FF2B5EF4-FFF2-40B4-BE49-F238E27FC236}">
-                  <a16:creationId xmlns:a16="http://schemas.microsoft.com/office/drawing/2014/main" id="{F76732FE-6C9D-4444-AFDA-801EE5F981CB}"/>
-                </a:ext>
-              </a:extLst>
-            </p:cNvPr>
-            <p:cNvSpPr/>
-            <p:nvPr/>
-          </p:nvSpPr>
-          <p:spPr>
-            <a:xfrm>
-              <a:off x="2598476" y="627534"/>
-              <a:ext cx="1728192" cy="432048"/>
-            </a:xfrm>
-            <a:prstGeom prst="roundRect">
-              <a:avLst/>
-            </a:prstGeom>
-          </p:spPr>
-          <p:style>
-            <a:lnRef idx="2">
-              <a:schemeClr val="dk1"/>
-            </a:lnRef>
-            <a:fillRef idx="1">
-              <a:schemeClr val="lt1"/>
-            </a:fillRef>
-            <a:effectRef idx="0">
-              <a:schemeClr val="dk1"/>
-            </a:effectRef>
-            <a:fontRef idx="minor">
-              <a:schemeClr val="dk1"/>
-            </a:fontRef>
-          </p:style>
-          <p:txBody>
-            <a:bodyPr rtlCol="0" anchor="ctr"/>
-            <a:lstStyle/>
-            <a:p>
-              <a:pPr algn="ctr"/>
-              <a:r>
-                <a:rPr lang="en-US" altLang="ko-KR" sz="1400" dirty="0"/>
-                <a:t>Producer A</a:t>
-              </a:r>
-              <a:endParaRPr lang="ko-KR" altLang="en-US" sz="1400" dirty="0"/>
-            </a:p>
-          </p:txBody>
-        </p:sp>
-        <p:sp>
-          <p:nvSpPr>
-            <p:cNvPr id="6" name="사각형: 둥근 모서리 5">
-              <a:extLst>
-                <a:ext uri="{FF2B5EF4-FFF2-40B4-BE49-F238E27FC236}">
-                  <a16:creationId xmlns:a16="http://schemas.microsoft.com/office/drawing/2014/main" id="{3A8D51E8-B583-4C30-AEAD-66076B895A5D}"/>
-                </a:ext>
-              </a:extLst>
-            </p:cNvPr>
-            <p:cNvSpPr/>
-            <p:nvPr/>
-          </p:nvSpPr>
-          <p:spPr>
-            <a:xfrm>
-              <a:off x="1387929" y="1347614"/>
-              <a:ext cx="6208407" cy="2592288"/>
-            </a:xfrm>
-            <a:prstGeom prst="roundRect">
-              <a:avLst>
-                <a:gd name="adj" fmla="val 6360"/>
-              </a:avLst>
-            </a:prstGeom>
-          </p:spPr>
-          <p:style>
-            <a:lnRef idx="2">
-              <a:schemeClr val="dk1"/>
-            </a:lnRef>
-            <a:fillRef idx="1">
-              <a:schemeClr val="lt1"/>
-            </a:fillRef>
-            <a:effectRef idx="0">
-              <a:schemeClr val="dk1"/>
-            </a:effectRef>
-            <a:fontRef idx="minor">
-              <a:schemeClr val="dk1"/>
-            </a:fontRef>
-          </p:style>
-          <p:txBody>
-            <a:bodyPr rtlCol="0" anchor="t"/>
-            <a:lstStyle/>
-            <a:p>
-              <a:r>
-                <a:rPr lang="en-US" altLang="ko-KR" sz="1400" dirty="0"/>
-                <a:t>Kafka Cluster</a:t>
-              </a:r>
-              <a:endParaRPr lang="ko-KR" altLang="en-US" sz="1400" dirty="0"/>
-            </a:p>
-          </p:txBody>
-        </p:sp>
-        <p:grpSp>
-          <p:nvGrpSpPr>
-            <p:cNvPr id="15" name="그룹 14">
-              <a:extLst>
-                <a:ext uri="{FF2B5EF4-FFF2-40B4-BE49-F238E27FC236}">
-                  <a16:creationId xmlns:a16="http://schemas.microsoft.com/office/drawing/2014/main" id="{CD26FB22-B322-4962-A422-66B7AFBE198B}"/>
-                </a:ext>
-              </a:extLst>
-            </p:cNvPr>
-            <p:cNvGrpSpPr/>
-            <p:nvPr/>
-          </p:nvGrpSpPr>
-          <p:grpSpPr>
-            <a:xfrm>
-              <a:off x="1547664" y="1779662"/>
-              <a:ext cx="1728192" cy="2016224"/>
-              <a:chOff x="1259632" y="2067694"/>
-              <a:chExt cx="1728192" cy="2016224"/>
-            </a:xfrm>
-          </p:grpSpPr>
-          <p:sp>
-            <p:nvSpPr>
-              <p:cNvPr id="7" name="사각형: 둥근 모서리 6">
-                <a:extLst>
-                  <a:ext uri="{FF2B5EF4-FFF2-40B4-BE49-F238E27FC236}">
-                    <a16:creationId xmlns:a16="http://schemas.microsoft.com/office/drawing/2014/main" id="{43605E7C-158D-49F1-8506-CEF09E8CC589}"/>
-                  </a:ext>
-                </a:extLst>
-              </p:cNvPr>
-              <p:cNvSpPr/>
-              <p:nvPr/>
-            </p:nvSpPr>
-            <p:spPr>
-              <a:xfrm>
-                <a:off x="1259632" y="2067694"/>
-                <a:ext cx="1728192" cy="2016224"/>
-              </a:xfrm>
-              <a:prstGeom prst="roundRect">
-                <a:avLst>
-                  <a:gd name="adj" fmla="val 7489"/>
-                </a:avLst>
-              </a:prstGeom>
-            </p:spPr>
-            <p:style>
-              <a:lnRef idx="2">
-                <a:schemeClr val="dk1"/>
-              </a:lnRef>
-              <a:fillRef idx="1">
-                <a:schemeClr val="lt1"/>
-              </a:fillRef>
-              <a:effectRef idx="0">
-                <a:schemeClr val="dk1"/>
-              </a:effectRef>
-              <a:fontRef idx="minor">
-                <a:schemeClr val="dk1"/>
-              </a:fontRef>
-            </p:style>
-            <p:txBody>
-              <a:bodyPr rtlCol="0" anchor="t"/>
-              <a:lstStyle/>
-              <a:p>
-                <a:pPr algn="ctr"/>
-                <a:r>
-                  <a:rPr lang="en-US" altLang="ko-KR" sz="1400" dirty="0"/>
-                  <a:t>Topic A</a:t>
-                </a:r>
-                <a:endParaRPr lang="ko-KR" altLang="en-US" sz="1400" dirty="0"/>
-              </a:p>
-            </p:txBody>
-          </p:sp>
-          <p:sp>
-            <p:nvSpPr>
-              <p:cNvPr id="13" name="사각형: 둥근 모서리 12">
-                <a:extLst>
-                  <a:ext uri="{FF2B5EF4-FFF2-40B4-BE49-F238E27FC236}">
-                    <a16:creationId xmlns:a16="http://schemas.microsoft.com/office/drawing/2014/main" id="{22E7F032-13ED-4575-8F3C-092CC530ABC3}"/>
-                  </a:ext>
-                </a:extLst>
-              </p:cNvPr>
-              <p:cNvSpPr/>
-              <p:nvPr/>
-            </p:nvSpPr>
-            <p:spPr>
-              <a:xfrm>
-                <a:off x="1403648" y="2489600"/>
-                <a:ext cx="1440160" cy="370182"/>
-              </a:xfrm>
-              <a:prstGeom prst="roundRect">
-                <a:avLst>
-                  <a:gd name="adj" fmla="val 14105"/>
-                </a:avLst>
-              </a:prstGeom>
-            </p:spPr>
-            <p:style>
-              <a:lnRef idx="2">
-                <a:schemeClr val="dk1"/>
-              </a:lnRef>
-              <a:fillRef idx="1">
-                <a:schemeClr val="lt1"/>
-              </a:fillRef>
-              <a:effectRef idx="0">
-                <a:schemeClr val="dk1"/>
-              </a:effectRef>
-              <a:fontRef idx="minor">
-                <a:schemeClr val="dk1"/>
-              </a:fontRef>
-            </p:style>
-            <p:txBody>
-              <a:bodyPr rtlCol="0" anchor="ctr"/>
-              <a:lstStyle/>
-              <a:p>
-                <a:pPr algn="ctr"/>
-                <a:r>
-                  <a:rPr lang="en-US" altLang="ko-KR" sz="1400" dirty="0"/>
-                  <a:t>Partition 0</a:t>
-                </a:r>
-                <a:endParaRPr lang="ko-KR" altLang="en-US" sz="1400" dirty="0"/>
-              </a:p>
-            </p:txBody>
-          </p:sp>
-          <p:sp>
-            <p:nvSpPr>
-              <p:cNvPr id="14" name="사각형: 둥근 모서리 13">
-                <a:extLst>
-                  <a:ext uri="{FF2B5EF4-FFF2-40B4-BE49-F238E27FC236}">
-                    <a16:creationId xmlns:a16="http://schemas.microsoft.com/office/drawing/2014/main" id="{DF001E3F-CC52-44A6-A024-1F8E5EEE3BE4}"/>
-                  </a:ext>
-                </a:extLst>
-              </p:cNvPr>
-              <p:cNvSpPr/>
-              <p:nvPr/>
-            </p:nvSpPr>
-            <p:spPr>
-              <a:xfrm>
-                <a:off x="1403648" y="3008413"/>
-                <a:ext cx="1440160" cy="370182"/>
-              </a:xfrm>
-              <a:prstGeom prst="roundRect">
-                <a:avLst>
-                  <a:gd name="adj" fmla="val 14105"/>
-                </a:avLst>
-              </a:prstGeom>
-            </p:spPr>
-            <p:style>
-              <a:lnRef idx="2">
-                <a:schemeClr val="dk1"/>
-              </a:lnRef>
-              <a:fillRef idx="1">
-                <a:schemeClr val="lt1"/>
-              </a:fillRef>
-              <a:effectRef idx="0">
-                <a:schemeClr val="dk1"/>
-              </a:effectRef>
-              <a:fontRef idx="minor">
-                <a:schemeClr val="dk1"/>
-              </a:fontRef>
-            </p:style>
-            <p:txBody>
-              <a:bodyPr rtlCol="0" anchor="ctr"/>
-              <a:lstStyle/>
-              <a:p>
-                <a:pPr algn="ctr"/>
-                <a:r>
-                  <a:rPr lang="en-US" altLang="ko-KR" sz="1400" dirty="0"/>
-                  <a:t>Partition 1</a:t>
-                </a:r>
-                <a:endParaRPr lang="ko-KR" altLang="en-US" sz="1400" dirty="0"/>
-              </a:p>
-            </p:txBody>
-          </p:sp>
-        </p:grpSp>
-        <p:grpSp>
-          <p:nvGrpSpPr>
-            <p:cNvPr id="16" name="그룹 15">
-              <a:extLst>
-                <a:ext uri="{FF2B5EF4-FFF2-40B4-BE49-F238E27FC236}">
-                  <a16:creationId xmlns:a16="http://schemas.microsoft.com/office/drawing/2014/main" id="{A9BAD3D4-86BB-41B1-8177-75D80118A1C8}"/>
-                </a:ext>
-              </a:extLst>
-            </p:cNvPr>
-            <p:cNvGrpSpPr/>
-            <p:nvPr/>
-          </p:nvGrpSpPr>
-          <p:grpSpPr>
-            <a:xfrm>
-              <a:off x="3599892" y="1779662"/>
-              <a:ext cx="1728192" cy="2016224"/>
-              <a:chOff x="1259632" y="2067694"/>
-              <a:chExt cx="1728192" cy="2016224"/>
-            </a:xfrm>
-          </p:grpSpPr>
-          <p:sp>
-            <p:nvSpPr>
-              <p:cNvPr id="17" name="사각형: 둥근 모서리 16">
-                <a:extLst>
-                  <a:ext uri="{FF2B5EF4-FFF2-40B4-BE49-F238E27FC236}">
-                    <a16:creationId xmlns:a16="http://schemas.microsoft.com/office/drawing/2014/main" id="{81D51EEF-881E-4D40-8D97-72F8E211014A}"/>
-                  </a:ext>
-                </a:extLst>
-              </p:cNvPr>
-              <p:cNvSpPr/>
-              <p:nvPr/>
-            </p:nvSpPr>
-            <p:spPr>
-              <a:xfrm>
-                <a:off x="1259632" y="2067694"/>
-                <a:ext cx="1728192" cy="2016224"/>
-              </a:xfrm>
-              <a:prstGeom prst="roundRect">
-                <a:avLst>
-                  <a:gd name="adj" fmla="val 7489"/>
-                </a:avLst>
-              </a:prstGeom>
-            </p:spPr>
-            <p:style>
-              <a:lnRef idx="2">
-                <a:schemeClr val="dk1"/>
-              </a:lnRef>
-              <a:fillRef idx="1">
-                <a:schemeClr val="lt1"/>
-              </a:fillRef>
-              <a:effectRef idx="0">
-                <a:schemeClr val="dk1"/>
-              </a:effectRef>
-              <a:fontRef idx="minor">
-                <a:schemeClr val="dk1"/>
-              </a:fontRef>
-            </p:style>
-            <p:txBody>
-              <a:bodyPr rtlCol="0" anchor="t"/>
-              <a:lstStyle/>
-              <a:p>
-                <a:pPr algn="ctr"/>
-                <a:r>
-                  <a:rPr lang="en-US" altLang="ko-KR" sz="1400" dirty="0"/>
-                  <a:t>Topic B</a:t>
-                </a:r>
-                <a:endParaRPr lang="ko-KR" altLang="en-US" sz="1400" dirty="0"/>
-              </a:p>
-            </p:txBody>
-          </p:sp>
-          <p:sp>
-            <p:nvSpPr>
-              <p:cNvPr id="19" name="사각형: 둥근 모서리 18">
-                <a:extLst>
-                  <a:ext uri="{FF2B5EF4-FFF2-40B4-BE49-F238E27FC236}">
-                    <a16:creationId xmlns:a16="http://schemas.microsoft.com/office/drawing/2014/main" id="{89E45E1E-4A30-418C-8291-338E06F96508}"/>
-                  </a:ext>
-                </a:extLst>
-              </p:cNvPr>
-              <p:cNvSpPr/>
-              <p:nvPr/>
-            </p:nvSpPr>
-            <p:spPr>
-              <a:xfrm>
-                <a:off x="1403648" y="2489600"/>
-                <a:ext cx="1440160" cy="370182"/>
-              </a:xfrm>
-              <a:prstGeom prst="roundRect">
-                <a:avLst>
-                  <a:gd name="adj" fmla="val 14105"/>
-                </a:avLst>
-              </a:prstGeom>
-            </p:spPr>
-            <p:style>
-              <a:lnRef idx="2">
-                <a:schemeClr val="dk1"/>
-              </a:lnRef>
-              <a:fillRef idx="1">
-                <a:schemeClr val="lt1"/>
-              </a:fillRef>
-              <a:effectRef idx="0">
-                <a:schemeClr val="dk1"/>
-              </a:effectRef>
-              <a:fontRef idx="minor">
-                <a:schemeClr val="dk1"/>
-              </a:fontRef>
-            </p:style>
-            <p:txBody>
-              <a:bodyPr rtlCol="0" anchor="ctr"/>
-              <a:lstStyle/>
-              <a:p>
-                <a:pPr algn="ctr"/>
-                <a:r>
-                  <a:rPr lang="en-US" altLang="ko-KR" sz="1400" dirty="0"/>
-                  <a:t>Partition 0</a:t>
-                </a:r>
-                <a:endParaRPr lang="ko-KR" altLang="en-US" sz="1400" dirty="0"/>
-              </a:p>
-            </p:txBody>
-          </p:sp>
-        </p:grpSp>
-        <p:grpSp>
-          <p:nvGrpSpPr>
-            <p:cNvPr id="21" name="그룹 20">
-              <a:extLst>
-                <a:ext uri="{FF2B5EF4-FFF2-40B4-BE49-F238E27FC236}">
-                  <a16:creationId xmlns:a16="http://schemas.microsoft.com/office/drawing/2014/main" id="{27B97339-A278-426B-BE6D-3272A4FF2291}"/>
-                </a:ext>
-              </a:extLst>
-            </p:cNvPr>
-            <p:cNvGrpSpPr/>
-            <p:nvPr/>
-          </p:nvGrpSpPr>
-          <p:grpSpPr>
-            <a:xfrm>
-              <a:off x="5674076" y="1779662"/>
-              <a:ext cx="1728192" cy="2016224"/>
-              <a:chOff x="1259632" y="2067694"/>
-              <a:chExt cx="1728192" cy="2016224"/>
-            </a:xfrm>
-          </p:grpSpPr>
-          <p:sp>
-            <p:nvSpPr>
-              <p:cNvPr id="22" name="사각형: 둥근 모서리 21">
-                <a:extLst>
-                  <a:ext uri="{FF2B5EF4-FFF2-40B4-BE49-F238E27FC236}">
-                    <a16:creationId xmlns:a16="http://schemas.microsoft.com/office/drawing/2014/main" id="{6BB1E2A6-F8AC-4742-9A35-2BCFEFE7A7A2}"/>
-                  </a:ext>
-                </a:extLst>
-              </p:cNvPr>
-              <p:cNvSpPr/>
-              <p:nvPr/>
-            </p:nvSpPr>
-            <p:spPr>
-              <a:xfrm>
-                <a:off x="1259632" y="2067694"/>
-                <a:ext cx="1728192" cy="2016224"/>
-              </a:xfrm>
-              <a:prstGeom prst="roundRect">
-                <a:avLst>
-                  <a:gd name="adj" fmla="val 7489"/>
-                </a:avLst>
-              </a:prstGeom>
-            </p:spPr>
-            <p:style>
-              <a:lnRef idx="2">
-                <a:schemeClr val="dk1"/>
-              </a:lnRef>
-              <a:fillRef idx="1">
-                <a:schemeClr val="lt1"/>
-              </a:fillRef>
-              <a:effectRef idx="0">
-                <a:schemeClr val="dk1"/>
-              </a:effectRef>
-              <a:fontRef idx="minor">
-                <a:schemeClr val="dk1"/>
-              </a:fontRef>
-            </p:style>
-            <p:txBody>
-              <a:bodyPr rtlCol="0" anchor="t"/>
-              <a:lstStyle/>
-              <a:p>
-                <a:pPr algn="ctr"/>
-                <a:r>
-                  <a:rPr lang="en-US" altLang="ko-KR" sz="1400" dirty="0"/>
-                  <a:t>Topic C</a:t>
-                </a:r>
-                <a:endParaRPr lang="ko-KR" altLang="en-US" sz="1400" dirty="0"/>
-              </a:p>
-            </p:txBody>
-          </p:sp>
-          <p:sp>
-            <p:nvSpPr>
-              <p:cNvPr id="23" name="사각형: 둥근 모서리 22">
-                <a:extLst>
-                  <a:ext uri="{FF2B5EF4-FFF2-40B4-BE49-F238E27FC236}">
-                    <a16:creationId xmlns:a16="http://schemas.microsoft.com/office/drawing/2014/main" id="{2FDAC04C-F226-479C-9859-26AEF1618706}"/>
-                  </a:ext>
-                </a:extLst>
-              </p:cNvPr>
-              <p:cNvSpPr/>
-              <p:nvPr/>
-            </p:nvSpPr>
-            <p:spPr>
-              <a:xfrm>
-                <a:off x="1403648" y="3527226"/>
-                <a:ext cx="1440160" cy="370182"/>
-              </a:xfrm>
-              <a:prstGeom prst="roundRect">
-                <a:avLst>
-                  <a:gd name="adj" fmla="val 14105"/>
-                </a:avLst>
-              </a:prstGeom>
-            </p:spPr>
-            <p:style>
-              <a:lnRef idx="2">
-                <a:schemeClr val="dk1"/>
-              </a:lnRef>
-              <a:fillRef idx="1">
-                <a:schemeClr val="lt1"/>
-              </a:fillRef>
-              <a:effectRef idx="0">
-                <a:schemeClr val="dk1"/>
-              </a:effectRef>
-              <a:fontRef idx="minor">
-                <a:schemeClr val="dk1"/>
-              </a:fontRef>
-            </p:style>
-            <p:txBody>
-              <a:bodyPr rtlCol="0" anchor="ctr"/>
-              <a:lstStyle/>
-              <a:p>
-                <a:pPr algn="ctr"/>
-                <a:r>
-                  <a:rPr lang="en-US" altLang="ko-KR" sz="1400" dirty="0"/>
-                  <a:t>Partition 2</a:t>
-                </a:r>
-                <a:endParaRPr lang="ko-KR" altLang="en-US" sz="1400" dirty="0"/>
-              </a:p>
-            </p:txBody>
-          </p:sp>
-          <p:sp>
-            <p:nvSpPr>
-              <p:cNvPr id="24" name="사각형: 둥근 모서리 23">
-                <a:extLst>
-                  <a:ext uri="{FF2B5EF4-FFF2-40B4-BE49-F238E27FC236}">
-                    <a16:creationId xmlns:a16="http://schemas.microsoft.com/office/drawing/2014/main" id="{72065A45-3266-4048-8877-6D7DD86DDD4C}"/>
-                  </a:ext>
-                </a:extLst>
-              </p:cNvPr>
-              <p:cNvSpPr/>
-              <p:nvPr/>
-            </p:nvSpPr>
-            <p:spPr>
-              <a:xfrm>
-                <a:off x="1403648" y="2489600"/>
-                <a:ext cx="1440160" cy="370182"/>
-              </a:xfrm>
-              <a:prstGeom prst="roundRect">
-                <a:avLst>
-                  <a:gd name="adj" fmla="val 14105"/>
-                </a:avLst>
-              </a:prstGeom>
-            </p:spPr>
-            <p:style>
-              <a:lnRef idx="2">
-                <a:schemeClr val="dk1"/>
-              </a:lnRef>
-              <a:fillRef idx="1">
-                <a:schemeClr val="lt1"/>
-              </a:fillRef>
-              <a:effectRef idx="0">
-                <a:schemeClr val="dk1"/>
-              </a:effectRef>
-              <a:fontRef idx="minor">
-                <a:schemeClr val="dk1"/>
-              </a:fontRef>
-            </p:style>
-            <p:txBody>
-              <a:bodyPr rtlCol="0" anchor="ctr"/>
-              <a:lstStyle/>
-              <a:p>
-                <a:pPr algn="ctr"/>
-                <a:r>
-                  <a:rPr lang="en-US" altLang="ko-KR" sz="1400" dirty="0"/>
-                  <a:t>Partition 0</a:t>
-                </a:r>
-                <a:endParaRPr lang="ko-KR" altLang="en-US" sz="1400" dirty="0"/>
-              </a:p>
-            </p:txBody>
-          </p:sp>
-          <p:sp>
-            <p:nvSpPr>
-              <p:cNvPr id="25" name="사각형: 둥근 모서리 24">
-                <a:extLst>
-                  <a:ext uri="{FF2B5EF4-FFF2-40B4-BE49-F238E27FC236}">
-                    <a16:creationId xmlns:a16="http://schemas.microsoft.com/office/drawing/2014/main" id="{A16C0C38-1A4E-4076-BFA7-5677521083BC}"/>
-                  </a:ext>
-                </a:extLst>
-              </p:cNvPr>
-              <p:cNvSpPr/>
-              <p:nvPr/>
-            </p:nvSpPr>
-            <p:spPr>
-              <a:xfrm>
-                <a:off x="1403648" y="3008413"/>
-                <a:ext cx="1440160" cy="370182"/>
-              </a:xfrm>
-              <a:prstGeom prst="roundRect">
-                <a:avLst>
-                  <a:gd name="adj" fmla="val 14105"/>
-                </a:avLst>
-              </a:prstGeom>
-            </p:spPr>
-            <p:style>
-              <a:lnRef idx="2">
-                <a:schemeClr val="dk1"/>
-              </a:lnRef>
-              <a:fillRef idx="1">
-                <a:schemeClr val="lt1"/>
-              </a:fillRef>
-              <a:effectRef idx="0">
-                <a:schemeClr val="dk1"/>
-              </a:effectRef>
-              <a:fontRef idx="minor">
-                <a:schemeClr val="dk1"/>
-              </a:fontRef>
-            </p:style>
-            <p:txBody>
-              <a:bodyPr rtlCol="0" anchor="ctr"/>
-              <a:lstStyle/>
-              <a:p>
-                <a:pPr algn="ctr"/>
-                <a:r>
-                  <a:rPr lang="en-US" altLang="ko-KR" sz="1400" dirty="0"/>
-                  <a:t>Partition 1</a:t>
-                </a:r>
-                <a:endParaRPr lang="ko-KR" altLang="en-US" sz="1400" dirty="0"/>
-              </a:p>
-            </p:txBody>
-          </p:sp>
-        </p:grpSp>
-        <p:sp>
-          <p:nvSpPr>
-            <p:cNvPr id="26" name="사각형: 둥근 모서리 25">
-              <a:extLst>
-                <a:ext uri="{FF2B5EF4-FFF2-40B4-BE49-F238E27FC236}">
-                  <a16:creationId xmlns:a16="http://schemas.microsoft.com/office/drawing/2014/main" id="{E95C71DC-3DAE-4BE3-B333-BA03C3FF760A}"/>
-                </a:ext>
-              </a:extLst>
-            </p:cNvPr>
-            <p:cNvSpPr/>
-            <p:nvPr/>
-          </p:nvSpPr>
-          <p:spPr>
-            <a:xfrm>
-              <a:off x="4650704" y="627534"/>
-              <a:ext cx="1728192" cy="432048"/>
-            </a:xfrm>
-            <a:prstGeom prst="roundRect">
-              <a:avLst/>
-            </a:prstGeom>
-          </p:spPr>
-          <p:style>
-            <a:lnRef idx="2">
-              <a:schemeClr val="dk1"/>
-            </a:lnRef>
-            <a:fillRef idx="1">
-              <a:schemeClr val="lt1"/>
-            </a:fillRef>
-            <a:effectRef idx="0">
-              <a:schemeClr val="dk1"/>
-            </a:effectRef>
-            <a:fontRef idx="minor">
-              <a:schemeClr val="dk1"/>
-            </a:fontRef>
-          </p:style>
-          <p:txBody>
-            <a:bodyPr rtlCol="0" anchor="ctr"/>
-            <a:lstStyle/>
-            <a:p>
-              <a:pPr algn="ctr"/>
-              <a:r>
-                <a:rPr lang="en-US" altLang="ko-KR" sz="1400" dirty="0"/>
-                <a:t>Producer B</a:t>
-              </a:r>
-              <a:endParaRPr lang="ko-KR" altLang="en-US" sz="1400" dirty="0"/>
-            </a:p>
-          </p:txBody>
-        </p:sp>
-        <p:sp>
-          <p:nvSpPr>
-            <p:cNvPr id="32" name="사각형: 둥근 모서리 31">
-              <a:extLst>
-                <a:ext uri="{FF2B5EF4-FFF2-40B4-BE49-F238E27FC236}">
-                  <a16:creationId xmlns:a16="http://schemas.microsoft.com/office/drawing/2014/main" id="{CB4DDE75-056E-4249-BD12-0F81EF6C02B5}"/>
-                </a:ext>
-              </a:extLst>
-            </p:cNvPr>
-            <p:cNvSpPr/>
-            <p:nvPr/>
-          </p:nvSpPr>
-          <p:spPr>
-            <a:xfrm>
-              <a:off x="251520" y="4205953"/>
-              <a:ext cx="2052228" cy="886077"/>
-            </a:xfrm>
-            <a:prstGeom prst="roundRect">
-              <a:avLst/>
-            </a:prstGeom>
-          </p:spPr>
-          <p:style>
-            <a:lnRef idx="2">
-              <a:schemeClr val="dk1"/>
-            </a:lnRef>
-            <a:fillRef idx="1">
-              <a:schemeClr val="lt1"/>
-            </a:fillRef>
-            <a:effectRef idx="0">
-              <a:schemeClr val="dk1"/>
-            </a:effectRef>
-            <a:fontRef idx="minor">
-              <a:schemeClr val="dk1"/>
-            </a:fontRef>
-          </p:style>
-          <p:txBody>
-            <a:bodyPr rtlCol="0" anchor="b"/>
-            <a:lstStyle/>
-            <a:p>
-              <a:pPr algn="ctr"/>
-              <a:r>
-                <a:rPr lang="en-US" altLang="ko-KR" sz="1400" dirty="0"/>
-                <a:t>Consumer Group A</a:t>
-              </a:r>
-              <a:endParaRPr lang="ko-KR" altLang="en-US" sz="1400" dirty="0"/>
-            </a:p>
-          </p:txBody>
-        </p:sp>
-        <p:sp>
-          <p:nvSpPr>
-            <p:cNvPr id="28" name="사각형: 둥근 모서리 27">
-              <a:extLst>
-                <a:ext uri="{FF2B5EF4-FFF2-40B4-BE49-F238E27FC236}">
-                  <a16:creationId xmlns:a16="http://schemas.microsoft.com/office/drawing/2014/main" id="{1FDAD9F0-B585-4776-8EFF-1B3B1CDDDF15}"/>
-                </a:ext>
-              </a:extLst>
-            </p:cNvPr>
-            <p:cNvSpPr/>
-            <p:nvPr/>
-          </p:nvSpPr>
-          <p:spPr>
-            <a:xfrm>
-              <a:off x="405678" y="4328164"/>
-              <a:ext cx="1743912" cy="413742"/>
-            </a:xfrm>
-            <a:prstGeom prst="roundRect">
-              <a:avLst/>
-            </a:prstGeom>
-          </p:spPr>
-          <p:style>
-            <a:lnRef idx="2">
-              <a:schemeClr val="dk1"/>
-            </a:lnRef>
-            <a:fillRef idx="1">
-              <a:schemeClr val="lt1"/>
-            </a:fillRef>
-            <a:effectRef idx="0">
-              <a:schemeClr val="dk1"/>
-            </a:effectRef>
-            <a:fontRef idx="minor">
-              <a:schemeClr val="dk1"/>
-            </a:fontRef>
-          </p:style>
-          <p:txBody>
-            <a:bodyPr rtlCol="0" anchor="ctr"/>
-            <a:lstStyle/>
-            <a:p>
-              <a:pPr algn="ctr"/>
-              <a:r>
-                <a:rPr lang="en-US" altLang="ko-KR" sz="1400" dirty="0"/>
-                <a:t>Consumer A</a:t>
-              </a:r>
-              <a:endParaRPr lang="ko-KR" altLang="en-US" sz="1400" dirty="0"/>
-            </a:p>
-          </p:txBody>
-        </p:sp>
-        <p:sp>
-          <p:nvSpPr>
-            <p:cNvPr id="37" name="사각형: 둥근 모서리 36">
-              <a:extLst>
-                <a:ext uri="{FF2B5EF4-FFF2-40B4-BE49-F238E27FC236}">
-                  <a16:creationId xmlns:a16="http://schemas.microsoft.com/office/drawing/2014/main" id="{4EFA6A44-B3D5-43F1-BE2A-9B5BE681D580}"/>
-                </a:ext>
-              </a:extLst>
-            </p:cNvPr>
-            <p:cNvSpPr/>
-            <p:nvPr/>
-          </p:nvSpPr>
-          <p:spPr>
-            <a:xfrm>
-              <a:off x="2501770" y="4205953"/>
-              <a:ext cx="2052228" cy="886077"/>
-            </a:xfrm>
-            <a:prstGeom prst="roundRect">
-              <a:avLst/>
-            </a:prstGeom>
-          </p:spPr>
-          <p:style>
-            <a:lnRef idx="2">
-              <a:schemeClr val="dk1"/>
-            </a:lnRef>
-            <a:fillRef idx="1">
-              <a:schemeClr val="lt1"/>
-            </a:fillRef>
-            <a:effectRef idx="0">
-              <a:schemeClr val="dk1"/>
-            </a:effectRef>
-            <a:fontRef idx="minor">
-              <a:schemeClr val="dk1"/>
-            </a:fontRef>
-          </p:style>
-          <p:txBody>
-            <a:bodyPr rtlCol="0" anchor="b"/>
-            <a:lstStyle/>
-            <a:p>
-              <a:pPr algn="ctr"/>
-              <a:r>
-                <a:rPr lang="en-US" altLang="ko-KR" sz="1400" dirty="0"/>
-                <a:t>Consumer Group B</a:t>
-              </a:r>
-              <a:endParaRPr lang="ko-KR" altLang="en-US" sz="1400" dirty="0"/>
-            </a:p>
-          </p:txBody>
-        </p:sp>
-        <p:sp>
-          <p:nvSpPr>
-            <p:cNvPr id="38" name="사각형: 둥근 모서리 37">
-              <a:extLst>
-                <a:ext uri="{FF2B5EF4-FFF2-40B4-BE49-F238E27FC236}">
-                  <a16:creationId xmlns:a16="http://schemas.microsoft.com/office/drawing/2014/main" id="{0D04AF20-0AE7-4278-A777-83004129ACF2}"/>
-                </a:ext>
-              </a:extLst>
-            </p:cNvPr>
-            <p:cNvSpPr/>
-            <p:nvPr/>
-          </p:nvSpPr>
-          <p:spPr>
-            <a:xfrm>
-              <a:off x="2655928" y="4328164"/>
-              <a:ext cx="1743912" cy="413742"/>
-            </a:xfrm>
-            <a:prstGeom prst="roundRect">
-              <a:avLst/>
-            </a:prstGeom>
-          </p:spPr>
-          <p:style>
-            <a:lnRef idx="2">
-              <a:schemeClr val="dk1"/>
-            </a:lnRef>
-            <a:fillRef idx="1">
-              <a:schemeClr val="lt1"/>
-            </a:fillRef>
-            <a:effectRef idx="0">
-              <a:schemeClr val="dk1"/>
-            </a:effectRef>
-            <a:fontRef idx="minor">
-              <a:schemeClr val="dk1"/>
-            </a:fontRef>
-          </p:style>
-          <p:txBody>
-            <a:bodyPr rtlCol="0" anchor="ctr"/>
-            <a:lstStyle/>
-            <a:p>
-              <a:pPr algn="ctr"/>
-              <a:r>
-                <a:rPr lang="en-US" altLang="ko-KR" sz="1400" dirty="0"/>
-                <a:t>Consumer B</a:t>
-              </a:r>
-              <a:endParaRPr lang="ko-KR" altLang="en-US" sz="1400" dirty="0"/>
-            </a:p>
-          </p:txBody>
-        </p:sp>
-        <p:sp>
-          <p:nvSpPr>
-            <p:cNvPr id="39" name="사각형: 둥근 모서리 38">
-              <a:extLst>
-                <a:ext uri="{FF2B5EF4-FFF2-40B4-BE49-F238E27FC236}">
-                  <a16:creationId xmlns:a16="http://schemas.microsoft.com/office/drawing/2014/main" id="{5230FF1A-8A8B-461A-A6A7-E411A0A0385F}"/>
-                </a:ext>
-              </a:extLst>
-            </p:cNvPr>
-            <p:cNvSpPr/>
-            <p:nvPr/>
-          </p:nvSpPr>
-          <p:spPr>
-            <a:xfrm>
-              <a:off x="4752020" y="4205953"/>
-              <a:ext cx="3924436" cy="886077"/>
-            </a:xfrm>
-            <a:prstGeom prst="roundRect">
-              <a:avLst/>
-            </a:prstGeom>
-          </p:spPr>
-          <p:style>
-            <a:lnRef idx="2">
-              <a:schemeClr val="dk1"/>
-            </a:lnRef>
-            <a:fillRef idx="1">
-              <a:schemeClr val="lt1"/>
-            </a:fillRef>
-            <a:effectRef idx="0">
-              <a:schemeClr val="dk1"/>
-            </a:effectRef>
-            <a:fontRef idx="minor">
-              <a:schemeClr val="dk1"/>
-            </a:fontRef>
-          </p:style>
-          <p:txBody>
-            <a:bodyPr rtlCol="0" anchor="b"/>
-            <a:lstStyle/>
-            <a:p>
-              <a:pPr algn="ctr"/>
-              <a:r>
-                <a:rPr lang="en-US" altLang="ko-KR" sz="1400" dirty="0"/>
-                <a:t>Consumer Group C</a:t>
-              </a:r>
-              <a:endParaRPr lang="ko-KR" altLang="en-US" sz="1400" dirty="0"/>
-            </a:p>
-          </p:txBody>
-        </p:sp>
-        <p:sp>
-          <p:nvSpPr>
-            <p:cNvPr id="40" name="사각형: 둥근 모서리 39">
-              <a:extLst>
-                <a:ext uri="{FF2B5EF4-FFF2-40B4-BE49-F238E27FC236}">
-                  <a16:creationId xmlns:a16="http://schemas.microsoft.com/office/drawing/2014/main" id="{8B9B68B6-E172-4ADF-93FA-97134AB47BF3}"/>
-                </a:ext>
-              </a:extLst>
-            </p:cNvPr>
-            <p:cNvSpPr/>
-            <p:nvPr/>
-          </p:nvSpPr>
-          <p:spPr>
-            <a:xfrm>
-              <a:off x="4906178" y="4328164"/>
-              <a:ext cx="1743912" cy="413742"/>
-            </a:xfrm>
-            <a:prstGeom prst="roundRect">
-              <a:avLst/>
-            </a:prstGeom>
-          </p:spPr>
-          <p:style>
-            <a:lnRef idx="2">
-              <a:schemeClr val="dk1"/>
-            </a:lnRef>
-            <a:fillRef idx="1">
-              <a:schemeClr val="lt1"/>
-            </a:fillRef>
-            <a:effectRef idx="0">
-              <a:schemeClr val="dk1"/>
-            </a:effectRef>
-            <a:fontRef idx="minor">
-              <a:schemeClr val="dk1"/>
-            </a:fontRef>
-          </p:style>
-          <p:txBody>
-            <a:bodyPr rtlCol="0" anchor="ctr"/>
-            <a:lstStyle/>
-            <a:p>
-              <a:pPr algn="ctr"/>
-              <a:r>
-                <a:rPr lang="en-US" altLang="ko-KR" sz="1400" dirty="0"/>
-                <a:t>Consumer C</a:t>
-              </a:r>
-              <a:endParaRPr lang="ko-KR" altLang="en-US" sz="1400" dirty="0"/>
-            </a:p>
-          </p:txBody>
-        </p:sp>
-        <p:sp>
-          <p:nvSpPr>
-            <p:cNvPr id="41" name="사각형: 둥근 모서리 40">
-              <a:extLst>
-                <a:ext uri="{FF2B5EF4-FFF2-40B4-BE49-F238E27FC236}">
-                  <a16:creationId xmlns:a16="http://schemas.microsoft.com/office/drawing/2014/main" id="{C622663F-E44E-4474-90DF-2A71A36BD857}"/>
-                </a:ext>
-              </a:extLst>
-            </p:cNvPr>
-            <p:cNvSpPr/>
-            <p:nvPr/>
-          </p:nvSpPr>
-          <p:spPr>
-            <a:xfrm>
-              <a:off x="6804248" y="4328164"/>
-              <a:ext cx="1743912" cy="413742"/>
-            </a:xfrm>
-            <a:prstGeom prst="roundRect">
-              <a:avLst/>
-            </a:prstGeom>
-          </p:spPr>
-          <p:style>
-            <a:lnRef idx="2">
-              <a:schemeClr val="dk1"/>
-            </a:lnRef>
-            <a:fillRef idx="1">
-              <a:schemeClr val="lt1"/>
-            </a:fillRef>
-            <a:effectRef idx="0">
-              <a:schemeClr val="dk1"/>
-            </a:effectRef>
-            <a:fontRef idx="minor">
-              <a:schemeClr val="dk1"/>
-            </a:fontRef>
-          </p:style>
-          <p:txBody>
-            <a:bodyPr rtlCol="0" anchor="ctr"/>
-            <a:lstStyle/>
-            <a:p>
-              <a:pPr algn="ctr"/>
-              <a:r>
-                <a:rPr lang="en-US" altLang="ko-KR" sz="1400" dirty="0"/>
-                <a:t>Consumer D</a:t>
-              </a:r>
-              <a:endParaRPr lang="ko-KR" altLang="en-US" sz="1400" dirty="0"/>
-            </a:p>
-          </p:txBody>
-        </p:sp>
-        <p:cxnSp>
-          <p:nvCxnSpPr>
-            <p:cNvPr id="45" name="직선 화살표 연결선 44">
-              <a:extLst>
-                <a:ext uri="{FF2B5EF4-FFF2-40B4-BE49-F238E27FC236}">
-                  <a16:creationId xmlns:a16="http://schemas.microsoft.com/office/drawing/2014/main" id="{D37954FE-ED75-4B04-B330-707801592D9F}"/>
-                </a:ext>
-              </a:extLst>
-            </p:cNvPr>
-            <p:cNvCxnSpPr>
-              <a:cxnSpLocks/>
-              <a:stCxn id="3" idx="2"/>
-              <a:endCxn id="13" idx="0"/>
-            </p:cNvCxnSpPr>
-            <p:nvPr/>
-          </p:nvCxnSpPr>
-          <p:spPr>
-            <a:xfrm flipH="1">
-              <a:off x="2411760" y="1059582"/>
-              <a:ext cx="1050812" cy="1141986"/>
-            </a:xfrm>
-            <a:prstGeom prst="straightConnector1">
-              <a:avLst/>
-            </a:prstGeom>
-            <a:ln w="19050">
-              <a:solidFill>
-                <a:schemeClr val="tx1"/>
-              </a:solidFill>
-              <a:headEnd type="none" w="med" len="med"/>
-              <a:tailEnd type="arrow" w="med" len="med"/>
-            </a:ln>
-          </p:spPr>
-          <p:style>
-            <a:lnRef idx="1">
-              <a:schemeClr val="accent1"/>
-            </a:lnRef>
-            <a:fillRef idx="0">
-              <a:schemeClr val="accent1"/>
-            </a:fillRef>
-            <a:effectRef idx="0">
-              <a:schemeClr val="accent1"/>
-            </a:effectRef>
-            <a:fontRef idx="minor">
-              <a:schemeClr val="tx1"/>
-            </a:fontRef>
-          </p:style>
-        </p:cxnSp>
-        <p:cxnSp>
-          <p:nvCxnSpPr>
-            <p:cNvPr id="46" name="직선 화살표 연결선 45">
-              <a:extLst>
-                <a:ext uri="{FF2B5EF4-FFF2-40B4-BE49-F238E27FC236}">
-                  <a16:creationId xmlns:a16="http://schemas.microsoft.com/office/drawing/2014/main" id="{132C35FF-43F2-4928-AF4D-11225986EF96}"/>
-                </a:ext>
-              </a:extLst>
-            </p:cNvPr>
-            <p:cNvCxnSpPr>
-              <a:cxnSpLocks/>
-              <a:stCxn id="3" idx="2"/>
-              <a:endCxn id="19" idx="0"/>
-            </p:cNvCxnSpPr>
-            <p:nvPr/>
-          </p:nvCxnSpPr>
-          <p:spPr>
-            <a:xfrm>
-              <a:off x="3462572" y="1059582"/>
-              <a:ext cx="1001416" cy="1141986"/>
-            </a:xfrm>
-            <a:prstGeom prst="straightConnector1">
-              <a:avLst/>
-            </a:prstGeom>
-            <a:ln w="19050">
-              <a:solidFill>
-                <a:schemeClr val="tx1"/>
-              </a:solidFill>
-              <a:headEnd type="none" w="med" len="med"/>
-              <a:tailEnd type="arrow" w="med" len="med"/>
-            </a:ln>
-          </p:spPr>
-          <p:style>
-            <a:lnRef idx="1">
-              <a:schemeClr val="accent1"/>
-            </a:lnRef>
-            <a:fillRef idx="0">
-              <a:schemeClr val="accent1"/>
-            </a:fillRef>
-            <a:effectRef idx="0">
-              <a:schemeClr val="accent1"/>
-            </a:effectRef>
-            <a:fontRef idx="minor">
-              <a:schemeClr val="tx1"/>
-            </a:fontRef>
-          </p:style>
-        </p:cxnSp>
-        <p:cxnSp>
-          <p:nvCxnSpPr>
-            <p:cNvPr id="53" name="직선 화살표 연결선 52">
-              <a:extLst>
-                <a:ext uri="{FF2B5EF4-FFF2-40B4-BE49-F238E27FC236}">
-                  <a16:creationId xmlns:a16="http://schemas.microsoft.com/office/drawing/2014/main" id="{DCAB02C9-3F14-4BCC-8B1D-445A946DFD7B}"/>
-                </a:ext>
-              </a:extLst>
-            </p:cNvPr>
-            <p:cNvCxnSpPr>
-              <a:cxnSpLocks/>
-              <a:stCxn id="26" idx="2"/>
-              <a:endCxn id="25" idx="0"/>
-            </p:cNvCxnSpPr>
-            <p:nvPr/>
-          </p:nvCxnSpPr>
-          <p:spPr>
-            <a:xfrm>
-              <a:off x="5514800" y="1059582"/>
-              <a:ext cx="1023372" cy="1660799"/>
-            </a:xfrm>
-            <a:prstGeom prst="straightConnector1">
-              <a:avLst/>
-            </a:prstGeom>
-            <a:ln w="19050">
-              <a:solidFill>
-                <a:schemeClr val="tx1"/>
-              </a:solidFill>
-              <a:headEnd type="none" w="med" len="med"/>
-              <a:tailEnd type="arrow" w="med" len="med"/>
-            </a:ln>
-          </p:spPr>
-          <p:style>
-            <a:lnRef idx="1">
-              <a:schemeClr val="accent1"/>
-            </a:lnRef>
-            <a:fillRef idx="0">
-              <a:schemeClr val="accent1"/>
-            </a:fillRef>
-            <a:effectRef idx="0">
-              <a:schemeClr val="accent1"/>
-            </a:effectRef>
-            <a:fontRef idx="minor">
-              <a:schemeClr val="tx1"/>
-            </a:fontRef>
-          </p:style>
-        </p:cxnSp>
-        <p:cxnSp>
-          <p:nvCxnSpPr>
-            <p:cNvPr id="97" name="직선 화살표 연결선 96">
-              <a:extLst>
-                <a:ext uri="{FF2B5EF4-FFF2-40B4-BE49-F238E27FC236}">
-                  <a16:creationId xmlns:a16="http://schemas.microsoft.com/office/drawing/2014/main" id="{CE43D067-EFC5-4361-9604-E0A658584C58}"/>
-                </a:ext>
-              </a:extLst>
-            </p:cNvPr>
-            <p:cNvCxnSpPr>
-              <a:cxnSpLocks/>
-              <a:stCxn id="26" idx="2"/>
-              <a:endCxn id="23" idx="0"/>
-            </p:cNvCxnSpPr>
-            <p:nvPr/>
-          </p:nvCxnSpPr>
-          <p:spPr>
-            <a:xfrm>
-              <a:off x="5514800" y="1059582"/>
-              <a:ext cx="1023372" cy="2179612"/>
-            </a:xfrm>
-            <a:prstGeom prst="straightConnector1">
-              <a:avLst/>
-            </a:prstGeom>
-            <a:ln w="19050">
-              <a:solidFill>
-                <a:schemeClr val="tx1"/>
-              </a:solidFill>
-              <a:headEnd type="none" w="med" len="med"/>
-              <a:tailEnd type="arrow" w="med" len="med"/>
-            </a:ln>
-          </p:spPr>
-          <p:style>
-            <a:lnRef idx="1">
-              <a:schemeClr val="accent1"/>
-            </a:lnRef>
-            <a:fillRef idx="0">
-              <a:schemeClr val="accent1"/>
-            </a:fillRef>
-            <a:effectRef idx="0">
-              <a:schemeClr val="accent1"/>
-            </a:effectRef>
-            <a:fontRef idx="minor">
-              <a:schemeClr val="tx1"/>
-            </a:fontRef>
-          </p:style>
-        </p:cxnSp>
-        <p:cxnSp>
-          <p:nvCxnSpPr>
-            <p:cNvPr id="100" name="직선 화살표 연결선 99">
-              <a:extLst>
-                <a:ext uri="{FF2B5EF4-FFF2-40B4-BE49-F238E27FC236}">
-                  <a16:creationId xmlns:a16="http://schemas.microsoft.com/office/drawing/2014/main" id="{B02BE40B-5F79-4FDF-B65E-130CE8274CB2}"/>
-                </a:ext>
-              </a:extLst>
-            </p:cNvPr>
-            <p:cNvCxnSpPr>
-              <a:cxnSpLocks/>
-              <a:stCxn id="23" idx="2"/>
-              <a:endCxn id="41" idx="0"/>
-            </p:cNvCxnSpPr>
-            <p:nvPr/>
-          </p:nvCxnSpPr>
-          <p:spPr>
-            <a:xfrm>
-              <a:off x="6538172" y="3609376"/>
-              <a:ext cx="1138032" cy="718788"/>
-            </a:xfrm>
-            <a:prstGeom prst="straightConnector1">
-              <a:avLst/>
-            </a:prstGeom>
-            <a:ln w="19050">
-              <a:solidFill>
-                <a:schemeClr val="tx1"/>
-              </a:solidFill>
-              <a:headEnd type="none" w="med" len="med"/>
-              <a:tailEnd type="arrow" w="med" len="med"/>
-            </a:ln>
-          </p:spPr>
-          <p:style>
-            <a:lnRef idx="1">
-              <a:schemeClr val="accent1"/>
-            </a:lnRef>
-            <a:fillRef idx="0">
-              <a:schemeClr val="accent1"/>
-            </a:fillRef>
-            <a:effectRef idx="0">
-              <a:schemeClr val="accent1"/>
-            </a:effectRef>
-            <a:fontRef idx="minor">
-              <a:schemeClr val="tx1"/>
-            </a:fontRef>
-          </p:style>
-        </p:cxnSp>
-        <p:cxnSp>
-          <p:nvCxnSpPr>
-            <p:cNvPr id="103" name="직선 화살표 연결선 102">
-              <a:extLst>
-                <a:ext uri="{FF2B5EF4-FFF2-40B4-BE49-F238E27FC236}">
-                  <a16:creationId xmlns:a16="http://schemas.microsoft.com/office/drawing/2014/main" id="{1E58488C-3C29-47B9-A59C-03896480B5DB}"/>
-                </a:ext>
-              </a:extLst>
-            </p:cNvPr>
-            <p:cNvCxnSpPr>
-              <a:cxnSpLocks/>
-              <a:stCxn id="25" idx="2"/>
-              <a:endCxn id="41" idx="0"/>
-            </p:cNvCxnSpPr>
-            <p:nvPr/>
-          </p:nvCxnSpPr>
-          <p:spPr>
-            <a:xfrm>
-              <a:off x="6538172" y="3090563"/>
-              <a:ext cx="1138032" cy="1237601"/>
-            </a:xfrm>
-            <a:prstGeom prst="straightConnector1">
-              <a:avLst/>
-            </a:prstGeom>
-            <a:ln w="19050">
-              <a:solidFill>
-                <a:schemeClr val="tx1"/>
-              </a:solidFill>
-              <a:headEnd type="none" w="med" len="med"/>
-              <a:tailEnd type="arrow" w="med" len="med"/>
-            </a:ln>
-          </p:spPr>
-          <p:style>
-            <a:lnRef idx="1">
-              <a:schemeClr val="accent1"/>
-            </a:lnRef>
-            <a:fillRef idx="0">
-              <a:schemeClr val="accent1"/>
-            </a:fillRef>
-            <a:effectRef idx="0">
-              <a:schemeClr val="accent1"/>
-            </a:effectRef>
-            <a:fontRef idx="minor">
-              <a:schemeClr val="tx1"/>
-            </a:fontRef>
-          </p:style>
-        </p:cxnSp>
-        <p:cxnSp>
-          <p:nvCxnSpPr>
-            <p:cNvPr id="42" name="직선 화살표 연결선 41">
-              <a:extLst>
-                <a:ext uri="{FF2B5EF4-FFF2-40B4-BE49-F238E27FC236}">
-                  <a16:creationId xmlns:a16="http://schemas.microsoft.com/office/drawing/2014/main" id="{D3FFE380-A151-4112-BCC2-A501527A5894}"/>
-                </a:ext>
-              </a:extLst>
-            </p:cNvPr>
-            <p:cNvCxnSpPr>
-              <a:cxnSpLocks/>
-              <a:stCxn id="14" idx="2"/>
-              <a:endCxn id="28" idx="0"/>
-            </p:cNvCxnSpPr>
-            <p:nvPr/>
-          </p:nvCxnSpPr>
-          <p:spPr>
-            <a:xfrm flipH="1">
-              <a:off x="1277634" y="3090563"/>
-              <a:ext cx="1134126" cy="1237601"/>
-            </a:xfrm>
-            <a:prstGeom prst="straightConnector1">
-              <a:avLst/>
-            </a:prstGeom>
-            <a:ln w="19050">
-              <a:solidFill>
-                <a:schemeClr val="tx1"/>
-              </a:solidFill>
-              <a:headEnd type="none" w="med" len="med"/>
-              <a:tailEnd type="arrow" w="med" len="med"/>
-            </a:ln>
-          </p:spPr>
-          <p:style>
-            <a:lnRef idx="1">
-              <a:schemeClr val="accent1"/>
-            </a:lnRef>
-            <a:fillRef idx="0">
-              <a:schemeClr val="accent1"/>
-            </a:fillRef>
-            <a:effectRef idx="0">
-              <a:schemeClr val="accent1"/>
-            </a:effectRef>
-            <a:fontRef idx="minor">
-              <a:schemeClr val="tx1"/>
-            </a:fontRef>
-          </p:style>
-        </p:cxnSp>
-        <p:cxnSp>
-          <p:nvCxnSpPr>
-            <p:cNvPr id="47" name="직선 화살표 연결선 46">
-              <a:extLst>
-                <a:ext uri="{FF2B5EF4-FFF2-40B4-BE49-F238E27FC236}">
-                  <a16:creationId xmlns:a16="http://schemas.microsoft.com/office/drawing/2014/main" id="{1E1466B0-AD3A-4D87-8168-3ED31B40A844}"/>
-                </a:ext>
-              </a:extLst>
-            </p:cNvPr>
-            <p:cNvCxnSpPr>
-              <a:cxnSpLocks/>
-              <a:stCxn id="13" idx="2"/>
-              <a:endCxn id="28" idx="0"/>
-            </p:cNvCxnSpPr>
-            <p:nvPr/>
-          </p:nvCxnSpPr>
-          <p:spPr>
-            <a:xfrm flipH="1">
-              <a:off x="1277634" y="2571750"/>
-              <a:ext cx="1134126" cy="1756414"/>
-            </a:xfrm>
-            <a:prstGeom prst="straightConnector1">
-              <a:avLst/>
-            </a:prstGeom>
-            <a:ln w="19050">
-              <a:solidFill>
-                <a:schemeClr val="tx1"/>
-              </a:solidFill>
-              <a:headEnd type="none" w="med" len="med"/>
-              <a:tailEnd type="arrow" w="med" len="med"/>
-            </a:ln>
-          </p:spPr>
-          <p:style>
-            <a:lnRef idx="1">
-              <a:schemeClr val="accent1"/>
-            </a:lnRef>
-            <a:fillRef idx="0">
-              <a:schemeClr val="accent1"/>
-            </a:fillRef>
-            <a:effectRef idx="0">
-              <a:schemeClr val="accent1"/>
-            </a:effectRef>
-            <a:fontRef idx="minor">
-              <a:schemeClr val="tx1"/>
-            </a:fontRef>
-          </p:style>
-        </p:cxnSp>
-        <p:cxnSp>
-          <p:nvCxnSpPr>
-            <p:cNvPr id="48" name="직선 화살표 연결선 47">
-              <a:extLst>
-                <a:ext uri="{FF2B5EF4-FFF2-40B4-BE49-F238E27FC236}">
-                  <a16:creationId xmlns:a16="http://schemas.microsoft.com/office/drawing/2014/main" id="{7FE3EABF-FDD9-4BF7-BF55-3A40EBCC6292}"/>
-                </a:ext>
-              </a:extLst>
-            </p:cNvPr>
-            <p:cNvCxnSpPr>
-              <a:cxnSpLocks/>
-              <a:stCxn id="19" idx="2"/>
-              <a:endCxn id="38" idx="0"/>
-            </p:cNvCxnSpPr>
-            <p:nvPr/>
-          </p:nvCxnSpPr>
-          <p:spPr>
-            <a:xfrm flipH="1">
-              <a:off x="3527884" y="2571750"/>
-              <a:ext cx="936104" cy="1756414"/>
-            </a:xfrm>
-            <a:prstGeom prst="straightConnector1">
-              <a:avLst/>
-            </a:prstGeom>
-            <a:ln w="19050">
-              <a:solidFill>
-                <a:schemeClr val="tx1"/>
-              </a:solidFill>
-              <a:headEnd type="none" w="med" len="med"/>
-              <a:tailEnd type="arrow" w="med" len="med"/>
-            </a:ln>
-          </p:spPr>
-          <p:style>
-            <a:lnRef idx="1">
-              <a:schemeClr val="accent1"/>
-            </a:lnRef>
-            <a:fillRef idx="0">
-              <a:schemeClr val="accent1"/>
-            </a:fillRef>
-            <a:effectRef idx="0">
-              <a:schemeClr val="accent1"/>
-            </a:effectRef>
-            <a:fontRef idx="minor">
-              <a:schemeClr val="tx1"/>
-            </a:fontRef>
-          </p:style>
-        </p:cxnSp>
-        <p:cxnSp>
-          <p:nvCxnSpPr>
-            <p:cNvPr id="54" name="직선 화살표 연결선 53">
-              <a:extLst>
-                <a:ext uri="{FF2B5EF4-FFF2-40B4-BE49-F238E27FC236}">
-                  <a16:creationId xmlns:a16="http://schemas.microsoft.com/office/drawing/2014/main" id="{1C14E7C3-E3F0-4114-8328-52EC5812BB4F}"/>
-                </a:ext>
-              </a:extLst>
-            </p:cNvPr>
-            <p:cNvCxnSpPr>
-              <a:cxnSpLocks/>
-              <a:stCxn id="3" idx="2"/>
-              <a:endCxn id="14" idx="0"/>
-            </p:cNvCxnSpPr>
-            <p:nvPr/>
-          </p:nvCxnSpPr>
-          <p:spPr>
-            <a:xfrm flipH="1">
-              <a:off x="2411760" y="1059582"/>
-              <a:ext cx="1050812" cy="1660799"/>
-            </a:xfrm>
-            <a:prstGeom prst="straightConnector1">
-              <a:avLst/>
-            </a:prstGeom>
-            <a:ln w="19050">
-              <a:solidFill>
-                <a:schemeClr val="tx1"/>
-              </a:solidFill>
-              <a:headEnd type="none" w="med" len="med"/>
-              <a:tailEnd type="arrow" w="med" len="med"/>
-            </a:ln>
-          </p:spPr>
-          <p:style>
-            <a:lnRef idx="1">
-              <a:schemeClr val="accent1"/>
-            </a:lnRef>
-            <a:fillRef idx="0">
-              <a:schemeClr val="accent1"/>
-            </a:fillRef>
-            <a:effectRef idx="0">
-              <a:schemeClr val="accent1"/>
-            </a:effectRef>
-            <a:fontRef idx="minor">
-              <a:schemeClr val="tx1"/>
-            </a:fontRef>
-          </p:style>
-        </p:cxnSp>
-        <p:cxnSp>
-          <p:nvCxnSpPr>
-            <p:cNvPr id="60" name="직선 화살표 연결선 59">
-              <a:extLst>
-                <a:ext uri="{FF2B5EF4-FFF2-40B4-BE49-F238E27FC236}">
-                  <a16:creationId xmlns:a16="http://schemas.microsoft.com/office/drawing/2014/main" id="{8E5603FF-361F-4F8C-86B9-B59035D725D6}"/>
-                </a:ext>
-              </a:extLst>
-            </p:cNvPr>
-            <p:cNvCxnSpPr>
-              <a:cxnSpLocks/>
-              <a:stCxn id="24" idx="2"/>
-              <a:endCxn id="40" idx="0"/>
-            </p:cNvCxnSpPr>
-            <p:nvPr/>
-          </p:nvCxnSpPr>
-          <p:spPr>
-            <a:xfrm flipH="1">
-              <a:off x="5778134" y="2571750"/>
-              <a:ext cx="760038" cy="1756414"/>
-            </a:xfrm>
-            <a:prstGeom prst="straightConnector1">
-              <a:avLst/>
-            </a:prstGeom>
-            <a:ln w="19050">
-              <a:solidFill>
-                <a:schemeClr val="tx1"/>
-              </a:solidFill>
-              <a:headEnd type="none" w="med" len="med"/>
-              <a:tailEnd type="arrow" w="med" len="med"/>
-            </a:ln>
-          </p:spPr>
-          <p:style>
-            <a:lnRef idx="1">
-              <a:schemeClr val="accent1"/>
-            </a:lnRef>
-            <a:fillRef idx="0">
-              <a:schemeClr val="accent1"/>
-            </a:fillRef>
-            <a:effectRef idx="0">
-              <a:schemeClr val="accent1"/>
-            </a:effectRef>
-            <a:fontRef idx="minor">
-              <a:schemeClr val="tx1"/>
-            </a:fontRef>
-          </p:style>
-        </p:cxnSp>
-        <p:cxnSp>
-          <p:nvCxnSpPr>
-            <p:cNvPr id="62" name="직선 화살표 연결선 61">
-              <a:extLst>
-                <a:ext uri="{FF2B5EF4-FFF2-40B4-BE49-F238E27FC236}">
-                  <a16:creationId xmlns:a16="http://schemas.microsoft.com/office/drawing/2014/main" id="{1F0DA32C-7E98-4A65-82C7-439DE6A8B0B7}"/>
-                </a:ext>
-              </a:extLst>
-            </p:cNvPr>
-            <p:cNvCxnSpPr>
-              <a:cxnSpLocks/>
-              <a:stCxn id="26" idx="2"/>
-              <a:endCxn id="24" idx="0"/>
-            </p:cNvCxnSpPr>
-            <p:nvPr/>
-          </p:nvCxnSpPr>
-          <p:spPr>
-            <a:xfrm>
-              <a:off x="5514800" y="1059582"/>
-              <a:ext cx="1023372" cy="1141986"/>
-            </a:xfrm>
-            <a:prstGeom prst="straightConnector1">
-              <a:avLst/>
-            </a:prstGeom>
-            <a:ln w="19050">
-              <a:solidFill>
-                <a:schemeClr val="tx1"/>
-              </a:solidFill>
-              <a:headEnd type="none" w="med" len="med"/>
-              <a:tailEnd type="arrow" w="med" len="med"/>
-            </a:ln>
-          </p:spPr>
-          <p:style>
-            <a:lnRef idx="1">
-              <a:schemeClr val="accent1"/>
-            </a:lnRef>
-            <a:fillRef idx="0">
-              <a:schemeClr val="accent1"/>
-            </a:fillRef>
-            <a:effectRef idx="0">
-              <a:schemeClr val="accent1"/>
-            </a:effectRef>
-            <a:fontRef idx="minor">
-              <a:schemeClr val="tx1"/>
-            </a:fontRef>
-          </p:style>
-        </p:cxnSp>
-        <p:cxnSp>
-          <p:nvCxnSpPr>
-            <p:cNvPr id="43" name="직선 화살표 연결선 42">
-              <a:extLst>
-                <a:ext uri="{FF2B5EF4-FFF2-40B4-BE49-F238E27FC236}">
-                  <a16:creationId xmlns:a16="http://schemas.microsoft.com/office/drawing/2014/main" id="{2B646D07-6343-4FE7-A291-3D9A676E7510}"/>
-                </a:ext>
-              </a:extLst>
-            </p:cNvPr>
-            <p:cNvCxnSpPr>
-              <a:cxnSpLocks/>
-              <a:stCxn id="19" idx="2"/>
-              <a:endCxn id="40" idx="0"/>
-            </p:cNvCxnSpPr>
-            <p:nvPr/>
-          </p:nvCxnSpPr>
-          <p:spPr>
-            <a:xfrm>
-              <a:off x="4463988" y="2571749"/>
-              <a:ext cx="1314146" cy="1756415"/>
-            </a:xfrm>
-            <a:prstGeom prst="straightConnector1">
-              <a:avLst/>
-            </a:prstGeom>
-            <a:ln w="19050">
-              <a:solidFill>
-                <a:schemeClr val="tx1"/>
-              </a:solidFill>
-              <a:headEnd type="none" w="med" len="med"/>
-              <a:tailEnd type="arrow" w="med" len="med"/>
-            </a:ln>
-          </p:spPr>
-          <p:style>
-            <a:lnRef idx="1">
-              <a:schemeClr val="accent1"/>
-            </a:lnRef>
-            <a:fillRef idx="0">
-              <a:schemeClr val="accent1"/>
-            </a:fillRef>
-            <a:effectRef idx="0">
-              <a:schemeClr val="accent1"/>
-            </a:effectRef>
-            <a:fontRef idx="minor">
-              <a:schemeClr val="tx1"/>
-            </a:fontRef>
-          </p:style>
-        </p:cxnSp>
-      </p:grpSp>
-    </p:spTree>
-    <p:extLst>
-      <p:ext uri="{BB962C8B-B14F-4D97-AF65-F5344CB8AC3E}">
-        <p14:creationId xmlns:p14="http://schemas.microsoft.com/office/powerpoint/2010/main" val="106070295"/>
-      </p:ext>
-    </p:extLst>
-  </p:cSld>
-  <p:clrMapOvr>
-    <a:masterClrMapping/>
-  </p:clrMapOvr>
-</p:sld>
-</file>
-
-<file path=ppt/slides/slide3.xml><?xml version="1.0" encoding="utf-8"?>
-<p:sld xmlns:a="http://schemas.openxmlformats.org/drawingml/2006/main" xmlns:r="http://schemas.openxmlformats.org/officeDocument/2006/relationships" xmlns:p="http://schemas.openxmlformats.org/presentationml/2006/main">
-  <p:cSld>
-    <p:spTree>
-      <p:nvGrpSpPr>
-        <p:cNvPr id="1" name=""/>
-        <p:cNvGrpSpPr/>
-        <p:nvPr/>
-      </p:nvGrpSpPr>
-      <p:grpSpPr>
-        <a:xfrm>
-          <a:off x="0" y="0"/>
-          <a:ext cx="0" cy="0"/>
-          <a:chOff x="0" y="0"/>
-          <a:chExt cx="0" cy="0"/>
-        </a:xfrm>
-      </p:grpSpPr>
-      <p:sp>
-        <p:nvSpPr>
-          <p:cNvPr id="7" name="사각형: 둥근 모서리 6">
-            <a:extLst>
-              <a:ext uri="{FF2B5EF4-FFF2-40B4-BE49-F238E27FC236}">
-                <a16:creationId xmlns:a16="http://schemas.microsoft.com/office/drawing/2014/main" id="{43605E7C-158D-49F1-8506-CEF09E8CC589}"/>
-              </a:ext>
-            </a:extLst>
-          </p:cNvPr>
-          <p:cNvSpPr/>
-          <p:nvPr/>
-        </p:nvSpPr>
-        <p:spPr>
-          <a:xfrm>
-            <a:off x="1475656" y="483518"/>
-            <a:ext cx="1872208" cy="4104449"/>
-          </a:xfrm>
-          <a:prstGeom prst="roundRect">
-            <a:avLst>
-              <a:gd name="adj" fmla="val 7489"/>
-            </a:avLst>
-          </a:prstGeom>
-        </p:spPr>
-        <p:style>
-          <a:lnRef idx="2">
-            <a:schemeClr val="dk1"/>
-          </a:lnRef>
-          <a:fillRef idx="1">
-            <a:schemeClr val="lt1"/>
-          </a:fillRef>
-          <a:effectRef idx="0">
-            <a:schemeClr val="dk1"/>
-          </a:effectRef>
-          <a:fontRef idx="minor">
-            <a:schemeClr val="dk1"/>
-          </a:fontRef>
-        </p:style>
-        <p:txBody>
-          <a:bodyPr rtlCol="0" anchor="b"/>
-          <a:lstStyle/>
-          <a:p>
-            <a:pPr algn="ctr"/>
-            <a:r>
-              <a:rPr lang="en-US" altLang="ko-KR" sz="1400"/>
-              <a:t>Broker </a:t>
-            </a:r>
-            <a:r>
-              <a:rPr lang="en-US" altLang="ko-KR" sz="1400" dirty="0"/>
-              <a:t>A</a:t>
-            </a:r>
-            <a:endParaRPr lang="ko-KR" altLang="en-US" sz="1400" dirty="0"/>
-          </a:p>
-        </p:txBody>
-      </p:sp>
-      <p:sp>
-        <p:nvSpPr>
-          <p:cNvPr id="58" name="사각형: 둥근 모서리 57">
-            <a:extLst>
-              <a:ext uri="{FF2B5EF4-FFF2-40B4-BE49-F238E27FC236}">
-                <a16:creationId xmlns:a16="http://schemas.microsoft.com/office/drawing/2014/main" id="{364F566C-AAA1-4C72-9FB2-52671A2E3589}"/>
-              </a:ext>
-            </a:extLst>
-          </p:cNvPr>
-          <p:cNvSpPr/>
-          <p:nvPr/>
-        </p:nvSpPr>
-        <p:spPr>
-          <a:xfrm>
-            <a:off x="3563888" y="483518"/>
-            <a:ext cx="1872208" cy="4104449"/>
-          </a:xfrm>
-          <a:prstGeom prst="roundRect">
-            <a:avLst>
-              <a:gd name="adj" fmla="val 7489"/>
-            </a:avLst>
-          </a:prstGeom>
-        </p:spPr>
-        <p:style>
-          <a:lnRef idx="2">
-            <a:schemeClr val="dk1"/>
-          </a:lnRef>
-          <a:fillRef idx="1">
-            <a:schemeClr val="lt1"/>
-          </a:fillRef>
-          <a:effectRef idx="0">
-            <a:schemeClr val="dk1"/>
-          </a:effectRef>
-          <a:fontRef idx="minor">
-            <a:schemeClr val="dk1"/>
-          </a:fontRef>
-        </p:style>
-        <p:txBody>
-          <a:bodyPr rtlCol="0" anchor="b"/>
-          <a:lstStyle/>
-          <a:p>
-            <a:pPr algn="ctr"/>
-            <a:r>
-              <a:rPr lang="en-US" altLang="ko-KR" sz="1400"/>
-              <a:t>Broker B</a:t>
-            </a:r>
-            <a:endParaRPr lang="ko-KR" altLang="en-US" sz="1400" dirty="0"/>
-          </a:p>
-        </p:txBody>
-      </p:sp>
-      <p:sp>
-        <p:nvSpPr>
-          <p:cNvPr id="67" name="사각형: 둥근 모서리 66">
-            <a:extLst>
-              <a:ext uri="{FF2B5EF4-FFF2-40B4-BE49-F238E27FC236}">
-                <a16:creationId xmlns:a16="http://schemas.microsoft.com/office/drawing/2014/main" id="{10A8E561-0D52-48A1-A8B6-9F42DD083DD7}"/>
-              </a:ext>
-            </a:extLst>
-          </p:cNvPr>
-          <p:cNvSpPr/>
-          <p:nvPr/>
-        </p:nvSpPr>
-        <p:spPr>
-          <a:xfrm>
-            <a:off x="5652120" y="483518"/>
-            <a:ext cx="1872208" cy="4104449"/>
-          </a:xfrm>
-          <a:prstGeom prst="roundRect">
-            <a:avLst>
-              <a:gd name="adj" fmla="val 7489"/>
-            </a:avLst>
-          </a:prstGeom>
-        </p:spPr>
-        <p:style>
-          <a:lnRef idx="2">
-            <a:schemeClr val="dk1"/>
-          </a:lnRef>
-          <a:fillRef idx="1">
-            <a:schemeClr val="lt1"/>
-          </a:fillRef>
-          <a:effectRef idx="0">
-            <a:schemeClr val="dk1"/>
-          </a:effectRef>
-          <a:fontRef idx="minor">
-            <a:schemeClr val="dk1"/>
-          </a:fontRef>
-        </p:style>
-        <p:txBody>
-          <a:bodyPr rtlCol="0" anchor="b"/>
-          <a:lstStyle/>
-          <a:p>
-            <a:pPr algn="ctr"/>
-            <a:r>
-              <a:rPr lang="en-US" altLang="ko-KR" sz="1400"/>
-              <a:t>Broker </a:t>
-            </a:r>
-            <a:r>
-              <a:rPr lang="en-US" altLang="ko-KR" sz="1400" dirty="0"/>
-              <a:t>C</a:t>
-            </a:r>
-            <a:endParaRPr lang="ko-KR" altLang="en-US" sz="1400" dirty="0"/>
-          </a:p>
-        </p:txBody>
-      </p:sp>
-      <p:sp>
-        <p:nvSpPr>
-          <p:cNvPr id="2" name="제목 1"/>
-          <p:cNvSpPr>
-            <a:spLocks noGrp="1"/>
-          </p:cNvSpPr>
-          <p:nvPr>
-            <p:ph type="title"/>
-          </p:nvPr>
-        </p:nvSpPr>
-        <p:spPr>
-          <a:xfrm>
-            <a:off x="377332" y="-236562"/>
-            <a:ext cx="8229600" cy="857250"/>
-          </a:xfrm>
-        </p:spPr>
-        <p:txBody>
-          <a:bodyPr/>
-          <a:lstStyle/>
-          <a:p>
-            <a:r>
-              <a:rPr lang="en-US" altLang="ko-KR"/>
-              <a:t>Cluster</a:t>
-            </a:r>
-            <a:endParaRPr lang="ko-KR" altLang="en-US" dirty="0"/>
-          </a:p>
-        </p:txBody>
-      </p:sp>
-      <p:sp>
-        <p:nvSpPr>
-          <p:cNvPr id="44" name="사각형: 둥근 모서리 43">
-            <a:extLst>
-              <a:ext uri="{FF2B5EF4-FFF2-40B4-BE49-F238E27FC236}">
-                <a16:creationId xmlns:a16="http://schemas.microsoft.com/office/drawing/2014/main" id="{46680711-9222-475F-8F0D-50BD15568FE4}"/>
-              </a:ext>
-            </a:extLst>
-          </p:cNvPr>
-          <p:cNvSpPr/>
-          <p:nvPr/>
-        </p:nvSpPr>
-        <p:spPr>
-          <a:xfrm>
-            <a:off x="1691680" y="1793034"/>
-            <a:ext cx="1440160" cy="268948"/>
-          </a:xfrm>
-          <a:prstGeom prst="roundRect">
-            <a:avLst>
-              <a:gd name="adj" fmla="val 14105"/>
-            </a:avLst>
-          </a:prstGeom>
-          <a:solidFill>
-            <a:schemeClr val="accent1">
-              <a:lumMod val="20000"/>
-              <a:lumOff val="80000"/>
-            </a:schemeClr>
-          </a:solidFill>
-        </p:spPr>
-        <p:style>
-          <a:lnRef idx="2">
-            <a:schemeClr val="dk1"/>
-          </a:lnRef>
-          <a:fillRef idx="1">
-            <a:schemeClr val="lt1"/>
-          </a:fillRef>
-          <a:effectRef idx="0">
-            <a:schemeClr val="dk1"/>
-          </a:effectRef>
-          <a:fontRef idx="minor">
-            <a:schemeClr val="dk1"/>
-          </a:fontRef>
-        </p:style>
-        <p:txBody>
-          <a:bodyPr rtlCol="0" anchor="ctr"/>
-          <a:lstStyle/>
-          <a:p>
-            <a:pPr algn="ctr"/>
-            <a:r>
-              <a:rPr lang="en-US" altLang="ko-KR" sz="1100"/>
-              <a:t>Partition </a:t>
-            </a:r>
-            <a:r>
-              <a:rPr lang="en-US" altLang="ko-KR" sz="1100" dirty="0"/>
-              <a:t>0</a:t>
-            </a:r>
-            <a:endParaRPr lang="ko-KR" altLang="en-US" sz="1100" dirty="0"/>
-          </a:p>
-        </p:txBody>
-      </p:sp>
-      <p:sp>
-        <p:nvSpPr>
-          <p:cNvPr id="55" name="사각형: 둥근 모서리 54">
-            <a:extLst>
-              <a:ext uri="{FF2B5EF4-FFF2-40B4-BE49-F238E27FC236}">
-                <a16:creationId xmlns:a16="http://schemas.microsoft.com/office/drawing/2014/main" id="{9B510882-3AD7-4A8A-ACA7-B7996494A18E}"/>
-              </a:ext>
-            </a:extLst>
-          </p:cNvPr>
-          <p:cNvSpPr/>
-          <p:nvPr/>
-        </p:nvSpPr>
-        <p:spPr>
-          <a:xfrm>
-            <a:off x="1691680" y="2549562"/>
-            <a:ext cx="1440160" cy="268948"/>
-          </a:xfrm>
-          <a:prstGeom prst="roundRect">
-            <a:avLst>
-              <a:gd name="adj" fmla="val 14105"/>
-            </a:avLst>
-          </a:prstGeom>
-          <a:solidFill>
-            <a:schemeClr val="accent2">
-              <a:lumMod val="20000"/>
-              <a:lumOff val="80000"/>
-            </a:schemeClr>
-          </a:solidFill>
-        </p:spPr>
-        <p:style>
-          <a:lnRef idx="2">
-            <a:schemeClr val="dk1"/>
-          </a:lnRef>
-          <a:fillRef idx="1">
-            <a:schemeClr val="lt1"/>
-          </a:fillRef>
-          <a:effectRef idx="0">
-            <a:schemeClr val="dk1"/>
-          </a:effectRef>
-          <a:fontRef idx="minor">
-            <a:schemeClr val="dk1"/>
-          </a:fontRef>
-        </p:style>
-        <p:txBody>
-          <a:bodyPr rtlCol="0" anchor="ctr"/>
-          <a:lstStyle/>
-          <a:p>
-            <a:pPr algn="ctr"/>
-            <a:r>
-              <a:rPr lang="en-US" altLang="ko-KR" sz="1100"/>
-              <a:t>Partition </a:t>
-            </a:r>
-            <a:r>
-              <a:rPr lang="en-US" altLang="ko-KR" sz="1100" dirty="0"/>
-              <a:t>0</a:t>
-            </a:r>
-            <a:endParaRPr lang="ko-KR" altLang="en-US" sz="1100" dirty="0"/>
-          </a:p>
-        </p:txBody>
-      </p:sp>
-      <p:sp>
-        <p:nvSpPr>
-          <p:cNvPr id="56" name="사각형: 둥근 모서리 55">
-            <a:extLst>
-              <a:ext uri="{FF2B5EF4-FFF2-40B4-BE49-F238E27FC236}">
-                <a16:creationId xmlns:a16="http://schemas.microsoft.com/office/drawing/2014/main" id="{F8EDAA14-A89A-489B-B003-40355A4D2500}"/>
-              </a:ext>
-            </a:extLst>
-          </p:cNvPr>
-          <p:cNvSpPr/>
-          <p:nvPr/>
-        </p:nvSpPr>
-        <p:spPr>
-          <a:xfrm>
-            <a:off x="1691680" y="2915774"/>
-            <a:ext cx="1440160" cy="268948"/>
-          </a:xfrm>
-          <a:prstGeom prst="roundRect">
-            <a:avLst>
-              <a:gd name="adj" fmla="val 14105"/>
-            </a:avLst>
-          </a:prstGeom>
-          <a:solidFill>
-            <a:schemeClr val="accent1">
-              <a:lumMod val="20000"/>
-              <a:lumOff val="80000"/>
-            </a:schemeClr>
-          </a:solidFill>
-        </p:spPr>
-        <p:style>
-          <a:lnRef idx="2">
-            <a:schemeClr val="dk1"/>
-          </a:lnRef>
-          <a:fillRef idx="1">
-            <a:schemeClr val="lt1"/>
-          </a:fillRef>
-          <a:effectRef idx="0">
-            <a:schemeClr val="dk1"/>
-          </a:effectRef>
-          <a:fontRef idx="minor">
-            <a:schemeClr val="dk1"/>
-          </a:fontRef>
-        </p:style>
-        <p:txBody>
-          <a:bodyPr rtlCol="0" anchor="ctr"/>
-          <a:lstStyle/>
-          <a:p>
-            <a:pPr algn="ctr"/>
-            <a:r>
-              <a:rPr lang="en-US" altLang="ko-KR" sz="1100"/>
-              <a:t>Partition </a:t>
-            </a:r>
-            <a:r>
-              <a:rPr lang="en-US" altLang="ko-KR" sz="1100" dirty="0"/>
-              <a:t>1</a:t>
-            </a:r>
-            <a:endParaRPr lang="ko-KR" altLang="en-US" sz="1100" dirty="0"/>
-          </a:p>
-        </p:txBody>
-      </p:sp>
-      <p:sp>
-        <p:nvSpPr>
-          <p:cNvPr id="57" name="사각형: 둥근 모서리 56">
-            <a:extLst>
-              <a:ext uri="{FF2B5EF4-FFF2-40B4-BE49-F238E27FC236}">
-                <a16:creationId xmlns:a16="http://schemas.microsoft.com/office/drawing/2014/main" id="{D0081DD2-33FA-46B1-8ABB-C5E63737BABF}"/>
-              </a:ext>
-            </a:extLst>
-          </p:cNvPr>
-          <p:cNvSpPr/>
-          <p:nvPr/>
-        </p:nvSpPr>
-        <p:spPr>
-          <a:xfrm>
-            <a:off x="1691680" y="3281986"/>
-            <a:ext cx="1440160" cy="268948"/>
-          </a:xfrm>
-          <a:prstGeom prst="roundRect">
-            <a:avLst>
-              <a:gd name="adj" fmla="val 14105"/>
-            </a:avLst>
-          </a:prstGeom>
-          <a:solidFill>
-            <a:schemeClr val="accent1">
-              <a:lumMod val="20000"/>
-              <a:lumOff val="80000"/>
-            </a:schemeClr>
-          </a:solidFill>
-        </p:spPr>
-        <p:style>
-          <a:lnRef idx="2">
-            <a:schemeClr val="dk1"/>
-          </a:lnRef>
-          <a:fillRef idx="1">
-            <a:schemeClr val="lt1"/>
-          </a:fillRef>
-          <a:effectRef idx="0">
-            <a:schemeClr val="dk1"/>
-          </a:effectRef>
-          <a:fontRef idx="minor">
-            <a:schemeClr val="dk1"/>
-          </a:fontRef>
-        </p:style>
-        <p:txBody>
-          <a:bodyPr rtlCol="0" anchor="ctr"/>
-          <a:lstStyle/>
-          <a:p>
-            <a:pPr algn="ctr"/>
-            <a:r>
-              <a:rPr lang="en-US" altLang="ko-KR" sz="1100"/>
-              <a:t>Partition </a:t>
-            </a:r>
-            <a:r>
-              <a:rPr lang="en-US" altLang="ko-KR" sz="1100" dirty="0"/>
-              <a:t>2</a:t>
-            </a:r>
-            <a:endParaRPr lang="ko-KR" altLang="en-US" sz="1100" dirty="0"/>
-          </a:p>
-        </p:txBody>
-      </p:sp>
-      <p:sp>
-        <p:nvSpPr>
-          <p:cNvPr id="63" name="사각형: 둥근 모서리 62">
-            <a:extLst>
-              <a:ext uri="{FF2B5EF4-FFF2-40B4-BE49-F238E27FC236}">
-                <a16:creationId xmlns:a16="http://schemas.microsoft.com/office/drawing/2014/main" id="{1D930AF3-C251-4D74-827F-DC86C862B00C}"/>
-              </a:ext>
-            </a:extLst>
-          </p:cNvPr>
-          <p:cNvSpPr/>
-          <p:nvPr/>
-        </p:nvSpPr>
-        <p:spPr>
-          <a:xfrm>
-            <a:off x="3779912" y="1793034"/>
-            <a:ext cx="1440160" cy="268948"/>
-          </a:xfrm>
-          <a:prstGeom prst="roundRect">
-            <a:avLst>
-              <a:gd name="adj" fmla="val 14105"/>
-            </a:avLst>
-          </a:prstGeom>
-          <a:solidFill>
-            <a:schemeClr val="accent1">
-              <a:lumMod val="20000"/>
-              <a:lumOff val="80000"/>
-            </a:schemeClr>
-          </a:solidFill>
-        </p:spPr>
-        <p:style>
-          <a:lnRef idx="2">
-            <a:schemeClr val="dk1"/>
-          </a:lnRef>
-          <a:fillRef idx="1">
-            <a:schemeClr val="lt1"/>
-          </a:fillRef>
-          <a:effectRef idx="0">
-            <a:schemeClr val="dk1"/>
-          </a:effectRef>
-          <a:fontRef idx="minor">
-            <a:schemeClr val="dk1"/>
-          </a:fontRef>
-        </p:style>
-        <p:txBody>
-          <a:bodyPr rtlCol="0" anchor="ctr"/>
-          <a:lstStyle/>
-          <a:p>
-            <a:pPr algn="ctr"/>
-            <a:r>
-              <a:rPr lang="en-US" altLang="ko-KR" sz="1100"/>
-              <a:t>Partition </a:t>
-            </a:r>
-            <a:r>
-              <a:rPr lang="en-US" altLang="ko-KR" sz="1100" dirty="0"/>
-              <a:t>0</a:t>
-            </a:r>
-            <a:endParaRPr lang="ko-KR" altLang="en-US" sz="1100" dirty="0"/>
-          </a:p>
-        </p:txBody>
-      </p:sp>
-      <p:sp>
-        <p:nvSpPr>
-          <p:cNvPr id="64" name="사각형: 둥근 모서리 63">
-            <a:extLst>
-              <a:ext uri="{FF2B5EF4-FFF2-40B4-BE49-F238E27FC236}">
-                <a16:creationId xmlns:a16="http://schemas.microsoft.com/office/drawing/2014/main" id="{C093F3AF-A4D5-42A7-93F0-6BCBA9A55EF7}"/>
-              </a:ext>
-            </a:extLst>
-          </p:cNvPr>
-          <p:cNvSpPr/>
-          <p:nvPr/>
-        </p:nvSpPr>
-        <p:spPr>
-          <a:xfrm>
-            <a:off x="3779912" y="2549562"/>
-            <a:ext cx="1440160" cy="268948"/>
-          </a:xfrm>
-          <a:prstGeom prst="roundRect">
-            <a:avLst>
-              <a:gd name="adj" fmla="val 14105"/>
-            </a:avLst>
-          </a:prstGeom>
-          <a:solidFill>
-            <a:schemeClr val="accent1">
-              <a:lumMod val="20000"/>
-              <a:lumOff val="80000"/>
-            </a:schemeClr>
-          </a:solidFill>
-        </p:spPr>
-        <p:style>
-          <a:lnRef idx="2">
-            <a:schemeClr val="dk1"/>
-          </a:lnRef>
-          <a:fillRef idx="1">
-            <a:schemeClr val="lt1"/>
-          </a:fillRef>
-          <a:effectRef idx="0">
-            <a:schemeClr val="dk1"/>
-          </a:effectRef>
-          <a:fontRef idx="minor">
-            <a:schemeClr val="dk1"/>
-          </a:fontRef>
-        </p:style>
-        <p:txBody>
-          <a:bodyPr rtlCol="0" anchor="ctr"/>
-          <a:lstStyle/>
-          <a:p>
-            <a:pPr algn="ctr"/>
-            <a:r>
-              <a:rPr lang="en-US" altLang="ko-KR" sz="1100"/>
-              <a:t>Partition 0</a:t>
-            </a:r>
-            <a:endParaRPr lang="ko-KR" altLang="en-US" sz="1100" dirty="0"/>
-          </a:p>
-        </p:txBody>
-      </p:sp>
-      <p:sp>
-        <p:nvSpPr>
-          <p:cNvPr id="65" name="사각형: 둥근 모서리 64">
-            <a:extLst>
-              <a:ext uri="{FF2B5EF4-FFF2-40B4-BE49-F238E27FC236}">
-                <a16:creationId xmlns:a16="http://schemas.microsoft.com/office/drawing/2014/main" id="{CE7BAF05-2759-4F3B-9CFD-1F237A1F8B70}"/>
-              </a:ext>
-            </a:extLst>
-          </p:cNvPr>
-          <p:cNvSpPr/>
-          <p:nvPr/>
-        </p:nvSpPr>
-        <p:spPr>
-          <a:xfrm>
-            <a:off x="3779912" y="2915774"/>
-            <a:ext cx="1440160" cy="268948"/>
-          </a:xfrm>
-          <a:prstGeom prst="roundRect">
-            <a:avLst>
-              <a:gd name="adj" fmla="val 14105"/>
-            </a:avLst>
-          </a:prstGeom>
-          <a:solidFill>
-            <a:schemeClr val="accent2">
-              <a:lumMod val="20000"/>
-              <a:lumOff val="80000"/>
-            </a:schemeClr>
-          </a:solidFill>
-        </p:spPr>
-        <p:style>
-          <a:lnRef idx="2">
-            <a:schemeClr val="dk1"/>
-          </a:lnRef>
-          <a:fillRef idx="1">
-            <a:schemeClr val="lt1"/>
-          </a:fillRef>
-          <a:effectRef idx="0">
-            <a:schemeClr val="dk1"/>
-          </a:effectRef>
-          <a:fontRef idx="minor">
-            <a:schemeClr val="dk1"/>
-          </a:fontRef>
-        </p:style>
-        <p:txBody>
-          <a:bodyPr rtlCol="0" anchor="ctr"/>
-          <a:lstStyle/>
-          <a:p>
-            <a:pPr algn="ctr"/>
-            <a:r>
-              <a:rPr lang="en-US" altLang="ko-KR" sz="1100"/>
-              <a:t>Partition 1</a:t>
-            </a:r>
-            <a:endParaRPr lang="ko-KR" altLang="en-US" sz="1100" dirty="0"/>
-          </a:p>
-        </p:txBody>
-      </p:sp>
-      <p:sp>
-        <p:nvSpPr>
-          <p:cNvPr id="66" name="사각형: 둥근 모서리 65">
-            <a:extLst>
-              <a:ext uri="{FF2B5EF4-FFF2-40B4-BE49-F238E27FC236}">
-                <a16:creationId xmlns:a16="http://schemas.microsoft.com/office/drawing/2014/main" id="{1CA0F0DF-F771-45A7-AE6F-EA0C6999E419}"/>
-              </a:ext>
-            </a:extLst>
-          </p:cNvPr>
-          <p:cNvSpPr/>
-          <p:nvPr/>
-        </p:nvSpPr>
-        <p:spPr>
-          <a:xfrm>
-            <a:off x="3779912" y="3281986"/>
-            <a:ext cx="1440160" cy="268948"/>
-          </a:xfrm>
-          <a:prstGeom prst="roundRect">
-            <a:avLst>
-              <a:gd name="adj" fmla="val 14105"/>
-            </a:avLst>
-          </a:prstGeom>
-          <a:solidFill>
-            <a:schemeClr val="accent1">
-              <a:lumMod val="20000"/>
-              <a:lumOff val="80000"/>
-            </a:schemeClr>
-          </a:solidFill>
-        </p:spPr>
-        <p:style>
-          <a:lnRef idx="2">
-            <a:schemeClr val="dk1"/>
-          </a:lnRef>
-          <a:fillRef idx="1">
-            <a:schemeClr val="lt1"/>
-          </a:fillRef>
-          <a:effectRef idx="0">
-            <a:schemeClr val="dk1"/>
-          </a:effectRef>
-          <a:fontRef idx="minor">
-            <a:schemeClr val="dk1"/>
-          </a:fontRef>
-        </p:style>
-        <p:txBody>
-          <a:bodyPr rtlCol="0" anchor="ctr"/>
-          <a:lstStyle/>
-          <a:p>
-            <a:pPr algn="ctr"/>
-            <a:r>
-              <a:rPr lang="en-US" altLang="ko-KR" sz="1100"/>
-              <a:t>Partition </a:t>
-            </a:r>
-            <a:r>
-              <a:rPr lang="en-US" altLang="ko-KR" sz="1100" dirty="0"/>
-              <a:t>2</a:t>
-            </a:r>
-            <a:endParaRPr lang="ko-KR" altLang="en-US" sz="1100" dirty="0"/>
-          </a:p>
-        </p:txBody>
-      </p:sp>
-      <p:sp>
-        <p:nvSpPr>
-          <p:cNvPr id="70" name="사각형: 둥근 모서리 69">
-            <a:extLst>
-              <a:ext uri="{FF2B5EF4-FFF2-40B4-BE49-F238E27FC236}">
-                <a16:creationId xmlns:a16="http://schemas.microsoft.com/office/drawing/2014/main" id="{84D930EB-BC46-471C-A7B6-A6B0BC36B737}"/>
-              </a:ext>
-            </a:extLst>
-          </p:cNvPr>
-          <p:cNvSpPr/>
-          <p:nvPr/>
-        </p:nvSpPr>
-        <p:spPr>
-          <a:xfrm>
-            <a:off x="5868144" y="1793034"/>
-            <a:ext cx="1440160" cy="268948"/>
-          </a:xfrm>
-          <a:prstGeom prst="roundRect">
-            <a:avLst>
-              <a:gd name="adj" fmla="val 14105"/>
-            </a:avLst>
-          </a:prstGeom>
-          <a:solidFill>
-            <a:schemeClr val="accent2">
-              <a:lumMod val="20000"/>
-              <a:lumOff val="80000"/>
-            </a:schemeClr>
-          </a:solidFill>
-        </p:spPr>
-        <p:style>
-          <a:lnRef idx="2">
-            <a:schemeClr val="dk1"/>
-          </a:lnRef>
-          <a:fillRef idx="1">
-            <a:schemeClr val="lt1"/>
-          </a:fillRef>
-          <a:effectRef idx="0">
-            <a:schemeClr val="dk1"/>
-          </a:effectRef>
-          <a:fontRef idx="minor">
-            <a:schemeClr val="dk1"/>
-          </a:fontRef>
-        </p:style>
-        <p:txBody>
-          <a:bodyPr rtlCol="0" anchor="ctr"/>
-          <a:lstStyle/>
-          <a:p>
-            <a:pPr algn="ctr"/>
-            <a:r>
-              <a:rPr lang="en-US" altLang="ko-KR" sz="1100"/>
-              <a:t>Partition </a:t>
-            </a:r>
-            <a:r>
-              <a:rPr lang="en-US" altLang="ko-KR" sz="1100" dirty="0"/>
-              <a:t>0</a:t>
-            </a:r>
-            <a:endParaRPr lang="ko-KR" altLang="en-US" sz="1100" dirty="0"/>
-          </a:p>
-        </p:txBody>
-      </p:sp>
-      <p:sp>
-        <p:nvSpPr>
-          <p:cNvPr id="71" name="사각형: 둥근 모서리 70">
-            <a:extLst>
-              <a:ext uri="{FF2B5EF4-FFF2-40B4-BE49-F238E27FC236}">
-                <a16:creationId xmlns:a16="http://schemas.microsoft.com/office/drawing/2014/main" id="{8CB55B9F-1769-4742-9626-EA91B55F9CD0}"/>
-              </a:ext>
-            </a:extLst>
-          </p:cNvPr>
-          <p:cNvSpPr/>
-          <p:nvPr/>
-        </p:nvSpPr>
-        <p:spPr>
-          <a:xfrm>
-            <a:off x="5868144" y="2549562"/>
-            <a:ext cx="1440160" cy="268948"/>
-          </a:xfrm>
-          <a:prstGeom prst="roundRect">
-            <a:avLst>
-              <a:gd name="adj" fmla="val 14105"/>
-            </a:avLst>
-          </a:prstGeom>
-          <a:solidFill>
-            <a:schemeClr val="accent1">
-              <a:lumMod val="20000"/>
-              <a:lumOff val="80000"/>
-            </a:schemeClr>
-          </a:solidFill>
-        </p:spPr>
-        <p:style>
-          <a:lnRef idx="2">
-            <a:schemeClr val="dk1"/>
-          </a:lnRef>
-          <a:fillRef idx="1">
-            <a:schemeClr val="lt1"/>
-          </a:fillRef>
-          <a:effectRef idx="0">
-            <a:schemeClr val="dk1"/>
-          </a:effectRef>
-          <a:fontRef idx="minor">
-            <a:schemeClr val="dk1"/>
-          </a:fontRef>
-        </p:style>
-        <p:txBody>
-          <a:bodyPr rtlCol="0" anchor="ctr"/>
-          <a:lstStyle/>
-          <a:p>
-            <a:pPr algn="ctr"/>
-            <a:r>
-              <a:rPr lang="en-US" altLang="ko-KR" sz="1100"/>
-              <a:t>Partition 0</a:t>
-            </a:r>
-            <a:endParaRPr lang="ko-KR" altLang="en-US" sz="1100" dirty="0"/>
-          </a:p>
-        </p:txBody>
-      </p:sp>
-      <p:sp>
-        <p:nvSpPr>
-          <p:cNvPr id="72" name="사각형: 둥근 모서리 71">
-            <a:extLst>
-              <a:ext uri="{FF2B5EF4-FFF2-40B4-BE49-F238E27FC236}">
-                <a16:creationId xmlns:a16="http://schemas.microsoft.com/office/drawing/2014/main" id="{E617FFBB-A175-4D87-8F62-AFE2F1679458}"/>
-              </a:ext>
-            </a:extLst>
-          </p:cNvPr>
-          <p:cNvSpPr/>
-          <p:nvPr/>
-        </p:nvSpPr>
-        <p:spPr>
-          <a:xfrm>
-            <a:off x="5868144" y="2915774"/>
-            <a:ext cx="1440160" cy="268948"/>
-          </a:xfrm>
-          <a:prstGeom prst="roundRect">
-            <a:avLst>
-              <a:gd name="adj" fmla="val 14105"/>
-            </a:avLst>
-          </a:prstGeom>
-          <a:solidFill>
-            <a:schemeClr val="accent1">
-              <a:lumMod val="20000"/>
-              <a:lumOff val="80000"/>
-            </a:schemeClr>
-          </a:solidFill>
-        </p:spPr>
-        <p:style>
-          <a:lnRef idx="2">
-            <a:schemeClr val="dk1"/>
-          </a:lnRef>
-          <a:fillRef idx="1">
-            <a:schemeClr val="lt1"/>
-          </a:fillRef>
-          <a:effectRef idx="0">
-            <a:schemeClr val="dk1"/>
-          </a:effectRef>
-          <a:fontRef idx="minor">
-            <a:schemeClr val="dk1"/>
-          </a:fontRef>
-        </p:style>
-        <p:txBody>
-          <a:bodyPr rtlCol="0" anchor="ctr"/>
-          <a:lstStyle/>
-          <a:p>
-            <a:pPr algn="ctr"/>
-            <a:r>
-              <a:rPr lang="en-US" altLang="ko-KR" sz="1100"/>
-              <a:t>Partition </a:t>
-            </a:r>
-            <a:r>
-              <a:rPr lang="en-US" altLang="ko-KR" sz="1100" dirty="0"/>
-              <a:t>1</a:t>
-            </a:r>
-            <a:endParaRPr lang="ko-KR" altLang="en-US" sz="1100" dirty="0"/>
-          </a:p>
-        </p:txBody>
-      </p:sp>
-      <p:sp>
-        <p:nvSpPr>
-          <p:cNvPr id="73" name="사각형: 둥근 모서리 72">
-            <a:extLst>
-              <a:ext uri="{FF2B5EF4-FFF2-40B4-BE49-F238E27FC236}">
-                <a16:creationId xmlns:a16="http://schemas.microsoft.com/office/drawing/2014/main" id="{050D8438-7982-4C6D-A88B-7801CD2300FE}"/>
-              </a:ext>
-            </a:extLst>
-          </p:cNvPr>
-          <p:cNvSpPr/>
-          <p:nvPr/>
-        </p:nvSpPr>
-        <p:spPr>
-          <a:xfrm>
-            <a:off x="5868144" y="3281986"/>
-            <a:ext cx="1440160" cy="268948"/>
-          </a:xfrm>
-          <a:prstGeom prst="roundRect">
-            <a:avLst>
-              <a:gd name="adj" fmla="val 14105"/>
-            </a:avLst>
-          </a:prstGeom>
-          <a:solidFill>
-            <a:schemeClr val="accent2">
-              <a:lumMod val="20000"/>
-              <a:lumOff val="80000"/>
-            </a:schemeClr>
-          </a:solidFill>
-        </p:spPr>
-        <p:style>
-          <a:lnRef idx="2">
-            <a:schemeClr val="dk1"/>
-          </a:lnRef>
-          <a:fillRef idx="1">
-            <a:schemeClr val="lt1"/>
-          </a:fillRef>
-          <a:effectRef idx="0">
-            <a:schemeClr val="dk1"/>
-          </a:effectRef>
-          <a:fontRef idx="minor">
-            <a:schemeClr val="dk1"/>
-          </a:fontRef>
-        </p:style>
-        <p:txBody>
-          <a:bodyPr rtlCol="0" anchor="ctr"/>
-          <a:lstStyle/>
-          <a:p>
-            <a:pPr algn="ctr"/>
-            <a:r>
-              <a:rPr lang="en-US" altLang="ko-KR" sz="1100"/>
-              <a:t>Partition </a:t>
-            </a:r>
-            <a:r>
-              <a:rPr lang="en-US" altLang="ko-KR" sz="1100" dirty="0"/>
-              <a:t>2</a:t>
-            </a:r>
-            <a:endParaRPr lang="ko-KR" altLang="en-US" sz="1100" dirty="0"/>
-          </a:p>
-        </p:txBody>
-      </p:sp>
-      <p:sp>
-        <p:nvSpPr>
-          <p:cNvPr id="74" name="사각형: 둥근 모서리 73">
-            <a:extLst>
-              <a:ext uri="{FF2B5EF4-FFF2-40B4-BE49-F238E27FC236}">
-                <a16:creationId xmlns:a16="http://schemas.microsoft.com/office/drawing/2014/main" id="{310FF450-E455-4CDD-9246-557B0E07B241}"/>
-              </a:ext>
-            </a:extLst>
-          </p:cNvPr>
-          <p:cNvSpPr/>
-          <p:nvPr/>
-        </p:nvSpPr>
-        <p:spPr>
-          <a:xfrm>
-            <a:off x="1691680" y="3954033"/>
-            <a:ext cx="1440160" cy="301460"/>
-          </a:xfrm>
-          <a:prstGeom prst="roundRect">
-            <a:avLst>
-              <a:gd name="adj" fmla="val 14105"/>
-            </a:avLst>
-          </a:prstGeom>
-          <a:noFill/>
-        </p:spPr>
-        <p:style>
-          <a:lnRef idx="2">
-            <a:schemeClr val="dk1"/>
-          </a:lnRef>
-          <a:fillRef idx="1">
-            <a:schemeClr val="lt1"/>
-          </a:fillRef>
-          <a:effectRef idx="0">
-            <a:schemeClr val="dk1"/>
-          </a:effectRef>
-          <a:fontRef idx="minor">
-            <a:schemeClr val="dk1"/>
-          </a:fontRef>
-        </p:style>
-        <p:txBody>
-          <a:bodyPr rtlCol="0" anchor="ctr"/>
-          <a:lstStyle/>
-          <a:p>
-            <a:pPr algn="ctr"/>
-            <a:r>
-              <a:rPr lang="en-US" altLang="ko-KR" sz="1200"/>
-              <a:t>Zookeeper</a:t>
-            </a:r>
-            <a:endParaRPr lang="ko-KR" altLang="en-US" sz="1200" dirty="0"/>
-          </a:p>
-        </p:txBody>
-      </p:sp>
-      <p:sp>
-        <p:nvSpPr>
-          <p:cNvPr id="77" name="사각형: 둥근 모서리 76">
-            <a:extLst>
-              <a:ext uri="{FF2B5EF4-FFF2-40B4-BE49-F238E27FC236}">
-                <a16:creationId xmlns:a16="http://schemas.microsoft.com/office/drawing/2014/main" id="{4EEACE4F-7D34-4A24-9326-72E175C885BF}"/>
-              </a:ext>
-            </a:extLst>
-          </p:cNvPr>
-          <p:cNvSpPr/>
-          <p:nvPr/>
-        </p:nvSpPr>
-        <p:spPr>
-          <a:xfrm>
-            <a:off x="3779912" y="3954033"/>
-            <a:ext cx="1440160" cy="301460"/>
-          </a:xfrm>
-          <a:prstGeom prst="roundRect">
-            <a:avLst>
-              <a:gd name="adj" fmla="val 14105"/>
-            </a:avLst>
-          </a:prstGeom>
-          <a:noFill/>
-        </p:spPr>
-        <p:style>
-          <a:lnRef idx="2">
-            <a:schemeClr val="dk1"/>
-          </a:lnRef>
-          <a:fillRef idx="1">
-            <a:schemeClr val="lt1"/>
-          </a:fillRef>
-          <a:effectRef idx="0">
-            <a:schemeClr val="dk1"/>
-          </a:effectRef>
-          <a:fontRef idx="minor">
-            <a:schemeClr val="dk1"/>
-          </a:fontRef>
-        </p:style>
-        <p:txBody>
-          <a:bodyPr rtlCol="0" anchor="ctr"/>
-          <a:lstStyle/>
-          <a:p>
-            <a:pPr algn="ctr"/>
-            <a:r>
-              <a:rPr lang="en-US" altLang="ko-KR" sz="1200"/>
-              <a:t>Zookeeper</a:t>
-            </a:r>
-            <a:endParaRPr lang="ko-KR" altLang="en-US" sz="1200" dirty="0"/>
-          </a:p>
-        </p:txBody>
-      </p:sp>
-      <p:sp>
-        <p:nvSpPr>
-          <p:cNvPr id="78" name="사각형: 둥근 모서리 77">
-            <a:extLst>
-              <a:ext uri="{FF2B5EF4-FFF2-40B4-BE49-F238E27FC236}">
-                <a16:creationId xmlns:a16="http://schemas.microsoft.com/office/drawing/2014/main" id="{CF02F3C3-ADBA-499A-8EA9-E5AED16751BC}"/>
-              </a:ext>
-            </a:extLst>
-          </p:cNvPr>
-          <p:cNvSpPr/>
-          <p:nvPr/>
-        </p:nvSpPr>
-        <p:spPr>
-          <a:xfrm>
-            <a:off x="5868144" y="3954033"/>
-            <a:ext cx="1440160" cy="301460"/>
-          </a:xfrm>
-          <a:prstGeom prst="roundRect">
-            <a:avLst>
-              <a:gd name="adj" fmla="val 14105"/>
-            </a:avLst>
-          </a:prstGeom>
-          <a:noFill/>
-        </p:spPr>
-        <p:style>
-          <a:lnRef idx="2">
-            <a:schemeClr val="dk1"/>
-          </a:lnRef>
-          <a:fillRef idx="1">
-            <a:schemeClr val="lt1"/>
-          </a:fillRef>
-          <a:effectRef idx="0">
-            <a:schemeClr val="dk1"/>
-          </a:effectRef>
-          <a:fontRef idx="minor">
-            <a:schemeClr val="dk1"/>
-          </a:fontRef>
-        </p:style>
-        <p:txBody>
-          <a:bodyPr rtlCol="0" anchor="ctr"/>
-          <a:lstStyle/>
-          <a:p>
-            <a:pPr algn="ctr"/>
-            <a:r>
-              <a:rPr lang="en-US" altLang="ko-KR" sz="1200"/>
-              <a:t>Zookeeper</a:t>
-            </a:r>
-            <a:endParaRPr lang="ko-KR" altLang="en-US" sz="1200" dirty="0"/>
-          </a:p>
-        </p:txBody>
-      </p:sp>
-      <p:cxnSp>
-        <p:nvCxnSpPr>
-          <p:cNvPr id="79" name="직선 화살표 연결선 78">
-            <a:extLst>
-              <a:ext uri="{FF2B5EF4-FFF2-40B4-BE49-F238E27FC236}">
-                <a16:creationId xmlns:a16="http://schemas.microsoft.com/office/drawing/2014/main" id="{2A1AECB2-35D2-425D-A059-8CED21029DBB}"/>
-              </a:ext>
-            </a:extLst>
-          </p:cNvPr>
-          <p:cNvCxnSpPr>
-            <a:cxnSpLocks/>
-            <a:stCxn id="78" idx="1"/>
-          </p:cNvCxnSpPr>
-          <p:nvPr/>
-        </p:nvCxnSpPr>
-        <p:spPr>
-          <a:xfrm flipH="1">
-            <a:off x="5220072" y="4104763"/>
-            <a:ext cx="648072" cy="0"/>
-          </a:xfrm>
-          <a:prstGeom prst="straightConnector1">
-            <a:avLst/>
-          </a:prstGeom>
-          <a:ln w="19050">
-            <a:solidFill>
-              <a:schemeClr val="tx1"/>
-            </a:solidFill>
-            <a:headEnd type="arrow" w="med" len="med"/>
-            <a:tailEnd type="arrow" w="med" len="med"/>
-          </a:ln>
-        </p:spPr>
-        <p:style>
-          <a:lnRef idx="1">
-            <a:schemeClr val="accent1"/>
-          </a:lnRef>
-          <a:fillRef idx="0">
-            <a:schemeClr val="accent1"/>
-          </a:fillRef>
-          <a:effectRef idx="0">
-            <a:schemeClr val="accent1"/>
-          </a:effectRef>
-          <a:fontRef idx="minor">
-            <a:schemeClr val="tx1"/>
-          </a:fontRef>
-        </p:style>
-      </p:cxnSp>
-      <p:cxnSp>
-        <p:nvCxnSpPr>
-          <p:cNvPr id="80" name="직선 화살표 연결선 79">
-            <a:extLst>
-              <a:ext uri="{FF2B5EF4-FFF2-40B4-BE49-F238E27FC236}">
-                <a16:creationId xmlns:a16="http://schemas.microsoft.com/office/drawing/2014/main" id="{FC1DEF5A-EC2A-4C6F-BF23-DC436B4AF942}"/>
-              </a:ext>
-            </a:extLst>
-          </p:cNvPr>
-          <p:cNvCxnSpPr>
-            <a:cxnSpLocks/>
-            <a:endCxn id="74" idx="3"/>
-          </p:cNvCxnSpPr>
-          <p:nvPr/>
-        </p:nvCxnSpPr>
-        <p:spPr>
-          <a:xfrm flipH="1">
-            <a:off x="3131840" y="4104763"/>
-            <a:ext cx="648072" cy="0"/>
-          </a:xfrm>
-          <a:prstGeom prst="straightConnector1">
-            <a:avLst/>
-          </a:prstGeom>
-          <a:ln w="19050">
-            <a:solidFill>
-              <a:schemeClr val="tx1"/>
-            </a:solidFill>
-            <a:headEnd type="arrow" w="med" len="med"/>
-            <a:tailEnd type="arrow" w="med" len="med"/>
-          </a:ln>
-        </p:spPr>
-        <p:style>
-          <a:lnRef idx="1">
-            <a:schemeClr val="accent1"/>
-          </a:lnRef>
-          <a:fillRef idx="0">
-            <a:schemeClr val="accent1"/>
-          </a:fillRef>
-          <a:effectRef idx="0">
-            <a:schemeClr val="accent1"/>
-          </a:effectRef>
-          <a:fontRef idx="minor">
-            <a:schemeClr val="tx1"/>
-          </a:fontRef>
-        </p:style>
-      </p:cxnSp>
-      <p:sp>
-        <p:nvSpPr>
-          <p:cNvPr id="3" name="사각형: 둥근 모서리 2">
-            <a:extLst>
-              <a:ext uri="{FF2B5EF4-FFF2-40B4-BE49-F238E27FC236}">
-                <a16:creationId xmlns:a16="http://schemas.microsoft.com/office/drawing/2014/main" id="{A0251F74-49B2-4DD0-98FA-A17BBF39C197}"/>
-              </a:ext>
-            </a:extLst>
-          </p:cNvPr>
-          <p:cNvSpPr/>
-          <p:nvPr/>
-        </p:nvSpPr>
-        <p:spPr>
-          <a:xfrm>
-            <a:off x="1568670" y="564766"/>
-            <a:ext cx="5862644" cy="1075263"/>
-          </a:xfrm>
-          <a:prstGeom prst="roundRect">
-            <a:avLst>
-              <a:gd name="adj" fmla="val 9108"/>
-            </a:avLst>
-          </a:prstGeom>
-          <a:noFill/>
-          <a:ln>
-            <a:prstDash val="dash"/>
-          </a:ln>
-        </p:spPr>
-        <p:style>
-          <a:lnRef idx="2">
-            <a:schemeClr val="dk1"/>
-          </a:lnRef>
-          <a:fillRef idx="1">
-            <a:schemeClr val="lt1"/>
-          </a:fillRef>
-          <a:effectRef idx="0">
-            <a:schemeClr val="dk1"/>
-          </a:effectRef>
-          <a:fontRef idx="minor">
-            <a:schemeClr val="dk1"/>
-          </a:fontRef>
-        </p:style>
-        <p:txBody>
-          <a:bodyPr rtlCol="0" anchor="b"/>
-          <a:lstStyle/>
-          <a:p>
-            <a:pPr algn="ctr"/>
-            <a:r>
-              <a:rPr lang="en-US" altLang="ko-KR" sz="1400"/>
-              <a:t>Topic A</a:t>
-            </a:r>
-            <a:endParaRPr lang="ko-KR" altLang="en-US" sz="1400"/>
-          </a:p>
-        </p:txBody>
-      </p:sp>
-      <p:sp>
-        <p:nvSpPr>
-          <p:cNvPr id="13" name="사각형: 둥근 모서리 12">
-            <a:extLst>
-              <a:ext uri="{FF2B5EF4-FFF2-40B4-BE49-F238E27FC236}">
-                <a16:creationId xmlns:a16="http://schemas.microsoft.com/office/drawing/2014/main" id="{22E7F032-13ED-4575-8F3C-092CC530ABC3}"/>
-              </a:ext>
-            </a:extLst>
-          </p:cNvPr>
-          <p:cNvSpPr/>
-          <p:nvPr/>
-        </p:nvSpPr>
-        <p:spPr>
-          <a:xfrm>
-            <a:off x="1691680" y="682345"/>
-            <a:ext cx="1440160" cy="268948"/>
-          </a:xfrm>
-          <a:prstGeom prst="roundRect">
-            <a:avLst>
-              <a:gd name="adj" fmla="val 14105"/>
-            </a:avLst>
-          </a:prstGeom>
-          <a:solidFill>
-            <a:schemeClr val="accent2">
-              <a:lumMod val="20000"/>
-              <a:lumOff val="80000"/>
-            </a:schemeClr>
-          </a:solidFill>
-        </p:spPr>
-        <p:style>
-          <a:lnRef idx="2">
-            <a:schemeClr val="dk1"/>
-          </a:lnRef>
-          <a:fillRef idx="1">
-            <a:schemeClr val="lt1"/>
-          </a:fillRef>
-          <a:effectRef idx="0">
-            <a:schemeClr val="dk1"/>
-          </a:effectRef>
-          <a:fontRef idx="minor">
-            <a:schemeClr val="dk1"/>
-          </a:fontRef>
-        </p:style>
-        <p:txBody>
-          <a:bodyPr rtlCol="0" anchor="ctr"/>
-          <a:lstStyle/>
-          <a:p>
-            <a:pPr algn="ctr"/>
-            <a:r>
-              <a:rPr lang="en-US" altLang="ko-KR" sz="1100"/>
-              <a:t>Partition </a:t>
-            </a:r>
-            <a:r>
-              <a:rPr lang="en-US" altLang="ko-KR" sz="1100" dirty="0"/>
-              <a:t>0</a:t>
-            </a:r>
-            <a:endParaRPr lang="ko-KR" altLang="en-US" sz="1100" dirty="0"/>
-          </a:p>
-        </p:txBody>
-      </p:sp>
-      <p:sp>
-        <p:nvSpPr>
-          <p:cNvPr id="43" name="사각형: 둥근 모서리 42">
-            <a:extLst>
-              <a:ext uri="{FF2B5EF4-FFF2-40B4-BE49-F238E27FC236}">
-                <a16:creationId xmlns:a16="http://schemas.microsoft.com/office/drawing/2014/main" id="{1070DDBB-C45F-422E-861A-975578A329CC}"/>
-              </a:ext>
-            </a:extLst>
-          </p:cNvPr>
-          <p:cNvSpPr/>
-          <p:nvPr/>
-        </p:nvSpPr>
-        <p:spPr>
-          <a:xfrm>
-            <a:off x="1691680" y="1048558"/>
-            <a:ext cx="1440160" cy="268948"/>
-          </a:xfrm>
-          <a:prstGeom prst="roundRect">
-            <a:avLst>
-              <a:gd name="adj" fmla="val 14105"/>
-            </a:avLst>
-          </a:prstGeom>
-          <a:solidFill>
-            <a:schemeClr val="accent1">
-              <a:lumMod val="20000"/>
-              <a:lumOff val="80000"/>
-            </a:schemeClr>
-          </a:solidFill>
-        </p:spPr>
-        <p:style>
-          <a:lnRef idx="2">
-            <a:schemeClr val="dk1"/>
-          </a:lnRef>
-          <a:fillRef idx="1">
-            <a:schemeClr val="lt1"/>
-          </a:fillRef>
-          <a:effectRef idx="0">
-            <a:schemeClr val="dk1"/>
-          </a:effectRef>
-          <a:fontRef idx="minor">
-            <a:schemeClr val="dk1"/>
-          </a:fontRef>
-        </p:style>
-        <p:txBody>
-          <a:bodyPr rtlCol="0" anchor="ctr"/>
-          <a:lstStyle/>
-          <a:p>
-            <a:pPr algn="ctr"/>
-            <a:r>
-              <a:rPr lang="en-US" altLang="ko-KR" sz="1100"/>
-              <a:t>Partition </a:t>
-            </a:r>
-            <a:r>
-              <a:rPr lang="en-US" altLang="ko-KR" sz="1100" dirty="0"/>
-              <a:t>1</a:t>
-            </a:r>
-            <a:endParaRPr lang="ko-KR" altLang="en-US" sz="1100" dirty="0"/>
-          </a:p>
-        </p:txBody>
-      </p:sp>
-      <p:sp>
-        <p:nvSpPr>
-          <p:cNvPr id="59" name="사각형: 둥근 모서리 58">
-            <a:extLst>
-              <a:ext uri="{FF2B5EF4-FFF2-40B4-BE49-F238E27FC236}">
-                <a16:creationId xmlns:a16="http://schemas.microsoft.com/office/drawing/2014/main" id="{864C36CA-B2B1-4C62-84BC-8CE2E6415074}"/>
-              </a:ext>
-            </a:extLst>
-          </p:cNvPr>
-          <p:cNvSpPr/>
-          <p:nvPr/>
-        </p:nvSpPr>
-        <p:spPr>
-          <a:xfrm>
-            <a:off x="3779912" y="682345"/>
-            <a:ext cx="1440160" cy="268948"/>
-          </a:xfrm>
-          <a:prstGeom prst="roundRect">
-            <a:avLst>
-              <a:gd name="adj" fmla="val 14105"/>
-            </a:avLst>
-          </a:prstGeom>
-          <a:solidFill>
-            <a:schemeClr val="accent1">
-              <a:lumMod val="20000"/>
-              <a:lumOff val="80000"/>
-            </a:schemeClr>
-          </a:solidFill>
-        </p:spPr>
-        <p:style>
-          <a:lnRef idx="2">
-            <a:schemeClr val="dk1"/>
-          </a:lnRef>
-          <a:fillRef idx="1">
-            <a:schemeClr val="lt1"/>
-          </a:fillRef>
-          <a:effectRef idx="0">
-            <a:schemeClr val="dk1"/>
-          </a:effectRef>
-          <a:fontRef idx="minor">
-            <a:schemeClr val="dk1"/>
-          </a:fontRef>
-        </p:style>
-        <p:txBody>
-          <a:bodyPr rtlCol="0" anchor="ctr"/>
-          <a:lstStyle/>
-          <a:p>
-            <a:pPr algn="ctr"/>
-            <a:r>
-              <a:rPr lang="en-US" altLang="ko-KR" sz="1100"/>
-              <a:t>Partition </a:t>
-            </a:r>
-            <a:r>
-              <a:rPr lang="en-US" altLang="ko-KR" sz="1100" dirty="0"/>
-              <a:t>0</a:t>
-            </a:r>
-            <a:endParaRPr lang="ko-KR" altLang="en-US" sz="1100" dirty="0"/>
-          </a:p>
-        </p:txBody>
-      </p:sp>
-      <p:sp>
-        <p:nvSpPr>
-          <p:cNvPr id="61" name="사각형: 둥근 모서리 60">
-            <a:extLst>
-              <a:ext uri="{FF2B5EF4-FFF2-40B4-BE49-F238E27FC236}">
-                <a16:creationId xmlns:a16="http://schemas.microsoft.com/office/drawing/2014/main" id="{8847AFD1-B7E6-4B29-BB80-578C46B9A5AC}"/>
-              </a:ext>
-            </a:extLst>
-          </p:cNvPr>
-          <p:cNvSpPr/>
-          <p:nvPr/>
-        </p:nvSpPr>
-        <p:spPr>
-          <a:xfrm>
-            <a:off x="3779912" y="1048558"/>
-            <a:ext cx="1440160" cy="268948"/>
-          </a:xfrm>
-          <a:prstGeom prst="roundRect">
-            <a:avLst>
-              <a:gd name="adj" fmla="val 14105"/>
-            </a:avLst>
-          </a:prstGeom>
-          <a:solidFill>
-            <a:schemeClr val="accent2">
-              <a:lumMod val="20000"/>
-              <a:lumOff val="80000"/>
-            </a:schemeClr>
-          </a:solidFill>
-        </p:spPr>
-        <p:style>
-          <a:lnRef idx="2">
-            <a:schemeClr val="dk1"/>
-          </a:lnRef>
-          <a:fillRef idx="1">
-            <a:schemeClr val="lt1"/>
-          </a:fillRef>
-          <a:effectRef idx="0">
-            <a:schemeClr val="dk1"/>
-          </a:effectRef>
-          <a:fontRef idx="minor">
-            <a:schemeClr val="dk1"/>
-          </a:fontRef>
-        </p:style>
-        <p:txBody>
-          <a:bodyPr rtlCol="0" anchor="ctr"/>
-          <a:lstStyle/>
-          <a:p>
-            <a:pPr algn="ctr"/>
-            <a:r>
-              <a:rPr lang="en-US" altLang="ko-KR" sz="1100"/>
-              <a:t>Partition </a:t>
-            </a:r>
-            <a:r>
-              <a:rPr lang="en-US" altLang="ko-KR" sz="1100" dirty="0"/>
-              <a:t>1</a:t>
-            </a:r>
-            <a:endParaRPr lang="ko-KR" altLang="en-US" sz="1100" dirty="0"/>
-          </a:p>
-        </p:txBody>
-      </p:sp>
-      <p:sp>
-        <p:nvSpPr>
-          <p:cNvPr id="68" name="사각형: 둥근 모서리 67">
-            <a:extLst>
-              <a:ext uri="{FF2B5EF4-FFF2-40B4-BE49-F238E27FC236}">
-                <a16:creationId xmlns:a16="http://schemas.microsoft.com/office/drawing/2014/main" id="{8E094E8F-532F-442F-B6E4-AEF302B45199}"/>
-              </a:ext>
-            </a:extLst>
-          </p:cNvPr>
-          <p:cNvSpPr/>
-          <p:nvPr/>
-        </p:nvSpPr>
-        <p:spPr>
-          <a:xfrm>
-            <a:off x="5868144" y="682345"/>
-            <a:ext cx="1440160" cy="268948"/>
-          </a:xfrm>
-          <a:prstGeom prst="roundRect">
-            <a:avLst>
-              <a:gd name="adj" fmla="val 14105"/>
-            </a:avLst>
-          </a:prstGeom>
-          <a:solidFill>
-            <a:schemeClr val="accent1">
-              <a:lumMod val="20000"/>
-              <a:lumOff val="80000"/>
-            </a:schemeClr>
-          </a:solidFill>
-        </p:spPr>
-        <p:style>
-          <a:lnRef idx="2">
-            <a:schemeClr val="dk1"/>
-          </a:lnRef>
-          <a:fillRef idx="1">
-            <a:schemeClr val="lt1"/>
-          </a:fillRef>
-          <a:effectRef idx="0">
-            <a:schemeClr val="dk1"/>
-          </a:effectRef>
-          <a:fontRef idx="minor">
-            <a:schemeClr val="dk1"/>
-          </a:fontRef>
-        </p:style>
-        <p:txBody>
-          <a:bodyPr rtlCol="0" anchor="ctr"/>
-          <a:lstStyle/>
-          <a:p>
-            <a:pPr algn="ctr"/>
-            <a:r>
-              <a:rPr lang="en-US" altLang="ko-KR" sz="1100"/>
-              <a:t>Partition </a:t>
-            </a:r>
-            <a:r>
-              <a:rPr lang="en-US" altLang="ko-KR" sz="1100" dirty="0"/>
-              <a:t>0</a:t>
-            </a:r>
-            <a:endParaRPr lang="ko-KR" altLang="en-US" sz="1100" dirty="0"/>
-          </a:p>
-        </p:txBody>
-      </p:sp>
-      <p:sp>
-        <p:nvSpPr>
-          <p:cNvPr id="69" name="사각형: 둥근 모서리 68">
-            <a:extLst>
-              <a:ext uri="{FF2B5EF4-FFF2-40B4-BE49-F238E27FC236}">
-                <a16:creationId xmlns:a16="http://schemas.microsoft.com/office/drawing/2014/main" id="{5CBD8317-73E4-404D-BF25-BA454EE35500}"/>
-              </a:ext>
-            </a:extLst>
-          </p:cNvPr>
-          <p:cNvSpPr/>
-          <p:nvPr/>
-        </p:nvSpPr>
-        <p:spPr>
-          <a:xfrm>
-            <a:off x="5868144" y="1048558"/>
-            <a:ext cx="1440160" cy="268948"/>
-          </a:xfrm>
-          <a:prstGeom prst="roundRect">
-            <a:avLst>
-              <a:gd name="adj" fmla="val 14105"/>
-            </a:avLst>
-          </a:prstGeom>
-          <a:solidFill>
-            <a:schemeClr val="accent1">
-              <a:lumMod val="20000"/>
-              <a:lumOff val="80000"/>
-            </a:schemeClr>
-          </a:solidFill>
-        </p:spPr>
-        <p:style>
-          <a:lnRef idx="2">
-            <a:schemeClr val="dk1"/>
-          </a:lnRef>
-          <a:fillRef idx="1">
-            <a:schemeClr val="lt1"/>
-          </a:fillRef>
-          <a:effectRef idx="0">
-            <a:schemeClr val="dk1"/>
-          </a:effectRef>
-          <a:fontRef idx="minor">
-            <a:schemeClr val="dk1"/>
-          </a:fontRef>
-        </p:style>
-        <p:txBody>
-          <a:bodyPr rtlCol="0" anchor="ctr"/>
-          <a:lstStyle/>
-          <a:p>
-            <a:pPr algn="ctr"/>
-            <a:r>
-              <a:rPr lang="en-US" altLang="ko-KR" sz="1100"/>
-              <a:t>Partition </a:t>
-            </a:r>
-            <a:r>
-              <a:rPr lang="en-US" altLang="ko-KR" sz="1100" dirty="0"/>
-              <a:t>1</a:t>
-            </a:r>
-            <a:endParaRPr lang="ko-KR" altLang="en-US" sz="1100" dirty="0"/>
-          </a:p>
-        </p:txBody>
-      </p:sp>
-      <p:sp>
-        <p:nvSpPr>
-          <p:cNvPr id="31" name="사각형: 둥근 모서리 30">
-            <a:extLst>
-              <a:ext uri="{FF2B5EF4-FFF2-40B4-BE49-F238E27FC236}">
-                <a16:creationId xmlns:a16="http://schemas.microsoft.com/office/drawing/2014/main" id="{0D9F8112-227F-4F6E-A135-A2A694B0FCDB}"/>
-              </a:ext>
-            </a:extLst>
-          </p:cNvPr>
-          <p:cNvSpPr/>
-          <p:nvPr/>
-        </p:nvSpPr>
-        <p:spPr>
-          <a:xfrm>
-            <a:off x="1568670" y="1720585"/>
-            <a:ext cx="5862644" cy="633079"/>
-          </a:xfrm>
-          <a:prstGeom prst="roundRect">
-            <a:avLst>
-              <a:gd name="adj" fmla="val 9108"/>
-            </a:avLst>
-          </a:prstGeom>
-          <a:noFill/>
-          <a:ln>
-            <a:prstDash val="dash"/>
-          </a:ln>
-        </p:spPr>
-        <p:style>
-          <a:lnRef idx="2">
-            <a:schemeClr val="dk1"/>
-          </a:lnRef>
-          <a:fillRef idx="1">
-            <a:schemeClr val="lt1"/>
-          </a:fillRef>
-          <a:effectRef idx="0">
-            <a:schemeClr val="dk1"/>
-          </a:effectRef>
-          <a:fontRef idx="minor">
-            <a:schemeClr val="dk1"/>
-          </a:fontRef>
-        </p:style>
-        <p:txBody>
-          <a:bodyPr rtlCol="0" anchor="b"/>
-          <a:lstStyle/>
-          <a:p>
-            <a:pPr algn="ctr"/>
-            <a:r>
-              <a:rPr lang="en-US" altLang="ko-KR" sz="1400"/>
-              <a:t>Topic B</a:t>
-            </a:r>
-            <a:endParaRPr lang="ko-KR" altLang="en-US" sz="1400"/>
-          </a:p>
-        </p:txBody>
-      </p:sp>
-      <p:sp>
-        <p:nvSpPr>
-          <p:cNvPr id="32" name="사각형: 둥근 모서리 31">
-            <a:extLst>
-              <a:ext uri="{FF2B5EF4-FFF2-40B4-BE49-F238E27FC236}">
-                <a16:creationId xmlns:a16="http://schemas.microsoft.com/office/drawing/2014/main" id="{4E1C50CF-EB0B-4961-9D79-9F68FF1B10AD}"/>
-              </a:ext>
-            </a:extLst>
-          </p:cNvPr>
-          <p:cNvSpPr/>
-          <p:nvPr/>
-        </p:nvSpPr>
-        <p:spPr>
-          <a:xfrm>
-            <a:off x="1568670" y="2434221"/>
-            <a:ext cx="5862644" cy="1426913"/>
-          </a:xfrm>
-          <a:prstGeom prst="roundRect">
-            <a:avLst>
-              <a:gd name="adj" fmla="val 5548"/>
-            </a:avLst>
-          </a:prstGeom>
-          <a:noFill/>
-          <a:ln>
-            <a:prstDash val="dash"/>
-          </a:ln>
-        </p:spPr>
-        <p:style>
-          <a:lnRef idx="2">
-            <a:schemeClr val="dk1"/>
-          </a:lnRef>
-          <a:fillRef idx="1">
-            <a:schemeClr val="lt1"/>
-          </a:fillRef>
-          <a:effectRef idx="0">
-            <a:schemeClr val="dk1"/>
-          </a:effectRef>
-          <a:fontRef idx="minor">
-            <a:schemeClr val="dk1"/>
-          </a:fontRef>
-        </p:style>
-        <p:txBody>
-          <a:bodyPr rtlCol="0" anchor="b"/>
-          <a:lstStyle/>
-          <a:p>
-            <a:pPr algn="ctr"/>
-            <a:r>
-              <a:rPr lang="en-US" altLang="ko-KR" sz="1400"/>
-              <a:t>Topic C</a:t>
-            </a:r>
-            <a:endParaRPr lang="ko-KR" altLang="en-US" sz="1400"/>
-          </a:p>
-        </p:txBody>
-      </p:sp>
-      <p:sp>
-        <p:nvSpPr>
-          <p:cNvPr id="34" name="사각형: 둥근 모서리 33">
-            <a:extLst>
-              <a:ext uri="{FF2B5EF4-FFF2-40B4-BE49-F238E27FC236}">
-                <a16:creationId xmlns:a16="http://schemas.microsoft.com/office/drawing/2014/main" id="{886B18E4-F82A-431B-95F8-1DC0095C6A39}"/>
-              </a:ext>
-            </a:extLst>
-          </p:cNvPr>
-          <p:cNvSpPr/>
-          <p:nvPr/>
-        </p:nvSpPr>
-        <p:spPr>
-          <a:xfrm>
-            <a:off x="2627784" y="4703308"/>
-            <a:ext cx="648072" cy="246063"/>
-          </a:xfrm>
-          <a:prstGeom prst="roundRect">
-            <a:avLst>
-              <a:gd name="adj" fmla="val 14105"/>
-            </a:avLst>
-          </a:prstGeom>
-          <a:solidFill>
-            <a:schemeClr val="accent2">
-              <a:lumMod val="20000"/>
-              <a:lumOff val="80000"/>
-            </a:schemeClr>
-          </a:solidFill>
-        </p:spPr>
-        <p:style>
-          <a:lnRef idx="2">
-            <a:schemeClr val="dk1"/>
-          </a:lnRef>
-          <a:fillRef idx="1">
-            <a:schemeClr val="lt1"/>
-          </a:fillRef>
-          <a:effectRef idx="0">
-            <a:schemeClr val="dk1"/>
-          </a:effectRef>
-          <a:fontRef idx="minor">
-            <a:schemeClr val="dk1"/>
-          </a:fontRef>
-        </p:style>
-        <p:txBody>
-          <a:bodyPr rtlCol="0" anchor="ctr"/>
-          <a:lstStyle/>
-          <a:p>
-            <a:pPr algn="ctr"/>
-            <a:endParaRPr lang="ko-KR" altLang="en-US" sz="1100" dirty="0"/>
-          </a:p>
-        </p:txBody>
-      </p:sp>
-      <p:sp>
-        <p:nvSpPr>
-          <p:cNvPr id="35" name="사각형: 둥근 모서리 34">
-            <a:extLst>
-              <a:ext uri="{FF2B5EF4-FFF2-40B4-BE49-F238E27FC236}">
-                <a16:creationId xmlns:a16="http://schemas.microsoft.com/office/drawing/2014/main" id="{5552FB7B-B9C6-4993-867C-BD77AB3DB5A5}"/>
-              </a:ext>
-            </a:extLst>
-          </p:cNvPr>
-          <p:cNvSpPr/>
-          <p:nvPr/>
-        </p:nvSpPr>
-        <p:spPr>
-          <a:xfrm>
-            <a:off x="4735962" y="4703307"/>
-            <a:ext cx="648072" cy="246063"/>
-          </a:xfrm>
-          <a:prstGeom prst="roundRect">
-            <a:avLst>
-              <a:gd name="adj" fmla="val 14105"/>
-            </a:avLst>
-          </a:prstGeom>
-          <a:solidFill>
-            <a:schemeClr val="accent1">
-              <a:lumMod val="20000"/>
-              <a:lumOff val="80000"/>
-            </a:schemeClr>
-          </a:solidFill>
-        </p:spPr>
-        <p:style>
-          <a:lnRef idx="2">
-            <a:schemeClr val="dk1"/>
-          </a:lnRef>
-          <a:fillRef idx="1">
-            <a:schemeClr val="lt1"/>
-          </a:fillRef>
-          <a:effectRef idx="0">
-            <a:schemeClr val="dk1"/>
-          </a:effectRef>
-          <a:fontRef idx="minor">
-            <a:schemeClr val="dk1"/>
-          </a:fontRef>
-        </p:style>
-        <p:txBody>
-          <a:bodyPr rtlCol="0" anchor="ctr"/>
-          <a:lstStyle/>
-          <a:p>
-            <a:pPr algn="ctr"/>
-            <a:endParaRPr lang="ko-KR" altLang="en-US" sz="1100" dirty="0"/>
-          </a:p>
-        </p:txBody>
-      </p:sp>
-      <p:sp>
-        <p:nvSpPr>
-          <p:cNvPr id="5" name="TextBox 4">
-            <a:extLst>
-              <a:ext uri="{FF2B5EF4-FFF2-40B4-BE49-F238E27FC236}">
-                <a16:creationId xmlns:a16="http://schemas.microsoft.com/office/drawing/2014/main" id="{AA3D8720-8599-4976-A904-4AB34821EC41}"/>
-              </a:ext>
-            </a:extLst>
-          </p:cNvPr>
-          <p:cNvSpPr txBox="1"/>
-          <p:nvPr/>
-        </p:nvSpPr>
-        <p:spPr>
-          <a:xfrm>
-            <a:off x="3275856" y="4675680"/>
-            <a:ext cx="740026" cy="307777"/>
-          </a:xfrm>
-          <a:prstGeom prst="rect">
-            <a:avLst/>
-          </a:prstGeom>
-          <a:noFill/>
-        </p:spPr>
-        <p:txBody>
-          <a:bodyPr wrap="square" rtlCol="0" anchor="ctr">
-            <a:spAutoFit/>
-          </a:bodyPr>
-          <a:lstStyle/>
-          <a:p>
-            <a:pPr algn="ctr"/>
-            <a:r>
-              <a:rPr lang="en-US" altLang="ko-KR" sz="1400"/>
-              <a:t>Leader</a:t>
-            </a:r>
-            <a:endParaRPr lang="ko-KR" altLang="en-US" sz="1400"/>
-          </a:p>
-        </p:txBody>
-      </p:sp>
-      <p:sp>
-        <p:nvSpPr>
-          <p:cNvPr id="37" name="TextBox 36">
-            <a:extLst>
-              <a:ext uri="{FF2B5EF4-FFF2-40B4-BE49-F238E27FC236}">
-                <a16:creationId xmlns:a16="http://schemas.microsoft.com/office/drawing/2014/main" id="{138F7836-E78C-4A74-A5F9-9B87C18B1EB8}"/>
-              </a:ext>
-            </a:extLst>
-          </p:cNvPr>
-          <p:cNvSpPr txBox="1"/>
-          <p:nvPr/>
-        </p:nvSpPr>
-        <p:spPr>
-          <a:xfrm>
-            <a:off x="5384034" y="4675680"/>
-            <a:ext cx="792088" cy="307777"/>
-          </a:xfrm>
-          <a:prstGeom prst="rect">
-            <a:avLst/>
-          </a:prstGeom>
-          <a:noFill/>
-        </p:spPr>
-        <p:txBody>
-          <a:bodyPr wrap="square" rtlCol="0" anchor="ctr">
-            <a:spAutoFit/>
-          </a:bodyPr>
-          <a:lstStyle/>
-          <a:p>
-            <a:pPr algn="ctr"/>
-            <a:r>
-              <a:rPr lang="en-US" altLang="ko-KR" sz="1400"/>
-              <a:t>Replica</a:t>
-            </a:r>
-            <a:endParaRPr lang="ko-KR" altLang="en-US" sz="1400"/>
-          </a:p>
-        </p:txBody>
-      </p:sp>
-    </p:spTree>
-    <p:extLst>
-      <p:ext uri="{BB962C8B-B14F-4D97-AF65-F5344CB8AC3E}">
-        <p14:creationId xmlns:p14="http://schemas.microsoft.com/office/powerpoint/2010/main" val="1292196781"/>
       </p:ext>
     </p:extLst>
   </p:cSld>

--- a/images/theory_analysis/Kafka/Kafka.pptx
+++ b/images/theory_analysis/Kafka/Kafka.pptx
@@ -5,13 +5,15 @@
     <p:sldMasterId id="2147483648" r:id="rId1"/>
   </p:sldMasterIdLst>
   <p:notesMasterIdLst>
-    <p:notesMasterId r:id="rId6"/>
+    <p:notesMasterId r:id="rId8"/>
   </p:notesMasterIdLst>
   <p:sldIdLst>
     <p:sldId id="360" r:id="rId2"/>
-    <p:sldId id="362" r:id="rId3"/>
-    <p:sldId id="363" r:id="rId4"/>
-    <p:sldId id="359" r:id="rId5"/>
+    <p:sldId id="364" r:id="rId3"/>
+    <p:sldId id="365" r:id="rId4"/>
+    <p:sldId id="362" r:id="rId5"/>
+    <p:sldId id="363" r:id="rId6"/>
+    <p:sldId id="359" r:id="rId7"/>
   </p:sldIdLst>
   <p:sldSz cx="9144000" cy="5143500" type="screen16x9"/>
   <p:notesSz cx="6858000" cy="9144000"/>
@@ -146,20 +148,6 @@
 </p:cmAuthorLst>
 </file>
 
-<file path=ppt/comments/comment1.xml><?xml version="1.0" encoding="utf-8"?>
-<p:cmLst xmlns:a="http://schemas.openxmlformats.org/drawingml/2006/main" xmlns:r="http://schemas.openxmlformats.org/officeDocument/2006/relationships" xmlns:p="http://schemas.openxmlformats.org/presentationml/2006/main">
-  <p:cm authorId="1" dt="2019-02-22T00:46:10.957" idx="1">
-    <p:pos x="10" y="10"/>
-    <p:text/>
-    <p:extLst>
-      <p:ext uri="{C676402C-5697-4E1C-873F-D02D1690AC5C}">
-        <p15:threadingInfo xmlns:p15="http://schemas.microsoft.com/office/powerpoint/2012/main" timeZoneBias="-540"/>
-      </p:ext>
-    </p:extLst>
-  </p:cm>
-</p:cmLst>
-</file>
-
 <file path=ppt/notesMasters/notesMaster1.xml><?xml version="1.0" encoding="utf-8"?>
 <p:notesMaster xmlns:a="http://schemas.openxmlformats.org/drawingml/2006/main" xmlns:r="http://schemas.openxmlformats.org/officeDocument/2006/relationships" xmlns:p="http://schemas.openxmlformats.org/presentationml/2006/main">
   <p:cSld>
@@ -242,7 +230,7 @@
           <a:p>
             <a:fld id="{6CD5550B-26C4-49A9-A5BA-636EF7BE6CE9}" type="datetimeFigureOut">
               <a:rPr lang="ko-KR" altLang="en-US" smtClean="0"/>
-              <a:t>2019-02-22</a:t>
+              <a:t>2019-02-23</a:t>
             </a:fld>
             <a:endParaRPr lang="ko-KR" altLang="en-US"/>
           </a:p>
@@ -667,7 +655,7 @@
     </p:spTree>
     <p:extLst>
       <p:ext uri="{BB962C8B-B14F-4D97-AF65-F5344CB8AC3E}">
-        <p14:creationId xmlns:p14="http://schemas.microsoft.com/office/powerpoint/2010/main" val="3264387052"/>
+        <p14:creationId xmlns:p14="http://schemas.microsoft.com/office/powerpoint/2010/main" val="3101953851"/>
       </p:ext>
     </p:extLst>
   </p:cSld>
@@ -742,7 +730,175 @@
           <a:p>
             <a:fld id="{BA5DFA43-8D57-47FB-BC46-057616015C3B}" type="slidenum">
               <a:rPr lang="ko-KR" altLang="en-US" smtClean="0"/>
+              <a:t>3</a:t>
+            </a:fld>
+            <a:endParaRPr lang="ko-KR" altLang="en-US"/>
+          </a:p>
+        </p:txBody>
+      </p:sp>
+    </p:spTree>
+    <p:extLst>
+      <p:ext uri="{BB962C8B-B14F-4D97-AF65-F5344CB8AC3E}">
+        <p14:creationId xmlns:p14="http://schemas.microsoft.com/office/powerpoint/2010/main" val="4264402543"/>
+      </p:ext>
+    </p:extLst>
+  </p:cSld>
+  <p:clrMapOvr>
+    <a:masterClrMapping/>
+  </p:clrMapOvr>
+</p:notes>
+</file>
+
+<file path=ppt/notesSlides/notesSlide4.xml><?xml version="1.0" encoding="utf-8"?>
+<p:notes xmlns:a="http://schemas.openxmlformats.org/drawingml/2006/main" xmlns:r="http://schemas.openxmlformats.org/officeDocument/2006/relationships" xmlns:p="http://schemas.openxmlformats.org/presentationml/2006/main">
+  <p:cSld>
+    <p:spTree>
+      <p:nvGrpSpPr>
+        <p:cNvPr id="1" name=""/>
+        <p:cNvGrpSpPr/>
+        <p:nvPr/>
+      </p:nvGrpSpPr>
+      <p:grpSpPr>
+        <a:xfrm>
+          <a:off x="0" y="0"/>
+          <a:ext cx="0" cy="0"/>
+          <a:chOff x="0" y="0"/>
+          <a:chExt cx="0" cy="0"/>
+        </a:xfrm>
+      </p:grpSpPr>
+      <p:sp>
+        <p:nvSpPr>
+          <p:cNvPr id="2" name="슬라이드 이미지 개체 틀 1"/>
+          <p:cNvSpPr>
+            <a:spLocks noGrp="1" noRot="1" noChangeAspect="1"/>
+          </p:cNvSpPr>
+          <p:nvPr>
+            <p:ph type="sldImg"/>
+          </p:nvPr>
+        </p:nvSpPr>
+        <p:spPr/>
+      </p:sp>
+      <p:sp>
+        <p:nvSpPr>
+          <p:cNvPr id="3" name="슬라이드 노트 개체 틀 2"/>
+          <p:cNvSpPr>
+            <a:spLocks noGrp="1"/>
+          </p:cNvSpPr>
+          <p:nvPr>
+            <p:ph type="body" idx="1"/>
+          </p:nvPr>
+        </p:nvSpPr>
+        <p:spPr/>
+        <p:txBody>
+          <a:bodyPr/>
+          <a:lstStyle/>
+          <a:p>
+            <a:endParaRPr lang="ko-KR" altLang="en-US" dirty="0"/>
+          </a:p>
+        </p:txBody>
+      </p:sp>
+      <p:sp>
+        <p:nvSpPr>
+          <p:cNvPr id="4" name="슬라이드 번호 개체 틀 3"/>
+          <p:cNvSpPr>
+            <a:spLocks noGrp="1"/>
+          </p:cNvSpPr>
+          <p:nvPr>
+            <p:ph type="sldNum" sz="quarter" idx="10"/>
+          </p:nvPr>
+        </p:nvSpPr>
+        <p:spPr/>
+        <p:txBody>
+          <a:bodyPr/>
+          <a:lstStyle/>
+          <a:p>
+            <a:fld id="{BA5DFA43-8D57-47FB-BC46-057616015C3B}" type="slidenum">
+              <a:rPr lang="ko-KR" altLang="en-US" smtClean="0"/>
               <a:t>4</a:t>
+            </a:fld>
+            <a:endParaRPr lang="ko-KR" altLang="en-US"/>
+          </a:p>
+        </p:txBody>
+      </p:sp>
+    </p:spTree>
+    <p:extLst>
+      <p:ext uri="{BB962C8B-B14F-4D97-AF65-F5344CB8AC3E}">
+        <p14:creationId xmlns:p14="http://schemas.microsoft.com/office/powerpoint/2010/main" val="3264387052"/>
+      </p:ext>
+    </p:extLst>
+  </p:cSld>
+  <p:clrMapOvr>
+    <a:masterClrMapping/>
+  </p:clrMapOvr>
+</p:notes>
+</file>
+
+<file path=ppt/notesSlides/notesSlide5.xml><?xml version="1.0" encoding="utf-8"?>
+<p:notes xmlns:a="http://schemas.openxmlformats.org/drawingml/2006/main" xmlns:r="http://schemas.openxmlformats.org/officeDocument/2006/relationships" xmlns:p="http://schemas.openxmlformats.org/presentationml/2006/main">
+  <p:cSld>
+    <p:spTree>
+      <p:nvGrpSpPr>
+        <p:cNvPr id="1" name=""/>
+        <p:cNvGrpSpPr/>
+        <p:nvPr/>
+      </p:nvGrpSpPr>
+      <p:grpSpPr>
+        <a:xfrm>
+          <a:off x="0" y="0"/>
+          <a:ext cx="0" cy="0"/>
+          <a:chOff x="0" y="0"/>
+          <a:chExt cx="0" cy="0"/>
+        </a:xfrm>
+      </p:grpSpPr>
+      <p:sp>
+        <p:nvSpPr>
+          <p:cNvPr id="2" name="슬라이드 이미지 개체 틀 1"/>
+          <p:cNvSpPr>
+            <a:spLocks noGrp="1" noRot="1" noChangeAspect="1"/>
+          </p:cNvSpPr>
+          <p:nvPr>
+            <p:ph type="sldImg"/>
+          </p:nvPr>
+        </p:nvSpPr>
+        <p:spPr/>
+      </p:sp>
+      <p:sp>
+        <p:nvSpPr>
+          <p:cNvPr id="3" name="슬라이드 노트 개체 틀 2"/>
+          <p:cNvSpPr>
+            <a:spLocks noGrp="1"/>
+          </p:cNvSpPr>
+          <p:nvPr>
+            <p:ph type="body" idx="1"/>
+          </p:nvPr>
+        </p:nvSpPr>
+        <p:spPr/>
+        <p:txBody>
+          <a:bodyPr/>
+          <a:lstStyle/>
+          <a:p>
+            <a:endParaRPr lang="ko-KR" altLang="en-US" dirty="0"/>
+          </a:p>
+        </p:txBody>
+      </p:sp>
+      <p:sp>
+        <p:nvSpPr>
+          <p:cNvPr id="4" name="슬라이드 번호 개체 틀 3"/>
+          <p:cNvSpPr>
+            <a:spLocks noGrp="1"/>
+          </p:cNvSpPr>
+          <p:nvPr>
+            <p:ph type="sldNum" sz="quarter" idx="10"/>
+          </p:nvPr>
+        </p:nvSpPr>
+        <p:spPr/>
+        <p:txBody>
+          <a:bodyPr/>
+          <a:lstStyle/>
+          <a:p>
+            <a:fld id="{BA5DFA43-8D57-47FB-BC46-057616015C3B}" type="slidenum">
+              <a:rPr lang="ko-KR" altLang="en-US" smtClean="0"/>
+              <a:t>6</a:t>
             </a:fld>
             <a:endParaRPr lang="ko-KR" altLang="en-US"/>
           </a:p>
@@ -940,7 +1096,7 @@
           <a:p>
             <a:fld id="{FB30EDBD-1C2D-4C1E-B459-B60219FAB484}" type="datetimeFigureOut">
               <a:rPr lang="ko-KR" altLang="en-US" smtClean="0"/>
-              <a:t>2019-02-22</a:t>
+              <a:t>2019-02-23</a:t>
             </a:fld>
             <a:endParaRPr lang="ko-KR" altLang="en-US"/>
           </a:p>
@@ -1103,7 +1259,7 @@
           <a:p>
             <a:fld id="{FB30EDBD-1C2D-4C1E-B459-B60219FAB484}" type="datetimeFigureOut">
               <a:rPr lang="ko-KR" altLang="en-US" smtClean="0"/>
-              <a:t>2019-02-22</a:t>
+              <a:t>2019-02-23</a:t>
             </a:fld>
             <a:endParaRPr lang="ko-KR" altLang="en-US"/>
           </a:p>
@@ -1276,7 +1432,7 @@
           <a:p>
             <a:fld id="{FB30EDBD-1C2D-4C1E-B459-B60219FAB484}" type="datetimeFigureOut">
               <a:rPr lang="ko-KR" altLang="en-US" smtClean="0"/>
-              <a:t>2019-02-22</a:t>
+              <a:t>2019-02-23</a:t>
             </a:fld>
             <a:endParaRPr lang="ko-KR" altLang="en-US"/>
           </a:p>
@@ -1439,7 +1595,7 @@
           <a:p>
             <a:fld id="{FB30EDBD-1C2D-4C1E-B459-B60219FAB484}" type="datetimeFigureOut">
               <a:rPr lang="ko-KR" altLang="en-US" smtClean="0"/>
-              <a:t>2019-02-22</a:t>
+              <a:t>2019-02-23</a:t>
             </a:fld>
             <a:endParaRPr lang="ko-KR" altLang="en-US"/>
           </a:p>
@@ -1679,7 +1835,7 @@
           <a:p>
             <a:fld id="{FB30EDBD-1C2D-4C1E-B459-B60219FAB484}" type="datetimeFigureOut">
               <a:rPr lang="ko-KR" altLang="en-US" smtClean="0"/>
-              <a:t>2019-02-22</a:t>
+              <a:t>2019-02-23</a:t>
             </a:fld>
             <a:endParaRPr lang="ko-KR" altLang="en-US"/>
           </a:p>
@@ -1959,7 +2115,7 @@
           <a:p>
             <a:fld id="{FB30EDBD-1C2D-4C1E-B459-B60219FAB484}" type="datetimeFigureOut">
               <a:rPr lang="ko-KR" altLang="en-US" smtClean="0"/>
-              <a:t>2019-02-22</a:t>
+              <a:t>2019-02-23</a:t>
             </a:fld>
             <a:endParaRPr lang="ko-KR" altLang="en-US"/>
           </a:p>
@@ -2373,7 +2529,7 @@
           <a:p>
             <a:fld id="{FB30EDBD-1C2D-4C1E-B459-B60219FAB484}" type="datetimeFigureOut">
               <a:rPr lang="ko-KR" altLang="en-US" smtClean="0"/>
-              <a:t>2019-02-22</a:t>
+              <a:t>2019-02-23</a:t>
             </a:fld>
             <a:endParaRPr lang="ko-KR" altLang="en-US"/>
           </a:p>
@@ -2485,7 +2641,7 @@
           <a:p>
             <a:fld id="{FB30EDBD-1C2D-4C1E-B459-B60219FAB484}" type="datetimeFigureOut">
               <a:rPr lang="ko-KR" altLang="en-US" smtClean="0"/>
-              <a:t>2019-02-22</a:t>
+              <a:t>2019-02-23</a:t>
             </a:fld>
             <a:endParaRPr lang="ko-KR" altLang="en-US"/>
           </a:p>
@@ -2575,7 +2731,7 @@
           <a:p>
             <a:fld id="{FB30EDBD-1C2D-4C1E-B459-B60219FAB484}" type="datetimeFigureOut">
               <a:rPr lang="ko-KR" altLang="en-US" smtClean="0"/>
-              <a:t>2019-02-22</a:t>
+              <a:t>2019-02-23</a:t>
             </a:fld>
             <a:endParaRPr lang="ko-KR" altLang="en-US"/>
           </a:p>
@@ -2845,7 +3001,7 @@
           <a:p>
             <a:fld id="{FB30EDBD-1C2D-4C1E-B459-B60219FAB484}" type="datetimeFigureOut">
               <a:rPr lang="ko-KR" altLang="en-US" smtClean="0"/>
-              <a:t>2019-02-22</a:t>
+              <a:t>2019-02-23</a:t>
             </a:fld>
             <a:endParaRPr lang="ko-KR" altLang="en-US"/>
           </a:p>
@@ -3092,7 +3248,7 @@
           <a:p>
             <a:fld id="{FB30EDBD-1C2D-4C1E-B459-B60219FAB484}" type="datetimeFigureOut">
               <a:rPr lang="ko-KR" altLang="en-US" smtClean="0"/>
-              <a:t>2019-02-22</a:t>
+              <a:t>2019-02-23</a:t>
             </a:fld>
             <a:endParaRPr lang="ko-KR" altLang="en-US"/>
           </a:p>
@@ -3298,7 +3454,7 @@
           <a:p>
             <a:fld id="{FB30EDBD-1C2D-4C1E-B459-B60219FAB484}" type="datetimeFigureOut">
               <a:rPr lang="ko-KR" altLang="en-US" smtClean="0"/>
-              <a:t>2019-02-22</a:t>
+              <a:t>2019-02-23</a:t>
             </a:fld>
             <a:endParaRPr lang="ko-KR" altLang="en-US"/>
           </a:p>
@@ -3744,519 +3900,465 @@
           </a:p>
         </p:txBody>
       </p:sp>
-      <p:grpSp>
-        <p:nvGrpSpPr>
-          <p:cNvPr id="15" name="그룹 14">
-            <a:extLst>
-              <a:ext uri="{FF2B5EF4-FFF2-40B4-BE49-F238E27FC236}">
-                <a16:creationId xmlns:a16="http://schemas.microsoft.com/office/drawing/2014/main" id="{CD26FB22-B322-4962-A422-66B7AFBE198B}"/>
-              </a:ext>
-            </a:extLst>
-          </p:cNvPr>
-          <p:cNvGrpSpPr/>
-          <p:nvPr/>
-        </p:nvGrpSpPr>
-        <p:grpSpPr>
-          <a:xfrm>
-            <a:off x="1425785" y="1474533"/>
+      <p:sp>
+        <p:nvSpPr>
+          <p:cNvPr id="7" name="사각형: 둥근 모서리 6">
+            <a:extLst>
+              <a:ext uri="{FF2B5EF4-FFF2-40B4-BE49-F238E27FC236}">
+                <a16:creationId xmlns:a16="http://schemas.microsoft.com/office/drawing/2014/main" id="{43605E7C-158D-49F1-8506-CEF09E8CC589}"/>
+              </a:ext>
+            </a:extLst>
+          </p:cNvPr>
+          <p:cNvSpPr/>
+          <p:nvPr/>
+        </p:nvSpPr>
+        <p:spPr>
+          <a:xfrm>
+            <a:off x="1425785" y="1466034"/>
             <a:ext cx="1971950" cy="1644345"/>
-            <a:chOff x="1259632" y="2067694"/>
-            <a:chExt cx="1728192" cy="2016224"/>
-          </a:xfrm>
-        </p:grpSpPr>
-        <p:sp>
-          <p:nvSpPr>
-            <p:cNvPr id="7" name="사각형: 둥근 모서리 6">
-              <a:extLst>
-                <a:ext uri="{FF2B5EF4-FFF2-40B4-BE49-F238E27FC236}">
-                  <a16:creationId xmlns:a16="http://schemas.microsoft.com/office/drawing/2014/main" id="{43605E7C-158D-49F1-8506-CEF09E8CC589}"/>
-                </a:ext>
-              </a:extLst>
-            </p:cNvPr>
-            <p:cNvSpPr/>
-            <p:nvPr/>
-          </p:nvSpPr>
-          <p:spPr>
-            <a:xfrm>
-              <a:off x="1259632" y="2067694"/>
-              <a:ext cx="1728192" cy="2016224"/>
-            </a:xfrm>
-            <a:prstGeom prst="roundRect">
-              <a:avLst>
-                <a:gd name="adj" fmla="val 4182"/>
-              </a:avLst>
-            </a:prstGeom>
-          </p:spPr>
-          <p:style>
-            <a:lnRef idx="2">
-              <a:schemeClr val="dk1"/>
-            </a:lnRef>
-            <a:fillRef idx="1">
-              <a:schemeClr val="lt1"/>
-            </a:fillRef>
-            <a:effectRef idx="0">
-              <a:schemeClr val="dk1"/>
-            </a:effectRef>
-            <a:fontRef idx="minor">
-              <a:schemeClr val="dk1"/>
-            </a:fontRef>
-          </p:style>
-          <p:txBody>
-            <a:bodyPr rtlCol="0" anchor="t"/>
-            <a:lstStyle/>
-            <a:p>
-              <a:pPr algn="ctr"/>
-              <a:r>
-                <a:rPr lang="en-US" altLang="ko-KR" sz="1400" dirty="0"/>
-                <a:t>Topic A</a:t>
-              </a:r>
-              <a:endParaRPr lang="ko-KR" altLang="en-US" sz="1400" dirty="0"/>
-            </a:p>
-          </p:txBody>
-        </p:sp>
-        <p:sp>
-          <p:nvSpPr>
-            <p:cNvPr id="13" name="사각형: 둥근 모서리 12">
-              <a:extLst>
-                <a:ext uri="{FF2B5EF4-FFF2-40B4-BE49-F238E27FC236}">
-                  <a16:creationId xmlns:a16="http://schemas.microsoft.com/office/drawing/2014/main" id="{22E7F032-13ED-4575-8F3C-092CC530ABC3}"/>
-                </a:ext>
-              </a:extLst>
-            </p:cNvPr>
-            <p:cNvSpPr/>
-            <p:nvPr/>
-          </p:nvSpPr>
-          <p:spPr>
-            <a:xfrm>
-              <a:off x="1403648" y="2489600"/>
-              <a:ext cx="1440160" cy="370182"/>
-            </a:xfrm>
-            <a:prstGeom prst="roundRect">
-              <a:avLst>
-                <a:gd name="adj" fmla="val 14105"/>
-              </a:avLst>
-            </a:prstGeom>
-          </p:spPr>
-          <p:style>
-            <a:lnRef idx="2">
-              <a:schemeClr val="dk1"/>
-            </a:lnRef>
-            <a:fillRef idx="1">
-              <a:schemeClr val="lt1"/>
-            </a:fillRef>
-            <a:effectRef idx="0">
-              <a:schemeClr val="dk1"/>
-            </a:effectRef>
-            <a:fontRef idx="minor">
-              <a:schemeClr val="dk1"/>
-            </a:fontRef>
-          </p:style>
-          <p:txBody>
-            <a:bodyPr rtlCol="0" anchor="ctr"/>
-            <a:lstStyle/>
-            <a:p>
-              <a:pPr algn="ctr"/>
-              <a:r>
-                <a:rPr lang="en-US" altLang="ko-KR" sz="1400" dirty="0"/>
-                <a:t>Partition 0</a:t>
-              </a:r>
-              <a:endParaRPr lang="ko-KR" altLang="en-US" sz="1400" dirty="0"/>
-            </a:p>
-          </p:txBody>
-        </p:sp>
-        <p:sp>
-          <p:nvSpPr>
-            <p:cNvPr id="14" name="사각형: 둥근 모서리 13">
-              <a:extLst>
-                <a:ext uri="{FF2B5EF4-FFF2-40B4-BE49-F238E27FC236}">
-                  <a16:creationId xmlns:a16="http://schemas.microsoft.com/office/drawing/2014/main" id="{DF001E3F-CC52-44A6-A024-1F8E5EEE3BE4}"/>
-                </a:ext>
-              </a:extLst>
-            </p:cNvPr>
-            <p:cNvSpPr/>
-            <p:nvPr/>
-          </p:nvSpPr>
-          <p:spPr>
-            <a:xfrm>
-              <a:off x="1403648" y="3008413"/>
-              <a:ext cx="1440160" cy="370182"/>
-            </a:xfrm>
-            <a:prstGeom prst="roundRect">
-              <a:avLst>
-                <a:gd name="adj" fmla="val 14105"/>
-              </a:avLst>
-            </a:prstGeom>
-          </p:spPr>
-          <p:style>
-            <a:lnRef idx="2">
-              <a:schemeClr val="dk1"/>
-            </a:lnRef>
-            <a:fillRef idx="1">
-              <a:schemeClr val="lt1"/>
-            </a:fillRef>
-            <a:effectRef idx="0">
-              <a:schemeClr val="dk1"/>
-            </a:effectRef>
-            <a:fontRef idx="minor">
-              <a:schemeClr val="dk1"/>
-            </a:fontRef>
-          </p:style>
-          <p:txBody>
-            <a:bodyPr rtlCol="0" anchor="ctr"/>
-            <a:lstStyle/>
-            <a:p>
-              <a:pPr algn="ctr"/>
-              <a:r>
-                <a:rPr lang="en-US" altLang="ko-KR" sz="1400" dirty="0"/>
-                <a:t>Partition 1</a:t>
-              </a:r>
-              <a:endParaRPr lang="ko-KR" altLang="en-US" sz="1400" dirty="0"/>
-            </a:p>
-          </p:txBody>
-        </p:sp>
-      </p:grpSp>
-      <p:grpSp>
-        <p:nvGrpSpPr>
-          <p:cNvPr id="16" name="그룹 15">
-            <a:extLst>
-              <a:ext uri="{FF2B5EF4-FFF2-40B4-BE49-F238E27FC236}">
-                <a16:creationId xmlns:a16="http://schemas.microsoft.com/office/drawing/2014/main" id="{A9BAD3D4-86BB-41B1-8177-75D80118A1C8}"/>
-              </a:ext>
-            </a:extLst>
-          </p:cNvPr>
-          <p:cNvGrpSpPr/>
-          <p:nvPr/>
-        </p:nvGrpSpPr>
-        <p:grpSpPr>
-          <a:xfrm>
-            <a:off x="3478013" y="1474533"/>
+          </a:xfrm>
+          <a:prstGeom prst="roundRect">
+            <a:avLst>
+              <a:gd name="adj" fmla="val 4182"/>
+            </a:avLst>
+          </a:prstGeom>
+          <a:ln>
+            <a:prstDash val="dash"/>
+          </a:ln>
+        </p:spPr>
+        <p:style>
+          <a:lnRef idx="2">
+            <a:schemeClr val="dk1"/>
+          </a:lnRef>
+          <a:fillRef idx="1">
+            <a:schemeClr val="lt1"/>
+          </a:fillRef>
+          <a:effectRef idx="0">
+            <a:schemeClr val="dk1"/>
+          </a:effectRef>
+          <a:fontRef idx="minor">
+            <a:schemeClr val="dk1"/>
+          </a:fontRef>
+        </p:style>
+        <p:txBody>
+          <a:bodyPr rtlCol="0" anchor="t"/>
+          <a:lstStyle/>
+          <a:p>
+            <a:pPr algn="ctr"/>
+            <a:r>
+              <a:rPr lang="en-US" altLang="ko-KR" sz="1400" dirty="0"/>
+              <a:t>Topic A</a:t>
+            </a:r>
+            <a:endParaRPr lang="ko-KR" altLang="en-US" sz="1400" dirty="0"/>
+          </a:p>
+        </p:txBody>
+      </p:sp>
+      <p:sp>
+        <p:nvSpPr>
+          <p:cNvPr id="13" name="사각형: 둥근 모서리 12">
+            <a:extLst>
+              <a:ext uri="{FF2B5EF4-FFF2-40B4-BE49-F238E27FC236}">
+                <a16:creationId xmlns:a16="http://schemas.microsoft.com/office/drawing/2014/main" id="{22E7F032-13ED-4575-8F3C-092CC530ABC3}"/>
+              </a:ext>
+            </a:extLst>
+          </p:cNvPr>
+          <p:cNvSpPr/>
+          <p:nvPr/>
+        </p:nvSpPr>
+        <p:spPr>
+          <a:xfrm>
+            <a:off x="1590114" y="1810122"/>
+            <a:ext cx="1643292" cy="301904"/>
+          </a:xfrm>
+          <a:prstGeom prst="roundRect">
+            <a:avLst>
+              <a:gd name="adj" fmla="val 14105"/>
+            </a:avLst>
+          </a:prstGeom>
+        </p:spPr>
+        <p:style>
+          <a:lnRef idx="2">
+            <a:schemeClr val="dk1"/>
+          </a:lnRef>
+          <a:fillRef idx="1">
+            <a:schemeClr val="lt1"/>
+          </a:fillRef>
+          <a:effectRef idx="0">
+            <a:schemeClr val="dk1"/>
+          </a:effectRef>
+          <a:fontRef idx="minor">
+            <a:schemeClr val="dk1"/>
+          </a:fontRef>
+        </p:style>
+        <p:txBody>
+          <a:bodyPr rtlCol="0" anchor="ctr"/>
+          <a:lstStyle/>
+          <a:p>
+            <a:pPr algn="ctr"/>
+            <a:r>
+              <a:rPr lang="en-US" altLang="ko-KR" sz="1400" dirty="0"/>
+              <a:t>Partition 0</a:t>
+            </a:r>
+            <a:endParaRPr lang="ko-KR" altLang="en-US" sz="1400" dirty="0"/>
+          </a:p>
+        </p:txBody>
+      </p:sp>
+      <p:sp>
+        <p:nvSpPr>
+          <p:cNvPr id="14" name="사각형: 둥근 모서리 13">
+            <a:extLst>
+              <a:ext uri="{FF2B5EF4-FFF2-40B4-BE49-F238E27FC236}">
+                <a16:creationId xmlns:a16="http://schemas.microsoft.com/office/drawing/2014/main" id="{DF001E3F-CC52-44A6-A024-1F8E5EEE3BE4}"/>
+              </a:ext>
+            </a:extLst>
+          </p:cNvPr>
+          <p:cNvSpPr/>
+          <p:nvPr/>
+        </p:nvSpPr>
+        <p:spPr>
+          <a:xfrm>
+            <a:off x="1590114" y="2233244"/>
+            <a:ext cx="1643292" cy="301904"/>
+          </a:xfrm>
+          <a:prstGeom prst="roundRect">
+            <a:avLst>
+              <a:gd name="adj" fmla="val 14105"/>
+            </a:avLst>
+          </a:prstGeom>
+        </p:spPr>
+        <p:style>
+          <a:lnRef idx="2">
+            <a:schemeClr val="dk1"/>
+          </a:lnRef>
+          <a:fillRef idx="1">
+            <a:schemeClr val="lt1"/>
+          </a:fillRef>
+          <a:effectRef idx="0">
+            <a:schemeClr val="dk1"/>
+          </a:effectRef>
+          <a:fontRef idx="minor">
+            <a:schemeClr val="dk1"/>
+          </a:fontRef>
+        </p:style>
+        <p:txBody>
+          <a:bodyPr rtlCol="0" anchor="ctr"/>
+          <a:lstStyle/>
+          <a:p>
+            <a:pPr algn="ctr"/>
+            <a:r>
+              <a:rPr lang="en-US" altLang="ko-KR" sz="1400" dirty="0"/>
+              <a:t>Partition 1</a:t>
+            </a:r>
+            <a:endParaRPr lang="ko-KR" altLang="en-US" sz="1400" dirty="0"/>
+          </a:p>
+        </p:txBody>
+      </p:sp>
+      <p:sp>
+        <p:nvSpPr>
+          <p:cNvPr id="17" name="사각형: 둥근 모서리 16">
+            <a:extLst>
+              <a:ext uri="{FF2B5EF4-FFF2-40B4-BE49-F238E27FC236}">
+                <a16:creationId xmlns:a16="http://schemas.microsoft.com/office/drawing/2014/main" id="{81D51EEF-881E-4D40-8D97-72F8E211014A}"/>
+              </a:ext>
+            </a:extLst>
+          </p:cNvPr>
+          <p:cNvSpPr/>
+          <p:nvPr/>
+        </p:nvSpPr>
+        <p:spPr>
+          <a:xfrm>
+            <a:off x="3478013" y="1466034"/>
             <a:ext cx="1971950" cy="1644345"/>
-            <a:chOff x="1259632" y="2067694"/>
-            <a:chExt cx="1728192" cy="2016224"/>
-          </a:xfrm>
-        </p:grpSpPr>
-        <p:sp>
-          <p:nvSpPr>
-            <p:cNvPr id="17" name="사각형: 둥근 모서리 16">
-              <a:extLst>
-                <a:ext uri="{FF2B5EF4-FFF2-40B4-BE49-F238E27FC236}">
-                  <a16:creationId xmlns:a16="http://schemas.microsoft.com/office/drawing/2014/main" id="{81D51EEF-881E-4D40-8D97-72F8E211014A}"/>
-                </a:ext>
-              </a:extLst>
-            </p:cNvPr>
-            <p:cNvSpPr/>
-            <p:nvPr/>
-          </p:nvSpPr>
-          <p:spPr>
-            <a:xfrm>
-              <a:off x="1259632" y="2067694"/>
-              <a:ext cx="1728192" cy="2016224"/>
-            </a:xfrm>
-            <a:prstGeom prst="roundRect">
-              <a:avLst>
-                <a:gd name="adj" fmla="val 4549"/>
-              </a:avLst>
-            </a:prstGeom>
-          </p:spPr>
-          <p:style>
-            <a:lnRef idx="2">
-              <a:schemeClr val="dk1"/>
-            </a:lnRef>
-            <a:fillRef idx="1">
-              <a:schemeClr val="lt1"/>
-            </a:fillRef>
-            <a:effectRef idx="0">
-              <a:schemeClr val="dk1"/>
-            </a:effectRef>
-            <a:fontRef idx="minor">
-              <a:schemeClr val="dk1"/>
-            </a:fontRef>
-          </p:style>
-          <p:txBody>
-            <a:bodyPr rtlCol="0" anchor="t"/>
-            <a:lstStyle/>
-            <a:p>
-              <a:pPr algn="ctr"/>
-              <a:r>
-                <a:rPr lang="en-US" altLang="ko-KR" sz="1400" dirty="0"/>
-                <a:t>Topic B</a:t>
-              </a:r>
-              <a:endParaRPr lang="ko-KR" altLang="en-US" sz="1400" dirty="0"/>
-            </a:p>
-          </p:txBody>
-        </p:sp>
-        <p:sp>
-          <p:nvSpPr>
-            <p:cNvPr id="19" name="사각형: 둥근 모서리 18">
-              <a:extLst>
-                <a:ext uri="{FF2B5EF4-FFF2-40B4-BE49-F238E27FC236}">
-                  <a16:creationId xmlns:a16="http://schemas.microsoft.com/office/drawing/2014/main" id="{89E45E1E-4A30-418C-8291-338E06F96508}"/>
-                </a:ext>
-              </a:extLst>
-            </p:cNvPr>
-            <p:cNvSpPr/>
-            <p:nvPr/>
-          </p:nvSpPr>
-          <p:spPr>
-            <a:xfrm>
-              <a:off x="1403648" y="2489600"/>
-              <a:ext cx="1440160" cy="370182"/>
-            </a:xfrm>
-            <a:prstGeom prst="roundRect">
-              <a:avLst>
-                <a:gd name="adj" fmla="val 14105"/>
-              </a:avLst>
-            </a:prstGeom>
-          </p:spPr>
-          <p:style>
-            <a:lnRef idx="2">
-              <a:schemeClr val="dk1"/>
-            </a:lnRef>
-            <a:fillRef idx="1">
-              <a:schemeClr val="lt1"/>
-            </a:fillRef>
-            <a:effectRef idx="0">
-              <a:schemeClr val="dk1"/>
-            </a:effectRef>
-            <a:fontRef idx="minor">
-              <a:schemeClr val="dk1"/>
-            </a:fontRef>
-          </p:style>
-          <p:txBody>
-            <a:bodyPr rtlCol="0" anchor="ctr"/>
-            <a:lstStyle/>
-            <a:p>
-              <a:pPr algn="ctr"/>
-              <a:r>
-                <a:rPr lang="en-US" altLang="ko-KR" sz="1400" dirty="0"/>
-                <a:t>Partition 0</a:t>
-              </a:r>
-              <a:endParaRPr lang="ko-KR" altLang="en-US" sz="1400" dirty="0"/>
-            </a:p>
-          </p:txBody>
-        </p:sp>
-      </p:grpSp>
-      <p:grpSp>
-        <p:nvGrpSpPr>
-          <p:cNvPr id="21" name="그룹 20">
-            <a:extLst>
-              <a:ext uri="{FF2B5EF4-FFF2-40B4-BE49-F238E27FC236}">
-                <a16:creationId xmlns:a16="http://schemas.microsoft.com/office/drawing/2014/main" id="{27B97339-A278-426B-BE6D-3272A4FF2291}"/>
-              </a:ext>
-            </a:extLst>
-          </p:cNvPr>
-          <p:cNvGrpSpPr/>
-          <p:nvPr/>
-        </p:nvGrpSpPr>
-        <p:grpSpPr>
-          <a:xfrm>
-            <a:off x="5552197" y="1474533"/>
+          </a:xfrm>
+          <a:prstGeom prst="roundRect">
+            <a:avLst>
+              <a:gd name="adj" fmla="val 4549"/>
+            </a:avLst>
+          </a:prstGeom>
+          <a:ln>
+            <a:prstDash val="dash"/>
+          </a:ln>
+        </p:spPr>
+        <p:style>
+          <a:lnRef idx="2">
+            <a:schemeClr val="dk1"/>
+          </a:lnRef>
+          <a:fillRef idx="1">
+            <a:schemeClr val="lt1"/>
+          </a:fillRef>
+          <a:effectRef idx="0">
+            <a:schemeClr val="dk1"/>
+          </a:effectRef>
+          <a:fontRef idx="minor">
+            <a:schemeClr val="dk1"/>
+          </a:fontRef>
+        </p:style>
+        <p:txBody>
+          <a:bodyPr rtlCol="0" anchor="t"/>
+          <a:lstStyle/>
+          <a:p>
+            <a:pPr algn="ctr"/>
+            <a:r>
+              <a:rPr lang="en-US" altLang="ko-KR" sz="1400" dirty="0"/>
+              <a:t>Topic B</a:t>
+            </a:r>
+            <a:endParaRPr lang="ko-KR" altLang="en-US" sz="1400" dirty="0"/>
+          </a:p>
+        </p:txBody>
+      </p:sp>
+      <p:sp>
+        <p:nvSpPr>
+          <p:cNvPr id="19" name="사각형: 둥근 모서리 18">
+            <a:extLst>
+              <a:ext uri="{FF2B5EF4-FFF2-40B4-BE49-F238E27FC236}">
+                <a16:creationId xmlns:a16="http://schemas.microsoft.com/office/drawing/2014/main" id="{89E45E1E-4A30-418C-8291-338E06F96508}"/>
+              </a:ext>
+            </a:extLst>
+          </p:cNvPr>
+          <p:cNvSpPr/>
+          <p:nvPr/>
+        </p:nvSpPr>
+        <p:spPr>
+          <a:xfrm>
+            <a:off x="3642342" y="1810122"/>
+            <a:ext cx="1643292" cy="301904"/>
+          </a:xfrm>
+          <a:prstGeom prst="roundRect">
+            <a:avLst>
+              <a:gd name="adj" fmla="val 14105"/>
+            </a:avLst>
+          </a:prstGeom>
+        </p:spPr>
+        <p:style>
+          <a:lnRef idx="2">
+            <a:schemeClr val="dk1"/>
+          </a:lnRef>
+          <a:fillRef idx="1">
+            <a:schemeClr val="lt1"/>
+          </a:fillRef>
+          <a:effectRef idx="0">
+            <a:schemeClr val="dk1"/>
+          </a:effectRef>
+          <a:fontRef idx="minor">
+            <a:schemeClr val="dk1"/>
+          </a:fontRef>
+        </p:style>
+        <p:txBody>
+          <a:bodyPr rtlCol="0" anchor="ctr"/>
+          <a:lstStyle/>
+          <a:p>
+            <a:pPr algn="ctr"/>
+            <a:r>
+              <a:rPr lang="en-US" altLang="ko-KR" sz="1400" dirty="0"/>
+              <a:t>Partition 0</a:t>
+            </a:r>
+            <a:endParaRPr lang="ko-KR" altLang="en-US" sz="1400" dirty="0"/>
+          </a:p>
+        </p:txBody>
+      </p:sp>
+      <p:sp>
+        <p:nvSpPr>
+          <p:cNvPr id="22" name="사각형: 둥근 모서리 21">
+            <a:extLst>
+              <a:ext uri="{FF2B5EF4-FFF2-40B4-BE49-F238E27FC236}">
+                <a16:creationId xmlns:a16="http://schemas.microsoft.com/office/drawing/2014/main" id="{6BB1E2A6-F8AC-4742-9A35-2BCFEFE7A7A2}"/>
+              </a:ext>
+            </a:extLst>
+          </p:cNvPr>
+          <p:cNvSpPr/>
+          <p:nvPr/>
+        </p:nvSpPr>
+        <p:spPr>
+          <a:xfrm>
+            <a:off x="5552197" y="1463883"/>
             <a:ext cx="1971950" cy="1644345"/>
-            <a:chOff x="1259632" y="2067694"/>
-            <a:chExt cx="1728192" cy="2016224"/>
-          </a:xfrm>
-        </p:grpSpPr>
-        <p:sp>
-          <p:nvSpPr>
-            <p:cNvPr id="22" name="사각형: 둥근 모서리 21">
-              <a:extLst>
-                <a:ext uri="{FF2B5EF4-FFF2-40B4-BE49-F238E27FC236}">
-                  <a16:creationId xmlns:a16="http://schemas.microsoft.com/office/drawing/2014/main" id="{6BB1E2A6-F8AC-4742-9A35-2BCFEFE7A7A2}"/>
-                </a:ext>
-              </a:extLst>
-            </p:cNvPr>
-            <p:cNvSpPr/>
-            <p:nvPr/>
-          </p:nvSpPr>
-          <p:spPr>
-            <a:xfrm>
-              <a:off x="1259632" y="2067694"/>
-              <a:ext cx="1728192" cy="2016224"/>
-            </a:xfrm>
-            <a:prstGeom prst="roundRect">
-              <a:avLst>
-                <a:gd name="adj" fmla="val 4549"/>
-              </a:avLst>
-            </a:prstGeom>
-          </p:spPr>
-          <p:style>
-            <a:lnRef idx="2">
-              <a:schemeClr val="dk1"/>
-            </a:lnRef>
-            <a:fillRef idx="1">
-              <a:schemeClr val="lt1"/>
-            </a:fillRef>
-            <a:effectRef idx="0">
-              <a:schemeClr val="dk1"/>
-            </a:effectRef>
-            <a:fontRef idx="minor">
-              <a:schemeClr val="dk1"/>
-            </a:fontRef>
-          </p:style>
-          <p:txBody>
-            <a:bodyPr rtlCol="0" anchor="t"/>
-            <a:lstStyle/>
-            <a:p>
-              <a:pPr algn="ctr"/>
-              <a:r>
-                <a:rPr lang="en-US" altLang="ko-KR" sz="1400" dirty="0"/>
-                <a:t>Topic C</a:t>
-              </a:r>
-              <a:endParaRPr lang="ko-KR" altLang="en-US" sz="1400" dirty="0"/>
-            </a:p>
-          </p:txBody>
-        </p:sp>
-        <p:sp>
-          <p:nvSpPr>
-            <p:cNvPr id="23" name="사각형: 둥근 모서리 22">
-              <a:extLst>
-                <a:ext uri="{FF2B5EF4-FFF2-40B4-BE49-F238E27FC236}">
-                  <a16:creationId xmlns:a16="http://schemas.microsoft.com/office/drawing/2014/main" id="{2FDAC04C-F226-479C-9859-26AEF1618706}"/>
-                </a:ext>
-              </a:extLst>
-            </p:cNvPr>
-            <p:cNvSpPr/>
-            <p:nvPr/>
-          </p:nvSpPr>
-          <p:spPr>
-            <a:xfrm>
-              <a:off x="1403648" y="3527226"/>
-              <a:ext cx="1440160" cy="370182"/>
-            </a:xfrm>
-            <a:prstGeom prst="roundRect">
-              <a:avLst>
-                <a:gd name="adj" fmla="val 14105"/>
-              </a:avLst>
-            </a:prstGeom>
-          </p:spPr>
-          <p:style>
-            <a:lnRef idx="2">
-              <a:schemeClr val="dk1"/>
-            </a:lnRef>
-            <a:fillRef idx="1">
-              <a:schemeClr val="lt1"/>
-            </a:fillRef>
-            <a:effectRef idx="0">
-              <a:schemeClr val="dk1"/>
-            </a:effectRef>
-            <a:fontRef idx="minor">
-              <a:schemeClr val="dk1"/>
-            </a:fontRef>
-          </p:style>
-          <p:txBody>
-            <a:bodyPr rtlCol="0" anchor="ctr"/>
-            <a:lstStyle/>
-            <a:p>
-              <a:pPr algn="ctr"/>
-              <a:r>
-                <a:rPr lang="en-US" altLang="ko-KR" sz="1400" dirty="0"/>
-                <a:t>Partition 2</a:t>
-              </a:r>
-              <a:endParaRPr lang="ko-KR" altLang="en-US" sz="1400" dirty="0"/>
-            </a:p>
-          </p:txBody>
-        </p:sp>
-        <p:sp>
-          <p:nvSpPr>
-            <p:cNvPr id="24" name="사각형: 둥근 모서리 23">
-              <a:extLst>
-                <a:ext uri="{FF2B5EF4-FFF2-40B4-BE49-F238E27FC236}">
-                  <a16:creationId xmlns:a16="http://schemas.microsoft.com/office/drawing/2014/main" id="{72065A45-3266-4048-8877-6D7DD86DDD4C}"/>
-                </a:ext>
-              </a:extLst>
-            </p:cNvPr>
-            <p:cNvSpPr/>
-            <p:nvPr/>
-          </p:nvSpPr>
-          <p:spPr>
-            <a:xfrm>
-              <a:off x="1403648" y="2489600"/>
-              <a:ext cx="1440160" cy="370182"/>
-            </a:xfrm>
-            <a:prstGeom prst="roundRect">
-              <a:avLst>
-                <a:gd name="adj" fmla="val 14105"/>
-              </a:avLst>
-            </a:prstGeom>
-          </p:spPr>
-          <p:style>
-            <a:lnRef idx="2">
-              <a:schemeClr val="dk1"/>
-            </a:lnRef>
-            <a:fillRef idx="1">
-              <a:schemeClr val="lt1"/>
-            </a:fillRef>
-            <a:effectRef idx="0">
-              <a:schemeClr val="dk1"/>
-            </a:effectRef>
-            <a:fontRef idx="minor">
-              <a:schemeClr val="dk1"/>
-            </a:fontRef>
-          </p:style>
-          <p:txBody>
-            <a:bodyPr rtlCol="0" anchor="ctr"/>
-            <a:lstStyle/>
-            <a:p>
-              <a:pPr algn="ctr"/>
-              <a:r>
-                <a:rPr lang="en-US" altLang="ko-KR" sz="1400" dirty="0"/>
-                <a:t>Partition 0</a:t>
-              </a:r>
-              <a:endParaRPr lang="ko-KR" altLang="en-US" sz="1400" dirty="0"/>
-            </a:p>
-          </p:txBody>
-        </p:sp>
-        <p:sp>
-          <p:nvSpPr>
-            <p:cNvPr id="25" name="사각형: 둥근 모서리 24">
-              <a:extLst>
-                <a:ext uri="{FF2B5EF4-FFF2-40B4-BE49-F238E27FC236}">
-                  <a16:creationId xmlns:a16="http://schemas.microsoft.com/office/drawing/2014/main" id="{A16C0C38-1A4E-4076-BFA7-5677521083BC}"/>
-                </a:ext>
-              </a:extLst>
-            </p:cNvPr>
-            <p:cNvSpPr/>
-            <p:nvPr/>
-          </p:nvSpPr>
-          <p:spPr>
-            <a:xfrm>
-              <a:off x="1403648" y="3008413"/>
-              <a:ext cx="1440160" cy="370182"/>
-            </a:xfrm>
-            <a:prstGeom prst="roundRect">
-              <a:avLst>
-                <a:gd name="adj" fmla="val 14105"/>
-              </a:avLst>
-            </a:prstGeom>
-          </p:spPr>
-          <p:style>
-            <a:lnRef idx="2">
-              <a:schemeClr val="dk1"/>
-            </a:lnRef>
-            <a:fillRef idx="1">
-              <a:schemeClr val="lt1"/>
-            </a:fillRef>
-            <a:effectRef idx="0">
-              <a:schemeClr val="dk1"/>
-            </a:effectRef>
-            <a:fontRef idx="minor">
-              <a:schemeClr val="dk1"/>
-            </a:fontRef>
-          </p:style>
-          <p:txBody>
-            <a:bodyPr rtlCol="0" anchor="ctr"/>
-            <a:lstStyle/>
-            <a:p>
-              <a:pPr algn="ctr"/>
-              <a:r>
-                <a:rPr lang="en-US" altLang="ko-KR" sz="1400" dirty="0"/>
-                <a:t>Partition 1</a:t>
-              </a:r>
-              <a:endParaRPr lang="ko-KR" altLang="en-US" sz="1400" dirty="0"/>
-            </a:p>
-          </p:txBody>
-        </p:sp>
-      </p:grpSp>
+          </a:xfrm>
+          <a:prstGeom prst="roundRect">
+            <a:avLst>
+              <a:gd name="adj" fmla="val 4549"/>
+            </a:avLst>
+          </a:prstGeom>
+          <a:ln>
+            <a:prstDash val="dash"/>
+          </a:ln>
+        </p:spPr>
+        <p:style>
+          <a:lnRef idx="2">
+            <a:schemeClr val="dk1"/>
+          </a:lnRef>
+          <a:fillRef idx="1">
+            <a:schemeClr val="lt1"/>
+          </a:fillRef>
+          <a:effectRef idx="0">
+            <a:schemeClr val="dk1"/>
+          </a:effectRef>
+          <a:fontRef idx="minor">
+            <a:schemeClr val="dk1"/>
+          </a:fontRef>
+        </p:style>
+        <p:txBody>
+          <a:bodyPr rtlCol="0" anchor="t"/>
+          <a:lstStyle/>
+          <a:p>
+            <a:pPr algn="ctr"/>
+            <a:r>
+              <a:rPr lang="en-US" altLang="ko-KR" sz="1400" dirty="0"/>
+              <a:t>Topic C</a:t>
+            </a:r>
+            <a:endParaRPr lang="ko-KR" altLang="en-US" sz="1400" dirty="0"/>
+          </a:p>
+        </p:txBody>
+      </p:sp>
+      <p:sp>
+        <p:nvSpPr>
+          <p:cNvPr id="23" name="사각형: 둥근 모서리 22">
+            <a:extLst>
+              <a:ext uri="{FF2B5EF4-FFF2-40B4-BE49-F238E27FC236}">
+                <a16:creationId xmlns:a16="http://schemas.microsoft.com/office/drawing/2014/main" id="{2FDAC04C-F226-479C-9859-26AEF1618706}"/>
+              </a:ext>
+            </a:extLst>
+          </p:cNvPr>
+          <p:cNvSpPr/>
+          <p:nvPr/>
+        </p:nvSpPr>
+        <p:spPr>
+          <a:xfrm>
+            <a:off x="5716526" y="2654214"/>
+            <a:ext cx="1643292" cy="301904"/>
+          </a:xfrm>
+          <a:prstGeom prst="roundRect">
+            <a:avLst>
+              <a:gd name="adj" fmla="val 14105"/>
+            </a:avLst>
+          </a:prstGeom>
+        </p:spPr>
+        <p:style>
+          <a:lnRef idx="2">
+            <a:schemeClr val="dk1"/>
+          </a:lnRef>
+          <a:fillRef idx="1">
+            <a:schemeClr val="lt1"/>
+          </a:fillRef>
+          <a:effectRef idx="0">
+            <a:schemeClr val="dk1"/>
+          </a:effectRef>
+          <a:fontRef idx="minor">
+            <a:schemeClr val="dk1"/>
+          </a:fontRef>
+        </p:style>
+        <p:txBody>
+          <a:bodyPr rtlCol="0" anchor="ctr"/>
+          <a:lstStyle/>
+          <a:p>
+            <a:pPr algn="ctr"/>
+            <a:r>
+              <a:rPr lang="en-US" altLang="ko-KR" sz="1400" dirty="0"/>
+              <a:t>Partition 2</a:t>
+            </a:r>
+            <a:endParaRPr lang="ko-KR" altLang="en-US" sz="1400" dirty="0"/>
+          </a:p>
+        </p:txBody>
+      </p:sp>
+      <p:sp>
+        <p:nvSpPr>
+          <p:cNvPr id="24" name="사각형: 둥근 모서리 23">
+            <a:extLst>
+              <a:ext uri="{FF2B5EF4-FFF2-40B4-BE49-F238E27FC236}">
+                <a16:creationId xmlns:a16="http://schemas.microsoft.com/office/drawing/2014/main" id="{72065A45-3266-4048-8877-6D7DD86DDD4C}"/>
+              </a:ext>
+            </a:extLst>
+          </p:cNvPr>
+          <p:cNvSpPr/>
+          <p:nvPr/>
+        </p:nvSpPr>
+        <p:spPr>
+          <a:xfrm>
+            <a:off x="5716526" y="1807971"/>
+            <a:ext cx="1643292" cy="301904"/>
+          </a:xfrm>
+          <a:prstGeom prst="roundRect">
+            <a:avLst>
+              <a:gd name="adj" fmla="val 14105"/>
+            </a:avLst>
+          </a:prstGeom>
+        </p:spPr>
+        <p:style>
+          <a:lnRef idx="2">
+            <a:schemeClr val="dk1"/>
+          </a:lnRef>
+          <a:fillRef idx="1">
+            <a:schemeClr val="lt1"/>
+          </a:fillRef>
+          <a:effectRef idx="0">
+            <a:schemeClr val="dk1"/>
+          </a:effectRef>
+          <a:fontRef idx="minor">
+            <a:schemeClr val="dk1"/>
+          </a:fontRef>
+        </p:style>
+        <p:txBody>
+          <a:bodyPr rtlCol="0" anchor="ctr"/>
+          <a:lstStyle/>
+          <a:p>
+            <a:pPr algn="ctr"/>
+            <a:r>
+              <a:rPr lang="en-US" altLang="ko-KR" sz="1400" dirty="0"/>
+              <a:t>Partition 0</a:t>
+            </a:r>
+            <a:endParaRPr lang="ko-KR" altLang="en-US" sz="1400" dirty="0"/>
+          </a:p>
+        </p:txBody>
+      </p:sp>
+      <p:sp>
+        <p:nvSpPr>
+          <p:cNvPr id="25" name="사각형: 둥근 모서리 24">
+            <a:extLst>
+              <a:ext uri="{FF2B5EF4-FFF2-40B4-BE49-F238E27FC236}">
+                <a16:creationId xmlns:a16="http://schemas.microsoft.com/office/drawing/2014/main" id="{A16C0C38-1A4E-4076-BFA7-5677521083BC}"/>
+              </a:ext>
+            </a:extLst>
+          </p:cNvPr>
+          <p:cNvSpPr/>
+          <p:nvPr/>
+        </p:nvSpPr>
+        <p:spPr>
+          <a:xfrm>
+            <a:off x="5716526" y="2231093"/>
+            <a:ext cx="1643292" cy="301904"/>
+          </a:xfrm>
+          <a:prstGeom prst="roundRect">
+            <a:avLst>
+              <a:gd name="adj" fmla="val 14105"/>
+            </a:avLst>
+          </a:prstGeom>
+        </p:spPr>
+        <p:style>
+          <a:lnRef idx="2">
+            <a:schemeClr val="dk1"/>
+          </a:lnRef>
+          <a:fillRef idx="1">
+            <a:schemeClr val="lt1"/>
+          </a:fillRef>
+          <a:effectRef idx="0">
+            <a:schemeClr val="dk1"/>
+          </a:effectRef>
+          <a:fontRef idx="minor">
+            <a:schemeClr val="dk1"/>
+          </a:fontRef>
+        </p:style>
+        <p:txBody>
+          <a:bodyPr rtlCol="0" anchor="ctr"/>
+          <a:lstStyle/>
+          <a:p>
+            <a:pPr algn="ctr"/>
+            <a:r>
+              <a:rPr lang="en-US" altLang="ko-KR" sz="1400" dirty="0"/>
+              <a:t>Partition 1</a:t>
+            </a:r>
+            <a:endParaRPr lang="ko-KR" altLang="en-US" sz="1400" dirty="0"/>
+          </a:p>
+        </p:txBody>
+      </p:sp>
       <p:sp>
         <p:nvSpPr>
           <p:cNvPr id="26" name="사각형: 둥근 모서리 25">
@@ -4325,6 +4427,9 @@
           <a:prstGeom prst="roundRect">
             <a:avLst/>
           </a:prstGeom>
+          <a:ln>
+            <a:prstDash val="dash"/>
+          </a:ln>
         </p:spPr>
         <p:style>
           <a:lnRef idx="2">
@@ -4421,6 +4526,9 @@
           <a:prstGeom prst="roundRect">
             <a:avLst/>
           </a:prstGeom>
+          <a:ln>
+            <a:prstDash val="dash"/>
+          </a:ln>
         </p:spPr>
         <p:style>
           <a:lnRef idx="2">
@@ -4517,6 +4625,9 @@
           <a:prstGeom prst="roundRect">
             <a:avLst/>
           </a:prstGeom>
+          <a:ln>
+            <a:prstDash val="dash"/>
+          </a:ln>
         </p:spPr>
         <p:style>
           <a:lnRef idx="2">
@@ -4660,7 +4771,7 @@
         <p:spPr>
           <a:xfrm flipH="1">
             <a:off x="2411760" y="1195917"/>
-            <a:ext cx="1050812" cy="622704"/>
+            <a:ext cx="1050812" cy="614205"/>
           </a:xfrm>
           <a:prstGeom prst="straightConnector1">
             <a:avLst/>
@@ -4707,7 +4818,7 @@
         <p:spPr>
           <a:xfrm>
             <a:off x="3462572" y="1195917"/>
-            <a:ext cx="1001416" cy="622704"/>
+            <a:ext cx="1001416" cy="614205"/>
           </a:xfrm>
           <a:prstGeom prst="straightConnector1">
             <a:avLst/>
@@ -4754,7 +4865,7 @@
         <p:spPr>
           <a:xfrm>
             <a:off x="5514800" y="1195917"/>
-            <a:ext cx="1023372" cy="1045826"/>
+            <a:ext cx="1023372" cy="1035176"/>
           </a:xfrm>
           <a:prstGeom prst="straightConnector1">
             <a:avLst/>
@@ -4801,7 +4912,7 @@
         <p:spPr>
           <a:xfrm>
             <a:off x="5514800" y="1195917"/>
-            <a:ext cx="1023372" cy="1468947"/>
+            <a:ext cx="1023372" cy="1458297"/>
           </a:xfrm>
           <a:prstGeom prst="straightConnector1">
             <a:avLst/>
@@ -4847,8 +4958,8 @@
         </p:nvCxnSpPr>
         <p:spPr>
           <a:xfrm>
-            <a:off x="6538172" y="2966768"/>
-            <a:ext cx="1138032" cy="1206993"/>
+            <a:off x="6538172" y="2956118"/>
+            <a:ext cx="1138032" cy="1217643"/>
           </a:xfrm>
           <a:prstGeom prst="straightConnector1">
             <a:avLst/>
@@ -4894,8 +5005,8 @@
         </p:nvCxnSpPr>
         <p:spPr>
           <a:xfrm>
-            <a:off x="6538172" y="2543647"/>
-            <a:ext cx="1138032" cy="1630114"/>
+            <a:off x="6538172" y="2532997"/>
+            <a:ext cx="1138032" cy="1640764"/>
           </a:xfrm>
           <a:prstGeom prst="straightConnector1">
             <a:avLst/>
@@ -4941,8 +5052,8 @@
         </p:nvCxnSpPr>
         <p:spPr>
           <a:xfrm flipH="1">
-            <a:off x="3527884" y="2120525"/>
-            <a:ext cx="936104" cy="2060497"/>
+            <a:off x="3527884" y="2112026"/>
+            <a:ext cx="936104" cy="2068996"/>
           </a:xfrm>
           <a:prstGeom prst="straightConnector1">
             <a:avLst/>
@@ -4989,7 +5100,7 @@
         <p:spPr>
           <a:xfrm flipH="1">
             <a:off x="2411760" y="1195917"/>
-            <a:ext cx="1050812" cy="1045826"/>
+            <a:ext cx="1050812" cy="1037327"/>
           </a:xfrm>
           <a:prstGeom prst="straightConnector1">
             <a:avLst/>
@@ -5035,8 +5146,8 @@
         </p:nvCxnSpPr>
         <p:spPr>
           <a:xfrm flipH="1">
-            <a:off x="5778134" y="2120525"/>
-            <a:ext cx="760038" cy="2058565"/>
+            <a:off x="5778134" y="2109875"/>
+            <a:ext cx="760038" cy="2069215"/>
           </a:xfrm>
           <a:prstGeom prst="straightConnector1">
             <a:avLst/>
@@ -5083,7 +5194,7 @@
         <p:spPr>
           <a:xfrm>
             <a:off x="5514800" y="1195917"/>
-            <a:ext cx="1023372" cy="622704"/>
+            <a:ext cx="1023372" cy="612054"/>
           </a:xfrm>
           <a:prstGeom prst="straightConnector1">
             <a:avLst/>
@@ -5129,8 +5240,8 @@
         </p:nvCxnSpPr>
         <p:spPr>
           <a:xfrm>
-            <a:off x="4463988" y="2120525"/>
-            <a:ext cx="1314146" cy="2058565"/>
+            <a:off x="4463988" y="2112026"/>
+            <a:ext cx="1314146" cy="2067064"/>
           </a:xfrm>
           <a:prstGeom prst="straightConnector1">
             <a:avLst/>
@@ -5227,8 +5338,8 @@
         </p:nvCxnSpPr>
         <p:spPr>
           <a:xfrm flipH="1">
-            <a:off x="1277634" y="2543647"/>
-            <a:ext cx="1134126" cy="1637375"/>
+            <a:off x="1277634" y="2535148"/>
+            <a:ext cx="1134126" cy="1645874"/>
           </a:xfrm>
           <a:prstGeom prst="straightConnector1">
             <a:avLst/>
@@ -5274,8 +5385,8 @@
         </p:nvCxnSpPr>
         <p:spPr>
           <a:xfrm flipH="1">
-            <a:off x="1277634" y="2120525"/>
-            <a:ext cx="1134126" cy="2060497"/>
+            <a:off x="1277634" y="2112026"/>
+            <a:ext cx="1134126" cy="2068996"/>
           </a:xfrm>
           <a:prstGeom prst="straightConnector1">
             <a:avLst/>
@@ -5386,156 +5497,6 @@
       </p:grpSpPr>
       <p:sp>
         <p:nvSpPr>
-          <p:cNvPr id="7" name="사각형: 둥근 모서리 6">
-            <a:extLst>
-              <a:ext uri="{FF2B5EF4-FFF2-40B4-BE49-F238E27FC236}">
-                <a16:creationId xmlns:a16="http://schemas.microsoft.com/office/drawing/2014/main" id="{43605E7C-158D-49F1-8506-CEF09E8CC589}"/>
-              </a:ext>
-            </a:extLst>
-          </p:cNvPr>
-          <p:cNvSpPr/>
-          <p:nvPr/>
-        </p:nvSpPr>
-        <p:spPr>
-          <a:xfrm>
-            <a:off x="1460210" y="497337"/>
-            <a:ext cx="1872208" cy="3761469"/>
-          </a:xfrm>
-          <a:prstGeom prst="roundRect">
-            <a:avLst>
-              <a:gd name="adj" fmla="val 4353"/>
-            </a:avLst>
-          </a:prstGeom>
-        </p:spPr>
-        <p:style>
-          <a:lnRef idx="2">
-            <a:schemeClr val="dk1"/>
-          </a:lnRef>
-          <a:fillRef idx="1">
-            <a:schemeClr val="lt1"/>
-          </a:fillRef>
-          <a:effectRef idx="0">
-            <a:schemeClr val="dk1"/>
-          </a:effectRef>
-          <a:fontRef idx="minor">
-            <a:schemeClr val="dk1"/>
-          </a:fontRef>
-        </p:style>
-        <p:txBody>
-          <a:bodyPr rtlCol="0" anchor="b"/>
-          <a:lstStyle/>
-          <a:p>
-            <a:pPr algn="ctr"/>
-            <a:r>
-              <a:rPr lang="en-US" altLang="ko-KR" sz="1400" dirty="0"/>
-              <a:t>Kafka Broker A</a:t>
-            </a:r>
-            <a:endParaRPr lang="ko-KR" altLang="en-US" sz="1400" dirty="0"/>
-          </a:p>
-        </p:txBody>
-      </p:sp>
-      <p:sp>
-        <p:nvSpPr>
-          <p:cNvPr id="58" name="사각형: 둥근 모서리 57">
-            <a:extLst>
-              <a:ext uri="{FF2B5EF4-FFF2-40B4-BE49-F238E27FC236}">
-                <a16:creationId xmlns:a16="http://schemas.microsoft.com/office/drawing/2014/main" id="{364F566C-AAA1-4C72-9FB2-52671A2E3589}"/>
-              </a:ext>
-            </a:extLst>
-          </p:cNvPr>
-          <p:cNvSpPr/>
-          <p:nvPr/>
-        </p:nvSpPr>
-        <p:spPr>
-          <a:xfrm>
-            <a:off x="3563888" y="483518"/>
-            <a:ext cx="1872208" cy="3775288"/>
-          </a:xfrm>
-          <a:prstGeom prst="roundRect">
-            <a:avLst>
-              <a:gd name="adj" fmla="val 5697"/>
-            </a:avLst>
-          </a:prstGeom>
-        </p:spPr>
-        <p:style>
-          <a:lnRef idx="2">
-            <a:schemeClr val="dk1"/>
-          </a:lnRef>
-          <a:fillRef idx="1">
-            <a:schemeClr val="lt1"/>
-          </a:fillRef>
-          <a:effectRef idx="0">
-            <a:schemeClr val="dk1"/>
-          </a:effectRef>
-          <a:fontRef idx="minor">
-            <a:schemeClr val="dk1"/>
-          </a:fontRef>
-        </p:style>
-        <p:txBody>
-          <a:bodyPr rtlCol="0" anchor="b"/>
-          <a:lstStyle/>
-          <a:p>
-            <a:pPr algn="ctr"/>
-            <a:r>
-              <a:rPr lang="en-US" altLang="ko-KR" sz="1400" dirty="0"/>
-              <a:t>Kafka Broker B</a:t>
-            </a:r>
-            <a:endParaRPr lang="ko-KR" altLang="en-US" sz="1400" dirty="0"/>
-          </a:p>
-        </p:txBody>
-      </p:sp>
-      <p:sp>
-        <p:nvSpPr>
-          <p:cNvPr id="67" name="사각형: 둥근 모서리 66">
-            <a:extLst>
-              <a:ext uri="{FF2B5EF4-FFF2-40B4-BE49-F238E27FC236}">
-                <a16:creationId xmlns:a16="http://schemas.microsoft.com/office/drawing/2014/main" id="{10A8E561-0D52-48A1-A8B6-9F42DD083DD7}"/>
-              </a:ext>
-            </a:extLst>
-          </p:cNvPr>
-          <p:cNvSpPr/>
-          <p:nvPr/>
-        </p:nvSpPr>
-        <p:spPr>
-          <a:xfrm>
-            <a:off x="5652120" y="483518"/>
-            <a:ext cx="1872208" cy="3775288"/>
-          </a:xfrm>
-          <a:prstGeom prst="roundRect">
-            <a:avLst>
-              <a:gd name="adj" fmla="val 5249"/>
-            </a:avLst>
-          </a:prstGeom>
-        </p:spPr>
-        <p:style>
-          <a:lnRef idx="2">
-            <a:schemeClr val="dk1"/>
-          </a:lnRef>
-          <a:fillRef idx="1">
-            <a:schemeClr val="lt1"/>
-          </a:fillRef>
-          <a:effectRef idx="0">
-            <a:schemeClr val="dk1"/>
-          </a:effectRef>
-          <a:fontRef idx="minor">
-            <a:schemeClr val="dk1"/>
-          </a:fontRef>
-        </p:style>
-        <p:txBody>
-          <a:bodyPr rtlCol="0" anchor="b"/>
-          <a:lstStyle/>
-          <a:p>
-            <a:pPr algn="ctr"/>
-            <a:r>
-              <a:rPr lang="en-US" altLang="ko-KR" sz="1400" dirty="0"/>
-              <a:t>Kafka Broker C</a:t>
-            </a:r>
-            <a:endParaRPr lang="ko-KR" altLang="en-US" sz="1400" dirty="0"/>
-          </a:p>
-        </p:txBody>
-      </p:sp>
-      <p:sp>
-        <p:nvSpPr>
           <p:cNvPr id="2" name="제목 1"/>
           <p:cNvSpPr>
             <a:spLocks noGrp="1"/>
@@ -5556,7 +5517,7 @@
           <a:p>
             <a:r>
               <a:rPr lang="en-US" altLang="ko-KR"/>
-              <a:t>Cluster</a:t>
+              <a:t>Partition</a:t>
             </a:r>
             <a:endParaRPr lang="ko-KR" altLang="en-US" dirty="0"/>
           </a:p>
@@ -5564,10 +5525,179 @@
       </p:sp>
       <p:sp>
         <p:nvSpPr>
-          <p:cNvPr id="44" name="사각형: 둥근 모서리 43">
-            <a:extLst>
-              <a:ext uri="{FF2B5EF4-FFF2-40B4-BE49-F238E27FC236}">
-                <a16:creationId xmlns:a16="http://schemas.microsoft.com/office/drawing/2014/main" id="{46680711-9222-475F-8F0D-50BD15568FE4}"/>
+          <p:cNvPr id="38" name="TextBox 37">
+            <a:extLst>
+              <a:ext uri="{FF2B5EF4-FFF2-40B4-BE49-F238E27FC236}">
+                <a16:creationId xmlns:a16="http://schemas.microsoft.com/office/drawing/2014/main" id="{29FCC45E-EE00-45FF-A661-B33A935CFC67}"/>
+              </a:ext>
+            </a:extLst>
+          </p:cNvPr>
+          <p:cNvSpPr txBox="1"/>
+          <p:nvPr/>
+        </p:nvSpPr>
+        <p:spPr>
+          <a:xfrm>
+            <a:off x="3938311" y="1705858"/>
+            <a:ext cx="1455880" cy="338554"/>
+          </a:xfrm>
+          <a:prstGeom prst="rect">
+            <a:avLst/>
+          </a:prstGeom>
+          <a:noFill/>
+        </p:spPr>
+        <p:txBody>
+          <a:bodyPr wrap="square" rtlCol="0" anchor="ctr">
+            <a:spAutoFit/>
+          </a:bodyPr>
+          <a:lstStyle/>
+          <a:p>
+            <a:pPr algn="ctr"/>
+            <a:r>
+              <a:rPr lang="en-US" altLang="ko-KR" sz="1600" b="1"/>
+              <a:t>Topic C</a:t>
+            </a:r>
+            <a:endParaRPr lang="ko-KR" altLang="en-US" sz="1600" b="1"/>
+          </a:p>
+        </p:txBody>
+      </p:sp>
+      <p:sp>
+        <p:nvSpPr>
+          <p:cNvPr id="46" name="TextBox 45">
+            <a:extLst>
+              <a:ext uri="{FF2B5EF4-FFF2-40B4-BE49-F238E27FC236}">
+                <a16:creationId xmlns:a16="http://schemas.microsoft.com/office/drawing/2014/main" id="{D82C2145-A1CF-4EBA-AA8F-B1FB4401B678}"/>
+              </a:ext>
+            </a:extLst>
+          </p:cNvPr>
+          <p:cNvSpPr txBox="1"/>
+          <p:nvPr/>
+        </p:nvSpPr>
+        <p:spPr>
+          <a:xfrm>
+            <a:off x="1187624" y="2073501"/>
+            <a:ext cx="1455880" cy="492443"/>
+          </a:xfrm>
+          <a:prstGeom prst="rect">
+            <a:avLst/>
+          </a:prstGeom>
+          <a:noFill/>
+        </p:spPr>
+        <p:txBody>
+          <a:bodyPr wrap="square" rtlCol="0" anchor="ctr">
+            <a:spAutoFit/>
+          </a:bodyPr>
+          <a:lstStyle/>
+          <a:p>
+            <a:pPr algn="ctr"/>
+            <a:r>
+              <a:rPr lang="en-US" altLang="ko-KR" sz="1400"/>
+              <a:t>Partition 0</a:t>
+            </a:r>
+          </a:p>
+          <a:p>
+            <a:pPr algn="ctr"/>
+            <a:r>
+              <a:rPr lang="en-US" altLang="ko-KR" sz="1100"/>
+              <a:t>Group C : 8</a:t>
+            </a:r>
+            <a:endParaRPr lang="ko-KR" altLang="en-US" sz="1100"/>
+          </a:p>
+        </p:txBody>
+      </p:sp>
+      <p:sp>
+        <p:nvSpPr>
+          <p:cNvPr id="75" name="TextBox 74">
+            <a:extLst>
+              <a:ext uri="{FF2B5EF4-FFF2-40B4-BE49-F238E27FC236}">
+                <a16:creationId xmlns:a16="http://schemas.microsoft.com/office/drawing/2014/main" id="{65C2B238-A88A-4E2F-8344-14876512D1D6}"/>
+              </a:ext>
+            </a:extLst>
+          </p:cNvPr>
+          <p:cNvSpPr txBox="1"/>
+          <p:nvPr/>
+        </p:nvSpPr>
+        <p:spPr>
+          <a:xfrm>
+            <a:off x="1187624" y="2919050"/>
+            <a:ext cx="1455880" cy="477054"/>
+          </a:xfrm>
+          <a:prstGeom prst="rect">
+            <a:avLst/>
+          </a:prstGeom>
+          <a:noFill/>
+        </p:spPr>
+        <p:txBody>
+          <a:bodyPr wrap="square" rtlCol="0" anchor="ctr">
+            <a:spAutoFit/>
+          </a:bodyPr>
+          <a:lstStyle/>
+          <a:p>
+            <a:pPr algn="ctr"/>
+            <a:r>
+              <a:rPr lang="en-US" altLang="ko-KR" sz="1400"/>
+              <a:t>Partition 1</a:t>
+            </a:r>
+          </a:p>
+          <a:p>
+            <a:pPr algn="ctr"/>
+            <a:r>
+              <a:rPr lang="en-US" altLang="ko-KR" sz="1100"/>
+              <a:t>Group C : 3</a:t>
+            </a:r>
+            <a:endParaRPr lang="ko-KR" altLang="en-US" sz="1100"/>
+          </a:p>
+        </p:txBody>
+      </p:sp>
+      <p:sp>
+        <p:nvSpPr>
+          <p:cNvPr id="92" name="TextBox 91">
+            <a:extLst>
+              <a:ext uri="{FF2B5EF4-FFF2-40B4-BE49-F238E27FC236}">
+                <a16:creationId xmlns:a16="http://schemas.microsoft.com/office/drawing/2014/main" id="{ABFCDC24-EEBC-401A-BB99-C97535DF2AFE}"/>
+              </a:ext>
+            </a:extLst>
+          </p:cNvPr>
+          <p:cNvSpPr txBox="1"/>
+          <p:nvPr/>
+        </p:nvSpPr>
+        <p:spPr>
+          <a:xfrm>
+            <a:off x="1187624" y="3720775"/>
+            <a:ext cx="1455880" cy="492443"/>
+          </a:xfrm>
+          <a:prstGeom prst="rect">
+            <a:avLst/>
+          </a:prstGeom>
+          <a:noFill/>
+        </p:spPr>
+        <p:txBody>
+          <a:bodyPr wrap="square" rtlCol="0" anchor="ctr">
+            <a:spAutoFit/>
+          </a:bodyPr>
+          <a:lstStyle/>
+          <a:p>
+            <a:pPr algn="ctr"/>
+            <a:r>
+              <a:rPr lang="en-US" altLang="ko-KR" sz="1400"/>
+              <a:t>Partition 2</a:t>
+            </a:r>
+          </a:p>
+          <a:p>
+            <a:pPr algn="ctr"/>
+            <a:r>
+              <a:rPr lang="en-US" altLang="ko-KR" sz="1100"/>
+              <a:t>Group C : 4</a:t>
+            </a:r>
+            <a:endParaRPr lang="ko-KR" altLang="en-US" sz="1100"/>
+          </a:p>
+        </p:txBody>
+      </p:sp>
+      <p:sp>
+        <p:nvSpPr>
+          <p:cNvPr id="4" name="직사각형 3">
+            <a:extLst>
+              <a:ext uri="{FF2B5EF4-FFF2-40B4-BE49-F238E27FC236}">
+                <a16:creationId xmlns:a16="http://schemas.microsoft.com/office/drawing/2014/main" id="{09AAD7EE-D576-4A1A-A64C-B4B957A1E244}"/>
               </a:ext>
             </a:extLst>
           </p:cNvPr>
@@ -5576,20 +5706,1181 @@
         </p:nvSpPr>
         <p:spPr>
           <a:xfrm>
-            <a:off x="1691680" y="1793034"/>
-            <a:ext cx="1440160" cy="268948"/>
+            <a:off x="2483768" y="2139702"/>
+            <a:ext cx="405863" cy="360040"/>
+          </a:xfrm>
+          <a:prstGeom prst="rect">
+            <a:avLst/>
+          </a:prstGeom>
+        </p:spPr>
+        <p:style>
+          <a:lnRef idx="2">
+            <a:schemeClr val="dk1"/>
+          </a:lnRef>
+          <a:fillRef idx="1">
+            <a:schemeClr val="lt1"/>
+          </a:fillRef>
+          <a:effectRef idx="0">
+            <a:schemeClr val="dk1"/>
+          </a:effectRef>
+          <a:fontRef idx="minor">
+            <a:schemeClr val="dk1"/>
+          </a:fontRef>
+        </p:style>
+        <p:txBody>
+          <a:bodyPr rtlCol="0" anchor="ctr"/>
+          <a:lstStyle/>
+          <a:p>
+            <a:pPr algn="ctr"/>
+            <a:r>
+              <a:rPr lang="en-US" altLang="ko-KR" sz="1400"/>
+              <a:t>1</a:t>
+            </a:r>
+            <a:endParaRPr lang="ko-KR" altLang="en-US" sz="1400"/>
+          </a:p>
+        </p:txBody>
+      </p:sp>
+      <p:sp>
+        <p:nvSpPr>
+          <p:cNvPr id="39" name="직사각형 38">
+            <a:extLst>
+              <a:ext uri="{FF2B5EF4-FFF2-40B4-BE49-F238E27FC236}">
+                <a16:creationId xmlns:a16="http://schemas.microsoft.com/office/drawing/2014/main" id="{9A060EC0-D9D2-4E55-B0A1-9970B80C152E}"/>
+              </a:ext>
+            </a:extLst>
+          </p:cNvPr>
+          <p:cNvSpPr/>
+          <p:nvPr/>
+        </p:nvSpPr>
+        <p:spPr>
+          <a:xfrm>
+            <a:off x="2889631" y="2139702"/>
+            <a:ext cx="405863" cy="360040"/>
+          </a:xfrm>
+          <a:prstGeom prst="rect">
+            <a:avLst/>
+          </a:prstGeom>
+        </p:spPr>
+        <p:style>
+          <a:lnRef idx="2">
+            <a:schemeClr val="dk1"/>
+          </a:lnRef>
+          <a:fillRef idx="1">
+            <a:schemeClr val="lt1"/>
+          </a:fillRef>
+          <a:effectRef idx="0">
+            <a:schemeClr val="dk1"/>
+          </a:effectRef>
+          <a:fontRef idx="minor">
+            <a:schemeClr val="dk1"/>
+          </a:fontRef>
+        </p:style>
+        <p:txBody>
+          <a:bodyPr rtlCol="0" anchor="ctr"/>
+          <a:lstStyle/>
+          <a:p>
+            <a:pPr algn="ctr"/>
+            <a:r>
+              <a:rPr lang="en-US" altLang="ko-KR" sz="1400"/>
+              <a:t>2</a:t>
+            </a:r>
+            <a:endParaRPr lang="ko-KR" altLang="en-US" sz="1400"/>
+          </a:p>
+        </p:txBody>
+      </p:sp>
+      <p:sp>
+        <p:nvSpPr>
+          <p:cNvPr id="40" name="직사각형 39">
+            <a:extLst>
+              <a:ext uri="{FF2B5EF4-FFF2-40B4-BE49-F238E27FC236}">
+                <a16:creationId xmlns:a16="http://schemas.microsoft.com/office/drawing/2014/main" id="{5122EDD8-26EB-4749-B42E-E35170B30F88}"/>
+              </a:ext>
+            </a:extLst>
+          </p:cNvPr>
+          <p:cNvSpPr/>
+          <p:nvPr/>
+        </p:nvSpPr>
+        <p:spPr>
+          <a:xfrm>
+            <a:off x="3295495" y="2139702"/>
+            <a:ext cx="405863" cy="360040"/>
+          </a:xfrm>
+          <a:prstGeom prst="rect">
+            <a:avLst/>
+          </a:prstGeom>
+        </p:spPr>
+        <p:style>
+          <a:lnRef idx="2">
+            <a:schemeClr val="dk1"/>
+          </a:lnRef>
+          <a:fillRef idx="1">
+            <a:schemeClr val="lt1"/>
+          </a:fillRef>
+          <a:effectRef idx="0">
+            <a:schemeClr val="dk1"/>
+          </a:effectRef>
+          <a:fontRef idx="minor">
+            <a:schemeClr val="dk1"/>
+          </a:fontRef>
+        </p:style>
+        <p:txBody>
+          <a:bodyPr rtlCol="0" anchor="ctr"/>
+          <a:lstStyle/>
+          <a:p>
+            <a:pPr algn="ctr"/>
+            <a:r>
+              <a:rPr lang="en-US" altLang="ko-KR" sz="1400"/>
+              <a:t>3</a:t>
+            </a:r>
+            <a:endParaRPr lang="ko-KR" altLang="en-US" sz="1400"/>
+          </a:p>
+        </p:txBody>
+      </p:sp>
+      <p:sp>
+        <p:nvSpPr>
+          <p:cNvPr id="41" name="직사각형 40">
+            <a:extLst>
+              <a:ext uri="{FF2B5EF4-FFF2-40B4-BE49-F238E27FC236}">
+                <a16:creationId xmlns:a16="http://schemas.microsoft.com/office/drawing/2014/main" id="{55A27EE3-34BC-4996-95C1-1C67C24C2A7D}"/>
+              </a:ext>
+            </a:extLst>
+          </p:cNvPr>
+          <p:cNvSpPr/>
+          <p:nvPr/>
+        </p:nvSpPr>
+        <p:spPr>
+          <a:xfrm>
+            <a:off x="3701358" y="2139702"/>
+            <a:ext cx="405863" cy="360040"/>
+          </a:xfrm>
+          <a:prstGeom prst="rect">
+            <a:avLst/>
+          </a:prstGeom>
+        </p:spPr>
+        <p:style>
+          <a:lnRef idx="2">
+            <a:schemeClr val="dk1"/>
+          </a:lnRef>
+          <a:fillRef idx="1">
+            <a:schemeClr val="lt1"/>
+          </a:fillRef>
+          <a:effectRef idx="0">
+            <a:schemeClr val="dk1"/>
+          </a:effectRef>
+          <a:fontRef idx="minor">
+            <a:schemeClr val="dk1"/>
+          </a:fontRef>
+        </p:style>
+        <p:txBody>
+          <a:bodyPr rtlCol="0" anchor="ctr"/>
+          <a:lstStyle/>
+          <a:p>
+            <a:pPr algn="ctr"/>
+            <a:r>
+              <a:rPr lang="en-US" altLang="ko-KR" sz="1400"/>
+              <a:t>4</a:t>
+            </a:r>
+            <a:endParaRPr lang="ko-KR" altLang="en-US" sz="1400"/>
+          </a:p>
+        </p:txBody>
+      </p:sp>
+      <p:sp>
+        <p:nvSpPr>
+          <p:cNvPr id="47" name="직사각형 46">
+            <a:extLst>
+              <a:ext uri="{FF2B5EF4-FFF2-40B4-BE49-F238E27FC236}">
+                <a16:creationId xmlns:a16="http://schemas.microsoft.com/office/drawing/2014/main" id="{74FEB351-ECF8-47EA-A36E-AF38B69D48C3}"/>
+              </a:ext>
+            </a:extLst>
+          </p:cNvPr>
+          <p:cNvSpPr/>
+          <p:nvPr/>
+        </p:nvSpPr>
+        <p:spPr>
+          <a:xfrm>
+            <a:off x="4107221" y="2139702"/>
+            <a:ext cx="405863" cy="360040"/>
+          </a:xfrm>
+          <a:prstGeom prst="rect">
+            <a:avLst/>
+          </a:prstGeom>
+        </p:spPr>
+        <p:style>
+          <a:lnRef idx="2">
+            <a:schemeClr val="dk1"/>
+          </a:lnRef>
+          <a:fillRef idx="1">
+            <a:schemeClr val="lt1"/>
+          </a:fillRef>
+          <a:effectRef idx="0">
+            <a:schemeClr val="dk1"/>
+          </a:effectRef>
+          <a:fontRef idx="minor">
+            <a:schemeClr val="dk1"/>
+          </a:fontRef>
+        </p:style>
+        <p:txBody>
+          <a:bodyPr rtlCol="0" anchor="ctr"/>
+          <a:lstStyle/>
+          <a:p>
+            <a:pPr algn="ctr"/>
+            <a:r>
+              <a:rPr lang="en-US" altLang="ko-KR" sz="1400"/>
+              <a:t>5</a:t>
+            </a:r>
+            <a:endParaRPr lang="ko-KR" altLang="en-US" sz="1400"/>
+          </a:p>
+        </p:txBody>
+      </p:sp>
+      <p:sp>
+        <p:nvSpPr>
+          <p:cNvPr id="49" name="직사각형 48">
+            <a:extLst>
+              <a:ext uri="{FF2B5EF4-FFF2-40B4-BE49-F238E27FC236}">
+                <a16:creationId xmlns:a16="http://schemas.microsoft.com/office/drawing/2014/main" id="{C6C376E5-85AD-4AD1-8D4B-2CD3BC2B829A}"/>
+              </a:ext>
+            </a:extLst>
+          </p:cNvPr>
+          <p:cNvSpPr/>
+          <p:nvPr/>
+        </p:nvSpPr>
+        <p:spPr>
+          <a:xfrm>
+            <a:off x="4513084" y="2139702"/>
+            <a:ext cx="405863" cy="360040"/>
+          </a:xfrm>
+          <a:prstGeom prst="rect">
+            <a:avLst/>
+          </a:prstGeom>
+        </p:spPr>
+        <p:style>
+          <a:lnRef idx="2">
+            <a:schemeClr val="dk1"/>
+          </a:lnRef>
+          <a:fillRef idx="1">
+            <a:schemeClr val="lt1"/>
+          </a:fillRef>
+          <a:effectRef idx="0">
+            <a:schemeClr val="dk1"/>
+          </a:effectRef>
+          <a:fontRef idx="minor">
+            <a:schemeClr val="dk1"/>
+          </a:fontRef>
+        </p:style>
+        <p:txBody>
+          <a:bodyPr rtlCol="0" anchor="ctr"/>
+          <a:lstStyle/>
+          <a:p>
+            <a:pPr algn="ctr"/>
+            <a:r>
+              <a:rPr lang="en-US" altLang="ko-KR" sz="1400"/>
+              <a:t>6</a:t>
+            </a:r>
+            <a:endParaRPr lang="ko-KR" altLang="en-US" sz="1400"/>
+          </a:p>
+        </p:txBody>
+      </p:sp>
+      <p:sp>
+        <p:nvSpPr>
+          <p:cNvPr id="50" name="직사각형 49">
+            <a:extLst>
+              <a:ext uri="{FF2B5EF4-FFF2-40B4-BE49-F238E27FC236}">
+                <a16:creationId xmlns:a16="http://schemas.microsoft.com/office/drawing/2014/main" id="{1D0B523E-3C3A-4549-A79C-3CAA82C30312}"/>
+              </a:ext>
+            </a:extLst>
+          </p:cNvPr>
+          <p:cNvSpPr/>
+          <p:nvPr/>
+        </p:nvSpPr>
+        <p:spPr>
+          <a:xfrm>
+            <a:off x="4918948" y="2139702"/>
+            <a:ext cx="405863" cy="360040"/>
+          </a:xfrm>
+          <a:prstGeom prst="rect">
+            <a:avLst/>
+          </a:prstGeom>
+        </p:spPr>
+        <p:style>
+          <a:lnRef idx="2">
+            <a:schemeClr val="dk1"/>
+          </a:lnRef>
+          <a:fillRef idx="1">
+            <a:schemeClr val="lt1"/>
+          </a:fillRef>
+          <a:effectRef idx="0">
+            <a:schemeClr val="dk1"/>
+          </a:effectRef>
+          <a:fontRef idx="minor">
+            <a:schemeClr val="dk1"/>
+          </a:fontRef>
+        </p:style>
+        <p:txBody>
+          <a:bodyPr rtlCol="0" anchor="ctr"/>
+          <a:lstStyle/>
+          <a:p>
+            <a:pPr algn="ctr"/>
+            <a:r>
+              <a:rPr lang="en-US" altLang="ko-KR" sz="1400"/>
+              <a:t>7</a:t>
+            </a:r>
+            <a:endParaRPr lang="ko-KR" altLang="en-US" sz="1400"/>
+          </a:p>
+        </p:txBody>
+      </p:sp>
+      <p:sp>
+        <p:nvSpPr>
+          <p:cNvPr id="51" name="직사각형 50">
+            <a:extLst>
+              <a:ext uri="{FF2B5EF4-FFF2-40B4-BE49-F238E27FC236}">
+                <a16:creationId xmlns:a16="http://schemas.microsoft.com/office/drawing/2014/main" id="{D904A380-79E7-454C-A74B-BD6F7E7851A6}"/>
+              </a:ext>
+            </a:extLst>
+          </p:cNvPr>
+          <p:cNvSpPr/>
+          <p:nvPr/>
+        </p:nvSpPr>
+        <p:spPr>
+          <a:xfrm>
+            <a:off x="5324811" y="2139702"/>
+            <a:ext cx="405863" cy="360040"/>
+          </a:xfrm>
+          <a:prstGeom prst="rect">
+            <a:avLst/>
+          </a:prstGeom>
+        </p:spPr>
+        <p:style>
+          <a:lnRef idx="2">
+            <a:schemeClr val="dk1"/>
+          </a:lnRef>
+          <a:fillRef idx="1">
+            <a:schemeClr val="lt1"/>
+          </a:fillRef>
+          <a:effectRef idx="0">
+            <a:schemeClr val="dk1"/>
+          </a:effectRef>
+          <a:fontRef idx="minor">
+            <a:schemeClr val="dk1"/>
+          </a:fontRef>
+        </p:style>
+        <p:txBody>
+          <a:bodyPr rtlCol="0" anchor="ctr"/>
+          <a:lstStyle/>
+          <a:p>
+            <a:pPr algn="ctr"/>
+            <a:r>
+              <a:rPr lang="en-US" altLang="ko-KR" sz="1400"/>
+              <a:t>8</a:t>
+            </a:r>
+            <a:endParaRPr lang="ko-KR" altLang="en-US" sz="1400"/>
+          </a:p>
+        </p:txBody>
+      </p:sp>
+      <p:sp>
+        <p:nvSpPr>
+          <p:cNvPr id="52" name="직사각형 51">
+            <a:extLst>
+              <a:ext uri="{FF2B5EF4-FFF2-40B4-BE49-F238E27FC236}">
+                <a16:creationId xmlns:a16="http://schemas.microsoft.com/office/drawing/2014/main" id="{55B46494-5188-43E8-B0CB-7896E7973083}"/>
+              </a:ext>
+            </a:extLst>
+          </p:cNvPr>
+          <p:cNvSpPr/>
+          <p:nvPr/>
+        </p:nvSpPr>
+        <p:spPr>
+          <a:xfrm>
+            <a:off x="5730674" y="2139702"/>
+            <a:ext cx="405863" cy="360040"/>
+          </a:xfrm>
+          <a:prstGeom prst="rect">
+            <a:avLst/>
+          </a:prstGeom>
+          <a:ln>
+            <a:prstDash val="solid"/>
+          </a:ln>
+        </p:spPr>
+        <p:style>
+          <a:lnRef idx="2">
+            <a:schemeClr val="dk1"/>
+          </a:lnRef>
+          <a:fillRef idx="1">
+            <a:schemeClr val="lt1"/>
+          </a:fillRef>
+          <a:effectRef idx="0">
+            <a:schemeClr val="dk1"/>
+          </a:effectRef>
+          <a:fontRef idx="minor">
+            <a:schemeClr val="dk1"/>
+          </a:fontRef>
+        </p:style>
+        <p:txBody>
+          <a:bodyPr rtlCol="0" anchor="ctr"/>
+          <a:lstStyle/>
+          <a:p>
+            <a:pPr algn="ctr"/>
+            <a:r>
+              <a:rPr lang="en-US" altLang="ko-KR" sz="1400"/>
+              <a:t>9</a:t>
+            </a:r>
+            <a:endParaRPr lang="ko-KR" altLang="en-US" sz="1400"/>
+          </a:p>
+        </p:txBody>
+      </p:sp>
+      <p:sp>
+        <p:nvSpPr>
+          <p:cNvPr id="98" name="직사각형 97">
+            <a:extLst>
+              <a:ext uri="{FF2B5EF4-FFF2-40B4-BE49-F238E27FC236}">
+                <a16:creationId xmlns:a16="http://schemas.microsoft.com/office/drawing/2014/main" id="{77592BC8-63ED-4765-B94A-F89EC07B7552}"/>
+              </a:ext>
+            </a:extLst>
+          </p:cNvPr>
+          <p:cNvSpPr/>
+          <p:nvPr/>
+        </p:nvSpPr>
+        <p:spPr>
+          <a:xfrm>
+            <a:off x="6136537" y="2139702"/>
+            <a:ext cx="405863" cy="360040"/>
+          </a:xfrm>
+          <a:prstGeom prst="rect">
+            <a:avLst/>
+          </a:prstGeom>
+          <a:ln>
+            <a:prstDash val="solid"/>
+          </a:ln>
+        </p:spPr>
+        <p:style>
+          <a:lnRef idx="2">
+            <a:schemeClr val="dk1"/>
+          </a:lnRef>
+          <a:fillRef idx="1">
+            <a:schemeClr val="lt1"/>
+          </a:fillRef>
+          <a:effectRef idx="0">
+            <a:schemeClr val="dk1"/>
+          </a:effectRef>
+          <a:fontRef idx="minor">
+            <a:schemeClr val="dk1"/>
+          </a:fontRef>
+        </p:style>
+        <p:txBody>
+          <a:bodyPr rtlCol="0" anchor="ctr"/>
+          <a:lstStyle/>
+          <a:p>
+            <a:pPr algn="ctr"/>
+            <a:r>
+              <a:rPr lang="en-US" altLang="ko-KR" sz="1400"/>
+              <a:t>10</a:t>
+            </a:r>
+            <a:endParaRPr lang="ko-KR" altLang="en-US" sz="1400"/>
+          </a:p>
+        </p:txBody>
+      </p:sp>
+      <p:sp>
+        <p:nvSpPr>
+          <p:cNvPr id="99" name="직사각형 98">
+            <a:extLst>
+              <a:ext uri="{FF2B5EF4-FFF2-40B4-BE49-F238E27FC236}">
+                <a16:creationId xmlns:a16="http://schemas.microsoft.com/office/drawing/2014/main" id="{852CF426-87A9-4932-A6AC-898F20820CDA}"/>
+              </a:ext>
+            </a:extLst>
+          </p:cNvPr>
+          <p:cNvSpPr/>
+          <p:nvPr/>
+        </p:nvSpPr>
+        <p:spPr>
+          <a:xfrm>
+            <a:off x="6542401" y="2139702"/>
+            <a:ext cx="405863" cy="360040"/>
+          </a:xfrm>
+          <a:prstGeom prst="rect">
+            <a:avLst/>
+          </a:prstGeom>
+          <a:ln>
+            <a:prstDash val="dash"/>
+          </a:ln>
+        </p:spPr>
+        <p:style>
+          <a:lnRef idx="2">
+            <a:schemeClr val="dk1"/>
+          </a:lnRef>
+          <a:fillRef idx="1">
+            <a:schemeClr val="lt1"/>
+          </a:fillRef>
+          <a:effectRef idx="0">
+            <a:schemeClr val="dk1"/>
+          </a:effectRef>
+          <a:fontRef idx="minor">
+            <a:schemeClr val="dk1"/>
+          </a:fontRef>
+        </p:style>
+        <p:txBody>
+          <a:bodyPr rtlCol="0" anchor="ctr"/>
+          <a:lstStyle/>
+          <a:p>
+            <a:pPr algn="ctr"/>
+            <a:r>
+              <a:rPr lang="en-US" altLang="ko-KR" sz="1400"/>
+              <a:t>11</a:t>
+            </a:r>
+            <a:endParaRPr lang="ko-KR" altLang="en-US" sz="1400"/>
+          </a:p>
+        </p:txBody>
+      </p:sp>
+      <p:sp>
+        <p:nvSpPr>
+          <p:cNvPr id="100" name="직사각형 99">
+            <a:extLst>
+              <a:ext uri="{FF2B5EF4-FFF2-40B4-BE49-F238E27FC236}">
+                <a16:creationId xmlns:a16="http://schemas.microsoft.com/office/drawing/2014/main" id="{887114CE-F6E1-4377-9530-B42EC681FF3B}"/>
+              </a:ext>
+            </a:extLst>
+          </p:cNvPr>
+          <p:cNvSpPr/>
+          <p:nvPr/>
+        </p:nvSpPr>
+        <p:spPr>
+          <a:xfrm>
+            <a:off x="2483768" y="2977557"/>
+            <a:ext cx="405863" cy="360040"/>
+          </a:xfrm>
+          <a:prstGeom prst="rect">
+            <a:avLst/>
+          </a:prstGeom>
+        </p:spPr>
+        <p:style>
+          <a:lnRef idx="2">
+            <a:schemeClr val="dk1"/>
+          </a:lnRef>
+          <a:fillRef idx="1">
+            <a:schemeClr val="lt1"/>
+          </a:fillRef>
+          <a:effectRef idx="0">
+            <a:schemeClr val="dk1"/>
+          </a:effectRef>
+          <a:fontRef idx="minor">
+            <a:schemeClr val="dk1"/>
+          </a:fontRef>
+        </p:style>
+        <p:txBody>
+          <a:bodyPr rtlCol="0" anchor="ctr"/>
+          <a:lstStyle/>
+          <a:p>
+            <a:pPr algn="ctr"/>
+            <a:r>
+              <a:rPr lang="en-US" altLang="ko-KR" sz="1400"/>
+              <a:t>1</a:t>
+            </a:r>
+            <a:endParaRPr lang="ko-KR" altLang="en-US" sz="1400"/>
+          </a:p>
+        </p:txBody>
+      </p:sp>
+      <p:sp>
+        <p:nvSpPr>
+          <p:cNvPr id="101" name="직사각형 100">
+            <a:extLst>
+              <a:ext uri="{FF2B5EF4-FFF2-40B4-BE49-F238E27FC236}">
+                <a16:creationId xmlns:a16="http://schemas.microsoft.com/office/drawing/2014/main" id="{75ACB472-47D4-4930-B36E-2432136949BF}"/>
+              </a:ext>
+            </a:extLst>
+          </p:cNvPr>
+          <p:cNvSpPr/>
+          <p:nvPr/>
+        </p:nvSpPr>
+        <p:spPr>
+          <a:xfrm>
+            <a:off x="2889631" y="2977557"/>
+            <a:ext cx="405863" cy="360040"/>
+          </a:xfrm>
+          <a:prstGeom prst="rect">
+            <a:avLst/>
+          </a:prstGeom>
+        </p:spPr>
+        <p:style>
+          <a:lnRef idx="2">
+            <a:schemeClr val="dk1"/>
+          </a:lnRef>
+          <a:fillRef idx="1">
+            <a:schemeClr val="lt1"/>
+          </a:fillRef>
+          <a:effectRef idx="0">
+            <a:schemeClr val="dk1"/>
+          </a:effectRef>
+          <a:fontRef idx="minor">
+            <a:schemeClr val="dk1"/>
+          </a:fontRef>
+        </p:style>
+        <p:txBody>
+          <a:bodyPr rtlCol="0" anchor="ctr"/>
+          <a:lstStyle/>
+          <a:p>
+            <a:pPr algn="ctr"/>
+            <a:r>
+              <a:rPr lang="en-US" altLang="ko-KR" sz="1400"/>
+              <a:t>2</a:t>
+            </a:r>
+            <a:endParaRPr lang="ko-KR" altLang="en-US" sz="1400"/>
+          </a:p>
+        </p:txBody>
+      </p:sp>
+      <p:sp>
+        <p:nvSpPr>
+          <p:cNvPr id="102" name="직사각형 101">
+            <a:extLst>
+              <a:ext uri="{FF2B5EF4-FFF2-40B4-BE49-F238E27FC236}">
+                <a16:creationId xmlns:a16="http://schemas.microsoft.com/office/drawing/2014/main" id="{4A86B207-8A6A-4FF4-A7C7-3CDD58ED02D8}"/>
+              </a:ext>
+            </a:extLst>
+          </p:cNvPr>
+          <p:cNvSpPr/>
+          <p:nvPr/>
+        </p:nvSpPr>
+        <p:spPr>
+          <a:xfrm>
+            <a:off x="3295495" y="2977557"/>
+            <a:ext cx="405863" cy="360040"/>
+          </a:xfrm>
+          <a:prstGeom prst="rect">
+            <a:avLst/>
+          </a:prstGeom>
+        </p:spPr>
+        <p:style>
+          <a:lnRef idx="2">
+            <a:schemeClr val="dk1"/>
+          </a:lnRef>
+          <a:fillRef idx="1">
+            <a:schemeClr val="lt1"/>
+          </a:fillRef>
+          <a:effectRef idx="0">
+            <a:schemeClr val="dk1"/>
+          </a:effectRef>
+          <a:fontRef idx="minor">
+            <a:schemeClr val="dk1"/>
+          </a:fontRef>
+        </p:style>
+        <p:txBody>
+          <a:bodyPr rtlCol="0" anchor="ctr"/>
+          <a:lstStyle/>
+          <a:p>
+            <a:pPr algn="ctr"/>
+            <a:r>
+              <a:rPr lang="en-US" altLang="ko-KR" sz="1400"/>
+              <a:t>3</a:t>
+            </a:r>
+            <a:endParaRPr lang="ko-KR" altLang="en-US" sz="1400"/>
+          </a:p>
+        </p:txBody>
+      </p:sp>
+      <p:sp>
+        <p:nvSpPr>
+          <p:cNvPr id="103" name="직사각형 102">
+            <a:extLst>
+              <a:ext uri="{FF2B5EF4-FFF2-40B4-BE49-F238E27FC236}">
+                <a16:creationId xmlns:a16="http://schemas.microsoft.com/office/drawing/2014/main" id="{83AA1C06-225E-413A-8AD5-E5106731D9CA}"/>
+              </a:ext>
+            </a:extLst>
+          </p:cNvPr>
+          <p:cNvSpPr/>
+          <p:nvPr/>
+        </p:nvSpPr>
+        <p:spPr>
+          <a:xfrm>
+            <a:off x="3701358" y="2977557"/>
+            <a:ext cx="405863" cy="360040"/>
+          </a:xfrm>
+          <a:prstGeom prst="rect">
+            <a:avLst/>
+          </a:prstGeom>
+        </p:spPr>
+        <p:style>
+          <a:lnRef idx="2">
+            <a:schemeClr val="dk1"/>
+          </a:lnRef>
+          <a:fillRef idx="1">
+            <a:schemeClr val="lt1"/>
+          </a:fillRef>
+          <a:effectRef idx="0">
+            <a:schemeClr val="dk1"/>
+          </a:effectRef>
+          <a:fontRef idx="minor">
+            <a:schemeClr val="dk1"/>
+          </a:fontRef>
+        </p:style>
+        <p:txBody>
+          <a:bodyPr rtlCol="0" anchor="ctr"/>
+          <a:lstStyle/>
+          <a:p>
+            <a:pPr algn="ctr"/>
+            <a:r>
+              <a:rPr lang="en-US" altLang="ko-KR" sz="1400"/>
+              <a:t>4</a:t>
+            </a:r>
+            <a:endParaRPr lang="ko-KR" altLang="en-US" sz="1400"/>
+          </a:p>
+        </p:txBody>
+      </p:sp>
+      <p:sp>
+        <p:nvSpPr>
+          <p:cNvPr id="104" name="직사각형 103">
+            <a:extLst>
+              <a:ext uri="{FF2B5EF4-FFF2-40B4-BE49-F238E27FC236}">
+                <a16:creationId xmlns:a16="http://schemas.microsoft.com/office/drawing/2014/main" id="{B3A8E267-6F01-4726-9AB7-5571BCF251D8}"/>
+              </a:ext>
+            </a:extLst>
+          </p:cNvPr>
+          <p:cNvSpPr/>
+          <p:nvPr/>
+        </p:nvSpPr>
+        <p:spPr>
+          <a:xfrm>
+            <a:off x="4107221" y="2977557"/>
+            <a:ext cx="405863" cy="360040"/>
+          </a:xfrm>
+          <a:prstGeom prst="rect">
+            <a:avLst/>
+          </a:prstGeom>
+          <a:ln>
+            <a:prstDash val="dash"/>
+          </a:ln>
+        </p:spPr>
+        <p:style>
+          <a:lnRef idx="2">
+            <a:schemeClr val="dk1"/>
+          </a:lnRef>
+          <a:fillRef idx="1">
+            <a:schemeClr val="lt1"/>
+          </a:fillRef>
+          <a:effectRef idx="0">
+            <a:schemeClr val="dk1"/>
+          </a:effectRef>
+          <a:fontRef idx="minor">
+            <a:schemeClr val="dk1"/>
+          </a:fontRef>
+        </p:style>
+        <p:txBody>
+          <a:bodyPr rtlCol="0" anchor="ctr"/>
+          <a:lstStyle/>
+          <a:p>
+            <a:pPr algn="ctr"/>
+            <a:r>
+              <a:rPr lang="en-US" altLang="ko-KR" sz="1400"/>
+              <a:t>5</a:t>
+            </a:r>
+            <a:endParaRPr lang="ko-KR" altLang="en-US" sz="1400"/>
+          </a:p>
+        </p:txBody>
+      </p:sp>
+      <p:sp>
+        <p:nvSpPr>
+          <p:cNvPr id="111" name="직사각형 110">
+            <a:extLst>
+              <a:ext uri="{FF2B5EF4-FFF2-40B4-BE49-F238E27FC236}">
+                <a16:creationId xmlns:a16="http://schemas.microsoft.com/office/drawing/2014/main" id="{CE63E4FB-2897-4150-882E-2D4523AEEA9E}"/>
+              </a:ext>
+            </a:extLst>
+          </p:cNvPr>
+          <p:cNvSpPr/>
+          <p:nvPr/>
+        </p:nvSpPr>
+        <p:spPr>
+          <a:xfrm>
+            <a:off x="2483768" y="3795886"/>
+            <a:ext cx="405863" cy="360040"/>
+          </a:xfrm>
+          <a:prstGeom prst="rect">
+            <a:avLst/>
+          </a:prstGeom>
+        </p:spPr>
+        <p:style>
+          <a:lnRef idx="2">
+            <a:schemeClr val="dk1"/>
+          </a:lnRef>
+          <a:fillRef idx="1">
+            <a:schemeClr val="lt1"/>
+          </a:fillRef>
+          <a:effectRef idx="0">
+            <a:schemeClr val="dk1"/>
+          </a:effectRef>
+          <a:fontRef idx="minor">
+            <a:schemeClr val="dk1"/>
+          </a:fontRef>
+        </p:style>
+        <p:txBody>
+          <a:bodyPr rtlCol="0" anchor="ctr"/>
+          <a:lstStyle/>
+          <a:p>
+            <a:pPr algn="ctr"/>
+            <a:r>
+              <a:rPr lang="en-US" altLang="ko-KR" sz="1400"/>
+              <a:t>1</a:t>
+            </a:r>
+            <a:endParaRPr lang="ko-KR" altLang="en-US" sz="1400"/>
+          </a:p>
+        </p:txBody>
+      </p:sp>
+      <p:sp>
+        <p:nvSpPr>
+          <p:cNvPr id="112" name="직사각형 111">
+            <a:extLst>
+              <a:ext uri="{FF2B5EF4-FFF2-40B4-BE49-F238E27FC236}">
+                <a16:creationId xmlns:a16="http://schemas.microsoft.com/office/drawing/2014/main" id="{2468EA19-942C-47B0-9953-DE6F8BA7975D}"/>
+              </a:ext>
+            </a:extLst>
+          </p:cNvPr>
+          <p:cNvSpPr/>
+          <p:nvPr/>
+        </p:nvSpPr>
+        <p:spPr>
+          <a:xfrm>
+            <a:off x="2889631" y="3795886"/>
+            <a:ext cx="405863" cy="360040"/>
+          </a:xfrm>
+          <a:prstGeom prst="rect">
+            <a:avLst/>
+          </a:prstGeom>
+        </p:spPr>
+        <p:style>
+          <a:lnRef idx="2">
+            <a:schemeClr val="dk1"/>
+          </a:lnRef>
+          <a:fillRef idx="1">
+            <a:schemeClr val="lt1"/>
+          </a:fillRef>
+          <a:effectRef idx="0">
+            <a:schemeClr val="dk1"/>
+          </a:effectRef>
+          <a:fontRef idx="minor">
+            <a:schemeClr val="dk1"/>
+          </a:fontRef>
+        </p:style>
+        <p:txBody>
+          <a:bodyPr rtlCol="0" anchor="ctr"/>
+          <a:lstStyle/>
+          <a:p>
+            <a:pPr algn="ctr"/>
+            <a:r>
+              <a:rPr lang="en-US" altLang="ko-KR" sz="1400"/>
+              <a:t>2</a:t>
+            </a:r>
+            <a:endParaRPr lang="ko-KR" altLang="en-US" sz="1400"/>
+          </a:p>
+        </p:txBody>
+      </p:sp>
+      <p:sp>
+        <p:nvSpPr>
+          <p:cNvPr id="113" name="직사각형 112">
+            <a:extLst>
+              <a:ext uri="{FF2B5EF4-FFF2-40B4-BE49-F238E27FC236}">
+                <a16:creationId xmlns:a16="http://schemas.microsoft.com/office/drawing/2014/main" id="{94E9F906-2C37-4760-92FD-105E1BFE5B5F}"/>
+              </a:ext>
+            </a:extLst>
+          </p:cNvPr>
+          <p:cNvSpPr/>
+          <p:nvPr/>
+        </p:nvSpPr>
+        <p:spPr>
+          <a:xfrm>
+            <a:off x="3295495" y="3795886"/>
+            <a:ext cx="405863" cy="360040"/>
+          </a:xfrm>
+          <a:prstGeom prst="rect">
+            <a:avLst/>
+          </a:prstGeom>
+        </p:spPr>
+        <p:style>
+          <a:lnRef idx="2">
+            <a:schemeClr val="dk1"/>
+          </a:lnRef>
+          <a:fillRef idx="1">
+            <a:schemeClr val="lt1"/>
+          </a:fillRef>
+          <a:effectRef idx="0">
+            <a:schemeClr val="dk1"/>
+          </a:effectRef>
+          <a:fontRef idx="minor">
+            <a:schemeClr val="dk1"/>
+          </a:fontRef>
+        </p:style>
+        <p:txBody>
+          <a:bodyPr rtlCol="0" anchor="ctr"/>
+          <a:lstStyle/>
+          <a:p>
+            <a:pPr algn="ctr"/>
+            <a:r>
+              <a:rPr lang="en-US" altLang="ko-KR" sz="1400"/>
+              <a:t>3</a:t>
+            </a:r>
+            <a:endParaRPr lang="ko-KR" altLang="en-US" sz="1400"/>
+          </a:p>
+        </p:txBody>
+      </p:sp>
+      <p:sp>
+        <p:nvSpPr>
+          <p:cNvPr id="114" name="직사각형 113">
+            <a:extLst>
+              <a:ext uri="{FF2B5EF4-FFF2-40B4-BE49-F238E27FC236}">
+                <a16:creationId xmlns:a16="http://schemas.microsoft.com/office/drawing/2014/main" id="{F8C098F7-43DB-450B-857F-94DC37A77C9E}"/>
+              </a:ext>
+            </a:extLst>
+          </p:cNvPr>
+          <p:cNvSpPr/>
+          <p:nvPr/>
+        </p:nvSpPr>
+        <p:spPr>
+          <a:xfrm>
+            <a:off x="3701358" y="3795886"/>
+            <a:ext cx="405863" cy="360040"/>
+          </a:xfrm>
+          <a:prstGeom prst="rect">
+            <a:avLst/>
+          </a:prstGeom>
+        </p:spPr>
+        <p:style>
+          <a:lnRef idx="2">
+            <a:schemeClr val="dk1"/>
+          </a:lnRef>
+          <a:fillRef idx="1">
+            <a:schemeClr val="lt1"/>
+          </a:fillRef>
+          <a:effectRef idx="0">
+            <a:schemeClr val="dk1"/>
+          </a:effectRef>
+          <a:fontRef idx="minor">
+            <a:schemeClr val="dk1"/>
+          </a:fontRef>
+        </p:style>
+        <p:txBody>
+          <a:bodyPr rtlCol="0" anchor="ctr"/>
+          <a:lstStyle/>
+          <a:p>
+            <a:pPr algn="ctr"/>
+            <a:r>
+              <a:rPr lang="en-US" altLang="ko-KR" sz="1400"/>
+              <a:t>4</a:t>
+            </a:r>
+            <a:endParaRPr lang="ko-KR" altLang="en-US" sz="1400"/>
+          </a:p>
+        </p:txBody>
+      </p:sp>
+      <p:sp>
+        <p:nvSpPr>
+          <p:cNvPr id="115" name="직사각형 114">
+            <a:extLst>
+              <a:ext uri="{FF2B5EF4-FFF2-40B4-BE49-F238E27FC236}">
+                <a16:creationId xmlns:a16="http://schemas.microsoft.com/office/drawing/2014/main" id="{09D8EDED-F7DF-4D19-B7DB-32E90EF5391E}"/>
+              </a:ext>
+            </a:extLst>
+          </p:cNvPr>
+          <p:cNvSpPr/>
+          <p:nvPr/>
+        </p:nvSpPr>
+        <p:spPr>
+          <a:xfrm>
+            <a:off x="4107221" y="3795886"/>
+            <a:ext cx="405863" cy="360040"/>
+          </a:xfrm>
+          <a:prstGeom prst="rect">
+            <a:avLst/>
+          </a:prstGeom>
+        </p:spPr>
+        <p:style>
+          <a:lnRef idx="2">
+            <a:schemeClr val="dk1"/>
+          </a:lnRef>
+          <a:fillRef idx="1">
+            <a:schemeClr val="lt1"/>
+          </a:fillRef>
+          <a:effectRef idx="0">
+            <a:schemeClr val="dk1"/>
+          </a:effectRef>
+          <a:fontRef idx="minor">
+            <a:schemeClr val="dk1"/>
+          </a:fontRef>
+        </p:style>
+        <p:txBody>
+          <a:bodyPr rtlCol="0" anchor="ctr"/>
+          <a:lstStyle/>
+          <a:p>
+            <a:pPr algn="ctr"/>
+            <a:r>
+              <a:rPr lang="en-US" altLang="ko-KR" sz="1400"/>
+              <a:t>5</a:t>
+            </a:r>
+            <a:endParaRPr lang="ko-KR" altLang="en-US" sz="1400"/>
+          </a:p>
+        </p:txBody>
+      </p:sp>
+      <p:sp>
+        <p:nvSpPr>
+          <p:cNvPr id="116" name="직사각형 115">
+            <a:extLst>
+              <a:ext uri="{FF2B5EF4-FFF2-40B4-BE49-F238E27FC236}">
+                <a16:creationId xmlns:a16="http://schemas.microsoft.com/office/drawing/2014/main" id="{02BB2508-8601-4A1B-B302-A5DBA98482ED}"/>
+              </a:ext>
+            </a:extLst>
+          </p:cNvPr>
+          <p:cNvSpPr/>
+          <p:nvPr/>
+        </p:nvSpPr>
+        <p:spPr>
+          <a:xfrm>
+            <a:off x="4513084" y="3795886"/>
+            <a:ext cx="405863" cy="360040"/>
+          </a:xfrm>
+          <a:prstGeom prst="rect">
+            <a:avLst/>
+          </a:prstGeom>
+        </p:spPr>
+        <p:style>
+          <a:lnRef idx="2">
+            <a:schemeClr val="dk1"/>
+          </a:lnRef>
+          <a:fillRef idx="1">
+            <a:schemeClr val="lt1"/>
+          </a:fillRef>
+          <a:effectRef idx="0">
+            <a:schemeClr val="dk1"/>
+          </a:effectRef>
+          <a:fontRef idx="minor">
+            <a:schemeClr val="dk1"/>
+          </a:fontRef>
+        </p:style>
+        <p:txBody>
+          <a:bodyPr rtlCol="0" anchor="ctr"/>
+          <a:lstStyle/>
+          <a:p>
+            <a:pPr algn="ctr"/>
+            <a:r>
+              <a:rPr lang="en-US" altLang="ko-KR" sz="1400"/>
+              <a:t>6</a:t>
+            </a:r>
+            <a:endParaRPr lang="ko-KR" altLang="en-US" sz="1400"/>
+          </a:p>
+        </p:txBody>
+      </p:sp>
+      <p:sp>
+        <p:nvSpPr>
+          <p:cNvPr id="117" name="직사각형 116">
+            <a:extLst>
+              <a:ext uri="{FF2B5EF4-FFF2-40B4-BE49-F238E27FC236}">
+                <a16:creationId xmlns:a16="http://schemas.microsoft.com/office/drawing/2014/main" id="{0579E015-8853-475B-8E75-D279B50E5EFE}"/>
+              </a:ext>
+            </a:extLst>
+          </p:cNvPr>
+          <p:cNvSpPr/>
+          <p:nvPr/>
+        </p:nvSpPr>
+        <p:spPr>
+          <a:xfrm>
+            <a:off x="4918948" y="3795886"/>
+            <a:ext cx="405863" cy="360040"/>
+          </a:xfrm>
+          <a:prstGeom prst="rect">
+            <a:avLst/>
+          </a:prstGeom>
+        </p:spPr>
+        <p:style>
+          <a:lnRef idx="2">
+            <a:schemeClr val="dk1"/>
+          </a:lnRef>
+          <a:fillRef idx="1">
+            <a:schemeClr val="lt1"/>
+          </a:fillRef>
+          <a:effectRef idx="0">
+            <a:schemeClr val="dk1"/>
+          </a:effectRef>
+          <a:fontRef idx="minor">
+            <a:schemeClr val="dk1"/>
+          </a:fontRef>
+        </p:style>
+        <p:txBody>
+          <a:bodyPr rtlCol="0" anchor="ctr"/>
+          <a:lstStyle/>
+          <a:p>
+            <a:pPr algn="ctr"/>
+            <a:r>
+              <a:rPr lang="en-US" altLang="ko-KR" sz="1400"/>
+              <a:t>7</a:t>
+            </a:r>
+            <a:endParaRPr lang="ko-KR" altLang="en-US" sz="1400"/>
+          </a:p>
+        </p:txBody>
+      </p:sp>
+      <p:sp>
+        <p:nvSpPr>
+          <p:cNvPr id="118" name="직사각형 117">
+            <a:extLst>
+              <a:ext uri="{FF2B5EF4-FFF2-40B4-BE49-F238E27FC236}">
+                <a16:creationId xmlns:a16="http://schemas.microsoft.com/office/drawing/2014/main" id="{02BE3E14-57FE-4FE1-9BFF-B594CBE0DA77}"/>
+              </a:ext>
+            </a:extLst>
+          </p:cNvPr>
+          <p:cNvSpPr/>
+          <p:nvPr/>
+        </p:nvSpPr>
+        <p:spPr>
+          <a:xfrm>
+            <a:off x="5324811" y="3795886"/>
+            <a:ext cx="405863" cy="360040"/>
+          </a:xfrm>
+          <a:prstGeom prst="rect">
+            <a:avLst/>
+          </a:prstGeom>
+          <a:ln>
+            <a:prstDash val="dash"/>
+          </a:ln>
+        </p:spPr>
+        <p:style>
+          <a:lnRef idx="2">
+            <a:schemeClr val="dk1"/>
+          </a:lnRef>
+          <a:fillRef idx="1">
+            <a:schemeClr val="lt1"/>
+          </a:fillRef>
+          <a:effectRef idx="0">
+            <a:schemeClr val="dk1"/>
+          </a:effectRef>
+          <a:fontRef idx="minor">
+            <a:schemeClr val="dk1"/>
+          </a:fontRef>
+        </p:style>
+        <p:txBody>
+          <a:bodyPr rtlCol="0" anchor="ctr"/>
+          <a:lstStyle/>
+          <a:p>
+            <a:pPr algn="ctr"/>
+            <a:r>
+              <a:rPr lang="en-US" altLang="ko-KR" sz="1400"/>
+              <a:t>8</a:t>
+            </a:r>
+            <a:endParaRPr lang="ko-KR" altLang="en-US" sz="1400"/>
+          </a:p>
+        </p:txBody>
+      </p:sp>
+      <p:sp>
+        <p:nvSpPr>
+          <p:cNvPr id="122" name="사각형: 둥근 모서리 121">
+            <a:extLst>
+              <a:ext uri="{FF2B5EF4-FFF2-40B4-BE49-F238E27FC236}">
+                <a16:creationId xmlns:a16="http://schemas.microsoft.com/office/drawing/2014/main" id="{7E77B8BD-54F2-4D87-BB95-632D3C272168}"/>
+              </a:ext>
+            </a:extLst>
+          </p:cNvPr>
+          <p:cNvSpPr/>
+          <p:nvPr/>
+        </p:nvSpPr>
+        <p:spPr>
+          <a:xfrm>
+            <a:off x="183988" y="2912044"/>
+            <a:ext cx="1122025" cy="667818"/>
           </a:xfrm>
           <a:prstGeom prst="roundRect">
             <a:avLst>
               <a:gd name="adj" fmla="val 14105"/>
             </a:avLst>
           </a:prstGeom>
-          <a:solidFill>
-            <a:schemeClr val="accent1">
-              <a:lumMod val="20000"/>
-              <a:lumOff val="80000"/>
-            </a:schemeClr>
-          </a:solidFill>
         </p:spPr>
         <p:style>
           <a:lnRef idx="2">
@@ -5611,23 +6902,19 @@
           <a:p>
             <a:pPr algn="ctr"/>
             <a:r>
-              <a:rPr lang="en-US" altLang="ko-KR" sz="1100"/>
-              <a:t>Partition </a:t>
-            </a:r>
-            <a:r>
-              <a:rPr lang="en-US" altLang="ko-KR" sz="1100" dirty="0"/>
-              <a:t>0</a:t>
-            </a:r>
-            <a:endParaRPr lang="ko-KR" altLang="en-US" sz="1100" dirty="0"/>
-          </a:p>
-        </p:txBody>
-      </p:sp>
-      <p:sp>
-        <p:nvSpPr>
-          <p:cNvPr id="55" name="사각형: 둥근 모서리 54">
-            <a:extLst>
-              <a:ext uri="{FF2B5EF4-FFF2-40B4-BE49-F238E27FC236}">
-                <a16:creationId xmlns:a16="http://schemas.microsoft.com/office/drawing/2014/main" id="{9B510882-3AD7-4A8A-ACA7-B7996494A18E}"/>
+              <a:rPr lang="en-US" altLang="ko-KR" sz="1400"/>
+              <a:t>Producer B</a:t>
+            </a:r>
+            <a:endParaRPr lang="ko-KR" altLang="en-US" sz="1400" dirty="0"/>
+          </a:p>
+        </p:txBody>
+      </p:sp>
+      <p:sp>
+        <p:nvSpPr>
+          <p:cNvPr id="124" name="사각형: 둥근 모서리 123">
+            <a:extLst>
+              <a:ext uri="{FF2B5EF4-FFF2-40B4-BE49-F238E27FC236}">
+                <a16:creationId xmlns:a16="http://schemas.microsoft.com/office/drawing/2014/main" id="{FE72223F-2E39-486C-BB83-4C82816E5E8C}"/>
               </a:ext>
             </a:extLst>
           </p:cNvPr>
@@ -5636,20 +6923,67 @@
         </p:nvSpPr>
         <p:spPr>
           <a:xfrm>
-            <a:off x="1691680" y="2549562"/>
-            <a:ext cx="1440160" cy="268948"/>
+            <a:off x="7380312" y="2257618"/>
+            <a:ext cx="1603460" cy="2238744"/>
+          </a:xfrm>
+          <a:prstGeom prst="roundRect">
+            <a:avLst>
+              <a:gd name="adj" fmla="val 8253"/>
+            </a:avLst>
+          </a:prstGeom>
+          <a:ln>
+            <a:prstDash val="dash"/>
+          </a:ln>
+        </p:spPr>
+        <p:style>
+          <a:lnRef idx="2">
+            <a:schemeClr val="dk1"/>
+          </a:lnRef>
+          <a:fillRef idx="1">
+            <a:schemeClr val="lt1"/>
+          </a:fillRef>
+          <a:effectRef idx="0">
+            <a:schemeClr val="dk1"/>
+          </a:effectRef>
+          <a:fontRef idx="minor">
+            <a:schemeClr val="dk1"/>
+          </a:fontRef>
+        </p:style>
+        <p:txBody>
+          <a:bodyPr rtlCol="0" anchor="b"/>
+          <a:lstStyle/>
+          <a:p>
+            <a:pPr algn="ctr"/>
+            <a:r>
+              <a:rPr lang="en-US" altLang="ko-KR" sz="1400" dirty="0"/>
+              <a:t>Consumer Group C</a:t>
+            </a:r>
+            <a:endParaRPr lang="ko-KR" altLang="en-US" sz="1400" dirty="0"/>
+          </a:p>
+        </p:txBody>
+      </p:sp>
+      <p:sp>
+        <p:nvSpPr>
+          <p:cNvPr id="125" name="사각형: 둥근 모서리 124">
+            <a:extLst>
+              <a:ext uri="{FF2B5EF4-FFF2-40B4-BE49-F238E27FC236}">
+                <a16:creationId xmlns:a16="http://schemas.microsoft.com/office/drawing/2014/main" id="{D5C68632-8457-4C36-BBEB-7B232820797E}"/>
+              </a:ext>
+            </a:extLst>
+          </p:cNvPr>
+          <p:cNvSpPr/>
+          <p:nvPr/>
+        </p:nvSpPr>
+        <p:spPr>
+          <a:xfrm>
+            <a:off x="7621028" y="2375330"/>
+            <a:ext cx="1122025" cy="667818"/>
           </a:xfrm>
           <a:prstGeom prst="roundRect">
             <a:avLst>
               <a:gd name="adj" fmla="val 14105"/>
             </a:avLst>
           </a:prstGeom>
-          <a:solidFill>
-            <a:schemeClr val="accent2">
-              <a:lumMod val="20000"/>
-              <a:lumOff val="80000"/>
-            </a:schemeClr>
-          </a:solidFill>
         </p:spPr>
         <p:style>
           <a:lnRef idx="2">
@@ -5671,23 +7005,19 @@
           <a:p>
             <a:pPr algn="ctr"/>
             <a:r>
-              <a:rPr lang="en-US" altLang="ko-KR" sz="1100"/>
-              <a:t>Partition </a:t>
-            </a:r>
-            <a:r>
-              <a:rPr lang="en-US" altLang="ko-KR" sz="1100" dirty="0"/>
-              <a:t>0</a:t>
-            </a:r>
-            <a:endParaRPr lang="ko-KR" altLang="en-US" sz="1100" dirty="0"/>
-          </a:p>
-        </p:txBody>
-      </p:sp>
-      <p:sp>
-        <p:nvSpPr>
-          <p:cNvPr id="56" name="사각형: 둥근 모서리 55">
-            <a:extLst>
-              <a:ext uri="{FF2B5EF4-FFF2-40B4-BE49-F238E27FC236}">
-                <a16:creationId xmlns:a16="http://schemas.microsoft.com/office/drawing/2014/main" id="{F8EDAA14-A89A-489B-B003-40355A4D2500}"/>
+              <a:rPr lang="en-US" altLang="ko-KR" sz="1400"/>
+              <a:t>Consumer C</a:t>
+            </a:r>
+            <a:endParaRPr lang="ko-KR" altLang="en-US" sz="1400" dirty="0"/>
+          </a:p>
+        </p:txBody>
+      </p:sp>
+      <p:sp>
+        <p:nvSpPr>
+          <p:cNvPr id="126" name="사각형: 둥근 모서리 125">
+            <a:extLst>
+              <a:ext uri="{FF2B5EF4-FFF2-40B4-BE49-F238E27FC236}">
+                <a16:creationId xmlns:a16="http://schemas.microsoft.com/office/drawing/2014/main" id="{954F126B-1651-46B4-9542-A2CA43096B89}"/>
               </a:ext>
             </a:extLst>
           </p:cNvPr>
@@ -5696,20 +7026,14 @@
         </p:nvSpPr>
         <p:spPr>
           <a:xfrm>
-            <a:off x="1691680" y="2915774"/>
-            <a:ext cx="1440160" cy="268948"/>
+            <a:off x="7621029" y="3252480"/>
+            <a:ext cx="1122025" cy="667818"/>
           </a:xfrm>
           <a:prstGeom prst="roundRect">
             <a:avLst>
               <a:gd name="adj" fmla="val 14105"/>
             </a:avLst>
           </a:prstGeom>
-          <a:solidFill>
-            <a:schemeClr val="accent1">
-              <a:lumMod val="20000"/>
-              <a:lumOff val="80000"/>
-            </a:schemeClr>
-          </a:solidFill>
         </p:spPr>
         <p:style>
           <a:lnRef idx="2">
@@ -5731,14 +7055,174 @@
           <a:p>
             <a:pPr algn="ctr"/>
             <a:r>
-              <a:rPr lang="en-US" altLang="ko-KR" sz="1100"/>
-              <a:t>Partition </a:t>
-            </a:r>
-            <a:r>
-              <a:rPr lang="en-US" altLang="ko-KR" sz="1100" dirty="0"/>
-              <a:t>1</a:t>
-            </a:r>
-            <a:endParaRPr lang="ko-KR" altLang="en-US" sz="1100" dirty="0"/>
+              <a:rPr lang="en-US" altLang="ko-KR" sz="1400"/>
+              <a:t>Consumer D</a:t>
+            </a:r>
+            <a:endParaRPr lang="ko-KR" altLang="en-US" sz="1400" dirty="0"/>
+          </a:p>
+        </p:txBody>
+      </p:sp>
+      <p:cxnSp>
+        <p:nvCxnSpPr>
+          <p:cNvPr id="22" name="직선 화살표 연결선 21">
+            <a:extLst>
+              <a:ext uri="{FF2B5EF4-FFF2-40B4-BE49-F238E27FC236}">
+                <a16:creationId xmlns:a16="http://schemas.microsoft.com/office/drawing/2014/main" id="{80C8761E-0352-4DBB-908A-303EC85BA0A9}"/>
+              </a:ext>
+            </a:extLst>
+          </p:cNvPr>
+          <p:cNvCxnSpPr>
+            <a:cxnSpLocks/>
+          </p:cNvCxnSpPr>
+          <p:nvPr/>
+        </p:nvCxnSpPr>
+        <p:spPr>
+          <a:xfrm>
+            <a:off x="4746384" y="4381823"/>
+            <a:ext cx="432048" cy="0"/>
+          </a:xfrm>
+          <a:prstGeom prst="straightConnector1">
+            <a:avLst/>
+          </a:prstGeom>
+          <a:ln w="19050">
+            <a:solidFill>
+              <a:srgbClr val="C00000"/>
+            </a:solidFill>
+            <a:headEnd type="none" w="med" len="med"/>
+            <a:tailEnd type="arrow" w="med" len="med"/>
+          </a:ln>
+        </p:spPr>
+        <p:style>
+          <a:lnRef idx="1">
+            <a:schemeClr val="accent1"/>
+          </a:lnRef>
+          <a:fillRef idx="0">
+            <a:schemeClr val="accent1"/>
+          </a:fillRef>
+          <a:effectRef idx="0">
+            <a:schemeClr val="accent1"/>
+          </a:effectRef>
+          <a:fontRef idx="minor">
+            <a:schemeClr val="tx1"/>
+          </a:fontRef>
+        </p:style>
+      </p:cxnSp>
+      <p:cxnSp>
+        <p:nvCxnSpPr>
+          <p:cNvPr id="130" name="직선 화살표 연결선 129">
+            <a:extLst>
+              <a:ext uri="{FF2B5EF4-FFF2-40B4-BE49-F238E27FC236}">
+                <a16:creationId xmlns:a16="http://schemas.microsoft.com/office/drawing/2014/main" id="{96E56AB0-DEB8-4E8B-8348-85A3F618DF8E}"/>
+              </a:ext>
+            </a:extLst>
+          </p:cNvPr>
+          <p:cNvCxnSpPr>
+            <a:cxnSpLocks/>
+          </p:cNvCxnSpPr>
+          <p:nvPr/>
+        </p:nvCxnSpPr>
+        <p:spPr>
+          <a:xfrm>
+            <a:off x="3492610" y="4381823"/>
+            <a:ext cx="432048" cy="0"/>
+          </a:xfrm>
+          <a:prstGeom prst="straightConnector1">
+            <a:avLst/>
+          </a:prstGeom>
+          <a:ln w="19050">
+            <a:solidFill>
+              <a:schemeClr val="tx2"/>
+            </a:solidFill>
+            <a:headEnd type="none" w="med" len="med"/>
+            <a:tailEnd type="arrow" w="med" len="med"/>
+          </a:ln>
+        </p:spPr>
+        <p:style>
+          <a:lnRef idx="1">
+            <a:schemeClr val="accent1"/>
+          </a:lnRef>
+          <a:fillRef idx="0">
+            <a:schemeClr val="accent1"/>
+          </a:fillRef>
+          <a:effectRef idx="0">
+            <a:schemeClr val="accent1"/>
+          </a:effectRef>
+          <a:fontRef idx="minor">
+            <a:schemeClr val="tx1"/>
+          </a:fontRef>
+        </p:style>
+      </p:cxnSp>
+      <p:sp>
+        <p:nvSpPr>
+          <p:cNvPr id="131" name="TextBox 130">
+            <a:extLst>
+              <a:ext uri="{FF2B5EF4-FFF2-40B4-BE49-F238E27FC236}">
+                <a16:creationId xmlns:a16="http://schemas.microsoft.com/office/drawing/2014/main" id="{4B0982BB-6E81-4CFE-8961-97F042244A6E}"/>
+              </a:ext>
+            </a:extLst>
+          </p:cNvPr>
+          <p:cNvSpPr txBox="1"/>
+          <p:nvPr/>
+        </p:nvSpPr>
+        <p:spPr>
+          <a:xfrm>
+            <a:off x="3535805" y="4227934"/>
+            <a:ext cx="1455880" cy="307777"/>
+          </a:xfrm>
+          <a:prstGeom prst="rect">
+            <a:avLst/>
+          </a:prstGeom>
+          <a:noFill/>
+        </p:spPr>
+        <p:txBody>
+          <a:bodyPr wrap="square" rtlCol="0" anchor="ctr">
+            <a:spAutoFit/>
+          </a:bodyPr>
+          <a:lstStyle/>
+          <a:p>
+            <a:pPr algn="ctr"/>
+            <a:r>
+              <a:rPr lang="en-US" altLang="ko-KR" sz="1400"/>
+              <a:t>Write</a:t>
+            </a:r>
+            <a:endParaRPr lang="ko-KR" altLang="en-US" sz="1400"/>
+          </a:p>
+        </p:txBody>
+      </p:sp>
+      <p:sp>
+        <p:nvSpPr>
+          <p:cNvPr id="132" name="TextBox 131">
+            <a:extLst>
+              <a:ext uri="{FF2B5EF4-FFF2-40B4-BE49-F238E27FC236}">
+                <a16:creationId xmlns:a16="http://schemas.microsoft.com/office/drawing/2014/main" id="{2DDB5E4F-3697-4F97-BB12-7553F4130342}"/>
+              </a:ext>
+            </a:extLst>
+          </p:cNvPr>
+          <p:cNvSpPr txBox="1"/>
+          <p:nvPr/>
+        </p:nvSpPr>
+        <p:spPr>
+          <a:xfrm>
+            <a:off x="4761790" y="4227934"/>
+            <a:ext cx="1455880" cy="307777"/>
+          </a:xfrm>
+          <a:prstGeom prst="rect">
+            <a:avLst/>
+          </a:prstGeom>
+          <a:noFill/>
+        </p:spPr>
+        <p:txBody>
+          <a:bodyPr wrap="square" rtlCol="0" anchor="ctr">
+            <a:spAutoFit/>
+          </a:bodyPr>
+          <a:lstStyle/>
+          <a:p>
+            <a:pPr algn="ctr"/>
+            <a:r>
+              <a:rPr lang="en-US" altLang="ko-KR" sz="1400"/>
+              <a:t>Read</a:t>
+            </a:r>
+            <a:endParaRPr lang="ko-KR" altLang="en-US" sz="1400"/>
           </a:p>
         </p:txBody>
       </p:sp>
@@ -5747,7 +7231,7 @@
           <p:cNvPr id="57" name="사각형: 둥근 모서리 56">
             <a:extLst>
               <a:ext uri="{FF2B5EF4-FFF2-40B4-BE49-F238E27FC236}">
-                <a16:creationId xmlns:a16="http://schemas.microsoft.com/office/drawing/2014/main" id="{D0081DD2-33FA-46B1-8ABB-C5E63737BABF}"/>
+                <a16:creationId xmlns:a16="http://schemas.microsoft.com/office/drawing/2014/main" id="{CD2292A8-B6E9-49E6-9EE3-E6C0B77BC862}"/>
               </a:ext>
             </a:extLst>
           </p:cNvPr>
@@ -5756,20 +7240,14 @@
         </p:nvSpPr>
         <p:spPr>
           <a:xfrm>
-            <a:off x="1691680" y="3281986"/>
-            <a:ext cx="1440160" cy="268948"/>
+            <a:off x="183988" y="1488253"/>
+            <a:ext cx="1122025" cy="667818"/>
           </a:xfrm>
           <a:prstGeom prst="roundRect">
             <a:avLst>
               <a:gd name="adj" fmla="val 14105"/>
             </a:avLst>
           </a:prstGeom>
-          <a:solidFill>
-            <a:schemeClr val="accent1">
-              <a:lumMod val="20000"/>
-              <a:lumOff val="80000"/>
-            </a:schemeClr>
-          </a:solidFill>
         </p:spPr>
         <p:style>
           <a:lnRef idx="2">
@@ -5791,23 +7269,202 @@
           <a:p>
             <a:pPr algn="ctr"/>
             <a:r>
+              <a:rPr lang="en-US" altLang="ko-KR" sz="1400"/>
+              <a:t>Producer A</a:t>
+            </a:r>
+            <a:endParaRPr lang="ko-KR" altLang="en-US" sz="1400" dirty="0"/>
+          </a:p>
+        </p:txBody>
+      </p:sp>
+      <p:sp>
+        <p:nvSpPr>
+          <p:cNvPr id="58" name="TextBox 57">
+            <a:extLst>
+              <a:ext uri="{FF2B5EF4-FFF2-40B4-BE49-F238E27FC236}">
+                <a16:creationId xmlns:a16="http://schemas.microsoft.com/office/drawing/2014/main" id="{76915423-66F2-4F98-8E51-135D6E4782BC}"/>
+              </a:ext>
+            </a:extLst>
+          </p:cNvPr>
+          <p:cNvSpPr txBox="1"/>
+          <p:nvPr/>
+        </p:nvSpPr>
+        <p:spPr>
+          <a:xfrm>
+            <a:off x="3938311" y="627534"/>
+            <a:ext cx="1455880" cy="338554"/>
+          </a:xfrm>
+          <a:prstGeom prst="rect">
+            <a:avLst/>
+          </a:prstGeom>
+          <a:noFill/>
+        </p:spPr>
+        <p:txBody>
+          <a:bodyPr wrap="square" rtlCol="0" anchor="ctr">
+            <a:spAutoFit/>
+          </a:bodyPr>
+          <a:lstStyle/>
+          <a:p>
+            <a:pPr algn="ctr"/>
+            <a:r>
+              <a:rPr lang="en-US" altLang="ko-KR" sz="1600" b="1"/>
+              <a:t>Topic B</a:t>
+            </a:r>
+            <a:endParaRPr lang="ko-KR" altLang="en-US" sz="1600" b="1"/>
+          </a:p>
+        </p:txBody>
+      </p:sp>
+      <p:sp>
+        <p:nvSpPr>
+          <p:cNvPr id="59" name="TextBox 58">
+            <a:extLst>
+              <a:ext uri="{FF2B5EF4-FFF2-40B4-BE49-F238E27FC236}">
+                <a16:creationId xmlns:a16="http://schemas.microsoft.com/office/drawing/2014/main" id="{40038EE8-7476-4B5D-99BB-C5777112CFA3}"/>
+              </a:ext>
+            </a:extLst>
+          </p:cNvPr>
+          <p:cNvSpPr txBox="1"/>
+          <p:nvPr/>
+        </p:nvSpPr>
+        <p:spPr>
+          <a:xfrm>
+            <a:off x="1187624" y="930954"/>
+            <a:ext cx="1455880" cy="646331"/>
+          </a:xfrm>
+          <a:prstGeom prst="rect">
+            <a:avLst/>
+          </a:prstGeom>
+          <a:noFill/>
+        </p:spPr>
+        <p:txBody>
+          <a:bodyPr wrap="square" rtlCol="0" anchor="ctr">
+            <a:spAutoFit/>
+          </a:bodyPr>
+          <a:lstStyle/>
+          <a:p>
+            <a:pPr algn="ctr"/>
+            <a:r>
+              <a:rPr lang="en-US" altLang="ko-KR" sz="1400"/>
+              <a:t>Partition 0</a:t>
+            </a:r>
+          </a:p>
+          <a:p>
+            <a:pPr algn="ctr"/>
+            <a:r>
               <a:rPr lang="en-US" altLang="ko-KR" sz="1100"/>
-              <a:t>Partition </a:t>
-            </a:r>
-            <a:r>
-              <a:rPr lang="en-US" altLang="ko-KR" sz="1100" dirty="0"/>
+              <a:t>Group B : 6</a:t>
+            </a:r>
+          </a:p>
+          <a:p>
+            <a:pPr algn="ctr"/>
+            <a:r>
+              <a:rPr lang="en-US" altLang="ko-KR" sz="1100"/>
+              <a:t>Group C : 4</a:t>
+            </a:r>
+          </a:p>
+        </p:txBody>
+      </p:sp>
+      <p:sp>
+        <p:nvSpPr>
+          <p:cNvPr id="60" name="직사각형 59">
+            <a:extLst>
+              <a:ext uri="{FF2B5EF4-FFF2-40B4-BE49-F238E27FC236}">
+                <a16:creationId xmlns:a16="http://schemas.microsoft.com/office/drawing/2014/main" id="{6ECA17ED-04F1-460D-9687-26E431D44C4F}"/>
+              </a:ext>
+            </a:extLst>
+          </p:cNvPr>
+          <p:cNvSpPr/>
+          <p:nvPr/>
+        </p:nvSpPr>
+        <p:spPr>
+          <a:xfrm>
+            <a:off x="2483768" y="1064809"/>
+            <a:ext cx="405863" cy="360040"/>
+          </a:xfrm>
+          <a:prstGeom prst="rect">
+            <a:avLst/>
+          </a:prstGeom>
+        </p:spPr>
+        <p:style>
+          <a:lnRef idx="2">
+            <a:schemeClr val="dk1"/>
+          </a:lnRef>
+          <a:fillRef idx="1">
+            <a:schemeClr val="lt1"/>
+          </a:fillRef>
+          <a:effectRef idx="0">
+            <a:schemeClr val="dk1"/>
+          </a:effectRef>
+          <a:fontRef idx="minor">
+            <a:schemeClr val="dk1"/>
+          </a:fontRef>
+        </p:style>
+        <p:txBody>
+          <a:bodyPr rtlCol="0" anchor="ctr"/>
+          <a:lstStyle/>
+          <a:p>
+            <a:pPr algn="ctr"/>
+            <a:r>
+              <a:rPr lang="en-US" altLang="ko-KR" sz="1400"/>
+              <a:t>1</a:t>
+            </a:r>
+            <a:endParaRPr lang="ko-KR" altLang="en-US" sz="1400"/>
+          </a:p>
+        </p:txBody>
+      </p:sp>
+      <p:sp>
+        <p:nvSpPr>
+          <p:cNvPr id="61" name="직사각형 60">
+            <a:extLst>
+              <a:ext uri="{FF2B5EF4-FFF2-40B4-BE49-F238E27FC236}">
+                <a16:creationId xmlns:a16="http://schemas.microsoft.com/office/drawing/2014/main" id="{BF823405-7347-48A7-B134-BB60F35A95D5}"/>
+              </a:ext>
+            </a:extLst>
+          </p:cNvPr>
+          <p:cNvSpPr/>
+          <p:nvPr/>
+        </p:nvSpPr>
+        <p:spPr>
+          <a:xfrm>
+            <a:off x="2889631" y="1064809"/>
+            <a:ext cx="405863" cy="360040"/>
+          </a:xfrm>
+          <a:prstGeom prst="rect">
+            <a:avLst/>
+          </a:prstGeom>
+        </p:spPr>
+        <p:style>
+          <a:lnRef idx="2">
+            <a:schemeClr val="dk1"/>
+          </a:lnRef>
+          <a:fillRef idx="1">
+            <a:schemeClr val="lt1"/>
+          </a:fillRef>
+          <a:effectRef idx="0">
+            <a:schemeClr val="dk1"/>
+          </a:effectRef>
+          <a:fontRef idx="minor">
+            <a:schemeClr val="dk1"/>
+          </a:fontRef>
+        </p:style>
+        <p:txBody>
+          <a:bodyPr rtlCol="0" anchor="ctr"/>
+          <a:lstStyle/>
+          <a:p>
+            <a:pPr algn="ctr"/>
+            <a:r>
+              <a:rPr lang="en-US" altLang="ko-KR" sz="1400"/>
               <a:t>2</a:t>
             </a:r>
-            <a:endParaRPr lang="ko-KR" altLang="en-US" sz="1100" dirty="0"/>
-          </a:p>
-        </p:txBody>
-      </p:sp>
-      <p:sp>
-        <p:nvSpPr>
-          <p:cNvPr id="63" name="사각형: 둥근 모서리 62">
-            <a:extLst>
-              <a:ext uri="{FF2B5EF4-FFF2-40B4-BE49-F238E27FC236}">
-                <a16:creationId xmlns:a16="http://schemas.microsoft.com/office/drawing/2014/main" id="{1D930AF3-C251-4D74-827F-DC86C862B00C}"/>
+            <a:endParaRPr lang="ko-KR" altLang="en-US" sz="1400"/>
+          </a:p>
+        </p:txBody>
+      </p:sp>
+      <p:sp>
+        <p:nvSpPr>
+          <p:cNvPr id="62" name="직사각형 61">
+            <a:extLst>
+              <a:ext uri="{FF2B5EF4-FFF2-40B4-BE49-F238E27FC236}">
+                <a16:creationId xmlns:a16="http://schemas.microsoft.com/office/drawing/2014/main" id="{EC2E1A08-8178-440E-BE93-82D7331DD60B}"/>
               </a:ext>
             </a:extLst>
           </p:cNvPr>
@@ -5816,20 +7473,314 @@
         </p:nvSpPr>
         <p:spPr>
           <a:xfrm>
-            <a:off x="3779912" y="1793034"/>
-            <a:ext cx="1440160" cy="268948"/>
+            <a:off x="3295495" y="1064809"/>
+            <a:ext cx="405863" cy="360040"/>
+          </a:xfrm>
+          <a:prstGeom prst="rect">
+            <a:avLst/>
+          </a:prstGeom>
+        </p:spPr>
+        <p:style>
+          <a:lnRef idx="2">
+            <a:schemeClr val="dk1"/>
+          </a:lnRef>
+          <a:fillRef idx="1">
+            <a:schemeClr val="lt1"/>
+          </a:fillRef>
+          <a:effectRef idx="0">
+            <a:schemeClr val="dk1"/>
+          </a:effectRef>
+          <a:fontRef idx="minor">
+            <a:schemeClr val="dk1"/>
+          </a:fontRef>
+        </p:style>
+        <p:txBody>
+          <a:bodyPr rtlCol="0" anchor="ctr"/>
+          <a:lstStyle/>
+          <a:p>
+            <a:pPr algn="ctr"/>
+            <a:r>
+              <a:rPr lang="en-US" altLang="ko-KR" sz="1400"/>
+              <a:t>3</a:t>
+            </a:r>
+            <a:endParaRPr lang="ko-KR" altLang="en-US" sz="1400"/>
+          </a:p>
+        </p:txBody>
+      </p:sp>
+      <p:sp>
+        <p:nvSpPr>
+          <p:cNvPr id="63" name="직사각형 62">
+            <a:extLst>
+              <a:ext uri="{FF2B5EF4-FFF2-40B4-BE49-F238E27FC236}">
+                <a16:creationId xmlns:a16="http://schemas.microsoft.com/office/drawing/2014/main" id="{6EC840FD-4BFB-48BB-8102-E13381CE4F12}"/>
+              </a:ext>
+            </a:extLst>
+          </p:cNvPr>
+          <p:cNvSpPr/>
+          <p:nvPr/>
+        </p:nvSpPr>
+        <p:spPr>
+          <a:xfrm>
+            <a:off x="3701358" y="1064809"/>
+            <a:ext cx="405863" cy="360040"/>
+          </a:xfrm>
+          <a:prstGeom prst="rect">
+            <a:avLst/>
+          </a:prstGeom>
+        </p:spPr>
+        <p:style>
+          <a:lnRef idx="2">
+            <a:schemeClr val="dk1"/>
+          </a:lnRef>
+          <a:fillRef idx="1">
+            <a:schemeClr val="lt1"/>
+          </a:fillRef>
+          <a:effectRef idx="0">
+            <a:schemeClr val="dk1"/>
+          </a:effectRef>
+          <a:fontRef idx="minor">
+            <a:schemeClr val="dk1"/>
+          </a:fontRef>
+        </p:style>
+        <p:txBody>
+          <a:bodyPr rtlCol="0" anchor="ctr"/>
+          <a:lstStyle/>
+          <a:p>
+            <a:pPr algn="ctr"/>
+            <a:r>
+              <a:rPr lang="en-US" altLang="ko-KR" sz="1400"/>
+              <a:t>4</a:t>
+            </a:r>
+            <a:endParaRPr lang="ko-KR" altLang="en-US" sz="1400"/>
+          </a:p>
+        </p:txBody>
+      </p:sp>
+      <p:sp>
+        <p:nvSpPr>
+          <p:cNvPr id="64" name="직사각형 63">
+            <a:extLst>
+              <a:ext uri="{FF2B5EF4-FFF2-40B4-BE49-F238E27FC236}">
+                <a16:creationId xmlns:a16="http://schemas.microsoft.com/office/drawing/2014/main" id="{DAA8912D-6C85-4F42-88DB-EEABC072DFE1}"/>
+              </a:ext>
+            </a:extLst>
+          </p:cNvPr>
+          <p:cNvSpPr/>
+          <p:nvPr/>
+        </p:nvSpPr>
+        <p:spPr>
+          <a:xfrm>
+            <a:off x="4107221" y="1064809"/>
+            <a:ext cx="405863" cy="360040"/>
+          </a:xfrm>
+          <a:prstGeom prst="rect">
+            <a:avLst/>
+          </a:prstGeom>
+        </p:spPr>
+        <p:style>
+          <a:lnRef idx="2">
+            <a:schemeClr val="dk1"/>
+          </a:lnRef>
+          <a:fillRef idx="1">
+            <a:schemeClr val="lt1"/>
+          </a:fillRef>
+          <a:effectRef idx="0">
+            <a:schemeClr val="dk1"/>
+          </a:effectRef>
+          <a:fontRef idx="minor">
+            <a:schemeClr val="dk1"/>
+          </a:fontRef>
+        </p:style>
+        <p:txBody>
+          <a:bodyPr rtlCol="0" anchor="ctr"/>
+          <a:lstStyle/>
+          <a:p>
+            <a:pPr algn="ctr"/>
+            <a:r>
+              <a:rPr lang="en-US" altLang="ko-KR" sz="1400"/>
+              <a:t>5</a:t>
+            </a:r>
+            <a:endParaRPr lang="ko-KR" altLang="en-US" sz="1400"/>
+          </a:p>
+        </p:txBody>
+      </p:sp>
+      <p:sp>
+        <p:nvSpPr>
+          <p:cNvPr id="65" name="직사각형 64">
+            <a:extLst>
+              <a:ext uri="{FF2B5EF4-FFF2-40B4-BE49-F238E27FC236}">
+                <a16:creationId xmlns:a16="http://schemas.microsoft.com/office/drawing/2014/main" id="{746B80DE-B722-414C-9689-974779865889}"/>
+              </a:ext>
+            </a:extLst>
+          </p:cNvPr>
+          <p:cNvSpPr/>
+          <p:nvPr/>
+        </p:nvSpPr>
+        <p:spPr>
+          <a:xfrm>
+            <a:off x="4513084" y="1064809"/>
+            <a:ext cx="405863" cy="360040"/>
+          </a:xfrm>
+          <a:prstGeom prst="rect">
+            <a:avLst/>
+          </a:prstGeom>
+        </p:spPr>
+        <p:style>
+          <a:lnRef idx="2">
+            <a:schemeClr val="dk1"/>
+          </a:lnRef>
+          <a:fillRef idx="1">
+            <a:schemeClr val="lt1"/>
+          </a:fillRef>
+          <a:effectRef idx="0">
+            <a:schemeClr val="dk1"/>
+          </a:effectRef>
+          <a:fontRef idx="minor">
+            <a:schemeClr val="dk1"/>
+          </a:fontRef>
+        </p:style>
+        <p:txBody>
+          <a:bodyPr rtlCol="0" anchor="ctr"/>
+          <a:lstStyle/>
+          <a:p>
+            <a:pPr algn="ctr"/>
+            <a:r>
+              <a:rPr lang="en-US" altLang="ko-KR" sz="1400"/>
+              <a:t>6</a:t>
+            </a:r>
+            <a:endParaRPr lang="ko-KR" altLang="en-US" sz="1400"/>
+          </a:p>
+        </p:txBody>
+      </p:sp>
+      <p:sp>
+        <p:nvSpPr>
+          <p:cNvPr id="66" name="직사각형 65">
+            <a:extLst>
+              <a:ext uri="{FF2B5EF4-FFF2-40B4-BE49-F238E27FC236}">
+                <a16:creationId xmlns:a16="http://schemas.microsoft.com/office/drawing/2014/main" id="{1D068284-5156-4D72-8D4F-F251B7169D4D}"/>
+              </a:ext>
+            </a:extLst>
+          </p:cNvPr>
+          <p:cNvSpPr/>
+          <p:nvPr/>
+        </p:nvSpPr>
+        <p:spPr>
+          <a:xfrm>
+            <a:off x="4918948" y="1064809"/>
+            <a:ext cx="405863" cy="360040"/>
+          </a:xfrm>
+          <a:prstGeom prst="rect">
+            <a:avLst/>
+          </a:prstGeom>
+          <a:ln>
+            <a:prstDash val="dash"/>
+          </a:ln>
+        </p:spPr>
+        <p:style>
+          <a:lnRef idx="2">
+            <a:schemeClr val="dk1"/>
+          </a:lnRef>
+          <a:fillRef idx="1">
+            <a:schemeClr val="lt1"/>
+          </a:fillRef>
+          <a:effectRef idx="0">
+            <a:schemeClr val="dk1"/>
+          </a:effectRef>
+          <a:fontRef idx="minor">
+            <a:schemeClr val="dk1"/>
+          </a:fontRef>
+        </p:style>
+        <p:txBody>
+          <a:bodyPr rtlCol="0" anchor="ctr"/>
+          <a:lstStyle/>
+          <a:p>
+            <a:pPr algn="ctr"/>
+            <a:r>
+              <a:rPr lang="en-US" altLang="ko-KR" sz="1400"/>
+              <a:t>7</a:t>
+            </a:r>
+            <a:endParaRPr lang="ko-KR" altLang="en-US" sz="1400"/>
+          </a:p>
+        </p:txBody>
+      </p:sp>
+      <p:sp>
+        <p:nvSpPr>
+          <p:cNvPr id="71" name="사각형: 둥근 모서리 70">
+            <a:extLst>
+              <a:ext uri="{FF2B5EF4-FFF2-40B4-BE49-F238E27FC236}">
+                <a16:creationId xmlns:a16="http://schemas.microsoft.com/office/drawing/2014/main" id="{B3F2B654-343E-4188-89C0-67E42CFDD762}"/>
+              </a:ext>
+            </a:extLst>
+          </p:cNvPr>
+          <p:cNvSpPr/>
+          <p:nvPr/>
+        </p:nvSpPr>
+        <p:spPr>
+          <a:xfrm>
+            <a:off x="7380312" y="699542"/>
+            <a:ext cx="1603460" cy="1348548"/>
+          </a:xfrm>
+          <a:prstGeom prst="roundRect">
+            <a:avLst>
+              <a:gd name="adj" fmla="val 8253"/>
+            </a:avLst>
+          </a:prstGeom>
+          <a:ln>
+            <a:prstDash val="dash"/>
+          </a:ln>
+        </p:spPr>
+        <p:style>
+          <a:lnRef idx="2">
+            <a:schemeClr val="dk1"/>
+          </a:lnRef>
+          <a:fillRef idx="1">
+            <a:schemeClr val="lt1"/>
+          </a:fillRef>
+          <a:effectRef idx="0">
+            <a:schemeClr val="dk1"/>
+          </a:effectRef>
+          <a:fontRef idx="minor">
+            <a:schemeClr val="dk1"/>
+          </a:fontRef>
+        </p:style>
+        <p:txBody>
+          <a:bodyPr rtlCol="0" anchor="b"/>
+          <a:lstStyle/>
+          <a:p>
+            <a:pPr algn="ctr"/>
+            <a:r>
+              <a:rPr lang="en-US" altLang="ko-KR" sz="1400" dirty="0"/>
+              <a:t>Consumer </a:t>
+            </a:r>
+            <a:r>
+              <a:rPr lang="en-US" altLang="ko-KR" sz="1400"/>
+              <a:t>Group B</a:t>
+            </a:r>
+            <a:endParaRPr lang="ko-KR" altLang="en-US" sz="1400" dirty="0"/>
+          </a:p>
+        </p:txBody>
+      </p:sp>
+      <p:sp>
+        <p:nvSpPr>
+          <p:cNvPr id="73" name="사각형: 둥근 모서리 72">
+            <a:extLst>
+              <a:ext uri="{FF2B5EF4-FFF2-40B4-BE49-F238E27FC236}">
+                <a16:creationId xmlns:a16="http://schemas.microsoft.com/office/drawing/2014/main" id="{44421A4C-89BC-48F3-9547-129DF41126A5}"/>
+              </a:ext>
+            </a:extLst>
+          </p:cNvPr>
+          <p:cNvSpPr/>
+          <p:nvPr/>
+        </p:nvSpPr>
+        <p:spPr>
+          <a:xfrm>
+            <a:off x="7621029" y="804208"/>
+            <a:ext cx="1122025" cy="667818"/>
           </a:xfrm>
           <a:prstGeom prst="roundRect">
             <a:avLst>
               <a:gd name="adj" fmla="val 14105"/>
             </a:avLst>
           </a:prstGeom>
-          <a:solidFill>
-            <a:schemeClr val="accent1">
-              <a:lumMod val="20000"/>
-              <a:lumOff val="80000"/>
-            </a:schemeClr>
-          </a:solidFill>
         </p:spPr>
         <p:style>
           <a:lnRef idx="2">
@@ -5851,23 +7802,19 @@
           <a:p>
             <a:pPr algn="ctr"/>
             <a:r>
-              <a:rPr lang="en-US" altLang="ko-KR" sz="1100"/>
-              <a:t>Partition </a:t>
-            </a:r>
-            <a:r>
-              <a:rPr lang="en-US" altLang="ko-KR" sz="1100" dirty="0"/>
-              <a:t>0</a:t>
-            </a:r>
-            <a:endParaRPr lang="ko-KR" altLang="en-US" sz="1100" dirty="0"/>
-          </a:p>
-        </p:txBody>
-      </p:sp>
-      <p:sp>
-        <p:nvSpPr>
-          <p:cNvPr id="64" name="사각형: 둥근 모서리 63">
-            <a:extLst>
-              <a:ext uri="{FF2B5EF4-FFF2-40B4-BE49-F238E27FC236}">
-                <a16:creationId xmlns:a16="http://schemas.microsoft.com/office/drawing/2014/main" id="{C093F3AF-A4D5-42A7-93F0-6BCBA9A55EF7}"/>
+              <a:rPr lang="en-US" altLang="ko-KR" sz="1400"/>
+              <a:t>Consumer B</a:t>
+            </a:r>
+            <a:endParaRPr lang="ko-KR" altLang="en-US" sz="1400" dirty="0"/>
+          </a:p>
+        </p:txBody>
+      </p:sp>
+      <p:sp>
+        <p:nvSpPr>
+          <p:cNvPr id="10" name="자유형: 도형 9">
+            <a:extLst>
+              <a:ext uri="{FF2B5EF4-FFF2-40B4-BE49-F238E27FC236}">
+                <a16:creationId xmlns:a16="http://schemas.microsoft.com/office/drawing/2014/main" id="{3892A585-EB11-4C2A-B724-8471074CA607}"/>
               </a:ext>
             </a:extLst>
           </p:cNvPr>
@@ -5876,504 +7823,83 @@
         </p:nvSpPr>
         <p:spPr>
           <a:xfrm>
-            <a:off x="3779912" y="2549562"/>
-            <a:ext cx="1440160" cy="268948"/>
-          </a:xfrm>
-          <a:prstGeom prst="roundRect">
-            <a:avLst>
-              <a:gd name="adj" fmla="val 14105"/>
-            </a:avLst>
-          </a:prstGeom>
-          <a:solidFill>
-            <a:schemeClr val="accent1">
-              <a:lumMod val="20000"/>
-              <a:lumOff val="80000"/>
-            </a:schemeClr>
-          </a:solidFill>
-        </p:spPr>
-        <p:style>
-          <a:lnRef idx="2">
-            <a:schemeClr val="dk1"/>
-          </a:lnRef>
-          <a:fillRef idx="1">
-            <a:schemeClr val="lt1"/>
-          </a:fillRef>
-          <a:effectRef idx="0">
-            <a:schemeClr val="dk1"/>
-          </a:effectRef>
-          <a:fontRef idx="minor">
-            <a:schemeClr val="dk1"/>
-          </a:fontRef>
-        </p:style>
-        <p:txBody>
-          <a:bodyPr rtlCol="0" anchor="ctr"/>
-          <a:lstStyle/>
-          <a:p>
-            <a:pPr algn="ctr"/>
-            <a:r>
-              <a:rPr lang="en-US" altLang="ko-KR" sz="1100"/>
-              <a:t>Partition 0</a:t>
-            </a:r>
-            <a:endParaRPr lang="ko-KR" altLang="en-US" sz="1100" dirty="0"/>
-          </a:p>
-        </p:txBody>
-      </p:sp>
-      <p:sp>
-        <p:nvSpPr>
-          <p:cNvPr id="65" name="사각형: 둥근 모서리 64">
-            <a:extLst>
-              <a:ext uri="{FF2B5EF4-FFF2-40B4-BE49-F238E27FC236}">
-                <a16:creationId xmlns:a16="http://schemas.microsoft.com/office/drawing/2014/main" id="{CE7BAF05-2759-4F3B-9CFD-1F237A1F8B70}"/>
-              </a:ext>
-            </a:extLst>
-          </p:cNvPr>
-          <p:cNvSpPr/>
-          <p:nvPr/>
-        </p:nvSpPr>
-        <p:spPr>
-          <a:xfrm>
-            <a:off x="3779912" y="2915774"/>
-            <a:ext cx="1440160" cy="268948"/>
-          </a:xfrm>
-          <a:prstGeom prst="roundRect">
-            <a:avLst>
-              <a:gd name="adj" fmla="val 14105"/>
-            </a:avLst>
-          </a:prstGeom>
-          <a:solidFill>
-            <a:schemeClr val="accent2">
-              <a:lumMod val="20000"/>
-              <a:lumOff val="80000"/>
-            </a:schemeClr>
-          </a:solidFill>
-        </p:spPr>
-        <p:style>
-          <a:lnRef idx="2">
-            <a:schemeClr val="dk1"/>
-          </a:lnRef>
-          <a:fillRef idx="1">
-            <a:schemeClr val="lt1"/>
-          </a:fillRef>
-          <a:effectRef idx="0">
-            <a:schemeClr val="dk1"/>
-          </a:effectRef>
-          <a:fontRef idx="minor">
-            <a:schemeClr val="dk1"/>
-          </a:fontRef>
-        </p:style>
-        <p:txBody>
-          <a:bodyPr rtlCol="0" anchor="ctr"/>
-          <a:lstStyle/>
-          <a:p>
-            <a:pPr algn="ctr"/>
-            <a:r>
-              <a:rPr lang="en-US" altLang="ko-KR" sz="1100"/>
-              <a:t>Partition 1</a:t>
-            </a:r>
-            <a:endParaRPr lang="ko-KR" altLang="en-US" sz="1100" dirty="0"/>
-          </a:p>
-        </p:txBody>
-      </p:sp>
-      <p:sp>
-        <p:nvSpPr>
-          <p:cNvPr id="66" name="사각형: 둥근 모서리 65">
-            <a:extLst>
-              <a:ext uri="{FF2B5EF4-FFF2-40B4-BE49-F238E27FC236}">
-                <a16:creationId xmlns:a16="http://schemas.microsoft.com/office/drawing/2014/main" id="{1CA0F0DF-F771-45A7-AE6F-EA0C6999E419}"/>
-              </a:ext>
-            </a:extLst>
-          </p:cNvPr>
-          <p:cNvSpPr/>
-          <p:nvPr/>
-        </p:nvSpPr>
-        <p:spPr>
-          <a:xfrm>
-            <a:off x="3779912" y="3281986"/>
-            <a:ext cx="1440160" cy="268948"/>
-          </a:xfrm>
-          <a:prstGeom prst="roundRect">
-            <a:avLst>
-              <a:gd name="adj" fmla="val 14105"/>
-            </a:avLst>
-          </a:prstGeom>
-          <a:solidFill>
-            <a:schemeClr val="accent1">
-              <a:lumMod val="20000"/>
-              <a:lumOff val="80000"/>
-            </a:schemeClr>
-          </a:solidFill>
-        </p:spPr>
-        <p:style>
-          <a:lnRef idx="2">
-            <a:schemeClr val="dk1"/>
-          </a:lnRef>
-          <a:fillRef idx="1">
-            <a:schemeClr val="lt1"/>
-          </a:fillRef>
-          <a:effectRef idx="0">
-            <a:schemeClr val="dk1"/>
-          </a:effectRef>
-          <a:fontRef idx="minor">
-            <a:schemeClr val="dk1"/>
-          </a:fontRef>
-        </p:style>
-        <p:txBody>
-          <a:bodyPr rtlCol="0" anchor="ctr"/>
-          <a:lstStyle/>
-          <a:p>
-            <a:pPr algn="ctr"/>
-            <a:r>
-              <a:rPr lang="en-US" altLang="ko-KR" sz="1100"/>
-              <a:t>Partition </a:t>
-            </a:r>
-            <a:r>
-              <a:rPr lang="en-US" altLang="ko-KR" sz="1100" dirty="0"/>
-              <a:t>2</a:t>
-            </a:r>
-            <a:endParaRPr lang="ko-KR" altLang="en-US" sz="1100" dirty="0"/>
-          </a:p>
-        </p:txBody>
-      </p:sp>
-      <p:sp>
-        <p:nvSpPr>
-          <p:cNvPr id="70" name="사각형: 둥근 모서리 69">
-            <a:extLst>
-              <a:ext uri="{FF2B5EF4-FFF2-40B4-BE49-F238E27FC236}">
-                <a16:creationId xmlns:a16="http://schemas.microsoft.com/office/drawing/2014/main" id="{84D930EB-BC46-471C-A7B6-A6B0BC36B737}"/>
-              </a:ext>
-            </a:extLst>
-          </p:cNvPr>
-          <p:cNvSpPr/>
-          <p:nvPr/>
-        </p:nvSpPr>
-        <p:spPr>
-          <a:xfrm>
-            <a:off x="5868144" y="1793034"/>
-            <a:ext cx="1440160" cy="268948"/>
-          </a:xfrm>
-          <a:prstGeom prst="roundRect">
-            <a:avLst>
-              <a:gd name="adj" fmla="val 14105"/>
-            </a:avLst>
-          </a:prstGeom>
-          <a:solidFill>
-            <a:schemeClr val="accent2">
-              <a:lumMod val="20000"/>
-              <a:lumOff val="80000"/>
-            </a:schemeClr>
-          </a:solidFill>
-        </p:spPr>
-        <p:style>
-          <a:lnRef idx="2">
-            <a:schemeClr val="dk1"/>
-          </a:lnRef>
-          <a:fillRef idx="1">
-            <a:schemeClr val="lt1"/>
-          </a:fillRef>
-          <a:effectRef idx="0">
-            <a:schemeClr val="dk1"/>
-          </a:effectRef>
-          <a:fontRef idx="minor">
-            <a:schemeClr val="dk1"/>
-          </a:fontRef>
-        </p:style>
-        <p:txBody>
-          <a:bodyPr rtlCol="0" anchor="ctr"/>
-          <a:lstStyle/>
-          <a:p>
-            <a:pPr algn="ctr"/>
-            <a:r>
-              <a:rPr lang="en-US" altLang="ko-KR" sz="1100"/>
-              <a:t>Partition </a:t>
-            </a:r>
-            <a:r>
-              <a:rPr lang="en-US" altLang="ko-KR" sz="1100" dirty="0"/>
-              <a:t>0</a:t>
-            </a:r>
-            <a:endParaRPr lang="ko-KR" altLang="en-US" sz="1100" dirty="0"/>
-          </a:p>
-        </p:txBody>
-      </p:sp>
-      <p:sp>
-        <p:nvSpPr>
-          <p:cNvPr id="71" name="사각형: 둥근 모서리 70">
-            <a:extLst>
-              <a:ext uri="{FF2B5EF4-FFF2-40B4-BE49-F238E27FC236}">
-                <a16:creationId xmlns:a16="http://schemas.microsoft.com/office/drawing/2014/main" id="{8CB55B9F-1769-4742-9626-EA91B55F9CD0}"/>
-              </a:ext>
-            </a:extLst>
-          </p:cNvPr>
-          <p:cNvSpPr/>
-          <p:nvPr/>
-        </p:nvSpPr>
-        <p:spPr>
-          <a:xfrm>
-            <a:off x="5868144" y="2549562"/>
-            <a:ext cx="1440160" cy="268948"/>
-          </a:xfrm>
-          <a:prstGeom prst="roundRect">
-            <a:avLst>
-              <a:gd name="adj" fmla="val 14105"/>
-            </a:avLst>
-          </a:prstGeom>
-          <a:solidFill>
-            <a:schemeClr val="accent1">
-              <a:lumMod val="20000"/>
-              <a:lumOff val="80000"/>
-            </a:schemeClr>
-          </a:solidFill>
-        </p:spPr>
-        <p:style>
-          <a:lnRef idx="2">
-            <a:schemeClr val="dk1"/>
-          </a:lnRef>
-          <a:fillRef idx="1">
-            <a:schemeClr val="lt1"/>
-          </a:fillRef>
-          <a:effectRef idx="0">
-            <a:schemeClr val="dk1"/>
-          </a:effectRef>
-          <a:fontRef idx="minor">
-            <a:schemeClr val="dk1"/>
-          </a:fontRef>
-        </p:style>
-        <p:txBody>
-          <a:bodyPr rtlCol="0" anchor="ctr"/>
-          <a:lstStyle/>
-          <a:p>
-            <a:pPr algn="ctr"/>
-            <a:r>
-              <a:rPr lang="en-US" altLang="ko-KR" sz="1100"/>
-              <a:t>Partition 0</a:t>
-            </a:r>
-            <a:endParaRPr lang="ko-KR" altLang="en-US" sz="1100" dirty="0"/>
-          </a:p>
-        </p:txBody>
-      </p:sp>
-      <p:sp>
-        <p:nvSpPr>
-          <p:cNvPr id="72" name="사각형: 둥근 모서리 71">
-            <a:extLst>
-              <a:ext uri="{FF2B5EF4-FFF2-40B4-BE49-F238E27FC236}">
-                <a16:creationId xmlns:a16="http://schemas.microsoft.com/office/drawing/2014/main" id="{E617FFBB-A175-4D87-8F62-AFE2F1679458}"/>
-              </a:ext>
-            </a:extLst>
-          </p:cNvPr>
-          <p:cNvSpPr/>
-          <p:nvPr/>
-        </p:nvSpPr>
-        <p:spPr>
-          <a:xfrm>
-            <a:off x="5868144" y="2915774"/>
-            <a:ext cx="1440160" cy="268948"/>
-          </a:xfrm>
-          <a:prstGeom prst="roundRect">
-            <a:avLst>
-              <a:gd name="adj" fmla="val 14105"/>
-            </a:avLst>
-          </a:prstGeom>
-          <a:solidFill>
-            <a:schemeClr val="accent1">
-              <a:lumMod val="20000"/>
-              <a:lumOff val="80000"/>
-            </a:schemeClr>
-          </a:solidFill>
-        </p:spPr>
-        <p:style>
-          <a:lnRef idx="2">
-            <a:schemeClr val="dk1"/>
-          </a:lnRef>
-          <a:fillRef idx="1">
-            <a:schemeClr val="lt1"/>
-          </a:fillRef>
-          <a:effectRef idx="0">
-            <a:schemeClr val="dk1"/>
-          </a:effectRef>
-          <a:fontRef idx="minor">
-            <a:schemeClr val="dk1"/>
-          </a:fontRef>
-        </p:style>
-        <p:txBody>
-          <a:bodyPr rtlCol="0" anchor="ctr"/>
-          <a:lstStyle/>
-          <a:p>
-            <a:pPr algn="ctr"/>
-            <a:r>
-              <a:rPr lang="en-US" altLang="ko-KR" sz="1100"/>
-              <a:t>Partition </a:t>
-            </a:r>
-            <a:r>
-              <a:rPr lang="en-US" altLang="ko-KR" sz="1100" dirty="0"/>
-              <a:t>1</a:t>
-            </a:r>
-            <a:endParaRPr lang="ko-KR" altLang="en-US" sz="1100" dirty="0"/>
-          </a:p>
-        </p:txBody>
-      </p:sp>
-      <p:sp>
-        <p:nvSpPr>
-          <p:cNvPr id="73" name="사각형: 둥근 모서리 72">
-            <a:extLst>
-              <a:ext uri="{FF2B5EF4-FFF2-40B4-BE49-F238E27FC236}">
-                <a16:creationId xmlns:a16="http://schemas.microsoft.com/office/drawing/2014/main" id="{050D8438-7982-4C6D-A88B-7801CD2300FE}"/>
-              </a:ext>
-            </a:extLst>
-          </p:cNvPr>
-          <p:cNvSpPr/>
-          <p:nvPr/>
-        </p:nvSpPr>
-        <p:spPr>
-          <a:xfrm>
-            <a:off x="5868144" y="3281986"/>
-            <a:ext cx="1440160" cy="268948"/>
-          </a:xfrm>
-          <a:prstGeom prst="roundRect">
-            <a:avLst>
-              <a:gd name="adj" fmla="val 14105"/>
-            </a:avLst>
-          </a:prstGeom>
-          <a:solidFill>
-            <a:schemeClr val="accent2">
-              <a:lumMod val="20000"/>
-              <a:lumOff val="80000"/>
-            </a:schemeClr>
-          </a:solidFill>
-        </p:spPr>
-        <p:style>
-          <a:lnRef idx="2">
-            <a:schemeClr val="dk1"/>
-          </a:lnRef>
-          <a:fillRef idx="1">
-            <a:schemeClr val="lt1"/>
-          </a:fillRef>
-          <a:effectRef idx="0">
-            <a:schemeClr val="dk1"/>
-          </a:effectRef>
-          <a:fontRef idx="minor">
-            <a:schemeClr val="dk1"/>
-          </a:fontRef>
-        </p:style>
-        <p:txBody>
-          <a:bodyPr rtlCol="0" anchor="ctr"/>
-          <a:lstStyle/>
-          <a:p>
-            <a:pPr algn="ctr"/>
-            <a:r>
-              <a:rPr lang="en-US" altLang="ko-KR" sz="1100"/>
-              <a:t>Partition </a:t>
-            </a:r>
-            <a:r>
-              <a:rPr lang="en-US" altLang="ko-KR" sz="1100" dirty="0"/>
-              <a:t>2</a:t>
-            </a:r>
-            <a:endParaRPr lang="ko-KR" altLang="en-US" sz="1100" dirty="0"/>
-          </a:p>
-        </p:txBody>
-      </p:sp>
-      <p:sp>
-        <p:nvSpPr>
-          <p:cNvPr id="74" name="사각형: 둥근 모서리 73">
-            <a:extLst>
-              <a:ext uri="{FF2B5EF4-FFF2-40B4-BE49-F238E27FC236}">
-                <a16:creationId xmlns:a16="http://schemas.microsoft.com/office/drawing/2014/main" id="{310FF450-E455-4CDD-9246-557B0E07B241}"/>
-              </a:ext>
-            </a:extLst>
-          </p:cNvPr>
-          <p:cNvSpPr/>
-          <p:nvPr/>
-        </p:nvSpPr>
-        <p:spPr>
-          <a:xfrm>
-            <a:off x="1460210" y="4258806"/>
-            <a:ext cx="1872208" cy="307777"/>
-          </a:xfrm>
-          <a:prstGeom prst="roundRect">
-            <a:avLst>
-              <a:gd name="adj" fmla="val 25008"/>
-            </a:avLst>
-          </a:prstGeom>
+            <a:off x="1304144" y="1424377"/>
+            <a:ext cx="3814997" cy="209551"/>
+          </a:xfrm>
+          <a:custGeom>
+            <a:avLst/>
+            <a:gdLst>
+              <a:gd name="connsiteX0" fmla="*/ 0 w 3814997"/>
+              <a:gd name="connsiteY0" fmla="*/ 194872 h 194872"/>
+              <a:gd name="connsiteX1" fmla="*/ 3814997 w 3814997"/>
+              <a:gd name="connsiteY1" fmla="*/ 194872 h 194872"/>
+              <a:gd name="connsiteX2" fmla="*/ 3814997 w 3814997"/>
+              <a:gd name="connsiteY2" fmla="*/ 0 h 194872"/>
+            </a:gdLst>
+            <a:ahLst/>
+            <a:cxnLst>
+              <a:cxn ang="0">
+                <a:pos x="connsiteX0" y="connsiteY0"/>
+              </a:cxn>
+              <a:cxn ang="0">
+                <a:pos x="connsiteX1" y="connsiteY1"/>
+              </a:cxn>
+              <a:cxn ang="0">
+                <a:pos x="connsiteX2" y="connsiteY2"/>
+              </a:cxn>
+            </a:cxnLst>
+            <a:rect l="l" t="t" r="r" b="b"/>
+            <a:pathLst>
+              <a:path w="3814997" h="194872">
+                <a:moveTo>
+                  <a:pt x="0" y="194872"/>
+                </a:moveTo>
+                <a:lnTo>
+                  <a:pt x="3814997" y="194872"/>
+                </a:lnTo>
+                <a:lnTo>
+                  <a:pt x="3814997" y="0"/>
+                </a:lnTo>
+              </a:path>
+            </a:pathLst>
+          </a:custGeom>
           <a:noFill/>
-        </p:spPr>
-        <p:style>
-          <a:lnRef idx="2">
-            <a:schemeClr val="dk1"/>
-          </a:lnRef>
-          <a:fillRef idx="1">
-            <a:schemeClr val="lt1"/>
-          </a:fillRef>
-          <a:effectRef idx="0">
-            <a:schemeClr val="dk1"/>
-          </a:effectRef>
-          <a:fontRef idx="minor">
-            <a:schemeClr val="dk1"/>
-          </a:fontRef>
-        </p:style>
-        <p:txBody>
-          <a:bodyPr rtlCol="0" anchor="ctr"/>
-          <a:lstStyle/>
-          <a:p>
-            <a:pPr algn="ctr"/>
-            <a:r>
-              <a:rPr lang="en-US" altLang="ko-KR" sz="1400"/>
-              <a:t>Zookeeper</a:t>
-            </a:r>
-            <a:endParaRPr lang="ko-KR" altLang="en-US" sz="1400" dirty="0"/>
-          </a:p>
-        </p:txBody>
-      </p:sp>
-      <p:cxnSp>
-        <p:nvCxnSpPr>
-          <p:cNvPr id="79" name="직선 화살표 연결선 78">
-            <a:extLst>
-              <a:ext uri="{FF2B5EF4-FFF2-40B4-BE49-F238E27FC236}">
-                <a16:creationId xmlns:a16="http://schemas.microsoft.com/office/drawing/2014/main" id="{2A1AECB2-35D2-425D-A059-8CED21029DBB}"/>
-              </a:ext>
-            </a:extLst>
-          </p:cNvPr>
-          <p:cNvCxnSpPr>
-            <a:cxnSpLocks/>
-            <a:stCxn id="45" idx="1"/>
-            <a:endCxn id="42" idx="3"/>
-          </p:cNvCxnSpPr>
-          <p:nvPr/>
-        </p:nvCxnSpPr>
-        <p:spPr>
-          <a:xfrm flipH="1">
-            <a:off x="5436096" y="4412695"/>
-            <a:ext cx="216025" cy="0"/>
-          </a:xfrm>
-          <a:prstGeom prst="straightConnector1">
-            <a:avLst/>
-          </a:prstGeom>
-          <a:ln w="19050">
-            <a:solidFill>
-              <a:schemeClr val="tx1"/>
-            </a:solidFill>
-            <a:headEnd type="arrow" w="med" len="med"/>
+          <a:ln>
+            <a:headEnd type="none" w="med" len="med"/>
             <a:tailEnd type="arrow" w="med" len="med"/>
           </a:ln>
         </p:spPr>
         <p:style>
-          <a:lnRef idx="1">
+          <a:lnRef idx="2">
+            <a:schemeClr val="accent1">
+              <a:shade val="50000"/>
+            </a:schemeClr>
+          </a:lnRef>
+          <a:fillRef idx="1">
             <a:schemeClr val="accent1"/>
-          </a:lnRef>
-          <a:fillRef idx="0">
+          </a:fillRef>
+          <a:effectRef idx="0">
             <a:schemeClr val="accent1"/>
-          </a:fillRef>
-          <a:effectRef idx="0">
-            <a:schemeClr val="accent1"/>
-          </a:effectRef>
-          <a:fontRef idx="minor">
-            <a:schemeClr val="tx1"/>
-          </a:fontRef>
-        </p:style>
-      </p:cxnSp>
-      <p:sp>
-        <p:nvSpPr>
-          <p:cNvPr id="3" name="사각형: 둥근 모서리 2">
-            <a:extLst>
-              <a:ext uri="{FF2B5EF4-FFF2-40B4-BE49-F238E27FC236}">
-                <a16:creationId xmlns:a16="http://schemas.microsoft.com/office/drawing/2014/main" id="{A0251F74-49B2-4DD0-98FA-A17BBF39C197}"/>
+          </a:effectRef>
+          <a:fontRef idx="minor">
+            <a:schemeClr val="lt1"/>
+          </a:fontRef>
+        </p:style>
+        <p:txBody>
+          <a:bodyPr rtlCol="0" anchor="ctr"/>
+          <a:lstStyle/>
+          <a:p>
+            <a:pPr algn="ctr"/>
+            <a:endParaRPr lang="ko-KR" altLang="en-US"/>
+          </a:p>
+        </p:txBody>
+      </p:sp>
+      <p:sp>
+        <p:nvSpPr>
+          <p:cNvPr id="12" name="자유형: 도형 11">
+            <a:extLst>
+              <a:ext uri="{FF2B5EF4-FFF2-40B4-BE49-F238E27FC236}">
+                <a16:creationId xmlns:a16="http://schemas.microsoft.com/office/drawing/2014/main" id="{334CFC71-03D9-415C-B2FB-30C579B1347F}"/>
               </a:ext>
             </a:extLst>
           </p:cNvPr>
@@ -6382,52 +7908,118 @@
         </p:nvSpPr>
         <p:spPr>
           <a:xfrm>
-            <a:off x="1568670" y="564766"/>
-            <a:ext cx="5862644" cy="1075263"/>
-          </a:xfrm>
-          <a:prstGeom prst="roundRect">
-            <a:avLst>
-              <a:gd name="adj" fmla="val 9108"/>
-            </a:avLst>
-          </a:prstGeom>
+            <a:off x="4714407" y="1116767"/>
+            <a:ext cx="2908091" cy="449705"/>
+          </a:xfrm>
+          <a:custGeom>
+            <a:avLst/>
+            <a:gdLst>
+              <a:gd name="connsiteX0" fmla="*/ 0 w 2908091"/>
+              <a:gd name="connsiteY0" fmla="*/ 314794 h 449705"/>
+              <a:gd name="connsiteX1" fmla="*/ 0 w 2908091"/>
+              <a:gd name="connsiteY1" fmla="*/ 449705 h 449705"/>
+              <a:gd name="connsiteX2" fmla="*/ 1663908 w 2908091"/>
+              <a:gd name="connsiteY2" fmla="*/ 449705 h 449705"/>
+              <a:gd name="connsiteX3" fmla="*/ 1663908 w 2908091"/>
+              <a:gd name="connsiteY3" fmla="*/ 67456 h 449705"/>
+              <a:gd name="connsiteX4" fmla="*/ 1663908 w 2908091"/>
+              <a:gd name="connsiteY4" fmla="*/ 37476 h 449705"/>
+              <a:gd name="connsiteX5" fmla="*/ 1663908 w 2908091"/>
+              <a:gd name="connsiteY5" fmla="*/ 0 h 449705"/>
+              <a:gd name="connsiteX6" fmla="*/ 2908091 w 2908091"/>
+              <a:gd name="connsiteY6" fmla="*/ 0 h 449705"/>
+            </a:gdLst>
+            <a:ahLst/>
+            <a:cxnLst>
+              <a:cxn ang="0">
+                <a:pos x="connsiteX0" y="connsiteY0"/>
+              </a:cxn>
+              <a:cxn ang="0">
+                <a:pos x="connsiteX1" y="connsiteY1"/>
+              </a:cxn>
+              <a:cxn ang="0">
+                <a:pos x="connsiteX2" y="connsiteY2"/>
+              </a:cxn>
+              <a:cxn ang="0">
+                <a:pos x="connsiteX3" y="connsiteY3"/>
+              </a:cxn>
+              <a:cxn ang="0">
+                <a:pos x="connsiteX4" y="connsiteY4"/>
+              </a:cxn>
+              <a:cxn ang="0">
+                <a:pos x="connsiteX5" y="connsiteY5"/>
+              </a:cxn>
+              <a:cxn ang="0">
+                <a:pos x="connsiteX6" y="connsiteY6"/>
+              </a:cxn>
+            </a:cxnLst>
+            <a:rect l="l" t="t" r="r" b="b"/>
+            <a:pathLst>
+              <a:path w="2908091" h="449705">
+                <a:moveTo>
+                  <a:pt x="0" y="314794"/>
+                </a:moveTo>
+                <a:lnTo>
+                  <a:pt x="0" y="449705"/>
+                </a:lnTo>
+                <a:lnTo>
+                  <a:pt x="1663908" y="449705"/>
+                </a:lnTo>
+                <a:lnTo>
+                  <a:pt x="1663908" y="67456"/>
+                </a:lnTo>
+                <a:lnTo>
+                  <a:pt x="1663908" y="37476"/>
+                </a:lnTo>
+                <a:lnTo>
+                  <a:pt x="1663908" y="0"/>
+                </a:lnTo>
+                <a:lnTo>
+                  <a:pt x="2908091" y="0"/>
+                </a:lnTo>
+              </a:path>
+            </a:pathLst>
+          </a:custGeom>
           <a:noFill/>
           <a:ln>
-            <a:prstDash val="dash"/>
+            <a:solidFill>
+              <a:srgbClr val="C00000"/>
+            </a:solidFill>
+            <a:headEnd type="none" w="med" len="med"/>
+            <a:tailEnd type="arrow" w="med" len="med"/>
           </a:ln>
         </p:spPr>
         <p:style>
           <a:lnRef idx="2">
-            <a:schemeClr val="dk1"/>
+            <a:schemeClr val="accent1">
+              <a:shade val="50000"/>
+            </a:schemeClr>
           </a:lnRef>
           <a:fillRef idx="1">
+            <a:schemeClr val="accent1"/>
+          </a:fillRef>
+          <a:effectRef idx="0">
+            <a:schemeClr val="accent1"/>
+          </a:effectRef>
+          <a:fontRef idx="minor">
             <a:schemeClr val="lt1"/>
-          </a:fillRef>
-          <a:effectRef idx="0">
-            <a:schemeClr val="dk1"/>
-          </a:effectRef>
-          <a:fontRef idx="minor">
-            <a:schemeClr val="dk1"/>
-          </a:fontRef>
-        </p:style>
-        <p:txBody>
-          <a:bodyPr rtlCol="0" anchor="b"/>
-          <a:lstStyle/>
-          <a:p>
-            <a:pPr algn="ctr"/>
-            <a:r>
-              <a:rPr lang="en-US" altLang="ko-KR" sz="1400"/>
-              <a:t>Topic A</a:t>
-            </a:r>
-            <a:endParaRPr lang="ko-KR" altLang="en-US" sz="1400"/>
-          </a:p>
-        </p:txBody>
-      </p:sp>
-      <p:sp>
-        <p:nvSpPr>
-          <p:cNvPr id="13" name="사각형: 둥근 모서리 12">
-            <a:extLst>
-              <a:ext uri="{FF2B5EF4-FFF2-40B4-BE49-F238E27FC236}">
-                <a16:creationId xmlns:a16="http://schemas.microsoft.com/office/drawing/2014/main" id="{22E7F032-13ED-4575-8F3C-092CC530ABC3}"/>
+          </a:fontRef>
+        </p:style>
+        <p:txBody>
+          <a:bodyPr rtlCol="0" anchor="ctr"/>
+          <a:lstStyle/>
+          <a:p>
+            <a:pPr algn="ctr"/>
+            <a:endParaRPr lang="ko-KR" altLang="en-US"/>
+          </a:p>
+        </p:txBody>
+      </p:sp>
+      <p:sp>
+        <p:nvSpPr>
+          <p:cNvPr id="13" name="자유형: 도형 12">
+            <a:extLst>
+              <a:ext uri="{FF2B5EF4-FFF2-40B4-BE49-F238E27FC236}">
+                <a16:creationId xmlns:a16="http://schemas.microsoft.com/office/drawing/2014/main" id="{67B0B0B7-ABDB-4C9A-9420-E11D75B9783C}"/>
               </a:ext>
             </a:extLst>
           </p:cNvPr>
@@ -6436,412 +8028,91 @@
         </p:nvSpPr>
         <p:spPr>
           <a:xfrm>
-            <a:off x="1691680" y="682345"/>
-            <a:ext cx="1440160" cy="268948"/>
-          </a:xfrm>
-          <a:prstGeom prst="roundRect">
-            <a:avLst>
-              <a:gd name="adj" fmla="val 14105"/>
-            </a:avLst>
-          </a:prstGeom>
-          <a:solidFill>
-            <a:schemeClr val="accent2">
-              <a:lumMod val="20000"/>
-              <a:lumOff val="80000"/>
-            </a:schemeClr>
-          </a:solidFill>
-        </p:spPr>
-        <p:style>
-          <a:lnRef idx="2">
-            <a:schemeClr val="dk1"/>
-          </a:lnRef>
-          <a:fillRef idx="1">
-            <a:schemeClr val="lt1"/>
-          </a:fillRef>
-          <a:effectRef idx="0">
-            <a:schemeClr val="dk1"/>
-          </a:effectRef>
-          <a:fontRef idx="minor">
-            <a:schemeClr val="dk1"/>
-          </a:fontRef>
-        </p:style>
-        <p:txBody>
-          <a:bodyPr rtlCol="0" anchor="ctr"/>
-          <a:lstStyle/>
-          <a:p>
-            <a:pPr algn="ctr"/>
-            <a:r>
-              <a:rPr lang="en-US" altLang="ko-KR" sz="1100"/>
-              <a:t>Partition </a:t>
-            </a:r>
-            <a:r>
-              <a:rPr lang="en-US" altLang="ko-KR" sz="1100" dirty="0"/>
-              <a:t>0</a:t>
-            </a:r>
-            <a:endParaRPr lang="ko-KR" altLang="en-US" sz="1100" dirty="0"/>
-          </a:p>
-        </p:txBody>
-      </p:sp>
-      <p:sp>
-        <p:nvSpPr>
-          <p:cNvPr id="43" name="사각형: 둥근 모서리 42">
-            <a:extLst>
-              <a:ext uri="{FF2B5EF4-FFF2-40B4-BE49-F238E27FC236}">
-                <a16:creationId xmlns:a16="http://schemas.microsoft.com/office/drawing/2014/main" id="{1070DDBB-C45F-422E-861A-975578A329CC}"/>
-              </a:ext>
-            </a:extLst>
-          </p:cNvPr>
-          <p:cNvSpPr/>
-          <p:nvPr/>
-        </p:nvSpPr>
-        <p:spPr>
-          <a:xfrm>
-            <a:off x="1691680" y="1048558"/>
-            <a:ext cx="1440160" cy="268948"/>
-          </a:xfrm>
-          <a:prstGeom prst="roundRect">
-            <a:avLst>
-              <a:gd name="adj" fmla="val 14105"/>
-            </a:avLst>
-          </a:prstGeom>
-          <a:solidFill>
-            <a:schemeClr val="accent1">
-              <a:lumMod val="20000"/>
-              <a:lumOff val="80000"/>
-            </a:schemeClr>
-          </a:solidFill>
-        </p:spPr>
-        <p:style>
-          <a:lnRef idx="2">
-            <a:schemeClr val="dk1"/>
-          </a:lnRef>
-          <a:fillRef idx="1">
-            <a:schemeClr val="lt1"/>
-          </a:fillRef>
-          <a:effectRef idx="0">
-            <a:schemeClr val="dk1"/>
-          </a:effectRef>
-          <a:fontRef idx="minor">
-            <a:schemeClr val="dk1"/>
-          </a:fontRef>
-        </p:style>
-        <p:txBody>
-          <a:bodyPr rtlCol="0" anchor="ctr"/>
-          <a:lstStyle/>
-          <a:p>
-            <a:pPr algn="ctr"/>
-            <a:r>
-              <a:rPr lang="en-US" altLang="ko-KR" sz="1100"/>
-              <a:t>Partition </a:t>
-            </a:r>
-            <a:r>
-              <a:rPr lang="en-US" altLang="ko-KR" sz="1100" dirty="0"/>
-              <a:t>1</a:t>
-            </a:r>
-            <a:endParaRPr lang="ko-KR" altLang="en-US" sz="1100" dirty="0"/>
-          </a:p>
-        </p:txBody>
-      </p:sp>
-      <p:sp>
-        <p:nvSpPr>
-          <p:cNvPr id="59" name="사각형: 둥근 모서리 58">
-            <a:extLst>
-              <a:ext uri="{FF2B5EF4-FFF2-40B4-BE49-F238E27FC236}">
-                <a16:creationId xmlns:a16="http://schemas.microsoft.com/office/drawing/2014/main" id="{864C36CA-B2B1-4C62-84BC-8CE2E6415074}"/>
-              </a:ext>
-            </a:extLst>
-          </p:cNvPr>
-          <p:cNvSpPr/>
-          <p:nvPr/>
-        </p:nvSpPr>
-        <p:spPr>
-          <a:xfrm>
-            <a:off x="3779912" y="682345"/>
-            <a:ext cx="1440160" cy="268948"/>
-          </a:xfrm>
-          <a:prstGeom prst="roundRect">
-            <a:avLst>
-              <a:gd name="adj" fmla="val 14105"/>
-            </a:avLst>
-          </a:prstGeom>
-          <a:solidFill>
-            <a:schemeClr val="accent1">
-              <a:lumMod val="20000"/>
-              <a:lumOff val="80000"/>
-            </a:schemeClr>
-          </a:solidFill>
-        </p:spPr>
-        <p:style>
-          <a:lnRef idx="2">
-            <a:schemeClr val="dk1"/>
-          </a:lnRef>
-          <a:fillRef idx="1">
-            <a:schemeClr val="lt1"/>
-          </a:fillRef>
-          <a:effectRef idx="0">
-            <a:schemeClr val="dk1"/>
-          </a:effectRef>
-          <a:fontRef idx="minor">
-            <a:schemeClr val="dk1"/>
-          </a:fontRef>
-        </p:style>
-        <p:txBody>
-          <a:bodyPr rtlCol="0" anchor="ctr"/>
-          <a:lstStyle/>
-          <a:p>
-            <a:pPr algn="ctr"/>
-            <a:r>
-              <a:rPr lang="en-US" altLang="ko-KR" sz="1100"/>
-              <a:t>Partition </a:t>
-            </a:r>
-            <a:r>
-              <a:rPr lang="en-US" altLang="ko-KR" sz="1100" dirty="0"/>
-              <a:t>0</a:t>
-            </a:r>
-            <a:endParaRPr lang="ko-KR" altLang="en-US" sz="1100" dirty="0"/>
-          </a:p>
-        </p:txBody>
-      </p:sp>
-      <p:sp>
-        <p:nvSpPr>
-          <p:cNvPr id="61" name="사각형: 둥근 모서리 60">
-            <a:extLst>
-              <a:ext uri="{FF2B5EF4-FFF2-40B4-BE49-F238E27FC236}">
-                <a16:creationId xmlns:a16="http://schemas.microsoft.com/office/drawing/2014/main" id="{8847AFD1-B7E6-4B29-BB80-578C46B9A5AC}"/>
-              </a:ext>
-            </a:extLst>
-          </p:cNvPr>
-          <p:cNvSpPr/>
-          <p:nvPr/>
-        </p:nvSpPr>
-        <p:spPr>
-          <a:xfrm>
-            <a:off x="3779912" y="1048558"/>
-            <a:ext cx="1440160" cy="268948"/>
-          </a:xfrm>
-          <a:prstGeom prst="roundRect">
-            <a:avLst>
-              <a:gd name="adj" fmla="val 14105"/>
-            </a:avLst>
-          </a:prstGeom>
-          <a:solidFill>
-            <a:schemeClr val="accent2">
-              <a:lumMod val="20000"/>
-              <a:lumOff val="80000"/>
-            </a:schemeClr>
-          </a:solidFill>
-        </p:spPr>
-        <p:style>
-          <a:lnRef idx="2">
-            <a:schemeClr val="dk1"/>
-          </a:lnRef>
-          <a:fillRef idx="1">
-            <a:schemeClr val="lt1"/>
-          </a:fillRef>
-          <a:effectRef idx="0">
-            <a:schemeClr val="dk1"/>
-          </a:effectRef>
-          <a:fontRef idx="minor">
-            <a:schemeClr val="dk1"/>
-          </a:fontRef>
-        </p:style>
-        <p:txBody>
-          <a:bodyPr rtlCol="0" anchor="ctr"/>
-          <a:lstStyle/>
-          <a:p>
-            <a:pPr algn="ctr"/>
-            <a:r>
-              <a:rPr lang="en-US" altLang="ko-KR" sz="1100"/>
-              <a:t>Partition </a:t>
-            </a:r>
-            <a:r>
-              <a:rPr lang="en-US" altLang="ko-KR" sz="1100" dirty="0"/>
-              <a:t>1</a:t>
-            </a:r>
-            <a:endParaRPr lang="ko-KR" altLang="en-US" sz="1100" dirty="0"/>
-          </a:p>
-        </p:txBody>
-      </p:sp>
-      <p:sp>
-        <p:nvSpPr>
-          <p:cNvPr id="68" name="사각형: 둥근 모서리 67">
-            <a:extLst>
-              <a:ext uri="{FF2B5EF4-FFF2-40B4-BE49-F238E27FC236}">
-                <a16:creationId xmlns:a16="http://schemas.microsoft.com/office/drawing/2014/main" id="{8E094E8F-532F-442F-B6E4-AEF302B45199}"/>
-              </a:ext>
-            </a:extLst>
-          </p:cNvPr>
-          <p:cNvSpPr/>
-          <p:nvPr/>
-        </p:nvSpPr>
-        <p:spPr>
-          <a:xfrm>
-            <a:off x="5868144" y="682345"/>
-            <a:ext cx="1440160" cy="268948"/>
-          </a:xfrm>
-          <a:prstGeom prst="roundRect">
-            <a:avLst>
-              <a:gd name="adj" fmla="val 14105"/>
-            </a:avLst>
-          </a:prstGeom>
-          <a:solidFill>
-            <a:schemeClr val="accent1">
-              <a:lumMod val="20000"/>
-              <a:lumOff val="80000"/>
-            </a:schemeClr>
-          </a:solidFill>
-        </p:spPr>
-        <p:style>
-          <a:lnRef idx="2">
-            <a:schemeClr val="dk1"/>
-          </a:lnRef>
-          <a:fillRef idx="1">
-            <a:schemeClr val="lt1"/>
-          </a:fillRef>
-          <a:effectRef idx="0">
-            <a:schemeClr val="dk1"/>
-          </a:effectRef>
-          <a:fontRef idx="minor">
-            <a:schemeClr val="dk1"/>
-          </a:fontRef>
-        </p:style>
-        <p:txBody>
-          <a:bodyPr rtlCol="0" anchor="ctr"/>
-          <a:lstStyle/>
-          <a:p>
-            <a:pPr algn="ctr"/>
-            <a:r>
-              <a:rPr lang="en-US" altLang="ko-KR" sz="1100"/>
-              <a:t>Partition </a:t>
-            </a:r>
-            <a:r>
-              <a:rPr lang="en-US" altLang="ko-KR" sz="1100" dirty="0"/>
-              <a:t>0</a:t>
-            </a:r>
-            <a:endParaRPr lang="ko-KR" altLang="en-US" sz="1100" dirty="0"/>
-          </a:p>
-        </p:txBody>
-      </p:sp>
-      <p:sp>
-        <p:nvSpPr>
-          <p:cNvPr id="69" name="사각형: 둥근 모서리 68">
-            <a:extLst>
-              <a:ext uri="{FF2B5EF4-FFF2-40B4-BE49-F238E27FC236}">
-                <a16:creationId xmlns:a16="http://schemas.microsoft.com/office/drawing/2014/main" id="{5CBD8317-73E4-404D-BF25-BA454EE35500}"/>
-              </a:ext>
-            </a:extLst>
-          </p:cNvPr>
-          <p:cNvSpPr/>
-          <p:nvPr/>
-        </p:nvSpPr>
-        <p:spPr>
-          <a:xfrm>
-            <a:off x="5868144" y="1048558"/>
-            <a:ext cx="1440160" cy="268948"/>
-          </a:xfrm>
-          <a:prstGeom prst="roundRect">
-            <a:avLst>
-              <a:gd name="adj" fmla="val 14105"/>
-            </a:avLst>
-          </a:prstGeom>
-          <a:solidFill>
-            <a:schemeClr val="accent1">
-              <a:lumMod val="20000"/>
-              <a:lumOff val="80000"/>
-            </a:schemeClr>
-          </a:solidFill>
-        </p:spPr>
-        <p:style>
-          <a:lnRef idx="2">
-            <a:schemeClr val="dk1"/>
-          </a:lnRef>
-          <a:fillRef idx="1">
-            <a:schemeClr val="lt1"/>
-          </a:fillRef>
-          <a:effectRef idx="0">
-            <a:schemeClr val="dk1"/>
-          </a:effectRef>
-          <a:fontRef idx="minor">
-            <a:schemeClr val="dk1"/>
-          </a:fontRef>
-        </p:style>
-        <p:txBody>
-          <a:bodyPr rtlCol="0" anchor="ctr"/>
-          <a:lstStyle/>
-          <a:p>
-            <a:pPr algn="ctr"/>
-            <a:r>
-              <a:rPr lang="en-US" altLang="ko-KR" sz="1100"/>
-              <a:t>Partition </a:t>
-            </a:r>
-            <a:r>
-              <a:rPr lang="en-US" altLang="ko-KR" sz="1100" dirty="0"/>
-              <a:t>1</a:t>
-            </a:r>
-            <a:endParaRPr lang="ko-KR" altLang="en-US" sz="1100" dirty="0"/>
-          </a:p>
-        </p:txBody>
-      </p:sp>
-      <p:sp>
-        <p:nvSpPr>
-          <p:cNvPr id="31" name="사각형: 둥근 모서리 30">
-            <a:extLst>
-              <a:ext uri="{FF2B5EF4-FFF2-40B4-BE49-F238E27FC236}">
-                <a16:creationId xmlns:a16="http://schemas.microsoft.com/office/drawing/2014/main" id="{0D9F8112-227F-4F6E-A135-A2A694B0FCDB}"/>
-              </a:ext>
-            </a:extLst>
-          </p:cNvPr>
-          <p:cNvSpPr/>
-          <p:nvPr/>
-        </p:nvSpPr>
-        <p:spPr>
-          <a:xfrm>
-            <a:off x="1568670" y="1720585"/>
-            <a:ext cx="5862644" cy="633079"/>
-          </a:xfrm>
-          <a:prstGeom prst="roundRect">
-            <a:avLst>
-              <a:gd name="adj" fmla="val 9108"/>
-            </a:avLst>
-          </a:prstGeom>
+            <a:off x="734518" y="2510852"/>
+            <a:ext cx="6018551" cy="404735"/>
+          </a:xfrm>
+          <a:custGeom>
+            <a:avLst/>
+            <a:gdLst>
+              <a:gd name="connsiteX0" fmla="*/ 0 w 6018551"/>
+              <a:gd name="connsiteY0" fmla="*/ 404735 h 404735"/>
+              <a:gd name="connsiteX1" fmla="*/ 0 w 6018551"/>
+              <a:gd name="connsiteY1" fmla="*/ 157397 h 404735"/>
+              <a:gd name="connsiteX2" fmla="*/ 6018551 w 6018551"/>
+              <a:gd name="connsiteY2" fmla="*/ 157397 h 404735"/>
+              <a:gd name="connsiteX3" fmla="*/ 6018551 w 6018551"/>
+              <a:gd name="connsiteY3" fmla="*/ 0 h 404735"/>
+            </a:gdLst>
+            <a:ahLst/>
+            <a:cxnLst>
+              <a:cxn ang="0">
+                <a:pos x="connsiteX0" y="connsiteY0"/>
+              </a:cxn>
+              <a:cxn ang="0">
+                <a:pos x="connsiteX1" y="connsiteY1"/>
+              </a:cxn>
+              <a:cxn ang="0">
+                <a:pos x="connsiteX2" y="connsiteY2"/>
+              </a:cxn>
+              <a:cxn ang="0">
+                <a:pos x="connsiteX3" y="connsiteY3"/>
+              </a:cxn>
+            </a:cxnLst>
+            <a:rect l="l" t="t" r="r" b="b"/>
+            <a:pathLst>
+              <a:path w="6018551" h="404735">
+                <a:moveTo>
+                  <a:pt x="0" y="404735"/>
+                </a:moveTo>
+                <a:lnTo>
+                  <a:pt x="0" y="157397"/>
+                </a:lnTo>
+                <a:lnTo>
+                  <a:pt x="6018551" y="157397"/>
+                </a:lnTo>
+                <a:lnTo>
+                  <a:pt x="6018551" y="0"/>
+                </a:lnTo>
+              </a:path>
+            </a:pathLst>
+          </a:custGeom>
           <a:noFill/>
           <a:ln>
-            <a:prstDash val="dash"/>
+            <a:headEnd type="none" w="med" len="med"/>
+            <a:tailEnd type="arrow" w="med" len="med"/>
           </a:ln>
         </p:spPr>
         <p:style>
           <a:lnRef idx="2">
-            <a:schemeClr val="dk1"/>
+            <a:schemeClr val="accent1">
+              <a:shade val="50000"/>
+            </a:schemeClr>
           </a:lnRef>
           <a:fillRef idx="1">
+            <a:schemeClr val="accent1"/>
+          </a:fillRef>
+          <a:effectRef idx="0">
+            <a:schemeClr val="accent1"/>
+          </a:effectRef>
+          <a:fontRef idx="minor">
             <a:schemeClr val="lt1"/>
-          </a:fillRef>
-          <a:effectRef idx="0">
-            <a:schemeClr val="dk1"/>
-          </a:effectRef>
-          <a:fontRef idx="minor">
-            <a:schemeClr val="dk1"/>
-          </a:fontRef>
-        </p:style>
-        <p:txBody>
-          <a:bodyPr rtlCol="0" anchor="b"/>
-          <a:lstStyle/>
-          <a:p>
-            <a:pPr algn="ctr"/>
-            <a:r>
-              <a:rPr lang="en-US" altLang="ko-KR" sz="1400"/>
-              <a:t>Topic B</a:t>
-            </a:r>
-            <a:endParaRPr lang="ko-KR" altLang="en-US" sz="1400"/>
-          </a:p>
-        </p:txBody>
-      </p:sp>
-      <p:sp>
-        <p:nvSpPr>
-          <p:cNvPr id="32" name="사각형: 둥근 모서리 31">
-            <a:extLst>
-              <a:ext uri="{FF2B5EF4-FFF2-40B4-BE49-F238E27FC236}">
-                <a16:creationId xmlns:a16="http://schemas.microsoft.com/office/drawing/2014/main" id="{4E1C50CF-EB0B-4961-9D79-9F68FF1B10AD}"/>
+          </a:fontRef>
+        </p:style>
+        <p:txBody>
+          <a:bodyPr rtlCol="0" anchor="ctr"/>
+          <a:lstStyle/>
+          <a:p>
+            <a:pPr algn="ctr"/>
+            <a:endParaRPr lang="ko-KR" altLang="en-US"/>
+          </a:p>
+        </p:txBody>
+      </p:sp>
+      <p:sp>
+        <p:nvSpPr>
+          <p:cNvPr id="15" name="자유형: 도형 14">
+            <a:extLst>
+              <a:ext uri="{FF2B5EF4-FFF2-40B4-BE49-F238E27FC236}">
+                <a16:creationId xmlns:a16="http://schemas.microsoft.com/office/drawing/2014/main" id="{B764D3C0-8561-4043-B110-102FC141A846}"/>
               </a:ext>
             </a:extLst>
           </p:cNvPr>
@@ -6850,377 +8121,514 @@
         </p:nvSpPr>
         <p:spPr>
           <a:xfrm>
-            <a:off x="1568670" y="2434221"/>
-            <a:ext cx="5862644" cy="1426913"/>
-          </a:xfrm>
-          <a:prstGeom prst="roundRect">
-            <a:avLst>
-              <a:gd name="adj" fmla="val 5548"/>
-            </a:avLst>
-          </a:prstGeom>
+            <a:off x="4302177" y="2668249"/>
+            <a:ext cx="0" cy="307299"/>
+          </a:xfrm>
+          <a:custGeom>
+            <a:avLst/>
+            <a:gdLst>
+              <a:gd name="connsiteX0" fmla="*/ 0 w 0"/>
+              <a:gd name="connsiteY0" fmla="*/ 0 h 307299"/>
+              <a:gd name="connsiteX1" fmla="*/ 0 w 0"/>
+              <a:gd name="connsiteY1" fmla="*/ 307299 h 307299"/>
+            </a:gdLst>
+            <a:ahLst/>
+            <a:cxnLst>
+              <a:cxn ang="0">
+                <a:pos x="connsiteX0" y="connsiteY0"/>
+              </a:cxn>
+              <a:cxn ang="0">
+                <a:pos x="connsiteX1" y="connsiteY1"/>
+              </a:cxn>
+            </a:cxnLst>
+            <a:rect l="l" t="t" r="r" b="b"/>
+            <a:pathLst>
+              <a:path h="307299">
+                <a:moveTo>
+                  <a:pt x="0" y="0"/>
+                </a:moveTo>
+                <a:lnTo>
+                  <a:pt x="0" y="307299"/>
+                </a:lnTo>
+              </a:path>
+            </a:pathLst>
+          </a:custGeom>
           <a:noFill/>
           <a:ln>
-            <a:prstDash val="dash"/>
-          </a:ln>
-        </p:spPr>
-        <p:style>
-          <a:lnRef idx="2">
-            <a:schemeClr val="dk1"/>
-          </a:lnRef>
-          <a:fillRef idx="1">
-            <a:schemeClr val="lt1"/>
-          </a:fillRef>
-          <a:effectRef idx="0">
-            <a:schemeClr val="dk1"/>
-          </a:effectRef>
-          <a:fontRef idx="minor">
-            <a:schemeClr val="dk1"/>
-          </a:fontRef>
-        </p:style>
-        <p:txBody>
-          <a:bodyPr rtlCol="0" anchor="b"/>
-          <a:lstStyle/>
-          <a:p>
-            <a:pPr algn="ctr"/>
-            <a:r>
-              <a:rPr lang="en-US" altLang="ko-KR" sz="1400"/>
-              <a:t>Topic C</a:t>
-            </a:r>
-            <a:endParaRPr lang="ko-KR" altLang="en-US" sz="1400"/>
-          </a:p>
-        </p:txBody>
-      </p:sp>
-      <p:sp>
-        <p:nvSpPr>
-          <p:cNvPr id="34" name="사각형: 둥근 모서리 33">
-            <a:extLst>
-              <a:ext uri="{FF2B5EF4-FFF2-40B4-BE49-F238E27FC236}">
-                <a16:creationId xmlns:a16="http://schemas.microsoft.com/office/drawing/2014/main" id="{886B18E4-F82A-431B-95F8-1DC0095C6A39}"/>
-              </a:ext>
-            </a:extLst>
-          </p:cNvPr>
-          <p:cNvSpPr/>
-          <p:nvPr/>
-        </p:nvSpPr>
-        <p:spPr>
-          <a:xfrm>
-            <a:off x="2627784" y="4703308"/>
-            <a:ext cx="648072" cy="246063"/>
-          </a:xfrm>
-          <a:prstGeom prst="roundRect">
-            <a:avLst>
-              <a:gd name="adj" fmla="val 14105"/>
-            </a:avLst>
-          </a:prstGeom>
-          <a:solidFill>
-            <a:schemeClr val="accent2">
-              <a:lumMod val="20000"/>
-              <a:lumOff val="80000"/>
-            </a:schemeClr>
-          </a:solidFill>
-        </p:spPr>
-        <p:style>
-          <a:lnRef idx="2">
-            <a:schemeClr val="dk1"/>
-          </a:lnRef>
-          <a:fillRef idx="1">
-            <a:schemeClr val="lt1"/>
-          </a:fillRef>
-          <a:effectRef idx="0">
-            <a:schemeClr val="dk1"/>
-          </a:effectRef>
-          <a:fontRef idx="minor">
-            <a:schemeClr val="dk1"/>
-          </a:fontRef>
-        </p:style>
-        <p:txBody>
-          <a:bodyPr rtlCol="0" anchor="ctr"/>
-          <a:lstStyle/>
-          <a:p>
-            <a:pPr algn="ctr"/>
-            <a:endParaRPr lang="ko-KR" altLang="en-US" sz="1100" dirty="0"/>
-          </a:p>
-        </p:txBody>
-      </p:sp>
-      <p:sp>
-        <p:nvSpPr>
-          <p:cNvPr id="35" name="사각형: 둥근 모서리 34">
-            <a:extLst>
-              <a:ext uri="{FF2B5EF4-FFF2-40B4-BE49-F238E27FC236}">
-                <a16:creationId xmlns:a16="http://schemas.microsoft.com/office/drawing/2014/main" id="{5552FB7B-B9C6-4993-867C-BD77AB3DB5A5}"/>
-              </a:ext>
-            </a:extLst>
-          </p:cNvPr>
-          <p:cNvSpPr/>
-          <p:nvPr/>
-        </p:nvSpPr>
-        <p:spPr>
-          <a:xfrm>
-            <a:off x="4735962" y="4703307"/>
-            <a:ext cx="648072" cy="246063"/>
-          </a:xfrm>
-          <a:prstGeom prst="roundRect">
-            <a:avLst>
-              <a:gd name="adj" fmla="val 14105"/>
-            </a:avLst>
-          </a:prstGeom>
-          <a:solidFill>
-            <a:schemeClr val="accent1">
-              <a:lumMod val="20000"/>
-              <a:lumOff val="80000"/>
-            </a:schemeClr>
-          </a:solidFill>
-        </p:spPr>
-        <p:style>
-          <a:lnRef idx="2">
-            <a:schemeClr val="dk1"/>
-          </a:lnRef>
-          <a:fillRef idx="1">
-            <a:schemeClr val="lt1"/>
-          </a:fillRef>
-          <a:effectRef idx="0">
-            <a:schemeClr val="dk1"/>
-          </a:effectRef>
-          <a:fontRef idx="minor">
-            <a:schemeClr val="dk1"/>
-          </a:fontRef>
-        </p:style>
-        <p:txBody>
-          <a:bodyPr rtlCol="0" anchor="ctr"/>
-          <a:lstStyle/>
-          <a:p>
-            <a:pPr algn="ctr"/>
-            <a:endParaRPr lang="ko-KR" altLang="en-US" sz="1100" dirty="0"/>
-          </a:p>
-        </p:txBody>
-      </p:sp>
-      <p:sp>
-        <p:nvSpPr>
-          <p:cNvPr id="5" name="TextBox 4">
-            <a:extLst>
-              <a:ext uri="{FF2B5EF4-FFF2-40B4-BE49-F238E27FC236}">
-                <a16:creationId xmlns:a16="http://schemas.microsoft.com/office/drawing/2014/main" id="{AA3D8720-8599-4976-A904-4AB34821EC41}"/>
-              </a:ext>
-            </a:extLst>
-          </p:cNvPr>
-          <p:cNvSpPr txBox="1"/>
-          <p:nvPr/>
-        </p:nvSpPr>
-        <p:spPr>
-          <a:xfrm>
-            <a:off x="3275856" y="4675680"/>
-            <a:ext cx="740026" cy="307777"/>
-          </a:xfrm>
-          <a:prstGeom prst="rect">
-            <a:avLst/>
-          </a:prstGeom>
-          <a:noFill/>
-        </p:spPr>
-        <p:txBody>
-          <a:bodyPr wrap="square" rtlCol="0" anchor="ctr">
-            <a:spAutoFit/>
-          </a:bodyPr>
-          <a:lstStyle/>
-          <a:p>
-            <a:pPr algn="ctr"/>
-            <a:r>
-              <a:rPr lang="en-US" altLang="ko-KR" sz="1400"/>
-              <a:t>Leader</a:t>
-            </a:r>
-            <a:endParaRPr lang="ko-KR" altLang="en-US" sz="1400"/>
-          </a:p>
-        </p:txBody>
-      </p:sp>
-      <p:sp>
-        <p:nvSpPr>
-          <p:cNvPr id="37" name="TextBox 36">
-            <a:extLst>
-              <a:ext uri="{FF2B5EF4-FFF2-40B4-BE49-F238E27FC236}">
-                <a16:creationId xmlns:a16="http://schemas.microsoft.com/office/drawing/2014/main" id="{138F7836-E78C-4A74-A5F9-9B87C18B1EB8}"/>
-              </a:ext>
-            </a:extLst>
-          </p:cNvPr>
-          <p:cNvSpPr txBox="1"/>
-          <p:nvPr/>
-        </p:nvSpPr>
-        <p:spPr>
-          <a:xfrm>
-            <a:off x="5384034" y="4675680"/>
-            <a:ext cx="792088" cy="307777"/>
-          </a:xfrm>
-          <a:prstGeom prst="rect">
-            <a:avLst/>
-          </a:prstGeom>
-          <a:noFill/>
-        </p:spPr>
-        <p:txBody>
-          <a:bodyPr wrap="square" rtlCol="0" anchor="ctr">
-            <a:spAutoFit/>
-          </a:bodyPr>
-          <a:lstStyle/>
-          <a:p>
-            <a:pPr algn="ctr"/>
-            <a:r>
-              <a:rPr lang="en-US" altLang="ko-KR" sz="1400"/>
-              <a:t>Replica</a:t>
-            </a:r>
-            <a:endParaRPr lang="ko-KR" altLang="en-US" sz="1400"/>
-          </a:p>
-        </p:txBody>
-      </p:sp>
-      <p:sp>
-        <p:nvSpPr>
-          <p:cNvPr id="42" name="사각형: 둥근 모서리 41">
-            <a:extLst>
-              <a:ext uri="{FF2B5EF4-FFF2-40B4-BE49-F238E27FC236}">
-                <a16:creationId xmlns:a16="http://schemas.microsoft.com/office/drawing/2014/main" id="{7926FE97-357E-4F9C-B81C-6AB1806CE577}"/>
-              </a:ext>
-            </a:extLst>
-          </p:cNvPr>
-          <p:cNvSpPr/>
-          <p:nvPr/>
-        </p:nvSpPr>
-        <p:spPr>
-          <a:xfrm>
-            <a:off x="3563888" y="4258806"/>
-            <a:ext cx="1872208" cy="307777"/>
-          </a:xfrm>
-          <a:prstGeom prst="roundRect">
-            <a:avLst>
-              <a:gd name="adj" fmla="val 25008"/>
-            </a:avLst>
-          </a:prstGeom>
-          <a:noFill/>
-        </p:spPr>
-        <p:style>
-          <a:lnRef idx="2">
-            <a:schemeClr val="dk1"/>
-          </a:lnRef>
-          <a:fillRef idx="1">
-            <a:schemeClr val="lt1"/>
-          </a:fillRef>
-          <a:effectRef idx="0">
-            <a:schemeClr val="dk1"/>
-          </a:effectRef>
-          <a:fontRef idx="minor">
-            <a:schemeClr val="dk1"/>
-          </a:fontRef>
-        </p:style>
-        <p:txBody>
-          <a:bodyPr rtlCol="0" anchor="ctr"/>
-          <a:lstStyle/>
-          <a:p>
-            <a:pPr algn="ctr"/>
-            <a:r>
-              <a:rPr lang="en-US" altLang="ko-KR" sz="1400"/>
-              <a:t>Zookeeper</a:t>
-            </a:r>
-            <a:endParaRPr lang="ko-KR" altLang="en-US" sz="1400" dirty="0"/>
-          </a:p>
-        </p:txBody>
-      </p:sp>
-      <p:sp>
-        <p:nvSpPr>
-          <p:cNvPr id="45" name="사각형: 둥근 모서리 44">
-            <a:extLst>
-              <a:ext uri="{FF2B5EF4-FFF2-40B4-BE49-F238E27FC236}">
-                <a16:creationId xmlns:a16="http://schemas.microsoft.com/office/drawing/2014/main" id="{6D7EA8E5-1AFE-4D3E-9793-FD7909C76405}"/>
-              </a:ext>
-            </a:extLst>
-          </p:cNvPr>
-          <p:cNvSpPr/>
-          <p:nvPr/>
-        </p:nvSpPr>
-        <p:spPr>
-          <a:xfrm>
-            <a:off x="5652121" y="4258806"/>
-            <a:ext cx="1872208" cy="307777"/>
-          </a:xfrm>
-          <a:prstGeom prst="roundRect">
-            <a:avLst>
-              <a:gd name="adj" fmla="val 25008"/>
-            </a:avLst>
-          </a:prstGeom>
-          <a:noFill/>
-        </p:spPr>
-        <p:style>
-          <a:lnRef idx="2">
-            <a:schemeClr val="dk1"/>
-          </a:lnRef>
-          <a:fillRef idx="1">
-            <a:schemeClr val="lt1"/>
-          </a:fillRef>
-          <a:effectRef idx="0">
-            <a:schemeClr val="dk1"/>
-          </a:effectRef>
-          <a:fontRef idx="minor">
-            <a:schemeClr val="dk1"/>
-          </a:fontRef>
-        </p:style>
-        <p:txBody>
-          <a:bodyPr rtlCol="0" anchor="ctr"/>
-          <a:lstStyle/>
-          <a:p>
-            <a:pPr algn="ctr"/>
-            <a:r>
-              <a:rPr lang="en-US" altLang="ko-KR" sz="1400"/>
-              <a:t>Zookeeper</a:t>
-            </a:r>
-            <a:endParaRPr lang="ko-KR" altLang="en-US" sz="1400" dirty="0"/>
-          </a:p>
-        </p:txBody>
-      </p:sp>
-      <p:cxnSp>
-        <p:nvCxnSpPr>
-          <p:cNvPr id="48" name="직선 화살표 연결선 47">
-            <a:extLst>
-              <a:ext uri="{FF2B5EF4-FFF2-40B4-BE49-F238E27FC236}">
-                <a16:creationId xmlns:a16="http://schemas.microsoft.com/office/drawing/2014/main" id="{CB6D47E7-F697-405F-96B3-B9D5BB94E2EE}"/>
-              </a:ext>
-            </a:extLst>
-          </p:cNvPr>
-          <p:cNvCxnSpPr>
-            <a:cxnSpLocks/>
-            <a:stCxn id="42" idx="1"/>
-            <a:endCxn id="74" idx="3"/>
-          </p:cNvCxnSpPr>
-          <p:nvPr/>
-        </p:nvCxnSpPr>
-        <p:spPr>
-          <a:xfrm flipH="1">
-            <a:off x="3332418" y="4412695"/>
-            <a:ext cx="231470" cy="0"/>
-          </a:xfrm>
-          <a:prstGeom prst="straightConnector1">
-            <a:avLst/>
-          </a:prstGeom>
-          <a:ln w="19050">
-            <a:solidFill>
-              <a:schemeClr val="tx1"/>
-            </a:solidFill>
-            <a:headEnd type="arrow" w="med" len="med"/>
+            <a:headEnd type="none" w="med" len="med"/>
             <a:tailEnd type="arrow" w="med" len="med"/>
           </a:ln>
         </p:spPr>
         <p:style>
-          <a:lnRef idx="1">
+          <a:lnRef idx="2">
+            <a:schemeClr val="accent1">
+              <a:shade val="50000"/>
+            </a:schemeClr>
+          </a:lnRef>
+          <a:fillRef idx="1">
             <a:schemeClr val="accent1"/>
-          </a:lnRef>
-          <a:fillRef idx="0">
+          </a:fillRef>
+          <a:effectRef idx="0">
             <a:schemeClr val="accent1"/>
-          </a:fillRef>
-          <a:effectRef idx="0">
+          </a:effectRef>
+          <a:fontRef idx="minor">
+            <a:schemeClr val="lt1"/>
+          </a:fontRef>
+        </p:style>
+        <p:txBody>
+          <a:bodyPr rtlCol="0" anchor="ctr"/>
+          <a:lstStyle/>
+          <a:p>
+            <a:pPr algn="ctr"/>
+            <a:endParaRPr lang="ko-KR" altLang="en-US"/>
+          </a:p>
+        </p:txBody>
+      </p:sp>
+      <p:sp>
+        <p:nvSpPr>
+          <p:cNvPr id="16" name="자유형: 도형 15">
+            <a:extLst>
+              <a:ext uri="{FF2B5EF4-FFF2-40B4-BE49-F238E27FC236}">
+                <a16:creationId xmlns:a16="http://schemas.microsoft.com/office/drawing/2014/main" id="{082EA649-53BB-4E80-B28D-D77B0A7FD7B7}"/>
+              </a:ext>
+            </a:extLst>
+          </p:cNvPr>
+          <p:cNvSpPr/>
+          <p:nvPr/>
+        </p:nvSpPr>
+        <p:spPr>
+          <a:xfrm>
+            <a:off x="734518" y="3582649"/>
+            <a:ext cx="4789357" cy="209862"/>
+          </a:xfrm>
+          <a:custGeom>
+            <a:avLst/>
+            <a:gdLst>
+              <a:gd name="connsiteX0" fmla="*/ 0 w 4789357"/>
+              <a:gd name="connsiteY0" fmla="*/ 0 h 209862"/>
+              <a:gd name="connsiteX1" fmla="*/ 0 w 4789357"/>
+              <a:gd name="connsiteY1" fmla="*/ 89941 h 209862"/>
+              <a:gd name="connsiteX2" fmla="*/ 4789357 w 4789357"/>
+              <a:gd name="connsiteY2" fmla="*/ 89941 h 209862"/>
+              <a:gd name="connsiteX3" fmla="*/ 4789357 w 4789357"/>
+              <a:gd name="connsiteY3" fmla="*/ 209862 h 209862"/>
+            </a:gdLst>
+            <a:ahLst/>
+            <a:cxnLst>
+              <a:cxn ang="0">
+                <a:pos x="connsiteX0" y="connsiteY0"/>
+              </a:cxn>
+              <a:cxn ang="0">
+                <a:pos x="connsiteX1" y="connsiteY1"/>
+              </a:cxn>
+              <a:cxn ang="0">
+                <a:pos x="connsiteX2" y="connsiteY2"/>
+              </a:cxn>
+              <a:cxn ang="0">
+                <a:pos x="connsiteX3" y="connsiteY3"/>
+              </a:cxn>
+            </a:cxnLst>
+            <a:rect l="l" t="t" r="r" b="b"/>
+            <a:pathLst>
+              <a:path w="4789357" h="209862">
+                <a:moveTo>
+                  <a:pt x="0" y="0"/>
+                </a:moveTo>
+                <a:lnTo>
+                  <a:pt x="0" y="89941"/>
+                </a:lnTo>
+                <a:lnTo>
+                  <a:pt x="4789357" y="89941"/>
+                </a:lnTo>
+                <a:lnTo>
+                  <a:pt x="4789357" y="209862"/>
+                </a:lnTo>
+              </a:path>
+            </a:pathLst>
+          </a:custGeom>
+          <a:noFill/>
+          <a:ln>
+            <a:headEnd type="none" w="med" len="med"/>
+            <a:tailEnd type="arrow" w="med" len="med"/>
+          </a:ln>
+        </p:spPr>
+        <p:style>
+          <a:lnRef idx="2">
+            <a:schemeClr val="accent1">
+              <a:shade val="50000"/>
+            </a:schemeClr>
+          </a:lnRef>
+          <a:fillRef idx="1">
             <a:schemeClr val="accent1"/>
-          </a:effectRef>
-          <a:fontRef idx="minor">
-            <a:schemeClr val="tx1"/>
-          </a:fontRef>
-        </p:style>
-      </p:cxnSp>
+          </a:fillRef>
+          <a:effectRef idx="0">
+            <a:schemeClr val="accent1"/>
+          </a:effectRef>
+          <a:fontRef idx="minor">
+            <a:schemeClr val="lt1"/>
+          </a:fontRef>
+        </p:style>
+        <p:txBody>
+          <a:bodyPr rtlCol="0" anchor="ctr"/>
+          <a:lstStyle/>
+          <a:p>
+            <a:pPr algn="ctr"/>
+            <a:endParaRPr lang="ko-KR" altLang="en-US"/>
+          </a:p>
+        </p:txBody>
+      </p:sp>
+      <p:sp>
+        <p:nvSpPr>
+          <p:cNvPr id="18" name="자유형: 도형 17">
+            <a:extLst>
+              <a:ext uri="{FF2B5EF4-FFF2-40B4-BE49-F238E27FC236}">
+                <a16:creationId xmlns:a16="http://schemas.microsoft.com/office/drawing/2014/main" id="{810B9331-ACAE-44E3-912E-EA26B7C7709C}"/>
+              </a:ext>
+            </a:extLst>
+          </p:cNvPr>
+          <p:cNvSpPr/>
+          <p:nvPr/>
+        </p:nvSpPr>
+        <p:spPr>
+          <a:xfrm>
+            <a:off x="5523875" y="2503357"/>
+            <a:ext cx="2097151" cy="262328"/>
+          </a:xfrm>
+          <a:custGeom>
+            <a:avLst/>
+            <a:gdLst>
+              <a:gd name="connsiteX0" fmla="*/ 0 w 2113614"/>
+              <a:gd name="connsiteY0" fmla="*/ 0 h 262328"/>
+              <a:gd name="connsiteX1" fmla="*/ 0 w 2113614"/>
+              <a:gd name="connsiteY1" fmla="*/ 262328 h 262328"/>
+              <a:gd name="connsiteX2" fmla="*/ 2113614 w 2113614"/>
+              <a:gd name="connsiteY2" fmla="*/ 262328 h 262328"/>
+            </a:gdLst>
+            <a:ahLst/>
+            <a:cxnLst>
+              <a:cxn ang="0">
+                <a:pos x="connsiteX0" y="connsiteY0"/>
+              </a:cxn>
+              <a:cxn ang="0">
+                <a:pos x="connsiteX1" y="connsiteY1"/>
+              </a:cxn>
+              <a:cxn ang="0">
+                <a:pos x="connsiteX2" y="connsiteY2"/>
+              </a:cxn>
+            </a:cxnLst>
+            <a:rect l="l" t="t" r="r" b="b"/>
+            <a:pathLst>
+              <a:path w="2113614" h="262328">
+                <a:moveTo>
+                  <a:pt x="0" y="0"/>
+                </a:moveTo>
+                <a:lnTo>
+                  <a:pt x="0" y="262328"/>
+                </a:lnTo>
+                <a:lnTo>
+                  <a:pt x="2113614" y="262328"/>
+                </a:lnTo>
+              </a:path>
+            </a:pathLst>
+          </a:custGeom>
+          <a:noFill/>
+          <a:ln>
+            <a:solidFill>
+              <a:srgbClr val="C00000"/>
+            </a:solidFill>
+            <a:headEnd type="none" w="med" len="med"/>
+            <a:tailEnd type="arrow" w="med" len="med"/>
+          </a:ln>
+        </p:spPr>
+        <p:style>
+          <a:lnRef idx="2">
+            <a:schemeClr val="accent1">
+              <a:shade val="50000"/>
+            </a:schemeClr>
+          </a:lnRef>
+          <a:fillRef idx="1">
+            <a:schemeClr val="accent1"/>
+          </a:fillRef>
+          <a:effectRef idx="0">
+            <a:schemeClr val="accent1"/>
+          </a:effectRef>
+          <a:fontRef idx="minor">
+            <a:schemeClr val="lt1"/>
+          </a:fontRef>
+        </p:style>
+        <p:txBody>
+          <a:bodyPr rtlCol="0" anchor="ctr"/>
+          <a:lstStyle/>
+          <a:p>
+            <a:pPr algn="ctr"/>
+            <a:endParaRPr lang="ko-KR" altLang="en-US"/>
+          </a:p>
+        </p:txBody>
+      </p:sp>
+      <p:sp>
+        <p:nvSpPr>
+          <p:cNvPr id="19" name="자유형: 도형 18">
+            <a:extLst>
+              <a:ext uri="{FF2B5EF4-FFF2-40B4-BE49-F238E27FC236}">
+                <a16:creationId xmlns:a16="http://schemas.microsoft.com/office/drawing/2014/main" id="{E85E1DA5-C7D5-48BB-B061-96C50894182E}"/>
+              </a:ext>
+            </a:extLst>
+          </p:cNvPr>
+          <p:cNvSpPr/>
+          <p:nvPr/>
+        </p:nvSpPr>
+        <p:spPr>
+          <a:xfrm>
+            <a:off x="3500203" y="3335311"/>
+            <a:ext cx="4114800" cy="187378"/>
+          </a:xfrm>
+          <a:custGeom>
+            <a:avLst/>
+            <a:gdLst>
+              <a:gd name="connsiteX0" fmla="*/ 0 w 4114800"/>
+              <a:gd name="connsiteY0" fmla="*/ 0 h 187378"/>
+              <a:gd name="connsiteX1" fmla="*/ 0 w 4114800"/>
+              <a:gd name="connsiteY1" fmla="*/ 187378 h 187378"/>
+              <a:gd name="connsiteX2" fmla="*/ 4114800 w 4114800"/>
+              <a:gd name="connsiteY2" fmla="*/ 187378 h 187378"/>
+            </a:gdLst>
+            <a:ahLst/>
+            <a:cxnLst>
+              <a:cxn ang="0">
+                <a:pos x="connsiteX0" y="connsiteY0"/>
+              </a:cxn>
+              <a:cxn ang="0">
+                <a:pos x="connsiteX1" y="connsiteY1"/>
+              </a:cxn>
+              <a:cxn ang="0">
+                <a:pos x="connsiteX2" y="connsiteY2"/>
+              </a:cxn>
+            </a:cxnLst>
+            <a:rect l="l" t="t" r="r" b="b"/>
+            <a:pathLst>
+              <a:path w="4114800" h="187378">
+                <a:moveTo>
+                  <a:pt x="0" y="0"/>
+                </a:moveTo>
+                <a:lnTo>
+                  <a:pt x="0" y="187378"/>
+                </a:lnTo>
+                <a:lnTo>
+                  <a:pt x="4114800" y="187378"/>
+                </a:lnTo>
+              </a:path>
+            </a:pathLst>
+          </a:custGeom>
+          <a:noFill/>
+          <a:ln>
+            <a:solidFill>
+              <a:srgbClr val="C00000"/>
+            </a:solidFill>
+            <a:headEnd type="none" w="med" len="med"/>
+            <a:tailEnd type="arrow" w="med" len="med"/>
+          </a:ln>
+        </p:spPr>
+        <p:style>
+          <a:lnRef idx="2">
+            <a:schemeClr val="accent1">
+              <a:shade val="50000"/>
+            </a:schemeClr>
+          </a:lnRef>
+          <a:fillRef idx="1">
+            <a:schemeClr val="accent1"/>
+          </a:fillRef>
+          <a:effectRef idx="0">
+            <a:schemeClr val="accent1"/>
+          </a:effectRef>
+          <a:fontRef idx="minor">
+            <a:schemeClr val="lt1"/>
+          </a:fontRef>
+        </p:style>
+        <p:txBody>
+          <a:bodyPr rtlCol="0" anchor="ctr"/>
+          <a:lstStyle/>
+          <a:p>
+            <a:pPr algn="ctr"/>
+            <a:endParaRPr lang="ko-KR" altLang="en-US"/>
+          </a:p>
+        </p:txBody>
+      </p:sp>
+      <p:sp>
+        <p:nvSpPr>
+          <p:cNvPr id="21" name="자유형: 도형 20">
+            <a:extLst>
+              <a:ext uri="{FF2B5EF4-FFF2-40B4-BE49-F238E27FC236}">
+                <a16:creationId xmlns:a16="http://schemas.microsoft.com/office/drawing/2014/main" id="{CF13AB00-9715-4FC9-8B1F-05C97EACDF8A}"/>
+              </a:ext>
+            </a:extLst>
+          </p:cNvPr>
+          <p:cNvSpPr/>
+          <p:nvPr/>
+        </p:nvSpPr>
+        <p:spPr>
+          <a:xfrm>
+            <a:off x="3902173" y="3530184"/>
+            <a:ext cx="0" cy="262327"/>
+          </a:xfrm>
+          <a:custGeom>
+            <a:avLst/>
+            <a:gdLst>
+              <a:gd name="connsiteX0" fmla="*/ 0 w 0"/>
+              <a:gd name="connsiteY0" fmla="*/ 262327 h 262327"/>
+              <a:gd name="connsiteX1" fmla="*/ 0 w 0"/>
+              <a:gd name="connsiteY1" fmla="*/ 0 h 262327"/>
+            </a:gdLst>
+            <a:ahLst/>
+            <a:cxnLst>
+              <a:cxn ang="0">
+                <a:pos x="connsiteX0" y="connsiteY0"/>
+              </a:cxn>
+              <a:cxn ang="0">
+                <a:pos x="connsiteX1" y="connsiteY1"/>
+              </a:cxn>
+            </a:cxnLst>
+            <a:rect l="l" t="t" r="r" b="b"/>
+            <a:pathLst>
+              <a:path h="262327">
+                <a:moveTo>
+                  <a:pt x="0" y="262327"/>
+                </a:moveTo>
+                <a:lnTo>
+                  <a:pt x="0" y="0"/>
+                </a:lnTo>
+              </a:path>
+            </a:pathLst>
+          </a:custGeom>
+          <a:noFill/>
+          <a:ln>
+            <a:solidFill>
+              <a:srgbClr val="C00000"/>
+            </a:solidFill>
+          </a:ln>
+        </p:spPr>
+        <p:style>
+          <a:lnRef idx="2">
+            <a:schemeClr val="accent1">
+              <a:shade val="50000"/>
+            </a:schemeClr>
+          </a:lnRef>
+          <a:fillRef idx="1">
+            <a:schemeClr val="accent1"/>
+          </a:fillRef>
+          <a:effectRef idx="0">
+            <a:schemeClr val="accent1"/>
+          </a:effectRef>
+          <a:fontRef idx="minor">
+            <a:schemeClr val="lt1"/>
+          </a:fontRef>
+        </p:style>
+        <p:txBody>
+          <a:bodyPr rtlCol="0" anchor="ctr"/>
+          <a:lstStyle/>
+          <a:p>
+            <a:pPr algn="ctr"/>
+            <a:endParaRPr lang="ko-KR" altLang="en-US"/>
+          </a:p>
+        </p:txBody>
+      </p:sp>
+      <p:sp>
+        <p:nvSpPr>
+          <p:cNvPr id="23" name="자유형: 도형 22">
+            <a:extLst>
+              <a:ext uri="{FF2B5EF4-FFF2-40B4-BE49-F238E27FC236}">
+                <a16:creationId xmlns:a16="http://schemas.microsoft.com/office/drawing/2014/main" id="{4174071A-7A6B-4AD4-9506-A53615932ABB}"/>
+              </a:ext>
+            </a:extLst>
+          </p:cNvPr>
+          <p:cNvSpPr/>
+          <p:nvPr/>
+        </p:nvSpPr>
+        <p:spPr>
+          <a:xfrm>
+            <a:off x="3904938" y="1424066"/>
+            <a:ext cx="3230380" cy="1334124"/>
+          </a:xfrm>
+          <a:custGeom>
+            <a:avLst/>
+            <a:gdLst>
+              <a:gd name="connsiteX0" fmla="*/ 0 w 3230380"/>
+              <a:gd name="connsiteY0" fmla="*/ 0 h 1334124"/>
+              <a:gd name="connsiteX1" fmla="*/ 0 w 3230380"/>
+              <a:gd name="connsiteY1" fmla="*/ 299803 h 1334124"/>
+              <a:gd name="connsiteX2" fmla="*/ 3230380 w 3230380"/>
+              <a:gd name="connsiteY2" fmla="*/ 299803 h 1334124"/>
+              <a:gd name="connsiteX3" fmla="*/ 3230380 w 3230380"/>
+              <a:gd name="connsiteY3" fmla="*/ 1334124 h 1334124"/>
+            </a:gdLst>
+            <a:ahLst/>
+            <a:cxnLst>
+              <a:cxn ang="0">
+                <a:pos x="connsiteX0" y="connsiteY0"/>
+              </a:cxn>
+              <a:cxn ang="0">
+                <a:pos x="connsiteX1" y="connsiteY1"/>
+              </a:cxn>
+              <a:cxn ang="0">
+                <a:pos x="connsiteX2" y="connsiteY2"/>
+              </a:cxn>
+              <a:cxn ang="0">
+                <a:pos x="connsiteX3" y="connsiteY3"/>
+              </a:cxn>
+            </a:cxnLst>
+            <a:rect l="l" t="t" r="r" b="b"/>
+            <a:pathLst>
+              <a:path w="3230380" h="1334124">
+                <a:moveTo>
+                  <a:pt x="0" y="0"/>
+                </a:moveTo>
+                <a:lnTo>
+                  <a:pt x="0" y="299803"/>
+                </a:lnTo>
+                <a:lnTo>
+                  <a:pt x="3230380" y="299803"/>
+                </a:lnTo>
+                <a:lnTo>
+                  <a:pt x="3230380" y="1334124"/>
+                </a:lnTo>
+              </a:path>
+            </a:pathLst>
+          </a:custGeom>
+          <a:noFill/>
+          <a:ln>
+            <a:solidFill>
+              <a:srgbClr val="C00000"/>
+            </a:solidFill>
+          </a:ln>
+        </p:spPr>
+        <p:style>
+          <a:lnRef idx="2">
+            <a:schemeClr val="accent1">
+              <a:shade val="50000"/>
+            </a:schemeClr>
+          </a:lnRef>
+          <a:fillRef idx="1">
+            <a:schemeClr val="accent1"/>
+          </a:fillRef>
+          <a:effectRef idx="0">
+            <a:schemeClr val="accent1"/>
+          </a:effectRef>
+          <a:fontRef idx="minor">
+            <a:schemeClr val="lt1"/>
+          </a:fontRef>
+        </p:style>
+        <p:txBody>
+          <a:bodyPr rtlCol="0" anchor="ctr"/>
+          <a:lstStyle/>
+          <a:p>
+            <a:pPr algn="ctr"/>
+            <a:endParaRPr lang="ko-KR" altLang="en-US"/>
+          </a:p>
+        </p:txBody>
+      </p:sp>
     </p:spTree>
     <p:extLst>
       <p:ext uri="{BB962C8B-B14F-4D97-AF65-F5344CB8AC3E}">
-        <p14:creationId xmlns:p14="http://schemas.microsoft.com/office/powerpoint/2010/main" val="1292196781"/>
+        <p14:creationId xmlns:p14="http://schemas.microsoft.com/office/powerpoint/2010/main" val="2229750926"/>
       </p:ext>
     </p:extLst>
   </p:cSld>
@@ -7249,6 +8657,3468 @@
       </p:grpSpPr>
       <p:sp>
         <p:nvSpPr>
+          <p:cNvPr id="2" name="제목 1"/>
+          <p:cNvSpPr>
+            <a:spLocks noGrp="1"/>
+          </p:cNvSpPr>
+          <p:nvPr>
+            <p:ph type="title"/>
+          </p:nvPr>
+        </p:nvSpPr>
+        <p:spPr>
+          <a:xfrm>
+            <a:off x="377332" y="-236562"/>
+            <a:ext cx="8229600" cy="857250"/>
+          </a:xfrm>
+        </p:spPr>
+        <p:txBody>
+          <a:bodyPr/>
+          <a:lstStyle/>
+          <a:p>
+            <a:r>
+              <a:rPr lang="en-US" altLang="ko-KR"/>
+              <a:t>Consumer Group</a:t>
+            </a:r>
+            <a:endParaRPr lang="ko-KR" altLang="en-US" dirty="0"/>
+          </a:p>
+        </p:txBody>
+      </p:sp>
+      <p:sp>
+        <p:nvSpPr>
+          <p:cNvPr id="57" name="사각형: 둥근 모서리 56">
+            <a:extLst>
+              <a:ext uri="{FF2B5EF4-FFF2-40B4-BE49-F238E27FC236}">
+                <a16:creationId xmlns:a16="http://schemas.microsoft.com/office/drawing/2014/main" id="{4C6D7D42-75A8-4A47-809F-F758AE67E04C}"/>
+              </a:ext>
+            </a:extLst>
+          </p:cNvPr>
+          <p:cNvSpPr/>
+          <p:nvPr/>
+        </p:nvSpPr>
+        <p:spPr>
+          <a:xfrm>
+            <a:off x="323528" y="1347614"/>
+            <a:ext cx="2068952" cy="667285"/>
+          </a:xfrm>
+          <a:prstGeom prst="roundRect">
+            <a:avLst/>
+          </a:prstGeom>
+          <a:ln>
+            <a:prstDash val="dash"/>
+          </a:ln>
+        </p:spPr>
+        <p:style>
+          <a:lnRef idx="2">
+            <a:schemeClr val="dk1"/>
+          </a:lnRef>
+          <a:fillRef idx="1">
+            <a:schemeClr val="lt1"/>
+          </a:fillRef>
+          <a:effectRef idx="0">
+            <a:schemeClr val="dk1"/>
+          </a:effectRef>
+          <a:fontRef idx="minor">
+            <a:schemeClr val="dk1"/>
+          </a:fontRef>
+        </p:style>
+        <p:txBody>
+          <a:bodyPr rtlCol="0" anchor="t"/>
+          <a:lstStyle/>
+          <a:p>
+            <a:pPr algn="ctr"/>
+            <a:r>
+              <a:rPr lang="en-US" altLang="ko-KR" sz="1200"/>
+              <a:t>Topic</a:t>
+            </a:r>
+            <a:endParaRPr lang="ko-KR" altLang="en-US" sz="1200" dirty="0"/>
+          </a:p>
+        </p:txBody>
+      </p:sp>
+      <p:sp>
+        <p:nvSpPr>
+          <p:cNvPr id="45" name="사각형: 둥근 모서리 44">
+            <a:extLst>
+              <a:ext uri="{FF2B5EF4-FFF2-40B4-BE49-F238E27FC236}">
+                <a16:creationId xmlns:a16="http://schemas.microsoft.com/office/drawing/2014/main" id="{84628F0D-58BE-45C0-A92F-33D513C71F6C}"/>
+              </a:ext>
+            </a:extLst>
+          </p:cNvPr>
+          <p:cNvSpPr/>
+          <p:nvPr/>
+        </p:nvSpPr>
+        <p:spPr>
+          <a:xfrm>
+            <a:off x="323528" y="3153588"/>
+            <a:ext cx="2068952" cy="667285"/>
+          </a:xfrm>
+          <a:prstGeom prst="roundRect">
+            <a:avLst/>
+          </a:prstGeom>
+          <a:ln>
+            <a:prstDash val="dash"/>
+          </a:ln>
+        </p:spPr>
+        <p:style>
+          <a:lnRef idx="2">
+            <a:schemeClr val="dk1"/>
+          </a:lnRef>
+          <a:fillRef idx="1">
+            <a:schemeClr val="lt1"/>
+          </a:fillRef>
+          <a:effectRef idx="0">
+            <a:schemeClr val="dk1"/>
+          </a:effectRef>
+          <a:fontRef idx="minor">
+            <a:schemeClr val="dk1"/>
+          </a:fontRef>
+        </p:style>
+        <p:txBody>
+          <a:bodyPr rtlCol="0" anchor="b"/>
+          <a:lstStyle/>
+          <a:p>
+            <a:pPr algn="ctr"/>
+            <a:r>
+              <a:rPr lang="en-US" altLang="ko-KR" sz="1200"/>
+              <a:t>Consumer Group</a:t>
+            </a:r>
+            <a:endParaRPr lang="ko-KR" altLang="en-US" sz="1200" dirty="0"/>
+          </a:p>
+        </p:txBody>
+      </p:sp>
+      <p:sp>
+        <p:nvSpPr>
+          <p:cNvPr id="48" name="사각형: 둥근 모서리 47">
+            <a:extLst>
+              <a:ext uri="{FF2B5EF4-FFF2-40B4-BE49-F238E27FC236}">
+                <a16:creationId xmlns:a16="http://schemas.microsoft.com/office/drawing/2014/main" id="{A0F6DA4A-226E-468F-8586-8C17BAE60E15}"/>
+              </a:ext>
+            </a:extLst>
+          </p:cNvPr>
+          <p:cNvSpPr/>
+          <p:nvPr/>
+        </p:nvSpPr>
+        <p:spPr>
+          <a:xfrm>
+            <a:off x="404799" y="3243839"/>
+            <a:ext cx="919386" cy="313364"/>
+          </a:xfrm>
+          <a:prstGeom prst="roundRect">
+            <a:avLst/>
+          </a:prstGeom>
+        </p:spPr>
+        <p:style>
+          <a:lnRef idx="2">
+            <a:schemeClr val="dk1"/>
+          </a:lnRef>
+          <a:fillRef idx="1">
+            <a:schemeClr val="lt1"/>
+          </a:fillRef>
+          <a:effectRef idx="0">
+            <a:schemeClr val="dk1"/>
+          </a:effectRef>
+          <a:fontRef idx="minor">
+            <a:schemeClr val="dk1"/>
+          </a:fontRef>
+        </p:style>
+        <p:txBody>
+          <a:bodyPr rtlCol="0" anchor="ctr"/>
+          <a:lstStyle/>
+          <a:p>
+            <a:pPr algn="ctr"/>
+            <a:r>
+              <a:rPr lang="en-US" altLang="ko-KR" sz="1200"/>
+              <a:t>Consumer</a:t>
+            </a:r>
+            <a:endParaRPr lang="ko-KR" altLang="en-US" sz="1200" dirty="0"/>
+          </a:p>
+        </p:txBody>
+      </p:sp>
+      <p:sp>
+        <p:nvSpPr>
+          <p:cNvPr id="53" name="사각형: 둥근 모서리 52">
+            <a:extLst>
+              <a:ext uri="{FF2B5EF4-FFF2-40B4-BE49-F238E27FC236}">
+                <a16:creationId xmlns:a16="http://schemas.microsoft.com/office/drawing/2014/main" id="{9ABE3D87-B40B-487F-B271-8863CA260624}"/>
+              </a:ext>
+            </a:extLst>
+          </p:cNvPr>
+          <p:cNvSpPr/>
+          <p:nvPr/>
+        </p:nvSpPr>
+        <p:spPr>
+          <a:xfrm>
+            <a:off x="1405457" y="3238918"/>
+            <a:ext cx="919386" cy="318285"/>
+          </a:xfrm>
+          <a:prstGeom prst="roundRect">
+            <a:avLst/>
+          </a:prstGeom>
+        </p:spPr>
+        <p:style>
+          <a:lnRef idx="2">
+            <a:schemeClr val="dk1"/>
+          </a:lnRef>
+          <a:fillRef idx="1">
+            <a:schemeClr val="lt1"/>
+          </a:fillRef>
+          <a:effectRef idx="0">
+            <a:schemeClr val="dk1"/>
+          </a:effectRef>
+          <a:fontRef idx="minor">
+            <a:schemeClr val="dk1"/>
+          </a:fontRef>
+        </p:style>
+        <p:txBody>
+          <a:bodyPr rtlCol="0" anchor="ctr"/>
+          <a:lstStyle/>
+          <a:p>
+            <a:pPr algn="ctr"/>
+            <a:r>
+              <a:rPr lang="en-US" altLang="ko-KR" sz="1200"/>
+              <a:t>Consumer</a:t>
+            </a:r>
+            <a:endParaRPr lang="ko-KR" altLang="en-US" sz="1200" dirty="0"/>
+          </a:p>
+        </p:txBody>
+      </p:sp>
+      <p:sp>
+        <p:nvSpPr>
+          <p:cNvPr id="54" name="사각형: 둥근 모서리 53">
+            <a:extLst>
+              <a:ext uri="{FF2B5EF4-FFF2-40B4-BE49-F238E27FC236}">
+                <a16:creationId xmlns:a16="http://schemas.microsoft.com/office/drawing/2014/main" id="{7119AAFB-4BF2-4AF7-A566-6C75641B17AA}"/>
+              </a:ext>
+            </a:extLst>
+          </p:cNvPr>
+          <p:cNvSpPr/>
+          <p:nvPr/>
+        </p:nvSpPr>
+        <p:spPr>
+          <a:xfrm>
+            <a:off x="404799" y="1628023"/>
+            <a:ext cx="919386" cy="313364"/>
+          </a:xfrm>
+          <a:prstGeom prst="roundRect">
+            <a:avLst/>
+          </a:prstGeom>
+        </p:spPr>
+        <p:style>
+          <a:lnRef idx="2">
+            <a:schemeClr val="dk1"/>
+          </a:lnRef>
+          <a:fillRef idx="1">
+            <a:schemeClr val="lt1"/>
+          </a:fillRef>
+          <a:effectRef idx="0">
+            <a:schemeClr val="dk1"/>
+          </a:effectRef>
+          <a:fontRef idx="minor">
+            <a:schemeClr val="dk1"/>
+          </a:fontRef>
+        </p:style>
+        <p:txBody>
+          <a:bodyPr rtlCol="0" anchor="ctr"/>
+          <a:lstStyle/>
+          <a:p>
+            <a:pPr algn="ctr"/>
+            <a:r>
+              <a:rPr lang="en-US" altLang="ko-KR" sz="1200"/>
+              <a:t>Partition</a:t>
+            </a:r>
+            <a:endParaRPr lang="ko-KR" altLang="en-US" sz="1200" dirty="0"/>
+          </a:p>
+        </p:txBody>
+      </p:sp>
+      <p:sp>
+        <p:nvSpPr>
+          <p:cNvPr id="55" name="사각형: 둥근 모서리 54">
+            <a:extLst>
+              <a:ext uri="{FF2B5EF4-FFF2-40B4-BE49-F238E27FC236}">
+                <a16:creationId xmlns:a16="http://schemas.microsoft.com/office/drawing/2014/main" id="{06E0199F-A85C-41F2-A4B9-643A3B534892}"/>
+              </a:ext>
+            </a:extLst>
+          </p:cNvPr>
+          <p:cNvSpPr/>
+          <p:nvPr/>
+        </p:nvSpPr>
+        <p:spPr>
+          <a:xfrm>
+            <a:off x="1405457" y="1623102"/>
+            <a:ext cx="919386" cy="318285"/>
+          </a:xfrm>
+          <a:prstGeom prst="roundRect">
+            <a:avLst/>
+          </a:prstGeom>
+        </p:spPr>
+        <p:style>
+          <a:lnRef idx="2">
+            <a:schemeClr val="dk1"/>
+          </a:lnRef>
+          <a:fillRef idx="1">
+            <a:schemeClr val="lt1"/>
+          </a:fillRef>
+          <a:effectRef idx="0">
+            <a:schemeClr val="dk1"/>
+          </a:effectRef>
+          <a:fontRef idx="minor">
+            <a:schemeClr val="dk1"/>
+          </a:fontRef>
+        </p:style>
+        <p:txBody>
+          <a:bodyPr rtlCol="0" anchor="ctr"/>
+          <a:lstStyle/>
+          <a:p>
+            <a:pPr algn="ctr"/>
+            <a:r>
+              <a:rPr lang="en-US" altLang="ko-KR" sz="1200"/>
+              <a:t>Partition</a:t>
+            </a:r>
+            <a:endParaRPr lang="ko-KR" altLang="en-US" sz="1200" dirty="0"/>
+          </a:p>
+        </p:txBody>
+      </p:sp>
+      <p:cxnSp>
+        <p:nvCxnSpPr>
+          <p:cNvPr id="56" name="직선 화살표 연결선 55">
+            <a:extLst>
+              <a:ext uri="{FF2B5EF4-FFF2-40B4-BE49-F238E27FC236}">
+                <a16:creationId xmlns:a16="http://schemas.microsoft.com/office/drawing/2014/main" id="{5B675332-D824-48BC-8A8A-E77B8314BF7B}"/>
+              </a:ext>
+            </a:extLst>
+          </p:cNvPr>
+          <p:cNvCxnSpPr>
+            <a:cxnSpLocks/>
+            <a:stCxn id="54" idx="2"/>
+            <a:endCxn id="48" idx="0"/>
+          </p:cNvCxnSpPr>
+          <p:nvPr/>
+        </p:nvCxnSpPr>
+        <p:spPr>
+          <a:xfrm>
+            <a:off x="864493" y="1941387"/>
+            <a:ext cx="0" cy="1302452"/>
+          </a:xfrm>
+          <a:prstGeom prst="straightConnector1">
+            <a:avLst/>
+          </a:prstGeom>
+          <a:ln w="19050">
+            <a:solidFill>
+              <a:schemeClr val="tx1"/>
+            </a:solidFill>
+            <a:headEnd type="none" w="med" len="med"/>
+            <a:tailEnd type="arrow" w="med" len="med"/>
+          </a:ln>
+        </p:spPr>
+        <p:style>
+          <a:lnRef idx="1">
+            <a:schemeClr val="accent1"/>
+          </a:lnRef>
+          <a:fillRef idx="0">
+            <a:schemeClr val="accent1"/>
+          </a:fillRef>
+          <a:effectRef idx="0">
+            <a:schemeClr val="accent1"/>
+          </a:effectRef>
+          <a:fontRef idx="minor">
+            <a:schemeClr val="tx1"/>
+          </a:fontRef>
+        </p:style>
+      </p:cxnSp>
+      <p:cxnSp>
+        <p:nvCxnSpPr>
+          <p:cNvPr id="58" name="직선 화살표 연결선 57">
+            <a:extLst>
+              <a:ext uri="{FF2B5EF4-FFF2-40B4-BE49-F238E27FC236}">
+                <a16:creationId xmlns:a16="http://schemas.microsoft.com/office/drawing/2014/main" id="{7B9835B1-2F47-4E93-9D86-E5430BEDA9FC}"/>
+              </a:ext>
+            </a:extLst>
+          </p:cNvPr>
+          <p:cNvCxnSpPr>
+            <a:cxnSpLocks/>
+            <a:stCxn id="55" idx="2"/>
+            <a:endCxn id="53" idx="0"/>
+          </p:cNvCxnSpPr>
+          <p:nvPr/>
+        </p:nvCxnSpPr>
+        <p:spPr>
+          <a:xfrm>
+            <a:off x="1865150" y="1941387"/>
+            <a:ext cx="0" cy="1297531"/>
+          </a:xfrm>
+          <a:prstGeom prst="straightConnector1">
+            <a:avLst/>
+          </a:prstGeom>
+          <a:ln w="19050">
+            <a:solidFill>
+              <a:schemeClr val="tx1"/>
+            </a:solidFill>
+            <a:headEnd type="none" w="med" len="med"/>
+            <a:tailEnd type="arrow" w="med" len="med"/>
+          </a:ln>
+        </p:spPr>
+        <p:style>
+          <a:lnRef idx="1">
+            <a:schemeClr val="accent1"/>
+          </a:lnRef>
+          <a:fillRef idx="0">
+            <a:schemeClr val="accent1"/>
+          </a:fillRef>
+          <a:effectRef idx="0">
+            <a:schemeClr val="accent1"/>
+          </a:effectRef>
+          <a:fontRef idx="minor">
+            <a:schemeClr val="tx1"/>
+          </a:fontRef>
+        </p:style>
+      </p:cxnSp>
+      <p:sp>
+        <p:nvSpPr>
+          <p:cNvPr id="67" name="사각형: 둥근 모서리 66">
+            <a:extLst>
+              <a:ext uri="{FF2B5EF4-FFF2-40B4-BE49-F238E27FC236}">
+                <a16:creationId xmlns:a16="http://schemas.microsoft.com/office/drawing/2014/main" id="{0A7BF8E4-EDFB-4A2C-AAAA-9983B622C898}"/>
+              </a:ext>
+            </a:extLst>
+          </p:cNvPr>
+          <p:cNvSpPr/>
+          <p:nvPr/>
+        </p:nvSpPr>
+        <p:spPr>
+          <a:xfrm>
+            <a:off x="6779521" y="1347614"/>
+            <a:ext cx="2068952" cy="667285"/>
+          </a:xfrm>
+          <a:prstGeom prst="roundRect">
+            <a:avLst/>
+          </a:prstGeom>
+          <a:ln>
+            <a:prstDash val="dash"/>
+          </a:ln>
+        </p:spPr>
+        <p:style>
+          <a:lnRef idx="2">
+            <a:schemeClr val="dk1"/>
+          </a:lnRef>
+          <a:fillRef idx="1">
+            <a:schemeClr val="lt1"/>
+          </a:fillRef>
+          <a:effectRef idx="0">
+            <a:schemeClr val="dk1"/>
+          </a:effectRef>
+          <a:fontRef idx="minor">
+            <a:schemeClr val="dk1"/>
+          </a:fontRef>
+        </p:style>
+        <p:txBody>
+          <a:bodyPr rtlCol="0" anchor="t"/>
+          <a:lstStyle/>
+          <a:p>
+            <a:pPr algn="ctr"/>
+            <a:r>
+              <a:rPr lang="en-US" altLang="ko-KR" sz="1200"/>
+              <a:t>Topic</a:t>
+            </a:r>
+            <a:endParaRPr lang="ko-KR" altLang="en-US" sz="1200" dirty="0"/>
+          </a:p>
+        </p:txBody>
+      </p:sp>
+      <p:sp>
+        <p:nvSpPr>
+          <p:cNvPr id="68" name="사각형: 둥근 모서리 67">
+            <a:extLst>
+              <a:ext uri="{FF2B5EF4-FFF2-40B4-BE49-F238E27FC236}">
+                <a16:creationId xmlns:a16="http://schemas.microsoft.com/office/drawing/2014/main" id="{D4EE4167-D9B4-47A1-A89E-31348886823F}"/>
+              </a:ext>
+            </a:extLst>
+          </p:cNvPr>
+          <p:cNvSpPr/>
+          <p:nvPr/>
+        </p:nvSpPr>
+        <p:spPr>
+          <a:xfrm>
+            <a:off x="6779521" y="3153588"/>
+            <a:ext cx="2068952" cy="667285"/>
+          </a:xfrm>
+          <a:prstGeom prst="roundRect">
+            <a:avLst/>
+          </a:prstGeom>
+          <a:ln>
+            <a:prstDash val="dash"/>
+          </a:ln>
+        </p:spPr>
+        <p:style>
+          <a:lnRef idx="2">
+            <a:schemeClr val="dk1"/>
+          </a:lnRef>
+          <a:fillRef idx="1">
+            <a:schemeClr val="lt1"/>
+          </a:fillRef>
+          <a:effectRef idx="0">
+            <a:schemeClr val="dk1"/>
+          </a:effectRef>
+          <a:fontRef idx="minor">
+            <a:schemeClr val="dk1"/>
+          </a:fontRef>
+        </p:style>
+        <p:txBody>
+          <a:bodyPr rtlCol="0" anchor="b"/>
+          <a:lstStyle/>
+          <a:p>
+            <a:pPr algn="ctr"/>
+            <a:r>
+              <a:rPr lang="en-US" altLang="ko-KR" sz="1200"/>
+              <a:t>Consumer Group</a:t>
+            </a:r>
+            <a:endParaRPr lang="ko-KR" altLang="en-US" sz="1200" dirty="0"/>
+          </a:p>
+        </p:txBody>
+      </p:sp>
+      <p:sp>
+        <p:nvSpPr>
+          <p:cNvPr id="69" name="사각형: 둥근 모서리 68">
+            <a:extLst>
+              <a:ext uri="{FF2B5EF4-FFF2-40B4-BE49-F238E27FC236}">
+                <a16:creationId xmlns:a16="http://schemas.microsoft.com/office/drawing/2014/main" id="{F14D6129-1882-4463-8B81-AE8C894B306F}"/>
+              </a:ext>
+            </a:extLst>
+          </p:cNvPr>
+          <p:cNvSpPr/>
+          <p:nvPr/>
+        </p:nvSpPr>
+        <p:spPr>
+          <a:xfrm>
+            <a:off x="6860793" y="3243839"/>
+            <a:ext cx="919386" cy="313364"/>
+          </a:xfrm>
+          <a:prstGeom prst="roundRect">
+            <a:avLst/>
+          </a:prstGeom>
+        </p:spPr>
+        <p:style>
+          <a:lnRef idx="2">
+            <a:schemeClr val="dk1"/>
+          </a:lnRef>
+          <a:fillRef idx="1">
+            <a:schemeClr val="lt1"/>
+          </a:fillRef>
+          <a:effectRef idx="0">
+            <a:schemeClr val="dk1"/>
+          </a:effectRef>
+          <a:fontRef idx="minor">
+            <a:schemeClr val="dk1"/>
+          </a:fontRef>
+        </p:style>
+        <p:txBody>
+          <a:bodyPr rtlCol="0" anchor="ctr"/>
+          <a:lstStyle/>
+          <a:p>
+            <a:pPr algn="ctr"/>
+            <a:r>
+              <a:rPr lang="en-US" altLang="ko-KR" sz="1200"/>
+              <a:t>Consumer</a:t>
+            </a:r>
+            <a:endParaRPr lang="ko-KR" altLang="en-US" sz="1200" dirty="0"/>
+          </a:p>
+        </p:txBody>
+      </p:sp>
+      <p:sp>
+        <p:nvSpPr>
+          <p:cNvPr id="70" name="사각형: 둥근 모서리 69">
+            <a:extLst>
+              <a:ext uri="{FF2B5EF4-FFF2-40B4-BE49-F238E27FC236}">
+                <a16:creationId xmlns:a16="http://schemas.microsoft.com/office/drawing/2014/main" id="{2E493A50-07F3-4E9B-A4CD-365EFB6580BC}"/>
+              </a:ext>
+            </a:extLst>
+          </p:cNvPr>
+          <p:cNvSpPr/>
+          <p:nvPr/>
+        </p:nvSpPr>
+        <p:spPr>
+          <a:xfrm>
+            <a:off x="7861451" y="3238918"/>
+            <a:ext cx="919386" cy="318285"/>
+          </a:xfrm>
+          <a:prstGeom prst="roundRect">
+            <a:avLst/>
+          </a:prstGeom>
+        </p:spPr>
+        <p:style>
+          <a:lnRef idx="2">
+            <a:schemeClr val="dk1"/>
+          </a:lnRef>
+          <a:fillRef idx="1">
+            <a:schemeClr val="lt1"/>
+          </a:fillRef>
+          <a:effectRef idx="0">
+            <a:schemeClr val="dk1"/>
+          </a:effectRef>
+          <a:fontRef idx="minor">
+            <a:schemeClr val="dk1"/>
+          </a:fontRef>
+        </p:style>
+        <p:txBody>
+          <a:bodyPr rtlCol="0" anchor="ctr"/>
+          <a:lstStyle/>
+          <a:p>
+            <a:pPr algn="ctr"/>
+            <a:r>
+              <a:rPr lang="en-US" altLang="ko-KR" sz="1200"/>
+              <a:t>Consumer</a:t>
+            </a:r>
+            <a:endParaRPr lang="ko-KR" altLang="en-US" sz="1200" dirty="0"/>
+          </a:p>
+        </p:txBody>
+      </p:sp>
+      <p:sp>
+        <p:nvSpPr>
+          <p:cNvPr id="71" name="사각형: 둥근 모서리 70">
+            <a:extLst>
+              <a:ext uri="{FF2B5EF4-FFF2-40B4-BE49-F238E27FC236}">
+                <a16:creationId xmlns:a16="http://schemas.microsoft.com/office/drawing/2014/main" id="{8AB92D0C-C944-4278-AD81-3456BC4F269E}"/>
+              </a:ext>
+            </a:extLst>
+          </p:cNvPr>
+          <p:cNvSpPr/>
+          <p:nvPr/>
+        </p:nvSpPr>
+        <p:spPr>
+          <a:xfrm>
+            <a:off x="7354304" y="1628023"/>
+            <a:ext cx="919386" cy="313364"/>
+          </a:xfrm>
+          <a:prstGeom prst="roundRect">
+            <a:avLst/>
+          </a:prstGeom>
+        </p:spPr>
+        <p:style>
+          <a:lnRef idx="2">
+            <a:schemeClr val="dk1"/>
+          </a:lnRef>
+          <a:fillRef idx="1">
+            <a:schemeClr val="lt1"/>
+          </a:fillRef>
+          <a:effectRef idx="0">
+            <a:schemeClr val="dk1"/>
+          </a:effectRef>
+          <a:fontRef idx="minor">
+            <a:schemeClr val="dk1"/>
+          </a:fontRef>
+        </p:style>
+        <p:txBody>
+          <a:bodyPr rtlCol="0" anchor="ctr"/>
+          <a:lstStyle/>
+          <a:p>
+            <a:pPr algn="ctr"/>
+            <a:r>
+              <a:rPr lang="en-US" altLang="ko-KR" sz="1200"/>
+              <a:t>Partition</a:t>
+            </a:r>
+            <a:endParaRPr lang="ko-KR" altLang="en-US" sz="1200" dirty="0"/>
+          </a:p>
+        </p:txBody>
+      </p:sp>
+      <p:cxnSp>
+        <p:nvCxnSpPr>
+          <p:cNvPr id="73" name="직선 화살표 연결선 72">
+            <a:extLst>
+              <a:ext uri="{FF2B5EF4-FFF2-40B4-BE49-F238E27FC236}">
+                <a16:creationId xmlns:a16="http://schemas.microsoft.com/office/drawing/2014/main" id="{18135470-131E-4AA9-A947-DE2D478B7ED9}"/>
+              </a:ext>
+            </a:extLst>
+          </p:cNvPr>
+          <p:cNvCxnSpPr>
+            <a:cxnSpLocks/>
+            <a:stCxn id="71" idx="2"/>
+            <a:endCxn id="69" idx="0"/>
+          </p:cNvCxnSpPr>
+          <p:nvPr/>
+        </p:nvCxnSpPr>
+        <p:spPr>
+          <a:xfrm flipH="1">
+            <a:off x="7320486" y="1941387"/>
+            <a:ext cx="493511" cy="1302452"/>
+          </a:xfrm>
+          <a:prstGeom prst="straightConnector1">
+            <a:avLst/>
+          </a:prstGeom>
+          <a:ln w="19050">
+            <a:solidFill>
+              <a:schemeClr val="tx1"/>
+            </a:solidFill>
+            <a:headEnd type="none" w="med" len="med"/>
+            <a:tailEnd type="arrow" w="med" len="med"/>
+          </a:ln>
+        </p:spPr>
+        <p:style>
+          <a:lnRef idx="1">
+            <a:schemeClr val="accent1"/>
+          </a:lnRef>
+          <a:fillRef idx="0">
+            <a:schemeClr val="accent1"/>
+          </a:fillRef>
+          <a:effectRef idx="0">
+            <a:schemeClr val="accent1"/>
+          </a:effectRef>
+          <a:fontRef idx="minor">
+            <a:schemeClr val="tx1"/>
+          </a:fontRef>
+        </p:style>
+      </p:cxnSp>
+      <p:cxnSp>
+        <p:nvCxnSpPr>
+          <p:cNvPr id="74" name="직선 화살표 연결선 73">
+            <a:extLst>
+              <a:ext uri="{FF2B5EF4-FFF2-40B4-BE49-F238E27FC236}">
+                <a16:creationId xmlns:a16="http://schemas.microsoft.com/office/drawing/2014/main" id="{DB8D5075-2BB0-4BD7-8BD3-E7CE39BA1BE5}"/>
+              </a:ext>
+            </a:extLst>
+          </p:cNvPr>
+          <p:cNvCxnSpPr>
+            <a:cxnSpLocks/>
+            <a:stCxn id="71" idx="2"/>
+            <a:endCxn id="70" idx="0"/>
+          </p:cNvCxnSpPr>
+          <p:nvPr/>
+        </p:nvCxnSpPr>
+        <p:spPr>
+          <a:xfrm>
+            <a:off x="7813997" y="1941387"/>
+            <a:ext cx="507147" cy="1297531"/>
+          </a:xfrm>
+          <a:prstGeom prst="straightConnector1">
+            <a:avLst/>
+          </a:prstGeom>
+          <a:ln w="19050">
+            <a:solidFill>
+              <a:schemeClr val="tx1"/>
+            </a:solidFill>
+            <a:headEnd type="none" w="med" len="med"/>
+            <a:tailEnd type="arrow" w="med" len="med"/>
+          </a:ln>
+        </p:spPr>
+        <p:style>
+          <a:lnRef idx="1">
+            <a:schemeClr val="accent1"/>
+          </a:lnRef>
+          <a:fillRef idx="0">
+            <a:schemeClr val="accent1"/>
+          </a:fillRef>
+          <a:effectRef idx="0">
+            <a:schemeClr val="accent1"/>
+          </a:effectRef>
+          <a:fontRef idx="minor">
+            <a:schemeClr val="tx1"/>
+          </a:fontRef>
+        </p:style>
+      </p:cxnSp>
+      <p:sp>
+        <p:nvSpPr>
+          <p:cNvPr id="77" name="사각형: 둥근 모서리 76">
+            <a:extLst>
+              <a:ext uri="{FF2B5EF4-FFF2-40B4-BE49-F238E27FC236}">
+                <a16:creationId xmlns:a16="http://schemas.microsoft.com/office/drawing/2014/main" id="{B3A52685-73F1-4379-8DF4-702D2CC42255}"/>
+              </a:ext>
+            </a:extLst>
+          </p:cNvPr>
+          <p:cNvSpPr/>
+          <p:nvPr/>
+        </p:nvSpPr>
+        <p:spPr>
+          <a:xfrm>
+            <a:off x="2479075" y="1347614"/>
+            <a:ext cx="2068952" cy="667285"/>
+          </a:xfrm>
+          <a:prstGeom prst="roundRect">
+            <a:avLst/>
+          </a:prstGeom>
+          <a:ln>
+            <a:prstDash val="dash"/>
+          </a:ln>
+        </p:spPr>
+        <p:style>
+          <a:lnRef idx="2">
+            <a:schemeClr val="dk1"/>
+          </a:lnRef>
+          <a:fillRef idx="1">
+            <a:schemeClr val="lt1"/>
+          </a:fillRef>
+          <a:effectRef idx="0">
+            <a:schemeClr val="dk1"/>
+          </a:effectRef>
+          <a:fontRef idx="minor">
+            <a:schemeClr val="dk1"/>
+          </a:fontRef>
+        </p:style>
+        <p:txBody>
+          <a:bodyPr rtlCol="0" anchor="t"/>
+          <a:lstStyle/>
+          <a:p>
+            <a:pPr algn="ctr"/>
+            <a:r>
+              <a:rPr lang="en-US" altLang="ko-KR" sz="1200"/>
+              <a:t>Topic</a:t>
+            </a:r>
+            <a:endParaRPr lang="ko-KR" altLang="en-US" sz="1200" dirty="0"/>
+          </a:p>
+        </p:txBody>
+      </p:sp>
+      <p:sp>
+        <p:nvSpPr>
+          <p:cNvPr id="78" name="사각형: 둥근 모서리 77">
+            <a:extLst>
+              <a:ext uri="{FF2B5EF4-FFF2-40B4-BE49-F238E27FC236}">
+                <a16:creationId xmlns:a16="http://schemas.microsoft.com/office/drawing/2014/main" id="{07F212A1-2DC0-4E03-A8F0-5D3081E786F3}"/>
+              </a:ext>
+            </a:extLst>
+          </p:cNvPr>
+          <p:cNvSpPr/>
+          <p:nvPr/>
+        </p:nvSpPr>
+        <p:spPr>
+          <a:xfrm>
+            <a:off x="2479075" y="3153588"/>
+            <a:ext cx="2068952" cy="667285"/>
+          </a:xfrm>
+          <a:prstGeom prst="roundRect">
+            <a:avLst/>
+          </a:prstGeom>
+          <a:ln>
+            <a:prstDash val="dash"/>
+          </a:ln>
+        </p:spPr>
+        <p:style>
+          <a:lnRef idx="2">
+            <a:schemeClr val="dk1"/>
+          </a:lnRef>
+          <a:fillRef idx="1">
+            <a:schemeClr val="lt1"/>
+          </a:fillRef>
+          <a:effectRef idx="0">
+            <a:schemeClr val="dk1"/>
+          </a:effectRef>
+          <a:fontRef idx="minor">
+            <a:schemeClr val="dk1"/>
+          </a:fontRef>
+        </p:style>
+        <p:txBody>
+          <a:bodyPr rtlCol="0" anchor="b"/>
+          <a:lstStyle/>
+          <a:p>
+            <a:pPr algn="ctr"/>
+            <a:r>
+              <a:rPr lang="en-US" altLang="ko-KR" sz="1200"/>
+              <a:t>Consumer Group</a:t>
+            </a:r>
+            <a:endParaRPr lang="ko-KR" altLang="en-US" sz="1200" dirty="0"/>
+          </a:p>
+        </p:txBody>
+      </p:sp>
+      <p:sp>
+        <p:nvSpPr>
+          <p:cNvPr id="79" name="사각형: 둥근 모서리 78">
+            <a:extLst>
+              <a:ext uri="{FF2B5EF4-FFF2-40B4-BE49-F238E27FC236}">
+                <a16:creationId xmlns:a16="http://schemas.microsoft.com/office/drawing/2014/main" id="{90C6E621-12C5-4E0D-9613-D4036FCA1303}"/>
+              </a:ext>
+            </a:extLst>
+          </p:cNvPr>
+          <p:cNvSpPr/>
+          <p:nvPr/>
+        </p:nvSpPr>
+        <p:spPr>
+          <a:xfrm>
+            <a:off x="2560347" y="3243839"/>
+            <a:ext cx="919386" cy="313364"/>
+          </a:xfrm>
+          <a:prstGeom prst="roundRect">
+            <a:avLst/>
+          </a:prstGeom>
+        </p:spPr>
+        <p:style>
+          <a:lnRef idx="2">
+            <a:schemeClr val="dk1"/>
+          </a:lnRef>
+          <a:fillRef idx="1">
+            <a:schemeClr val="lt1"/>
+          </a:fillRef>
+          <a:effectRef idx="0">
+            <a:schemeClr val="dk1"/>
+          </a:effectRef>
+          <a:fontRef idx="minor">
+            <a:schemeClr val="dk1"/>
+          </a:fontRef>
+        </p:style>
+        <p:txBody>
+          <a:bodyPr rtlCol="0" anchor="ctr"/>
+          <a:lstStyle/>
+          <a:p>
+            <a:pPr algn="ctr"/>
+            <a:r>
+              <a:rPr lang="en-US" altLang="ko-KR" sz="1200"/>
+              <a:t>Consumer</a:t>
+            </a:r>
+            <a:endParaRPr lang="ko-KR" altLang="en-US" sz="1200" dirty="0"/>
+          </a:p>
+        </p:txBody>
+      </p:sp>
+      <p:sp>
+        <p:nvSpPr>
+          <p:cNvPr id="80" name="사각형: 둥근 모서리 79">
+            <a:extLst>
+              <a:ext uri="{FF2B5EF4-FFF2-40B4-BE49-F238E27FC236}">
+                <a16:creationId xmlns:a16="http://schemas.microsoft.com/office/drawing/2014/main" id="{98B05745-54D3-439E-B912-DE9403DA32CC}"/>
+              </a:ext>
+            </a:extLst>
+          </p:cNvPr>
+          <p:cNvSpPr/>
+          <p:nvPr/>
+        </p:nvSpPr>
+        <p:spPr>
+          <a:xfrm>
+            <a:off x="3561005" y="3238918"/>
+            <a:ext cx="919386" cy="318285"/>
+          </a:xfrm>
+          <a:prstGeom prst="roundRect">
+            <a:avLst/>
+          </a:prstGeom>
+        </p:spPr>
+        <p:style>
+          <a:lnRef idx="2">
+            <a:schemeClr val="dk1"/>
+          </a:lnRef>
+          <a:fillRef idx="1">
+            <a:schemeClr val="lt1"/>
+          </a:fillRef>
+          <a:effectRef idx="0">
+            <a:schemeClr val="dk1"/>
+          </a:effectRef>
+          <a:fontRef idx="minor">
+            <a:schemeClr val="dk1"/>
+          </a:fontRef>
+        </p:style>
+        <p:txBody>
+          <a:bodyPr rtlCol="0" anchor="ctr"/>
+          <a:lstStyle/>
+          <a:p>
+            <a:pPr algn="ctr"/>
+            <a:r>
+              <a:rPr lang="en-US" altLang="ko-KR" sz="1200"/>
+              <a:t>Consumer</a:t>
+            </a:r>
+            <a:endParaRPr lang="ko-KR" altLang="en-US" sz="1200" dirty="0"/>
+          </a:p>
+        </p:txBody>
+      </p:sp>
+      <p:sp>
+        <p:nvSpPr>
+          <p:cNvPr id="81" name="사각형: 둥근 모서리 80">
+            <a:extLst>
+              <a:ext uri="{FF2B5EF4-FFF2-40B4-BE49-F238E27FC236}">
+                <a16:creationId xmlns:a16="http://schemas.microsoft.com/office/drawing/2014/main" id="{2F034B61-25CC-4383-B88A-C6E3CA02FB9F}"/>
+              </a:ext>
+            </a:extLst>
+          </p:cNvPr>
+          <p:cNvSpPr/>
+          <p:nvPr/>
+        </p:nvSpPr>
+        <p:spPr>
+          <a:xfrm>
+            <a:off x="2560347" y="1628023"/>
+            <a:ext cx="919386" cy="313364"/>
+          </a:xfrm>
+          <a:prstGeom prst="roundRect">
+            <a:avLst/>
+          </a:prstGeom>
+        </p:spPr>
+        <p:style>
+          <a:lnRef idx="2">
+            <a:schemeClr val="dk1"/>
+          </a:lnRef>
+          <a:fillRef idx="1">
+            <a:schemeClr val="lt1"/>
+          </a:fillRef>
+          <a:effectRef idx="0">
+            <a:schemeClr val="dk1"/>
+          </a:effectRef>
+          <a:fontRef idx="minor">
+            <a:schemeClr val="dk1"/>
+          </a:fontRef>
+        </p:style>
+        <p:txBody>
+          <a:bodyPr rtlCol="0" anchor="ctr"/>
+          <a:lstStyle/>
+          <a:p>
+            <a:pPr algn="ctr"/>
+            <a:r>
+              <a:rPr lang="en-US" altLang="ko-KR" sz="1200"/>
+              <a:t>Partition</a:t>
+            </a:r>
+            <a:endParaRPr lang="ko-KR" altLang="en-US" sz="1200" dirty="0"/>
+          </a:p>
+        </p:txBody>
+      </p:sp>
+      <p:cxnSp>
+        <p:nvCxnSpPr>
+          <p:cNvPr id="83" name="직선 화살표 연결선 82">
+            <a:extLst>
+              <a:ext uri="{FF2B5EF4-FFF2-40B4-BE49-F238E27FC236}">
+                <a16:creationId xmlns:a16="http://schemas.microsoft.com/office/drawing/2014/main" id="{E77191B1-F821-404E-951A-712A39BD546F}"/>
+              </a:ext>
+            </a:extLst>
+          </p:cNvPr>
+          <p:cNvCxnSpPr>
+            <a:cxnSpLocks/>
+            <a:stCxn id="81" idx="2"/>
+            <a:endCxn id="79" idx="0"/>
+          </p:cNvCxnSpPr>
+          <p:nvPr/>
+        </p:nvCxnSpPr>
+        <p:spPr>
+          <a:xfrm>
+            <a:off x="3020040" y="1941387"/>
+            <a:ext cx="0" cy="1302452"/>
+          </a:xfrm>
+          <a:prstGeom prst="straightConnector1">
+            <a:avLst/>
+          </a:prstGeom>
+          <a:ln w="19050">
+            <a:solidFill>
+              <a:schemeClr val="tx1"/>
+            </a:solidFill>
+            <a:headEnd type="none" w="med" len="med"/>
+            <a:tailEnd type="arrow" w="med" len="med"/>
+          </a:ln>
+        </p:spPr>
+        <p:style>
+          <a:lnRef idx="1">
+            <a:schemeClr val="accent1"/>
+          </a:lnRef>
+          <a:fillRef idx="0">
+            <a:schemeClr val="accent1"/>
+          </a:fillRef>
+          <a:effectRef idx="0">
+            <a:schemeClr val="accent1"/>
+          </a:effectRef>
+          <a:fontRef idx="minor">
+            <a:schemeClr val="tx1"/>
+          </a:fontRef>
+        </p:style>
+      </p:cxnSp>
+      <p:sp>
+        <p:nvSpPr>
+          <p:cNvPr id="105" name="사각형: 둥근 모서리 104">
+            <a:extLst>
+              <a:ext uri="{FF2B5EF4-FFF2-40B4-BE49-F238E27FC236}">
+                <a16:creationId xmlns:a16="http://schemas.microsoft.com/office/drawing/2014/main" id="{E9599785-0C18-4CAA-B1B1-980C54808B6A}"/>
+              </a:ext>
+            </a:extLst>
+          </p:cNvPr>
+          <p:cNvSpPr/>
+          <p:nvPr/>
+        </p:nvSpPr>
+        <p:spPr>
+          <a:xfrm>
+            <a:off x="4629298" y="1347614"/>
+            <a:ext cx="2068952" cy="667285"/>
+          </a:xfrm>
+          <a:prstGeom prst="roundRect">
+            <a:avLst/>
+          </a:prstGeom>
+          <a:ln>
+            <a:prstDash val="dash"/>
+          </a:ln>
+        </p:spPr>
+        <p:style>
+          <a:lnRef idx="2">
+            <a:schemeClr val="dk1"/>
+          </a:lnRef>
+          <a:fillRef idx="1">
+            <a:schemeClr val="lt1"/>
+          </a:fillRef>
+          <a:effectRef idx="0">
+            <a:schemeClr val="dk1"/>
+          </a:effectRef>
+          <a:fontRef idx="minor">
+            <a:schemeClr val="dk1"/>
+          </a:fontRef>
+        </p:style>
+        <p:txBody>
+          <a:bodyPr rtlCol="0" anchor="t"/>
+          <a:lstStyle/>
+          <a:p>
+            <a:pPr algn="ctr"/>
+            <a:r>
+              <a:rPr lang="en-US" altLang="ko-KR" sz="1200"/>
+              <a:t>Topic</a:t>
+            </a:r>
+            <a:endParaRPr lang="ko-KR" altLang="en-US" sz="1200" dirty="0"/>
+          </a:p>
+        </p:txBody>
+      </p:sp>
+      <p:sp>
+        <p:nvSpPr>
+          <p:cNvPr id="106" name="사각형: 둥근 모서리 105">
+            <a:extLst>
+              <a:ext uri="{FF2B5EF4-FFF2-40B4-BE49-F238E27FC236}">
+                <a16:creationId xmlns:a16="http://schemas.microsoft.com/office/drawing/2014/main" id="{79BE6F82-BB2F-43F0-8E61-E47782F2AC0D}"/>
+              </a:ext>
+            </a:extLst>
+          </p:cNvPr>
+          <p:cNvSpPr/>
+          <p:nvPr/>
+        </p:nvSpPr>
+        <p:spPr>
+          <a:xfrm>
+            <a:off x="4629298" y="3153588"/>
+            <a:ext cx="2068952" cy="667285"/>
+          </a:xfrm>
+          <a:prstGeom prst="roundRect">
+            <a:avLst/>
+          </a:prstGeom>
+          <a:ln>
+            <a:prstDash val="dash"/>
+          </a:ln>
+        </p:spPr>
+        <p:style>
+          <a:lnRef idx="2">
+            <a:schemeClr val="dk1"/>
+          </a:lnRef>
+          <a:fillRef idx="1">
+            <a:schemeClr val="lt1"/>
+          </a:fillRef>
+          <a:effectRef idx="0">
+            <a:schemeClr val="dk1"/>
+          </a:effectRef>
+          <a:fontRef idx="minor">
+            <a:schemeClr val="dk1"/>
+          </a:fontRef>
+        </p:style>
+        <p:txBody>
+          <a:bodyPr rtlCol="0" anchor="b"/>
+          <a:lstStyle/>
+          <a:p>
+            <a:pPr algn="ctr"/>
+            <a:r>
+              <a:rPr lang="en-US" altLang="ko-KR" sz="1200"/>
+              <a:t>Consumer Group</a:t>
+            </a:r>
+            <a:endParaRPr lang="ko-KR" altLang="en-US" sz="1200" dirty="0"/>
+          </a:p>
+        </p:txBody>
+      </p:sp>
+      <p:sp>
+        <p:nvSpPr>
+          <p:cNvPr id="108" name="사각형: 둥근 모서리 107">
+            <a:extLst>
+              <a:ext uri="{FF2B5EF4-FFF2-40B4-BE49-F238E27FC236}">
+                <a16:creationId xmlns:a16="http://schemas.microsoft.com/office/drawing/2014/main" id="{AE9C3EC6-81F6-41AD-9DAE-FC1888D3558D}"/>
+              </a:ext>
+            </a:extLst>
+          </p:cNvPr>
+          <p:cNvSpPr/>
+          <p:nvPr/>
+        </p:nvSpPr>
+        <p:spPr>
+          <a:xfrm>
+            <a:off x="5203763" y="3238918"/>
+            <a:ext cx="919386" cy="318285"/>
+          </a:xfrm>
+          <a:prstGeom prst="roundRect">
+            <a:avLst/>
+          </a:prstGeom>
+        </p:spPr>
+        <p:style>
+          <a:lnRef idx="2">
+            <a:schemeClr val="dk1"/>
+          </a:lnRef>
+          <a:fillRef idx="1">
+            <a:schemeClr val="lt1"/>
+          </a:fillRef>
+          <a:effectRef idx="0">
+            <a:schemeClr val="dk1"/>
+          </a:effectRef>
+          <a:fontRef idx="minor">
+            <a:schemeClr val="dk1"/>
+          </a:fontRef>
+        </p:style>
+        <p:txBody>
+          <a:bodyPr rtlCol="0" anchor="ctr"/>
+          <a:lstStyle/>
+          <a:p>
+            <a:pPr algn="ctr"/>
+            <a:r>
+              <a:rPr lang="en-US" altLang="ko-KR" sz="1200"/>
+              <a:t>Consumer</a:t>
+            </a:r>
+            <a:endParaRPr lang="ko-KR" altLang="en-US" sz="1200" dirty="0"/>
+          </a:p>
+        </p:txBody>
+      </p:sp>
+      <p:sp>
+        <p:nvSpPr>
+          <p:cNvPr id="109" name="사각형: 둥근 모서리 108">
+            <a:extLst>
+              <a:ext uri="{FF2B5EF4-FFF2-40B4-BE49-F238E27FC236}">
+                <a16:creationId xmlns:a16="http://schemas.microsoft.com/office/drawing/2014/main" id="{824E8682-9647-4660-94B3-7B33C6093D7C}"/>
+              </a:ext>
+            </a:extLst>
+          </p:cNvPr>
+          <p:cNvSpPr/>
+          <p:nvPr/>
+        </p:nvSpPr>
+        <p:spPr>
+          <a:xfrm>
+            <a:off x="4710570" y="1628023"/>
+            <a:ext cx="919386" cy="313364"/>
+          </a:xfrm>
+          <a:prstGeom prst="roundRect">
+            <a:avLst/>
+          </a:prstGeom>
+        </p:spPr>
+        <p:style>
+          <a:lnRef idx="2">
+            <a:schemeClr val="dk1"/>
+          </a:lnRef>
+          <a:fillRef idx="1">
+            <a:schemeClr val="lt1"/>
+          </a:fillRef>
+          <a:effectRef idx="0">
+            <a:schemeClr val="dk1"/>
+          </a:effectRef>
+          <a:fontRef idx="minor">
+            <a:schemeClr val="dk1"/>
+          </a:fontRef>
+        </p:style>
+        <p:txBody>
+          <a:bodyPr rtlCol="0" anchor="ctr"/>
+          <a:lstStyle/>
+          <a:p>
+            <a:pPr algn="ctr"/>
+            <a:r>
+              <a:rPr lang="en-US" altLang="ko-KR" sz="1200"/>
+              <a:t>Partition</a:t>
+            </a:r>
+            <a:endParaRPr lang="ko-KR" altLang="en-US" sz="1200" dirty="0"/>
+          </a:p>
+        </p:txBody>
+      </p:sp>
+      <p:sp>
+        <p:nvSpPr>
+          <p:cNvPr id="110" name="사각형: 둥근 모서리 109">
+            <a:extLst>
+              <a:ext uri="{FF2B5EF4-FFF2-40B4-BE49-F238E27FC236}">
+                <a16:creationId xmlns:a16="http://schemas.microsoft.com/office/drawing/2014/main" id="{001AB381-CCC8-4069-8331-5E7CF7A99528}"/>
+              </a:ext>
+            </a:extLst>
+          </p:cNvPr>
+          <p:cNvSpPr/>
+          <p:nvPr/>
+        </p:nvSpPr>
+        <p:spPr>
+          <a:xfrm>
+            <a:off x="5711228" y="1623102"/>
+            <a:ext cx="919386" cy="318285"/>
+          </a:xfrm>
+          <a:prstGeom prst="roundRect">
+            <a:avLst/>
+          </a:prstGeom>
+        </p:spPr>
+        <p:style>
+          <a:lnRef idx="2">
+            <a:schemeClr val="dk1"/>
+          </a:lnRef>
+          <a:fillRef idx="1">
+            <a:schemeClr val="lt1"/>
+          </a:fillRef>
+          <a:effectRef idx="0">
+            <a:schemeClr val="dk1"/>
+          </a:effectRef>
+          <a:fontRef idx="minor">
+            <a:schemeClr val="dk1"/>
+          </a:fontRef>
+        </p:style>
+        <p:txBody>
+          <a:bodyPr rtlCol="0" anchor="ctr"/>
+          <a:lstStyle/>
+          <a:p>
+            <a:pPr algn="ctr"/>
+            <a:r>
+              <a:rPr lang="en-US" altLang="ko-KR" sz="1200"/>
+              <a:t>Partition</a:t>
+            </a:r>
+            <a:endParaRPr lang="ko-KR" altLang="en-US" sz="1200" dirty="0"/>
+          </a:p>
+        </p:txBody>
+      </p:sp>
+      <p:cxnSp>
+        <p:nvCxnSpPr>
+          <p:cNvPr id="119" name="직선 화살표 연결선 118">
+            <a:extLst>
+              <a:ext uri="{FF2B5EF4-FFF2-40B4-BE49-F238E27FC236}">
+                <a16:creationId xmlns:a16="http://schemas.microsoft.com/office/drawing/2014/main" id="{134785BF-D875-49FB-99AE-B82C53E138A1}"/>
+              </a:ext>
+            </a:extLst>
+          </p:cNvPr>
+          <p:cNvCxnSpPr>
+            <a:cxnSpLocks/>
+            <a:stCxn id="109" idx="2"/>
+            <a:endCxn id="108" idx="0"/>
+          </p:cNvCxnSpPr>
+          <p:nvPr/>
+        </p:nvCxnSpPr>
+        <p:spPr>
+          <a:xfrm>
+            <a:off x="5170263" y="1941387"/>
+            <a:ext cx="493193" cy="1297531"/>
+          </a:xfrm>
+          <a:prstGeom prst="straightConnector1">
+            <a:avLst/>
+          </a:prstGeom>
+          <a:ln w="19050">
+            <a:solidFill>
+              <a:schemeClr val="tx1"/>
+            </a:solidFill>
+            <a:headEnd type="none" w="med" len="med"/>
+            <a:tailEnd type="arrow" w="med" len="med"/>
+          </a:ln>
+        </p:spPr>
+        <p:style>
+          <a:lnRef idx="1">
+            <a:schemeClr val="accent1"/>
+          </a:lnRef>
+          <a:fillRef idx="0">
+            <a:schemeClr val="accent1"/>
+          </a:fillRef>
+          <a:effectRef idx="0">
+            <a:schemeClr val="accent1"/>
+          </a:effectRef>
+          <a:fontRef idx="minor">
+            <a:schemeClr val="tx1"/>
+          </a:fontRef>
+        </p:style>
+      </p:cxnSp>
+      <p:cxnSp>
+        <p:nvCxnSpPr>
+          <p:cNvPr id="120" name="직선 화살표 연결선 119">
+            <a:extLst>
+              <a:ext uri="{FF2B5EF4-FFF2-40B4-BE49-F238E27FC236}">
+                <a16:creationId xmlns:a16="http://schemas.microsoft.com/office/drawing/2014/main" id="{04BE878B-DC56-4E07-8725-100855907472}"/>
+              </a:ext>
+            </a:extLst>
+          </p:cNvPr>
+          <p:cNvCxnSpPr>
+            <a:cxnSpLocks/>
+            <a:stCxn id="110" idx="2"/>
+            <a:endCxn id="108" idx="0"/>
+          </p:cNvCxnSpPr>
+          <p:nvPr/>
+        </p:nvCxnSpPr>
+        <p:spPr>
+          <a:xfrm flipH="1">
+            <a:off x="5663456" y="1941387"/>
+            <a:ext cx="507465" cy="1297531"/>
+          </a:xfrm>
+          <a:prstGeom prst="straightConnector1">
+            <a:avLst/>
+          </a:prstGeom>
+          <a:ln w="19050">
+            <a:solidFill>
+              <a:schemeClr val="tx1"/>
+            </a:solidFill>
+            <a:headEnd type="none" w="med" len="med"/>
+            <a:tailEnd type="arrow" w="med" len="med"/>
+          </a:ln>
+        </p:spPr>
+        <p:style>
+          <a:lnRef idx="1">
+            <a:schemeClr val="accent1"/>
+          </a:lnRef>
+          <a:fillRef idx="0">
+            <a:schemeClr val="accent1"/>
+          </a:fillRef>
+          <a:effectRef idx="0">
+            <a:schemeClr val="accent1"/>
+          </a:effectRef>
+          <a:fontRef idx="minor">
+            <a:schemeClr val="tx1"/>
+          </a:fontRef>
+        </p:style>
+      </p:cxnSp>
+      <p:sp>
+        <p:nvSpPr>
+          <p:cNvPr id="121" name="TextBox 120">
+            <a:extLst>
+              <a:ext uri="{FF2B5EF4-FFF2-40B4-BE49-F238E27FC236}">
+                <a16:creationId xmlns:a16="http://schemas.microsoft.com/office/drawing/2014/main" id="{F97060E5-4D01-4290-BD1F-CC47537F8C32}"/>
+              </a:ext>
+            </a:extLst>
+          </p:cNvPr>
+          <p:cNvSpPr txBox="1"/>
+          <p:nvPr/>
+        </p:nvSpPr>
+        <p:spPr>
+          <a:xfrm>
+            <a:off x="635388" y="3820873"/>
+            <a:ext cx="1455880" cy="307777"/>
+          </a:xfrm>
+          <a:prstGeom prst="rect">
+            <a:avLst/>
+          </a:prstGeom>
+          <a:noFill/>
+        </p:spPr>
+        <p:txBody>
+          <a:bodyPr wrap="square" rtlCol="0" anchor="ctr">
+            <a:spAutoFit/>
+          </a:bodyPr>
+          <a:lstStyle/>
+          <a:p>
+            <a:pPr algn="ctr"/>
+            <a:r>
+              <a:rPr lang="en-US" altLang="ko-KR" sz="1400" b="1">
+                <a:solidFill>
+                  <a:schemeClr val="tx2"/>
+                </a:solidFill>
+              </a:rPr>
+              <a:t>OK</a:t>
+            </a:r>
+            <a:endParaRPr lang="ko-KR" altLang="en-US" sz="1400" b="1">
+              <a:solidFill>
+                <a:schemeClr val="tx2"/>
+              </a:solidFill>
+            </a:endParaRPr>
+          </a:p>
+        </p:txBody>
+      </p:sp>
+      <p:sp>
+        <p:nvSpPr>
+          <p:cNvPr id="123" name="TextBox 122">
+            <a:extLst>
+              <a:ext uri="{FF2B5EF4-FFF2-40B4-BE49-F238E27FC236}">
+                <a16:creationId xmlns:a16="http://schemas.microsoft.com/office/drawing/2014/main" id="{C543B5E4-D35D-4C42-B49A-CB180DBBB713}"/>
+              </a:ext>
+            </a:extLst>
+          </p:cNvPr>
+          <p:cNvSpPr txBox="1"/>
+          <p:nvPr/>
+        </p:nvSpPr>
+        <p:spPr>
+          <a:xfrm>
+            <a:off x="2785611" y="3820873"/>
+            <a:ext cx="1455880" cy="307777"/>
+          </a:xfrm>
+          <a:prstGeom prst="rect">
+            <a:avLst/>
+          </a:prstGeom>
+          <a:noFill/>
+        </p:spPr>
+        <p:txBody>
+          <a:bodyPr wrap="square" rtlCol="0" anchor="ctr">
+            <a:spAutoFit/>
+          </a:bodyPr>
+          <a:lstStyle/>
+          <a:p>
+            <a:pPr algn="ctr"/>
+            <a:r>
+              <a:rPr lang="en-US" altLang="ko-KR" sz="1400" b="1">
+                <a:solidFill>
+                  <a:schemeClr val="tx2"/>
+                </a:solidFill>
+              </a:rPr>
+              <a:t>OK</a:t>
+            </a:r>
+            <a:endParaRPr lang="ko-KR" altLang="en-US" sz="1400" b="1">
+              <a:solidFill>
+                <a:schemeClr val="tx2"/>
+              </a:solidFill>
+            </a:endParaRPr>
+          </a:p>
+        </p:txBody>
+      </p:sp>
+      <p:sp>
+        <p:nvSpPr>
+          <p:cNvPr id="127" name="TextBox 126">
+            <a:extLst>
+              <a:ext uri="{FF2B5EF4-FFF2-40B4-BE49-F238E27FC236}">
+                <a16:creationId xmlns:a16="http://schemas.microsoft.com/office/drawing/2014/main" id="{E72DCC4F-47A5-4F2A-AD7E-5606097EFD3C}"/>
+              </a:ext>
+            </a:extLst>
+          </p:cNvPr>
+          <p:cNvSpPr txBox="1"/>
+          <p:nvPr/>
+        </p:nvSpPr>
+        <p:spPr>
+          <a:xfrm>
+            <a:off x="4935834" y="3820873"/>
+            <a:ext cx="1455880" cy="307777"/>
+          </a:xfrm>
+          <a:prstGeom prst="rect">
+            <a:avLst/>
+          </a:prstGeom>
+          <a:noFill/>
+        </p:spPr>
+        <p:txBody>
+          <a:bodyPr wrap="square" rtlCol="0" anchor="ctr">
+            <a:spAutoFit/>
+          </a:bodyPr>
+          <a:lstStyle/>
+          <a:p>
+            <a:pPr algn="ctr"/>
+            <a:r>
+              <a:rPr lang="en-US" altLang="ko-KR" sz="1400" b="1">
+                <a:solidFill>
+                  <a:schemeClr val="tx2"/>
+                </a:solidFill>
+              </a:rPr>
+              <a:t>OK</a:t>
+            </a:r>
+            <a:endParaRPr lang="ko-KR" altLang="en-US" sz="1400" b="1">
+              <a:solidFill>
+                <a:schemeClr val="tx2"/>
+              </a:solidFill>
+            </a:endParaRPr>
+          </a:p>
+        </p:txBody>
+      </p:sp>
+      <p:sp>
+        <p:nvSpPr>
+          <p:cNvPr id="129" name="TextBox 128">
+            <a:extLst>
+              <a:ext uri="{FF2B5EF4-FFF2-40B4-BE49-F238E27FC236}">
+                <a16:creationId xmlns:a16="http://schemas.microsoft.com/office/drawing/2014/main" id="{CE039E6E-AD09-4CE8-BF50-6DADCCB214EE}"/>
+              </a:ext>
+            </a:extLst>
+          </p:cNvPr>
+          <p:cNvSpPr txBox="1"/>
+          <p:nvPr/>
+        </p:nvSpPr>
+        <p:spPr>
+          <a:xfrm>
+            <a:off x="7086057" y="3820873"/>
+            <a:ext cx="1455880" cy="307777"/>
+          </a:xfrm>
+          <a:prstGeom prst="rect">
+            <a:avLst/>
+          </a:prstGeom>
+          <a:noFill/>
+        </p:spPr>
+        <p:txBody>
+          <a:bodyPr wrap="square" rtlCol="0" anchor="ctr">
+            <a:spAutoFit/>
+          </a:bodyPr>
+          <a:lstStyle/>
+          <a:p>
+            <a:pPr algn="ctr"/>
+            <a:r>
+              <a:rPr lang="en-US" altLang="ko-KR" sz="1400" b="1">
+                <a:solidFill>
+                  <a:srgbClr val="C00000"/>
+                </a:solidFill>
+              </a:rPr>
+              <a:t>NO</a:t>
+            </a:r>
+            <a:endParaRPr lang="ko-KR" altLang="en-US" sz="1400" b="1">
+              <a:solidFill>
+                <a:srgbClr val="C00000"/>
+              </a:solidFill>
+            </a:endParaRPr>
+          </a:p>
+        </p:txBody>
+      </p:sp>
+    </p:spTree>
+    <p:extLst>
+      <p:ext uri="{BB962C8B-B14F-4D97-AF65-F5344CB8AC3E}">
+        <p14:creationId xmlns:p14="http://schemas.microsoft.com/office/powerpoint/2010/main" val="2825535974"/>
+      </p:ext>
+    </p:extLst>
+  </p:cSld>
+  <p:clrMapOvr>
+    <a:masterClrMapping/>
+  </p:clrMapOvr>
+</p:sld>
+</file>
+
+<file path=ppt/slides/slide4.xml><?xml version="1.0" encoding="utf-8"?>
+<p:sld xmlns:a="http://schemas.openxmlformats.org/drawingml/2006/main" xmlns:r="http://schemas.openxmlformats.org/officeDocument/2006/relationships" xmlns:p="http://schemas.openxmlformats.org/presentationml/2006/main">
+  <p:cSld>
+    <p:spTree>
+      <p:nvGrpSpPr>
+        <p:cNvPr id="1" name=""/>
+        <p:cNvGrpSpPr/>
+        <p:nvPr/>
+      </p:nvGrpSpPr>
+      <p:grpSpPr>
+        <a:xfrm>
+          <a:off x="0" y="0"/>
+          <a:ext cx="0" cy="0"/>
+          <a:chOff x="0" y="0"/>
+          <a:chExt cx="0" cy="0"/>
+        </a:xfrm>
+      </p:grpSpPr>
+      <p:sp>
+        <p:nvSpPr>
+          <p:cNvPr id="7" name="사각형: 둥근 모서리 6">
+            <a:extLst>
+              <a:ext uri="{FF2B5EF4-FFF2-40B4-BE49-F238E27FC236}">
+                <a16:creationId xmlns:a16="http://schemas.microsoft.com/office/drawing/2014/main" id="{43605E7C-158D-49F1-8506-CEF09E8CC589}"/>
+              </a:ext>
+            </a:extLst>
+          </p:cNvPr>
+          <p:cNvSpPr/>
+          <p:nvPr/>
+        </p:nvSpPr>
+        <p:spPr>
+          <a:xfrm>
+            <a:off x="1460210" y="497337"/>
+            <a:ext cx="1872208" cy="3761469"/>
+          </a:xfrm>
+          <a:prstGeom prst="roundRect">
+            <a:avLst>
+              <a:gd name="adj" fmla="val 4353"/>
+            </a:avLst>
+          </a:prstGeom>
+        </p:spPr>
+        <p:style>
+          <a:lnRef idx="2">
+            <a:schemeClr val="dk1"/>
+          </a:lnRef>
+          <a:fillRef idx="1">
+            <a:schemeClr val="lt1"/>
+          </a:fillRef>
+          <a:effectRef idx="0">
+            <a:schemeClr val="dk1"/>
+          </a:effectRef>
+          <a:fontRef idx="minor">
+            <a:schemeClr val="dk1"/>
+          </a:fontRef>
+        </p:style>
+        <p:txBody>
+          <a:bodyPr rtlCol="0" anchor="b"/>
+          <a:lstStyle/>
+          <a:p>
+            <a:pPr algn="ctr"/>
+            <a:r>
+              <a:rPr lang="en-US" altLang="ko-KR" sz="1400" dirty="0"/>
+              <a:t>Kafka Broker A</a:t>
+            </a:r>
+            <a:endParaRPr lang="ko-KR" altLang="en-US" sz="1400" dirty="0"/>
+          </a:p>
+        </p:txBody>
+      </p:sp>
+      <p:sp>
+        <p:nvSpPr>
+          <p:cNvPr id="58" name="사각형: 둥근 모서리 57">
+            <a:extLst>
+              <a:ext uri="{FF2B5EF4-FFF2-40B4-BE49-F238E27FC236}">
+                <a16:creationId xmlns:a16="http://schemas.microsoft.com/office/drawing/2014/main" id="{364F566C-AAA1-4C72-9FB2-52671A2E3589}"/>
+              </a:ext>
+            </a:extLst>
+          </p:cNvPr>
+          <p:cNvSpPr/>
+          <p:nvPr/>
+        </p:nvSpPr>
+        <p:spPr>
+          <a:xfrm>
+            <a:off x="3563888" y="483518"/>
+            <a:ext cx="1872208" cy="3775288"/>
+          </a:xfrm>
+          <a:prstGeom prst="roundRect">
+            <a:avLst>
+              <a:gd name="adj" fmla="val 5697"/>
+            </a:avLst>
+          </a:prstGeom>
+        </p:spPr>
+        <p:style>
+          <a:lnRef idx="2">
+            <a:schemeClr val="dk1"/>
+          </a:lnRef>
+          <a:fillRef idx="1">
+            <a:schemeClr val="lt1"/>
+          </a:fillRef>
+          <a:effectRef idx="0">
+            <a:schemeClr val="dk1"/>
+          </a:effectRef>
+          <a:fontRef idx="minor">
+            <a:schemeClr val="dk1"/>
+          </a:fontRef>
+        </p:style>
+        <p:txBody>
+          <a:bodyPr rtlCol="0" anchor="b"/>
+          <a:lstStyle/>
+          <a:p>
+            <a:pPr algn="ctr"/>
+            <a:r>
+              <a:rPr lang="en-US" altLang="ko-KR" sz="1400" dirty="0"/>
+              <a:t>Kafka Broker B</a:t>
+            </a:r>
+            <a:endParaRPr lang="ko-KR" altLang="en-US" sz="1400" dirty="0"/>
+          </a:p>
+        </p:txBody>
+      </p:sp>
+      <p:sp>
+        <p:nvSpPr>
+          <p:cNvPr id="67" name="사각형: 둥근 모서리 66">
+            <a:extLst>
+              <a:ext uri="{FF2B5EF4-FFF2-40B4-BE49-F238E27FC236}">
+                <a16:creationId xmlns:a16="http://schemas.microsoft.com/office/drawing/2014/main" id="{10A8E561-0D52-48A1-A8B6-9F42DD083DD7}"/>
+              </a:ext>
+            </a:extLst>
+          </p:cNvPr>
+          <p:cNvSpPr/>
+          <p:nvPr/>
+        </p:nvSpPr>
+        <p:spPr>
+          <a:xfrm>
+            <a:off x="5652120" y="483518"/>
+            <a:ext cx="1872208" cy="3775288"/>
+          </a:xfrm>
+          <a:prstGeom prst="roundRect">
+            <a:avLst>
+              <a:gd name="adj" fmla="val 5249"/>
+            </a:avLst>
+          </a:prstGeom>
+        </p:spPr>
+        <p:style>
+          <a:lnRef idx="2">
+            <a:schemeClr val="dk1"/>
+          </a:lnRef>
+          <a:fillRef idx="1">
+            <a:schemeClr val="lt1"/>
+          </a:fillRef>
+          <a:effectRef idx="0">
+            <a:schemeClr val="dk1"/>
+          </a:effectRef>
+          <a:fontRef idx="minor">
+            <a:schemeClr val="dk1"/>
+          </a:fontRef>
+        </p:style>
+        <p:txBody>
+          <a:bodyPr rtlCol="0" anchor="b"/>
+          <a:lstStyle/>
+          <a:p>
+            <a:pPr algn="ctr"/>
+            <a:r>
+              <a:rPr lang="en-US" altLang="ko-KR" sz="1400" dirty="0"/>
+              <a:t>Kafka Broker C</a:t>
+            </a:r>
+            <a:endParaRPr lang="ko-KR" altLang="en-US" sz="1400" dirty="0"/>
+          </a:p>
+        </p:txBody>
+      </p:sp>
+      <p:sp>
+        <p:nvSpPr>
+          <p:cNvPr id="2" name="제목 1"/>
+          <p:cNvSpPr>
+            <a:spLocks noGrp="1"/>
+          </p:cNvSpPr>
+          <p:nvPr>
+            <p:ph type="title"/>
+          </p:nvPr>
+        </p:nvSpPr>
+        <p:spPr>
+          <a:xfrm>
+            <a:off x="377332" y="-236562"/>
+            <a:ext cx="8229600" cy="857250"/>
+          </a:xfrm>
+        </p:spPr>
+        <p:txBody>
+          <a:bodyPr/>
+          <a:lstStyle/>
+          <a:p>
+            <a:r>
+              <a:rPr lang="en-US" altLang="ko-KR"/>
+              <a:t>Cluster</a:t>
+            </a:r>
+            <a:endParaRPr lang="ko-KR" altLang="en-US" dirty="0"/>
+          </a:p>
+        </p:txBody>
+      </p:sp>
+      <p:sp>
+        <p:nvSpPr>
+          <p:cNvPr id="44" name="사각형: 둥근 모서리 43">
+            <a:extLst>
+              <a:ext uri="{FF2B5EF4-FFF2-40B4-BE49-F238E27FC236}">
+                <a16:creationId xmlns:a16="http://schemas.microsoft.com/office/drawing/2014/main" id="{46680711-9222-475F-8F0D-50BD15568FE4}"/>
+              </a:ext>
+            </a:extLst>
+          </p:cNvPr>
+          <p:cNvSpPr/>
+          <p:nvPr/>
+        </p:nvSpPr>
+        <p:spPr>
+          <a:xfrm>
+            <a:off x="1691680" y="1793034"/>
+            <a:ext cx="1440160" cy="268948"/>
+          </a:xfrm>
+          <a:prstGeom prst="roundRect">
+            <a:avLst>
+              <a:gd name="adj" fmla="val 14105"/>
+            </a:avLst>
+          </a:prstGeom>
+          <a:solidFill>
+            <a:schemeClr val="accent1">
+              <a:lumMod val="20000"/>
+              <a:lumOff val="80000"/>
+            </a:schemeClr>
+          </a:solidFill>
+        </p:spPr>
+        <p:style>
+          <a:lnRef idx="2">
+            <a:schemeClr val="dk1"/>
+          </a:lnRef>
+          <a:fillRef idx="1">
+            <a:schemeClr val="lt1"/>
+          </a:fillRef>
+          <a:effectRef idx="0">
+            <a:schemeClr val="dk1"/>
+          </a:effectRef>
+          <a:fontRef idx="minor">
+            <a:schemeClr val="dk1"/>
+          </a:fontRef>
+        </p:style>
+        <p:txBody>
+          <a:bodyPr rtlCol="0" anchor="ctr"/>
+          <a:lstStyle/>
+          <a:p>
+            <a:pPr algn="ctr"/>
+            <a:r>
+              <a:rPr lang="en-US" altLang="ko-KR" sz="1100"/>
+              <a:t>Partition </a:t>
+            </a:r>
+            <a:r>
+              <a:rPr lang="en-US" altLang="ko-KR" sz="1100" dirty="0"/>
+              <a:t>0</a:t>
+            </a:r>
+            <a:endParaRPr lang="ko-KR" altLang="en-US" sz="1100" dirty="0"/>
+          </a:p>
+        </p:txBody>
+      </p:sp>
+      <p:sp>
+        <p:nvSpPr>
+          <p:cNvPr id="55" name="사각형: 둥근 모서리 54">
+            <a:extLst>
+              <a:ext uri="{FF2B5EF4-FFF2-40B4-BE49-F238E27FC236}">
+                <a16:creationId xmlns:a16="http://schemas.microsoft.com/office/drawing/2014/main" id="{9B510882-3AD7-4A8A-ACA7-B7996494A18E}"/>
+              </a:ext>
+            </a:extLst>
+          </p:cNvPr>
+          <p:cNvSpPr/>
+          <p:nvPr/>
+        </p:nvSpPr>
+        <p:spPr>
+          <a:xfrm>
+            <a:off x="1691680" y="2549562"/>
+            <a:ext cx="1440160" cy="268948"/>
+          </a:xfrm>
+          <a:prstGeom prst="roundRect">
+            <a:avLst>
+              <a:gd name="adj" fmla="val 14105"/>
+            </a:avLst>
+          </a:prstGeom>
+          <a:solidFill>
+            <a:schemeClr val="accent2">
+              <a:lumMod val="20000"/>
+              <a:lumOff val="80000"/>
+            </a:schemeClr>
+          </a:solidFill>
+        </p:spPr>
+        <p:style>
+          <a:lnRef idx="2">
+            <a:schemeClr val="dk1"/>
+          </a:lnRef>
+          <a:fillRef idx="1">
+            <a:schemeClr val="lt1"/>
+          </a:fillRef>
+          <a:effectRef idx="0">
+            <a:schemeClr val="dk1"/>
+          </a:effectRef>
+          <a:fontRef idx="minor">
+            <a:schemeClr val="dk1"/>
+          </a:fontRef>
+        </p:style>
+        <p:txBody>
+          <a:bodyPr rtlCol="0" anchor="ctr"/>
+          <a:lstStyle/>
+          <a:p>
+            <a:pPr algn="ctr"/>
+            <a:r>
+              <a:rPr lang="en-US" altLang="ko-KR" sz="1100"/>
+              <a:t>Partition </a:t>
+            </a:r>
+            <a:r>
+              <a:rPr lang="en-US" altLang="ko-KR" sz="1100" dirty="0"/>
+              <a:t>0</a:t>
+            </a:r>
+            <a:endParaRPr lang="ko-KR" altLang="en-US" sz="1100" dirty="0"/>
+          </a:p>
+        </p:txBody>
+      </p:sp>
+      <p:sp>
+        <p:nvSpPr>
+          <p:cNvPr id="56" name="사각형: 둥근 모서리 55">
+            <a:extLst>
+              <a:ext uri="{FF2B5EF4-FFF2-40B4-BE49-F238E27FC236}">
+                <a16:creationId xmlns:a16="http://schemas.microsoft.com/office/drawing/2014/main" id="{F8EDAA14-A89A-489B-B003-40355A4D2500}"/>
+              </a:ext>
+            </a:extLst>
+          </p:cNvPr>
+          <p:cNvSpPr/>
+          <p:nvPr/>
+        </p:nvSpPr>
+        <p:spPr>
+          <a:xfrm>
+            <a:off x="1691680" y="2915774"/>
+            <a:ext cx="1440160" cy="268948"/>
+          </a:xfrm>
+          <a:prstGeom prst="roundRect">
+            <a:avLst>
+              <a:gd name="adj" fmla="val 14105"/>
+            </a:avLst>
+          </a:prstGeom>
+          <a:solidFill>
+            <a:schemeClr val="accent1">
+              <a:lumMod val="20000"/>
+              <a:lumOff val="80000"/>
+            </a:schemeClr>
+          </a:solidFill>
+        </p:spPr>
+        <p:style>
+          <a:lnRef idx="2">
+            <a:schemeClr val="dk1"/>
+          </a:lnRef>
+          <a:fillRef idx="1">
+            <a:schemeClr val="lt1"/>
+          </a:fillRef>
+          <a:effectRef idx="0">
+            <a:schemeClr val="dk1"/>
+          </a:effectRef>
+          <a:fontRef idx="minor">
+            <a:schemeClr val="dk1"/>
+          </a:fontRef>
+        </p:style>
+        <p:txBody>
+          <a:bodyPr rtlCol="0" anchor="ctr"/>
+          <a:lstStyle/>
+          <a:p>
+            <a:pPr algn="ctr"/>
+            <a:r>
+              <a:rPr lang="en-US" altLang="ko-KR" sz="1100"/>
+              <a:t>Partition </a:t>
+            </a:r>
+            <a:r>
+              <a:rPr lang="en-US" altLang="ko-KR" sz="1100" dirty="0"/>
+              <a:t>1</a:t>
+            </a:r>
+            <a:endParaRPr lang="ko-KR" altLang="en-US" sz="1100" dirty="0"/>
+          </a:p>
+        </p:txBody>
+      </p:sp>
+      <p:sp>
+        <p:nvSpPr>
+          <p:cNvPr id="57" name="사각형: 둥근 모서리 56">
+            <a:extLst>
+              <a:ext uri="{FF2B5EF4-FFF2-40B4-BE49-F238E27FC236}">
+                <a16:creationId xmlns:a16="http://schemas.microsoft.com/office/drawing/2014/main" id="{D0081DD2-33FA-46B1-8ABB-C5E63737BABF}"/>
+              </a:ext>
+            </a:extLst>
+          </p:cNvPr>
+          <p:cNvSpPr/>
+          <p:nvPr/>
+        </p:nvSpPr>
+        <p:spPr>
+          <a:xfrm>
+            <a:off x="1691680" y="3281986"/>
+            <a:ext cx="1440160" cy="268948"/>
+          </a:xfrm>
+          <a:prstGeom prst="roundRect">
+            <a:avLst>
+              <a:gd name="adj" fmla="val 14105"/>
+            </a:avLst>
+          </a:prstGeom>
+          <a:solidFill>
+            <a:schemeClr val="accent1">
+              <a:lumMod val="20000"/>
+              <a:lumOff val="80000"/>
+            </a:schemeClr>
+          </a:solidFill>
+        </p:spPr>
+        <p:style>
+          <a:lnRef idx="2">
+            <a:schemeClr val="dk1"/>
+          </a:lnRef>
+          <a:fillRef idx="1">
+            <a:schemeClr val="lt1"/>
+          </a:fillRef>
+          <a:effectRef idx="0">
+            <a:schemeClr val="dk1"/>
+          </a:effectRef>
+          <a:fontRef idx="minor">
+            <a:schemeClr val="dk1"/>
+          </a:fontRef>
+        </p:style>
+        <p:txBody>
+          <a:bodyPr rtlCol="0" anchor="ctr"/>
+          <a:lstStyle/>
+          <a:p>
+            <a:pPr algn="ctr"/>
+            <a:r>
+              <a:rPr lang="en-US" altLang="ko-KR" sz="1100"/>
+              <a:t>Partition </a:t>
+            </a:r>
+            <a:r>
+              <a:rPr lang="en-US" altLang="ko-KR" sz="1100" dirty="0"/>
+              <a:t>2</a:t>
+            </a:r>
+            <a:endParaRPr lang="ko-KR" altLang="en-US" sz="1100" dirty="0"/>
+          </a:p>
+        </p:txBody>
+      </p:sp>
+      <p:sp>
+        <p:nvSpPr>
+          <p:cNvPr id="63" name="사각형: 둥근 모서리 62">
+            <a:extLst>
+              <a:ext uri="{FF2B5EF4-FFF2-40B4-BE49-F238E27FC236}">
+                <a16:creationId xmlns:a16="http://schemas.microsoft.com/office/drawing/2014/main" id="{1D930AF3-C251-4D74-827F-DC86C862B00C}"/>
+              </a:ext>
+            </a:extLst>
+          </p:cNvPr>
+          <p:cNvSpPr/>
+          <p:nvPr/>
+        </p:nvSpPr>
+        <p:spPr>
+          <a:xfrm>
+            <a:off x="3779912" y="1793034"/>
+            <a:ext cx="1440160" cy="268948"/>
+          </a:xfrm>
+          <a:prstGeom prst="roundRect">
+            <a:avLst>
+              <a:gd name="adj" fmla="val 14105"/>
+            </a:avLst>
+          </a:prstGeom>
+          <a:solidFill>
+            <a:schemeClr val="accent1">
+              <a:lumMod val="20000"/>
+              <a:lumOff val="80000"/>
+            </a:schemeClr>
+          </a:solidFill>
+        </p:spPr>
+        <p:style>
+          <a:lnRef idx="2">
+            <a:schemeClr val="dk1"/>
+          </a:lnRef>
+          <a:fillRef idx="1">
+            <a:schemeClr val="lt1"/>
+          </a:fillRef>
+          <a:effectRef idx="0">
+            <a:schemeClr val="dk1"/>
+          </a:effectRef>
+          <a:fontRef idx="minor">
+            <a:schemeClr val="dk1"/>
+          </a:fontRef>
+        </p:style>
+        <p:txBody>
+          <a:bodyPr rtlCol="0" anchor="ctr"/>
+          <a:lstStyle/>
+          <a:p>
+            <a:pPr algn="ctr"/>
+            <a:r>
+              <a:rPr lang="en-US" altLang="ko-KR" sz="1100"/>
+              <a:t>Partition </a:t>
+            </a:r>
+            <a:r>
+              <a:rPr lang="en-US" altLang="ko-KR" sz="1100" dirty="0"/>
+              <a:t>0</a:t>
+            </a:r>
+            <a:endParaRPr lang="ko-KR" altLang="en-US" sz="1100" dirty="0"/>
+          </a:p>
+        </p:txBody>
+      </p:sp>
+      <p:sp>
+        <p:nvSpPr>
+          <p:cNvPr id="64" name="사각형: 둥근 모서리 63">
+            <a:extLst>
+              <a:ext uri="{FF2B5EF4-FFF2-40B4-BE49-F238E27FC236}">
+                <a16:creationId xmlns:a16="http://schemas.microsoft.com/office/drawing/2014/main" id="{C093F3AF-A4D5-42A7-93F0-6BCBA9A55EF7}"/>
+              </a:ext>
+            </a:extLst>
+          </p:cNvPr>
+          <p:cNvSpPr/>
+          <p:nvPr/>
+        </p:nvSpPr>
+        <p:spPr>
+          <a:xfrm>
+            <a:off x="3779912" y="2549562"/>
+            <a:ext cx="1440160" cy="268948"/>
+          </a:xfrm>
+          <a:prstGeom prst="roundRect">
+            <a:avLst>
+              <a:gd name="adj" fmla="val 14105"/>
+            </a:avLst>
+          </a:prstGeom>
+          <a:solidFill>
+            <a:schemeClr val="accent1">
+              <a:lumMod val="20000"/>
+              <a:lumOff val="80000"/>
+            </a:schemeClr>
+          </a:solidFill>
+        </p:spPr>
+        <p:style>
+          <a:lnRef idx="2">
+            <a:schemeClr val="dk1"/>
+          </a:lnRef>
+          <a:fillRef idx="1">
+            <a:schemeClr val="lt1"/>
+          </a:fillRef>
+          <a:effectRef idx="0">
+            <a:schemeClr val="dk1"/>
+          </a:effectRef>
+          <a:fontRef idx="minor">
+            <a:schemeClr val="dk1"/>
+          </a:fontRef>
+        </p:style>
+        <p:txBody>
+          <a:bodyPr rtlCol="0" anchor="ctr"/>
+          <a:lstStyle/>
+          <a:p>
+            <a:pPr algn="ctr"/>
+            <a:r>
+              <a:rPr lang="en-US" altLang="ko-KR" sz="1100"/>
+              <a:t>Partition 0</a:t>
+            </a:r>
+            <a:endParaRPr lang="ko-KR" altLang="en-US" sz="1100" dirty="0"/>
+          </a:p>
+        </p:txBody>
+      </p:sp>
+      <p:sp>
+        <p:nvSpPr>
+          <p:cNvPr id="65" name="사각형: 둥근 모서리 64">
+            <a:extLst>
+              <a:ext uri="{FF2B5EF4-FFF2-40B4-BE49-F238E27FC236}">
+                <a16:creationId xmlns:a16="http://schemas.microsoft.com/office/drawing/2014/main" id="{CE7BAF05-2759-4F3B-9CFD-1F237A1F8B70}"/>
+              </a:ext>
+            </a:extLst>
+          </p:cNvPr>
+          <p:cNvSpPr/>
+          <p:nvPr/>
+        </p:nvSpPr>
+        <p:spPr>
+          <a:xfrm>
+            <a:off x="3779912" y="2915774"/>
+            <a:ext cx="1440160" cy="268948"/>
+          </a:xfrm>
+          <a:prstGeom prst="roundRect">
+            <a:avLst>
+              <a:gd name="adj" fmla="val 14105"/>
+            </a:avLst>
+          </a:prstGeom>
+          <a:solidFill>
+            <a:schemeClr val="accent2">
+              <a:lumMod val="20000"/>
+              <a:lumOff val="80000"/>
+            </a:schemeClr>
+          </a:solidFill>
+        </p:spPr>
+        <p:style>
+          <a:lnRef idx="2">
+            <a:schemeClr val="dk1"/>
+          </a:lnRef>
+          <a:fillRef idx="1">
+            <a:schemeClr val="lt1"/>
+          </a:fillRef>
+          <a:effectRef idx="0">
+            <a:schemeClr val="dk1"/>
+          </a:effectRef>
+          <a:fontRef idx="minor">
+            <a:schemeClr val="dk1"/>
+          </a:fontRef>
+        </p:style>
+        <p:txBody>
+          <a:bodyPr rtlCol="0" anchor="ctr"/>
+          <a:lstStyle/>
+          <a:p>
+            <a:pPr algn="ctr"/>
+            <a:r>
+              <a:rPr lang="en-US" altLang="ko-KR" sz="1100"/>
+              <a:t>Partition 1</a:t>
+            </a:r>
+            <a:endParaRPr lang="ko-KR" altLang="en-US" sz="1100" dirty="0"/>
+          </a:p>
+        </p:txBody>
+      </p:sp>
+      <p:sp>
+        <p:nvSpPr>
+          <p:cNvPr id="66" name="사각형: 둥근 모서리 65">
+            <a:extLst>
+              <a:ext uri="{FF2B5EF4-FFF2-40B4-BE49-F238E27FC236}">
+                <a16:creationId xmlns:a16="http://schemas.microsoft.com/office/drawing/2014/main" id="{1CA0F0DF-F771-45A7-AE6F-EA0C6999E419}"/>
+              </a:ext>
+            </a:extLst>
+          </p:cNvPr>
+          <p:cNvSpPr/>
+          <p:nvPr/>
+        </p:nvSpPr>
+        <p:spPr>
+          <a:xfrm>
+            <a:off x="3779912" y="3281986"/>
+            <a:ext cx="1440160" cy="268948"/>
+          </a:xfrm>
+          <a:prstGeom prst="roundRect">
+            <a:avLst>
+              <a:gd name="adj" fmla="val 14105"/>
+            </a:avLst>
+          </a:prstGeom>
+          <a:solidFill>
+            <a:schemeClr val="accent1">
+              <a:lumMod val="20000"/>
+              <a:lumOff val="80000"/>
+            </a:schemeClr>
+          </a:solidFill>
+        </p:spPr>
+        <p:style>
+          <a:lnRef idx="2">
+            <a:schemeClr val="dk1"/>
+          </a:lnRef>
+          <a:fillRef idx="1">
+            <a:schemeClr val="lt1"/>
+          </a:fillRef>
+          <a:effectRef idx="0">
+            <a:schemeClr val="dk1"/>
+          </a:effectRef>
+          <a:fontRef idx="minor">
+            <a:schemeClr val="dk1"/>
+          </a:fontRef>
+        </p:style>
+        <p:txBody>
+          <a:bodyPr rtlCol="0" anchor="ctr"/>
+          <a:lstStyle/>
+          <a:p>
+            <a:pPr algn="ctr"/>
+            <a:r>
+              <a:rPr lang="en-US" altLang="ko-KR" sz="1100"/>
+              <a:t>Partition </a:t>
+            </a:r>
+            <a:r>
+              <a:rPr lang="en-US" altLang="ko-KR" sz="1100" dirty="0"/>
+              <a:t>2</a:t>
+            </a:r>
+            <a:endParaRPr lang="ko-KR" altLang="en-US" sz="1100" dirty="0"/>
+          </a:p>
+        </p:txBody>
+      </p:sp>
+      <p:sp>
+        <p:nvSpPr>
+          <p:cNvPr id="70" name="사각형: 둥근 모서리 69">
+            <a:extLst>
+              <a:ext uri="{FF2B5EF4-FFF2-40B4-BE49-F238E27FC236}">
+                <a16:creationId xmlns:a16="http://schemas.microsoft.com/office/drawing/2014/main" id="{84D930EB-BC46-471C-A7B6-A6B0BC36B737}"/>
+              </a:ext>
+            </a:extLst>
+          </p:cNvPr>
+          <p:cNvSpPr/>
+          <p:nvPr/>
+        </p:nvSpPr>
+        <p:spPr>
+          <a:xfrm>
+            <a:off x="5868144" y="1793034"/>
+            <a:ext cx="1440160" cy="268948"/>
+          </a:xfrm>
+          <a:prstGeom prst="roundRect">
+            <a:avLst>
+              <a:gd name="adj" fmla="val 14105"/>
+            </a:avLst>
+          </a:prstGeom>
+          <a:solidFill>
+            <a:schemeClr val="accent2">
+              <a:lumMod val="20000"/>
+              <a:lumOff val="80000"/>
+            </a:schemeClr>
+          </a:solidFill>
+        </p:spPr>
+        <p:style>
+          <a:lnRef idx="2">
+            <a:schemeClr val="dk1"/>
+          </a:lnRef>
+          <a:fillRef idx="1">
+            <a:schemeClr val="lt1"/>
+          </a:fillRef>
+          <a:effectRef idx="0">
+            <a:schemeClr val="dk1"/>
+          </a:effectRef>
+          <a:fontRef idx="minor">
+            <a:schemeClr val="dk1"/>
+          </a:fontRef>
+        </p:style>
+        <p:txBody>
+          <a:bodyPr rtlCol="0" anchor="ctr"/>
+          <a:lstStyle/>
+          <a:p>
+            <a:pPr algn="ctr"/>
+            <a:r>
+              <a:rPr lang="en-US" altLang="ko-KR" sz="1100"/>
+              <a:t>Partition </a:t>
+            </a:r>
+            <a:r>
+              <a:rPr lang="en-US" altLang="ko-KR" sz="1100" dirty="0"/>
+              <a:t>0</a:t>
+            </a:r>
+            <a:endParaRPr lang="ko-KR" altLang="en-US" sz="1100" dirty="0"/>
+          </a:p>
+        </p:txBody>
+      </p:sp>
+      <p:sp>
+        <p:nvSpPr>
+          <p:cNvPr id="71" name="사각형: 둥근 모서리 70">
+            <a:extLst>
+              <a:ext uri="{FF2B5EF4-FFF2-40B4-BE49-F238E27FC236}">
+                <a16:creationId xmlns:a16="http://schemas.microsoft.com/office/drawing/2014/main" id="{8CB55B9F-1769-4742-9626-EA91B55F9CD0}"/>
+              </a:ext>
+            </a:extLst>
+          </p:cNvPr>
+          <p:cNvSpPr/>
+          <p:nvPr/>
+        </p:nvSpPr>
+        <p:spPr>
+          <a:xfrm>
+            <a:off x="5868144" y="2549562"/>
+            <a:ext cx="1440160" cy="268948"/>
+          </a:xfrm>
+          <a:prstGeom prst="roundRect">
+            <a:avLst>
+              <a:gd name="adj" fmla="val 14105"/>
+            </a:avLst>
+          </a:prstGeom>
+          <a:solidFill>
+            <a:schemeClr val="accent1">
+              <a:lumMod val="20000"/>
+              <a:lumOff val="80000"/>
+            </a:schemeClr>
+          </a:solidFill>
+        </p:spPr>
+        <p:style>
+          <a:lnRef idx="2">
+            <a:schemeClr val="dk1"/>
+          </a:lnRef>
+          <a:fillRef idx="1">
+            <a:schemeClr val="lt1"/>
+          </a:fillRef>
+          <a:effectRef idx="0">
+            <a:schemeClr val="dk1"/>
+          </a:effectRef>
+          <a:fontRef idx="minor">
+            <a:schemeClr val="dk1"/>
+          </a:fontRef>
+        </p:style>
+        <p:txBody>
+          <a:bodyPr rtlCol="0" anchor="ctr"/>
+          <a:lstStyle/>
+          <a:p>
+            <a:pPr algn="ctr"/>
+            <a:r>
+              <a:rPr lang="en-US" altLang="ko-KR" sz="1100"/>
+              <a:t>Partition 0</a:t>
+            </a:r>
+            <a:endParaRPr lang="ko-KR" altLang="en-US" sz="1100" dirty="0"/>
+          </a:p>
+        </p:txBody>
+      </p:sp>
+      <p:sp>
+        <p:nvSpPr>
+          <p:cNvPr id="72" name="사각형: 둥근 모서리 71">
+            <a:extLst>
+              <a:ext uri="{FF2B5EF4-FFF2-40B4-BE49-F238E27FC236}">
+                <a16:creationId xmlns:a16="http://schemas.microsoft.com/office/drawing/2014/main" id="{E617FFBB-A175-4D87-8F62-AFE2F1679458}"/>
+              </a:ext>
+            </a:extLst>
+          </p:cNvPr>
+          <p:cNvSpPr/>
+          <p:nvPr/>
+        </p:nvSpPr>
+        <p:spPr>
+          <a:xfrm>
+            <a:off x="5868144" y="2915774"/>
+            <a:ext cx="1440160" cy="268948"/>
+          </a:xfrm>
+          <a:prstGeom prst="roundRect">
+            <a:avLst>
+              <a:gd name="adj" fmla="val 14105"/>
+            </a:avLst>
+          </a:prstGeom>
+          <a:solidFill>
+            <a:schemeClr val="accent1">
+              <a:lumMod val="20000"/>
+              <a:lumOff val="80000"/>
+            </a:schemeClr>
+          </a:solidFill>
+        </p:spPr>
+        <p:style>
+          <a:lnRef idx="2">
+            <a:schemeClr val="dk1"/>
+          </a:lnRef>
+          <a:fillRef idx="1">
+            <a:schemeClr val="lt1"/>
+          </a:fillRef>
+          <a:effectRef idx="0">
+            <a:schemeClr val="dk1"/>
+          </a:effectRef>
+          <a:fontRef idx="minor">
+            <a:schemeClr val="dk1"/>
+          </a:fontRef>
+        </p:style>
+        <p:txBody>
+          <a:bodyPr rtlCol="0" anchor="ctr"/>
+          <a:lstStyle/>
+          <a:p>
+            <a:pPr algn="ctr"/>
+            <a:r>
+              <a:rPr lang="en-US" altLang="ko-KR" sz="1100"/>
+              <a:t>Partition </a:t>
+            </a:r>
+            <a:r>
+              <a:rPr lang="en-US" altLang="ko-KR" sz="1100" dirty="0"/>
+              <a:t>1</a:t>
+            </a:r>
+            <a:endParaRPr lang="ko-KR" altLang="en-US" sz="1100" dirty="0"/>
+          </a:p>
+        </p:txBody>
+      </p:sp>
+      <p:sp>
+        <p:nvSpPr>
+          <p:cNvPr id="73" name="사각형: 둥근 모서리 72">
+            <a:extLst>
+              <a:ext uri="{FF2B5EF4-FFF2-40B4-BE49-F238E27FC236}">
+                <a16:creationId xmlns:a16="http://schemas.microsoft.com/office/drawing/2014/main" id="{050D8438-7982-4C6D-A88B-7801CD2300FE}"/>
+              </a:ext>
+            </a:extLst>
+          </p:cNvPr>
+          <p:cNvSpPr/>
+          <p:nvPr/>
+        </p:nvSpPr>
+        <p:spPr>
+          <a:xfrm>
+            <a:off x="5868144" y="3281986"/>
+            <a:ext cx="1440160" cy="268948"/>
+          </a:xfrm>
+          <a:prstGeom prst="roundRect">
+            <a:avLst>
+              <a:gd name="adj" fmla="val 14105"/>
+            </a:avLst>
+          </a:prstGeom>
+          <a:solidFill>
+            <a:schemeClr val="accent2">
+              <a:lumMod val="20000"/>
+              <a:lumOff val="80000"/>
+            </a:schemeClr>
+          </a:solidFill>
+        </p:spPr>
+        <p:style>
+          <a:lnRef idx="2">
+            <a:schemeClr val="dk1"/>
+          </a:lnRef>
+          <a:fillRef idx="1">
+            <a:schemeClr val="lt1"/>
+          </a:fillRef>
+          <a:effectRef idx="0">
+            <a:schemeClr val="dk1"/>
+          </a:effectRef>
+          <a:fontRef idx="minor">
+            <a:schemeClr val="dk1"/>
+          </a:fontRef>
+        </p:style>
+        <p:txBody>
+          <a:bodyPr rtlCol="0" anchor="ctr"/>
+          <a:lstStyle/>
+          <a:p>
+            <a:pPr algn="ctr"/>
+            <a:r>
+              <a:rPr lang="en-US" altLang="ko-KR" sz="1100"/>
+              <a:t>Partition </a:t>
+            </a:r>
+            <a:r>
+              <a:rPr lang="en-US" altLang="ko-KR" sz="1100" dirty="0"/>
+              <a:t>2</a:t>
+            </a:r>
+            <a:endParaRPr lang="ko-KR" altLang="en-US" sz="1100" dirty="0"/>
+          </a:p>
+        </p:txBody>
+      </p:sp>
+      <p:sp>
+        <p:nvSpPr>
+          <p:cNvPr id="74" name="사각형: 둥근 모서리 73">
+            <a:extLst>
+              <a:ext uri="{FF2B5EF4-FFF2-40B4-BE49-F238E27FC236}">
+                <a16:creationId xmlns:a16="http://schemas.microsoft.com/office/drawing/2014/main" id="{310FF450-E455-4CDD-9246-557B0E07B241}"/>
+              </a:ext>
+            </a:extLst>
+          </p:cNvPr>
+          <p:cNvSpPr/>
+          <p:nvPr/>
+        </p:nvSpPr>
+        <p:spPr>
+          <a:xfrm>
+            <a:off x="1460210" y="4258806"/>
+            <a:ext cx="1872208" cy="307777"/>
+          </a:xfrm>
+          <a:prstGeom prst="roundRect">
+            <a:avLst>
+              <a:gd name="adj" fmla="val 25008"/>
+            </a:avLst>
+          </a:prstGeom>
+          <a:noFill/>
+        </p:spPr>
+        <p:style>
+          <a:lnRef idx="2">
+            <a:schemeClr val="dk1"/>
+          </a:lnRef>
+          <a:fillRef idx="1">
+            <a:schemeClr val="lt1"/>
+          </a:fillRef>
+          <a:effectRef idx="0">
+            <a:schemeClr val="dk1"/>
+          </a:effectRef>
+          <a:fontRef idx="minor">
+            <a:schemeClr val="dk1"/>
+          </a:fontRef>
+        </p:style>
+        <p:txBody>
+          <a:bodyPr rtlCol="0" anchor="ctr"/>
+          <a:lstStyle/>
+          <a:p>
+            <a:pPr algn="ctr"/>
+            <a:r>
+              <a:rPr lang="en-US" altLang="ko-KR" sz="1400"/>
+              <a:t>Zookeeper</a:t>
+            </a:r>
+            <a:endParaRPr lang="ko-KR" altLang="en-US" sz="1400" dirty="0"/>
+          </a:p>
+        </p:txBody>
+      </p:sp>
+      <p:cxnSp>
+        <p:nvCxnSpPr>
+          <p:cNvPr id="79" name="직선 화살표 연결선 78">
+            <a:extLst>
+              <a:ext uri="{FF2B5EF4-FFF2-40B4-BE49-F238E27FC236}">
+                <a16:creationId xmlns:a16="http://schemas.microsoft.com/office/drawing/2014/main" id="{2A1AECB2-35D2-425D-A059-8CED21029DBB}"/>
+              </a:ext>
+            </a:extLst>
+          </p:cNvPr>
+          <p:cNvCxnSpPr>
+            <a:cxnSpLocks/>
+            <a:stCxn id="45" idx="1"/>
+            <a:endCxn id="42" idx="3"/>
+          </p:cNvCxnSpPr>
+          <p:nvPr/>
+        </p:nvCxnSpPr>
+        <p:spPr>
+          <a:xfrm flipH="1">
+            <a:off x="5436096" y="4412695"/>
+            <a:ext cx="216025" cy="0"/>
+          </a:xfrm>
+          <a:prstGeom prst="straightConnector1">
+            <a:avLst/>
+          </a:prstGeom>
+          <a:ln w="19050">
+            <a:solidFill>
+              <a:schemeClr val="tx1"/>
+            </a:solidFill>
+            <a:headEnd type="arrow" w="med" len="med"/>
+            <a:tailEnd type="arrow" w="med" len="med"/>
+          </a:ln>
+        </p:spPr>
+        <p:style>
+          <a:lnRef idx="1">
+            <a:schemeClr val="accent1"/>
+          </a:lnRef>
+          <a:fillRef idx="0">
+            <a:schemeClr val="accent1"/>
+          </a:fillRef>
+          <a:effectRef idx="0">
+            <a:schemeClr val="accent1"/>
+          </a:effectRef>
+          <a:fontRef idx="minor">
+            <a:schemeClr val="tx1"/>
+          </a:fontRef>
+        </p:style>
+      </p:cxnSp>
+      <p:sp>
+        <p:nvSpPr>
+          <p:cNvPr id="3" name="사각형: 둥근 모서리 2">
+            <a:extLst>
+              <a:ext uri="{FF2B5EF4-FFF2-40B4-BE49-F238E27FC236}">
+                <a16:creationId xmlns:a16="http://schemas.microsoft.com/office/drawing/2014/main" id="{A0251F74-49B2-4DD0-98FA-A17BBF39C197}"/>
+              </a:ext>
+            </a:extLst>
+          </p:cNvPr>
+          <p:cNvSpPr/>
+          <p:nvPr/>
+        </p:nvSpPr>
+        <p:spPr>
+          <a:xfrm>
+            <a:off x="1568670" y="564766"/>
+            <a:ext cx="5862644" cy="1075263"/>
+          </a:xfrm>
+          <a:prstGeom prst="roundRect">
+            <a:avLst>
+              <a:gd name="adj" fmla="val 9108"/>
+            </a:avLst>
+          </a:prstGeom>
+          <a:noFill/>
+          <a:ln>
+            <a:prstDash val="dash"/>
+          </a:ln>
+        </p:spPr>
+        <p:style>
+          <a:lnRef idx="2">
+            <a:schemeClr val="dk1"/>
+          </a:lnRef>
+          <a:fillRef idx="1">
+            <a:schemeClr val="lt1"/>
+          </a:fillRef>
+          <a:effectRef idx="0">
+            <a:schemeClr val="dk1"/>
+          </a:effectRef>
+          <a:fontRef idx="minor">
+            <a:schemeClr val="dk1"/>
+          </a:fontRef>
+        </p:style>
+        <p:txBody>
+          <a:bodyPr rtlCol="0" anchor="b"/>
+          <a:lstStyle/>
+          <a:p>
+            <a:pPr algn="ctr"/>
+            <a:r>
+              <a:rPr lang="en-US" altLang="ko-KR" sz="1400"/>
+              <a:t>Topic A</a:t>
+            </a:r>
+            <a:endParaRPr lang="ko-KR" altLang="en-US" sz="1400"/>
+          </a:p>
+        </p:txBody>
+      </p:sp>
+      <p:sp>
+        <p:nvSpPr>
+          <p:cNvPr id="13" name="사각형: 둥근 모서리 12">
+            <a:extLst>
+              <a:ext uri="{FF2B5EF4-FFF2-40B4-BE49-F238E27FC236}">
+                <a16:creationId xmlns:a16="http://schemas.microsoft.com/office/drawing/2014/main" id="{22E7F032-13ED-4575-8F3C-092CC530ABC3}"/>
+              </a:ext>
+            </a:extLst>
+          </p:cNvPr>
+          <p:cNvSpPr/>
+          <p:nvPr/>
+        </p:nvSpPr>
+        <p:spPr>
+          <a:xfrm>
+            <a:off x="1691680" y="682345"/>
+            <a:ext cx="1440160" cy="268948"/>
+          </a:xfrm>
+          <a:prstGeom prst="roundRect">
+            <a:avLst>
+              <a:gd name="adj" fmla="val 14105"/>
+            </a:avLst>
+          </a:prstGeom>
+          <a:solidFill>
+            <a:schemeClr val="accent2">
+              <a:lumMod val="20000"/>
+              <a:lumOff val="80000"/>
+            </a:schemeClr>
+          </a:solidFill>
+        </p:spPr>
+        <p:style>
+          <a:lnRef idx="2">
+            <a:schemeClr val="dk1"/>
+          </a:lnRef>
+          <a:fillRef idx="1">
+            <a:schemeClr val="lt1"/>
+          </a:fillRef>
+          <a:effectRef idx="0">
+            <a:schemeClr val="dk1"/>
+          </a:effectRef>
+          <a:fontRef idx="minor">
+            <a:schemeClr val="dk1"/>
+          </a:fontRef>
+        </p:style>
+        <p:txBody>
+          <a:bodyPr rtlCol="0" anchor="ctr"/>
+          <a:lstStyle/>
+          <a:p>
+            <a:pPr algn="ctr"/>
+            <a:r>
+              <a:rPr lang="en-US" altLang="ko-KR" sz="1100"/>
+              <a:t>Partition </a:t>
+            </a:r>
+            <a:r>
+              <a:rPr lang="en-US" altLang="ko-KR" sz="1100" dirty="0"/>
+              <a:t>0</a:t>
+            </a:r>
+            <a:endParaRPr lang="ko-KR" altLang="en-US" sz="1100" dirty="0"/>
+          </a:p>
+        </p:txBody>
+      </p:sp>
+      <p:sp>
+        <p:nvSpPr>
+          <p:cNvPr id="43" name="사각형: 둥근 모서리 42">
+            <a:extLst>
+              <a:ext uri="{FF2B5EF4-FFF2-40B4-BE49-F238E27FC236}">
+                <a16:creationId xmlns:a16="http://schemas.microsoft.com/office/drawing/2014/main" id="{1070DDBB-C45F-422E-861A-975578A329CC}"/>
+              </a:ext>
+            </a:extLst>
+          </p:cNvPr>
+          <p:cNvSpPr/>
+          <p:nvPr/>
+        </p:nvSpPr>
+        <p:spPr>
+          <a:xfrm>
+            <a:off x="1691680" y="1048558"/>
+            <a:ext cx="1440160" cy="268948"/>
+          </a:xfrm>
+          <a:prstGeom prst="roundRect">
+            <a:avLst>
+              <a:gd name="adj" fmla="val 14105"/>
+            </a:avLst>
+          </a:prstGeom>
+          <a:solidFill>
+            <a:schemeClr val="accent1">
+              <a:lumMod val="20000"/>
+              <a:lumOff val="80000"/>
+            </a:schemeClr>
+          </a:solidFill>
+        </p:spPr>
+        <p:style>
+          <a:lnRef idx="2">
+            <a:schemeClr val="dk1"/>
+          </a:lnRef>
+          <a:fillRef idx="1">
+            <a:schemeClr val="lt1"/>
+          </a:fillRef>
+          <a:effectRef idx="0">
+            <a:schemeClr val="dk1"/>
+          </a:effectRef>
+          <a:fontRef idx="minor">
+            <a:schemeClr val="dk1"/>
+          </a:fontRef>
+        </p:style>
+        <p:txBody>
+          <a:bodyPr rtlCol="0" anchor="ctr"/>
+          <a:lstStyle/>
+          <a:p>
+            <a:pPr algn="ctr"/>
+            <a:r>
+              <a:rPr lang="en-US" altLang="ko-KR" sz="1100"/>
+              <a:t>Partition </a:t>
+            </a:r>
+            <a:r>
+              <a:rPr lang="en-US" altLang="ko-KR" sz="1100" dirty="0"/>
+              <a:t>1</a:t>
+            </a:r>
+            <a:endParaRPr lang="ko-KR" altLang="en-US" sz="1100" dirty="0"/>
+          </a:p>
+        </p:txBody>
+      </p:sp>
+      <p:sp>
+        <p:nvSpPr>
+          <p:cNvPr id="59" name="사각형: 둥근 모서리 58">
+            <a:extLst>
+              <a:ext uri="{FF2B5EF4-FFF2-40B4-BE49-F238E27FC236}">
+                <a16:creationId xmlns:a16="http://schemas.microsoft.com/office/drawing/2014/main" id="{864C36CA-B2B1-4C62-84BC-8CE2E6415074}"/>
+              </a:ext>
+            </a:extLst>
+          </p:cNvPr>
+          <p:cNvSpPr/>
+          <p:nvPr/>
+        </p:nvSpPr>
+        <p:spPr>
+          <a:xfrm>
+            <a:off x="3779912" y="682345"/>
+            <a:ext cx="1440160" cy="268948"/>
+          </a:xfrm>
+          <a:prstGeom prst="roundRect">
+            <a:avLst>
+              <a:gd name="adj" fmla="val 14105"/>
+            </a:avLst>
+          </a:prstGeom>
+          <a:solidFill>
+            <a:schemeClr val="accent1">
+              <a:lumMod val="20000"/>
+              <a:lumOff val="80000"/>
+            </a:schemeClr>
+          </a:solidFill>
+        </p:spPr>
+        <p:style>
+          <a:lnRef idx="2">
+            <a:schemeClr val="dk1"/>
+          </a:lnRef>
+          <a:fillRef idx="1">
+            <a:schemeClr val="lt1"/>
+          </a:fillRef>
+          <a:effectRef idx="0">
+            <a:schemeClr val="dk1"/>
+          </a:effectRef>
+          <a:fontRef idx="minor">
+            <a:schemeClr val="dk1"/>
+          </a:fontRef>
+        </p:style>
+        <p:txBody>
+          <a:bodyPr rtlCol="0" anchor="ctr"/>
+          <a:lstStyle/>
+          <a:p>
+            <a:pPr algn="ctr"/>
+            <a:r>
+              <a:rPr lang="en-US" altLang="ko-KR" sz="1100"/>
+              <a:t>Partition </a:t>
+            </a:r>
+            <a:r>
+              <a:rPr lang="en-US" altLang="ko-KR" sz="1100" dirty="0"/>
+              <a:t>0</a:t>
+            </a:r>
+            <a:endParaRPr lang="ko-KR" altLang="en-US" sz="1100" dirty="0"/>
+          </a:p>
+        </p:txBody>
+      </p:sp>
+      <p:sp>
+        <p:nvSpPr>
+          <p:cNvPr id="61" name="사각형: 둥근 모서리 60">
+            <a:extLst>
+              <a:ext uri="{FF2B5EF4-FFF2-40B4-BE49-F238E27FC236}">
+                <a16:creationId xmlns:a16="http://schemas.microsoft.com/office/drawing/2014/main" id="{8847AFD1-B7E6-4B29-BB80-578C46B9A5AC}"/>
+              </a:ext>
+            </a:extLst>
+          </p:cNvPr>
+          <p:cNvSpPr/>
+          <p:nvPr/>
+        </p:nvSpPr>
+        <p:spPr>
+          <a:xfrm>
+            <a:off x="3779912" y="1048558"/>
+            <a:ext cx="1440160" cy="268948"/>
+          </a:xfrm>
+          <a:prstGeom prst="roundRect">
+            <a:avLst>
+              <a:gd name="adj" fmla="val 14105"/>
+            </a:avLst>
+          </a:prstGeom>
+          <a:solidFill>
+            <a:schemeClr val="accent2">
+              <a:lumMod val="20000"/>
+              <a:lumOff val="80000"/>
+            </a:schemeClr>
+          </a:solidFill>
+        </p:spPr>
+        <p:style>
+          <a:lnRef idx="2">
+            <a:schemeClr val="dk1"/>
+          </a:lnRef>
+          <a:fillRef idx="1">
+            <a:schemeClr val="lt1"/>
+          </a:fillRef>
+          <a:effectRef idx="0">
+            <a:schemeClr val="dk1"/>
+          </a:effectRef>
+          <a:fontRef idx="minor">
+            <a:schemeClr val="dk1"/>
+          </a:fontRef>
+        </p:style>
+        <p:txBody>
+          <a:bodyPr rtlCol="0" anchor="ctr"/>
+          <a:lstStyle/>
+          <a:p>
+            <a:pPr algn="ctr"/>
+            <a:r>
+              <a:rPr lang="en-US" altLang="ko-KR" sz="1100"/>
+              <a:t>Partition </a:t>
+            </a:r>
+            <a:r>
+              <a:rPr lang="en-US" altLang="ko-KR" sz="1100" dirty="0"/>
+              <a:t>1</a:t>
+            </a:r>
+            <a:endParaRPr lang="ko-KR" altLang="en-US" sz="1100" dirty="0"/>
+          </a:p>
+        </p:txBody>
+      </p:sp>
+      <p:sp>
+        <p:nvSpPr>
+          <p:cNvPr id="68" name="사각형: 둥근 모서리 67">
+            <a:extLst>
+              <a:ext uri="{FF2B5EF4-FFF2-40B4-BE49-F238E27FC236}">
+                <a16:creationId xmlns:a16="http://schemas.microsoft.com/office/drawing/2014/main" id="{8E094E8F-532F-442F-B6E4-AEF302B45199}"/>
+              </a:ext>
+            </a:extLst>
+          </p:cNvPr>
+          <p:cNvSpPr/>
+          <p:nvPr/>
+        </p:nvSpPr>
+        <p:spPr>
+          <a:xfrm>
+            <a:off x="5868144" y="682345"/>
+            <a:ext cx="1440160" cy="268948"/>
+          </a:xfrm>
+          <a:prstGeom prst="roundRect">
+            <a:avLst>
+              <a:gd name="adj" fmla="val 14105"/>
+            </a:avLst>
+          </a:prstGeom>
+          <a:solidFill>
+            <a:schemeClr val="accent1">
+              <a:lumMod val="20000"/>
+              <a:lumOff val="80000"/>
+            </a:schemeClr>
+          </a:solidFill>
+        </p:spPr>
+        <p:style>
+          <a:lnRef idx="2">
+            <a:schemeClr val="dk1"/>
+          </a:lnRef>
+          <a:fillRef idx="1">
+            <a:schemeClr val="lt1"/>
+          </a:fillRef>
+          <a:effectRef idx="0">
+            <a:schemeClr val="dk1"/>
+          </a:effectRef>
+          <a:fontRef idx="minor">
+            <a:schemeClr val="dk1"/>
+          </a:fontRef>
+        </p:style>
+        <p:txBody>
+          <a:bodyPr rtlCol="0" anchor="ctr"/>
+          <a:lstStyle/>
+          <a:p>
+            <a:pPr algn="ctr"/>
+            <a:r>
+              <a:rPr lang="en-US" altLang="ko-KR" sz="1100"/>
+              <a:t>Partition </a:t>
+            </a:r>
+            <a:r>
+              <a:rPr lang="en-US" altLang="ko-KR" sz="1100" dirty="0"/>
+              <a:t>0</a:t>
+            </a:r>
+            <a:endParaRPr lang="ko-KR" altLang="en-US" sz="1100" dirty="0"/>
+          </a:p>
+        </p:txBody>
+      </p:sp>
+      <p:sp>
+        <p:nvSpPr>
+          <p:cNvPr id="69" name="사각형: 둥근 모서리 68">
+            <a:extLst>
+              <a:ext uri="{FF2B5EF4-FFF2-40B4-BE49-F238E27FC236}">
+                <a16:creationId xmlns:a16="http://schemas.microsoft.com/office/drawing/2014/main" id="{5CBD8317-73E4-404D-BF25-BA454EE35500}"/>
+              </a:ext>
+            </a:extLst>
+          </p:cNvPr>
+          <p:cNvSpPr/>
+          <p:nvPr/>
+        </p:nvSpPr>
+        <p:spPr>
+          <a:xfrm>
+            <a:off x="5868144" y="1048558"/>
+            <a:ext cx="1440160" cy="268948"/>
+          </a:xfrm>
+          <a:prstGeom prst="roundRect">
+            <a:avLst>
+              <a:gd name="adj" fmla="val 14105"/>
+            </a:avLst>
+          </a:prstGeom>
+          <a:solidFill>
+            <a:schemeClr val="accent1">
+              <a:lumMod val="20000"/>
+              <a:lumOff val="80000"/>
+            </a:schemeClr>
+          </a:solidFill>
+        </p:spPr>
+        <p:style>
+          <a:lnRef idx="2">
+            <a:schemeClr val="dk1"/>
+          </a:lnRef>
+          <a:fillRef idx="1">
+            <a:schemeClr val="lt1"/>
+          </a:fillRef>
+          <a:effectRef idx="0">
+            <a:schemeClr val="dk1"/>
+          </a:effectRef>
+          <a:fontRef idx="minor">
+            <a:schemeClr val="dk1"/>
+          </a:fontRef>
+        </p:style>
+        <p:txBody>
+          <a:bodyPr rtlCol="0" anchor="ctr"/>
+          <a:lstStyle/>
+          <a:p>
+            <a:pPr algn="ctr"/>
+            <a:r>
+              <a:rPr lang="en-US" altLang="ko-KR" sz="1100"/>
+              <a:t>Partition </a:t>
+            </a:r>
+            <a:r>
+              <a:rPr lang="en-US" altLang="ko-KR" sz="1100" dirty="0"/>
+              <a:t>1</a:t>
+            </a:r>
+            <a:endParaRPr lang="ko-KR" altLang="en-US" sz="1100" dirty="0"/>
+          </a:p>
+        </p:txBody>
+      </p:sp>
+      <p:sp>
+        <p:nvSpPr>
+          <p:cNvPr id="31" name="사각형: 둥근 모서리 30">
+            <a:extLst>
+              <a:ext uri="{FF2B5EF4-FFF2-40B4-BE49-F238E27FC236}">
+                <a16:creationId xmlns:a16="http://schemas.microsoft.com/office/drawing/2014/main" id="{0D9F8112-227F-4F6E-A135-A2A694B0FCDB}"/>
+              </a:ext>
+            </a:extLst>
+          </p:cNvPr>
+          <p:cNvSpPr/>
+          <p:nvPr/>
+        </p:nvSpPr>
+        <p:spPr>
+          <a:xfrm>
+            <a:off x="1568670" y="1720585"/>
+            <a:ext cx="5862644" cy="633079"/>
+          </a:xfrm>
+          <a:prstGeom prst="roundRect">
+            <a:avLst>
+              <a:gd name="adj" fmla="val 9108"/>
+            </a:avLst>
+          </a:prstGeom>
+          <a:noFill/>
+          <a:ln>
+            <a:prstDash val="dash"/>
+          </a:ln>
+        </p:spPr>
+        <p:style>
+          <a:lnRef idx="2">
+            <a:schemeClr val="dk1"/>
+          </a:lnRef>
+          <a:fillRef idx="1">
+            <a:schemeClr val="lt1"/>
+          </a:fillRef>
+          <a:effectRef idx="0">
+            <a:schemeClr val="dk1"/>
+          </a:effectRef>
+          <a:fontRef idx="minor">
+            <a:schemeClr val="dk1"/>
+          </a:fontRef>
+        </p:style>
+        <p:txBody>
+          <a:bodyPr rtlCol="0" anchor="b"/>
+          <a:lstStyle/>
+          <a:p>
+            <a:pPr algn="ctr"/>
+            <a:r>
+              <a:rPr lang="en-US" altLang="ko-KR" sz="1400"/>
+              <a:t>Topic B</a:t>
+            </a:r>
+            <a:endParaRPr lang="ko-KR" altLang="en-US" sz="1400"/>
+          </a:p>
+        </p:txBody>
+      </p:sp>
+      <p:sp>
+        <p:nvSpPr>
+          <p:cNvPr id="32" name="사각형: 둥근 모서리 31">
+            <a:extLst>
+              <a:ext uri="{FF2B5EF4-FFF2-40B4-BE49-F238E27FC236}">
+                <a16:creationId xmlns:a16="http://schemas.microsoft.com/office/drawing/2014/main" id="{4E1C50CF-EB0B-4961-9D79-9F68FF1B10AD}"/>
+              </a:ext>
+            </a:extLst>
+          </p:cNvPr>
+          <p:cNvSpPr/>
+          <p:nvPr/>
+        </p:nvSpPr>
+        <p:spPr>
+          <a:xfrm>
+            <a:off x="1568670" y="2434221"/>
+            <a:ext cx="5862644" cy="1426913"/>
+          </a:xfrm>
+          <a:prstGeom prst="roundRect">
+            <a:avLst>
+              <a:gd name="adj" fmla="val 5548"/>
+            </a:avLst>
+          </a:prstGeom>
+          <a:noFill/>
+          <a:ln>
+            <a:prstDash val="dash"/>
+          </a:ln>
+        </p:spPr>
+        <p:style>
+          <a:lnRef idx="2">
+            <a:schemeClr val="dk1"/>
+          </a:lnRef>
+          <a:fillRef idx="1">
+            <a:schemeClr val="lt1"/>
+          </a:fillRef>
+          <a:effectRef idx="0">
+            <a:schemeClr val="dk1"/>
+          </a:effectRef>
+          <a:fontRef idx="minor">
+            <a:schemeClr val="dk1"/>
+          </a:fontRef>
+        </p:style>
+        <p:txBody>
+          <a:bodyPr rtlCol="0" anchor="b"/>
+          <a:lstStyle/>
+          <a:p>
+            <a:pPr algn="ctr"/>
+            <a:r>
+              <a:rPr lang="en-US" altLang="ko-KR" sz="1400"/>
+              <a:t>Topic C</a:t>
+            </a:r>
+            <a:endParaRPr lang="ko-KR" altLang="en-US" sz="1400"/>
+          </a:p>
+        </p:txBody>
+      </p:sp>
+      <p:sp>
+        <p:nvSpPr>
+          <p:cNvPr id="34" name="사각형: 둥근 모서리 33">
+            <a:extLst>
+              <a:ext uri="{FF2B5EF4-FFF2-40B4-BE49-F238E27FC236}">
+                <a16:creationId xmlns:a16="http://schemas.microsoft.com/office/drawing/2014/main" id="{886B18E4-F82A-431B-95F8-1DC0095C6A39}"/>
+              </a:ext>
+            </a:extLst>
+          </p:cNvPr>
+          <p:cNvSpPr/>
+          <p:nvPr/>
+        </p:nvSpPr>
+        <p:spPr>
+          <a:xfrm>
+            <a:off x="2627784" y="4703308"/>
+            <a:ext cx="648072" cy="246063"/>
+          </a:xfrm>
+          <a:prstGeom prst="roundRect">
+            <a:avLst>
+              <a:gd name="adj" fmla="val 14105"/>
+            </a:avLst>
+          </a:prstGeom>
+          <a:solidFill>
+            <a:schemeClr val="accent2">
+              <a:lumMod val="20000"/>
+              <a:lumOff val="80000"/>
+            </a:schemeClr>
+          </a:solidFill>
+        </p:spPr>
+        <p:style>
+          <a:lnRef idx="2">
+            <a:schemeClr val="dk1"/>
+          </a:lnRef>
+          <a:fillRef idx="1">
+            <a:schemeClr val="lt1"/>
+          </a:fillRef>
+          <a:effectRef idx="0">
+            <a:schemeClr val="dk1"/>
+          </a:effectRef>
+          <a:fontRef idx="minor">
+            <a:schemeClr val="dk1"/>
+          </a:fontRef>
+        </p:style>
+        <p:txBody>
+          <a:bodyPr rtlCol="0" anchor="ctr"/>
+          <a:lstStyle/>
+          <a:p>
+            <a:pPr algn="ctr"/>
+            <a:endParaRPr lang="ko-KR" altLang="en-US" sz="1100" dirty="0"/>
+          </a:p>
+        </p:txBody>
+      </p:sp>
+      <p:sp>
+        <p:nvSpPr>
+          <p:cNvPr id="35" name="사각형: 둥근 모서리 34">
+            <a:extLst>
+              <a:ext uri="{FF2B5EF4-FFF2-40B4-BE49-F238E27FC236}">
+                <a16:creationId xmlns:a16="http://schemas.microsoft.com/office/drawing/2014/main" id="{5552FB7B-B9C6-4993-867C-BD77AB3DB5A5}"/>
+              </a:ext>
+            </a:extLst>
+          </p:cNvPr>
+          <p:cNvSpPr/>
+          <p:nvPr/>
+        </p:nvSpPr>
+        <p:spPr>
+          <a:xfrm>
+            <a:off x="4735962" y="4703307"/>
+            <a:ext cx="648072" cy="246063"/>
+          </a:xfrm>
+          <a:prstGeom prst="roundRect">
+            <a:avLst>
+              <a:gd name="adj" fmla="val 14105"/>
+            </a:avLst>
+          </a:prstGeom>
+          <a:solidFill>
+            <a:schemeClr val="accent1">
+              <a:lumMod val="20000"/>
+              <a:lumOff val="80000"/>
+            </a:schemeClr>
+          </a:solidFill>
+        </p:spPr>
+        <p:style>
+          <a:lnRef idx="2">
+            <a:schemeClr val="dk1"/>
+          </a:lnRef>
+          <a:fillRef idx="1">
+            <a:schemeClr val="lt1"/>
+          </a:fillRef>
+          <a:effectRef idx="0">
+            <a:schemeClr val="dk1"/>
+          </a:effectRef>
+          <a:fontRef idx="minor">
+            <a:schemeClr val="dk1"/>
+          </a:fontRef>
+        </p:style>
+        <p:txBody>
+          <a:bodyPr rtlCol="0" anchor="ctr"/>
+          <a:lstStyle/>
+          <a:p>
+            <a:pPr algn="ctr"/>
+            <a:endParaRPr lang="ko-KR" altLang="en-US" sz="1100" dirty="0"/>
+          </a:p>
+        </p:txBody>
+      </p:sp>
+      <p:sp>
+        <p:nvSpPr>
+          <p:cNvPr id="5" name="TextBox 4">
+            <a:extLst>
+              <a:ext uri="{FF2B5EF4-FFF2-40B4-BE49-F238E27FC236}">
+                <a16:creationId xmlns:a16="http://schemas.microsoft.com/office/drawing/2014/main" id="{AA3D8720-8599-4976-A904-4AB34821EC41}"/>
+              </a:ext>
+            </a:extLst>
+          </p:cNvPr>
+          <p:cNvSpPr txBox="1"/>
+          <p:nvPr/>
+        </p:nvSpPr>
+        <p:spPr>
+          <a:xfrm>
+            <a:off x="3275856" y="4675680"/>
+            <a:ext cx="740026" cy="307777"/>
+          </a:xfrm>
+          <a:prstGeom prst="rect">
+            <a:avLst/>
+          </a:prstGeom>
+          <a:noFill/>
+        </p:spPr>
+        <p:txBody>
+          <a:bodyPr wrap="square" rtlCol="0" anchor="ctr">
+            <a:spAutoFit/>
+          </a:bodyPr>
+          <a:lstStyle/>
+          <a:p>
+            <a:pPr algn="ctr"/>
+            <a:r>
+              <a:rPr lang="en-US" altLang="ko-KR" sz="1400"/>
+              <a:t>Leader</a:t>
+            </a:r>
+            <a:endParaRPr lang="ko-KR" altLang="en-US" sz="1400"/>
+          </a:p>
+        </p:txBody>
+      </p:sp>
+      <p:sp>
+        <p:nvSpPr>
+          <p:cNvPr id="37" name="TextBox 36">
+            <a:extLst>
+              <a:ext uri="{FF2B5EF4-FFF2-40B4-BE49-F238E27FC236}">
+                <a16:creationId xmlns:a16="http://schemas.microsoft.com/office/drawing/2014/main" id="{138F7836-E78C-4A74-A5F9-9B87C18B1EB8}"/>
+              </a:ext>
+            </a:extLst>
+          </p:cNvPr>
+          <p:cNvSpPr txBox="1"/>
+          <p:nvPr/>
+        </p:nvSpPr>
+        <p:spPr>
+          <a:xfrm>
+            <a:off x="5384034" y="4675680"/>
+            <a:ext cx="916158" cy="307777"/>
+          </a:xfrm>
+          <a:prstGeom prst="rect">
+            <a:avLst/>
+          </a:prstGeom>
+          <a:noFill/>
+        </p:spPr>
+        <p:txBody>
+          <a:bodyPr wrap="square" rtlCol="0" anchor="ctr">
+            <a:spAutoFit/>
+          </a:bodyPr>
+          <a:lstStyle/>
+          <a:p>
+            <a:pPr algn="ctr"/>
+            <a:r>
+              <a:rPr lang="en-US" altLang="ko-KR" sz="1400"/>
+              <a:t>Follower</a:t>
+            </a:r>
+            <a:endParaRPr lang="ko-KR" altLang="en-US" sz="1400"/>
+          </a:p>
+        </p:txBody>
+      </p:sp>
+      <p:sp>
+        <p:nvSpPr>
+          <p:cNvPr id="42" name="사각형: 둥근 모서리 41">
+            <a:extLst>
+              <a:ext uri="{FF2B5EF4-FFF2-40B4-BE49-F238E27FC236}">
+                <a16:creationId xmlns:a16="http://schemas.microsoft.com/office/drawing/2014/main" id="{7926FE97-357E-4F9C-B81C-6AB1806CE577}"/>
+              </a:ext>
+            </a:extLst>
+          </p:cNvPr>
+          <p:cNvSpPr/>
+          <p:nvPr/>
+        </p:nvSpPr>
+        <p:spPr>
+          <a:xfrm>
+            <a:off x="3563888" y="4258806"/>
+            <a:ext cx="1872208" cy="307777"/>
+          </a:xfrm>
+          <a:prstGeom prst="roundRect">
+            <a:avLst>
+              <a:gd name="adj" fmla="val 25008"/>
+            </a:avLst>
+          </a:prstGeom>
+          <a:noFill/>
+        </p:spPr>
+        <p:style>
+          <a:lnRef idx="2">
+            <a:schemeClr val="dk1"/>
+          </a:lnRef>
+          <a:fillRef idx="1">
+            <a:schemeClr val="lt1"/>
+          </a:fillRef>
+          <a:effectRef idx="0">
+            <a:schemeClr val="dk1"/>
+          </a:effectRef>
+          <a:fontRef idx="minor">
+            <a:schemeClr val="dk1"/>
+          </a:fontRef>
+        </p:style>
+        <p:txBody>
+          <a:bodyPr rtlCol="0" anchor="ctr"/>
+          <a:lstStyle/>
+          <a:p>
+            <a:pPr algn="ctr"/>
+            <a:r>
+              <a:rPr lang="en-US" altLang="ko-KR" sz="1400"/>
+              <a:t>Zookeeper</a:t>
+            </a:r>
+            <a:endParaRPr lang="ko-KR" altLang="en-US" sz="1400" dirty="0"/>
+          </a:p>
+        </p:txBody>
+      </p:sp>
+      <p:sp>
+        <p:nvSpPr>
+          <p:cNvPr id="45" name="사각형: 둥근 모서리 44">
+            <a:extLst>
+              <a:ext uri="{FF2B5EF4-FFF2-40B4-BE49-F238E27FC236}">
+                <a16:creationId xmlns:a16="http://schemas.microsoft.com/office/drawing/2014/main" id="{6D7EA8E5-1AFE-4D3E-9793-FD7909C76405}"/>
+              </a:ext>
+            </a:extLst>
+          </p:cNvPr>
+          <p:cNvSpPr/>
+          <p:nvPr/>
+        </p:nvSpPr>
+        <p:spPr>
+          <a:xfrm>
+            <a:off x="5652121" y="4258806"/>
+            <a:ext cx="1872208" cy="307777"/>
+          </a:xfrm>
+          <a:prstGeom prst="roundRect">
+            <a:avLst>
+              <a:gd name="adj" fmla="val 25008"/>
+            </a:avLst>
+          </a:prstGeom>
+          <a:noFill/>
+        </p:spPr>
+        <p:style>
+          <a:lnRef idx="2">
+            <a:schemeClr val="dk1"/>
+          </a:lnRef>
+          <a:fillRef idx="1">
+            <a:schemeClr val="lt1"/>
+          </a:fillRef>
+          <a:effectRef idx="0">
+            <a:schemeClr val="dk1"/>
+          </a:effectRef>
+          <a:fontRef idx="minor">
+            <a:schemeClr val="dk1"/>
+          </a:fontRef>
+        </p:style>
+        <p:txBody>
+          <a:bodyPr rtlCol="0" anchor="ctr"/>
+          <a:lstStyle/>
+          <a:p>
+            <a:pPr algn="ctr"/>
+            <a:r>
+              <a:rPr lang="en-US" altLang="ko-KR" sz="1400"/>
+              <a:t>Zookeeper</a:t>
+            </a:r>
+            <a:endParaRPr lang="ko-KR" altLang="en-US" sz="1400" dirty="0"/>
+          </a:p>
+        </p:txBody>
+      </p:sp>
+      <p:cxnSp>
+        <p:nvCxnSpPr>
+          <p:cNvPr id="48" name="직선 화살표 연결선 47">
+            <a:extLst>
+              <a:ext uri="{FF2B5EF4-FFF2-40B4-BE49-F238E27FC236}">
+                <a16:creationId xmlns:a16="http://schemas.microsoft.com/office/drawing/2014/main" id="{CB6D47E7-F697-405F-96B3-B9D5BB94E2EE}"/>
+              </a:ext>
+            </a:extLst>
+          </p:cNvPr>
+          <p:cNvCxnSpPr>
+            <a:cxnSpLocks/>
+            <a:stCxn id="42" idx="1"/>
+            <a:endCxn id="74" idx="3"/>
+          </p:cNvCxnSpPr>
+          <p:nvPr/>
+        </p:nvCxnSpPr>
+        <p:spPr>
+          <a:xfrm flipH="1">
+            <a:off x="3332418" y="4412695"/>
+            <a:ext cx="231470" cy="0"/>
+          </a:xfrm>
+          <a:prstGeom prst="straightConnector1">
+            <a:avLst/>
+          </a:prstGeom>
+          <a:ln w="19050">
+            <a:solidFill>
+              <a:schemeClr val="tx1"/>
+            </a:solidFill>
+            <a:headEnd type="arrow" w="med" len="med"/>
+            <a:tailEnd type="arrow" w="med" len="med"/>
+          </a:ln>
+        </p:spPr>
+        <p:style>
+          <a:lnRef idx="1">
+            <a:schemeClr val="accent1"/>
+          </a:lnRef>
+          <a:fillRef idx="0">
+            <a:schemeClr val="accent1"/>
+          </a:fillRef>
+          <a:effectRef idx="0">
+            <a:schemeClr val="accent1"/>
+          </a:effectRef>
+          <a:fontRef idx="minor">
+            <a:schemeClr val="tx1"/>
+          </a:fontRef>
+        </p:style>
+      </p:cxnSp>
+    </p:spTree>
+    <p:extLst>
+      <p:ext uri="{BB962C8B-B14F-4D97-AF65-F5344CB8AC3E}">
+        <p14:creationId xmlns:p14="http://schemas.microsoft.com/office/powerpoint/2010/main" val="1292196781"/>
+      </p:ext>
+    </p:extLst>
+  </p:cSld>
+  <p:clrMapOvr>
+    <a:masterClrMapping/>
+  </p:clrMapOvr>
+</p:sld>
+</file>
+
+<file path=ppt/slides/slide5.xml><?xml version="1.0" encoding="utf-8"?>
+<p:sld xmlns:a="http://schemas.openxmlformats.org/drawingml/2006/main" xmlns:r="http://schemas.openxmlformats.org/officeDocument/2006/relationships" xmlns:p="http://schemas.openxmlformats.org/presentationml/2006/main">
+  <p:cSld>
+    <p:spTree>
+      <p:nvGrpSpPr>
+        <p:cNvPr id="1" name=""/>
+        <p:cNvGrpSpPr/>
+        <p:nvPr/>
+      </p:nvGrpSpPr>
+      <p:grpSpPr>
+        <a:xfrm>
+          <a:off x="0" y="0"/>
+          <a:ext cx="0" cy="0"/>
+          <a:chOff x="0" y="0"/>
+          <a:chExt cx="0" cy="0"/>
+        </a:xfrm>
+      </p:grpSpPr>
+      <p:sp>
+        <p:nvSpPr>
           <p:cNvPr id="2" name="제목 1">
             <a:extLst>
               <a:ext uri="{FF2B5EF4-FFF2-40B4-BE49-F238E27FC236}">
@@ -7310,7 +12180,7 @@
 </p:sld>
 </file>
 
-<file path=ppt/slides/slide4.xml><?xml version="1.0" encoding="utf-8"?>
+<file path=ppt/slides/slide6.xml><?xml version="1.0" encoding="utf-8"?>
 <p:sld xmlns:a="http://schemas.openxmlformats.org/drawingml/2006/main" xmlns:r="http://schemas.openxmlformats.org/officeDocument/2006/relationships" xmlns:p="http://schemas.openxmlformats.org/presentationml/2006/main">
   <p:cSld>
     <p:spTree>

--- a/images/theory_analysis/Kafka/Kafka.pptx
+++ b/images/theory_analysis/Kafka/Kafka.pptx
@@ -5,7 +5,7 @@
     <p:sldMasterId id="2147483648" r:id="rId1"/>
   </p:sldMasterIdLst>
   <p:notesMasterIdLst>
-    <p:notesMasterId r:id="rId8"/>
+    <p:notesMasterId r:id="rId9"/>
   </p:notesMasterIdLst>
   <p:sldIdLst>
     <p:sldId id="360" r:id="rId2"/>
@@ -13,7 +13,8 @@
     <p:sldId id="365" r:id="rId4"/>
     <p:sldId id="362" r:id="rId5"/>
     <p:sldId id="363" r:id="rId6"/>
-    <p:sldId id="359" r:id="rId7"/>
+    <p:sldId id="366" r:id="rId7"/>
+    <p:sldId id="359" r:id="rId8"/>
   </p:sldIdLst>
   <p:sldSz cx="9144000" cy="5143500" type="screen16x9"/>
   <p:notesSz cx="6858000" cy="9144000"/>
@@ -230,7 +231,7 @@
           <a:p>
             <a:fld id="{6CD5550B-26C4-49A9-A5BA-636EF7BE6CE9}" type="datetimeFigureOut">
               <a:rPr lang="ko-KR" altLang="en-US" smtClean="0"/>
-              <a:t>2019-02-23</a:t>
+              <a:t>2019-04-10</a:t>
             </a:fld>
             <a:endParaRPr lang="ko-KR" altLang="en-US"/>
           </a:p>
@@ -907,6 +908,90 @@
     </p:spTree>
     <p:extLst>
       <p:ext uri="{BB962C8B-B14F-4D97-AF65-F5344CB8AC3E}">
+        <p14:creationId xmlns:p14="http://schemas.microsoft.com/office/powerpoint/2010/main" val="2858277860"/>
+      </p:ext>
+    </p:extLst>
+  </p:cSld>
+  <p:clrMapOvr>
+    <a:masterClrMapping/>
+  </p:clrMapOvr>
+</p:notes>
+</file>
+
+<file path=ppt/notesSlides/notesSlide6.xml><?xml version="1.0" encoding="utf-8"?>
+<p:notes xmlns:a="http://schemas.openxmlformats.org/drawingml/2006/main" xmlns:r="http://schemas.openxmlformats.org/officeDocument/2006/relationships" xmlns:p="http://schemas.openxmlformats.org/presentationml/2006/main">
+  <p:cSld>
+    <p:spTree>
+      <p:nvGrpSpPr>
+        <p:cNvPr id="1" name=""/>
+        <p:cNvGrpSpPr/>
+        <p:nvPr/>
+      </p:nvGrpSpPr>
+      <p:grpSpPr>
+        <a:xfrm>
+          <a:off x="0" y="0"/>
+          <a:ext cx="0" cy="0"/>
+          <a:chOff x="0" y="0"/>
+          <a:chExt cx="0" cy="0"/>
+        </a:xfrm>
+      </p:grpSpPr>
+      <p:sp>
+        <p:nvSpPr>
+          <p:cNvPr id="2" name="슬라이드 이미지 개체 틀 1"/>
+          <p:cNvSpPr>
+            <a:spLocks noGrp="1" noRot="1" noChangeAspect="1"/>
+          </p:cNvSpPr>
+          <p:nvPr>
+            <p:ph type="sldImg"/>
+          </p:nvPr>
+        </p:nvSpPr>
+        <p:spPr/>
+      </p:sp>
+      <p:sp>
+        <p:nvSpPr>
+          <p:cNvPr id="3" name="슬라이드 노트 개체 틀 2"/>
+          <p:cNvSpPr>
+            <a:spLocks noGrp="1"/>
+          </p:cNvSpPr>
+          <p:nvPr>
+            <p:ph type="body" idx="1"/>
+          </p:nvPr>
+        </p:nvSpPr>
+        <p:spPr/>
+        <p:txBody>
+          <a:bodyPr/>
+          <a:lstStyle/>
+          <a:p>
+            <a:endParaRPr lang="ko-KR" altLang="en-US" dirty="0"/>
+          </a:p>
+        </p:txBody>
+      </p:sp>
+      <p:sp>
+        <p:nvSpPr>
+          <p:cNvPr id="4" name="슬라이드 번호 개체 틀 3"/>
+          <p:cNvSpPr>
+            <a:spLocks noGrp="1"/>
+          </p:cNvSpPr>
+          <p:nvPr>
+            <p:ph type="sldNum" sz="quarter" idx="10"/>
+          </p:nvPr>
+        </p:nvSpPr>
+        <p:spPr/>
+        <p:txBody>
+          <a:bodyPr/>
+          <a:lstStyle/>
+          <a:p>
+            <a:fld id="{BA5DFA43-8D57-47FB-BC46-057616015C3B}" type="slidenum">
+              <a:rPr lang="ko-KR" altLang="en-US" smtClean="0"/>
+              <a:t>7</a:t>
+            </a:fld>
+            <a:endParaRPr lang="ko-KR" altLang="en-US"/>
+          </a:p>
+        </p:txBody>
+      </p:sp>
+    </p:spTree>
+    <p:extLst>
+      <p:ext uri="{BB962C8B-B14F-4D97-AF65-F5344CB8AC3E}">
         <p14:creationId xmlns:p14="http://schemas.microsoft.com/office/powerpoint/2010/main" val="3550090339"/>
       </p:ext>
     </p:extLst>
@@ -1096,7 +1181,7 @@
           <a:p>
             <a:fld id="{FB30EDBD-1C2D-4C1E-B459-B60219FAB484}" type="datetimeFigureOut">
               <a:rPr lang="ko-KR" altLang="en-US" smtClean="0"/>
-              <a:t>2019-02-23</a:t>
+              <a:t>2019-04-10</a:t>
             </a:fld>
             <a:endParaRPr lang="ko-KR" altLang="en-US"/>
           </a:p>
@@ -1259,7 +1344,7 @@
           <a:p>
             <a:fld id="{FB30EDBD-1C2D-4C1E-B459-B60219FAB484}" type="datetimeFigureOut">
               <a:rPr lang="ko-KR" altLang="en-US" smtClean="0"/>
-              <a:t>2019-02-23</a:t>
+              <a:t>2019-04-10</a:t>
             </a:fld>
             <a:endParaRPr lang="ko-KR" altLang="en-US"/>
           </a:p>
@@ -1432,7 +1517,7 @@
           <a:p>
             <a:fld id="{FB30EDBD-1C2D-4C1E-B459-B60219FAB484}" type="datetimeFigureOut">
               <a:rPr lang="ko-KR" altLang="en-US" smtClean="0"/>
-              <a:t>2019-02-23</a:t>
+              <a:t>2019-04-10</a:t>
             </a:fld>
             <a:endParaRPr lang="ko-KR" altLang="en-US"/>
           </a:p>
@@ -1595,7 +1680,7 @@
           <a:p>
             <a:fld id="{FB30EDBD-1C2D-4C1E-B459-B60219FAB484}" type="datetimeFigureOut">
               <a:rPr lang="ko-KR" altLang="en-US" smtClean="0"/>
-              <a:t>2019-02-23</a:t>
+              <a:t>2019-04-10</a:t>
             </a:fld>
             <a:endParaRPr lang="ko-KR" altLang="en-US"/>
           </a:p>
@@ -1835,7 +1920,7 @@
           <a:p>
             <a:fld id="{FB30EDBD-1C2D-4C1E-B459-B60219FAB484}" type="datetimeFigureOut">
               <a:rPr lang="ko-KR" altLang="en-US" smtClean="0"/>
-              <a:t>2019-02-23</a:t>
+              <a:t>2019-04-10</a:t>
             </a:fld>
             <a:endParaRPr lang="ko-KR" altLang="en-US"/>
           </a:p>
@@ -2115,7 +2200,7 @@
           <a:p>
             <a:fld id="{FB30EDBD-1C2D-4C1E-B459-B60219FAB484}" type="datetimeFigureOut">
               <a:rPr lang="ko-KR" altLang="en-US" smtClean="0"/>
-              <a:t>2019-02-23</a:t>
+              <a:t>2019-04-10</a:t>
             </a:fld>
             <a:endParaRPr lang="ko-KR" altLang="en-US"/>
           </a:p>
@@ -2529,7 +2614,7 @@
           <a:p>
             <a:fld id="{FB30EDBD-1C2D-4C1E-B459-B60219FAB484}" type="datetimeFigureOut">
               <a:rPr lang="ko-KR" altLang="en-US" smtClean="0"/>
-              <a:t>2019-02-23</a:t>
+              <a:t>2019-04-10</a:t>
             </a:fld>
             <a:endParaRPr lang="ko-KR" altLang="en-US"/>
           </a:p>
@@ -2641,7 +2726,7 @@
           <a:p>
             <a:fld id="{FB30EDBD-1C2D-4C1E-B459-B60219FAB484}" type="datetimeFigureOut">
               <a:rPr lang="ko-KR" altLang="en-US" smtClean="0"/>
-              <a:t>2019-02-23</a:t>
+              <a:t>2019-04-10</a:t>
             </a:fld>
             <a:endParaRPr lang="ko-KR" altLang="en-US"/>
           </a:p>
@@ -2731,7 +2816,7 @@
           <a:p>
             <a:fld id="{FB30EDBD-1C2D-4C1E-B459-B60219FAB484}" type="datetimeFigureOut">
               <a:rPr lang="ko-KR" altLang="en-US" smtClean="0"/>
-              <a:t>2019-02-23</a:t>
+              <a:t>2019-04-10</a:t>
             </a:fld>
             <a:endParaRPr lang="ko-KR" altLang="en-US"/>
           </a:p>
@@ -3001,7 +3086,7 @@
           <a:p>
             <a:fld id="{FB30EDBD-1C2D-4C1E-B459-B60219FAB484}" type="datetimeFigureOut">
               <a:rPr lang="ko-KR" altLang="en-US" smtClean="0"/>
-              <a:t>2019-02-23</a:t>
+              <a:t>2019-04-10</a:t>
             </a:fld>
             <a:endParaRPr lang="ko-KR" altLang="en-US"/>
           </a:p>
@@ -3248,7 +3333,7 @@
           <a:p>
             <a:fld id="{FB30EDBD-1C2D-4C1E-B459-B60219FAB484}" type="datetimeFigureOut">
               <a:rPr lang="ko-KR" altLang="en-US" smtClean="0"/>
-              <a:t>2019-02-23</a:t>
+              <a:t>2019-04-10</a:t>
             </a:fld>
             <a:endParaRPr lang="ko-KR" altLang="en-US"/>
           </a:p>
@@ -3454,7 +3539,7 @@
           <a:p>
             <a:fld id="{FB30EDBD-1C2D-4C1E-B459-B60219FAB484}" type="datetimeFigureOut">
               <a:rPr lang="ko-KR" altLang="en-US" smtClean="0"/>
-              <a:t>2019-02-23</a:t>
+              <a:t>2019-04-10</a:t>
             </a:fld>
             <a:endParaRPr lang="ko-KR" altLang="en-US"/>
           </a:p>
@@ -12181,6 +12266,1869 @@
 </file>
 
 <file path=ppt/slides/slide6.xml><?xml version="1.0" encoding="utf-8"?>
+<p:sld xmlns:a="http://schemas.openxmlformats.org/drawingml/2006/main" xmlns:r="http://schemas.openxmlformats.org/officeDocument/2006/relationships" xmlns:p="http://schemas.openxmlformats.org/presentationml/2006/main">
+  <p:cSld>
+    <p:spTree>
+      <p:nvGrpSpPr>
+        <p:cNvPr id="1" name=""/>
+        <p:cNvGrpSpPr/>
+        <p:nvPr/>
+      </p:nvGrpSpPr>
+      <p:grpSpPr>
+        <a:xfrm>
+          <a:off x="0" y="0"/>
+          <a:ext cx="0" cy="0"/>
+          <a:chOff x="0" y="0"/>
+          <a:chExt cx="0" cy="0"/>
+        </a:xfrm>
+      </p:grpSpPr>
+      <p:sp>
+        <p:nvSpPr>
+          <p:cNvPr id="7" name="사각형: 둥근 모서리 6">
+            <a:extLst>
+              <a:ext uri="{FF2B5EF4-FFF2-40B4-BE49-F238E27FC236}">
+                <a16:creationId xmlns:a16="http://schemas.microsoft.com/office/drawing/2014/main" id="{43605E7C-158D-49F1-8506-CEF09E8CC589}"/>
+              </a:ext>
+            </a:extLst>
+          </p:cNvPr>
+          <p:cNvSpPr/>
+          <p:nvPr/>
+        </p:nvSpPr>
+        <p:spPr>
+          <a:xfrm>
+            <a:off x="1460210" y="497337"/>
+            <a:ext cx="1872208" cy="3761469"/>
+          </a:xfrm>
+          <a:prstGeom prst="roundRect">
+            <a:avLst>
+              <a:gd name="adj" fmla="val 4353"/>
+            </a:avLst>
+          </a:prstGeom>
+        </p:spPr>
+        <p:style>
+          <a:lnRef idx="2">
+            <a:schemeClr val="dk1"/>
+          </a:lnRef>
+          <a:fillRef idx="1">
+            <a:schemeClr val="lt1"/>
+          </a:fillRef>
+          <a:effectRef idx="0">
+            <a:schemeClr val="dk1"/>
+          </a:effectRef>
+          <a:fontRef idx="minor">
+            <a:schemeClr val="dk1"/>
+          </a:fontRef>
+        </p:style>
+        <p:txBody>
+          <a:bodyPr rtlCol="0" anchor="b"/>
+          <a:lstStyle/>
+          <a:p>
+            <a:pPr algn="ctr"/>
+            <a:r>
+              <a:rPr lang="en-US" altLang="ko-KR" sz="1400" dirty="0"/>
+              <a:t>Kafka Broker A</a:t>
+            </a:r>
+            <a:endParaRPr lang="ko-KR" altLang="en-US" sz="1400" dirty="0"/>
+          </a:p>
+        </p:txBody>
+      </p:sp>
+      <p:sp>
+        <p:nvSpPr>
+          <p:cNvPr id="58" name="사각형: 둥근 모서리 57">
+            <a:extLst>
+              <a:ext uri="{FF2B5EF4-FFF2-40B4-BE49-F238E27FC236}">
+                <a16:creationId xmlns:a16="http://schemas.microsoft.com/office/drawing/2014/main" id="{364F566C-AAA1-4C72-9FB2-52671A2E3589}"/>
+              </a:ext>
+            </a:extLst>
+          </p:cNvPr>
+          <p:cNvSpPr/>
+          <p:nvPr/>
+        </p:nvSpPr>
+        <p:spPr>
+          <a:xfrm>
+            <a:off x="3563888" y="483518"/>
+            <a:ext cx="1872208" cy="3775288"/>
+          </a:xfrm>
+          <a:prstGeom prst="roundRect">
+            <a:avLst>
+              <a:gd name="adj" fmla="val 5697"/>
+            </a:avLst>
+          </a:prstGeom>
+        </p:spPr>
+        <p:style>
+          <a:lnRef idx="2">
+            <a:schemeClr val="dk1"/>
+          </a:lnRef>
+          <a:fillRef idx="1">
+            <a:schemeClr val="lt1"/>
+          </a:fillRef>
+          <a:effectRef idx="0">
+            <a:schemeClr val="dk1"/>
+          </a:effectRef>
+          <a:fontRef idx="minor">
+            <a:schemeClr val="dk1"/>
+          </a:fontRef>
+        </p:style>
+        <p:txBody>
+          <a:bodyPr rtlCol="0" anchor="b"/>
+          <a:lstStyle/>
+          <a:p>
+            <a:pPr algn="ctr"/>
+            <a:r>
+              <a:rPr lang="en-US" altLang="ko-KR" sz="1400" dirty="0"/>
+              <a:t>Kafka Broker B</a:t>
+            </a:r>
+            <a:endParaRPr lang="ko-KR" altLang="en-US" sz="1400" dirty="0"/>
+          </a:p>
+        </p:txBody>
+      </p:sp>
+      <p:sp>
+        <p:nvSpPr>
+          <p:cNvPr id="67" name="사각형: 둥근 모서리 66">
+            <a:extLst>
+              <a:ext uri="{FF2B5EF4-FFF2-40B4-BE49-F238E27FC236}">
+                <a16:creationId xmlns:a16="http://schemas.microsoft.com/office/drawing/2014/main" id="{10A8E561-0D52-48A1-A8B6-9F42DD083DD7}"/>
+              </a:ext>
+            </a:extLst>
+          </p:cNvPr>
+          <p:cNvSpPr/>
+          <p:nvPr/>
+        </p:nvSpPr>
+        <p:spPr>
+          <a:xfrm>
+            <a:off x="5652120" y="483518"/>
+            <a:ext cx="1872208" cy="3775288"/>
+          </a:xfrm>
+          <a:prstGeom prst="roundRect">
+            <a:avLst>
+              <a:gd name="adj" fmla="val 5249"/>
+            </a:avLst>
+          </a:prstGeom>
+        </p:spPr>
+        <p:style>
+          <a:lnRef idx="2">
+            <a:schemeClr val="dk1"/>
+          </a:lnRef>
+          <a:fillRef idx="1">
+            <a:schemeClr val="lt1"/>
+          </a:fillRef>
+          <a:effectRef idx="0">
+            <a:schemeClr val="dk1"/>
+          </a:effectRef>
+          <a:fontRef idx="minor">
+            <a:schemeClr val="dk1"/>
+          </a:fontRef>
+        </p:style>
+        <p:txBody>
+          <a:bodyPr rtlCol="0" anchor="b"/>
+          <a:lstStyle/>
+          <a:p>
+            <a:pPr algn="ctr"/>
+            <a:r>
+              <a:rPr lang="en-US" altLang="ko-KR" sz="1400" dirty="0"/>
+              <a:t>Kafka Broker C</a:t>
+            </a:r>
+            <a:endParaRPr lang="ko-KR" altLang="en-US" sz="1400" dirty="0"/>
+          </a:p>
+        </p:txBody>
+      </p:sp>
+      <p:sp>
+        <p:nvSpPr>
+          <p:cNvPr id="2" name="제목 1"/>
+          <p:cNvSpPr>
+            <a:spLocks noGrp="1"/>
+          </p:cNvSpPr>
+          <p:nvPr>
+            <p:ph type="title"/>
+          </p:nvPr>
+        </p:nvSpPr>
+        <p:spPr>
+          <a:xfrm>
+            <a:off x="377332" y="-236562"/>
+            <a:ext cx="8229600" cy="857250"/>
+          </a:xfrm>
+        </p:spPr>
+        <p:txBody>
+          <a:bodyPr/>
+          <a:lstStyle/>
+          <a:p>
+            <a:r>
+              <a:rPr lang="en-US" altLang="ko-KR"/>
+              <a:t>Cluster</a:t>
+            </a:r>
+            <a:endParaRPr lang="ko-KR" altLang="en-US" dirty="0"/>
+          </a:p>
+        </p:txBody>
+      </p:sp>
+      <p:sp>
+        <p:nvSpPr>
+          <p:cNvPr id="44" name="사각형: 둥근 모서리 43">
+            <a:extLst>
+              <a:ext uri="{FF2B5EF4-FFF2-40B4-BE49-F238E27FC236}">
+                <a16:creationId xmlns:a16="http://schemas.microsoft.com/office/drawing/2014/main" id="{46680711-9222-475F-8F0D-50BD15568FE4}"/>
+              </a:ext>
+            </a:extLst>
+          </p:cNvPr>
+          <p:cNvSpPr/>
+          <p:nvPr/>
+        </p:nvSpPr>
+        <p:spPr>
+          <a:xfrm>
+            <a:off x="1691680" y="1793034"/>
+            <a:ext cx="1440160" cy="268948"/>
+          </a:xfrm>
+          <a:prstGeom prst="roundRect">
+            <a:avLst>
+              <a:gd name="adj" fmla="val 14105"/>
+            </a:avLst>
+          </a:prstGeom>
+          <a:solidFill>
+            <a:schemeClr val="accent1">
+              <a:lumMod val="20000"/>
+              <a:lumOff val="80000"/>
+            </a:schemeClr>
+          </a:solidFill>
+        </p:spPr>
+        <p:style>
+          <a:lnRef idx="2">
+            <a:schemeClr val="dk1"/>
+          </a:lnRef>
+          <a:fillRef idx="1">
+            <a:schemeClr val="lt1"/>
+          </a:fillRef>
+          <a:effectRef idx="0">
+            <a:schemeClr val="dk1"/>
+          </a:effectRef>
+          <a:fontRef idx="minor">
+            <a:schemeClr val="dk1"/>
+          </a:fontRef>
+        </p:style>
+        <p:txBody>
+          <a:bodyPr rtlCol="0" anchor="ctr"/>
+          <a:lstStyle/>
+          <a:p>
+            <a:pPr algn="ctr"/>
+            <a:r>
+              <a:rPr lang="en-US" altLang="ko-KR" sz="1100"/>
+              <a:t>Partition </a:t>
+            </a:r>
+            <a:r>
+              <a:rPr lang="en-US" altLang="ko-KR" sz="1100" dirty="0"/>
+              <a:t>0</a:t>
+            </a:r>
+            <a:endParaRPr lang="ko-KR" altLang="en-US" sz="1100" dirty="0"/>
+          </a:p>
+        </p:txBody>
+      </p:sp>
+      <p:sp>
+        <p:nvSpPr>
+          <p:cNvPr id="55" name="사각형: 둥근 모서리 54">
+            <a:extLst>
+              <a:ext uri="{FF2B5EF4-FFF2-40B4-BE49-F238E27FC236}">
+                <a16:creationId xmlns:a16="http://schemas.microsoft.com/office/drawing/2014/main" id="{9B510882-3AD7-4A8A-ACA7-B7996494A18E}"/>
+              </a:ext>
+            </a:extLst>
+          </p:cNvPr>
+          <p:cNvSpPr/>
+          <p:nvPr/>
+        </p:nvSpPr>
+        <p:spPr>
+          <a:xfrm>
+            <a:off x="1691680" y="2549562"/>
+            <a:ext cx="1440160" cy="268948"/>
+          </a:xfrm>
+          <a:prstGeom prst="roundRect">
+            <a:avLst>
+              <a:gd name="adj" fmla="val 14105"/>
+            </a:avLst>
+          </a:prstGeom>
+          <a:solidFill>
+            <a:schemeClr val="accent2">
+              <a:lumMod val="20000"/>
+              <a:lumOff val="80000"/>
+            </a:schemeClr>
+          </a:solidFill>
+        </p:spPr>
+        <p:style>
+          <a:lnRef idx="2">
+            <a:schemeClr val="dk1"/>
+          </a:lnRef>
+          <a:fillRef idx="1">
+            <a:schemeClr val="lt1"/>
+          </a:fillRef>
+          <a:effectRef idx="0">
+            <a:schemeClr val="dk1"/>
+          </a:effectRef>
+          <a:fontRef idx="minor">
+            <a:schemeClr val="dk1"/>
+          </a:fontRef>
+        </p:style>
+        <p:txBody>
+          <a:bodyPr rtlCol="0" anchor="ctr"/>
+          <a:lstStyle/>
+          <a:p>
+            <a:pPr algn="ctr"/>
+            <a:r>
+              <a:rPr lang="en-US" altLang="ko-KR" sz="1100"/>
+              <a:t>Partition </a:t>
+            </a:r>
+            <a:r>
+              <a:rPr lang="en-US" altLang="ko-KR" sz="1100" dirty="0"/>
+              <a:t>0</a:t>
+            </a:r>
+            <a:endParaRPr lang="ko-KR" altLang="en-US" sz="1100" dirty="0"/>
+          </a:p>
+        </p:txBody>
+      </p:sp>
+      <p:sp>
+        <p:nvSpPr>
+          <p:cNvPr id="56" name="사각형: 둥근 모서리 55">
+            <a:extLst>
+              <a:ext uri="{FF2B5EF4-FFF2-40B4-BE49-F238E27FC236}">
+                <a16:creationId xmlns:a16="http://schemas.microsoft.com/office/drawing/2014/main" id="{F8EDAA14-A89A-489B-B003-40355A4D2500}"/>
+              </a:ext>
+            </a:extLst>
+          </p:cNvPr>
+          <p:cNvSpPr/>
+          <p:nvPr/>
+        </p:nvSpPr>
+        <p:spPr>
+          <a:xfrm>
+            <a:off x="1691680" y="2915774"/>
+            <a:ext cx="1440160" cy="268948"/>
+          </a:xfrm>
+          <a:prstGeom prst="roundRect">
+            <a:avLst>
+              <a:gd name="adj" fmla="val 14105"/>
+            </a:avLst>
+          </a:prstGeom>
+          <a:solidFill>
+            <a:schemeClr val="accent1">
+              <a:lumMod val="20000"/>
+              <a:lumOff val="80000"/>
+            </a:schemeClr>
+          </a:solidFill>
+        </p:spPr>
+        <p:style>
+          <a:lnRef idx="2">
+            <a:schemeClr val="dk1"/>
+          </a:lnRef>
+          <a:fillRef idx="1">
+            <a:schemeClr val="lt1"/>
+          </a:fillRef>
+          <a:effectRef idx="0">
+            <a:schemeClr val="dk1"/>
+          </a:effectRef>
+          <a:fontRef idx="minor">
+            <a:schemeClr val="dk1"/>
+          </a:fontRef>
+        </p:style>
+        <p:txBody>
+          <a:bodyPr rtlCol="0" anchor="ctr"/>
+          <a:lstStyle/>
+          <a:p>
+            <a:pPr algn="ctr"/>
+            <a:r>
+              <a:rPr lang="en-US" altLang="ko-KR" sz="1100"/>
+              <a:t>Partition </a:t>
+            </a:r>
+            <a:r>
+              <a:rPr lang="en-US" altLang="ko-KR" sz="1100" dirty="0"/>
+              <a:t>1</a:t>
+            </a:r>
+            <a:endParaRPr lang="ko-KR" altLang="en-US" sz="1100" dirty="0"/>
+          </a:p>
+        </p:txBody>
+      </p:sp>
+      <p:sp>
+        <p:nvSpPr>
+          <p:cNvPr id="57" name="사각형: 둥근 모서리 56">
+            <a:extLst>
+              <a:ext uri="{FF2B5EF4-FFF2-40B4-BE49-F238E27FC236}">
+                <a16:creationId xmlns:a16="http://schemas.microsoft.com/office/drawing/2014/main" id="{D0081DD2-33FA-46B1-8ABB-C5E63737BABF}"/>
+              </a:ext>
+            </a:extLst>
+          </p:cNvPr>
+          <p:cNvSpPr/>
+          <p:nvPr/>
+        </p:nvSpPr>
+        <p:spPr>
+          <a:xfrm>
+            <a:off x="1691680" y="3281986"/>
+            <a:ext cx="1440160" cy="268948"/>
+          </a:xfrm>
+          <a:prstGeom prst="roundRect">
+            <a:avLst>
+              <a:gd name="adj" fmla="val 14105"/>
+            </a:avLst>
+          </a:prstGeom>
+          <a:solidFill>
+            <a:schemeClr val="accent1">
+              <a:lumMod val="20000"/>
+              <a:lumOff val="80000"/>
+            </a:schemeClr>
+          </a:solidFill>
+        </p:spPr>
+        <p:style>
+          <a:lnRef idx="2">
+            <a:schemeClr val="dk1"/>
+          </a:lnRef>
+          <a:fillRef idx="1">
+            <a:schemeClr val="lt1"/>
+          </a:fillRef>
+          <a:effectRef idx="0">
+            <a:schemeClr val="dk1"/>
+          </a:effectRef>
+          <a:fontRef idx="minor">
+            <a:schemeClr val="dk1"/>
+          </a:fontRef>
+        </p:style>
+        <p:txBody>
+          <a:bodyPr rtlCol="0" anchor="ctr"/>
+          <a:lstStyle/>
+          <a:p>
+            <a:pPr algn="ctr"/>
+            <a:r>
+              <a:rPr lang="en-US" altLang="ko-KR" sz="1100"/>
+              <a:t>Partition </a:t>
+            </a:r>
+            <a:r>
+              <a:rPr lang="en-US" altLang="ko-KR" sz="1100" dirty="0"/>
+              <a:t>2</a:t>
+            </a:r>
+            <a:endParaRPr lang="ko-KR" altLang="en-US" sz="1100" dirty="0"/>
+          </a:p>
+        </p:txBody>
+      </p:sp>
+      <p:sp>
+        <p:nvSpPr>
+          <p:cNvPr id="63" name="사각형: 둥근 모서리 62">
+            <a:extLst>
+              <a:ext uri="{FF2B5EF4-FFF2-40B4-BE49-F238E27FC236}">
+                <a16:creationId xmlns:a16="http://schemas.microsoft.com/office/drawing/2014/main" id="{1D930AF3-C251-4D74-827F-DC86C862B00C}"/>
+              </a:ext>
+            </a:extLst>
+          </p:cNvPr>
+          <p:cNvSpPr/>
+          <p:nvPr/>
+        </p:nvSpPr>
+        <p:spPr>
+          <a:xfrm>
+            <a:off x="3779912" y="1793034"/>
+            <a:ext cx="1440160" cy="268948"/>
+          </a:xfrm>
+          <a:prstGeom prst="roundRect">
+            <a:avLst>
+              <a:gd name="adj" fmla="val 14105"/>
+            </a:avLst>
+          </a:prstGeom>
+          <a:solidFill>
+            <a:schemeClr val="accent1">
+              <a:lumMod val="20000"/>
+              <a:lumOff val="80000"/>
+            </a:schemeClr>
+          </a:solidFill>
+        </p:spPr>
+        <p:style>
+          <a:lnRef idx="2">
+            <a:schemeClr val="dk1"/>
+          </a:lnRef>
+          <a:fillRef idx="1">
+            <a:schemeClr val="lt1"/>
+          </a:fillRef>
+          <a:effectRef idx="0">
+            <a:schemeClr val="dk1"/>
+          </a:effectRef>
+          <a:fontRef idx="minor">
+            <a:schemeClr val="dk1"/>
+          </a:fontRef>
+        </p:style>
+        <p:txBody>
+          <a:bodyPr rtlCol="0" anchor="ctr"/>
+          <a:lstStyle/>
+          <a:p>
+            <a:pPr algn="ctr"/>
+            <a:r>
+              <a:rPr lang="en-US" altLang="ko-KR" sz="1100"/>
+              <a:t>Partition </a:t>
+            </a:r>
+            <a:r>
+              <a:rPr lang="en-US" altLang="ko-KR" sz="1100" dirty="0"/>
+              <a:t>0</a:t>
+            </a:r>
+            <a:endParaRPr lang="ko-KR" altLang="en-US" sz="1100" dirty="0"/>
+          </a:p>
+        </p:txBody>
+      </p:sp>
+      <p:sp>
+        <p:nvSpPr>
+          <p:cNvPr id="64" name="사각형: 둥근 모서리 63">
+            <a:extLst>
+              <a:ext uri="{FF2B5EF4-FFF2-40B4-BE49-F238E27FC236}">
+                <a16:creationId xmlns:a16="http://schemas.microsoft.com/office/drawing/2014/main" id="{C093F3AF-A4D5-42A7-93F0-6BCBA9A55EF7}"/>
+              </a:ext>
+            </a:extLst>
+          </p:cNvPr>
+          <p:cNvSpPr/>
+          <p:nvPr/>
+        </p:nvSpPr>
+        <p:spPr>
+          <a:xfrm>
+            <a:off x="3779912" y="2549562"/>
+            <a:ext cx="1440160" cy="268948"/>
+          </a:xfrm>
+          <a:prstGeom prst="roundRect">
+            <a:avLst>
+              <a:gd name="adj" fmla="val 14105"/>
+            </a:avLst>
+          </a:prstGeom>
+          <a:solidFill>
+            <a:schemeClr val="accent1">
+              <a:lumMod val="20000"/>
+              <a:lumOff val="80000"/>
+            </a:schemeClr>
+          </a:solidFill>
+        </p:spPr>
+        <p:style>
+          <a:lnRef idx="2">
+            <a:schemeClr val="dk1"/>
+          </a:lnRef>
+          <a:fillRef idx="1">
+            <a:schemeClr val="lt1"/>
+          </a:fillRef>
+          <a:effectRef idx="0">
+            <a:schemeClr val="dk1"/>
+          </a:effectRef>
+          <a:fontRef idx="minor">
+            <a:schemeClr val="dk1"/>
+          </a:fontRef>
+        </p:style>
+        <p:txBody>
+          <a:bodyPr rtlCol="0" anchor="ctr"/>
+          <a:lstStyle/>
+          <a:p>
+            <a:pPr algn="ctr"/>
+            <a:r>
+              <a:rPr lang="en-US" altLang="ko-KR" sz="1100"/>
+              <a:t>Partition 0</a:t>
+            </a:r>
+            <a:endParaRPr lang="ko-KR" altLang="en-US" sz="1100" dirty="0"/>
+          </a:p>
+        </p:txBody>
+      </p:sp>
+      <p:sp>
+        <p:nvSpPr>
+          <p:cNvPr id="65" name="사각형: 둥근 모서리 64">
+            <a:extLst>
+              <a:ext uri="{FF2B5EF4-FFF2-40B4-BE49-F238E27FC236}">
+                <a16:creationId xmlns:a16="http://schemas.microsoft.com/office/drawing/2014/main" id="{CE7BAF05-2759-4F3B-9CFD-1F237A1F8B70}"/>
+              </a:ext>
+            </a:extLst>
+          </p:cNvPr>
+          <p:cNvSpPr/>
+          <p:nvPr/>
+        </p:nvSpPr>
+        <p:spPr>
+          <a:xfrm>
+            <a:off x="3779912" y="2915774"/>
+            <a:ext cx="1440160" cy="268948"/>
+          </a:xfrm>
+          <a:prstGeom prst="roundRect">
+            <a:avLst>
+              <a:gd name="adj" fmla="val 14105"/>
+            </a:avLst>
+          </a:prstGeom>
+          <a:solidFill>
+            <a:schemeClr val="accent2">
+              <a:lumMod val="20000"/>
+              <a:lumOff val="80000"/>
+            </a:schemeClr>
+          </a:solidFill>
+        </p:spPr>
+        <p:style>
+          <a:lnRef idx="2">
+            <a:schemeClr val="dk1"/>
+          </a:lnRef>
+          <a:fillRef idx="1">
+            <a:schemeClr val="lt1"/>
+          </a:fillRef>
+          <a:effectRef idx="0">
+            <a:schemeClr val="dk1"/>
+          </a:effectRef>
+          <a:fontRef idx="minor">
+            <a:schemeClr val="dk1"/>
+          </a:fontRef>
+        </p:style>
+        <p:txBody>
+          <a:bodyPr rtlCol="0" anchor="ctr"/>
+          <a:lstStyle/>
+          <a:p>
+            <a:pPr algn="ctr"/>
+            <a:r>
+              <a:rPr lang="en-US" altLang="ko-KR" sz="1100"/>
+              <a:t>Partition 1</a:t>
+            </a:r>
+            <a:endParaRPr lang="ko-KR" altLang="en-US" sz="1100" dirty="0"/>
+          </a:p>
+        </p:txBody>
+      </p:sp>
+      <p:sp>
+        <p:nvSpPr>
+          <p:cNvPr id="66" name="사각형: 둥근 모서리 65">
+            <a:extLst>
+              <a:ext uri="{FF2B5EF4-FFF2-40B4-BE49-F238E27FC236}">
+                <a16:creationId xmlns:a16="http://schemas.microsoft.com/office/drawing/2014/main" id="{1CA0F0DF-F771-45A7-AE6F-EA0C6999E419}"/>
+              </a:ext>
+            </a:extLst>
+          </p:cNvPr>
+          <p:cNvSpPr/>
+          <p:nvPr/>
+        </p:nvSpPr>
+        <p:spPr>
+          <a:xfrm>
+            <a:off x="3779912" y="3281986"/>
+            <a:ext cx="1440160" cy="268948"/>
+          </a:xfrm>
+          <a:prstGeom prst="roundRect">
+            <a:avLst>
+              <a:gd name="adj" fmla="val 14105"/>
+            </a:avLst>
+          </a:prstGeom>
+          <a:solidFill>
+            <a:schemeClr val="accent1">
+              <a:lumMod val="20000"/>
+              <a:lumOff val="80000"/>
+            </a:schemeClr>
+          </a:solidFill>
+        </p:spPr>
+        <p:style>
+          <a:lnRef idx="2">
+            <a:schemeClr val="dk1"/>
+          </a:lnRef>
+          <a:fillRef idx="1">
+            <a:schemeClr val="lt1"/>
+          </a:fillRef>
+          <a:effectRef idx="0">
+            <a:schemeClr val="dk1"/>
+          </a:effectRef>
+          <a:fontRef idx="minor">
+            <a:schemeClr val="dk1"/>
+          </a:fontRef>
+        </p:style>
+        <p:txBody>
+          <a:bodyPr rtlCol="0" anchor="ctr"/>
+          <a:lstStyle/>
+          <a:p>
+            <a:pPr algn="ctr"/>
+            <a:r>
+              <a:rPr lang="en-US" altLang="ko-KR" sz="1100"/>
+              <a:t>Partition </a:t>
+            </a:r>
+            <a:r>
+              <a:rPr lang="en-US" altLang="ko-KR" sz="1100" dirty="0"/>
+              <a:t>2</a:t>
+            </a:r>
+            <a:endParaRPr lang="ko-KR" altLang="en-US" sz="1100" dirty="0"/>
+          </a:p>
+        </p:txBody>
+      </p:sp>
+      <p:sp>
+        <p:nvSpPr>
+          <p:cNvPr id="70" name="사각형: 둥근 모서리 69">
+            <a:extLst>
+              <a:ext uri="{FF2B5EF4-FFF2-40B4-BE49-F238E27FC236}">
+                <a16:creationId xmlns:a16="http://schemas.microsoft.com/office/drawing/2014/main" id="{84D930EB-BC46-471C-A7B6-A6B0BC36B737}"/>
+              </a:ext>
+            </a:extLst>
+          </p:cNvPr>
+          <p:cNvSpPr/>
+          <p:nvPr/>
+        </p:nvSpPr>
+        <p:spPr>
+          <a:xfrm>
+            <a:off x="5868144" y="1793034"/>
+            <a:ext cx="1440160" cy="268948"/>
+          </a:xfrm>
+          <a:prstGeom prst="roundRect">
+            <a:avLst>
+              <a:gd name="adj" fmla="val 14105"/>
+            </a:avLst>
+          </a:prstGeom>
+          <a:solidFill>
+            <a:schemeClr val="accent2">
+              <a:lumMod val="20000"/>
+              <a:lumOff val="80000"/>
+            </a:schemeClr>
+          </a:solidFill>
+        </p:spPr>
+        <p:style>
+          <a:lnRef idx="2">
+            <a:schemeClr val="dk1"/>
+          </a:lnRef>
+          <a:fillRef idx="1">
+            <a:schemeClr val="lt1"/>
+          </a:fillRef>
+          <a:effectRef idx="0">
+            <a:schemeClr val="dk1"/>
+          </a:effectRef>
+          <a:fontRef idx="minor">
+            <a:schemeClr val="dk1"/>
+          </a:fontRef>
+        </p:style>
+        <p:txBody>
+          <a:bodyPr rtlCol="0" anchor="ctr"/>
+          <a:lstStyle/>
+          <a:p>
+            <a:pPr algn="ctr"/>
+            <a:r>
+              <a:rPr lang="en-US" altLang="ko-KR" sz="1100"/>
+              <a:t>Partition </a:t>
+            </a:r>
+            <a:r>
+              <a:rPr lang="en-US" altLang="ko-KR" sz="1100" dirty="0"/>
+              <a:t>0</a:t>
+            </a:r>
+            <a:endParaRPr lang="ko-KR" altLang="en-US" sz="1100" dirty="0"/>
+          </a:p>
+        </p:txBody>
+      </p:sp>
+      <p:sp>
+        <p:nvSpPr>
+          <p:cNvPr id="71" name="사각형: 둥근 모서리 70">
+            <a:extLst>
+              <a:ext uri="{FF2B5EF4-FFF2-40B4-BE49-F238E27FC236}">
+                <a16:creationId xmlns:a16="http://schemas.microsoft.com/office/drawing/2014/main" id="{8CB55B9F-1769-4742-9626-EA91B55F9CD0}"/>
+              </a:ext>
+            </a:extLst>
+          </p:cNvPr>
+          <p:cNvSpPr/>
+          <p:nvPr/>
+        </p:nvSpPr>
+        <p:spPr>
+          <a:xfrm>
+            <a:off x="5868144" y="2549562"/>
+            <a:ext cx="1440160" cy="268948"/>
+          </a:xfrm>
+          <a:prstGeom prst="roundRect">
+            <a:avLst>
+              <a:gd name="adj" fmla="val 14105"/>
+            </a:avLst>
+          </a:prstGeom>
+          <a:solidFill>
+            <a:schemeClr val="accent1">
+              <a:lumMod val="20000"/>
+              <a:lumOff val="80000"/>
+            </a:schemeClr>
+          </a:solidFill>
+        </p:spPr>
+        <p:style>
+          <a:lnRef idx="2">
+            <a:schemeClr val="dk1"/>
+          </a:lnRef>
+          <a:fillRef idx="1">
+            <a:schemeClr val="lt1"/>
+          </a:fillRef>
+          <a:effectRef idx="0">
+            <a:schemeClr val="dk1"/>
+          </a:effectRef>
+          <a:fontRef idx="minor">
+            <a:schemeClr val="dk1"/>
+          </a:fontRef>
+        </p:style>
+        <p:txBody>
+          <a:bodyPr rtlCol="0" anchor="ctr"/>
+          <a:lstStyle/>
+          <a:p>
+            <a:pPr algn="ctr"/>
+            <a:r>
+              <a:rPr lang="en-US" altLang="ko-KR" sz="1100"/>
+              <a:t>Partition 0</a:t>
+            </a:r>
+            <a:endParaRPr lang="ko-KR" altLang="en-US" sz="1100" dirty="0"/>
+          </a:p>
+        </p:txBody>
+      </p:sp>
+      <p:sp>
+        <p:nvSpPr>
+          <p:cNvPr id="72" name="사각형: 둥근 모서리 71">
+            <a:extLst>
+              <a:ext uri="{FF2B5EF4-FFF2-40B4-BE49-F238E27FC236}">
+                <a16:creationId xmlns:a16="http://schemas.microsoft.com/office/drawing/2014/main" id="{E617FFBB-A175-4D87-8F62-AFE2F1679458}"/>
+              </a:ext>
+            </a:extLst>
+          </p:cNvPr>
+          <p:cNvSpPr/>
+          <p:nvPr/>
+        </p:nvSpPr>
+        <p:spPr>
+          <a:xfrm>
+            <a:off x="5868144" y="2915774"/>
+            <a:ext cx="1440160" cy="268948"/>
+          </a:xfrm>
+          <a:prstGeom prst="roundRect">
+            <a:avLst>
+              <a:gd name="adj" fmla="val 14105"/>
+            </a:avLst>
+          </a:prstGeom>
+          <a:solidFill>
+            <a:schemeClr val="accent1">
+              <a:lumMod val="20000"/>
+              <a:lumOff val="80000"/>
+            </a:schemeClr>
+          </a:solidFill>
+        </p:spPr>
+        <p:style>
+          <a:lnRef idx="2">
+            <a:schemeClr val="dk1"/>
+          </a:lnRef>
+          <a:fillRef idx="1">
+            <a:schemeClr val="lt1"/>
+          </a:fillRef>
+          <a:effectRef idx="0">
+            <a:schemeClr val="dk1"/>
+          </a:effectRef>
+          <a:fontRef idx="minor">
+            <a:schemeClr val="dk1"/>
+          </a:fontRef>
+        </p:style>
+        <p:txBody>
+          <a:bodyPr rtlCol="0" anchor="ctr"/>
+          <a:lstStyle/>
+          <a:p>
+            <a:pPr algn="ctr"/>
+            <a:r>
+              <a:rPr lang="en-US" altLang="ko-KR" sz="1100"/>
+              <a:t>Partition </a:t>
+            </a:r>
+            <a:r>
+              <a:rPr lang="en-US" altLang="ko-KR" sz="1100" dirty="0"/>
+              <a:t>1</a:t>
+            </a:r>
+            <a:endParaRPr lang="ko-KR" altLang="en-US" sz="1100" dirty="0"/>
+          </a:p>
+        </p:txBody>
+      </p:sp>
+      <p:sp>
+        <p:nvSpPr>
+          <p:cNvPr id="73" name="사각형: 둥근 모서리 72">
+            <a:extLst>
+              <a:ext uri="{FF2B5EF4-FFF2-40B4-BE49-F238E27FC236}">
+                <a16:creationId xmlns:a16="http://schemas.microsoft.com/office/drawing/2014/main" id="{050D8438-7982-4C6D-A88B-7801CD2300FE}"/>
+              </a:ext>
+            </a:extLst>
+          </p:cNvPr>
+          <p:cNvSpPr/>
+          <p:nvPr/>
+        </p:nvSpPr>
+        <p:spPr>
+          <a:xfrm>
+            <a:off x="5868144" y="3281986"/>
+            <a:ext cx="1440160" cy="268948"/>
+          </a:xfrm>
+          <a:prstGeom prst="roundRect">
+            <a:avLst>
+              <a:gd name="adj" fmla="val 14105"/>
+            </a:avLst>
+          </a:prstGeom>
+          <a:solidFill>
+            <a:schemeClr val="accent2">
+              <a:lumMod val="20000"/>
+              <a:lumOff val="80000"/>
+            </a:schemeClr>
+          </a:solidFill>
+        </p:spPr>
+        <p:style>
+          <a:lnRef idx="2">
+            <a:schemeClr val="dk1"/>
+          </a:lnRef>
+          <a:fillRef idx="1">
+            <a:schemeClr val="lt1"/>
+          </a:fillRef>
+          <a:effectRef idx="0">
+            <a:schemeClr val="dk1"/>
+          </a:effectRef>
+          <a:fontRef idx="minor">
+            <a:schemeClr val="dk1"/>
+          </a:fontRef>
+        </p:style>
+        <p:txBody>
+          <a:bodyPr rtlCol="0" anchor="ctr"/>
+          <a:lstStyle/>
+          <a:p>
+            <a:pPr algn="ctr"/>
+            <a:r>
+              <a:rPr lang="en-US" altLang="ko-KR" sz="1100"/>
+              <a:t>Partition </a:t>
+            </a:r>
+            <a:r>
+              <a:rPr lang="en-US" altLang="ko-KR" sz="1100" dirty="0"/>
+              <a:t>2</a:t>
+            </a:r>
+            <a:endParaRPr lang="ko-KR" altLang="en-US" sz="1100" dirty="0"/>
+          </a:p>
+        </p:txBody>
+      </p:sp>
+      <p:sp>
+        <p:nvSpPr>
+          <p:cNvPr id="74" name="사각형: 둥근 모서리 73">
+            <a:extLst>
+              <a:ext uri="{FF2B5EF4-FFF2-40B4-BE49-F238E27FC236}">
+                <a16:creationId xmlns:a16="http://schemas.microsoft.com/office/drawing/2014/main" id="{310FF450-E455-4CDD-9246-557B0E07B241}"/>
+              </a:ext>
+            </a:extLst>
+          </p:cNvPr>
+          <p:cNvSpPr/>
+          <p:nvPr/>
+        </p:nvSpPr>
+        <p:spPr>
+          <a:xfrm>
+            <a:off x="1460210" y="4258806"/>
+            <a:ext cx="1872208" cy="307777"/>
+          </a:xfrm>
+          <a:prstGeom prst="roundRect">
+            <a:avLst>
+              <a:gd name="adj" fmla="val 25008"/>
+            </a:avLst>
+          </a:prstGeom>
+          <a:noFill/>
+        </p:spPr>
+        <p:style>
+          <a:lnRef idx="2">
+            <a:schemeClr val="dk1"/>
+          </a:lnRef>
+          <a:fillRef idx="1">
+            <a:schemeClr val="lt1"/>
+          </a:fillRef>
+          <a:effectRef idx="0">
+            <a:schemeClr val="dk1"/>
+          </a:effectRef>
+          <a:fontRef idx="minor">
+            <a:schemeClr val="dk1"/>
+          </a:fontRef>
+        </p:style>
+        <p:txBody>
+          <a:bodyPr rtlCol="0" anchor="ctr"/>
+          <a:lstStyle/>
+          <a:p>
+            <a:pPr algn="ctr"/>
+            <a:r>
+              <a:rPr lang="en-US" altLang="ko-KR" sz="1400"/>
+              <a:t>Zookeeper</a:t>
+            </a:r>
+            <a:endParaRPr lang="ko-KR" altLang="en-US" sz="1400" dirty="0"/>
+          </a:p>
+        </p:txBody>
+      </p:sp>
+      <p:cxnSp>
+        <p:nvCxnSpPr>
+          <p:cNvPr id="79" name="직선 화살표 연결선 78">
+            <a:extLst>
+              <a:ext uri="{FF2B5EF4-FFF2-40B4-BE49-F238E27FC236}">
+                <a16:creationId xmlns:a16="http://schemas.microsoft.com/office/drawing/2014/main" id="{2A1AECB2-35D2-425D-A059-8CED21029DBB}"/>
+              </a:ext>
+            </a:extLst>
+          </p:cNvPr>
+          <p:cNvCxnSpPr>
+            <a:cxnSpLocks/>
+            <a:stCxn id="45" idx="1"/>
+            <a:endCxn id="42" idx="3"/>
+          </p:cNvCxnSpPr>
+          <p:nvPr/>
+        </p:nvCxnSpPr>
+        <p:spPr>
+          <a:xfrm flipH="1">
+            <a:off x="5436096" y="4412695"/>
+            <a:ext cx="216025" cy="0"/>
+          </a:xfrm>
+          <a:prstGeom prst="straightConnector1">
+            <a:avLst/>
+          </a:prstGeom>
+          <a:ln w="19050">
+            <a:solidFill>
+              <a:schemeClr val="tx1"/>
+            </a:solidFill>
+            <a:headEnd type="arrow" w="med" len="med"/>
+            <a:tailEnd type="arrow" w="med" len="med"/>
+          </a:ln>
+        </p:spPr>
+        <p:style>
+          <a:lnRef idx="1">
+            <a:schemeClr val="accent1"/>
+          </a:lnRef>
+          <a:fillRef idx="0">
+            <a:schemeClr val="accent1"/>
+          </a:fillRef>
+          <a:effectRef idx="0">
+            <a:schemeClr val="accent1"/>
+          </a:effectRef>
+          <a:fontRef idx="minor">
+            <a:schemeClr val="tx1"/>
+          </a:fontRef>
+        </p:style>
+      </p:cxnSp>
+      <p:sp>
+        <p:nvSpPr>
+          <p:cNvPr id="3" name="사각형: 둥근 모서리 2">
+            <a:extLst>
+              <a:ext uri="{FF2B5EF4-FFF2-40B4-BE49-F238E27FC236}">
+                <a16:creationId xmlns:a16="http://schemas.microsoft.com/office/drawing/2014/main" id="{A0251F74-49B2-4DD0-98FA-A17BBF39C197}"/>
+              </a:ext>
+            </a:extLst>
+          </p:cNvPr>
+          <p:cNvSpPr/>
+          <p:nvPr/>
+        </p:nvSpPr>
+        <p:spPr>
+          <a:xfrm>
+            <a:off x="1568670" y="564766"/>
+            <a:ext cx="5862644" cy="1075263"/>
+          </a:xfrm>
+          <a:prstGeom prst="roundRect">
+            <a:avLst>
+              <a:gd name="adj" fmla="val 9108"/>
+            </a:avLst>
+          </a:prstGeom>
+          <a:noFill/>
+          <a:ln>
+            <a:prstDash val="dash"/>
+          </a:ln>
+        </p:spPr>
+        <p:style>
+          <a:lnRef idx="2">
+            <a:schemeClr val="dk1"/>
+          </a:lnRef>
+          <a:fillRef idx="1">
+            <a:schemeClr val="lt1"/>
+          </a:fillRef>
+          <a:effectRef idx="0">
+            <a:schemeClr val="dk1"/>
+          </a:effectRef>
+          <a:fontRef idx="minor">
+            <a:schemeClr val="dk1"/>
+          </a:fontRef>
+        </p:style>
+        <p:txBody>
+          <a:bodyPr rtlCol="0" anchor="b"/>
+          <a:lstStyle/>
+          <a:p>
+            <a:pPr algn="ctr"/>
+            <a:r>
+              <a:rPr lang="en-US" altLang="ko-KR" sz="1400"/>
+              <a:t>Topic A</a:t>
+            </a:r>
+            <a:endParaRPr lang="ko-KR" altLang="en-US" sz="1400"/>
+          </a:p>
+        </p:txBody>
+      </p:sp>
+      <p:sp>
+        <p:nvSpPr>
+          <p:cNvPr id="13" name="사각형: 둥근 모서리 12">
+            <a:extLst>
+              <a:ext uri="{FF2B5EF4-FFF2-40B4-BE49-F238E27FC236}">
+                <a16:creationId xmlns:a16="http://schemas.microsoft.com/office/drawing/2014/main" id="{22E7F032-13ED-4575-8F3C-092CC530ABC3}"/>
+              </a:ext>
+            </a:extLst>
+          </p:cNvPr>
+          <p:cNvSpPr/>
+          <p:nvPr/>
+        </p:nvSpPr>
+        <p:spPr>
+          <a:xfrm>
+            <a:off x="1691680" y="682345"/>
+            <a:ext cx="1440160" cy="268948"/>
+          </a:xfrm>
+          <a:prstGeom prst="roundRect">
+            <a:avLst>
+              <a:gd name="adj" fmla="val 14105"/>
+            </a:avLst>
+          </a:prstGeom>
+          <a:solidFill>
+            <a:schemeClr val="accent2">
+              <a:lumMod val="20000"/>
+              <a:lumOff val="80000"/>
+            </a:schemeClr>
+          </a:solidFill>
+        </p:spPr>
+        <p:style>
+          <a:lnRef idx="2">
+            <a:schemeClr val="dk1"/>
+          </a:lnRef>
+          <a:fillRef idx="1">
+            <a:schemeClr val="lt1"/>
+          </a:fillRef>
+          <a:effectRef idx="0">
+            <a:schemeClr val="dk1"/>
+          </a:effectRef>
+          <a:fontRef idx="minor">
+            <a:schemeClr val="dk1"/>
+          </a:fontRef>
+        </p:style>
+        <p:txBody>
+          <a:bodyPr rtlCol="0" anchor="ctr"/>
+          <a:lstStyle/>
+          <a:p>
+            <a:pPr algn="ctr"/>
+            <a:r>
+              <a:rPr lang="en-US" altLang="ko-KR" sz="1100"/>
+              <a:t>Partition </a:t>
+            </a:r>
+            <a:r>
+              <a:rPr lang="en-US" altLang="ko-KR" sz="1100" dirty="0"/>
+              <a:t>0</a:t>
+            </a:r>
+            <a:endParaRPr lang="ko-KR" altLang="en-US" sz="1100" dirty="0"/>
+          </a:p>
+        </p:txBody>
+      </p:sp>
+      <p:sp>
+        <p:nvSpPr>
+          <p:cNvPr id="43" name="사각형: 둥근 모서리 42">
+            <a:extLst>
+              <a:ext uri="{FF2B5EF4-FFF2-40B4-BE49-F238E27FC236}">
+                <a16:creationId xmlns:a16="http://schemas.microsoft.com/office/drawing/2014/main" id="{1070DDBB-C45F-422E-861A-975578A329CC}"/>
+              </a:ext>
+            </a:extLst>
+          </p:cNvPr>
+          <p:cNvSpPr/>
+          <p:nvPr/>
+        </p:nvSpPr>
+        <p:spPr>
+          <a:xfrm>
+            <a:off x="1691680" y="1048558"/>
+            <a:ext cx="1440160" cy="268948"/>
+          </a:xfrm>
+          <a:prstGeom prst="roundRect">
+            <a:avLst>
+              <a:gd name="adj" fmla="val 14105"/>
+            </a:avLst>
+          </a:prstGeom>
+          <a:solidFill>
+            <a:schemeClr val="accent1">
+              <a:lumMod val="20000"/>
+              <a:lumOff val="80000"/>
+            </a:schemeClr>
+          </a:solidFill>
+        </p:spPr>
+        <p:style>
+          <a:lnRef idx="2">
+            <a:schemeClr val="dk1"/>
+          </a:lnRef>
+          <a:fillRef idx="1">
+            <a:schemeClr val="lt1"/>
+          </a:fillRef>
+          <a:effectRef idx="0">
+            <a:schemeClr val="dk1"/>
+          </a:effectRef>
+          <a:fontRef idx="minor">
+            <a:schemeClr val="dk1"/>
+          </a:fontRef>
+        </p:style>
+        <p:txBody>
+          <a:bodyPr rtlCol="0" anchor="ctr"/>
+          <a:lstStyle/>
+          <a:p>
+            <a:pPr algn="ctr"/>
+            <a:r>
+              <a:rPr lang="en-US" altLang="ko-KR" sz="1100"/>
+              <a:t>Partition </a:t>
+            </a:r>
+            <a:r>
+              <a:rPr lang="en-US" altLang="ko-KR" sz="1100" dirty="0"/>
+              <a:t>1</a:t>
+            </a:r>
+            <a:endParaRPr lang="ko-KR" altLang="en-US" sz="1100" dirty="0"/>
+          </a:p>
+        </p:txBody>
+      </p:sp>
+      <p:sp>
+        <p:nvSpPr>
+          <p:cNvPr id="59" name="사각형: 둥근 모서리 58">
+            <a:extLst>
+              <a:ext uri="{FF2B5EF4-FFF2-40B4-BE49-F238E27FC236}">
+                <a16:creationId xmlns:a16="http://schemas.microsoft.com/office/drawing/2014/main" id="{864C36CA-B2B1-4C62-84BC-8CE2E6415074}"/>
+              </a:ext>
+            </a:extLst>
+          </p:cNvPr>
+          <p:cNvSpPr/>
+          <p:nvPr/>
+        </p:nvSpPr>
+        <p:spPr>
+          <a:xfrm>
+            <a:off x="3779912" y="682345"/>
+            <a:ext cx="1440160" cy="268948"/>
+          </a:xfrm>
+          <a:prstGeom prst="roundRect">
+            <a:avLst>
+              <a:gd name="adj" fmla="val 14105"/>
+            </a:avLst>
+          </a:prstGeom>
+          <a:solidFill>
+            <a:schemeClr val="accent1">
+              <a:lumMod val="20000"/>
+              <a:lumOff val="80000"/>
+            </a:schemeClr>
+          </a:solidFill>
+        </p:spPr>
+        <p:style>
+          <a:lnRef idx="2">
+            <a:schemeClr val="dk1"/>
+          </a:lnRef>
+          <a:fillRef idx="1">
+            <a:schemeClr val="lt1"/>
+          </a:fillRef>
+          <a:effectRef idx="0">
+            <a:schemeClr val="dk1"/>
+          </a:effectRef>
+          <a:fontRef idx="minor">
+            <a:schemeClr val="dk1"/>
+          </a:fontRef>
+        </p:style>
+        <p:txBody>
+          <a:bodyPr rtlCol="0" anchor="ctr"/>
+          <a:lstStyle/>
+          <a:p>
+            <a:pPr algn="ctr"/>
+            <a:r>
+              <a:rPr lang="en-US" altLang="ko-KR" sz="1100"/>
+              <a:t>Partition </a:t>
+            </a:r>
+            <a:r>
+              <a:rPr lang="en-US" altLang="ko-KR" sz="1100" dirty="0"/>
+              <a:t>0</a:t>
+            </a:r>
+            <a:endParaRPr lang="ko-KR" altLang="en-US" sz="1100" dirty="0"/>
+          </a:p>
+        </p:txBody>
+      </p:sp>
+      <p:sp>
+        <p:nvSpPr>
+          <p:cNvPr id="61" name="사각형: 둥근 모서리 60">
+            <a:extLst>
+              <a:ext uri="{FF2B5EF4-FFF2-40B4-BE49-F238E27FC236}">
+                <a16:creationId xmlns:a16="http://schemas.microsoft.com/office/drawing/2014/main" id="{8847AFD1-B7E6-4B29-BB80-578C46B9A5AC}"/>
+              </a:ext>
+            </a:extLst>
+          </p:cNvPr>
+          <p:cNvSpPr/>
+          <p:nvPr/>
+        </p:nvSpPr>
+        <p:spPr>
+          <a:xfrm>
+            <a:off x="3779912" y="1048558"/>
+            <a:ext cx="1440160" cy="268948"/>
+          </a:xfrm>
+          <a:prstGeom prst="roundRect">
+            <a:avLst>
+              <a:gd name="adj" fmla="val 14105"/>
+            </a:avLst>
+          </a:prstGeom>
+          <a:solidFill>
+            <a:schemeClr val="accent2">
+              <a:lumMod val="20000"/>
+              <a:lumOff val="80000"/>
+            </a:schemeClr>
+          </a:solidFill>
+        </p:spPr>
+        <p:style>
+          <a:lnRef idx="2">
+            <a:schemeClr val="dk1"/>
+          </a:lnRef>
+          <a:fillRef idx="1">
+            <a:schemeClr val="lt1"/>
+          </a:fillRef>
+          <a:effectRef idx="0">
+            <a:schemeClr val="dk1"/>
+          </a:effectRef>
+          <a:fontRef idx="minor">
+            <a:schemeClr val="dk1"/>
+          </a:fontRef>
+        </p:style>
+        <p:txBody>
+          <a:bodyPr rtlCol="0" anchor="ctr"/>
+          <a:lstStyle/>
+          <a:p>
+            <a:pPr algn="ctr"/>
+            <a:r>
+              <a:rPr lang="en-US" altLang="ko-KR" sz="1100"/>
+              <a:t>Partition </a:t>
+            </a:r>
+            <a:r>
+              <a:rPr lang="en-US" altLang="ko-KR" sz="1100" dirty="0"/>
+              <a:t>1</a:t>
+            </a:r>
+            <a:endParaRPr lang="ko-KR" altLang="en-US" sz="1100" dirty="0"/>
+          </a:p>
+        </p:txBody>
+      </p:sp>
+      <p:sp>
+        <p:nvSpPr>
+          <p:cNvPr id="68" name="사각형: 둥근 모서리 67">
+            <a:extLst>
+              <a:ext uri="{FF2B5EF4-FFF2-40B4-BE49-F238E27FC236}">
+                <a16:creationId xmlns:a16="http://schemas.microsoft.com/office/drawing/2014/main" id="{8E094E8F-532F-442F-B6E4-AEF302B45199}"/>
+              </a:ext>
+            </a:extLst>
+          </p:cNvPr>
+          <p:cNvSpPr/>
+          <p:nvPr/>
+        </p:nvSpPr>
+        <p:spPr>
+          <a:xfrm>
+            <a:off x="5868144" y="682345"/>
+            <a:ext cx="1440160" cy="268948"/>
+          </a:xfrm>
+          <a:prstGeom prst="roundRect">
+            <a:avLst>
+              <a:gd name="adj" fmla="val 14105"/>
+            </a:avLst>
+          </a:prstGeom>
+          <a:solidFill>
+            <a:schemeClr val="accent1">
+              <a:lumMod val="20000"/>
+              <a:lumOff val="80000"/>
+            </a:schemeClr>
+          </a:solidFill>
+        </p:spPr>
+        <p:style>
+          <a:lnRef idx="2">
+            <a:schemeClr val="dk1"/>
+          </a:lnRef>
+          <a:fillRef idx="1">
+            <a:schemeClr val="lt1"/>
+          </a:fillRef>
+          <a:effectRef idx="0">
+            <a:schemeClr val="dk1"/>
+          </a:effectRef>
+          <a:fontRef idx="minor">
+            <a:schemeClr val="dk1"/>
+          </a:fontRef>
+        </p:style>
+        <p:txBody>
+          <a:bodyPr rtlCol="0" anchor="ctr"/>
+          <a:lstStyle/>
+          <a:p>
+            <a:pPr algn="ctr"/>
+            <a:r>
+              <a:rPr lang="en-US" altLang="ko-KR" sz="1100"/>
+              <a:t>Partition </a:t>
+            </a:r>
+            <a:r>
+              <a:rPr lang="en-US" altLang="ko-KR" sz="1100" dirty="0"/>
+              <a:t>0</a:t>
+            </a:r>
+            <a:endParaRPr lang="ko-KR" altLang="en-US" sz="1100" dirty="0"/>
+          </a:p>
+        </p:txBody>
+      </p:sp>
+      <p:sp>
+        <p:nvSpPr>
+          <p:cNvPr id="69" name="사각형: 둥근 모서리 68">
+            <a:extLst>
+              <a:ext uri="{FF2B5EF4-FFF2-40B4-BE49-F238E27FC236}">
+                <a16:creationId xmlns:a16="http://schemas.microsoft.com/office/drawing/2014/main" id="{5CBD8317-73E4-404D-BF25-BA454EE35500}"/>
+              </a:ext>
+            </a:extLst>
+          </p:cNvPr>
+          <p:cNvSpPr/>
+          <p:nvPr/>
+        </p:nvSpPr>
+        <p:spPr>
+          <a:xfrm>
+            <a:off x="5868144" y="1048558"/>
+            <a:ext cx="1440160" cy="268948"/>
+          </a:xfrm>
+          <a:prstGeom prst="roundRect">
+            <a:avLst>
+              <a:gd name="adj" fmla="val 14105"/>
+            </a:avLst>
+          </a:prstGeom>
+          <a:solidFill>
+            <a:schemeClr val="accent1">
+              <a:lumMod val="20000"/>
+              <a:lumOff val="80000"/>
+            </a:schemeClr>
+          </a:solidFill>
+        </p:spPr>
+        <p:style>
+          <a:lnRef idx="2">
+            <a:schemeClr val="dk1"/>
+          </a:lnRef>
+          <a:fillRef idx="1">
+            <a:schemeClr val="lt1"/>
+          </a:fillRef>
+          <a:effectRef idx="0">
+            <a:schemeClr val="dk1"/>
+          </a:effectRef>
+          <a:fontRef idx="minor">
+            <a:schemeClr val="dk1"/>
+          </a:fontRef>
+        </p:style>
+        <p:txBody>
+          <a:bodyPr rtlCol="0" anchor="ctr"/>
+          <a:lstStyle/>
+          <a:p>
+            <a:pPr algn="ctr"/>
+            <a:r>
+              <a:rPr lang="en-US" altLang="ko-KR" sz="1100"/>
+              <a:t>Partition </a:t>
+            </a:r>
+            <a:r>
+              <a:rPr lang="en-US" altLang="ko-KR" sz="1100" dirty="0"/>
+              <a:t>1</a:t>
+            </a:r>
+            <a:endParaRPr lang="ko-KR" altLang="en-US" sz="1100" dirty="0"/>
+          </a:p>
+        </p:txBody>
+      </p:sp>
+      <p:sp>
+        <p:nvSpPr>
+          <p:cNvPr id="31" name="사각형: 둥근 모서리 30">
+            <a:extLst>
+              <a:ext uri="{FF2B5EF4-FFF2-40B4-BE49-F238E27FC236}">
+                <a16:creationId xmlns:a16="http://schemas.microsoft.com/office/drawing/2014/main" id="{0D9F8112-227F-4F6E-A135-A2A694B0FCDB}"/>
+              </a:ext>
+            </a:extLst>
+          </p:cNvPr>
+          <p:cNvSpPr/>
+          <p:nvPr/>
+        </p:nvSpPr>
+        <p:spPr>
+          <a:xfrm>
+            <a:off x="1568670" y="1720585"/>
+            <a:ext cx="5862644" cy="633079"/>
+          </a:xfrm>
+          <a:prstGeom prst="roundRect">
+            <a:avLst>
+              <a:gd name="adj" fmla="val 9108"/>
+            </a:avLst>
+          </a:prstGeom>
+          <a:noFill/>
+          <a:ln>
+            <a:prstDash val="dash"/>
+          </a:ln>
+        </p:spPr>
+        <p:style>
+          <a:lnRef idx="2">
+            <a:schemeClr val="dk1"/>
+          </a:lnRef>
+          <a:fillRef idx="1">
+            <a:schemeClr val="lt1"/>
+          </a:fillRef>
+          <a:effectRef idx="0">
+            <a:schemeClr val="dk1"/>
+          </a:effectRef>
+          <a:fontRef idx="minor">
+            <a:schemeClr val="dk1"/>
+          </a:fontRef>
+        </p:style>
+        <p:txBody>
+          <a:bodyPr rtlCol="0" anchor="b"/>
+          <a:lstStyle/>
+          <a:p>
+            <a:pPr algn="ctr"/>
+            <a:r>
+              <a:rPr lang="en-US" altLang="ko-KR" sz="1400"/>
+              <a:t>Topic B</a:t>
+            </a:r>
+            <a:endParaRPr lang="ko-KR" altLang="en-US" sz="1400"/>
+          </a:p>
+        </p:txBody>
+      </p:sp>
+      <p:sp>
+        <p:nvSpPr>
+          <p:cNvPr id="32" name="사각형: 둥근 모서리 31">
+            <a:extLst>
+              <a:ext uri="{FF2B5EF4-FFF2-40B4-BE49-F238E27FC236}">
+                <a16:creationId xmlns:a16="http://schemas.microsoft.com/office/drawing/2014/main" id="{4E1C50CF-EB0B-4961-9D79-9F68FF1B10AD}"/>
+              </a:ext>
+            </a:extLst>
+          </p:cNvPr>
+          <p:cNvSpPr/>
+          <p:nvPr/>
+        </p:nvSpPr>
+        <p:spPr>
+          <a:xfrm>
+            <a:off x="1568670" y="2434221"/>
+            <a:ext cx="5862644" cy="1426913"/>
+          </a:xfrm>
+          <a:prstGeom prst="roundRect">
+            <a:avLst>
+              <a:gd name="adj" fmla="val 5548"/>
+            </a:avLst>
+          </a:prstGeom>
+          <a:noFill/>
+          <a:ln>
+            <a:prstDash val="dash"/>
+          </a:ln>
+        </p:spPr>
+        <p:style>
+          <a:lnRef idx="2">
+            <a:schemeClr val="dk1"/>
+          </a:lnRef>
+          <a:fillRef idx="1">
+            <a:schemeClr val="lt1"/>
+          </a:fillRef>
+          <a:effectRef idx="0">
+            <a:schemeClr val="dk1"/>
+          </a:effectRef>
+          <a:fontRef idx="minor">
+            <a:schemeClr val="dk1"/>
+          </a:fontRef>
+        </p:style>
+        <p:txBody>
+          <a:bodyPr rtlCol="0" anchor="b"/>
+          <a:lstStyle/>
+          <a:p>
+            <a:pPr algn="ctr"/>
+            <a:r>
+              <a:rPr lang="en-US" altLang="ko-KR" sz="1400"/>
+              <a:t>Topic C</a:t>
+            </a:r>
+            <a:endParaRPr lang="ko-KR" altLang="en-US" sz="1400"/>
+          </a:p>
+        </p:txBody>
+      </p:sp>
+      <p:sp>
+        <p:nvSpPr>
+          <p:cNvPr id="34" name="사각형: 둥근 모서리 33">
+            <a:extLst>
+              <a:ext uri="{FF2B5EF4-FFF2-40B4-BE49-F238E27FC236}">
+                <a16:creationId xmlns:a16="http://schemas.microsoft.com/office/drawing/2014/main" id="{886B18E4-F82A-431B-95F8-1DC0095C6A39}"/>
+              </a:ext>
+            </a:extLst>
+          </p:cNvPr>
+          <p:cNvSpPr/>
+          <p:nvPr/>
+        </p:nvSpPr>
+        <p:spPr>
+          <a:xfrm>
+            <a:off x="2627784" y="4703308"/>
+            <a:ext cx="648072" cy="246063"/>
+          </a:xfrm>
+          <a:prstGeom prst="roundRect">
+            <a:avLst>
+              <a:gd name="adj" fmla="val 14105"/>
+            </a:avLst>
+          </a:prstGeom>
+          <a:solidFill>
+            <a:schemeClr val="accent2">
+              <a:lumMod val="20000"/>
+              <a:lumOff val="80000"/>
+            </a:schemeClr>
+          </a:solidFill>
+        </p:spPr>
+        <p:style>
+          <a:lnRef idx="2">
+            <a:schemeClr val="dk1"/>
+          </a:lnRef>
+          <a:fillRef idx="1">
+            <a:schemeClr val="lt1"/>
+          </a:fillRef>
+          <a:effectRef idx="0">
+            <a:schemeClr val="dk1"/>
+          </a:effectRef>
+          <a:fontRef idx="minor">
+            <a:schemeClr val="dk1"/>
+          </a:fontRef>
+        </p:style>
+        <p:txBody>
+          <a:bodyPr rtlCol="0" anchor="ctr"/>
+          <a:lstStyle/>
+          <a:p>
+            <a:pPr algn="ctr"/>
+            <a:endParaRPr lang="ko-KR" altLang="en-US" sz="1100" dirty="0"/>
+          </a:p>
+        </p:txBody>
+      </p:sp>
+      <p:sp>
+        <p:nvSpPr>
+          <p:cNvPr id="35" name="사각형: 둥근 모서리 34">
+            <a:extLst>
+              <a:ext uri="{FF2B5EF4-FFF2-40B4-BE49-F238E27FC236}">
+                <a16:creationId xmlns:a16="http://schemas.microsoft.com/office/drawing/2014/main" id="{5552FB7B-B9C6-4993-867C-BD77AB3DB5A5}"/>
+              </a:ext>
+            </a:extLst>
+          </p:cNvPr>
+          <p:cNvSpPr/>
+          <p:nvPr/>
+        </p:nvSpPr>
+        <p:spPr>
+          <a:xfrm>
+            <a:off x="4735962" y="4703307"/>
+            <a:ext cx="648072" cy="246063"/>
+          </a:xfrm>
+          <a:prstGeom prst="roundRect">
+            <a:avLst>
+              <a:gd name="adj" fmla="val 14105"/>
+            </a:avLst>
+          </a:prstGeom>
+          <a:solidFill>
+            <a:schemeClr val="accent1">
+              <a:lumMod val="20000"/>
+              <a:lumOff val="80000"/>
+            </a:schemeClr>
+          </a:solidFill>
+        </p:spPr>
+        <p:style>
+          <a:lnRef idx="2">
+            <a:schemeClr val="dk1"/>
+          </a:lnRef>
+          <a:fillRef idx="1">
+            <a:schemeClr val="lt1"/>
+          </a:fillRef>
+          <a:effectRef idx="0">
+            <a:schemeClr val="dk1"/>
+          </a:effectRef>
+          <a:fontRef idx="minor">
+            <a:schemeClr val="dk1"/>
+          </a:fontRef>
+        </p:style>
+        <p:txBody>
+          <a:bodyPr rtlCol="0" anchor="ctr"/>
+          <a:lstStyle/>
+          <a:p>
+            <a:pPr algn="ctr"/>
+            <a:endParaRPr lang="ko-KR" altLang="en-US" sz="1100" dirty="0"/>
+          </a:p>
+        </p:txBody>
+      </p:sp>
+      <p:sp>
+        <p:nvSpPr>
+          <p:cNvPr id="5" name="TextBox 4">
+            <a:extLst>
+              <a:ext uri="{FF2B5EF4-FFF2-40B4-BE49-F238E27FC236}">
+                <a16:creationId xmlns:a16="http://schemas.microsoft.com/office/drawing/2014/main" id="{AA3D8720-8599-4976-A904-4AB34821EC41}"/>
+              </a:ext>
+            </a:extLst>
+          </p:cNvPr>
+          <p:cNvSpPr txBox="1"/>
+          <p:nvPr/>
+        </p:nvSpPr>
+        <p:spPr>
+          <a:xfrm>
+            <a:off x="3275856" y="4675680"/>
+            <a:ext cx="740026" cy="307777"/>
+          </a:xfrm>
+          <a:prstGeom prst="rect">
+            <a:avLst/>
+          </a:prstGeom>
+          <a:noFill/>
+        </p:spPr>
+        <p:txBody>
+          <a:bodyPr wrap="square" rtlCol="0" anchor="ctr">
+            <a:spAutoFit/>
+          </a:bodyPr>
+          <a:lstStyle/>
+          <a:p>
+            <a:pPr algn="ctr"/>
+            <a:r>
+              <a:rPr lang="en-US" altLang="ko-KR" sz="1400"/>
+              <a:t>Leader</a:t>
+            </a:r>
+            <a:endParaRPr lang="ko-KR" altLang="en-US" sz="1400"/>
+          </a:p>
+        </p:txBody>
+      </p:sp>
+      <p:sp>
+        <p:nvSpPr>
+          <p:cNvPr id="37" name="TextBox 36">
+            <a:extLst>
+              <a:ext uri="{FF2B5EF4-FFF2-40B4-BE49-F238E27FC236}">
+                <a16:creationId xmlns:a16="http://schemas.microsoft.com/office/drawing/2014/main" id="{138F7836-E78C-4A74-A5F9-9B87C18B1EB8}"/>
+              </a:ext>
+            </a:extLst>
+          </p:cNvPr>
+          <p:cNvSpPr txBox="1"/>
+          <p:nvPr/>
+        </p:nvSpPr>
+        <p:spPr>
+          <a:xfrm>
+            <a:off x="5384034" y="4675680"/>
+            <a:ext cx="916158" cy="307777"/>
+          </a:xfrm>
+          <a:prstGeom prst="rect">
+            <a:avLst/>
+          </a:prstGeom>
+          <a:noFill/>
+        </p:spPr>
+        <p:txBody>
+          <a:bodyPr wrap="square" rtlCol="0" anchor="ctr">
+            <a:spAutoFit/>
+          </a:bodyPr>
+          <a:lstStyle/>
+          <a:p>
+            <a:pPr algn="ctr"/>
+            <a:r>
+              <a:rPr lang="en-US" altLang="ko-KR" sz="1400"/>
+              <a:t>Follower</a:t>
+            </a:r>
+            <a:endParaRPr lang="ko-KR" altLang="en-US" sz="1400"/>
+          </a:p>
+        </p:txBody>
+      </p:sp>
+      <p:sp>
+        <p:nvSpPr>
+          <p:cNvPr id="42" name="사각형: 둥근 모서리 41">
+            <a:extLst>
+              <a:ext uri="{FF2B5EF4-FFF2-40B4-BE49-F238E27FC236}">
+                <a16:creationId xmlns:a16="http://schemas.microsoft.com/office/drawing/2014/main" id="{7926FE97-357E-4F9C-B81C-6AB1806CE577}"/>
+              </a:ext>
+            </a:extLst>
+          </p:cNvPr>
+          <p:cNvSpPr/>
+          <p:nvPr/>
+        </p:nvSpPr>
+        <p:spPr>
+          <a:xfrm>
+            <a:off x="3563888" y="4258806"/>
+            <a:ext cx="1872208" cy="307777"/>
+          </a:xfrm>
+          <a:prstGeom prst="roundRect">
+            <a:avLst>
+              <a:gd name="adj" fmla="val 25008"/>
+            </a:avLst>
+          </a:prstGeom>
+          <a:noFill/>
+        </p:spPr>
+        <p:style>
+          <a:lnRef idx="2">
+            <a:schemeClr val="dk1"/>
+          </a:lnRef>
+          <a:fillRef idx="1">
+            <a:schemeClr val="lt1"/>
+          </a:fillRef>
+          <a:effectRef idx="0">
+            <a:schemeClr val="dk1"/>
+          </a:effectRef>
+          <a:fontRef idx="minor">
+            <a:schemeClr val="dk1"/>
+          </a:fontRef>
+        </p:style>
+        <p:txBody>
+          <a:bodyPr rtlCol="0" anchor="ctr"/>
+          <a:lstStyle/>
+          <a:p>
+            <a:pPr algn="ctr"/>
+            <a:r>
+              <a:rPr lang="en-US" altLang="ko-KR" sz="1400"/>
+              <a:t>Zookeeper</a:t>
+            </a:r>
+            <a:endParaRPr lang="ko-KR" altLang="en-US" sz="1400" dirty="0"/>
+          </a:p>
+        </p:txBody>
+      </p:sp>
+      <p:sp>
+        <p:nvSpPr>
+          <p:cNvPr id="45" name="사각형: 둥근 모서리 44">
+            <a:extLst>
+              <a:ext uri="{FF2B5EF4-FFF2-40B4-BE49-F238E27FC236}">
+                <a16:creationId xmlns:a16="http://schemas.microsoft.com/office/drawing/2014/main" id="{6D7EA8E5-1AFE-4D3E-9793-FD7909C76405}"/>
+              </a:ext>
+            </a:extLst>
+          </p:cNvPr>
+          <p:cNvSpPr/>
+          <p:nvPr/>
+        </p:nvSpPr>
+        <p:spPr>
+          <a:xfrm>
+            <a:off x="5652121" y="4258806"/>
+            <a:ext cx="1872208" cy="307777"/>
+          </a:xfrm>
+          <a:prstGeom prst="roundRect">
+            <a:avLst>
+              <a:gd name="adj" fmla="val 25008"/>
+            </a:avLst>
+          </a:prstGeom>
+          <a:noFill/>
+        </p:spPr>
+        <p:style>
+          <a:lnRef idx="2">
+            <a:schemeClr val="dk1"/>
+          </a:lnRef>
+          <a:fillRef idx="1">
+            <a:schemeClr val="lt1"/>
+          </a:fillRef>
+          <a:effectRef idx="0">
+            <a:schemeClr val="dk1"/>
+          </a:effectRef>
+          <a:fontRef idx="minor">
+            <a:schemeClr val="dk1"/>
+          </a:fontRef>
+        </p:style>
+        <p:txBody>
+          <a:bodyPr rtlCol="0" anchor="ctr"/>
+          <a:lstStyle/>
+          <a:p>
+            <a:pPr algn="ctr"/>
+            <a:r>
+              <a:rPr lang="en-US" altLang="ko-KR" sz="1400"/>
+              <a:t>Zookeeper</a:t>
+            </a:r>
+            <a:endParaRPr lang="ko-KR" altLang="en-US" sz="1400" dirty="0"/>
+          </a:p>
+        </p:txBody>
+      </p:sp>
+      <p:cxnSp>
+        <p:nvCxnSpPr>
+          <p:cNvPr id="48" name="직선 화살표 연결선 47">
+            <a:extLst>
+              <a:ext uri="{FF2B5EF4-FFF2-40B4-BE49-F238E27FC236}">
+                <a16:creationId xmlns:a16="http://schemas.microsoft.com/office/drawing/2014/main" id="{CB6D47E7-F697-405F-96B3-B9D5BB94E2EE}"/>
+              </a:ext>
+            </a:extLst>
+          </p:cNvPr>
+          <p:cNvCxnSpPr>
+            <a:cxnSpLocks/>
+            <a:stCxn id="42" idx="1"/>
+            <a:endCxn id="74" idx="3"/>
+          </p:cNvCxnSpPr>
+          <p:nvPr/>
+        </p:nvCxnSpPr>
+        <p:spPr>
+          <a:xfrm flipH="1">
+            <a:off x="3332418" y="4412695"/>
+            <a:ext cx="231470" cy="0"/>
+          </a:xfrm>
+          <a:prstGeom prst="straightConnector1">
+            <a:avLst/>
+          </a:prstGeom>
+          <a:ln w="19050">
+            <a:solidFill>
+              <a:schemeClr val="tx1"/>
+            </a:solidFill>
+            <a:headEnd type="arrow" w="med" len="med"/>
+            <a:tailEnd type="arrow" w="med" len="med"/>
+          </a:ln>
+        </p:spPr>
+        <p:style>
+          <a:lnRef idx="1">
+            <a:schemeClr val="accent1"/>
+          </a:lnRef>
+          <a:fillRef idx="0">
+            <a:schemeClr val="accent1"/>
+          </a:fillRef>
+          <a:effectRef idx="0">
+            <a:schemeClr val="accent1"/>
+          </a:effectRef>
+          <a:fontRef idx="minor">
+            <a:schemeClr val="tx1"/>
+          </a:fontRef>
+        </p:style>
+      </p:cxnSp>
+    </p:spTree>
+    <p:extLst>
+      <p:ext uri="{BB962C8B-B14F-4D97-AF65-F5344CB8AC3E}">
+        <p14:creationId xmlns:p14="http://schemas.microsoft.com/office/powerpoint/2010/main" val="2381345592"/>
+      </p:ext>
+    </p:extLst>
+  </p:cSld>
+  <p:clrMapOvr>
+    <a:masterClrMapping/>
+  </p:clrMapOvr>
+</p:sld>
+</file>
+
+<file path=ppt/slides/slide7.xml><?xml version="1.0" encoding="utf-8"?>
 <p:sld xmlns:a="http://schemas.openxmlformats.org/drawingml/2006/main" xmlns:r="http://schemas.openxmlformats.org/officeDocument/2006/relationships" xmlns:p="http://schemas.openxmlformats.org/presentationml/2006/main">
   <p:cSld>
     <p:spTree>
